--- a/crawl/GSKY_Crawl_MAS.pptx
+++ b/crawl/GSKY_Crawl_MAS.pptx
@@ -9,6 +9,7 @@
     <p:sldId id="265" r:id="rId3"/>
     <p:sldId id="261" r:id="rId4"/>
     <p:sldId id="264" r:id="rId5"/>
+    <p:sldId id="266" r:id="rId6"/>
   </p:sldIdLst>
   <p:sldSz cx="12192000" cy="6858000"/>
   <p:notesSz cx="6858000" cy="9144000"/>
@@ -463,7 +464,7 @@
           <a:p>
             <a:fld id="{221F956C-5F97-4262-95A4-17918E5C673A}" type="datetimeFigureOut">
               <a:rPr lang="en-AU" smtClean="0"/>
-              <a:t>23/11/2018</a:t>
+              <a:t>24/11/2018</a:t>
             </a:fld>
             <a:endParaRPr lang="en-AU"/>
           </a:p>
@@ -801,7 +802,7 @@
           <a:p>
             <a:fld id="{221F956C-5F97-4262-95A4-17918E5C673A}" type="datetimeFigureOut">
               <a:rPr lang="en-AU" smtClean="0"/>
-              <a:t>23/11/2018</a:t>
+              <a:t>24/11/2018</a:t>
             </a:fld>
             <a:endParaRPr lang="en-AU"/>
           </a:p>
@@ -1202,7 +1203,7 @@
           <a:p>
             <a:fld id="{221F956C-5F97-4262-95A4-17918E5C673A}" type="datetimeFigureOut">
               <a:rPr lang="en-AU" smtClean="0"/>
-              <a:t>23/11/2018</a:t>
+              <a:t>24/11/2018</a:t>
             </a:fld>
             <a:endParaRPr lang="en-AU"/>
           </a:p>
@@ -1538,7 +1539,7 @@
           <a:p>
             <a:fld id="{221F956C-5F97-4262-95A4-17918E5C673A}" type="datetimeFigureOut">
               <a:rPr lang="en-AU" smtClean="0"/>
-              <a:t>23/11/2018</a:t>
+              <a:t>24/11/2018</a:t>
             </a:fld>
             <a:endParaRPr lang="en-AU"/>
           </a:p>
@@ -1858,7 +1859,7 @@
           <a:p>
             <a:fld id="{221F956C-5F97-4262-95A4-17918E5C673A}" type="datetimeFigureOut">
               <a:rPr lang="en-AU" smtClean="0"/>
-              <a:t>23/11/2018</a:t>
+              <a:t>24/11/2018</a:t>
             </a:fld>
             <a:endParaRPr lang="en-AU"/>
           </a:p>
@@ -2254,7 +2255,7 @@
           <a:p>
             <a:fld id="{221F956C-5F97-4262-95A4-17918E5C673A}" type="datetimeFigureOut">
               <a:rPr lang="en-AU" smtClean="0"/>
-              <a:t>23/11/2018</a:t>
+              <a:t>24/11/2018</a:t>
             </a:fld>
             <a:endParaRPr lang="en-AU"/>
           </a:p>
@@ -2511,7 +2512,7 @@
           <a:p>
             <a:fld id="{221F956C-5F97-4262-95A4-17918E5C673A}" type="datetimeFigureOut">
               <a:rPr lang="en-AU" smtClean="0"/>
-              <a:t>23/11/2018</a:t>
+              <a:t>24/11/2018</a:t>
             </a:fld>
             <a:endParaRPr lang="en-AU"/>
           </a:p>
@@ -2773,7 +2774,7 @@
           <a:p>
             <a:fld id="{221F956C-5F97-4262-95A4-17918E5C673A}" type="datetimeFigureOut">
               <a:rPr lang="en-AU" smtClean="0"/>
-              <a:t>23/11/2018</a:t>
+              <a:t>24/11/2018</a:t>
             </a:fld>
             <a:endParaRPr lang="en-AU"/>
           </a:p>
@@ -3104,7 +3105,7 @@
           <a:p>
             <a:fld id="{221F956C-5F97-4262-95A4-17918E5C673A}" type="datetimeFigureOut">
               <a:rPr lang="en-AU" smtClean="0"/>
-              <a:t>23/11/2018</a:t>
+              <a:t>24/11/2018</a:t>
             </a:fld>
             <a:endParaRPr lang="en-AU"/>
           </a:p>
@@ -3291,7 +3292,7 @@
           <a:p>
             <a:fld id="{221F956C-5F97-4262-95A4-17918E5C673A}" type="datetimeFigureOut">
               <a:rPr lang="en-AU" smtClean="0"/>
-              <a:t>23/11/2018</a:t>
+              <a:t>24/11/2018</a:t>
             </a:fld>
             <a:endParaRPr lang="en-AU"/>
           </a:p>
@@ -3650,7 +3651,7 @@
           <a:p>
             <a:fld id="{221F956C-5F97-4262-95A4-17918E5C673A}" type="datetimeFigureOut">
               <a:rPr lang="en-AU" smtClean="0"/>
-              <a:t>23/11/2018</a:t>
+              <a:t>24/11/2018</a:t>
             </a:fld>
             <a:endParaRPr lang="en-AU"/>
           </a:p>
@@ -3973,7 +3974,7 @@
           <a:p>
             <a:fld id="{221F956C-5F97-4262-95A4-17918E5C673A}" type="datetimeFigureOut">
               <a:rPr lang="en-AU" smtClean="0"/>
-              <a:t>23/11/2018</a:t>
+              <a:t>24/11/2018</a:t>
             </a:fld>
             <a:endParaRPr lang="en-AU"/>
           </a:p>
@@ -4430,7 +4431,7 @@
           <a:p>
             <a:fld id="{221F956C-5F97-4262-95A4-17918E5C673A}" type="datetimeFigureOut">
               <a:rPr lang="en-AU" smtClean="0"/>
-              <a:t>23/11/2018</a:t>
+              <a:t>24/11/2018</a:t>
             </a:fld>
             <a:endParaRPr lang="en-AU"/>
           </a:p>
@@ -4635,7 +4636,7 @@
           <a:p>
             <a:fld id="{221F956C-5F97-4262-95A4-17918E5C673A}" type="datetimeFigureOut">
               <a:rPr lang="en-AU" smtClean="0"/>
-              <a:t>23/11/2018</a:t>
+              <a:t>24/11/2018</a:t>
             </a:fld>
             <a:endParaRPr lang="en-AU"/>
           </a:p>
@@ -4812,7 +4813,7 @@
           <a:p>
             <a:fld id="{221F956C-5F97-4262-95A4-17918E5C673A}" type="datetimeFigureOut">
               <a:rPr lang="en-AU" smtClean="0"/>
-              <a:t>23/11/2018</a:t>
+              <a:t>24/11/2018</a:t>
             </a:fld>
             <a:endParaRPr lang="en-AU"/>
           </a:p>
@@ -5145,7 +5146,7 @@
           <a:p>
             <a:fld id="{221F956C-5F97-4262-95A4-17918E5C673A}" type="datetimeFigureOut">
               <a:rPr lang="en-AU" smtClean="0"/>
-              <a:t>23/11/2018</a:t>
+              <a:t>24/11/2018</a:t>
             </a:fld>
             <a:endParaRPr lang="en-AU"/>
           </a:p>
@@ -5334,10 +5335,10 @@
           </a:ln>
           <a:extLst>
             <a:ext uri="{FAA26D3D-D897-4be2-8F04-BA451C77F1D7}">
-              <ma14:placeholderFlag xmlns:ma14="http://schemas.microsoft.com/office/mac/drawingml/2011/main" xmlns="" val="1"/>
+              <ma14:placeholderFlag xmlns="" xmlns:ma14="http://schemas.microsoft.com/office/mac/drawingml/2011/main" val="1"/>
             </a:ext>
             <a:ext uri="{91240B29-F687-4f45-9708-019B960494DF}">
-              <a14:hiddenLine xmlns:a14="http://schemas.microsoft.com/office/drawing/2010/main" xmlns="" w="9525">
+              <a14:hiddenLine xmlns="" xmlns:a14="http://schemas.microsoft.com/office/drawing/2010/main" w="9525">
                 <a:solidFill>
                   <a:srgbClr val="000000"/>
                 </a:solidFill>
@@ -5347,7 +5348,7 @@
               </a14:hiddenLine>
             </a:ext>
             <a:ext uri="{909E8E84-426E-40dd-AFC4-6F175D3DCCD1}">
-              <a14:hiddenFill xmlns:a14="http://schemas.microsoft.com/office/drawing/2010/main" xmlns="">
+              <a14:hiddenFill xmlns="" xmlns:a14="http://schemas.microsoft.com/office/drawing/2010/main">
                 <a:solidFill>
                   <a:srgbClr val="FFFFFF"/>
                 </a:solidFill>
@@ -5396,10 +5397,10 @@
           </a:ln>
           <a:extLst>
             <a:ext uri="{FAA26D3D-D897-4be2-8F04-BA451C77F1D7}">
-              <ma14:placeholderFlag xmlns:ma14="http://schemas.microsoft.com/office/mac/drawingml/2011/main" xmlns="" val="1"/>
+              <ma14:placeholderFlag xmlns="" xmlns:ma14="http://schemas.microsoft.com/office/mac/drawingml/2011/main" val="1"/>
             </a:ext>
             <a:ext uri="{91240B29-F687-4f45-9708-019B960494DF}">
-              <a14:hiddenLine xmlns:a14="http://schemas.microsoft.com/office/drawing/2010/main" xmlns="" w="9525">
+              <a14:hiddenLine xmlns="" xmlns:a14="http://schemas.microsoft.com/office/drawing/2010/main" w="9525">
                 <a:solidFill>
                   <a:srgbClr val="000000"/>
                 </a:solidFill>
@@ -5409,7 +5410,7 @@
               </a14:hiddenLine>
             </a:ext>
             <a:ext uri="{909E8E84-426E-40dd-AFC4-6F175D3DCCD1}">
-              <a14:hiddenFill xmlns:a14="http://schemas.microsoft.com/office/drawing/2010/main" xmlns="">
+              <a14:hiddenFill xmlns="" xmlns:a14="http://schemas.microsoft.com/office/drawing/2010/main">
                 <a:solidFill>
                   <a:srgbClr val="FFFFFF"/>
                 </a:solidFill>
@@ -5491,7 +5492,7 @@
           </a:ln>
           <a:extLst>
             <a:ext uri="{91240B29-F687-4f45-9708-019B960494DF}">
-              <a14:hiddenLine xmlns:a14="http://schemas.microsoft.com/office/drawing/2010/main" xmlns="" w="9525">
+              <a14:hiddenLine xmlns="" xmlns:a14="http://schemas.microsoft.com/office/drawing/2010/main" w="9525">
                 <a:solidFill>
                   <a:srgbClr val="000000"/>
                 </a:solidFill>
@@ -5501,7 +5502,7 @@
               </a14:hiddenLine>
             </a:ext>
             <a:ext uri="{909E8E84-426E-40dd-AFC4-6F175D3DCCD1}">
-              <a14:hiddenFill xmlns:a14="http://schemas.microsoft.com/office/drawing/2010/main" xmlns="">
+              <a14:hiddenFill xmlns="" xmlns:a14="http://schemas.microsoft.com/office/drawing/2010/main">
                 <a:solidFill>
                   <a:srgbClr val="FFFFFF"/>
                 </a:solidFill>
@@ -7890,7 +7891,7 @@
             <a:fld id="{B61BEF0D-F0BB-DE4B-95CE-6DB70DBA9567}" type="datetimeFigureOut">
               <a:rPr lang="en-US" dirty="0"/>
               <a:pPr/>
-              <a:t>11/23/2018</a:t>
+              <a:t>11/24/2018</a:t>
             </a:fld>
             <a:endParaRPr lang="en-US" dirty="0"/>
           </a:p>
@@ -16732,6 +16733,4622 @@
 </p:sld>
 </file>
 
+<file path=ppt/slides/slide4.xml><?xml version="1.0" encoding="utf-8"?>
+<p:sld xmlns:a="http://schemas.openxmlformats.org/drawingml/2006/main" xmlns:r="http://schemas.openxmlformats.org/officeDocument/2006/relationships" xmlns:p="http://schemas.openxmlformats.org/presentationml/2006/main">
+  <p:cSld>
+    <p:spTree>
+      <p:nvGrpSpPr>
+        <p:cNvPr id="1" name=""/>
+        <p:cNvGrpSpPr/>
+        <p:nvPr/>
+      </p:nvGrpSpPr>
+      <p:grpSpPr>
+        <a:xfrm>
+          <a:off x="0" y="0"/>
+          <a:ext cx="0" cy="0"/>
+          <a:chOff x="0" y="0"/>
+          <a:chExt cx="0" cy="0"/>
+        </a:xfrm>
+      </p:grpSpPr>
+      <p:sp>
+        <p:nvSpPr>
+          <p:cNvPr id="105" name="Arrow: Up 104">
+            <a:extLst>
+              <a:ext uri="{FF2B5EF4-FFF2-40B4-BE49-F238E27FC236}">
+                <a16:creationId xmlns:a16="http://schemas.microsoft.com/office/drawing/2014/main" id="{F4BE24DE-7FDC-4284-8896-5EF56E04700F}"/>
+              </a:ext>
+            </a:extLst>
+          </p:cNvPr>
+          <p:cNvSpPr/>
+          <p:nvPr/>
+        </p:nvSpPr>
+        <p:spPr>
+          <a:xfrm rot="10800000">
+            <a:off x="2436963" y="2900089"/>
+            <a:ext cx="220640" cy="205048"/>
+          </a:xfrm>
+          <a:prstGeom prst="upArrow">
+            <a:avLst/>
+          </a:prstGeom>
+          <a:gradFill flip="none" rotWithShape="1">
+            <a:gsLst>
+              <a:gs pos="0">
+                <a:schemeClr val="accent2">
+                  <a:shade val="30000"/>
+                  <a:satMod val="115000"/>
+                </a:schemeClr>
+              </a:gs>
+              <a:gs pos="50000">
+                <a:schemeClr val="accent2">
+                  <a:shade val="67500"/>
+                  <a:satMod val="115000"/>
+                </a:schemeClr>
+              </a:gs>
+              <a:gs pos="100000">
+                <a:schemeClr val="accent2">
+                  <a:shade val="100000"/>
+                  <a:satMod val="115000"/>
+                </a:schemeClr>
+              </a:gs>
+            </a:gsLst>
+            <a:lin ang="16200000" scaled="1"/>
+            <a:tileRect/>
+          </a:gradFill>
+          <a:ln>
+            <a:solidFill>
+              <a:schemeClr val="accent2"/>
+            </a:solidFill>
+          </a:ln>
+        </p:spPr>
+        <p:style>
+          <a:lnRef idx="2">
+            <a:schemeClr val="accent1">
+              <a:shade val="50000"/>
+            </a:schemeClr>
+          </a:lnRef>
+          <a:fillRef idx="1">
+            <a:schemeClr val="accent1"/>
+          </a:fillRef>
+          <a:effectRef idx="0">
+            <a:schemeClr val="accent1"/>
+          </a:effectRef>
+          <a:fontRef idx="minor">
+            <a:schemeClr val="lt1"/>
+          </a:fontRef>
+        </p:style>
+        <p:txBody>
+          <a:bodyPr rtlCol="0" anchor="ctr"/>
+          <a:lstStyle/>
+          <a:p>
+            <a:pPr algn="ctr"/>
+            <a:endParaRPr lang="en-GB"/>
+          </a:p>
+        </p:txBody>
+      </p:sp>
+      <p:sp>
+        <p:nvSpPr>
+          <p:cNvPr id="98" name="Arrow: Up 97">
+            <a:extLst>
+              <a:ext uri="{FF2B5EF4-FFF2-40B4-BE49-F238E27FC236}">
+                <a16:creationId xmlns:a16="http://schemas.microsoft.com/office/drawing/2014/main" id="{FC834116-F94E-4941-9DD8-916C0FFB52DA}"/>
+              </a:ext>
+            </a:extLst>
+          </p:cNvPr>
+          <p:cNvSpPr/>
+          <p:nvPr/>
+        </p:nvSpPr>
+        <p:spPr>
+          <a:xfrm rot="10800000">
+            <a:off x="2469941" y="1239191"/>
+            <a:ext cx="220640" cy="205048"/>
+          </a:xfrm>
+          <a:prstGeom prst="upArrow">
+            <a:avLst/>
+          </a:prstGeom>
+          <a:gradFill flip="none" rotWithShape="1">
+            <a:gsLst>
+              <a:gs pos="0">
+                <a:schemeClr val="accent2">
+                  <a:shade val="30000"/>
+                  <a:satMod val="115000"/>
+                </a:schemeClr>
+              </a:gs>
+              <a:gs pos="50000">
+                <a:schemeClr val="accent2">
+                  <a:shade val="67500"/>
+                  <a:satMod val="115000"/>
+                </a:schemeClr>
+              </a:gs>
+              <a:gs pos="100000">
+                <a:schemeClr val="accent2">
+                  <a:shade val="100000"/>
+                  <a:satMod val="115000"/>
+                </a:schemeClr>
+              </a:gs>
+            </a:gsLst>
+            <a:lin ang="16200000" scaled="1"/>
+            <a:tileRect/>
+          </a:gradFill>
+          <a:ln>
+            <a:solidFill>
+              <a:schemeClr val="accent2"/>
+            </a:solidFill>
+          </a:ln>
+        </p:spPr>
+        <p:style>
+          <a:lnRef idx="2">
+            <a:schemeClr val="accent1">
+              <a:shade val="50000"/>
+            </a:schemeClr>
+          </a:lnRef>
+          <a:fillRef idx="1">
+            <a:schemeClr val="accent1"/>
+          </a:fillRef>
+          <a:effectRef idx="0">
+            <a:schemeClr val="accent1"/>
+          </a:effectRef>
+          <a:fontRef idx="minor">
+            <a:schemeClr val="lt1"/>
+          </a:fontRef>
+        </p:style>
+        <p:txBody>
+          <a:bodyPr rtlCol="0" anchor="ctr"/>
+          <a:lstStyle/>
+          <a:p>
+            <a:pPr algn="ctr"/>
+            <a:endParaRPr lang="en-GB"/>
+          </a:p>
+        </p:txBody>
+      </p:sp>
+      <p:sp>
+        <p:nvSpPr>
+          <p:cNvPr id="93" name="TextBox 92">
+            <a:extLst>
+              <a:ext uri="{FF2B5EF4-FFF2-40B4-BE49-F238E27FC236}">
+                <a16:creationId xmlns:a16="http://schemas.microsoft.com/office/drawing/2014/main" id="{88E66D83-ED77-4098-B84A-C74754726CF1}"/>
+              </a:ext>
+            </a:extLst>
+          </p:cNvPr>
+          <p:cNvSpPr txBox="1"/>
+          <p:nvPr/>
+        </p:nvSpPr>
+        <p:spPr>
+          <a:xfrm>
+            <a:off x="355506" y="1109356"/>
+            <a:ext cx="2424200" cy="415498"/>
+          </a:xfrm>
+          <a:prstGeom prst="rect">
+            <a:avLst/>
+          </a:prstGeom>
+          <a:solidFill>
+            <a:schemeClr val="bg1"/>
+          </a:solidFill>
+          <a:ln>
+            <a:solidFill>
+              <a:schemeClr val="accent1">
+                <a:shade val="50000"/>
+              </a:schemeClr>
+            </a:solidFill>
+          </a:ln>
+        </p:spPr>
+        <p:txBody>
+          <a:bodyPr wrap="square" rtlCol="0">
+            <a:spAutoFit/>
+          </a:bodyPr>
+          <a:lstStyle>
+            <a:defPPr>
+              <a:defRPr lang="en-US"/>
+            </a:defPPr>
+            <a:lvl1pPr marL="171450" indent="-171450">
+              <a:buFontTx/>
+              <a:buChar char="-"/>
+              <a:defRPr sz="700"/>
+            </a:lvl1pPr>
+          </a:lstStyle>
+          <a:p>
+            <a:pPr marL="0" indent="0">
+              <a:buNone/>
+            </a:pPr>
+            <a:endParaRPr lang="en-AU"/>
+          </a:p>
+          <a:p>
+            <a:pPr marL="0" indent="0">
+              <a:buNone/>
+            </a:pPr>
+            <a:endParaRPr lang="en-AU"/>
+          </a:p>
+          <a:p>
+            <a:pPr marL="0" indent="0">
+              <a:buNone/>
+            </a:pPr>
+            <a:endParaRPr lang="en-AU"/>
+          </a:p>
+        </p:txBody>
+      </p:sp>
+      <p:sp>
+        <p:nvSpPr>
+          <p:cNvPr id="95" name="Arrow: Up 94">
+            <a:extLst>
+              <a:ext uri="{FF2B5EF4-FFF2-40B4-BE49-F238E27FC236}">
+                <a16:creationId xmlns:a16="http://schemas.microsoft.com/office/drawing/2014/main" id="{823F3CA4-F860-499B-9C69-A648408A6C80}"/>
+              </a:ext>
+            </a:extLst>
+          </p:cNvPr>
+          <p:cNvSpPr/>
+          <p:nvPr/>
+        </p:nvSpPr>
+        <p:spPr>
+          <a:xfrm rot="16200000" flipH="1">
+            <a:off x="5731733" y="2079411"/>
+            <a:ext cx="220640" cy="205048"/>
+          </a:xfrm>
+          <a:prstGeom prst="upArrow">
+            <a:avLst/>
+          </a:prstGeom>
+          <a:gradFill flip="none" rotWithShape="1">
+            <a:gsLst>
+              <a:gs pos="0">
+                <a:schemeClr val="accent2">
+                  <a:shade val="30000"/>
+                  <a:satMod val="115000"/>
+                </a:schemeClr>
+              </a:gs>
+              <a:gs pos="50000">
+                <a:schemeClr val="accent2">
+                  <a:shade val="67500"/>
+                  <a:satMod val="115000"/>
+                </a:schemeClr>
+              </a:gs>
+              <a:gs pos="100000">
+                <a:schemeClr val="accent2">
+                  <a:shade val="100000"/>
+                  <a:satMod val="115000"/>
+                </a:schemeClr>
+              </a:gs>
+            </a:gsLst>
+            <a:lin ang="16200000" scaled="1"/>
+            <a:tileRect/>
+          </a:gradFill>
+          <a:ln>
+            <a:solidFill>
+              <a:schemeClr val="accent2"/>
+            </a:solidFill>
+          </a:ln>
+        </p:spPr>
+        <p:style>
+          <a:lnRef idx="2">
+            <a:schemeClr val="accent1">
+              <a:shade val="50000"/>
+            </a:schemeClr>
+          </a:lnRef>
+          <a:fillRef idx="1">
+            <a:schemeClr val="accent1"/>
+          </a:fillRef>
+          <a:effectRef idx="0">
+            <a:schemeClr val="accent1"/>
+          </a:effectRef>
+          <a:fontRef idx="minor">
+            <a:schemeClr val="lt1"/>
+          </a:fontRef>
+        </p:style>
+        <p:txBody>
+          <a:bodyPr rtlCol="0" anchor="ctr"/>
+          <a:lstStyle/>
+          <a:p>
+            <a:pPr algn="ctr"/>
+            <a:endParaRPr lang="en-GB"/>
+          </a:p>
+        </p:txBody>
+      </p:sp>
+      <p:sp>
+        <p:nvSpPr>
+          <p:cNvPr id="70" name="Arrow: Up 69">
+            <a:extLst>
+              <a:ext uri="{FF2B5EF4-FFF2-40B4-BE49-F238E27FC236}">
+                <a16:creationId xmlns:a16="http://schemas.microsoft.com/office/drawing/2014/main" id="{FFDDB649-5630-4989-A528-FE6D452F4982}"/>
+              </a:ext>
+            </a:extLst>
+          </p:cNvPr>
+          <p:cNvSpPr/>
+          <p:nvPr/>
+        </p:nvSpPr>
+        <p:spPr>
+          <a:xfrm rot="5400000">
+            <a:off x="7672820" y="2015242"/>
+            <a:ext cx="220640" cy="205048"/>
+          </a:xfrm>
+          <a:prstGeom prst="upArrow">
+            <a:avLst/>
+          </a:prstGeom>
+          <a:gradFill flip="none" rotWithShape="1">
+            <a:gsLst>
+              <a:gs pos="0">
+                <a:schemeClr val="accent2">
+                  <a:shade val="30000"/>
+                  <a:satMod val="115000"/>
+                </a:schemeClr>
+              </a:gs>
+              <a:gs pos="50000">
+                <a:schemeClr val="accent2">
+                  <a:shade val="67500"/>
+                  <a:satMod val="115000"/>
+                </a:schemeClr>
+              </a:gs>
+              <a:gs pos="100000">
+                <a:schemeClr val="accent2">
+                  <a:shade val="100000"/>
+                  <a:satMod val="115000"/>
+                </a:schemeClr>
+              </a:gs>
+            </a:gsLst>
+            <a:lin ang="16200000" scaled="1"/>
+            <a:tileRect/>
+          </a:gradFill>
+          <a:ln>
+            <a:solidFill>
+              <a:schemeClr val="accent2"/>
+            </a:solidFill>
+          </a:ln>
+        </p:spPr>
+        <p:style>
+          <a:lnRef idx="2">
+            <a:schemeClr val="accent1">
+              <a:shade val="50000"/>
+            </a:schemeClr>
+          </a:lnRef>
+          <a:fillRef idx="1">
+            <a:schemeClr val="accent1"/>
+          </a:fillRef>
+          <a:effectRef idx="0">
+            <a:schemeClr val="accent1"/>
+          </a:effectRef>
+          <a:fontRef idx="minor">
+            <a:schemeClr val="lt1"/>
+          </a:fontRef>
+        </p:style>
+        <p:txBody>
+          <a:bodyPr rtlCol="0" anchor="ctr"/>
+          <a:lstStyle/>
+          <a:p>
+            <a:pPr algn="ctr"/>
+            <a:endParaRPr lang="en-GB"/>
+          </a:p>
+        </p:txBody>
+      </p:sp>
+      <p:sp>
+        <p:nvSpPr>
+          <p:cNvPr id="72" name="TextBox 71">
+            <a:extLst>
+              <a:ext uri="{FF2B5EF4-FFF2-40B4-BE49-F238E27FC236}">
+                <a16:creationId xmlns:a16="http://schemas.microsoft.com/office/drawing/2014/main" id="{5A6A1420-81B8-4106-B4AA-C21062C5D092}"/>
+              </a:ext>
+            </a:extLst>
+          </p:cNvPr>
+          <p:cNvSpPr txBox="1"/>
+          <p:nvPr/>
+        </p:nvSpPr>
+        <p:spPr>
+          <a:xfrm>
+            <a:off x="5654903" y="1831836"/>
+            <a:ext cx="2424200" cy="630942"/>
+          </a:xfrm>
+          <a:prstGeom prst="rect">
+            <a:avLst/>
+          </a:prstGeom>
+          <a:solidFill>
+            <a:schemeClr val="bg1"/>
+          </a:solidFill>
+          <a:ln>
+            <a:solidFill>
+              <a:schemeClr val="accent1">
+                <a:shade val="50000"/>
+              </a:schemeClr>
+            </a:solidFill>
+          </a:ln>
+        </p:spPr>
+        <p:txBody>
+          <a:bodyPr wrap="square" rtlCol="0">
+            <a:spAutoFit/>
+          </a:bodyPr>
+          <a:lstStyle>
+            <a:defPPr>
+              <a:defRPr lang="en-US"/>
+            </a:defPPr>
+            <a:lvl1pPr marL="171450" indent="-171450">
+              <a:buFontTx/>
+              <a:buChar char="-"/>
+              <a:defRPr sz="700"/>
+            </a:lvl1pPr>
+          </a:lstStyle>
+          <a:p>
+            <a:pPr marL="0" indent="0">
+              <a:buNone/>
+            </a:pPr>
+            <a:endParaRPr lang="en-AU"/>
+          </a:p>
+          <a:p>
+            <a:endParaRPr lang="en-AU"/>
+          </a:p>
+          <a:p>
+            <a:endParaRPr lang="en-AU"/>
+          </a:p>
+          <a:p>
+            <a:endParaRPr lang="en-AU"/>
+          </a:p>
+          <a:p>
+            <a:endParaRPr lang="en-GB"/>
+          </a:p>
+        </p:txBody>
+      </p:sp>
+      <p:sp>
+        <p:nvSpPr>
+          <p:cNvPr id="69" name="Arrow: Up 68">
+            <a:extLst>
+              <a:ext uri="{FF2B5EF4-FFF2-40B4-BE49-F238E27FC236}">
+                <a16:creationId xmlns:a16="http://schemas.microsoft.com/office/drawing/2014/main" id="{C2DE0CB6-F168-452A-AEB4-27D92EAAE4B0}"/>
+              </a:ext>
+            </a:extLst>
+          </p:cNvPr>
+          <p:cNvSpPr/>
+          <p:nvPr/>
+        </p:nvSpPr>
+        <p:spPr>
+          <a:xfrm>
+            <a:off x="7704024" y="2611558"/>
+            <a:ext cx="220640" cy="205048"/>
+          </a:xfrm>
+          <a:prstGeom prst="upArrow">
+            <a:avLst/>
+          </a:prstGeom>
+          <a:gradFill flip="none" rotWithShape="1">
+            <a:gsLst>
+              <a:gs pos="0">
+                <a:schemeClr val="accent2">
+                  <a:shade val="30000"/>
+                  <a:satMod val="115000"/>
+                </a:schemeClr>
+              </a:gs>
+              <a:gs pos="50000">
+                <a:schemeClr val="accent2">
+                  <a:shade val="67500"/>
+                  <a:satMod val="115000"/>
+                </a:schemeClr>
+              </a:gs>
+              <a:gs pos="100000">
+                <a:schemeClr val="accent2">
+                  <a:shade val="100000"/>
+                  <a:satMod val="115000"/>
+                </a:schemeClr>
+              </a:gs>
+            </a:gsLst>
+            <a:lin ang="16200000" scaled="1"/>
+            <a:tileRect/>
+          </a:gradFill>
+          <a:ln>
+            <a:solidFill>
+              <a:schemeClr val="accent2"/>
+            </a:solidFill>
+          </a:ln>
+        </p:spPr>
+        <p:style>
+          <a:lnRef idx="2">
+            <a:schemeClr val="accent1">
+              <a:shade val="50000"/>
+            </a:schemeClr>
+          </a:lnRef>
+          <a:fillRef idx="1">
+            <a:schemeClr val="accent1"/>
+          </a:fillRef>
+          <a:effectRef idx="0">
+            <a:schemeClr val="accent1"/>
+          </a:effectRef>
+          <a:fontRef idx="minor">
+            <a:schemeClr val="lt1"/>
+          </a:fontRef>
+        </p:style>
+        <p:txBody>
+          <a:bodyPr rtlCol="0" anchor="ctr"/>
+          <a:lstStyle/>
+          <a:p>
+            <a:pPr algn="ctr"/>
+            <a:endParaRPr lang="en-GB"/>
+          </a:p>
+        </p:txBody>
+      </p:sp>
+      <p:sp>
+        <p:nvSpPr>
+          <p:cNvPr id="71" name="TextBox 70">
+            <a:extLst>
+              <a:ext uri="{FF2B5EF4-FFF2-40B4-BE49-F238E27FC236}">
+                <a16:creationId xmlns:a16="http://schemas.microsoft.com/office/drawing/2014/main" id="{57727CF6-0E6D-4C7F-A363-659ABC0437A3}"/>
+              </a:ext>
+            </a:extLst>
+          </p:cNvPr>
+          <p:cNvSpPr txBox="1"/>
+          <p:nvPr/>
+        </p:nvSpPr>
+        <p:spPr>
+          <a:xfrm>
+            <a:off x="5654904" y="2501136"/>
+            <a:ext cx="2424200" cy="630942"/>
+          </a:xfrm>
+          <a:prstGeom prst="rect">
+            <a:avLst/>
+          </a:prstGeom>
+          <a:solidFill>
+            <a:schemeClr val="bg1"/>
+          </a:solidFill>
+          <a:ln>
+            <a:solidFill>
+              <a:schemeClr val="accent1">
+                <a:shade val="50000"/>
+              </a:schemeClr>
+            </a:solidFill>
+          </a:ln>
+        </p:spPr>
+        <p:txBody>
+          <a:bodyPr wrap="square" rtlCol="0">
+            <a:spAutoFit/>
+          </a:bodyPr>
+          <a:lstStyle>
+            <a:defPPr>
+              <a:defRPr lang="en-US"/>
+            </a:defPPr>
+            <a:lvl1pPr marL="171450" indent="-171450">
+              <a:buFontTx/>
+              <a:buChar char="-"/>
+              <a:defRPr sz="700"/>
+            </a:lvl1pPr>
+          </a:lstStyle>
+          <a:p>
+            <a:endParaRPr lang="en-AU"/>
+          </a:p>
+          <a:p>
+            <a:endParaRPr lang="en-AU"/>
+          </a:p>
+          <a:p>
+            <a:endParaRPr lang="en-AU"/>
+          </a:p>
+          <a:p>
+            <a:endParaRPr lang="en-AU"/>
+          </a:p>
+          <a:p>
+            <a:endParaRPr lang="en-GB"/>
+          </a:p>
+        </p:txBody>
+      </p:sp>
+      <p:sp>
+        <p:nvSpPr>
+          <p:cNvPr id="16" name="Arrow: Up 15">
+            <a:extLst>
+              <a:ext uri="{FF2B5EF4-FFF2-40B4-BE49-F238E27FC236}">
+                <a16:creationId xmlns:a16="http://schemas.microsoft.com/office/drawing/2014/main" id="{0E29CBF2-452E-440F-82D8-6B42BFAAA3D0}"/>
+              </a:ext>
+            </a:extLst>
+          </p:cNvPr>
+          <p:cNvSpPr/>
+          <p:nvPr/>
+        </p:nvSpPr>
+        <p:spPr>
+          <a:xfrm>
+            <a:off x="7704024" y="4001195"/>
+            <a:ext cx="220640" cy="205048"/>
+          </a:xfrm>
+          <a:prstGeom prst="upArrow">
+            <a:avLst/>
+          </a:prstGeom>
+          <a:gradFill flip="none" rotWithShape="1">
+            <a:gsLst>
+              <a:gs pos="0">
+                <a:schemeClr val="accent2">
+                  <a:shade val="30000"/>
+                  <a:satMod val="115000"/>
+                </a:schemeClr>
+              </a:gs>
+              <a:gs pos="50000">
+                <a:schemeClr val="accent2">
+                  <a:shade val="67500"/>
+                  <a:satMod val="115000"/>
+                </a:schemeClr>
+              </a:gs>
+              <a:gs pos="100000">
+                <a:schemeClr val="accent2">
+                  <a:shade val="100000"/>
+                  <a:satMod val="115000"/>
+                </a:schemeClr>
+              </a:gs>
+            </a:gsLst>
+            <a:lin ang="16200000" scaled="1"/>
+            <a:tileRect/>
+          </a:gradFill>
+          <a:ln>
+            <a:solidFill>
+              <a:schemeClr val="accent2"/>
+            </a:solidFill>
+          </a:ln>
+        </p:spPr>
+        <p:style>
+          <a:lnRef idx="2">
+            <a:schemeClr val="accent1">
+              <a:shade val="50000"/>
+            </a:schemeClr>
+          </a:lnRef>
+          <a:fillRef idx="1">
+            <a:schemeClr val="accent1"/>
+          </a:fillRef>
+          <a:effectRef idx="0">
+            <a:schemeClr val="accent1"/>
+          </a:effectRef>
+          <a:fontRef idx="minor">
+            <a:schemeClr val="lt1"/>
+          </a:fontRef>
+        </p:style>
+        <p:txBody>
+          <a:bodyPr rtlCol="0" anchor="ctr"/>
+          <a:lstStyle/>
+          <a:p>
+            <a:pPr algn="ctr"/>
+            <a:endParaRPr lang="en-GB"/>
+          </a:p>
+        </p:txBody>
+      </p:sp>
+      <p:sp>
+        <p:nvSpPr>
+          <p:cNvPr id="55" name="Hexagon 54">
+            <a:extLst>
+              <a:ext uri="{FF2B5EF4-FFF2-40B4-BE49-F238E27FC236}">
+                <a16:creationId xmlns:a16="http://schemas.microsoft.com/office/drawing/2014/main" id="{6D5178D1-E29A-43CC-B25A-1B0F030D539B}"/>
+              </a:ext>
+            </a:extLst>
+          </p:cNvPr>
+          <p:cNvSpPr/>
+          <p:nvPr/>
+        </p:nvSpPr>
+        <p:spPr>
+          <a:xfrm>
+            <a:off x="7355650" y="3784693"/>
+            <a:ext cx="962108" cy="675861"/>
+          </a:xfrm>
+          <a:prstGeom prst="hexagon">
+            <a:avLst/>
+          </a:prstGeom>
+          <a:solidFill>
+            <a:schemeClr val="bg1"/>
+          </a:solidFill>
+        </p:spPr>
+        <p:style>
+          <a:lnRef idx="2">
+            <a:schemeClr val="accent1">
+              <a:shade val="50000"/>
+            </a:schemeClr>
+          </a:lnRef>
+          <a:fillRef idx="1">
+            <a:schemeClr val="accent1"/>
+          </a:fillRef>
+          <a:effectRef idx="0">
+            <a:schemeClr val="accent1"/>
+          </a:effectRef>
+          <a:fontRef idx="minor">
+            <a:schemeClr val="lt1"/>
+          </a:fontRef>
+        </p:style>
+        <p:txBody>
+          <a:bodyPr rtlCol="0" anchor="ctr"/>
+          <a:lstStyle/>
+          <a:p>
+            <a:pPr algn="ctr"/>
+            <a:endParaRPr lang="en-AU" sz="1100">
+              <a:solidFill>
+                <a:schemeClr val="tx1"/>
+              </a:solidFill>
+            </a:endParaRPr>
+          </a:p>
+        </p:txBody>
+      </p:sp>
+      <p:sp>
+        <p:nvSpPr>
+          <p:cNvPr id="59" name="TextBox 58">
+            <a:extLst>
+              <a:ext uri="{FF2B5EF4-FFF2-40B4-BE49-F238E27FC236}">
+                <a16:creationId xmlns:a16="http://schemas.microsoft.com/office/drawing/2014/main" id="{F02712DC-A4B1-4F54-84EC-FCC75EDB79D0}"/>
+              </a:ext>
+            </a:extLst>
+          </p:cNvPr>
+          <p:cNvSpPr txBox="1"/>
+          <p:nvPr/>
+        </p:nvSpPr>
+        <p:spPr>
+          <a:xfrm>
+            <a:off x="7453032" y="3966155"/>
+            <a:ext cx="765538" cy="307777"/>
+          </a:xfrm>
+          <a:prstGeom prst="rect">
+            <a:avLst/>
+          </a:prstGeom>
+          <a:noFill/>
+          <a:ln>
+            <a:noFill/>
+          </a:ln>
+        </p:spPr>
+        <p:txBody>
+          <a:bodyPr wrap="square" rtlCol="0">
+            <a:spAutoFit/>
+          </a:bodyPr>
+          <a:lstStyle/>
+          <a:p>
+            <a:pPr algn="ctr"/>
+            <a:r>
+              <a:rPr lang="en-AU" sz="700"/>
+              <a:t>Function ingest_line()</a:t>
+            </a:r>
+          </a:p>
+        </p:txBody>
+      </p:sp>
+      <p:sp>
+        <p:nvSpPr>
+          <p:cNvPr id="11" name="Flowchart: Stored Data 10"/>
+          <p:cNvSpPr/>
+          <p:nvPr/>
+        </p:nvSpPr>
+        <p:spPr>
+          <a:xfrm rot="20686038">
+            <a:off x="6257677" y="4086097"/>
+            <a:ext cx="715618" cy="518576"/>
+          </a:xfrm>
+          <a:prstGeom prst="flowChartOnlineStorage">
+            <a:avLst/>
+          </a:prstGeom>
+          <a:gradFill flip="none" rotWithShape="1">
+            <a:gsLst>
+              <a:gs pos="0">
+                <a:schemeClr val="bg1">
+                  <a:lumMod val="75000"/>
+                  <a:shade val="30000"/>
+                  <a:satMod val="115000"/>
+                </a:schemeClr>
+              </a:gs>
+              <a:gs pos="50000">
+                <a:schemeClr val="bg1">
+                  <a:lumMod val="75000"/>
+                  <a:shade val="67500"/>
+                  <a:satMod val="115000"/>
+                </a:schemeClr>
+              </a:gs>
+              <a:gs pos="100000">
+                <a:schemeClr val="bg1">
+                  <a:lumMod val="75000"/>
+                  <a:shade val="100000"/>
+                  <a:satMod val="115000"/>
+                </a:schemeClr>
+              </a:gs>
+            </a:gsLst>
+            <a:lin ang="5400000" scaled="1"/>
+            <a:tileRect/>
+          </a:gradFill>
+        </p:spPr>
+        <p:style>
+          <a:lnRef idx="2">
+            <a:schemeClr val="accent1">
+              <a:shade val="50000"/>
+            </a:schemeClr>
+          </a:lnRef>
+          <a:fillRef idx="1">
+            <a:schemeClr val="accent1"/>
+          </a:fillRef>
+          <a:effectRef idx="0">
+            <a:schemeClr val="accent1"/>
+          </a:effectRef>
+          <a:fontRef idx="minor">
+            <a:schemeClr val="lt1"/>
+          </a:fontRef>
+        </p:style>
+        <p:txBody>
+          <a:bodyPr rtlCol="0" anchor="ctr"/>
+          <a:lstStyle/>
+          <a:p>
+            <a:pPr algn="ctr"/>
+            <a:endParaRPr lang="en-AU"/>
+          </a:p>
+        </p:txBody>
+      </p:sp>
+      <p:sp>
+        <p:nvSpPr>
+          <p:cNvPr id="5" name="Oval 4"/>
+          <p:cNvSpPr/>
+          <p:nvPr/>
+        </p:nvSpPr>
+        <p:spPr>
+          <a:xfrm>
+            <a:off x="4458653" y="3760354"/>
+            <a:ext cx="445889" cy="445889"/>
+          </a:xfrm>
+          <a:prstGeom prst="ellipse">
+            <a:avLst/>
+          </a:prstGeom>
+          <a:gradFill flip="none" rotWithShape="1">
+            <a:gsLst>
+              <a:gs pos="0">
+                <a:schemeClr val="tx2">
+                  <a:lumMod val="20000"/>
+                  <a:lumOff val="80000"/>
+                  <a:shade val="30000"/>
+                  <a:satMod val="115000"/>
+                </a:schemeClr>
+              </a:gs>
+              <a:gs pos="50000">
+                <a:schemeClr val="tx2">
+                  <a:lumMod val="20000"/>
+                  <a:lumOff val="80000"/>
+                  <a:shade val="67500"/>
+                  <a:satMod val="115000"/>
+                </a:schemeClr>
+              </a:gs>
+              <a:gs pos="100000">
+                <a:schemeClr val="tx2">
+                  <a:lumMod val="20000"/>
+                  <a:lumOff val="80000"/>
+                  <a:shade val="100000"/>
+                  <a:satMod val="115000"/>
+                </a:schemeClr>
+              </a:gs>
+            </a:gsLst>
+            <a:lin ang="5400000" scaled="1"/>
+            <a:tileRect/>
+          </a:gradFill>
+        </p:spPr>
+        <p:style>
+          <a:lnRef idx="2">
+            <a:schemeClr val="accent1">
+              <a:shade val="50000"/>
+            </a:schemeClr>
+          </a:lnRef>
+          <a:fillRef idx="1">
+            <a:schemeClr val="accent1"/>
+          </a:fillRef>
+          <a:effectRef idx="0">
+            <a:schemeClr val="accent1"/>
+          </a:effectRef>
+          <a:fontRef idx="minor">
+            <a:schemeClr val="lt1"/>
+          </a:fontRef>
+        </p:style>
+        <p:txBody>
+          <a:bodyPr rtlCol="0" anchor="ctr"/>
+          <a:lstStyle/>
+          <a:p>
+            <a:pPr algn="ctr"/>
+            <a:endParaRPr lang="en-AU"/>
+          </a:p>
+        </p:txBody>
+      </p:sp>
+      <p:sp>
+        <p:nvSpPr>
+          <p:cNvPr id="3" name="Oval 2"/>
+          <p:cNvSpPr/>
+          <p:nvPr/>
+        </p:nvSpPr>
+        <p:spPr>
+          <a:xfrm>
+            <a:off x="4458653" y="4034674"/>
+            <a:ext cx="408876" cy="408876"/>
+          </a:xfrm>
+          <a:prstGeom prst="ellipse">
+            <a:avLst/>
+          </a:prstGeom>
+          <a:gradFill flip="none" rotWithShape="1">
+            <a:gsLst>
+              <a:gs pos="0">
+                <a:schemeClr val="accent2">
+                  <a:lumMod val="60000"/>
+                  <a:lumOff val="40000"/>
+                  <a:shade val="30000"/>
+                  <a:satMod val="115000"/>
+                </a:schemeClr>
+              </a:gs>
+              <a:gs pos="50000">
+                <a:schemeClr val="accent2">
+                  <a:lumMod val="60000"/>
+                  <a:lumOff val="40000"/>
+                  <a:shade val="67500"/>
+                  <a:satMod val="115000"/>
+                </a:schemeClr>
+              </a:gs>
+              <a:gs pos="100000">
+                <a:schemeClr val="accent2">
+                  <a:lumMod val="60000"/>
+                  <a:lumOff val="40000"/>
+                  <a:shade val="100000"/>
+                  <a:satMod val="115000"/>
+                </a:schemeClr>
+              </a:gs>
+            </a:gsLst>
+            <a:lin ang="5400000" scaled="1"/>
+            <a:tileRect/>
+          </a:gradFill>
+        </p:spPr>
+        <p:style>
+          <a:lnRef idx="2">
+            <a:schemeClr val="accent1">
+              <a:shade val="50000"/>
+            </a:schemeClr>
+          </a:lnRef>
+          <a:fillRef idx="1">
+            <a:schemeClr val="accent1"/>
+          </a:fillRef>
+          <a:effectRef idx="0">
+            <a:schemeClr val="accent1"/>
+          </a:effectRef>
+          <a:fontRef idx="minor">
+            <a:schemeClr val="lt1"/>
+          </a:fontRef>
+        </p:style>
+        <p:txBody>
+          <a:bodyPr rtlCol="0" anchor="ctr"/>
+          <a:lstStyle/>
+          <a:p>
+            <a:pPr algn="ctr"/>
+            <a:endParaRPr lang="en-AU"/>
+          </a:p>
+        </p:txBody>
+      </p:sp>
+      <p:sp>
+        <p:nvSpPr>
+          <p:cNvPr id="10" name="Oval 9"/>
+          <p:cNvSpPr/>
+          <p:nvPr/>
+        </p:nvSpPr>
+        <p:spPr>
+          <a:xfrm>
+            <a:off x="4641135" y="3904093"/>
+            <a:ext cx="302150" cy="302150"/>
+          </a:xfrm>
+          <a:prstGeom prst="ellipse">
+            <a:avLst/>
+          </a:prstGeom>
+        </p:spPr>
+        <p:style>
+          <a:lnRef idx="2">
+            <a:schemeClr val="accent1">
+              <a:shade val="50000"/>
+            </a:schemeClr>
+          </a:lnRef>
+          <a:fillRef idx="1">
+            <a:schemeClr val="accent1"/>
+          </a:fillRef>
+          <a:effectRef idx="0">
+            <a:schemeClr val="accent1"/>
+          </a:effectRef>
+          <a:fontRef idx="minor">
+            <a:schemeClr val="lt1"/>
+          </a:fontRef>
+        </p:style>
+        <p:txBody>
+          <a:bodyPr rtlCol="0" anchor="ctr"/>
+          <a:lstStyle/>
+          <a:p>
+            <a:pPr algn="ctr"/>
+            <a:endParaRPr lang="en-AU"/>
+          </a:p>
+        </p:txBody>
+      </p:sp>
+      <p:sp>
+        <p:nvSpPr>
+          <p:cNvPr id="7" name="Flowchart: Stored Data 6"/>
+          <p:cNvSpPr/>
+          <p:nvPr/>
+        </p:nvSpPr>
+        <p:spPr>
+          <a:xfrm rot="5400000" flipH="1">
+            <a:off x="3935172" y="2351778"/>
+            <a:ext cx="1337265" cy="1077041"/>
+          </a:xfrm>
+          <a:prstGeom prst="flowChartOnlineStorage">
+            <a:avLst/>
+          </a:prstGeom>
+          <a:gradFill flip="none" rotWithShape="1">
+            <a:gsLst>
+              <a:gs pos="0">
+                <a:schemeClr val="bg1">
+                  <a:lumMod val="75000"/>
+                  <a:shade val="30000"/>
+                  <a:satMod val="115000"/>
+                </a:schemeClr>
+              </a:gs>
+              <a:gs pos="50000">
+                <a:schemeClr val="bg1">
+                  <a:lumMod val="75000"/>
+                  <a:shade val="67500"/>
+                  <a:satMod val="115000"/>
+                </a:schemeClr>
+              </a:gs>
+              <a:gs pos="100000">
+                <a:schemeClr val="bg1">
+                  <a:lumMod val="75000"/>
+                  <a:shade val="100000"/>
+                  <a:satMod val="115000"/>
+                </a:schemeClr>
+              </a:gs>
+            </a:gsLst>
+            <a:lin ang="5400000" scaled="1"/>
+            <a:tileRect/>
+          </a:gradFill>
+        </p:spPr>
+        <p:style>
+          <a:lnRef idx="2">
+            <a:schemeClr val="accent1">
+              <a:shade val="50000"/>
+            </a:schemeClr>
+          </a:lnRef>
+          <a:fillRef idx="1">
+            <a:schemeClr val="accent1"/>
+          </a:fillRef>
+          <a:effectRef idx="0">
+            <a:schemeClr val="accent1"/>
+          </a:effectRef>
+          <a:fontRef idx="minor">
+            <a:schemeClr val="lt1"/>
+          </a:fontRef>
+        </p:style>
+        <p:txBody>
+          <a:bodyPr rtlCol="0" anchor="ctr"/>
+          <a:lstStyle/>
+          <a:p>
+            <a:pPr algn="ctr"/>
+            <a:endParaRPr lang="en-AU"/>
+          </a:p>
+        </p:txBody>
+      </p:sp>
+      <p:pic>
+        <p:nvPicPr>
+          <p:cNvPr id="24" name="Picture 23">
+            <a:extLst>
+              <a:ext uri="{FF2B5EF4-FFF2-40B4-BE49-F238E27FC236}">
+                <a16:creationId xmlns:a16="http://schemas.microsoft.com/office/drawing/2014/main" id="{119A04E9-46BF-4E93-AFFB-7D78168D323B}"/>
+              </a:ext>
+            </a:extLst>
+          </p:cNvPr>
+          <p:cNvPicPr>
+            <a:picLocks noChangeAspect="1"/>
+          </p:cNvPicPr>
+          <p:nvPr/>
+        </p:nvPicPr>
+        <p:blipFill>
+          <a:blip r:embed="rId3"/>
+          <a:stretch>
+            <a:fillRect/>
+          </a:stretch>
+        </p:blipFill>
+        <p:spPr>
+          <a:xfrm>
+            <a:off x="2846314" y="3162373"/>
+            <a:ext cx="3584740" cy="2387347"/>
+          </a:xfrm>
+          <a:prstGeom prst="rect">
+            <a:avLst/>
+          </a:prstGeom>
+        </p:spPr>
+      </p:pic>
+      <p:grpSp>
+        <p:nvGrpSpPr>
+          <p:cNvPr id="2" name="Group 1">
+            <a:extLst>
+              <a:ext uri="{FF2B5EF4-FFF2-40B4-BE49-F238E27FC236}">
+                <a16:creationId xmlns:a16="http://schemas.microsoft.com/office/drawing/2014/main" id="{D069A58C-A25E-4B9C-9EE6-F9B577AC7C1B}"/>
+              </a:ext>
+            </a:extLst>
+          </p:cNvPr>
+          <p:cNvGrpSpPr/>
+          <p:nvPr/>
+        </p:nvGrpSpPr>
+        <p:grpSpPr>
+          <a:xfrm>
+            <a:off x="4333275" y="726480"/>
+            <a:ext cx="548404" cy="462532"/>
+            <a:chOff x="3306584" y="726480"/>
+            <a:chExt cx="548404" cy="462532"/>
+          </a:xfrm>
+        </p:grpSpPr>
+        <p:sp>
+          <p:nvSpPr>
+            <p:cNvPr id="20" name="Oval 19"/>
+            <p:cNvSpPr/>
+            <p:nvPr/>
+          </p:nvSpPr>
+          <p:spPr>
+            <a:xfrm>
+              <a:off x="3306584" y="726480"/>
+              <a:ext cx="416768" cy="416768"/>
+            </a:xfrm>
+            <a:prstGeom prst="ellipse">
+              <a:avLst/>
+            </a:prstGeom>
+            <a:gradFill flip="none" rotWithShape="1">
+              <a:gsLst>
+                <a:gs pos="0">
+                  <a:schemeClr val="tx2">
+                    <a:lumMod val="40000"/>
+                    <a:lumOff val="60000"/>
+                    <a:shade val="30000"/>
+                    <a:satMod val="115000"/>
+                  </a:schemeClr>
+                </a:gs>
+                <a:gs pos="50000">
+                  <a:schemeClr val="tx2">
+                    <a:lumMod val="40000"/>
+                    <a:lumOff val="60000"/>
+                    <a:shade val="67500"/>
+                    <a:satMod val="115000"/>
+                  </a:schemeClr>
+                </a:gs>
+                <a:gs pos="100000">
+                  <a:schemeClr val="tx2">
+                    <a:lumMod val="40000"/>
+                    <a:lumOff val="60000"/>
+                    <a:shade val="100000"/>
+                    <a:satMod val="115000"/>
+                  </a:schemeClr>
+                </a:gs>
+              </a:gsLst>
+              <a:lin ang="5400000" scaled="1"/>
+              <a:tileRect/>
+            </a:gradFill>
+          </p:spPr>
+          <p:style>
+            <a:lnRef idx="2">
+              <a:schemeClr val="accent1">
+                <a:shade val="50000"/>
+              </a:schemeClr>
+            </a:lnRef>
+            <a:fillRef idx="1">
+              <a:schemeClr val="accent1"/>
+            </a:fillRef>
+            <a:effectRef idx="0">
+              <a:schemeClr val="accent1"/>
+            </a:effectRef>
+            <a:fontRef idx="minor">
+              <a:schemeClr val="lt1"/>
+            </a:fontRef>
+          </p:style>
+          <p:txBody>
+            <a:bodyPr rtlCol="0" anchor="ctr"/>
+            <a:lstStyle/>
+            <a:p>
+              <a:pPr algn="ctr"/>
+              <a:endParaRPr lang="en-AU"/>
+            </a:p>
+          </p:txBody>
+        </p:sp>
+        <p:sp>
+          <p:nvSpPr>
+            <p:cNvPr id="21" name="Oval 20"/>
+            <p:cNvSpPr/>
+            <p:nvPr/>
+          </p:nvSpPr>
+          <p:spPr>
+            <a:xfrm>
+              <a:off x="3479965" y="783042"/>
+              <a:ext cx="375023" cy="375023"/>
+            </a:xfrm>
+            <a:prstGeom prst="ellipse">
+              <a:avLst/>
+            </a:prstGeom>
+            <a:gradFill flip="none" rotWithShape="1">
+              <a:gsLst>
+                <a:gs pos="0">
+                  <a:schemeClr val="accent2">
+                    <a:lumMod val="60000"/>
+                    <a:lumOff val="40000"/>
+                    <a:shade val="30000"/>
+                    <a:satMod val="115000"/>
+                  </a:schemeClr>
+                </a:gs>
+                <a:gs pos="50000">
+                  <a:schemeClr val="accent2">
+                    <a:lumMod val="60000"/>
+                    <a:lumOff val="40000"/>
+                    <a:shade val="67500"/>
+                    <a:satMod val="115000"/>
+                  </a:schemeClr>
+                </a:gs>
+                <a:gs pos="100000">
+                  <a:schemeClr val="accent2">
+                    <a:lumMod val="60000"/>
+                    <a:lumOff val="40000"/>
+                    <a:shade val="100000"/>
+                    <a:satMod val="115000"/>
+                  </a:schemeClr>
+                </a:gs>
+              </a:gsLst>
+              <a:lin ang="5400000" scaled="1"/>
+              <a:tileRect/>
+            </a:gradFill>
+          </p:spPr>
+          <p:style>
+            <a:lnRef idx="2">
+              <a:schemeClr val="accent1">
+                <a:shade val="50000"/>
+              </a:schemeClr>
+            </a:lnRef>
+            <a:fillRef idx="1">
+              <a:schemeClr val="accent1"/>
+            </a:fillRef>
+            <a:effectRef idx="0">
+              <a:schemeClr val="accent1"/>
+            </a:effectRef>
+            <a:fontRef idx="minor">
+              <a:schemeClr val="lt1"/>
+            </a:fontRef>
+          </p:style>
+          <p:txBody>
+            <a:bodyPr rtlCol="0" anchor="ctr"/>
+            <a:lstStyle/>
+            <a:p>
+              <a:pPr algn="ctr"/>
+              <a:endParaRPr lang="en-AU"/>
+            </a:p>
+          </p:txBody>
+        </p:sp>
+        <p:sp>
+          <p:nvSpPr>
+            <p:cNvPr id="22" name="Oval 21"/>
+            <p:cNvSpPr/>
+            <p:nvPr/>
+          </p:nvSpPr>
+          <p:spPr>
+            <a:xfrm>
+              <a:off x="3481289" y="918668"/>
+              <a:ext cx="270344" cy="270344"/>
+            </a:xfrm>
+            <a:prstGeom prst="ellipse">
+              <a:avLst/>
+            </a:prstGeom>
+          </p:spPr>
+          <p:style>
+            <a:lnRef idx="2">
+              <a:schemeClr val="accent1">
+                <a:shade val="50000"/>
+              </a:schemeClr>
+            </a:lnRef>
+            <a:fillRef idx="1">
+              <a:schemeClr val="accent1"/>
+            </a:fillRef>
+            <a:effectRef idx="0">
+              <a:schemeClr val="accent1"/>
+            </a:effectRef>
+            <a:fontRef idx="minor">
+              <a:schemeClr val="lt1"/>
+            </a:fontRef>
+          </p:style>
+          <p:txBody>
+            <a:bodyPr rtlCol="0" anchor="ctr"/>
+            <a:lstStyle/>
+            <a:p>
+              <a:pPr algn="ctr"/>
+              <a:endParaRPr lang="en-AU"/>
+            </a:p>
+          </p:txBody>
+        </p:sp>
+      </p:grpSp>
+      <p:grpSp>
+        <p:nvGrpSpPr>
+          <p:cNvPr id="15" name="Group 14"/>
+          <p:cNvGrpSpPr/>
+          <p:nvPr/>
+        </p:nvGrpSpPr>
+        <p:grpSpPr>
+          <a:xfrm>
+            <a:off x="4071134" y="179194"/>
+            <a:ext cx="1081378" cy="1129086"/>
+            <a:chOff x="4063116" y="-791770"/>
+            <a:chExt cx="1081378" cy="1129086"/>
+          </a:xfrm>
+        </p:grpSpPr>
+        <p:sp>
+          <p:nvSpPr>
+            <p:cNvPr id="4" name="Oval 3"/>
+            <p:cNvSpPr/>
+            <p:nvPr/>
+          </p:nvSpPr>
+          <p:spPr>
+            <a:xfrm>
+              <a:off x="4063116" y="-791770"/>
+              <a:ext cx="1081378" cy="1129086"/>
+            </a:xfrm>
+            <a:prstGeom prst="ellipse">
+              <a:avLst/>
+            </a:prstGeom>
+            <a:gradFill flip="none" rotWithShape="1">
+              <a:gsLst>
+                <a:gs pos="0">
+                  <a:schemeClr val="accent2">
+                    <a:lumMod val="75000"/>
+                    <a:shade val="30000"/>
+                    <a:satMod val="115000"/>
+                  </a:schemeClr>
+                </a:gs>
+                <a:gs pos="50000">
+                  <a:schemeClr val="accent2">
+                    <a:lumMod val="75000"/>
+                    <a:shade val="67500"/>
+                    <a:satMod val="115000"/>
+                  </a:schemeClr>
+                </a:gs>
+                <a:gs pos="100000">
+                  <a:schemeClr val="accent2">
+                    <a:lumMod val="75000"/>
+                    <a:shade val="100000"/>
+                    <a:satMod val="115000"/>
+                  </a:schemeClr>
+                </a:gs>
+              </a:gsLst>
+              <a:path path="circle">
+                <a:fillToRect l="50000" t="50000" r="50000" b="50000"/>
+              </a:path>
+              <a:tileRect/>
+            </a:gradFill>
+          </p:spPr>
+          <p:style>
+            <a:lnRef idx="2">
+              <a:schemeClr val="accent1">
+                <a:shade val="50000"/>
+              </a:schemeClr>
+            </a:lnRef>
+            <a:fillRef idx="1">
+              <a:schemeClr val="accent1"/>
+            </a:fillRef>
+            <a:effectRef idx="0">
+              <a:schemeClr val="accent1"/>
+            </a:effectRef>
+            <a:fontRef idx="minor">
+              <a:schemeClr val="lt1"/>
+            </a:fontRef>
+          </p:style>
+          <p:txBody>
+            <a:bodyPr rtlCol="0" anchor="ctr"/>
+            <a:lstStyle/>
+            <a:p>
+              <a:pPr algn="ctr"/>
+              <a:endParaRPr lang="en-AU" sz="1200"/>
+            </a:p>
+          </p:txBody>
+        </p:sp>
+        <p:sp>
+          <p:nvSpPr>
+            <p:cNvPr id="13" name="Oval 12"/>
+            <p:cNvSpPr/>
+            <p:nvPr/>
+          </p:nvSpPr>
+          <p:spPr>
+            <a:xfrm>
+              <a:off x="4325251" y="-244484"/>
+              <a:ext cx="416768" cy="416768"/>
+            </a:xfrm>
+            <a:prstGeom prst="ellipse">
+              <a:avLst/>
+            </a:prstGeom>
+            <a:gradFill flip="none" rotWithShape="1">
+              <a:gsLst>
+                <a:gs pos="0">
+                  <a:schemeClr val="tx2">
+                    <a:lumMod val="40000"/>
+                    <a:lumOff val="60000"/>
+                    <a:shade val="30000"/>
+                    <a:satMod val="115000"/>
+                  </a:schemeClr>
+                </a:gs>
+                <a:gs pos="50000">
+                  <a:schemeClr val="tx2">
+                    <a:lumMod val="40000"/>
+                    <a:lumOff val="60000"/>
+                    <a:shade val="67500"/>
+                    <a:satMod val="115000"/>
+                  </a:schemeClr>
+                </a:gs>
+                <a:gs pos="100000">
+                  <a:schemeClr val="tx2">
+                    <a:lumMod val="40000"/>
+                    <a:lumOff val="60000"/>
+                    <a:shade val="100000"/>
+                    <a:satMod val="115000"/>
+                  </a:schemeClr>
+                </a:gs>
+              </a:gsLst>
+              <a:lin ang="5400000" scaled="1"/>
+              <a:tileRect/>
+            </a:gradFill>
+          </p:spPr>
+          <p:style>
+            <a:lnRef idx="2">
+              <a:schemeClr val="accent1">
+                <a:shade val="50000"/>
+              </a:schemeClr>
+            </a:lnRef>
+            <a:fillRef idx="1">
+              <a:schemeClr val="accent1"/>
+            </a:fillRef>
+            <a:effectRef idx="0">
+              <a:schemeClr val="accent1"/>
+            </a:effectRef>
+            <a:fontRef idx="minor">
+              <a:schemeClr val="lt1"/>
+            </a:fontRef>
+          </p:style>
+          <p:txBody>
+            <a:bodyPr rtlCol="0" anchor="ctr"/>
+            <a:lstStyle/>
+            <a:p>
+              <a:pPr algn="ctr"/>
+              <a:endParaRPr lang="en-AU"/>
+            </a:p>
+          </p:txBody>
+        </p:sp>
+        <p:sp>
+          <p:nvSpPr>
+            <p:cNvPr id="8" name="Oval 7"/>
+            <p:cNvSpPr/>
+            <p:nvPr/>
+          </p:nvSpPr>
+          <p:spPr>
+            <a:xfrm>
+              <a:off x="4498632" y="-187922"/>
+              <a:ext cx="375023" cy="375023"/>
+            </a:xfrm>
+            <a:prstGeom prst="ellipse">
+              <a:avLst/>
+            </a:prstGeom>
+            <a:gradFill flip="none" rotWithShape="1">
+              <a:gsLst>
+                <a:gs pos="0">
+                  <a:schemeClr val="accent2">
+                    <a:lumMod val="60000"/>
+                    <a:lumOff val="40000"/>
+                    <a:shade val="30000"/>
+                    <a:satMod val="115000"/>
+                  </a:schemeClr>
+                </a:gs>
+                <a:gs pos="50000">
+                  <a:schemeClr val="accent2">
+                    <a:lumMod val="60000"/>
+                    <a:lumOff val="40000"/>
+                    <a:shade val="67500"/>
+                    <a:satMod val="115000"/>
+                  </a:schemeClr>
+                </a:gs>
+                <a:gs pos="100000">
+                  <a:schemeClr val="accent2">
+                    <a:lumMod val="60000"/>
+                    <a:lumOff val="40000"/>
+                    <a:shade val="100000"/>
+                    <a:satMod val="115000"/>
+                  </a:schemeClr>
+                </a:gs>
+              </a:gsLst>
+              <a:lin ang="5400000" scaled="1"/>
+              <a:tileRect/>
+            </a:gradFill>
+          </p:spPr>
+          <p:style>
+            <a:lnRef idx="2">
+              <a:schemeClr val="accent1">
+                <a:shade val="50000"/>
+              </a:schemeClr>
+            </a:lnRef>
+            <a:fillRef idx="1">
+              <a:schemeClr val="accent1"/>
+            </a:fillRef>
+            <a:effectRef idx="0">
+              <a:schemeClr val="accent1"/>
+            </a:effectRef>
+            <a:fontRef idx="minor">
+              <a:schemeClr val="lt1"/>
+            </a:fontRef>
+          </p:style>
+          <p:txBody>
+            <a:bodyPr rtlCol="0" anchor="ctr"/>
+            <a:lstStyle/>
+            <a:p>
+              <a:pPr algn="ctr"/>
+              <a:endParaRPr lang="en-AU"/>
+            </a:p>
+          </p:txBody>
+        </p:sp>
+        <p:sp>
+          <p:nvSpPr>
+            <p:cNvPr id="9" name="Oval 8"/>
+            <p:cNvSpPr/>
+            <p:nvPr/>
+          </p:nvSpPr>
+          <p:spPr>
+            <a:xfrm>
+              <a:off x="4499956" y="-52296"/>
+              <a:ext cx="270344" cy="270344"/>
+            </a:xfrm>
+            <a:prstGeom prst="ellipse">
+              <a:avLst/>
+            </a:prstGeom>
+          </p:spPr>
+          <p:style>
+            <a:lnRef idx="2">
+              <a:schemeClr val="accent1">
+                <a:shade val="50000"/>
+              </a:schemeClr>
+            </a:lnRef>
+            <a:fillRef idx="1">
+              <a:schemeClr val="accent1"/>
+            </a:fillRef>
+            <a:effectRef idx="0">
+              <a:schemeClr val="accent1"/>
+            </a:effectRef>
+            <a:fontRef idx="minor">
+              <a:schemeClr val="lt1"/>
+            </a:fontRef>
+          </p:style>
+          <p:txBody>
+            <a:bodyPr rtlCol="0" anchor="ctr"/>
+            <a:lstStyle/>
+            <a:p>
+              <a:pPr algn="ctr"/>
+              <a:endParaRPr lang="en-AU"/>
+            </a:p>
+          </p:txBody>
+        </p:sp>
+      </p:grpSp>
+      <p:cxnSp>
+        <p:nvCxnSpPr>
+          <p:cNvPr id="32" name="Straight Arrow Connector 31"/>
+          <p:cNvCxnSpPr/>
+          <p:nvPr/>
+        </p:nvCxnSpPr>
+        <p:spPr>
+          <a:xfrm flipH="1" flipV="1">
+            <a:off x="4768271" y="1082121"/>
+            <a:ext cx="1029882" cy="220213"/>
+          </a:xfrm>
+          <a:prstGeom prst="straightConnector1">
+            <a:avLst/>
+          </a:prstGeom>
+          <a:ln>
+            <a:tailEnd type="triangle"/>
+          </a:ln>
+        </p:spPr>
+        <p:style>
+          <a:lnRef idx="1">
+            <a:schemeClr val="accent1"/>
+          </a:lnRef>
+          <a:fillRef idx="0">
+            <a:schemeClr val="accent1"/>
+          </a:fillRef>
+          <a:effectRef idx="0">
+            <a:schemeClr val="accent1"/>
+          </a:effectRef>
+          <a:fontRef idx="minor">
+            <a:schemeClr val="tx1"/>
+          </a:fontRef>
+        </p:style>
+      </p:cxnSp>
+      <p:cxnSp>
+        <p:nvCxnSpPr>
+          <p:cNvPr id="39" name="Straight Arrow Connector 38"/>
+          <p:cNvCxnSpPr/>
+          <p:nvPr/>
+        </p:nvCxnSpPr>
+        <p:spPr>
+          <a:xfrm flipH="1" flipV="1">
+            <a:off x="4593144" y="754761"/>
+            <a:ext cx="1179531" cy="59233"/>
+          </a:xfrm>
+          <a:prstGeom prst="straightConnector1">
+            <a:avLst/>
+          </a:prstGeom>
+          <a:ln>
+            <a:tailEnd type="triangle"/>
+          </a:ln>
+        </p:spPr>
+        <p:style>
+          <a:lnRef idx="1">
+            <a:schemeClr val="accent1"/>
+          </a:lnRef>
+          <a:fillRef idx="0">
+            <a:schemeClr val="accent1"/>
+          </a:fillRef>
+          <a:effectRef idx="0">
+            <a:schemeClr val="accent1"/>
+          </a:effectRef>
+          <a:fontRef idx="minor">
+            <a:schemeClr val="tx1"/>
+          </a:fontRef>
+        </p:style>
+      </p:cxnSp>
+      <p:sp>
+        <p:nvSpPr>
+          <p:cNvPr id="30" name="TextBox 29"/>
+          <p:cNvSpPr txBox="1"/>
+          <p:nvPr/>
+        </p:nvSpPr>
+        <p:spPr>
+          <a:xfrm>
+            <a:off x="5719060" y="1166351"/>
+            <a:ext cx="591595" cy="215444"/>
+          </a:xfrm>
+          <a:prstGeom prst="rect">
+            <a:avLst/>
+          </a:prstGeom>
+          <a:solidFill>
+            <a:schemeClr val="bg1"/>
+          </a:solidFill>
+          <a:ln>
+            <a:solidFill>
+              <a:schemeClr val="accent1">
+                <a:shade val="50000"/>
+              </a:schemeClr>
+            </a:solidFill>
+          </a:ln>
+        </p:spPr>
+        <p:txBody>
+          <a:bodyPr wrap="square" rtlCol="0">
+            <a:spAutoFit/>
+          </a:bodyPr>
+          <a:lstStyle/>
+          <a:p>
+            <a:r>
+              <a:rPr lang="en-AU" sz="800"/>
+              <a:t>in_path</a:t>
+            </a:r>
+          </a:p>
+        </p:txBody>
+      </p:sp>
+      <p:sp>
+        <p:nvSpPr>
+          <p:cNvPr id="33" name="TextBox 32"/>
+          <p:cNvSpPr txBox="1"/>
+          <p:nvPr/>
+        </p:nvSpPr>
+        <p:spPr>
+          <a:xfrm>
+            <a:off x="5719060" y="919763"/>
+            <a:ext cx="591595" cy="215444"/>
+          </a:xfrm>
+          <a:prstGeom prst="rect">
+            <a:avLst/>
+          </a:prstGeom>
+          <a:solidFill>
+            <a:schemeClr val="bg1"/>
+          </a:solidFill>
+          <a:ln>
+            <a:solidFill>
+              <a:schemeClr val="accent1">
+                <a:shade val="50000"/>
+              </a:schemeClr>
+            </a:solidFill>
+          </a:ln>
+        </p:spPr>
+        <p:txBody>
+          <a:bodyPr wrap="square" rtlCol="0">
+            <a:spAutoFit/>
+          </a:bodyPr>
+          <a:lstStyle/>
+          <a:p>
+            <a:r>
+              <a:rPr lang="en-AU" sz="800"/>
+              <a:t>in_type</a:t>
+            </a:r>
+          </a:p>
+        </p:txBody>
+      </p:sp>
+      <p:sp>
+        <p:nvSpPr>
+          <p:cNvPr id="37" name="TextBox 36"/>
+          <p:cNvSpPr txBox="1"/>
+          <p:nvPr/>
+        </p:nvSpPr>
+        <p:spPr>
+          <a:xfrm>
+            <a:off x="5719060" y="671050"/>
+            <a:ext cx="591595" cy="215444"/>
+          </a:xfrm>
+          <a:prstGeom prst="rect">
+            <a:avLst/>
+          </a:prstGeom>
+          <a:solidFill>
+            <a:schemeClr val="bg1"/>
+          </a:solidFill>
+          <a:ln>
+            <a:solidFill>
+              <a:schemeClr val="accent1">
+                <a:shade val="50000"/>
+              </a:schemeClr>
+            </a:solidFill>
+          </a:ln>
+        </p:spPr>
+        <p:txBody>
+          <a:bodyPr wrap="square" rtlCol="0">
+            <a:spAutoFit/>
+          </a:bodyPr>
+          <a:lstStyle/>
+          <a:p>
+            <a:r>
+              <a:rPr lang="en-AU" sz="800"/>
+              <a:t>in_json</a:t>
+            </a:r>
+          </a:p>
+        </p:txBody>
+      </p:sp>
+      <p:sp>
+        <p:nvSpPr>
+          <p:cNvPr id="62" name="TextBox 61"/>
+          <p:cNvSpPr txBox="1"/>
+          <p:nvPr/>
+        </p:nvSpPr>
+        <p:spPr>
+          <a:xfrm>
+            <a:off x="209561" y="104120"/>
+            <a:ext cx="3852876" cy="830997"/>
+          </a:xfrm>
+          <a:prstGeom prst="rect">
+            <a:avLst/>
+          </a:prstGeom>
+          <a:noFill/>
+        </p:spPr>
+        <p:txBody>
+          <a:bodyPr wrap="square" rtlCol="0">
+            <a:spAutoFit/>
+          </a:bodyPr>
+          <a:lstStyle/>
+          <a:p>
+            <a:r>
+              <a:rPr lang="en-AU" sz="3200" b="1">
+                <a:ln w="0"/>
+                <a:gradFill>
+                  <a:gsLst>
+                    <a:gs pos="0">
+                      <a:schemeClr val="accent5">
+                        <a:lumMod val="50000"/>
+                      </a:schemeClr>
+                    </a:gs>
+                    <a:gs pos="50000">
+                      <a:schemeClr val="accent5"/>
+                    </a:gs>
+                    <a:gs pos="100000">
+                      <a:schemeClr val="accent5">
+                        <a:lumMod val="60000"/>
+                        <a:lumOff val="40000"/>
+                      </a:schemeClr>
+                    </a:gs>
+                  </a:gsLst>
+                  <a:lin ang="5400000"/>
+                </a:gradFill>
+                <a:effectLst>
+                  <a:reflection blurRad="6350" stA="53000" endA="300" endPos="35500" dir="5400000" sy="-90000" algn="bl" rotWithShape="0"/>
+                </a:effectLst>
+              </a:rPr>
+              <a:t>Ingestion into MAS</a:t>
+            </a:r>
+          </a:p>
+          <a:p>
+            <a:pPr algn="ctr"/>
+            <a:r>
+              <a:rPr lang="en-AU" sz="1600" b="1">
+                <a:ln w="0"/>
+                <a:solidFill>
+                  <a:srgbClr val="0070C0"/>
+                </a:solidFill>
+                <a:effectLst>
+                  <a:reflection blurRad="6350" stA="53000" endA="300" endPos="35500" dir="5400000" sy="-90000" algn="bl" rotWithShape="0"/>
+                </a:effectLst>
+              </a:rPr>
+              <a:t>Function ingest_line()</a:t>
+            </a:r>
+          </a:p>
+        </p:txBody>
+      </p:sp>
+      <p:cxnSp>
+        <p:nvCxnSpPr>
+          <p:cNvPr id="64" name="Straight Arrow Connector 63"/>
+          <p:cNvCxnSpPr>
+            <a:stCxn id="33" idx="1"/>
+            <a:endCxn id="21" idx="6"/>
+          </p:cNvCxnSpPr>
+          <p:nvPr/>
+        </p:nvCxnSpPr>
+        <p:spPr>
+          <a:xfrm flipH="1" flipV="1">
+            <a:off x="4881679" y="970554"/>
+            <a:ext cx="837381" cy="56931"/>
+          </a:xfrm>
+          <a:prstGeom prst="straightConnector1">
+            <a:avLst/>
+          </a:prstGeom>
+          <a:ln>
+            <a:tailEnd type="triangle"/>
+          </a:ln>
+        </p:spPr>
+        <p:style>
+          <a:lnRef idx="1">
+            <a:schemeClr val="accent1"/>
+          </a:lnRef>
+          <a:fillRef idx="0">
+            <a:schemeClr val="accent1"/>
+          </a:fillRef>
+          <a:effectRef idx="0">
+            <a:schemeClr val="accent1"/>
+          </a:effectRef>
+          <a:fontRef idx="minor">
+            <a:schemeClr val="tx1"/>
+          </a:fontRef>
+        </p:style>
+      </p:cxnSp>
+      <p:cxnSp>
+        <p:nvCxnSpPr>
+          <p:cNvPr id="31" name="Straight Arrow Connector 30"/>
+          <p:cNvCxnSpPr>
+            <a:cxnSpLocks/>
+            <a:stCxn id="4" idx="4"/>
+          </p:cNvCxnSpPr>
+          <p:nvPr/>
+        </p:nvCxnSpPr>
+        <p:spPr>
+          <a:xfrm>
+            <a:off x="4611823" y="1308280"/>
+            <a:ext cx="9280" cy="1095913"/>
+          </a:xfrm>
+          <a:prstGeom prst="straightConnector1">
+            <a:avLst/>
+          </a:prstGeom>
+          <a:ln>
+            <a:tailEnd type="triangle"/>
+          </a:ln>
+        </p:spPr>
+        <p:style>
+          <a:lnRef idx="1">
+            <a:schemeClr val="accent1"/>
+          </a:lnRef>
+          <a:fillRef idx="0">
+            <a:schemeClr val="accent1"/>
+          </a:fillRef>
+          <a:effectRef idx="0">
+            <a:schemeClr val="accent1"/>
+          </a:effectRef>
+          <a:fontRef idx="minor">
+            <a:schemeClr val="tx1"/>
+          </a:fontRef>
+        </p:style>
+      </p:cxnSp>
+      <p:sp>
+        <p:nvSpPr>
+          <p:cNvPr id="35" name="TextBox 34"/>
+          <p:cNvSpPr txBox="1"/>
+          <p:nvPr/>
+        </p:nvSpPr>
+        <p:spPr>
+          <a:xfrm>
+            <a:off x="5503485" y="327121"/>
+            <a:ext cx="993565" cy="369332"/>
+          </a:xfrm>
+          <a:prstGeom prst="rect">
+            <a:avLst/>
+          </a:prstGeom>
+          <a:noFill/>
+        </p:spPr>
+        <p:txBody>
+          <a:bodyPr wrap="square" rtlCol="0">
+            <a:spAutoFit/>
+          </a:bodyPr>
+          <a:lstStyle/>
+          <a:p>
+            <a:r>
+              <a:rPr lang="en-AU" sz="900"/>
+              <a:t>Fields created from *.nc files</a:t>
+            </a:r>
+          </a:p>
+        </p:txBody>
+      </p:sp>
+      <p:sp>
+        <p:nvSpPr>
+          <p:cNvPr id="14" name="TextBox 13"/>
+          <p:cNvSpPr txBox="1"/>
+          <p:nvPr/>
+        </p:nvSpPr>
+        <p:spPr>
+          <a:xfrm>
+            <a:off x="4215075" y="368048"/>
+            <a:ext cx="1136107" cy="307777"/>
+          </a:xfrm>
+          <a:prstGeom prst="rect">
+            <a:avLst/>
+          </a:prstGeom>
+          <a:noFill/>
+        </p:spPr>
+        <p:txBody>
+          <a:bodyPr wrap="square" rtlCol="0">
+            <a:spAutoFit/>
+          </a:bodyPr>
+          <a:lstStyle/>
+          <a:p>
+            <a:r>
+              <a:rPr lang="en-AU" sz="1400" b="1">
+                <a:solidFill>
+                  <a:schemeClr val="bg1"/>
+                </a:solidFill>
+              </a:rPr>
+              <a:t>TSV File</a:t>
+            </a:r>
+          </a:p>
+        </p:txBody>
+      </p:sp>
+      <p:sp>
+        <p:nvSpPr>
+          <p:cNvPr id="17" name="TextBox 16">
+            <a:extLst>
+              <a:ext uri="{FF2B5EF4-FFF2-40B4-BE49-F238E27FC236}">
+                <a16:creationId xmlns:a16="http://schemas.microsoft.com/office/drawing/2014/main" id="{E0B517B7-8D83-4DD0-AF02-57D3FD5ED50D}"/>
+              </a:ext>
+            </a:extLst>
+          </p:cNvPr>
+          <p:cNvSpPr txBox="1"/>
+          <p:nvPr/>
+        </p:nvSpPr>
+        <p:spPr>
+          <a:xfrm>
+            <a:off x="4157610" y="2678513"/>
+            <a:ext cx="899420" cy="276999"/>
+          </a:xfrm>
+          <a:prstGeom prst="rect">
+            <a:avLst/>
+          </a:prstGeom>
+          <a:noFill/>
+        </p:spPr>
+        <p:txBody>
+          <a:bodyPr wrap="square" rtlCol="0">
+            <a:spAutoFit/>
+          </a:bodyPr>
+          <a:lstStyle/>
+          <a:p>
+            <a:pPr algn="ctr"/>
+            <a:r>
+              <a:rPr lang="en-AU" sz="1200" b="1"/>
+              <a:t>ingest.sh</a:t>
+            </a:r>
+            <a:endParaRPr lang="en-GB" sz="1200" b="1"/>
+          </a:p>
+        </p:txBody>
+      </p:sp>
+      <p:sp>
+        <p:nvSpPr>
+          <p:cNvPr id="36" name="TextBox 35">
+            <a:extLst>
+              <a:ext uri="{FF2B5EF4-FFF2-40B4-BE49-F238E27FC236}">
+                <a16:creationId xmlns:a16="http://schemas.microsoft.com/office/drawing/2014/main" id="{6D42E992-8766-45E7-8357-1475D4F44FC7}"/>
+              </a:ext>
+            </a:extLst>
+          </p:cNvPr>
+          <p:cNvSpPr txBox="1"/>
+          <p:nvPr/>
+        </p:nvSpPr>
+        <p:spPr>
+          <a:xfrm>
+            <a:off x="2878377" y="3194949"/>
+            <a:ext cx="1620255" cy="430887"/>
+          </a:xfrm>
+          <a:prstGeom prst="rect">
+            <a:avLst/>
+          </a:prstGeom>
+          <a:noFill/>
+        </p:spPr>
+        <p:txBody>
+          <a:bodyPr wrap="square" rtlCol="0">
+            <a:spAutoFit/>
+          </a:bodyPr>
+          <a:lstStyle/>
+          <a:p>
+            <a:r>
+              <a:rPr lang="en-AU" sz="1100" b="1">
+                <a:solidFill>
+                  <a:schemeClr val="bg1"/>
+                </a:solidFill>
+              </a:rPr>
+              <a:t>Database: </a:t>
+            </a:r>
+            <a:r>
+              <a:rPr lang="en-AU" sz="1100" b="1">
+                <a:solidFill>
+                  <a:schemeClr val="accent4">
+                    <a:lumMod val="60000"/>
+                    <a:lumOff val="40000"/>
+                  </a:schemeClr>
+                </a:solidFill>
+              </a:rPr>
+              <a:t>mas</a:t>
+            </a:r>
+          </a:p>
+          <a:p>
+            <a:r>
+              <a:rPr lang="en-AU" sz="1100" b="1">
+                <a:solidFill>
+                  <a:schemeClr val="bg1"/>
+                </a:solidFill>
+              </a:rPr>
+              <a:t>Table: </a:t>
+            </a:r>
+            <a:r>
+              <a:rPr lang="en-AU" sz="1100" b="1">
+                <a:solidFill>
+                  <a:schemeClr val="accent4">
+                    <a:lumMod val="60000"/>
+                    <a:lumOff val="40000"/>
+                  </a:schemeClr>
+                </a:solidFill>
+              </a:rPr>
+              <a:t>ingest</a:t>
+            </a:r>
+            <a:endParaRPr lang="en-GB" sz="1100" b="1">
+              <a:solidFill>
+                <a:schemeClr val="accent4">
+                  <a:lumMod val="60000"/>
+                  <a:lumOff val="40000"/>
+                </a:schemeClr>
+              </a:solidFill>
+            </a:endParaRPr>
+          </a:p>
+        </p:txBody>
+      </p:sp>
+      <p:sp>
+        <p:nvSpPr>
+          <p:cNvPr id="67" name="TextBox 66">
+            <a:extLst>
+              <a:ext uri="{FF2B5EF4-FFF2-40B4-BE49-F238E27FC236}">
+                <a16:creationId xmlns:a16="http://schemas.microsoft.com/office/drawing/2014/main" id="{40F724F5-19D9-4D1B-BE23-69871AD492C5}"/>
+              </a:ext>
+            </a:extLst>
+          </p:cNvPr>
+          <p:cNvSpPr txBox="1"/>
+          <p:nvPr/>
+        </p:nvSpPr>
+        <p:spPr>
+          <a:xfrm>
+            <a:off x="5649588" y="2503358"/>
+            <a:ext cx="2424200" cy="630942"/>
+          </a:xfrm>
+          <a:prstGeom prst="rect">
+            <a:avLst/>
+          </a:prstGeom>
+          <a:solidFill>
+            <a:schemeClr val="bg1"/>
+          </a:solidFill>
+          <a:ln>
+            <a:solidFill>
+              <a:schemeClr val="accent1">
+                <a:shade val="50000"/>
+              </a:schemeClr>
+            </a:solidFill>
+          </a:ln>
+        </p:spPr>
+        <p:txBody>
+          <a:bodyPr wrap="square" rtlCol="0">
+            <a:spAutoFit/>
+          </a:bodyPr>
+          <a:lstStyle>
+            <a:defPPr>
+              <a:defRPr lang="en-US"/>
+            </a:defPPr>
+            <a:lvl1pPr marL="171450" indent="-171450">
+              <a:buFontTx/>
+              <a:buChar char="-"/>
+              <a:defRPr sz="700"/>
+            </a:lvl1pPr>
+          </a:lstStyle>
+          <a:p>
+            <a:pPr marL="0" indent="0">
+              <a:buNone/>
+            </a:pPr>
+            <a:r>
+              <a:rPr lang="en-AU"/>
+              <a:t>create function ingest_line()</a:t>
+            </a:r>
+          </a:p>
+          <a:p>
+            <a:pPr marL="285750" lvl="1"/>
+            <a:r>
+              <a:rPr lang="en-AU" sz="700"/>
+              <a:t>create temporary mymetadata</a:t>
+            </a:r>
+          </a:p>
+          <a:p>
+            <a:pPr marL="285750" lvl="1"/>
+            <a:r>
+              <a:rPr lang="en-AU" sz="700"/>
+              <a:t>create temporary mypaths</a:t>
+            </a:r>
+          </a:p>
+          <a:p>
+            <a:pPr marL="285750" lvl="1"/>
+            <a:r>
+              <a:rPr lang="en-GB" sz="700"/>
+              <a:t>create trigger ingest before insert on ingest</a:t>
+            </a:r>
+            <a:endParaRPr lang="en-GB"/>
+          </a:p>
+          <a:p>
+            <a:endParaRPr lang="en-GB"/>
+          </a:p>
+        </p:txBody>
+      </p:sp>
+      <p:sp>
+        <p:nvSpPr>
+          <p:cNvPr id="68" name="TextBox 67">
+            <a:extLst>
+              <a:ext uri="{FF2B5EF4-FFF2-40B4-BE49-F238E27FC236}">
+                <a16:creationId xmlns:a16="http://schemas.microsoft.com/office/drawing/2014/main" id="{DB97CE4A-BE6E-4EA1-974E-0BBEC7CB15E1}"/>
+              </a:ext>
+            </a:extLst>
+          </p:cNvPr>
+          <p:cNvSpPr txBox="1"/>
+          <p:nvPr/>
+        </p:nvSpPr>
+        <p:spPr>
+          <a:xfrm>
+            <a:off x="5654903" y="1833597"/>
+            <a:ext cx="2424200" cy="630942"/>
+          </a:xfrm>
+          <a:prstGeom prst="rect">
+            <a:avLst/>
+          </a:prstGeom>
+          <a:solidFill>
+            <a:schemeClr val="bg1"/>
+          </a:solidFill>
+          <a:ln>
+            <a:solidFill>
+              <a:schemeClr val="accent1">
+                <a:shade val="50000"/>
+              </a:schemeClr>
+            </a:solidFill>
+          </a:ln>
+        </p:spPr>
+        <p:txBody>
+          <a:bodyPr wrap="square" rtlCol="0">
+            <a:spAutoFit/>
+          </a:bodyPr>
+          <a:lstStyle>
+            <a:defPPr>
+              <a:defRPr lang="en-US"/>
+            </a:defPPr>
+            <a:lvl1pPr marL="171450" indent="-171450">
+              <a:buFontTx/>
+              <a:buChar char="-"/>
+              <a:defRPr sz="700"/>
+            </a:lvl1pPr>
+          </a:lstStyle>
+          <a:p>
+            <a:pPr marL="0" indent="0">
+              <a:buNone/>
+            </a:pPr>
+            <a:r>
+              <a:rPr lang="en-AU"/>
+              <a:t>function ingest_line()</a:t>
+            </a:r>
+          </a:p>
+          <a:p>
+            <a:pPr marL="285750" lvl="1"/>
+            <a:r>
+              <a:rPr lang="en-AU" sz="700"/>
+              <a:t>insert into mymetadata </a:t>
+            </a:r>
+          </a:p>
+          <a:p>
+            <a:pPr marL="285750" lvl="1"/>
+            <a:r>
+              <a:rPr lang="en-AU" sz="700"/>
+              <a:t>   ( md_hash, md_type,  md_json )</a:t>
+            </a:r>
+          </a:p>
+          <a:p>
+            <a:pPr marL="285750" lvl="1"/>
+            <a:endParaRPr lang="en-AU" sz="700"/>
+          </a:p>
+          <a:p>
+            <a:pPr marL="285750" lvl="1"/>
+            <a:endParaRPr lang="en-AU" sz="700"/>
+          </a:p>
+        </p:txBody>
+      </p:sp>
+      <p:grpSp>
+        <p:nvGrpSpPr>
+          <p:cNvPr id="23" name="Group 22">
+            <a:extLst>
+              <a:ext uri="{FF2B5EF4-FFF2-40B4-BE49-F238E27FC236}">
+                <a16:creationId xmlns:a16="http://schemas.microsoft.com/office/drawing/2014/main" id="{7ADEE2B0-362F-4FFB-90C4-516EE7218CC3}"/>
+              </a:ext>
+            </a:extLst>
+          </p:cNvPr>
+          <p:cNvGrpSpPr/>
+          <p:nvPr/>
+        </p:nvGrpSpPr>
+        <p:grpSpPr>
+          <a:xfrm>
+            <a:off x="8362980" y="1119169"/>
+            <a:ext cx="3362968" cy="5314828"/>
+            <a:chOff x="8362980" y="1119169"/>
+            <a:chExt cx="3362968" cy="5314828"/>
+          </a:xfrm>
+        </p:grpSpPr>
+        <p:sp>
+          <p:nvSpPr>
+            <p:cNvPr id="74" name="TextBox 73">
+              <a:extLst>
+                <a:ext uri="{FF2B5EF4-FFF2-40B4-BE49-F238E27FC236}">
+                  <a16:creationId xmlns:a16="http://schemas.microsoft.com/office/drawing/2014/main" id="{44334C03-E577-4196-B20C-3F0C2E51C4E6}"/>
+                </a:ext>
+              </a:extLst>
+            </p:cNvPr>
+            <p:cNvSpPr txBox="1"/>
+            <p:nvPr/>
+          </p:nvSpPr>
+          <p:spPr>
+            <a:xfrm>
+              <a:off x="8362980" y="1317104"/>
+              <a:ext cx="3362968" cy="200055"/>
+            </a:xfrm>
+            <a:prstGeom prst="rect">
+              <a:avLst/>
+            </a:prstGeom>
+            <a:solidFill>
+              <a:schemeClr val="bg1"/>
+            </a:solidFill>
+            <a:ln>
+              <a:solidFill>
+                <a:schemeClr val="accent1">
+                  <a:shade val="50000"/>
+                </a:schemeClr>
+              </a:solidFill>
+            </a:ln>
+          </p:spPr>
+          <p:txBody>
+            <a:bodyPr wrap="square" rtlCol="0">
+              <a:spAutoFit/>
+            </a:bodyPr>
+            <a:lstStyle>
+              <a:defPPr>
+                <a:defRPr lang="en-US"/>
+              </a:defPPr>
+              <a:lvl1pPr>
+                <a:defRPr sz="700" b="1"/>
+              </a:lvl1pPr>
+            </a:lstStyle>
+            <a:p>
+              <a:r>
+                <a:rPr lang="en-US"/>
+                <a:t>md_hash |md_type | md_json</a:t>
+              </a:r>
+              <a:endParaRPr lang="en-GB"/>
+            </a:p>
+          </p:txBody>
+        </p:sp>
+        <p:sp>
+          <p:nvSpPr>
+            <p:cNvPr id="60" name="TextBox 59">
+              <a:extLst>
+                <a:ext uri="{FF2B5EF4-FFF2-40B4-BE49-F238E27FC236}">
+                  <a16:creationId xmlns:a16="http://schemas.microsoft.com/office/drawing/2014/main" id="{78C8297C-5E10-4A5B-A54D-E3963921E5AB}"/>
+                </a:ext>
+              </a:extLst>
+            </p:cNvPr>
+            <p:cNvSpPr txBox="1"/>
+            <p:nvPr/>
+          </p:nvSpPr>
+          <p:spPr>
+            <a:xfrm>
+              <a:off x="8362980" y="1512953"/>
+              <a:ext cx="3362968" cy="415498"/>
+            </a:xfrm>
+            <a:prstGeom prst="rect">
+              <a:avLst/>
+            </a:prstGeom>
+            <a:solidFill>
+              <a:schemeClr val="bg1"/>
+            </a:solidFill>
+            <a:ln>
+              <a:solidFill>
+                <a:schemeClr val="accent1">
+                  <a:shade val="50000"/>
+                </a:schemeClr>
+              </a:solidFill>
+            </a:ln>
+          </p:spPr>
+          <p:txBody>
+            <a:bodyPr wrap="square" rtlCol="0">
+              <a:spAutoFit/>
+            </a:bodyPr>
+            <a:lstStyle>
+              <a:defPPr>
+                <a:defRPr lang="en-US"/>
+              </a:defPPr>
+              <a:lvl1pPr marL="171450" indent="-171450">
+                <a:buFontTx/>
+                <a:buChar char="-"/>
+                <a:defRPr sz="700"/>
+              </a:lvl1pPr>
+            </a:lstStyle>
+            <a:p>
+              <a:pPr marL="0" indent="0">
+                <a:buNone/>
+              </a:pPr>
+              <a:r>
+                <a:rPr lang="en-AU" b="1"/>
+                <a:t>md_hash</a:t>
+              </a:r>
+              <a:r>
+                <a:rPr lang="en-AU"/>
+                <a:t>: md5 hash of filename (‘in_path’)</a:t>
+              </a:r>
+              <a:endParaRPr lang="en-GB"/>
+            </a:p>
+            <a:p>
+              <a:pPr marL="0" indent="0">
+                <a:buNone/>
+              </a:pPr>
+              <a:r>
+                <a:rPr lang="en-US" b="1"/>
+                <a:t>md_type</a:t>
+              </a:r>
+              <a:r>
+                <a:rPr lang="en-US"/>
+                <a:t>: gdal (‘in_type’)</a:t>
+              </a:r>
+              <a:endParaRPr lang="en-GB"/>
+            </a:p>
+            <a:p>
+              <a:pPr marL="0" indent="0">
+                <a:buNone/>
+              </a:pPr>
+              <a:r>
+                <a:rPr lang="en-US" b="1"/>
+                <a:t>md_json</a:t>
+              </a:r>
+              <a:r>
+                <a:rPr lang="en-US"/>
+                <a:t>:  reformatted gdalinfo from filename (‘in_json’)</a:t>
+              </a:r>
+              <a:endParaRPr lang="en-GB"/>
+            </a:p>
+          </p:txBody>
+        </p:sp>
+        <p:sp>
+          <p:nvSpPr>
+            <p:cNvPr id="66" name="TextBox 65">
+              <a:extLst>
+                <a:ext uri="{FF2B5EF4-FFF2-40B4-BE49-F238E27FC236}">
+                  <a16:creationId xmlns:a16="http://schemas.microsoft.com/office/drawing/2014/main" id="{26990521-7C9D-4672-84CE-3B577F938CA1}"/>
+                </a:ext>
+              </a:extLst>
+            </p:cNvPr>
+            <p:cNvSpPr txBox="1"/>
+            <p:nvPr/>
+          </p:nvSpPr>
+          <p:spPr>
+            <a:xfrm>
+              <a:off x="8362980" y="1925070"/>
+              <a:ext cx="3362968" cy="4508927"/>
+            </a:xfrm>
+            <a:prstGeom prst="rect">
+              <a:avLst/>
+            </a:prstGeom>
+            <a:solidFill>
+              <a:schemeClr val="bg1"/>
+            </a:solidFill>
+            <a:ln>
+              <a:solidFill>
+                <a:schemeClr val="accent1">
+                  <a:shade val="50000"/>
+                </a:schemeClr>
+              </a:solidFill>
+            </a:ln>
+          </p:spPr>
+          <p:txBody>
+            <a:bodyPr wrap="square" rtlCol="0">
+              <a:spAutoFit/>
+            </a:bodyPr>
+            <a:lstStyle>
+              <a:defPPr>
+                <a:defRPr lang="en-US"/>
+              </a:defPPr>
+              <a:lvl1pPr marL="171450" indent="-171450">
+                <a:buFontTx/>
+                <a:buChar char="-"/>
+                <a:defRPr sz="700"/>
+              </a:lvl1pPr>
+            </a:lstStyle>
+            <a:p>
+              <a:pPr marL="0" indent="0">
+                <a:buNone/>
+              </a:pPr>
+              <a:r>
+                <a:rPr lang="en-AU" b="1"/>
+                <a:t>md_hash</a:t>
+              </a:r>
+              <a:r>
+                <a:rPr lang="en-AU"/>
+                <a:t>: </a:t>
+              </a:r>
+              <a:r>
+                <a:rPr lang="en-US"/>
+                <a:t>6c371336-8ea3-209d-13bf-4538429e2e34</a:t>
+              </a:r>
+              <a:endParaRPr lang="en-GB"/>
+            </a:p>
+            <a:p>
+              <a:pPr marL="0" indent="0">
+                <a:buNone/>
+              </a:pPr>
+              <a:r>
+                <a:rPr lang="en-US" b="1"/>
+                <a:t>md_type</a:t>
+              </a:r>
+              <a:r>
+                <a:rPr lang="en-US"/>
+                <a:t>: gdal</a:t>
+              </a:r>
+              <a:endParaRPr lang="en-GB"/>
+            </a:p>
+            <a:p>
+              <a:pPr marL="0" indent="0">
+                <a:buNone/>
+              </a:pPr>
+              <a:r>
+                <a:rPr lang="en-GB" b="1"/>
+                <a:t>md_json</a:t>
+              </a:r>
+              <a:r>
+                <a:rPr lang="en-GB"/>
+                <a:t>:</a:t>
+              </a:r>
+            </a:p>
+            <a:p>
+              <a:pPr marL="0" indent="0">
+                <a:buNone/>
+              </a:pPr>
+              <a:r>
+                <a:rPr lang="en-GB"/>
+                <a:t>{</a:t>
+              </a:r>
+            </a:p>
+            <a:p>
+              <a:pPr marL="0" indent="0">
+                <a:buNone/>
+              </a:pPr>
+              <a:r>
+                <a:rPr lang="en-GB"/>
+                <a:t>    "filename":"</a:t>
+              </a:r>
+              <a:r>
+                <a:rPr lang="en-AU"/>
+                <a:t> /g/data2/tc43/…/FC.v310.MCD43A4.h15v02.2013.006.nc</a:t>
+              </a:r>
+              <a:endParaRPr lang="en-GB"/>
+            </a:p>
+            <a:p>
+              <a:pPr marL="0" indent="0">
+                <a:buNone/>
+              </a:pPr>
+              <a:r>
+                <a:rPr lang="en-GB"/>
+                <a:t>    "file_type":"netCDF",</a:t>
+              </a:r>
+            </a:p>
+            <a:p>
+              <a:pPr marL="0" indent="0">
+                <a:buNone/>
+              </a:pPr>
+              <a:r>
+                <a:rPr lang="en-GB"/>
+                <a:t>    "geo_metadata":</a:t>
+              </a:r>
+            </a:p>
+            <a:p>
+              <a:pPr marL="0" indent="0">
+                <a:buNone/>
+              </a:pPr>
+              <a:r>
+                <a:rPr lang="en-GB"/>
+                <a:t>    [</a:t>
+              </a:r>
+            </a:p>
+            <a:p>
+              <a:pPr marL="0" indent="0">
+                <a:buNone/>
+              </a:pPr>
+              <a:r>
+                <a:rPr lang="en-GB"/>
+                <a:t>     {</a:t>
+              </a:r>
+            </a:p>
+            <a:p>
+              <a:pPr marL="0" indent="0">
+                <a:buNone/>
+              </a:pPr>
+              <a:r>
+                <a:rPr lang="en-GB"/>
+                <a:t>       "ds_name": "NETCDF:\"</a:t>
+              </a:r>
+              <a:r>
+                <a:rPr lang="en-AU"/>
+                <a:t> /g/data2/tc43/…/FC.v…15v02.2013.006.nc</a:t>
+              </a:r>
+              <a:endParaRPr lang="en-GB"/>
+            </a:p>
+            <a:p>
+              <a:pPr marL="0" indent="0">
+                <a:buNone/>
+              </a:pPr>
+              <a:r>
+                <a:rPr lang="en-GB"/>
+                <a:t>        "namespace":"phot_veg",</a:t>
+              </a:r>
+            </a:p>
+            <a:p>
+              <a:pPr marL="0" indent="0">
+                <a:buNone/>
+              </a:pPr>
+              <a:r>
+                <a:rPr lang="en-GB"/>
+                <a:t>        "array_type":"Byte",</a:t>
+              </a:r>
+            </a:p>
+            <a:p>
+              <a:pPr marL="0" indent="0">
+                <a:buNone/>
+              </a:pPr>
+              <a:r>
+                <a:rPr lang="en-GB"/>
+                <a:t>        "raster_count":48,</a:t>
+              </a:r>
+            </a:p>
+            <a:p>
+              <a:pPr marL="0" indent="0">
+                <a:buNone/>
+              </a:pPr>
+              <a:r>
+                <a:rPr lang="en-GB"/>
+                <a:t>        "timestamps":["2011-01-01T00:00:00Z", "2011-01-09T00:00:00Z“],</a:t>
+              </a:r>
+            </a:p>
+            <a:p>
+              <a:pPr marL="0" indent="0">
+                <a:buNone/>
+              </a:pPr>
+              <a:r>
+                <a:rPr lang="en-GB"/>
+                <a:t>        "x_size":2400, "y_size":2400,</a:t>
+              </a:r>
+            </a:p>
+            <a:p>
+              <a:pPr marL="0" indent="0">
+                <a:buNone/>
+              </a:pPr>
+              <a:r>
+                <a:rPr lang="en-GB"/>
+                <a:t>        "geotransform":[-15567539.028221982, 463.5058439629849, 0, 2],</a:t>
+              </a:r>
+            </a:p>
+            <a:p>
+              <a:pPr marL="0" indent="0">
+                <a:buNone/>
+              </a:pPr>
+              <a:r>
+                <a:rPr lang="en-GB"/>
+                <a:t>        "polygon":"POLYGON ((-15567539.028222 231.752922, -15567539)],</a:t>
+              </a:r>
+            </a:p>
+            <a:p>
+              <a:pPr marL="0" indent="0">
+                <a:buNone/>
+              </a:pPr>
+              <a:r>
+                <a:rPr lang="en-GB"/>
+                <a:t>        "proj_wkt":"PROJCS[GEOGCS[DATUM[SPHEROID[]],</a:t>
+              </a:r>
+            </a:p>
+            <a:p>
+              <a:pPr marL="0" indent="0">
+                <a:buNone/>
+              </a:pPr>
+              <a:r>
+                <a:rPr lang="en-GB"/>
+                <a:t>          PRIMEM[], UNIT[]], PROJECTION[], PARAMETER[],</a:t>
+              </a:r>
+            </a:p>
+            <a:p>
+              <a:pPr marL="0" indent="0">
+                <a:buNone/>
+              </a:pPr>
+              <a:r>
+                <a:rPr lang="en-GB"/>
+                <a:t>          PARAMETER[PARAMETER[],NIT[]]",</a:t>
+              </a:r>
+            </a:p>
+            <a:p>
+              <a:pPr marL="0" indent="0">
+                <a:buNone/>
+              </a:pPr>
+              <a:r>
+                <a:rPr lang="en-GB"/>
+                <a:t>        "proj4":"+proj=sinu +lon_0=0 +x_0=0 +y_0=0 +a=6371007.181 +b</a:t>
+              </a:r>
+            </a:p>
+            <a:p>
+              <a:pPr marL="0" indent="0">
+                <a:buNone/>
+              </a:pPr>
+              <a:r>
+                <a:rPr lang="en-GB"/>
+                <a:t>        "mins":[255, 255, 255, 255, 255, 255, 255, 255, 255, 255, 25</a:t>
+              </a:r>
+            </a:p>
+            <a:p>
+              <a:pPr marL="0" indent="0">
+                <a:buNone/>
+              </a:pPr>
+              <a:r>
+                <a:rPr lang="en-GB"/>
+                <a:t>        "maxs":[255, 255, 255, 255, 255, 255, 255, 255, 255, 255, 25</a:t>
+              </a:r>
+            </a:p>
+            <a:p>
+              <a:pPr marL="0" indent="0">
+                <a:buNone/>
+              </a:pPr>
+              <a:r>
+                <a:rPr lang="en-GB"/>
+                <a:t>        "means":[255, 255, 255, 255, 255, 255, 255, 255, 255, 255, 2</a:t>
+              </a:r>
+            </a:p>
+            <a:p>
+              <a:pPr marL="0" indent="0">
+                <a:buNone/>
+              </a:pPr>
+              <a:r>
+                <a:rPr lang="en-GB"/>
+                <a:t>        "stddevs":[255, 255, 255, 255, 255, 255, 255, 255, 255, 255,</a:t>
+              </a:r>
+            </a:p>
+            <a:p>
+              <a:pPr marL="0" indent="0">
+                <a:buNone/>
+              </a:pPr>
+              <a:r>
+                <a:rPr lang="en-GB"/>
+                <a:t>        "sample_counts":[-1, -1, -1, -1, -1, -1, -1, -1, -1, -1, -1,</a:t>
+              </a:r>
+            </a:p>
+            <a:p>
+              <a:pPr marL="0" indent="0">
+                <a:buNone/>
+              </a:pPr>
+              <a:r>
+                <a:rPr lang="en-GB"/>
+                <a:t>        "nodata":255</a:t>
+              </a:r>
+            </a:p>
+            <a:p>
+              <a:pPr marL="0" indent="0">
+                <a:buNone/>
+              </a:pPr>
+              <a:r>
+                <a:rPr lang="en-GB"/>
+                <a:t>     },</a:t>
+              </a:r>
+            </a:p>
+            <a:p>
+              <a:pPr marL="0" indent="0">
+                <a:buNone/>
+              </a:pPr>
+              <a:r>
+                <a:rPr lang="en-AU"/>
+                <a:t>     {</a:t>
+              </a:r>
+            </a:p>
+            <a:p>
+              <a:pPr marL="0" indent="0">
+                <a:buNone/>
+              </a:pPr>
+              <a:r>
+                <a:rPr lang="en-GB"/>
+                <a:t>        "ds_name": "NETCDF:\"/g/data2/tc43/modis-fc/.../</a:t>
+              </a:r>
+              <a:r>
+                <a:rPr lang="en-AU"/>
+                <a:t>.v…15.2013.006</a:t>
+              </a:r>
+              <a:r>
+                <a:rPr lang="en-GB"/>
+                <a:t>.nc</a:t>
+              </a:r>
+            </a:p>
+            <a:p>
+              <a:pPr marL="0" indent="0">
+                <a:buNone/>
+              </a:pPr>
+              <a:r>
+                <a:rPr lang="en-GB"/>
+                <a:t>        "namespace":“nphot_veg",</a:t>
+              </a:r>
+            </a:p>
+            <a:p>
+              <a:pPr marL="0" indent="0">
+                <a:buNone/>
+              </a:pPr>
+              <a:r>
+                <a:rPr lang="en-AU"/>
+                <a:t>         …</a:t>
+              </a:r>
+              <a:endParaRPr lang="en-GB"/>
+            </a:p>
+            <a:p>
+              <a:pPr marL="0" indent="0">
+                <a:buNone/>
+              </a:pPr>
+              <a:r>
+                <a:rPr lang="en-GB"/>
+                <a:t>      </a:t>
+              </a:r>
+              <a:r>
+                <a:rPr lang="en-AU"/>
+                <a:t>}. </a:t>
+              </a:r>
+            </a:p>
+            <a:p>
+              <a:pPr marL="0" indent="0">
+                <a:buNone/>
+              </a:pPr>
+              <a:r>
+                <a:rPr lang="en-AU"/>
+                <a:t>      {</a:t>
+              </a:r>
+            </a:p>
+            <a:p>
+              <a:pPr marL="0" indent="0">
+                <a:buNone/>
+              </a:pPr>
+              <a:r>
+                <a:rPr lang="en-GB"/>
+                <a:t>        "ds_name": "NETCDF:\"/g/data2/tc43/modis-fc/.../</a:t>
+              </a:r>
+              <a:r>
+                <a:rPr lang="en-AU"/>
+                <a:t>.v…15.2013.006</a:t>
+              </a:r>
+              <a:r>
+                <a:rPr lang="en-GB"/>
+                <a:t>.nc</a:t>
+              </a:r>
+            </a:p>
+            <a:p>
+              <a:pPr marL="0" indent="0">
+                <a:buNone/>
+              </a:pPr>
+              <a:r>
+                <a:rPr lang="en-GB"/>
+                <a:t>        "namespace":“nphot_veg",</a:t>
+              </a:r>
+            </a:p>
+            <a:p>
+              <a:pPr marL="0" indent="0">
+                <a:buNone/>
+              </a:pPr>
+              <a:r>
+                <a:rPr lang="en-AU"/>
+                <a:t>         …</a:t>
+              </a:r>
+              <a:endParaRPr lang="en-GB"/>
+            </a:p>
+            <a:p>
+              <a:pPr marL="0" indent="0">
+                <a:buNone/>
+              </a:pPr>
+              <a:r>
+                <a:rPr lang="en-GB"/>
+                <a:t>      </a:t>
+              </a:r>
+              <a:r>
+                <a:rPr lang="en-AU"/>
+                <a:t>}.</a:t>
+              </a:r>
+              <a:r>
+                <a:rPr lang="en-GB"/>
+                <a:t>    </a:t>
+              </a:r>
+            </a:p>
+            <a:p>
+              <a:pPr marL="0" indent="0">
+                <a:buNone/>
+              </a:pPr>
+              <a:r>
+                <a:rPr lang="en-GB"/>
+                <a:t>    ]</a:t>
+              </a:r>
+            </a:p>
+            <a:p>
+              <a:pPr marL="0" indent="0">
+                <a:buNone/>
+              </a:pPr>
+              <a:r>
+                <a:rPr lang="en-GB"/>
+                <a:t>}</a:t>
+              </a:r>
+            </a:p>
+          </p:txBody>
+        </p:sp>
+        <p:sp>
+          <p:nvSpPr>
+            <p:cNvPr id="73" name="TextBox 72">
+              <a:extLst>
+                <a:ext uri="{FF2B5EF4-FFF2-40B4-BE49-F238E27FC236}">
+                  <a16:creationId xmlns:a16="http://schemas.microsoft.com/office/drawing/2014/main" id="{0FCF6286-B57C-4CA2-BE98-E11E791E41A2}"/>
+                </a:ext>
+              </a:extLst>
+            </p:cNvPr>
+            <p:cNvSpPr txBox="1"/>
+            <p:nvPr/>
+          </p:nvSpPr>
+          <p:spPr>
+            <a:xfrm>
+              <a:off x="8362980" y="1119169"/>
+              <a:ext cx="3362968" cy="200055"/>
+            </a:xfrm>
+            <a:prstGeom prst="rect">
+              <a:avLst/>
+            </a:prstGeom>
+            <a:gradFill flip="none" rotWithShape="1">
+              <a:gsLst>
+                <a:gs pos="0">
+                  <a:schemeClr val="accent5">
+                    <a:lumMod val="60000"/>
+                    <a:lumOff val="40000"/>
+                    <a:shade val="30000"/>
+                    <a:satMod val="115000"/>
+                  </a:schemeClr>
+                </a:gs>
+                <a:gs pos="50000">
+                  <a:schemeClr val="accent5">
+                    <a:lumMod val="60000"/>
+                    <a:lumOff val="40000"/>
+                    <a:shade val="67500"/>
+                    <a:satMod val="115000"/>
+                  </a:schemeClr>
+                </a:gs>
+                <a:gs pos="100000">
+                  <a:schemeClr val="accent5">
+                    <a:lumMod val="60000"/>
+                    <a:lumOff val="40000"/>
+                    <a:shade val="100000"/>
+                    <a:satMod val="115000"/>
+                  </a:schemeClr>
+                </a:gs>
+              </a:gsLst>
+              <a:lin ang="5400000" scaled="1"/>
+              <a:tileRect/>
+            </a:gradFill>
+            <a:ln>
+              <a:solidFill>
+                <a:schemeClr val="accent1">
+                  <a:shade val="50000"/>
+                </a:schemeClr>
+              </a:solidFill>
+            </a:ln>
+          </p:spPr>
+          <p:txBody>
+            <a:bodyPr wrap="square" rtlCol="0">
+              <a:spAutoFit/>
+            </a:bodyPr>
+            <a:lstStyle>
+              <a:defPPr>
+                <a:defRPr lang="en-US"/>
+              </a:defPPr>
+              <a:lvl1pPr>
+                <a:defRPr sz="700" b="1"/>
+              </a:lvl1pPr>
+            </a:lstStyle>
+            <a:p>
+              <a:r>
+                <a:rPr lang="en-US"/>
+                <a:t>Temporary table </a:t>
+              </a:r>
+              <a:r>
+                <a:rPr lang="en-AU"/>
+                <a:t>mymetadata</a:t>
+              </a:r>
+              <a:endParaRPr lang="en-GB"/>
+            </a:p>
+          </p:txBody>
+        </p:sp>
+      </p:grpSp>
+      <p:sp>
+        <p:nvSpPr>
+          <p:cNvPr id="112" name="TextBox 111">
+            <a:extLst>
+              <a:ext uri="{FF2B5EF4-FFF2-40B4-BE49-F238E27FC236}">
+                <a16:creationId xmlns:a16="http://schemas.microsoft.com/office/drawing/2014/main" id="{D45775FD-958F-4E98-9BEC-535D7CC79DEC}"/>
+              </a:ext>
+            </a:extLst>
+          </p:cNvPr>
+          <p:cNvSpPr txBox="1"/>
+          <p:nvPr/>
+        </p:nvSpPr>
+        <p:spPr>
+          <a:xfrm>
+            <a:off x="370127" y="1927098"/>
+            <a:ext cx="2406428" cy="1277273"/>
+          </a:xfrm>
+          <a:prstGeom prst="rect">
+            <a:avLst/>
+          </a:prstGeom>
+          <a:solidFill>
+            <a:schemeClr val="bg1"/>
+          </a:solidFill>
+          <a:ln>
+            <a:solidFill>
+              <a:schemeClr val="accent1">
+                <a:shade val="50000"/>
+              </a:schemeClr>
+            </a:solidFill>
+          </a:ln>
+        </p:spPr>
+        <p:txBody>
+          <a:bodyPr wrap="square" rtlCol="0">
+            <a:spAutoFit/>
+          </a:bodyPr>
+          <a:lstStyle>
+            <a:defPPr>
+              <a:defRPr lang="en-US"/>
+            </a:defPPr>
+            <a:lvl1pPr marL="171450" indent="-171450">
+              <a:buFontTx/>
+              <a:buChar char="-"/>
+              <a:defRPr sz="700"/>
+            </a:lvl1pPr>
+          </a:lstStyle>
+          <a:p>
+            <a:pPr marL="0" indent="0">
+              <a:buNone/>
+            </a:pPr>
+            <a:endParaRPr lang="en-AU"/>
+          </a:p>
+          <a:p>
+            <a:pPr marL="0" indent="0">
+              <a:buNone/>
+            </a:pPr>
+            <a:endParaRPr lang="en-AU"/>
+          </a:p>
+          <a:p>
+            <a:pPr marL="0" indent="0">
+              <a:buNone/>
+            </a:pPr>
+            <a:endParaRPr lang="en-AU"/>
+          </a:p>
+          <a:p>
+            <a:pPr marL="0" indent="0">
+              <a:buNone/>
+            </a:pPr>
+            <a:endParaRPr lang="en-AU"/>
+          </a:p>
+          <a:p>
+            <a:pPr marL="0" indent="0">
+              <a:buNone/>
+            </a:pPr>
+            <a:endParaRPr lang="en-AU"/>
+          </a:p>
+          <a:p>
+            <a:pPr marL="0" indent="0">
+              <a:buNone/>
+            </a:pPr>
+            <a:endParaRPr lang="en-AU"/>
+          </a:p>
+          <a:p>
+            <a:pPr marL="0" indent="0">
+              <a:buNone/>
+            </a:pPr>
+            <a:endParaRPr lang="en-AU"/>
+          </a:p>
+          <a:p>
+            <a:pPr marL="0" indent="0">
+              <a:buNone/>
+            </a:pPr>
+            <a:endParaRPr lang="en-AU"/>
+          </a:p>
+          <a:p>
+            <a:pPr marL="0" indent="0">
+              <a:buNone/>
+            </a:pPr>
+            <a:endParaRPr lang="en-AU"/>
+          </a:p>
+          <a:p>
+            <a:pPr marL="0" indent="0">
+              <a:buNone/>
+            </a:pPr>
+            <a:endParaRPr lang="en-AU"/>
+          </a:p>
+          <a:p>
+            <a:pPr marL="0" indent="0">
+              <a:buNone/>
+            </a:pPr>
+            <a:endParaRPr lang="en-GB"/>
+          </a:p>
+        </p:txBody>
+      </p:sp>
+      <p:grpSp>
+        <p:nvGrpSpPr>
+          <p:cNvPr id="26" name="Group 25">
+            <a:extLst>
+              <a:ext uri="{FF2B5EF4-FFF2-40B4-BE49-F238E27FC236}">
+                <a16:creationId xmlns:a16="http://schemas.microsoft.com/office/drawing/2014/main" id="{7C458A96-AD0F-4113-8C3E-78BE11515BCD}"/>
+              </a:ext>
+            </a:extLst>
+          </p:cNvPr>
+          <p:cNvGrpSpPr/>
+          <p:nvPr/>
+        </p:nvGrpSpPr>
+        <p:grpSpPr>
+          <a:xfrm>
+            <a:off x="370127" y="1876294"/>
+            <a:ext cx="2406428" cy="1332545"/>
+            <a:chOff x="370127" y="1675769"/>
+            <a:chExt cx="2406428" cy="1332545"/>
+          </a:xfrm>
+        </p:grpSpPr>
+        <p:sp>
+          <p:nvSpPr>
+            <p:cNvPr id="99" name="TextBox 98">
+              <a:extLst>
+                <a:ext uri="{FF2B5EF4-FFF2-40B4-BE49-F238E27FC236}">
+                  <a16:creationId xmlns:a16="http://schemas.microsoft.com/office/drawing/2014/main" id="{09B5B580-190D-40D7-83E4-32634A089727}"/>
+                </a:ext>
+              </a:extLst>
+            </p:cNvPr>
+            <p:cNvSpPr txBox="1"/>
+            <p:nvPr/>
+          </p:nvSpPr>
+          <p:spPr>
+            <a:xfrm>
+              <a:off x="370127" y="1873704"/>
+              <a:ext cx="2406428" cy="200055"/>
+            </a:xfrm>
+            <a:prstGeom prst="rect">
+              <a:avLst/>
+            </a:prstGeom>
+            <a:solidFill>
+              <a:schemeClr val="bg1"/>
+            </a:solidFill>
+            <a:ln>
+              <a:solidFill>
+                <a:schemeClr val="accent1">
+                  <a:shade val="50000"/>
+                </a:schemeClr>
+              </a:solidFill>
+            </a:ln>
+          </p:spPr>
+          <p:txBody>
+            <a:bodyPr wrap="square" rtlCol="0">
+              <a:spAutoFit/>
+            </a:bodyPr>
+            <a:lstStyle>
+              <a:defPPr>
+                <a:defRPr lang="en-US"/>
+              </a:defPPr>
+              <a:lvl1pPr>
+                <a:defRPr sz="700" b="1"/>
+              </a:lvl1pPr>
+            </a:lstStyle>
+            <a:p>
+              <a:r>
+                <a:rPr lang="en-AU"/>
+                <a:t>pa_hash | pa_type | pa_path</a:t>
+              </a:r>
+              <a:endParaRPr lang="en-GB"/>
+            </a:p>
+          </p:txBody>
+        </p:sp>
+        <p:sp>
+          <p:nvSpPr>
+            <p:cNvPr id="100" name="TextBox 99">
+              <a:extLst>
+                <a:ext uri="{FF2B5EF4-FFF2-40B4-BE49-F238E27FC236}">
+                  <a16:creationId xmlns:a16="http://schemas.microsoft.com/office/drawing/2014/main" id="{712E0FC2-1E65-4656-83EC-07C507460384}"/>
+                </a:ext>
+              </a:extLst>
+            </p:cNvPr>
+            <p:cNvSpPr txBox="1"/>
+            <p:nvPr/>
+          </p:nvSpPr>
+          <p:spPr>
+            <a:xfrm>
+              <a:off x="370127" y="2069553"/>
+              <a:ext cx="2406428" cy="415498"/>
+            </a:xfrm>
+            <a:prstGeom prst="rect">
+              <a:avLst/>
+            </a:prstGeom>
+            <a:solidFill>
+              <a:schemeClr val="bg1"/>
+            </a:solidFill>
+            <a:ln>
+              <a:solidFill>
+                <a:schemeClr val="accent1">
+                  <a:shade val="50000"/>
+                </a:schemeClr>
+              </a:solidFill>
+            </a:ln>
+          </p:spPr>
+          <p:txBody>
+            <a:bodyPr wrap="square" rtlCol="0">
+              <a:spAutoFit/>
+            </a:bodyPr>
+            <a:lstStyle>
+              <a:defPPr>
+                <a:defRPr lang="en-US"/>
+              </a:defPPr>
+              <a:lvl1pPr marL="171450" indent="-171450">
+                <a:buFontTx/>
+                <a:buChar char="-"/>
+                <a:defRPr sz="700"/>
+              </a:lvl1pPr>
+            </a:lstStyle>
+            <a:p>
+              <a:pPr marL="0" indent="0">
+                <a:buNone/>
+              </a:pPr>
+              <a:r>
+                <a:rPr lang="en-AU" b="1"/>
+                <a:t>pa_hash</a:t>
+              </a:r>
+              <a:r>
+                <a:rPr lang="en-AU"/>
+                <a:t>: md5 hash of filename (‘in_path’)</a:t>
+              </a:r>
+              <a:endParaRPr lang="en-GB"/>
+            </a:p>
+            <a:p>
+              <a:pPr marL="0" indent="0">
+                <a:buNone/>
+              </a:pPr>
+              <a:r>
+                <a:rPr lang="en-US" b="1"/>
+                <a:t>pa_type</a:t>
+              </a:r>
+              <a:r>
+                <a:rPr lang="en-US"/>
+                <a:t>: </a:t>
+              </a:r>
+              <a:r>
+                <a:rPr lang="en-AU"/>
+                <a:t>null</a:t>
+              </a:r>
+              <a:endParaRPr lang="en-GB"/>
+            </a:p>
+            <a:p>
+              <a:pPr marL="0" indent="0">
+                <a:buNone/>
+              </a:pPr>
+              <a:r>
+                <a:rPr lang="en-US" b="1"/>
+                <a:t>pa_path</a:t>
+              </a:r>
+              <a:r>
+                <a:rPr lang="en-US"/>
+                <a:t>:  filename</a:t>
+              </a:r>
+              <a:endParaRPr lang="en-GB"/>
+            </a:p>
+          </p:txBody>
+        </p:sp>
+        <p:sp>
+          <p:nvSpPr>
+            <p:cNvPr id="101" name="TextBox 100">
+              <a:extLst>
+                <a:ext uri="{FF2B5EF4-FFF2-40B4-BE49-F238E27FC236}">
+                  <a16:creationId xmlns:a16="http://schemas.microsoft.com/office/drawing/2014/main" id="{CB2FC715-36D6-43B2-82D3-082776007963}"/>
+                </a:ext>
+              </a:extLst>
+            </p:cNvPr>
+            <p:cNvSpPr txBox="1"/>
+            <p:nvPr/>
+          </p:nvSpPr>
+          <p:spPr>
+            <a:xfrm>
+              <a:off x="370127" y="1675769"/>
+              <a:ext cx="2406428" cy="200055"/>
+            </a:xfrm>
+            <a:prstGeom prst="rect">
+              <a:avLst/>
+            </a:prstGeom>
+            <a:gradFill flip="none" rotWithShape="1">
+              <a:gsLst>
+                <a:gs pos="0">
+                  <a:schemeClr val="accent5">
+                    <a:lumMod val="60000"/>
+                    <a:lumOff val="40000"/>
+                    <a:shade val="30000"/>
+                    <a:satMod val="115000"/>
+                  </a:schemeClr>
+                </a:gs>
+                <a:gs pos="50000">
+                  <a:schemeClr val="accent5">
+                    <a:lumMod val="60000"/>
+                    <a:lumOff val="40000"/>
+                    <a:shade val="67500"/>
+                    <a:satMod val="115000"/>
+                  </a:schemeClr>
+                </a:gs>
+                <a:gs pos="100000">
+                  <a:schemeClr val="accent5">
+                    <a:lumMod val="60000"/>
+                    <a:lumOff val="40000"/>
+                    <a:shade val="100000"/>
+                    <a:satMod val="115000"/>
+                  </a:schemeClr>
+                </a:gs>
+              </a:gsLst>
+              <a:lin ang="5400000" scaled="1"/>
+              <a:tileRect/>
+            </a:gradFill>
+            <a:ln>
+              <a:solidFill>
+                <a:schemeClr val="accent1">
+                  <a:shade val="50000"/>
+                </a:schemeClr>
+              </a:solidFill>
+            </a:ln>
+          </p:spPr>
+          <p:txBody>
+            <a:bodyPr wrap="square" rtlCol="0">
+              <a:spAutoFit/>
+            </a:bodyPr>
+            <a:lstStyle>
+              <a:defPPr>
+                <a:defRPr lang="en-US"/>
+              </a:defPPr>
+              <a:lvl1pPr>
+                <a:defRPr sz="700" b="1"/>
+              </a:lvl1pPr>
+            </a:lstStyle>
+            <a:p>
+              <a:r>
+                <a:rPr lang="en-US"/>
+                <a:t>Temporary table </a:t>
+              </a:r>
+              <a:r>
+                <a:rPr lang="en-AU"/>
+                <a:t>mypaths</a:t>
+              </a:r>
+              <a:endParaRPr lang="en-GB"/>
+            </a:p>
+          </p:txBody>
+        </p:sp>
+        <p:sp>
+          <p:nvSpPr>
+            <p:cNvPr id="102" name="TextBox 101">
+              <a:extLst>
+                <a:ext uri="{FF2B5EF4-FFF2-40B4-BE49-F238E27FC236}">
+                  <a16:creationId xmlns:a16="http://schemas.microsoft.com/office/drawing/2014/main" id="{9CDF2B0A-C22F-42D0-9B18-DB8087D7728C}"/>
+                </a:ext>
+              </a:extLst>
+            </p:cNvPr>
+            <p:cNvSpPr txBox="1"/>
+            <p:nvPr/>
+          </p:nvSpPr>
+          <p:spPr>
+            <a:xfrm>
+              <a:off x="370127" y="2485094"/>
+              <a:ext cx="2406428" cy="523220"/>
+            </a:xfrm>
+            <a:prstGeom prst="rect">
+              <a:avLst/>
+            </a:prstGeom>
+            <a:solidFill>
+              <a:schemeClr val="bg1"/>
+            </a:solidFill>
+            <a:ln>
+              <a:solidFill>
+                <a:schemeClr val="accent1">
+                  <a:shade val="50000"/>
+                </a:schemeClr>
+              </a:solidFill>
+            </a:ln>
+          </p:spPr>
+          <p:txBody>
+            <a:bodyPr wrap="square" rtlCol="0">
+              <a:spAutoFit/>
+            </a:bodyPr>
+            <a:lstStyle>
+              <a:defPPr>
+                <a:defRPr lang="en-US"/>
+              </a:defPPr>
+              <a:lvl1pPr marL="171450" indent="-171450">
+                <a:buFontTx/>
+                <a:buChar char="-"/>
+                <a:defRPr sz="700"/>
+              </a:lvl1pPr>
+            </a:lstStyle>
+            <a:p>
+              <a:pPr marL="0" indent="0">
+                <a:buNone/>
+              </a:pPr>
+              <a:r>
+                <a:rPr lang="en-AU" b="1"/>
+                <a:t>pa_hash</a:t>
+              </a:r>
+              <a:r>
+                <a:rPr lang="en-AU"/>
+                <a:t>: </a:t>
+              </a:r>
+              <a:r>
+                <a:rPr lang="en-US"/>
+                <a:t>6c371336-8ea3-209d-13bf-4538429e2e34</a:t>
+              </a:r>
+              <a:endParaRPr lang="en-GB"/>
+            </a:p>
+            <a:p>
+              <a:pPr marL="0" indent="0">
+                <a:buNone/>
+              </a:pPr>
+              <a:r>
+                <a:rPr lang="en-US" b="1"/>
+                <a:t>pa_type</a:t>
+              </a:r>
+              <a:r>
+                <a:rPr lang="en-US"/>
+                <a:t>: </a:t>
+              </a:r>
+              <a:r>
+                <a:rPr lang="en-AU"/>
+                <a:t>null</a:t>
+              </a:r>
+              <a:endParaRPr lang="en-GB"/>
+            </a:p>
+            <a:p>
+              <a:pPr marL="0" indent="0">
+                <a:buNone/>
+              </a:pPr>
+              <a:r>
+                <a:rPr lang="en-US" b="1"/>
+                <a:t>pa_path</a:t>
+              </a:r>
+              <a:r>
+                <a:rPr lang="en-US"/>
+                <a:t>: </a:t>
+              </a:r>
+              <a:r>
+                <a:rPr lang="en-AU"/>
+                <a:t>/g/data2/tc43/…/FC.v15v02.2013.006.nc</a:t>
+              </a:r>
+            </a:p>
+            <a:p>
+              <a:pPr marL="0" indent="0">
+                <a:buNone/>
+              </a:pPr>
+              <a:endParaRPr lang="en-GB"/>
+            </a:p>
+          </p:txBody>
+        </p:sp>
+      </p:grpSp>
+      <p:sp>
+        <p:nvSpPr>
+          <p:cNvPr id="111" name="TextBox 110">
+            <a:extLst>
+              <a:ext uri="{FF2B5EF4-FFF2-40B4-BE49-F238E27FC236}">
+                <a16:creationId xmlns:a16="http://schemas.microsoft.com/office/drawing/2014/main" id="{D8FA0C2B-4059-4F83-BD80-5E44AE01E20B}"/>
+              </a:ext>
+            </a:extLst>
+          </p:cNvPr>
+          <p:cNvSpPr txBox="1"/>
+          <p:nvPr/>
+        </p:nvSpPr>
+        <p:spPr>
+          <a:xfrm>
+            <a:off x="373706" y="3612346"/>
+            <a:ext cx="2406428" cy="492443"/>
+          </a:xfrm>
+          <a:prstGeom prst="rect">
+            <a:avLst/>
+          </a:prstGeom>
+          <a:solidFill>
+            <a:schemeClr val="bg1"/>
+          </a:solidFill>
+          <a:ln>
+            <a:solidFill>
+              <a:schemeClr val="accent1">
+                <a:shade val="50000"/>
+              </a:schemeClr>
+            </a:solidFill>
+          </a:ln>
+        </p:spPr>
+        <p:txBody>
+          <a:bodyPr wrap="square" rtlCol="0">
+            <a:spAutoFit/>
+          </a:bodyPr>
+          <a:lstStyle>
+            <a:defPPr>
+              <a:defRPr lang="en-US"/>
+            </a:defPPr>
+            <a:lvl1pPr marL="171450" indent="-171450">
+              <a:buFontTx/>
+              <a:buChar char="-"/>
+              <a:defRPr sz="700"/>
+            </a:lvl1pPr>
+          </a:lstStyle>
+          <a:p>
+            <a:pPr marL="0" indent="0">
+              <a:buNone/>
+            </a:pPr>
+            <a:r>
+              <a:rPr lang="en-AU" b="1"/>
+              <a:t>Trigger: ingested</a:t>
+            </a:r>
+          </a:p>
+          <a:p>
+            <a:pPr marL="0" indent="0">
+              <a:buNone/>
+            </a:pPr>
+            <a:endParaRPr lang="en-AU" b="1"/>
+          </a:p>
+          <a:p>
+            <a:pPr marL="0" indent="0">
+              <a:buNone/>
+            </a:pPr>
+            <a:r>
+              <a:rPr lang="en-AU" sz="1200" b="1"/>
+              <a:t>See next slide</a:t>
+            </a:r>
+            <a:endParaRPr lang="en-GB" sz="1200"/>
+          </a:p>
+        </p:txBody>
+      </p:sp>
+      <p:sp>
+        <p:nvSpPr>
+          <p:cNvPr id="83" name="TextBox 82">
+            <a:extLst>
+              <a:ext uri="{FF2B5EF4-FFF2-40B4-BE49-F238E27FC236}">
+                <a16:creationId xmlns:a16="http://schemas.microsoft.com/office/drawing/2014/main" id="{05932E9F-06BF-419D-859B-C6EED2CCDE17}"/>
+              </a:ext>
+            </a:extLst>
+          </p:cNvPr>
+          <p:cNvSpPr txBox="1"/>
+          <p:nvPr/>
+        </p:nvSpPr>
+        <p:spPr>
+          <a:xfrm>
+            <a:off x="355505" y="1109355"/>
+            <a:ext cx="2424200" cy="415498"/>
+          </a:xfrm>
+          <a:prstGeom prst="rect">
+            <a:avLst/>
+          </a:prstGeom>
+          <a:solidFill>
+            <a:schemeClr val="bg1"/>
+          </a:solidFill>
+          <a:ln>
+            <a:solidFill>
+              <a:schemeClr val="accent1">
+                <a:shade val="50000"/>
+              </a:schemeClr>
+            </a:solidFill>
+          </a:ln>
+        </p:spPr>
+        <p:txBody>
+          <a:bodyPr wrap="square" rtlCol="0">
+            <a:spAutoFit/>
+          </a:bodyPr>
+          <a:lstStyle>
+            <a:defPPr>
+              <a:defRPr lang="en-US"/>
+            </a:defPPr>
+            <a:lvl1pPr marL="171450" indent="-171450">
+              <a:buFontTx/>
+              <a:buChar char="-"/>
+              <a:defRPr sz="700"/>
+            </a:lvl1pPr>
+          </a:lstStyle>
+          <a:p>
+            <a:pPr marL="0" indent="0">
+              <a:buNone/>
+            </a:pPr>
+            <a:r>
+              <a:rPr lang="en-AU"/>
+              <a:t>function ingest_line()</a:t>
+            </a:r>
+          </a:p>
+          <a:p>
+            <a:pPr marL="285750" lvl="1"/>
+            <a:r>
+              <a:rPr lang="en-AU" sz="700"/>
+              <a:t>insert into mypaths </a:t>
+            </a:r>
+          </a:p>
+          <a:p>
+            <a:pPr marL="285750" lvl="1"/>
+            <a:r>
+              <a:rPr lang="en-AU" sz="700"/>
+              <a:t>   ( pa_hash, pa_type, pa_path )</a:t>
+            </a:r>
+          </a:p>
+        </p:txBody>
+      </p:sp>
+      <p:sp>
+        <p:nvSpPr>
+          <p:cNvPr id="97" name="Arrow: Up 96">
+            <a:extLst>
+              <a:ext uri="{FF2B5EF4-FFF2-40B4-BE49-F238E27FC236}">
+                <a16:creationId xmlns:a16="http://schemas.microsoft.com/office/drawing/2014/main" id="{C7727B64-EAE4-4A27-AD7B-4FD38047CFAC}"/>
+              </a:ext>
+            </a:extLst>
+          </p:cNvPr>
+          <p:cNvSpPr/>
+          <p:nvPr/>
+        </p:nvSpPr>
+        <p:spPr>
+          <a:xfrm rot="5400000">
+            <a:off x="7828005" y="571472"/>
+            <a:ext cx="220640" cy="205048"/>
+          </a:xfrm>
+          <a:prstGeom prst="upArrow">
+            <a:avLst/>
+          </a:prstGeom>
+          <a:gradFill flip="none" rotWithShape="1">
+            <a:gsLst>
+              <a:gs pos="0">
+                <a:schemeClr val="accent2">
+                  <a:shade val="30000"/>
+                  <a:satMod val="115000"/>
+                </a:schemeClr>
+              </a:gs>
+              <a:gs pos="50000">
+                <a:schemeClr val="accent2">
+                  <a:shade val="67500"/>
+                  <a:satMod val="115000"/>
+                </a:schemeClr>
+              </a:gs>
+              <a:gs pos="100000">
+                <a:schemeClr val="accent2">
+                  <a:shade val="100000"/>
+                  <a:satMod val="115000"/>
+                </a:schemeClr>
+              </a:gs>
+            </a:gsLst>
+            <a:lin ang="16200000" scaled="1"/>
+            <a:tileRect/>
+          </a:gradFill>
+          <a:ln>
+            <a:solidFill>
+              <a:schemeClr val="accent2"/>
+            </a:solidFill>
+          </a:ln>
+        </p:spPr>
+        <p:style>
+          <a:lnRef idx="2">
+            <a:schemeClr val="accent1">
+              <a:shade val="50000"/>
+            </a:schemeClr>
+          </a:lnRef>
+          <a:fillRef idx="1">
+            <a:schemeClr val="accent1"/>
+          </a:fillRef>
+          <a:effectRef idx="0">
+            <a:schemeClr val="accent1"/>
+          </a:effectRef>
+          <a:fontRef idx="minor">
+            <a:schemeClr val="lt1"/>
+          </a:fontRef>
+        </p:style>
+        <p:txBody>
+          <a:bodyPr rtlCol="0" anchor="ctr"/>
+          <a:lstStyle/>
+          <a:p>
+            <a:pPr algn="ctr"/>
+            <a:endParaRPr lang="en-GB"/>
+          </a:p>
+        </p:txBody>
+      </p:sp>
+      <p:sp>
+        <p:nvSpPr>
+          <p:cNvPr id="103" name="TextBox 102">
+            <a:extLst>
+              <a:ext uri="{FF2B5EF4-FFF2-40B4-BE49-F238E27FC236}">
+                <a16:creationId xmlns:a16="http://schemas.microsoft.com/office/drawing/2014/main" id="{D429FAF0-0B9F-4572-962F-0AA45B289C3C}"/>
+              </a:ext>
+            </a:extLst>
+          </p:cNvPr>
+          <p:cNvSpPr txBox="1"/>
+          <p:nvPr/>
+        </p:nvSpPr>
+        <p:spPr>
+          <a:xfrm>
+            <a:off x="5027202" y="4887720"/>
+            <a:ext cx="1614590" cy="553998"/>
+          </a:xfrm>
+          <a:prstGeom prst="rect">
+            <a:avLst/>
+          </a:prstGeom>
+          <a:noFill/>
+        </p:spPr>
+        <p:txBody>
+          <a:bodyPr wrap="square" rtlCol="0">
+            <a:spAutoFit/>
+          </a:bodyPr>
+          <a:lstStyle/>
+          <a:p>
+            <a:r>
+              <a:rPr lang="en-AU" sz="1000" b="1">
+                <a:solidFill>
+                  <a:schemeClr val="bg1"/>
+                </a:solidFill>
+                <a:cs typeface="Arial" panose="020B0604020202020204" pitchFamily="34" charset="0"/>
+              </a:rPr>
+              <a:t>Triggers: </a:t>
+            </a:r>
+          </a:p>
+          <a:p>
+            <a:r>
+              <a:rPr lang="en-AU" sz="1000" b="1">
+                <a:solidFill>
+                  <a:schemeClr val="bg1"/>
+                </a:solidFill>
+                <a:cs typeface="Arial" panose="020B0604020202020204" pitchFamily="34" charset="0"/>
+              </a:rPr>
+              <a:t>  </a:t>
+            </a:r>
+            <a:r>
+              <a:rPr lang="en-AU" sz="1000" b="1">
+                <a:solidFill>
+                  <a:schemeClr val="accent1">
+                    <a:lumMod val="40000"/>
+                    <a:lumOff val="60000"/>
+                  </a:schemeClr>
+                </a:solidFill>
+                <a:cs typeface="Arial" panose="020B0604020202020204" pitchFamily="34" charset="0"/>
+              </a:rPr>
+              <a:t>ingest</a:t>
+            </a:r>
+            <a:r>
+              <a:rPr lang="en-AU" sz="1000" b="1">
+                <a:solidFill>
+                  <a:schemeClr val="bg1"/>
+                </a:solidFill>
+                <a:cs typeface="Arial" panose="020B0604020202020204" pitchFamily="34" charset="0"/>
+              </a:rPr>
+              <a:t> before insert</a:t>
+            </a:r>
+          </a:p>
+          <a:p>
+            <a:r>
+              <a:rPr lang="en-AU" sz="1000" b="1">
+                <a:solidFill>
+                  <a:schemeClr val="bg1"/>
+                </a:solidFill>
+                <a:cs typeface="Arial" panose="020B0604020202020204" pitchFamily="34" charset="0"/>
+              </a:rPr>
+              <a:t>  </a:t>
+            </a:r>
+            <a:r>
+              <a:rPr lang="en-AU" sz="1000" b="1">
+                <a:solidFill>
+                  <a:srgbClr val="FFFF00"/>
+                </a:solidFill>
+                <a:cs typeface="Arial" panose="020B0604020202020204" pitchFamily="34" charset="0"/>
+              </a:rPr>
+              <a:t>ingested</a:t>
+            </a:r>
+            <a:r>
+              <a:rPr lang="en-AU" sz="1000" b="1">
+                <a:solidFill>
+                  <a:schemeClr val="bg1"/>
+                </a:solidFill>
+                <a:cs typeface="Arial" panose="020B0604020202020204" pitchFamily="34" charset="0"/>
+              </a:rPr>
+              <a:t> after insert</a:t>
+            </a:r>
+          </a:p>
+        </p:txBody>
+      </p:sp>
+      <p:sp>
+        <p:nvSpPr>
+          <p:cNvPr id="104" name="TextBox 103">
+            <a:extLst>
+              <a:ext uri="{FF2B5EF4-FFF2-40B4-BE49-F238E27FC236}">
+                <a16:creationId xmlns:a16="http://schemas.microsoft.com/office/drawing/2014/main" id="{01F97AC1-1EFF-4B54-8B8E-7AD2E7AA1068}"/>
+              </a:ext>
+            </a:extLst>
+          </p:cNvPr>
+          <p:cNvSpPr txBox="1"/>
+          <p:nvPr/>
+        </p:nvSpPr>
+        <p:spPr>
+          <a:xfrm>
+            <a:off x="5452464" y="4248097"/>
+            <a:ext cx="1077041" cy="246221"/>
+          </a:xfrm>
+          <a:prstGeom prst="rect">
+            <a:avLst/>
+          </a:prstGeom>
+          <a:noFill/>
+        </p:spPr>
+        <p:txBody>
+          <a:bodyPr wrap="square" rtlCol="0">
+            <a:spAutoFit/>
+          </a:bodyPr>
+          <a:lstStyle/>
+          <a:p>
+            <a:r>
+              <a:rPr lang="en-AU" sz="1000" b="1">
+                <a:solidFill>
+                  <a:schemeClr val="bg1"/>
+                </a:solidFill>
+                <a:cs typeface="Arial" panose="020B0604020202020204" pitchFamily="34" charset="0"/>
+              </a:rPr>
+              <a:t>Trigger: </a:t>
+            </a:r>
+            <a:r>
+              <a:rPr lang="en-AU" sz="1000" b="1">
+                <a:solidFill>
+                  <a:schemeClr val="accent1">
+                    <a:lumMod val="40000"/>
+                    <a:lumOff val="60000"/>
+                  </a:schemeClr>
+                </a:solidFill>
+                <a:cs typeface="Arial" panose="020B0604020202020204" pitchFamily="34" charset="0"/>
+              </a:rPr>
+              <a:t>ingest</a:t>
+            </a:r>
+            <a:endParaRPr lang="en-AU" sz="1000" b="1">
+              <a:solidFill>
+                <a:schemeClr val="bg1"/>
+              </a:solidFill>
+              <a:cs typeface="Arial" panose="020B0604020202020204" pitchFamily="34" charset="0"/>
+            </a:endParaRPr>
+          </a:p>
+        </p:txBody>
+      </p:sp>
+    </p:spTree>
+    <p:custDataLst>
+      <p:tags r:id="rId1"/>
+    </p:custDataLst>
+    <p:extLst>
+      <p:ext uri="{BB962C8B-B14F-4D97-AF65-F5344CB8AC3E}">
+        <p14:creationId xmlns:p14="http://schemas.microsoft.com/office/powerpoint/2010/main" val="214179445"/>
+      </p:ext>
+    </p:extLst>
+  </p:cSld>
+  <p:clrMapOvr>
+    <a:masterClrMapping/>
+  </p:clrMapOvr>
+  <mc:AlternateContent xmlns:mc="http://schemas.openxmlformats.org/markup-compatibility/2006" xmlns:p15="http://schemas.microsoft.com/office/powerpoint/2012/main">
+    <mc:Choice Requires="p15">
+      <p:transition xmlns:p14="http://schemas.microsoft.com/office/powerpoint/2010/main" spd="slow" p14:dur="2000" advTm="47505">
+        <p15:prstTrans prst="drape"/>
+      </p:transition>
+    </mc:Choice>
+    <mc:Fallback xmlns="">
+      <p:transition spd="slow" advTm="47505">
+        <p:fade/>
+      </p:transition>
+    </mc:Fallback>
+  </mc:AlternateContent>
+  <p:timing>
+    <p:tnLst>
+      <p:par>
+        <p:cTn id="1" dur="indefinite" restart="never" nodeType="tmRoot">
+          <p:childTnLst>
+            <p:seq concurrent="1" nextAc="seek">
+              <p:cTn id="2" dur="indefinite" nodeType="mainSeq">
+                <p:childTnLst>
+                  <p:par>
+                    <p:cTn id="3" fill="hold">
+                      <p:stCondLst>
+                        <p:cond delay="indefinite"/>
+                      </p:stCondLst>
+                      <p:childTnLst>
+                        <p:par>
+                          <p:cTn id="4" fill="hold">
+                            <p:stCondLst>
+                              <p:cond delay="0"/>
+                            </p:stCondLst>
+                            <p:childTnLst>
+                              <p:par>
+                                <p:cTn id="5" presetID="42" presetClass="path" presetSubtype="0" accel="50000" decel="50000" fill="hold" nodeType="clickEffect">
+                                  <p:stCondLst>
+                                    <p:cond delay="0"/>
+                                  </p:stCondLst>
+                                  <p:childTnLst>
+                                    <p:animMotion origin="layout" path="M -4.58333E-6 -3.33333E-6 L 0.00222 0.47847 " pathEditMode="relative" rAng="0" ptsTypes="AA">
+                                      <p:cBhvr>
+                                        <p:cTn id="6" dur="2000" fill="hold"/>
+                                        <p:tgtEl>
+                                          <p:spTgt spid="2"/>
+                                        </p:tgtEl>
+                                        <p:attrNameLst>
+                                          <p:attrName>ppt_x</p:attrName>
+                                          <p:attrName>ppt_y</p:attrName>
+                                        </p:attrNameLst>
+                                      </p:cBhvr>
+                                      <p:rCtr x="-612" y="24815"/>
+                                    </p:animMotion>
+                                  </p:childTnLst>
+                                </p:cTn>
+                              </p:par>
+                            </p:childTnLst>
+                          </p:cTn>
+                        </p:par>
+                      </p:childTnLst>
+                    </p:cTn>
+                  </p:par>
+                  <p:par>
+                    <p:cTn id="7" fill="hold">
+                      <p:stCondLst>
+                        <p:cond delay="indefinite"/>
+                      </p:stCondLst>
+                      <p:childTnLst>
+                        <p:par>
+                          <p:cTn id="8" fill="hold">
+                            <p:stCondLst>
+                              <p:cond delay="0"/>
+                            </p:stCondLst>
+                            <p:childTnLst>
+                              <p:par>
+                                <p:cTn id="9" presetID="10" presetClass="entr" presetSubtype="0" fill="hold" grpId="0" nodeType="clickEffect">
+                                  <p:stCondLst>
+                                    <p:cond delay="0"/>
+                                  </p:stCondLst>
+                                  <p:childTnLst>
+                                    <p:set>
+                                      <p:cBhvr>
+                                        <p:cTn id="10" dur="1" fill="hold">
+                                          <p:stCondLst>
+                                            <p:cond delay="0"/>
+                                          </p:stCondLst>
+                                        </p:cTn>
+                                        <p:tgtEl>
+                                          <p:spTgt spid="104"/>
+                                        </p:tgtEl>
+                                        <p:attrNameLst>
+                                          <p:attrName>style.visibility</p:attrName>
+                                        </p:attrNameLst>
+                                      </p:cBhvr>
+                                      <p:to>
+                                        <p:strVal val="visible"/>
+                                      </p:to>
+                                    </p:set>
+                                    <p:animEffect transition="in" filter="fade">
+                                      <p:cBhvr>
+                                        <p:cTn id="11" dur="500"/>
+                                        <p:tgtEl>
+                                          <p:spTgt spid="104"/>
+                                        </p:tgtEl>
+                                      </p:cBhvr>
+                                    </p:animEffect>
+                                  </p:childTnLst>
+                                </p:cTn>
+                              </p:par>
+                            </p:childTnLst>
+                          </p:cTn>
+                        </p:par>
+                      </p:childTnLst>
+                    </p:cTn>
+                  </p:par>
+                  <p:par>
+                    <p:cTn id="12" fill="hold">
+                      <p:stCondLst>
+                        <p:cond delay="indefinite"/>
+                      </p:stCondLst>
+                      <p:childTnLst>
+                        <p:par>
+                          <p:cTn id="13" fill="hold">
+                            <p:stCondLst>
+                              <p:cond delay="0"/>
+                            </p:stCondLst>
+                            <p:childTnLst>
+                              <p:par>
+                                <p:cTn id="14" presetID="0" presetClass="path" presetSubtype="0" accel="50000" decel="50000" fill="hold" grpId="0" nodeType="clickEffect">
+                                  <p:stCondLst>
+                                    <p:cond delay="0"/>
+                                  </p:stCondLst>
+                                  <p:childTnLst>
+                                    <p:animMotion origin="layout" path="M -0.00235 -7.40741E-7 L -0.00235 -7.40741E-7 C -0.00026 -0.00023 0.00208 -0.00046 0.00429 -0.00046 C 0.00638 -0.00046 0.00846 -0.00023 0.01028 -7.40741E-7 C 0.01315 -7.40741E-7 0.01601 0.00023 0.01875 0.00023 C 0.01979 0.00046 0.0207 0.00046 0.02187 0.0007 C 0.02734 0.00116 0.02747 0.0007 0.0332 0.00162 C 0.04192 0.00301 0.03333 0.00185 0.04453 0.00301 C 0.04531 0.00301 0.04596 0.00324 0.04674 0.00347 C 0.04947 0.00347 0.05234 0.00347 0.05507 0.0037 C 0.0569 0.0037 0.05859 0.00394 0.06041 0.00417 C 0.06289 0.00417 0.06549 0.0044 0.06796 0.0044 C 0.07252 0.00509 0.06875 0.00463 0.0763 0.00509 C 0.07786 0.00509 0.07942 0.00532 0.08086 0.00556 L 0.18164 0.00509 C 0.18268 0.00509 0.18294 0.0044 0.18385 0.00417 C 0.18528 0.00347 0.18724 0.00324 0.18854 0.00278 C 0.18919 0.00232 0.18984 0.00185 0.19075 0.00162 C 0.19218 0.00116 0.19518 0.00023 0.19518 0.00023 C 0.19648 -0.00069 0.19791 -0.00231 0.19987 -0.00301 L 0.20208 -0.00417 C 0.20377 -0.00648 0.2013 -0.00393 0.20507 -0.00579 C 0.20507 -0.00579 0.20885 -0.00833 0.20963 -0.0088 C 0.21015 -0.00926 0.21054 -0.00949 0.21119 -0.00995 C 0.21197 -0.01018 0.21276 -0.01065 0.21354 -0.01088 C 0.21614 -0.0125 0.21393 -0.01134 0.21575 -0.01296 C 0.21614 -0.01343 0.21679 -0.01366 0.21718 -0.01412 C 0.21849 -0.01505 0.21731 -0.01505 0.21953 -0.01597 C 0.22031 -0.01643 0.22148 -0.01667 0.22252 -0.01713 C 0.22421 -0.01921 0.222 -0.0169 0.22565 -0.01921 C 0.22929 -0.02153 0.225 -0.01968 0.22851 -0.02153 C 0.22929 -0.02199 0.2302 -0.02222 0.23086 -0.02245 C 0.23424 -0.0243 0.23086 -0.02268 0.23307 -0.02454 C 0.2345 -0.02569 0.23671 -0.02685 0.23854 -0.02801 C 0.2388 -0.02824 0.2388 -0.0287 0.23932 -0.02893 C 0.24049 -0.02963 0.24218 -0.03032 0.24375 -0.03102 C 0.24453 -0.03125 0.24544 -0.03171 0.24596 -0.03194 C 0.24817 -0.03356 0.24687 -0.03287 0.24987 -0.03403 C 0.25078 -0.03542 0.25 -0.03495 0.25221 -0.03565 " pathEditMode="relative" rAng="0" ptsTypes="AAAAAAAAAAAAAAAAAAAAAAAAAAAAAAAAAAAAAAA">
+                                      <p:cBhvr>
+                                        <p:cTn id="15" dur="2000" fill="hold"/>
+                                        <p:tgtEl>
+                                          <p:spTgt spid="3"/>
+                                        </p:tgtEl>
+                                        <p:attrNameLst>
+                                          <p:attrName>ppt_x</p:attrName>
+                                          <p:attrName>ppt_y</p:attrName>
+                                        </p:attrNameLst>
+                                      </p:cBhvr>
+                                      <p:rCtr x="12721" y="-1505"/>
+                                    </p:animMotion>
+                                  </p:childTnLst>
+                                </p:cTn>
+                              </p:par>
+                            </p:childTnLst>
+                          </p:cTn>
+                        </p:par>
+                      </p:childTnLst>
+                    </p:cTn>
+                  </p:par>
+                  <p:par>
+                    <p:cTn id="16" fill="hold">
+                      <p:stCondLst>
+                        <p:cond delay="indefinite"/>
+                      </p:stCondLst>
+                      <p:childTnLst>
+                        <p:par>
+                          <p:cTn id="17" fill="hold">
+                            <p:stCondLst>
+                              <p:cond delay="0"/>
+                            </p:stCondLst>
+                            <p:childTnLst>
+                              <p:par>
+                                <p:cTn id="18" presetID="37" presetClass="path" presetSubtype="0" accel="50000" decel="50000" fill="hold" grpId="0" nodeType="clickEffect">
+                                  <p:stCondLst>
+                                    <p:cond delay="0"/>
+                                  </p:stCondLst>
+                                  <p:childTnLst>
+                                    <p:animMotion origin="layout" path="M 1.04167E-6 -3.7037E-6 L 0.06706 0.04005 C 0.08099 0.04908 0.10195 0.05394 0.12396 0.05394 C 0.14896 0.05394 0.16901 0.04908 0.18294 0.04005 L 0.25 -3.7037E-6 " pathEditMode="relative" rAng="0" ptsTypes="AAAAA">
+                                      <p:cBhvr>
+                                        <p:cTn id="19" dur="2000" fill="hold"/>
+                                        <p:tgtEl>
+                                          <p:spTgt spid="10"/>
+                                        </p:tgtEl>
+                                        <p:attrNameLst>
+                                          <p:attrName>ppt_x</p:attrName>
+                                          <p:attrName>ppt_y</p:attrName>
+                                        </p:attrNameLst>
+                                      </p:cBhvr>
+                                      <p:rCtr x="12500" y="2685"/>
+                                    </p:animMotion>
+                                  </p:childTnLst>
+                                </p:cTn>
+                              </p:par>
+                            </p:childTnLst>
+                          </p:cTn>
+                        </p:par>
+                      </p:childTnLst>
+                    </p:cTn>
+                  </p:par>
+                  <p:par>
+                    <p:cTn id="20" fill="hold">
+                      <p:stCondLst>
+                        <p:cond delay="indefinite"/>
+                      </p:stCondLst>
+                      <p:childTnLst>
+                        <p:par>
+                          <p:cTn id="21" fill="hold">
+                            <p:stCondLst>
+                              <p:cond delay="0"/>
+                            </p:stCondLst>
+                            <p:childTnLst>
+                              <p:par>
+                                <p:cTn id="22" presetID="0" presetClass="path" presetSubtype="0" accel="50000" decel="50000" fill="hold" grpId="0" nodeType="clickEffect">
+                                  <p:stCondLst>
+                                    <p:cond delay="0"/>
+                                  </p:stCondLst>
+                                  <p:childTnLst>
+                                    <p:animMotion origin="layout" path="M -0.00391 0.03727 L -0.00391 0.03727 C -0.00169 0.03727 0.00065 0.0375 0.00339 0.0375 C 0.0043 0.0375 0.0056 0.0375 0.00664 0.0375 C 0.00859 0.0375 0.01042 0.0375 0.01224 0.0375 C 0.01341 0.0375 0.01445 0.0375 0.01563 0.0375 C 0.01563 0.0375 0.02175 0.03773 0.02292 0.03773 C 0.0237 0.03773 0.02474 0.03773 0.02539 0.03773 C 0.02643 0.03773 0.0276 0.03773 0.02865 0.03773 C 0.03047 0.03773 0.03724 0.03796 0.03854 0.03796 C 0.03958 0.03796 0.04063 0.03796 0.0418 0.03796 C 0.04284 0.03796 0.04401 0.03796 0.04505 0.03796 C 0.04766 0.03796 0.05052 0.03796 0.05326 0.03796 C 0.05547 0.03796 0.05768 0.03796 0.0599 0.03819 C 0.06146 0.03819 0.06302 0.03819 0.06471 0.03819 C 0.06628 0.03819 0.06797 0.03819 0.06966 0.03819 C 0.07162 0.03819 0.07331 0.03819 0.07526 0.03819 C 0.07891 0.03819 0.08242 0.03819 0.08607 0.03819 C 0.10833 0.03843 0.08464 0.03819 0.14492 0.03843 C 0.14649 0.03843 0.14818 0.03843 0.14987 0.03843 C 0.15234 0.03843 0.15469 0.03843 0.15716 0.03843 C 0.16719 0.03866 0.16094 0.03866 0.18412 0.03866 C 0.18971 0.03866 0.19505 0.03843 0.20052 0.03843 C 0.2013 0.03843 0.20794 0.03843 0.20951 0.03843 C 0.21927 0.03819 0.21029 0.03843 0.21784 0.03819 C 0.22083 0.03796 0.21771 0.03819 0.22175 0.03819 C 0.22357 0.03796 0.22669 0.03796 0.22669 0.03796 C 0.23112 0.03773 0.22539 0.03796 0.23086 0.03773 C 0.23151 0.03773 0.2319 0.03773 0.23242 0.03773 C 0.2332 0.03773 0.23425 0.03773 0.2349 0.0375 C 0.23607 0.0375 0.23815 0.0375 0.23815 0.0375 C 0.23841 0.03727 0.23854 0.03727 0.23906 0.03727 C 0.23945 0.03727 0.2401 0.03727 0.24063 0.03727 C 0.24128 0.03704 0.24167 0.03704 0.24232 0.03704 C 0.24323 0.03704 0.24544 0.0368 0.24544 0.0368 C 0.2457 0.0368 0.24596 0.0368 0.24635 0.0368 C 0.24701 0.03657 0.24792 0.03657 0.24883 0.03657 C 0.24987 0.03657 0.25221 0.03634 0.25287 0.03634 C 0.25339 0.03634 0.25339 0.03634 0.25378 0.03611 C 0.25417 0.03611 0.25482 0.03611 0.25547 0.03611 C 0.25599 0.03611 0.25651 0.03588 0.25703 0.03588 C 0.25729 0.03588 0.25755 0.03588 0.25794 0.03588 C 0.25807 0.03565 0.25885 0.03565 0.25938 0.03565 C 0.2599 0.03542 0.26055 0.03542 0.26107 0.03542 C 0.26159 0.03542 0.26198 0.03518 0.26276 0.03518 C 0.26315 0.03518 0.2638 0.03518 0.26432 0.03495 C 0.26497 0.03495 0.26563 0.03495 0.26602 0.03495 C 0.26641 0.03472 0.26654 0.03472 0.2668 0.03472 C 0.26732 0.03472 0.26797 0.03449 0.26849 0.03449 C 0.26875 0.03449 0.26888 0.03449 0.26927 0.03426 C 0.26953 0.03426 0.27005 0.03426 0.27018 0.03426 C 0.27214 0.03287 0.26953 0.03356 0.27188 0.0331 L 0.27096 0.03194 " pathEditMode="relative" rAng="0" ptsTypes="AAAAAAAAAAAAAAAAAAAAAAAAAAAAAAAAAAAAAAAAAAAAAAAAAAAAA">
+                                      <p:cBhvr>
+                                        <p:cTn id="23" dur="2000" fill="hold"/>
+                                        <p:tgtEl>
+                                          <p:spTgt spid="5"/>
+                                        </p:tgtEl>
+                                        <p:attrNameLst>
+                                          <p:attrName>ppt_x</p:attrName>
+                                          <p:attrName>ppt_y</p:attrName>
+                                        </p:attrNameLst>
+                                      </p:cBhvr>
+                                      <p:rCtr x="13789" y="-208"/>
+                                    </p:animMotion>
+                                  </p:childTnLst>
+                                </p:cTn>
+                              </p:par>
+                            </p:childTnLst>
+                          </p:cTn>
+                        </p:par>
+                      </p:childTnLst>
+                    </p:cTn>
+                  </p:par>
+                  <p:par>
+                    <p:cTn id="24" fill="hold">
+                      <p:stCondLst>
+                        <p:cond delay="indefinite"/>
+                      </p:stCondLst>
+                      <p:childTnLst>
+                        <p:par>
+                          <p:cTn id="25" fill="hold">
+                            <p:stCondLst>
+                              <p:cond delay="0"/>
+                            </p:stCondLst>
+                            <p:childTnLst>
+                              <p:par>
+                                <p:cTn id="26" presetID="42" presetClass="path" presetSubtype="0" accel="50000" decel="50000" fill="hold" grpId="0" nodeType="clickEffect">
+                                  <p:stCondLst>
+                                    <p:cond delay="0"/>
+                                  </p:stCondLst>
+                                  <p:childTnLst>
+                                    <p:animMotion origin="layout" path="M 4.58333E-6 3.7037E-7 L 4.58333E-6 -0.16736 " pathEditMode="relative" rAng="0" ptsTypes="AA">
+                                      <p:cBhvr>
+                                        <p:cTn id="27" dur="2000" fill="hold"/>
+                                        <p:tgtEl>
+                                          <p:spTgt spid="16"/>
+                                        </p:tgtEl>
+                                        <p:attrNameLst>
+                                          <p:attrName>ppt_x</p:attrName>
+                                          <p:attrName>ppt_y</p:attrName>
+                                        </p:attrNameLst>
+                                      </p:cBhvr>
+                                      <p:rCtr x="0" y="-8380"/>
+                                    </p:animMotion>
+                                  </p:childTnLst>
+                                </p:cTn>
+                              </p:par>
+                            </p:childTnLst>
+                          </p:cTn>
+                        </p:par>
+                      </p:childTnLst>
+                    </p:cTn>
+                  </p:par>
+                  <p:par>
+                    <p:cTn id="28" fill="hold">
+                      <p:stCondLst>
+                        <p:cond delay="indefinite"/>
+                      </p:stCondLst>
+                      <p:childTnLst>
+                        <p:par>
+                          <p:cTn id="29" fill="hold">
+                            <p:stCondLst>
+                              <p:cond delay="0"/>
+                            </p:stCondLst>
+                            <p:childTnLst>
+                              <p:par>
+                                <p:cTn id="30" presetID="10" presetClass="entr" presetSubtype="0" fill="hold" grpId="0" nodeType="clickEffect">
+                                  <p:stCondLst>
+                                    <p:cond delay="0"/>
+                                  </p:stCondLst>
+                                  <p:childTnLst>
+                                    <p:set>
+                                      <p:cBhvr>
+                                        <p:cTn id="31" dur="1" fill="hold">
+                                          <p:stCondLst>
+                                            <p:cond delay="0"/>
+                                          </p:stCondLst>
+                                        </p:cTn>
+                                        <p:tgtEl>
+                                          <p:spTgt spid="67"/>
+                                        </p:tgtEl>
+                                        <p:attrNameLst>
+                                          <p:attrName>style.visibility</p:attrName>
+                                        </p:attrNameLst>
+                                      </p:cBhvr>
+                                      <p:to>
+                                        <p:strVal val="visible"/>
+                                      </p:to>
+                                    </p:set>
+                                    <p:animEffect transition="in" filter="fade">
+                                      <p:cBhvr>
+                                        <p:cTn id="32" dur="500"/>
+                                        <p:tgtEl>
+                                          <p:spTgt spid="67"/>
+                                        </p:tgtEl>
+                                      </p:cBhvr>
+                                    </p:animEffect>
+                                  </p:childTnLst>
+                                </p:cTn>
+                              </p:par>
+                            </p:childTnLst>
+                          </p:cTn>
+                        </p:par>
+                      </p:childTnLst>
+                    </p:cTn>
+                  </p:par>
+                  <p:par>
+                    <p:cTn id="33" fill="hold">
+                      <p:stCondLst>
+                        <p:cond delay="indefinite"/>
+                      </p:stCondLst>
+                      <p:childTnLst>
+                        <p:par>
+                          <p:cTn id="34" fill="hold">
+                            <p:stCondLst>
+                              <p:cond delay="0"/>
+                            </p:stCondLst>
+                            <p:childTnLst>
+                              <p:par>
+                                <p:cTn id="35" presetID="42" presetClass="path" presetSubtype="0" accel="50000" decel="50000" fill="hold" grpId="0" nodeType="clickEffect">
+                                  <p:stCondLst>
+                                    <p:cond delay="0"/>
+                                  </p:stCondLst>
+                                  <p:childTnLst>
+                                    <p:animMotion origin="layout" path="M 4.58333E-6 -1.85185E-6 L 4.58333E-6 -0.0669 " pathEditMode="relative" rAng="0" ptsTypes="AA">
+                                      <p:cBhvr>
+                                        <p:cTn id="36" dur="2000" fill="hold"/>
+                                        <p:tgtEl>
+                                          <p:spTgt spid="69"/>
+                                        </p:tgtEl>
+                                        <p:attrNameLst>
+                                          <p:attrName>ppt_x</p:attrName>
+                                          <p:attrName>ppt_y</p:attrName>
+                                        </p:attrNameLst>
+                                      </p:cBhvr>
+                                      <p:rCtr x="0" y="-3356"/>
+                                    </p:animMotion>
+                                  </p:childTnLst>
+                                </p:cTn>
+                              </p:par>
+                            </p:childTnLst>
+                          </p:cTn>
+                        </p:par>
+                      </p:childTnLst>
+                    </p:cTn>
+                  </p:par>
+                  <p:par>
+                    <p:cTn id="37" fill="hold">
+                      <p:stCondLst>
+                        <p:cond delay="indefinite"/>
+                      </p:stCondLst>
+                      <p:childTnLst>
+                        <p:par>
+                          <p:cTn id="38" fill="hold">
+                            <p:stCondLst>
+                              <p:cond delay="0"/>
+                            </p:stCondLst>
+                            <p:childTnLst>
+                              <p:par>
+                                <p:cTn id="39" presetID="10" presetClass="entr" presetSubtype="0" fill="hold" grpId="0" nodeType="clickEffect">
+                                  <p:stCondLst>
+                                    <p:cond delay="0"/>
+                                  </p:stCondLst>
+                                  <p:childTnLst>
+                                    <p:set>
+                                      <p:cBhvr>
+                                        <p:cTn id="40" dur="1" fill="hold">
+                                          <p:stCondLst>
+                                            <p:cond delay="0"/>
+                                          </p:stCondLst>
+                                        </p:cTn>
+                                        <p:tgtEl>
+                                          <p:spTgt spid="68"/>
+                                        </p:tgtEl>
+                                        <p:attrNameLst>
+                                          <p:attrName>style.visibility</p:attrName>
+                                        </p:attrNameLst>
+                                      </p:cBhvr>
+                                      <p:to>
+                                        <p:strVal val="visible"/>
+                                      </p:to>
+                                    </p:set>
+                                    <p:animEffect transition="in" filter="fade">
+                                      <p:cBhvr>
+                                        <p:cTn id="41" dur="500"/>
+                                        <p:tgtEl>
+                                          <p:spTgt spid="68"/>
+                                        </p:tgtEl>
+                                      </p:cBhvr>
+                                    </p:animEffect>
+                                  </p:childTnLst>
+                                </p:cTn>
+                              </p:par>
+                            </p:childTnLst>
+                          </p:cTn>
+                        </p:par>
+                      </p:childTnLst>
+                    </p:cTn>
+                  </p:par>
+                  <p:par>
+                    <p:cTn id="42" fill="hold">
+                      <p:stCondLst>
+                        <p:cond delay="indefinite"/>
+                      </p:stCondLst>
+                      <p:childTnLst>
+                        <p:par>
+                          <p:cTn id="43" fill="hold">
+                            <p:stCondLst>
+                              <p:cond delay="0"/>
+                            </p:stCondLst>
+                            <p:childTnLst>
+                              <p:par>
+                                <p:cTn id="44" presetID="42" presetClass="path" presetSubtype="0" accel="50000" decel="50000" fill="hold" grpId="0" nodeType="clickEffect">
+                                  <p:stCondLst>
+                                    <p:cond delay="0"/>
+                                  </p:stCondLst>
+                                  <p:childTnLst>
+                                    <p:animMotion origin="layout" path="M -1.25E-6 3.7037E-6 L 0.07891 -0.00024 " pathEditMode="relative" rAng="0" ptsTypes="AA">
+                                      <p:cBhvr>
+                                        <p:cTn id="45" dur="2000" fill="hold"/>
+                                        <p:tgtEl>
+                                          <p:spTgt spid="70"/>
+                                        </p:tgtEl>
+                                        <p:attrNameLst>
+                                          <p:attrName>ppt_x</p:attrName>
+                                          <p:attrName>ppt_y</p:attrName>
+                                        </p:attrNameLst>
+                                      </p:cBhvr>
+                                      <p:rCtr x="3945" y="-23"/>
+                                    </p:animMotion>
+                                  </p:childTnLst>
+                                </p:cTn>
+                              </p:par>
+                            </p:childTnLst>
+                          </p:cTn>
+                        </p:par>
+                      </p:childTnLst>
+                    </p:cTn>
+                  </p:par>
+                  <p:par>
+                    <p:cTn id="46" fill="hold">
+                      <p:stCondLst>
+                        <p:cond delay="indefinite"/>
+                      </p:stCondLst>
+                      <p:childTnLst>
+                        <p:par>
+                          <p:cTn id="47" fill="hold">
+                            <p:stCondLst>
+                              <p:cond delay="0"/>
+                            </p:stCondLst>
+                            <p:childTnLst>
+                              <p:par>
+                                <p:cTn id="48" presetID="10" presetClass="entr" presetSubtype="0" fill="hold" nodeType="clickEffect">
+                                  <p:stCondLst>
+                                    <p:cond delay="0"/>
+                                  </p:stCondLst>
+                                  <p:childTnLst>
+                                    <p:set>
+                                      <p:cBhvr>
+                                        <p:cTn id="49" dur="1" fill="hold">
+                                          <p:stCondLst>
+                                            <p:cond delay="0"/>
+                                          </p:stCondLst>
+                                        </p:cTn>
+                                        <p:tgtEl>
+                                          <p:spTgt spid="23"/>
+                                        </p:tgtEl>
+                                        <p:attrNameLst>
+                                          <p:attrName>style.visibility</p:attrName>
+                                        </p:attrNameLst>
+                                      </p:cBhvr>
+                                      <p:to>
+                                        <p:strVal val="visible"/>
+                                      </p:to>
+                                    </p:set>
+                                    <p:animEffect transition="in" filter="fade">
+                                      <p:cBhvr>
+                                        <p:cTn id="50" dur="500"/>
+                                        <p:tgtEl>
+                                          <p:spTgt spid="23"/>
+                                        </p:tgtEl>
+                                      </p:cBhvr>
+                                    </p:animEffect>
+                                  </p:childTnLst>
+                                </p:cTn>
+                              </p:par>
+                            </p:childTnLst>
+                          </p:cTn>
+                        </p:par>
+                      </p:childTnLst>
+                    </p:cTn>
+                  </p:par>
+                  <p:par>
+                    <p:cTn id="51" fill="hold">
+                      <p:stCondLst>
+                        <p:cond delay="indefinite"/>
+                      </p:stCondLst>
+                      <p:childTnLst>
+                        <p:par>
+                          <p:cTn id="52" fill="hold">
+                            <p:stCondLst>
+                              <p:cond delay="0"/>
+                            </p:stCondLst>
+                            <p:childTnLst>
+                              <p:par>
+                                <p:cTn id="53" presetID="42" presetClass="path" presetSubtype="0" accel="50000" decel="50000" fill="hold" grpId="0" nodeType="clickEffect">
+                                  <p:stCondLst>
+                                    <p:cond delay="0"/>
+                                  </p:stCondLst>
+                                  <p:childTnLst>
+                                    <p:animMotion origin="layout" path="M 3.33333E-6 4.44444E-6 L -0.26602 -0.125 " pathEditMode="relative" rAng="0" ptsTypes="AA">
+                                      <p:cBhvr>
+                                        <p:cTn id="54" dur="2000" fill="hold"/>
+                                        <p:tgtEl>
+                                          <p:spTgt spid="95"/>
+                                        </p:tgtEl>
+                                        <p:attrNameLst>
+                                          <p:attrName>ppt_x</p:attrName>
+                                          <p:attrName>ppt_y</p:attrName>
+                                        </p:attrNameLst>
+                                      </p:cBhvr>
+                                      <p:rCtr x="-13307" y="-6250"/>
+                                    </p:animMotion>
+                                  </p:childTnLst>
+                                </p:cTn>
+                              </p:par>
+                            </p:childTnLst>
+                          </p:cTn>
+                        </p:par>
+                      </p:childTnLst>
+                    </p:cTn>
+                  </p:par>
+                  <p:par>
+                    <p:cTn id="55" fill="hold">
+                      <p:stCondLst>
+                        <p:cond delay="indefinite"/>
+                      </p:stCondLst>
+                      <p:childTnLst>
+                        <p:par>
+                          <p:cTn id="56" fill="hold">
+                            <p:stCondLst>
+                              <p:cond delay="0"/>
+                            </p:stCondLst>
+                            <p:childTnLst>
+                              <p:par>
+                                <p:cTn id="57" presetID="10" presetClass="entr" presetSubtype="0" fill="hold" grpId="0" nodeType="clickEffect">
+                                  <p:stCondLst>
+                                    <p:cond delay="0"/>
+                                  </p:stCondLst>
+                                  <p:childTnLst>
+                                    <p:set>
+                                      <p:cBhvr>
+                                        <p:cTn id="58" dur="1" fill="hold">
+                                          <p:stCondLst>
+                                            <p:cond delay="0"/>
+                                          </p:stCondLst>
+                                        </p:cTn>
+                                        <p:tgtEl>
+                                          <p:spTgt spid="83"/>
+                                        </p:tgtEl>
+                                        <p:attrNameLst>
+                                          <p:attrName>style.visibility</p:attrName>
+                                        </p:attrNameLst>
+                                      </p:cBhvr>
+                                      <p:to>
+                                        <p:strVal val="visible"/>
+                                      </p:to>
+                                    </p:set>
+                                    <p:animEffect transition="in" filter="fade">
+                                      <p:cBhvr>
+                                        <p:cTn id="59" dur="500"/>
+                                        <p:tgtEl>
+                                          <p:spTgt spid="83"/>
+                                        </p:tgtEl>
+                                      </p:cBhvr>
+                                    </p:animEffect>
+                                  </p:childTnLst>
+                                </p:cTn>
+                              </p:par>
+                            </p:childTnLst>
+                          </p:cTn>
+                        </p:par>
+                      </p:childTnLst>
+                    </p:cTn>
+                  </p:par>
+                  <p:par>
+                    <p:cTn id="60" fill="hold">
+                      <p:stCondLst>
+                        <p:cond delay="indefinite"/>
+                      </p:stCondLst>
+                      <p:childTnLst>
+                        <p:par>
+                          <p:cTn id="61" fill="hold">
+                            <p:stCondLst>
+                              <p:cond delay="0"/>
+                            </p:stCondLst>
+                            <p:childTnLst>
+                              <p:par>
+                                <p:cTn id="62" presetID="42" presetClass="path" presetSubtype="0" accel="50000" decel="50000" fill="hold" grpId="0" nodeType="clickEffect">
+                                  <p:stCondLst>
+                                    <p:cond delay="0"/>
+                                  </p:stCondLst>
+                                  <p:childTnLst>
+                                    <p:animMotion origin="layout" path="M 1.45833E-6 -1.85185E-6 L 1.45833E-6 0.16921 " pathEditMode="relative" rAng="0" ptsTypes="AA">
+                                      <p:cBhvr>
+                                        <p:cTn id="63" dur="2000" fill="hold"/>
+                                        <p:tgtEl>
+                                          <p:spTgt spid="98"/>
+                                        </p:tgtEl>
+                                        <p:attrNameLst>
+                                          <p:attrName>ppt_x</p:attrName>
+                                          <p:attrName>ppt_y</p:attrName>
+                                        </p:attrNameLst>
+                                      </p:cBhvr>
+                                      <p:rCtr x="0" y="8449"/>
+                                    </p:animMotion>
+                                  </p:childTnLst>
+                                </p:cTn>
+                              </p:par>
+                            </p:childTnLst>
+                          </p:cTn>
+                        </p:par>
+                      </p:childTnLst>
+                    </p:cTn>
+                  </p:par>
+                  <p:par>
+                    <p:cTn id="64" fill="hold">
+                      <p:stCondLst>
+                        <p:cond delay="indefinite"/>
+                      </p:stCondLst>
+                      <p:childTnLst>
+                        <p:par>
+                          <p:cTn id="65" fill="hold">
+                            <p:stCondLst>
+                              <p:cond delay="0"/>
+                            </p:stCondLst>
+                            <p:childTnLst>
+                              <p:par>
+                                <p:cTn id="66" presetID="10" presetClass="entr" presetSubtype="0" fill="hold" nodeType="clickEffect">
+                                  <p:stCondLst>
+                                    <p:cond delay="0"/>
+                                  </p:stCondLst>
+                                  <p:childTnLst>
+                                    <p:set>
+                                      <p:cBhvr>
+                                        <p:cTn id="67" dur="1" fill="hold">
+                                          <p:stCondLst>
+                                            <p:cond delay="0"/>
+                                          </p:stCondLst>
+                                        </p:cTn>
+                                        <p:tgtEl>
+                                          <p:spTgt spid="26"/>
+                                        </p:tgtEl>
+                                        <p:attrNameLst>
+                                          <p:attrName>style.visibility</p:attrName>
+                                        </p:attrNameLst>
+                                      </p:cBhvr>
+                                      <p:to>
+                                        <p:strVal val="visible"/>
+                                      </p:to>
+                                    </p:set>
+                                    <p:animEffect transition="in" filter="fade">
+                                      <p:cBhvr>
+                                        <p:cTn id="68" dur="500"/>
+                                        <p:tgtEl>
+                                          <p:spTgt spid="26"/>
+                                        </p:tgtEl>
+                                      </p:cBhvr>
+                                    </p:animEffect>
+                                  </p:childTnLst>
+                                </p:cTn>
+                              </p:par>
+                            </p:childTnLst>
+                          </p:cTn>
+                        </p:par>
+                      </p:childTnLst>
+                    </p:cTn>
+                  </p:par>
+                  <p:par>
+                    <p:cTn id="69" fill="hold">
+                      <p:stCondLst>
+                        <p:cond delay="indefinite"/>
+                      </p:stCondLst>
+                      <p:childTnLst>
+                        <p:par>
+                          <p:cTn id="70" fill="hold">
+                            <p:stCondLst>
+                              <p:cond delay="0"/>
+                            </p:stCondLst>
+                            <p:childTnLst>
+                              <p:par>
+                                <p:cTn id="71" presetID="42" presetClass="path" presetSubtype="0" accel="50000" decel="50000" fill="hold" grpId="0" nodeType="clickEffect">
+                                  <p:stCondLst>
+                                    <p:cond delay="0"/>
+                                  </p:stCondLst>
+                                  <p:childTnLst>
+                                    <p:animMotion origin="layout" path="M -4.16667E-6 -1.48148E-6 L -4.16667E-6 0.11829 " pathEditMode="relative" rAng="0" ptsTypes="AA">
+                                      <p:cBhvr>
+                                        <p:cTn id="72" dur="2000" fill="hold"/>
+                                        <p:tgtEl>
+                                          <p:spTgt spid="105"/>
+                                        </p:tgtEl>
+                                        <p:attrNameLst>
+                                          <p:attrName>ppt_x</p:attrName>
+                                          <p:attrName>ppt_y</p:attrName>
+                                        </p:attrNameLst>
+                                      </p:cBhvr>
+                                      <p:rCtr x="0" y="5903"/>
+                                    </p:animMotion>
+                                  </p:childTnLst>
+                                </p:cTn>
+                              </p:par>
+                            </p:childTnLst>
+                          </p:cTn>
+                        </p:par>
+                      </p:childTnLst>
+                    </p:cTn>
+                  </p:par>
+                  <p:par>
+                    <p:cTn id="73" fill="hold">
+                      <p:stCondLst>
+                        <p:cond delay="indefinite"/>
+                      </p:stCondLst>
+                      <p:childTnLst>
+                        <p:par>
+                          <p:cTn id="74" fill="hold">
+                            <p:stCondLst>
+                              <p:cond delay="0"/>
+                            </p:stCondLst>
+                            <p:childTnLst>
+                              <p:par>
+                                <p:cTn id="75" presetID="10" presetClass="entr" presetSubtype="0" fill="hold" grpId="0" nodeType="clickEffect">
+                                  <p:stCondLst>
+                                    <p:cond delay="0"/>
+                                  </p:stCondLst>
+                                  <p:childTnLst>
+                                    <p:set>
+                                      <p:cBhvr>
+                                        <p:cTn id="76" dur="1" fill="hold">
+                                          <p:stCondLst>
+                                            <p:cond delay="0"/>
+                                          </p:stCondLst>
+                                        </p:cTn>
+                                        <p:tgtEl>
+                                          <p:spTgt spid="111"/>
+                                        </p:tgtEl>
+                                        <p:attrNameLst>
+                                          <p:attrName>style.visibility</p:attrName>
+                                        </p:attrNameLst>
+                                      </p:cBhvr>
+                                      <p:to>
+                                        <p:strVal val="visible"/>
+                                      </p:to>
+                                    </p:set>
+                                    <p:animEffect transition="in" filter="fade">
+                                      <p:cBhvr>
+                                        <p:cTn id="77" dur="500"/>
+                                        <p:tgtEl>
+                                          <p:spTgt spid="111"/>
+                                        </p:tgtEl>
+                                      </p:cBhvr>
+                                    </p:animEffect>
+                                  </p:childTnLst>
+                                </p:cTn>
+                              </p:par>
+                            </p:childTnLst>
+                          </p:cTn>
+                        </p:par>
+                      </p:childTnLst>
+                    </p:cTn>
+                  </p:par>
+                </p:childTnLst>
+              </p:cTn>
+              <p:prevCondLst>
+                <p:cond evt="onPrev" delay="0">
+                  <p:tgtEl>
+                    <p:sldTgt/>
+                  </p:tgtEl>
+                </p:cond>
+              </p:prevCondLst>
+              <p:nextCondLst>
+                <p:cond evt="onNext" delay="0">
+                  <p:tgtEl>
+                    <p:sldTgt/>
+                  </p:tgtEl>
+                </p:cond>
+              </p:nextCondLst>
+            </p:seq>
+          </p:childTnLst>
+        </p:cTn>
+      </p:par>
+    </p:tnLst>
+    <p:bldLst>
+      <p:bldP spid="105" grpId="0" animBg="1"/>
+      <p:bldP spid="98" grpId="0" animBg="1"/>
+      <p:bldP spid="95" grpId="0" animBg="1"/>
+      <p:bldP spid="70" grpId="0" animBg="1"/>
+      <p:bldP spid="69" grpId="0" animBg="1"/>
+      <p:bldP spid="16" grpId="0" animBg="1"/>
+      <p:bldP spid="5" grpId="0" animBg="1"/>
+      <p:bldP spid="3" grpId="0" animBg="1"/>
+      <p:bldP spid="10" grpId="0" animBg="1"/>
+      <p:bldP spid="67" grpId="0" animBg="1"/>
+      <p:bldP spid="68" grpId="0" animBg="1"/>
+      <p:bldP spid="111" grpId="0" animBg="1"/>
+      <p:bldP spid="83" grpId="0" animBg="1"/>
+      <p:bldP spid="104" grpId="0"/>
+    </p:bldLst>
+  </p:timing>
+</p:sld>
+</file>
+
 <file path=ppt/tags/tag1.xml><?xml version="1.0" encoding="utf-8"?>
 <p:tagLst xmlns:a="http://schemas.openxmlformats.org/drawingml/2006/main" xmlns:r="http://schemas.openxmlformats.org/officeDocument/2006/relationships" xmlns:p="http://schemas.openxmlformats.org/presentationml/2006/main">
   <p:tag name="TIMING" val="|0.9|3.9|4.5|3.8"/>
@@ -16745,6 +21362,12 @@
 </file>
 
 <file path=ppt/tags/tag3.xml><?xml version="1.0" encoding="utf-8"?>
+<p:tagLst xmlns:a="http://schemas.openxmlformats.org/drawingml/2006/main" xmlns:r="http://schemas.openxmlformats.org/officeDocument/2006/relationships" xmlns:p="http://schemas.openxmlformats.org/presentationml/2006/main">
+  <p:tag name="TIMING" val="|3|3.2|2|2.9|2.8|2.7|1.5|1.5|2.6|1.1|1|2.5|0.9|1.1|2.7|2.8|2|1.4|1.4|2.1|0.9|0.9|2.3"/>
+</p:tagLst>
+</file>
+
+<file path=ppt/tags/tag4.xml><?xml version="1.0" encoding="utf-8"?>
 <p:tagLst xmlns:a="http://schemas.openxmlformats.org/drawingml/2006/main" xmlns:r="http://schemas.openxmlformats.org/officeDocument/2006/relationships" xmlns:p="http://schemas.openxmlformats.org/presentationml/2006/main">
   <p:tag name="TIMING" val="|3|3.2|2|2.9|2.8|2.7|1.5|1.5|2.6|1.1|1|2.5|0.9|1.1|2.7|2.8|2|1.4|1.4|2.1|0.9|0.9|2.3"/>
 </p:tagLst>

--- a/crawl/GSKY_Crawl_MAS.pptx
+++ b/crawl/GSKY_Crawl_MAS.pptx
@@ -11,6 +11,7 @@
     <p:sldId id="266" r:id="rId5"/>
     <p:sldId id="267" r:id="rId6"/>
     <p:sldId id="264" r:id="rId7"/>
+    <p:sldId id="268" r:id="rId8"/>
   </p:sldIdLst>
   <p:sldSz cx="12192000" cy="6858000"/>
   <p:notesSz cx="6858000" cy="9144000"/>
@@ -465,7 +466,7 @@
           <a:p>
             <a:fld id="{221F956C-5F97-4262-95A4-17918E5C673A}" type="datetimeFigureOut">
               <a:rPr lang="en-AU" smtClean="0"/>
-              <a:t>24/11/2018</a:t>
+              <a:t>26/11/2018</a:t>
             </a:fld>
             <a:endParaRPr lang="en-AU"/>
           </a:p>
@@ -803,7 +804,7 @@
           <a:p>
             <a:fld id="{221F956C-5F97-4262-95A4-17918E5C673A}" type="datetimeFigureOut">
               <a:rPr lang="en-AU" smtClean="0"/>
-              <a:t>24/11/2018</a:t>
+              <a:t>26/11/2018</a:t>
             </a:fld>
             <a:endParaRPr lang="en-AU"/>
           </a:p>
@@ -1204,7 +1205,7 @@
           <a:p>
             <a:fld id="{221F956C-5F97-4262-95A4-17918E5C673A}" type="datetimeFigureOut">
               <a:rPr lang="en-AU" smtClean="0"/>
-              <a:t>24/11/2018</a:t>
+              <a:t>26/11/2018</a:t>
             </a:fld>
             <a:endParaRPr lang="en-AU"/>
           </a:p>
@@ -1540,7 +1541,7 @@
           <a:p>
             <a:fld id="{221F956C-5F97-4262-95A4-17918E5C673A}" type="datetimeFigureOut">
               <a:rPr lang="en-AU" smtClean="0"/>
-              <a:t>24/11/2018</a:t>
+              <a:t>26/11/2018</a:t>
             </a:fld>
             <a:endParaRPr lang="en-AU"/>
           </a:p>
@@ -1860,7 +1861,7 @@
           <a:p>
             <a:fld id="{221F956C-5F97-4262-95A4-17918E5C673A}" type="datetimeFigureOut">
               <a:rPr lang="en-AU" smtClean="0"/>
-              <a:t>24/11/2018</a:t>
+              <a:t>26/11/2018</a:t>
             </a:fld>
             <a:endParaRPr lang="en-AU"/>
           </a:p>
@@ -2256,7 +2257,7 @@
           <a:p>
             <a:fld id="{221F956C-5F97-4262-95A4-17918E5C673A}" type="datetimeFigureOut">
               <a:rPr lang="en-AU" smtClean="0"/>
-              <a:t>24/11/2018</a:t>
+              <a:t>26/11/2018</a:t>
             </a:fld>
             <a:endParaRPr lang="en-AU"/>
           </a:p>
@@ -2513,7 +2514,7 @@
           <a:p>
             <a:fld id="{221F956C-5F97-4262-95A4-17918E5C673A}" type="datetimeFigureOut">
               <a:rPr lang="en-AU" smtClean="0"/>
-              <a:t>24/11/2018</a:t>
+              <a:t>26/11/2018</a:t>
             </a:fld>
             <a:endParaRPr lang="en-AU"/>
           </a:p>
@@ -2775,7 +2776,7 @@
           <a:p>
             <a:fld id="{221F956C-5F97-4262-95A4-17918E5C673A}" type="datetimeFigureOut">
               <a:rPr lang="en-AU" smtClean="0"/>
-              <a:t>24/11/2018</a:t>
+              <a:t>26/11/2018</a:t>
             </a:fld>
             <a:endParaRPr lang="en-AU"/>
           </a:p>
@@ -3106,7 +3107,7 @@
           <a:p>
             <a:fld id="{221F956C-5F97-4262-95A4-17918E5C673A}" type="datetimeFigureOut">
               <a:rPr lang="en-AU" smtClean="0"/>
-              <a:t>24/11/2018</a:t>
+              <a:t>26/11/2018</a:t>
             </a:fld>
             <a:endParaRPr lang="en-AU"/>
           </a:p>
@@ -3293,7 +3294,7 @@
           <a:p>
             <a:fld id="{221F956C-5F97-4262-95A4-17918E5C673A}" type="datetimeFigureOut">
               <a:rPr lang="en-AU" smtClean="0"/>
-              <a:t>24/11/2018</a:t>
+              <a:t>26/11/2018</a:t>
             </a:fld>
             <a:endParaRPr lang="en-AU"/>
           </a:p>
@@ -3652,7 +3653,7 @@
           <a:p>
             <a:fld id="{221F956C-5F97-4262-95A4-17918E5C673A}" type="datetimeFigureOut">
               <a:rPr lang="en-AU" smtClean="0"/>
-              <a:t>24/11/2018</a:t>
+              <a:t>26/11/2018</a:t>
             </a:fld>
             <a:endParaRPr lang="en-AU"/>
           </a:p>
@@ -3975,7 +3976,7 @@
           <a:p>
             <a:fld id="{221F956C-5F97-4262-95A4-17918E5C673A}" type="datetimeFigureOut">
               <a:rPr lang="en-AU" smtClean="0"/>
-              <a:t>24/11/2018</a:t>
+              <a:t>26/11/2018</a:t>
             </a:fld>
             <a:endParaRPr lang="en-AU"/>
           </a:p>
@@ -4432,7 +4433,7 @@
           <a:p>
             <a:fld id="{221F956C-5F97-4262-95A4-17918E5C673A}" type="datetimeFigureOut">
               <a:rPr lang="en-AU" smtClean="0"/>
-              <a:t>24/11/2018</a:t>
+              <a:t>26/11/2018</a:t>
             </a:fld>
             <a:endParaRPr lang="en-AU"/>
           </a:p>
@@ -4637,7 +4638,7 @@
           <a:p>
             <a:fld id="{221F956C-5F97-4262-95A4-17918E5C673A}" type="datetimeFigureOut">
               <a:rPr lang="en-AU" smtClean="0"/>
-              <a:t>24/11/2018</a:t>
+              <a:t>26/11/2018</a:t>
             </a:fld>
             <a:endParaRPr lang="en-AU"/>
           </a:p>
@@ -4814,7 +4815,7 @@
           <a:p>
             <a:fld id="{221F956C-5F97-4262-95A4-17918E5C673A}" type="datetimeFigureOut">
               <a:rPr lang="en-AU" smtClean="0"/>
-              <a:t>24/11/2018</a:t>
+              <a:t>26/11/2018</a:t>
             </a:fld>
             <a:endParaRPr lang="en-AU"/>
           </a:p>
@@ -5147,7 +5148,7 @@
           <a:p>
             <a:fld id="{221F956C-5F97-4262-95A4-17918E5C673A}" type="datetimeFigureOut">
               <a:rPr lang="en-AU" smtClean="0"/>
-              <a:t>24/11/2018</a:t>
+              <a:t>26/11/2018</a:t>
             </a:fld>
             <a:endParaRPr lang="en-AU"/>
           </a:p>
@@ -7892,7 +7893,7 @@
             <a:fld id="{B61BEF0D-F0BB-DE4B-95CE-6DB70DBA9567}" type="datetimeFigureOut">
               <a:rPr lang="en-US" dirty="0"/>
               <a:pPr/>
-              <a:t>11/24/2018</a:t>
+              <a:t>11/26/2018</a:t>
             </a:fld>
             <a:endParaRPr lang="en-US" dirty="0"/>
           </a:p>
@@ -8612,7 +8613,7 @@
             </a:r>
             <a:r>
               <a:rPr lang="en-AU"/>
-              <a:t>: It will take approximately 2 minutes to run through this demo. If too fast or too slow, then open the PPTX file and manually run the slideshow.</a:t>
+              <a:t>: It will take approximately 3 minutes to run through this demo. If too fast or too slow, then open the PPTX file and manually run the slideshow.</a:t>
             </a:r>
             <a:endParaRPr lang="en-GB"/>
           </a:p>
@@ -9254,6 +9255,50 @@
           </a:p>
         </p:txBody>
       </p:sp>
+      <p:sp>
+        <p:nvSpPr>
+          <p:cNvPr id="14" name="TextBox 13">
+            <a:extLst>
+              <a:ext uri="{FF2B5EF4-FFF2-40B4-BE49-F238E27FC236}">
+                <a16:creationId xmlns:a16="http://schemas.microsoft.com/office/drawing/2014/main" id="{EF382CFE-30DB-4136-A64C-16B7A40E35E6}"/>
+              </a:ext>
+            </a:extLst>
+          </p:cNvPr>
+          <p:cNvSpPr txBox="1"/>
+          <p:nvPr/>
+        </p:nvSpPr>
+        <p:spPr>
+          <a:xfrm>
+            <a:off x="2743200" y="5152445"/>
+            <a:ext cx="7235687" cy="369332"/>
+          </a:xfrm>
+          <a:prstGeom prst="rect">
+            <a:avLst/>
+          </a:prstGeom>
+          <a:noFill/>
+        </p:spPr>
+        <p:txBody>
+          <a:bodyPr wrap="square" rtlCol="0">
+            <a:spAutoFit/>
+          </a:bodyPr>
+          <a:lstStyle/>
+          <a:p>
+            <a:r>
+              <a:rPr lang="en-US" b="1">
+                <a:solidFill>
+                  <a:srgbClr val="00B050"/>
+                </a:solidFill>
+              </a:rPr>
+              <a:t>The slide show will begin in 5 seconds !</a:t>
+            </a:r>
+            <a:endParaRPr lang="en-AU" b="1">
+              <a:solidFill>
+                <a:srgbClr val="00B050"/>
+              </a:solidFill>
+            </a:endParaRPr>
+          </a:p>
+        </p:txBody>
+      </p:sp>
     </p:spTree>
     <p:custDataLst>
       <p:tags r:id="rId1"/>
@@ -9269,16 +9314,102 @@
   </p:clrMapOvr>
   <mc:AlternateContent xmlns:mc="http://schemas.openxmlformats.org/markup-compatibility/2006">
     <mc:Choice xmlns:p159="http://schemas.microsoft.com/office/powerpoint/2015/09/main" Requires="p159">
-      <p:transition xmlns:p14="http://schemas.microsoft.com/office/powerpoint/2010/main" spd="slow" p14:dur="2000">
+      <p:transition xmlns:p14="http://schemas.microsoft.com/office/powerpoint/2010/main" spd="slow" p14:dur="2000" advTm="358">
         <p159:morph option="byObject"/>
       </p:transition>
     </mc:Choice>
     <mc:Fallback>
-      <p:transition spd="slow">
+      <p:transition spd="slow" advTm="358">
         <p:fade/>
       </p:transition>
     </mc:Fallback>
   </mc:AlternateContent>
+  <p:timing>
+    <p:tnLst>
+      <p:par>
+        <p:cTn id="1" dur="indefinite" restart="never" nodeType="tmRoot">
+          <p:childTnLst>
+            <p:seq concurrent="1" nextAc="seek">
+              <p:cTn id="2" dur="indefinite" nodeType="mainSeq">
+                <p:childTnLst>
+                  <p:par>
+                    <p:cTn id="3" fill="hold">
+                      <p:stCondLst>
+                        <p:cond delay="indefinite"/>
+                      </p:stCondLst>
+                      <p:childTnLst>
+                        <p:par>
+                          <p:cTn id="4" fill="hold">
+                            <p:stCondLst>
+                              <p:cond delay="0"/>
+                            </p:stCondLst>
+                            <p:childTnLst>
+                              <p:par>
+                                <p:cTn id="5" presetID="10" presetClass="entr" presetSubtype="0" fill="hold" grpId="0" nodeType="clickEffect">
+                                  <p:stCondLst>
+                                    <p:cond delay="1000"/>
+                                  </p:stCondLst>
+                                  <p:childTnLst>
+                                    <p:set>
+                                      <p:cBhvr>
+                                        <p:cTn id="6" dur="1" fill="hold">
+                                          <p:stCondLst>
+                                            <p:cond delay="0"/>
+                                          </p:stCondLst>
+                                        </p:cTn>
+                                        <p:tgtEl>
+                                          <p:spTgt spid="14"/>
+                                        </p:tgtEl>
+                                        <p:attrNameLst>
+                                          <p:attrName>style.visibility</p:attrName>
+                                        </p:attrNameLst>
+                                      </p:cBhvr>
+                                      <p:to>
+                                        <p:strVal val="visible"/>
+                                      </p:to>
+                                    </p:set>
+                                    <p:animEffect transition="in" filter="fade">
+                                      <p:cBhvr>
+                                        <p:cTn id="7" dur="4000"/>
+                                        <p:tgtEl>
+                                          <p:spTgt spid="14"/>
+                                        </p:tgtEl>
+                                      </p:cBhvr>
+                                    </p:animEffect>
+                                  </p:childTnLst>
+                                </p:cTn>
+                              </p:par>
+                            </p:childTnLst>
+                          </p:cTn>
+                        </p:par>
+                      </p:childTnLst>
+                    </p:cTn>
+                  </p:par>
+                </p:childTnLst>
+              </p:cTn>
+              <p:prevCondLst>
+                <p:cond evt="onPrev" delay="0">
+                  <p:tgtEl>
+                    <p:sldTgt/>
+                  </p:tgtEl>
+                </p:cond>
+              </p:prevCondLst>
+              <p:nextCondLst>
+                <p:cond evt="onNext" delay="0">
+                  <p:tgtEl>
+                    <p:sldTgt/>
+                  </p:tgtEl>
+                </p:cond>
+              </p:nextCondLst>
+            </p:seq>
+          </p:childTnLst>
+        </p:cTn>
+      </p:par>
+    </p:tnLst>
+    <p:bldLst>
+      <p:bldP spid="14" grpId="0"/>
+    </p:bldLst>
+  </p:timing>
 </p:sld>
 </file>
 
@@ -11941,12 +12072,12 @@
   </p:clrMapOvr>
   <mc:AlternateContent xmlns:mc="http://schemas.openxmlformats.org/markup-compatibility/2006">
     <mc:Choice xmlns:p15="http://schemas.microsoft.com/office/powerpoint/2012/main" Requires="p15">
-      <p:transition xmlns:p14="http://schemas.microsoft.com/office/powerpoint/2010/main" spd="slow" p14:dur="2000">
+      <p:transition xmlns:p14="http://schemas.microsoft.com/office/powerpoint/2010/main" spd="slow" p14:dur="2000" advTm="29574">
         <p15:prstTrans prst="drape"/>
       </p:transition>
     </mc:Choice>
     <mc:Fallback>
-      <p:transition spd="slow">
+      <p:transition spd="slow" advTm="29574">
         <p:fade/>
       </p:transition>
     </mc:Fallback>
@@ -13881,6 +14012,9 @@
             <a:lin ang="5400000" scaled="1"/>
             <a:tileRect/>
           </a:gradFill>
+          <a:ln>
+            <a:noFill/>
+          </a:ln>
         </p:spPr>
         <p:style>
           <a:lnRef idx="2">
@@ -14128,6 +14262,9 @@
             <a:lin ang="5400000" scaled="1"/>
             <a:tileRect/>
           </a:gradFill>
+          <a:ln>
+            <a:noFill/>
+          </a:ln>
         </p:spPr>
         <p:style>
           <a:lnRef idx="2">
@@ -16683,12 +16820,12 @@
   </p:clrMapOvr>
   <mc:AlternateContent xmlns:mc="http://schemas.openxmlformats.org/markup-compatibility/2006">
     <mc:Choice xmlns:p15="http://schemas.microsoft.com/office/powerpoint/2012/main" Requires="p15">
-      <p:transition xmlns:p14="http://schemas.microsoft.com/office/powerpoint/2010/main" spd="slow" p14:dur="2000">
+      <p:transition xmlns:p14="http://schemas.microsoft.com/office/powerpoint/2010/main" spd="slow" p14:dur="2000" advTm="29365">
         <p15:prstTrans prst="drape"/>
       </p:transition>
     </mc:Choice>
     <mc:Fallback>
-      <p:transition spd="slow">
+      <p:transition spd="slow" advTm="29365">
         <p:fade/>
       </p:transition>
     </mc:Fallback>
@@ -18749,6 +18886,9 @@
             <a:lin ang="5400000" scaled="1"/>
             <a:tileRect/>
           </a:gradFill>
+          <a:ln>
+            <a:noFill/>
+          </a:ln>
         </p:spPr>
         <p:style>
           <a:lnRef idx="2">
@@ -18996,6 +19136,9 @@
             <a:lin ang="5400000" scaled="1"/>
             <a:tileRect/>
           </a:gradFill>
+          <a:ln>
+            <a:noFill/>
+          </a:ln>
         </p:spPr>
         <p:style>
           <a:lnRef idx="2">
@@ -21646,12 +21789,12 @@
   </p:clrMapOvr>
   <mc:AlternateContent xmlns:mc="http://schemas.openxmlformats.org/markup-compatibility/2006">
     <mc:Choice xmlns:p15="http://schemas.microsoft.com/office/powerpoint/2012/main" Requires="p15">
-      <p:transition xmlns:p14="http://schemas.microsoft.com/office/powerpoint/2010/main" spd="slow" p14:dur="2000">
+      <p:transition xmlns:p14="http://schemas.microsoft.com/office/powerpoint/2010/main" spd="slow" p14:dur="2000" advTm="29763">
         <p15:prstTrans prst="drape"/>
       </p:transition>
     </mc:Choice>
     <mc:Fallback>
-      <p:transition spd="slow">
+      <p:transition spd="slow" advTm="29763">
         <p:fade/>
       </p:transition>
     </mc:Fallback>
@@ -22495,6 +22638,5183 @@
       </p:grpSpPr>
       <p:sp>
         <p:nvSpPr>
+          <p:cNvPr id="106" name="Arrow: Up 105">
+            <a:extLst>
+              <a:ext uri="{FF2B5EF4-FFF2-40B4-BE49-F238E27FC236}">
+                <a16:creationId xmlns:a16="http://schemas.microsoft.com/office/drawing/2014/main" id="{AEF2F821-FB24-4047-B16B-0807813D5418}"/>
+              </a:ext>
+            </a:extLst>
+          </p:cNvPr>
+          <p:cNvSpPr/>
+          <p:nvPr/>
+        </p:nvSpPr>
+        <p:spPr>
+          <a:xfrm>
+            <a:off x="7725481" y="4358274"/>
+            <a:ext cx="220640" cy="205048"/>
+          </a:xfrm>
+          <a:prstGeom prst="upArrow">
+            <a:avLst/>
+          </a:prstGeom>
+          <a:gradFill flip="none" rotWithShape="1">
+            <a:gsLst>
+              <a:gs pos="0">
+                <a:schemeClr val="accent2">
+                  <a:shade val="30000"/>
+                  <a:satMod val="115000"/>
+                </a:schemeClr>
+              </a:gs>
+              <a:gs pos="50000">
+                <a:schemeClr val="accent2">
+                  <a:shade val="67500"/>
+                  <a:satMod val="115000"/>
+                </a:schemeClr>
+              </a:gs>
+              <a:gs pos="100000">
+                <a:schemeClr val="accent2">
+                  <a:shade val="100000"/>
+                  <a:satMod val="115000"/>
+                </a:schemeClr>
+              </a:gs>
+            </a:gsLst>
+            <a:lin ang="16200000" scaled="1"/>
+            <a:tileRect/>
+          </a:gradFill>
+          <a:ln>
+            <a:solidFill>
+              <a:schemeClr val="accent2"/>
+            </a:solidFill>
+          </a:ln>
+        </p:spPr>
+        <p:style>
+          <a:lnRef idx="2">
+            <a:schemeClr val="accent1">
+              <a:shade val="50000"/>
+            </a:schemeClr>
+          </a:lnRef>
+          <a:fillRef idx="1">
+            <a:schemeClr val="accent1"/>
+          </a:fillRef>
+          <a:effectRef idx="0">
+            <a:schemeClr val="accent1"/>
+          </a:effectRef>
+          <a:fontRef idx="minor">
+            <a:schemeClr val="lt1"/>
+          </a:fontRef>
+        </p:style>
+        <p:txBody>
+          <a:bodyPr rtlCol="0" anchor="ctr"/>
+          <a:lstStyle/>
+          <a:p>
+            <a:pPr algn="ctr"/>
+            <a:endParaRPr lang="en-GB"/>
+          </a:p>
+        </p:txBody>
+      </p:sp>
+      <p:sp>
+        <p:nvSpPr>
+          <p:cNvPr id="55" name="Hexagon 54">
+            <a:extLst>
+              <a:ext uri="{FF2B5EF4-FFF2-40B4-BE49-F238E27FC236}">
+                <a16:creationId xmlns:a16="http://schemas.microsoft.com/office/drawing/2014/main" id="{6D5178D1-E29A-43CC-B25A-1B0F030D539B}"/>
+              </a:ext>
+            </a:extLst>
+          </p:cNvPr>
+          <p:cNvSpPr/>
+          <p:nvPr/>
+        </p:nvSpPr>
+        <p:spPr>
+          <a:xfrm>
+            <a:off x="7355650" y="4158405"/>
+            <a:ext cx="962108" cy="675861"/>
+          </a:xfrm>
+          <a:prstGeom prst="hexagon">
+            <a:avLst/>
+          </a:prstGeom>
+          <a:solidFill>
+            <a:schemeClr val="bg1"/>
+          </a:solidFill>
+        </p:spPr>
+        <p:style>
+          <a:lnRef idx="2">
+            <a:schemeClr val="accent1">
+              <a:shade val="50000"/>
+            </a:schemeClr>
+          </a:lnRef>
+          <a:fillRef idx="1">
+            <a:schemeClr val="accent1"/>
+          </a:fillRef>
+          <a:effectRef idx="0">
+            <a:schemeClr val="accent1"/>
+          </a:effectRef>
+          <a:fontRef idx="minor">
+            <a:schemeClr val="lt1"/>
+          </a:fontRef>
+        </p:style>
+        <p:txBody>
+          <a:bodyPr rtlCol="0" anchor="ctr"/>
+          <a:lstStyle/>
+          <a:p>
+            <a:pPr algn="ctr"/>
+            <a:endParaRPr lang="en-AU" sz="1100">
+              <a:solidFill>
+                <a:schemeClr val="tx1"/>
+              </a:solidFill>
+            </a:endParaRPr>
+          </a:p>
+        </p:txBody>
+      </p:sp>
+      <p:sp>
+        <p:nvSpPr>
+          <p:cNvPr id="104" name="Arrow: Up 103">
+            <a:extLst>
+              <a:ext uri="{FF2B5EF4-FFF2-40B4-BE49-F238E27FC236}">
+                <a16:creationId xmlns:a16="http://schemas.microsoft.com/office/drawing/2014/main" id="{DC257103-E5AF-463F-8C7A-FAC30D015829}"/>
+              </a:ext>
+            </a:extLst>
+          </p:cNvPr>
+          <p:cNvSpPr/>
+          <p:nvPr/>
+        </p:nvSpPr>
+        <p:spPr>
+          <a:xfrm rot="5400000">
+            <a:off x="5908679" y="4399815"/>
+            <a:ext cx="220640" cy="205048"/>
+          </a:xfrm>
+          <a:prstGeom prst="upArrow">
+            <a:avLst/>
+          </a:prstGeom>
+          <a:gradFill flip="none" rotWithShape="1">
+            <a:gsLst>
+              <a:gs pos="0">
+                <a:schemeClr val="accent2">
+                  <a:shade val="30000"/>
+                  <a:satMod val="115000"/>
+                </a:schemeClr>
+              </a:gs>
+              <a:gs pos="50000">
+                <a:schemeClr val="accent2">
+                  <a:shade val="67500"/>
+                  <a:satMod val="115000"/>
+                </a:schemeClr>
+              </a:gs>
+              <a:gs pos="100000">
+                <a:schemeClr val="accent2">
+                  <a:shade val="100000"/>
+                  <a:satMod val="115000"/>
+                </a:schemeClr>
+              </a:gs>
+            </a:gsLst>
+            <a:lin ang="16200000" scaled="1"/>
+            <a:tileRect/>
+          </a:gradFill>
+          <a:ln>
+            <a:solidFill>
+              <a:schemeClr val="accent2"/>
+            </a:solidFill>
+          </a:ln>
+        </p:spPr>
+        <p:style>
+          <a:lnRef idx="2">
+            <a:schemeClr val="accent1">
+              <a:shade val="50000"/>
+            </a:schemeClr>
+          </a:lnRef>
+          <a:fillRef idx="1">
+            <a:schemeClr val="accent1"/>
+          </a:fillRef>
+          <a:effectRef idx="0">
+            <a:schemeClr val="accent1"/>
+          </a:effectRef>
+          <a:fontRef idx="minor">
+            <a:schemeClr val="lt1"/>
+          </a:fontRef>
+        </p:style>
+        <p:txBody>
+          <a:bodyPr rtlCol="0" anchor="ctr"/>
+          <a:lstStyle/>
+          <a:p>
+            <a:pPr algn="ctr"/>
+            <a:endParaRPr lang="en-GB"/>
+          </a:p>
+        </p:txBody>
+      </p:sp>
+      <p:sp>
+        <p:nvSpPr>
+          <p:cNvPr id="80" name="TextBox 79">
+            <a:extLst>
+              <a:ext uri="{FF2B5EF4-FFF2-40B4-BE49-F238E27FC236}">
+                <a16:creationId xmlns:a16="http://schemas.microsoft.com/office/drawing/2014/main" id="{CBF01AF7-DD45-4170-B2E6-63FDA9D24A03}"/>
+              </a:ext>
+            </a:extLst>
+          </p:cNvPr>
+          <p:cNvSpPr txBox="1"/>
+          <p:nvPr/>
+        </p:nvSpPr>
+        <p:spPr>
+          <a:xfrm>
+            <a:off x="1223543" y="1477275"/>
+            <a:ext cx="3275089" cy="307777"/>
+          </a:xfrm>
+          <a:prstGeom prst="rect">
+            <a:avLst/>
+          </a:prstGeom>
+          <a:gradFill flip="none" rotWithShape="1">
+            <a:gsLst>
+              <a:gs pos="0">
+                <a:schemeClr val="accent4">
+                  <a:lumMod val="60000"/>
+                  <a:lumOff val="40000"/>
+                  <a:shade val="30000"/>
+                  <a:satMod val="115000"/>
+                </a:schemeClr>
+              </a:gs>
+              <a:gs pos="50000">
+                <a:schemeClr val="accent4">
+                  <a:lumMod val="60000"/>
+                  <a:lumOff val="40000"/>
+                  <a:shade val="67500"/>
+                  <a:satMod val="115000"/>
+                </a:schemeClr>
+              </a:gs>
+              <a:gs pos="100000">
+                <a:schemeClr val="accent4">
+                  <a:lumMod val="60000"/>
+                  <a:lumOff val="40000"/>
+                  <a:shade val="100000"/>
+                  <a:satMod val="115000"/>
+                </a:schemeClr>
+              </a:gs>
+            </a:gsLst>
+            <a:lin ang="16200000" scaled="1"/>
+            <a:tileRect/>
+          </a:gradFill>
+          <a:ln>
+            <a:solidFill>
+              <a:schemeClr val="accent1">
+                <a:shade val="50000"/>
+              </a:schemeClr>
+            </a:solidFill>
+          </a:ln>
+        </p:spPr>
+        <p:txBody>
+          <a:bodyPr wrap="square" rtlCol="0">
+            <a:spAutoFit/>
+          </a:bodyPr>
+          <a:lstStyle>
+            <a:defPPr>
+              <a:defRPr lang="en-US"/>
+            </a:defPPr>
+            <a:lvl1pPr>
+              <a:defRPr sz="900"/>
+            </a:lvl1pPr>
+          </a:lstStyle>
+          <a:p>
+            <a:r>
+              <a:rPr lang="en-US" sz="600"/>
+              <a:t>po_hash|po_stamps|po_min_stamp|po_max_stamp|po_name|po_pixel_x|po_pixel_y|po_polygon</a:t>
+            </a:r>
+            <a:endParaRPr lang="en-AU" sz="600"/>
+          </a:p>
+          <a:p>
+            <a:endParaRPr lang="en-GB" sz="200"/>
+          </a:p>
+        </p:txBody>
+      </p:sp>
+      <p:sp>
+        <p:nvSpPr>
+          <p:cNvPr id="81" name="TextBox 80">
+            <a:extLst>
+              <a:ext uri="{FF2B5EF4-FFF2-40B4-BE49-F238E27FC236}">
+                <a16:creationId xmlns:a16="http://schemas.microsoft.com/office/drawing/2014/main" id="{B9EED8E5-F875-44AB-AC1B-956CC7CB498F}"/>
+              </a:ext>
+            </a:extLst>
+          </p:cNvPr>
+          <p:cNvSpPr txBox="1"/>
+          <p:nvPr/>
+        </p:nvSpPr>
+        <p:spPr>
+          <a:xfrm>
+            <a:off x="1223543" y="1801479"/>
+            <a:ext cx="3275090" cy="338554"/>
+          </a:xfrm>
+          <a:prstGeom prst="rect">
+            <a:avLst/>
+          </a:prstGeom>
+          <a:solidFill>
+            <a:schemeClr val="bg1"/>
+          </a:solidFill>
+          <a:ln>
+            <a:solidFill>
+              <a:schemeClr val="accent1">
+                <a:shade val="50000"/>
+              </a:schemeClr>
+            </a:solidFill>
+          </a:ln>
+        </p:spPr>
+        <p:txBody>
+          <a:bodyPr wrap="square" rtlCol="0">
+            <a:spAutoFit/>
+          </a:bodyPr>
+          <a:lstStyle>
+            <a:defPPr>
+              <a:defRPr lang="en-US"/>
+            </a:defPPr>
+            <a:lvl1pPr>
+              <a:defRPr sz="900"/>
+            </a:lvl1pPr>
+          </a:lstStyle>
+          <a:p>
+            <a:r>
+              <a:rPr lang="en-US" sz="700"/>
+              <a:t>bba3…0a30 | {"2017-01-01…"2017-12-27 11:00:00+11"}| 2017-01-01|bare_soil |463.50…45|-463.50…45|0103…5041</a:t>
+            </a:r>
+            <a:endParaRPr lang="en-AU" sz="700"/>
+          </a:p>
+          <a:p>
+            <a:endParaRPr lang="en-GB" sz="200"/>
+          </a:p>
+        </p:txBody>
+      </p:sp>
+      <p:sp>
+        <p:nvSpPr>
+          <p:cNvPr id="87" name="Hexagon 86">
+            <a:extLst>
+              <a:ext uri="{FF2B5EF4-FFF2-40B4-BE49-F238E27FC236}">
+                <a16:creationId xmlns:a16="http://schemas.microsoft.com/office/drawing/2014/main" id="{99078B05-7D6A-46DE-83B7-BD2163331AE0}"/>
+              </a:ext>
+            </a:extLst>
+          </p:cNvPr>
+          <p:cNvSpPr/>
+          <p:nvPr/>
+        </p:nvSpPr>
+        <p:spPr>
+          <a:xfrm>
+            <a:off x="182258" y="5156135"/>
+            <a:ext cx="962108" cy="743447"/>
+          </a:xfrm>
+          <a:prstGeom prst="hexagon">
+            <a:avLst/>
+          </a:prstGeom>
+          <a:solidFill>
+            <a:schemeClr val="bg1"/>
+          </a:solidFill>
+        </p:spPr>
+        <p:style>
+          <a:lnRef idx="2">
+            <a:schemeClr val="accent1">
+              <a:shade val="50000"/>
+            </a:schemeClr>
+          </a:lnRef>
+          <a:fillRef idx="1">
+            <a:schemeClr val="accent1"/>
+          </a:fillRef>
+          <a:effectRef idx="0">
+            <a:schemeClr val="accent1"/>
+          </a:effectRef>
+          <a:fontRef idx="minor">
+            <a:schemeClr val="lt1"/>
+          </a:fontRef>
+        </p:style>
+        <p:txBody>
+          <a:bodyPr rtlCol="0" anchor="ctr"/>
+          <a:lstStyle/>
+          <a:p>
+            <a:pPr algn="ctr"/>
+            <a:endParaRPr lang="en-AU" sz="1100">
+              <a:solidFill>
+                <a:schemeClr val="tx1"/>
+              </a:solidFill>
+            </a:endParaRPr>
+          </a:p>
+        </p:txBody>
+      </p:sp>
+      <p:sp>
+        <p:nvSpPr>
+          <p:cNvPr id="86" name="Hexagon 85">
+            <a:extLst>
+              <a:ext uri="{FF2B5EF4-FFF2-40B4-BE49-F238E27FC236}">
+                <a16:creationId xmlns:a16="http://schemas.microsoft.com/office/drawing/2014/main" id="{3E86E3E9-DDB7-4225-AFFA-866F3EC48EEB}"/>
+              </a:ext>
+            </a:extLst>
+          </p:cNvPr>
+          <p:cNvSpPr/>
+          <p:nvPr/>
+        </p:nvSpPr>
+        <p:spPr>
+          <a:xfrm>
+            <a:off x="182258" y="1407816"/>
+            <a:ext cx="962108" cy="743447"/>
+          </a:xfrm>
+          <a:prstGeom prst="hexagon">
+            <a:avLst/>
+          </a:prstGeom>
+          <a:solidFill>
+            <a:schemeClr val="bg1"/>
+          </a:solidFill>
+        </p:spPr>
+        <p:style>
+          <a:lnRef idx="2">
+            <a:schemeClr val="accent1">
+              <a:shade val="50000"/>
+            </a:schemeClr>
+          </a:lnRef>
+          <a:fillRef idx="1">
+            <a:schemeClr val="accent1"/>
+          </a:fillRef>
+          <a:effectRef idx="0">
+            <a:schemeClr val="accent1"/>
+          </a:effectRef>
+          <a:fontRef idx="minor">
+            <a:schemeClr val="lt1"/>
+          </a:fontRef>
+        </p:style>
+        <p:txBody>
+          <a:bodyPr rtlCol="0" anchor="ctr"/>
+          <a:lstStyle/>
+          <a:p>
+            <a:pPr algn="ctr"/>
+            <a:endParaRPr lang="en-AU" sz="1100">
+              <a:solidFill>
+                <a:schemeClr val="tx1"/>
+              </a:solidFill>
+            </a:endParaRPr>
+          </a:p>
+        </p:txBody>
+      </p:sp>
+      <p:sp>
+        <p:nvSpPr>
+          <p:cNvPr id="52" name="Hexagon 51">
+            <a:extLst>
+              <a:ext uri="{FF2B5EF4-FFF2-40B4-BE49-F238E27FC236}">
+                <a16:creationId xmlns:a16="http://schemas.microsoft.com/office/drawing/2014/main" id="{B96C2A7C-DEA0-4591-97B6-7660FC401535}"/>
+              </a:ext>
+            </a:extLst>
+          </p:cNvPr>
+          <p:cNvSpPr/>
+          <p:nvPr/>
+        </p:nvSpPr>
+        <p:spPr>
+          <a:xfrm>
+            <a:off x="7339853" y="2556884"/>
+            <a:ext cx="962108" cy="743447"/>
+          </a:xfrm>
+          <a:prstGeom prst="hexagon">
+            <a:avLst/>
+          </a:prstGeom>
+          <a:solidFill>
+            <a:schemeClr val="bg1"/>
+          </a:solidFill>
+        </p:spPr>
+        <p:style>
+          <a:lnRef idx="2">
+            <a:schemeClr val="accent1">
+              <a:shade val="50000"/>
+            </a:schemeClr>
+          </a:lnRef>
+          <a:fillRef idx="1">
+            <a:schemeClr val="accent1"/>
+          </a:fillRef>
+          <a:effectRef idx="0">
+            <a:schemeClr val="accent1"/>
+          </a:effectRef>
+          <a:fontRef idx="minor">
+            <a:schemeClr val="lt1"/>
+          </a:fontRef>
+        </p:style>
+        <p:txBody>
+          <a:bodyPr rtlCol="0" anchor="ctr"/>
+          <a:lstStyle/>
+          <a:p>
+            <a:pPr algn="ctr"/>
+            <a:endParaRPr lang="en-AU" sz="1100">
+              <a:solidFill>
+                <a:schemeClr val="tx1"/>
+              </a:solidFill>
+            </a:endParaRPr>
+          </a:p>
+        </p:txBody>
+      </p:sp>
+      <p:sp>
+        <p:nvSpPr>
+          <p:cNvPr id="53" name="Hexagon 52">
+            <a:extLst>
+              <a:ext uri="{FF2B5EF4-FFF2-40B4-BE49-F238E27FC236}">
+                <a16:creationId xmlns:a16="http://schemas.microsoft.com/office/drawing/2014/main" id="{F15CD3D8-D14F-429E-89A6-373225EF17C3}"/>
+              </a:ext>
+            </a:extLst>
+          </p:cNvPr>
+          <p:cNvSpPr/>
+          <p:nvPr/>
+        </p:nvSpPr>
+        <p:spPr>
+          <a:xfrm>
+            <a:off x="7355650" y="3388967"/>
+            <a:ext cx="962108" cy="675861"/>
+          </a:xfrm>
+          <a:prstGeom prst="hexagon">
+            <a:avLst/>
+          </a:prstGeom>
+          <a:solidFill>
+            <a:schemeClr val="bg1"/>
+          </a:solidFill>
+        </p:spPr>
+        <p:style>
+          <a:lnRef idx="2">
+            <a:schemeClr val="accent1">
+              <a:shade val="50000"/>
+            </a:schemeClr>
+          </a:lnRef>
+          <a:fillRef idx="1">
+            <a:schemeClr val="accent1"/>
+          </a:fillRef>
+          <a:effectRef idx="0">
+            <a:schemeClr val="accent1"/>
+          </a:effectRef>
+          <a:fontRef idx="minor">
+            <a:schemeClr val="lt1"/>
+          </a:fontRef>
+        </p:style>
+        <p:txBody>
+          <a:bodyPr rtlCol="0" anchor="ctr"/>
+          <a:lstStyle/>
+          <a:p>
+            <a:pPr algn="ctr"/>
+            <a:endParaRPr lang="en-AU" sz="1100">
+              <a:solidFill>
+                <a:schemeClr val="tx1"/>
+              </a:solidFill>
+            </a:endParaRPr>
+          </a:p>
+        </p:txBody>
+      </p:sp>
+      <p:sp>
+        <p:nvSpPr>
+          <p:cNvPr id="5" name="Oval 4"/>
+          <p:cNvSpPr/>
+          <p:nvPr/>
+        </p:nvSpPr>
+        <p:spPr>
+          <a:xfrm>
+            <a:off x="4458653" y="3760354"/>
+            <a:ext cx="445889" cy="445889"/>
+          </a:xfrm>
+          <a:prstGeom prst="ellipse">
+            <a:avLst/>
+          </a:prstGeom>
+          <a:gradFill flip="none" rotWithShape="1">
+            <a:gsLst>
+              <a:gs pos="0">
+                <a:schemeClr val="tx2">
+                  <a:lumMod val="20000"/>
+                  <a:lumOff val="80000"/>
+                  <a:shade val="30000"/>
+                  <a:satMod val="115000"/>
+                </a:schemeClr>
+              </a:gs>
+              <a:gs pos="50000">
+                <a:schemeClr val="tx2">
+                  <a:lumMod val="20000"/>
+                  <a:lumOff val="80000"/>
+                  <a:shade val="67500"/>
+                  <a:satMod val="115000"/>
+                </a:schemeClr>
+              </a:gs>
+              <a:gs pos="100000">
+                <a:schemeClr val="tx2">
+                  <a:lumMod val="20000"/>
+                  <a:lumOff val="80000"/>
+                  <a:shade val="100000"/>
+                  <a:satMod val="115000"/>
+                </a:schemeClr>
+              </a:gs>
+            </a:gsLst>
+            <a:lin ang="5400000" scaled="1"/>
+            <a:tileRect/>
+          </a:gradFill>
+        </p:spPr>
+        <p:style>
+          <a:lnRef idx="2">
+            <a:schemeClr val="accent1">
+              <a:shade val="50000"/>
+            </a:schemeClr>
+          </a:lnRef>
+          <a:fillRef idx="1">
+            <a:schemeClr val="accent1"/>
+          </a:fillRef>
+          <a:effectRef idx="0">
+            <a:schemeClr val="accent1"/>
+          </a:effectRef>
+          <a:fontRef idx="minor">
+            <a:schemeClr val="lt1"/>
+          </a:fontRef>
+        </p:style>
+        <p:txBody>
+          <a:bodyPr rtlCol="0" anchor="ctr"/>
+          <a:lstStyle/>
+          <a:p>
+            <a:pPr algn="ctr"/>
+            <a:endParaRPr lang="en-AU"/>
+          </a:p>
+        </p:txBody>
+      </p:sp>
+      <p:sp>
+        <p:nvSpPr>
+          <p:cNvPr id="3" name="Oval 2"/>
+          <p:cNvSpPr/>
+          <p:nvPr/>
+        </p:nvSpPr>
+        <p:spPr>
+          <a:xfrm>
+            <a:off x="4458653" y="4034674"/>
+            <a:ext cx="408876" cy="408876"/>
+          </a:xfrm>
+          <a:prstGeom prst="ellipse">
+            <a:avLst/>
+          </a:prstGeom>
+          <a:gradFill flip="none" rotWithShape="1">
+            <a:gsLst>
+              <a:gs pos="0">
+                <a:schemeClr val="accent2">
+                  <a:lumMod val="60000"/>
+                  <a:lumOff val="40000"/>
+                  <a:shade val="30000"/>
+                  <a:satMod val="115000"/>
+                </a:schemeClr>
+              </a:gs>
+              <a:gs pos="50000">
+                <a:schemeClr val="accent2">
+                  <a:lumMod val="60000"/>
+                  <a:lumOff val="40000"/>
+                  <a:shade val="67500"/>
+                  <a:satMod val="115000"/>
+                </a:schemeClr>
+              </a:gs>
+              <a:gs pos="100000">
+                <a:schemeClr val="accent2">
+                  <a:lumMod val="60000"/>
+                  <a:lumOff val="40000"/>
+                  <a:shade val="100000"/>
+                  <a:satMod val="115000"/>
+                </a:schemeClr>
+              </a:gs>
+            </a:gsLst>
+            <a:lin ang="5400000" scaled="1"/>
+            <a:tileRect/>
+          </a:gradFill>
+        </p:spPr>
+        <p:style>
+          <a:lnRef idx="2">
+            <a:schemeClr val="accent1">
+              <a:shade val="50000"/>
+            </a:schemeClr>
+          </a:lnRef>
+          <a:fillRef idx="1">
+            <a:schemeClr val="accent1"/>
+          </a:fillRef>
+          <a:effectRef idx="0">
+            <a:schemeClr val="accent1"/>
+          </a:effectRef>
+          <a:fontRef idx="minor">
+            <a:schemeClr val="lt1"/>
+          </a:fontRef>
+        </p:style>
+        <p:txBody>
+          <a:bodyPr rtlCol="0" anchor="ctr"/>
+          <a:lstStyle/>
+          <a:p>
+            <a:pPr algn="ctr"/>
+            <a:endParaRPr lang="en-AU"/>
+          </a:p>
+        </p:txBody>
+      </p:sp>
+      <p:sp>
+        <p:nvSpPr>
+          <p:cNvPr id="10" name="Oval 9"/>
+          <p:cNvSpPr/>
+          <p:nvPr/>
+        </p:nvSpPr>
+        <p:spPr>
+          <a:xfrm>
+            <a:off x="4641135" y="3904093"/>
+            <a:ext cx="302150" cy="302150"/>
+          </a:xfrm>
+          <a:prstGeom prst="ellipse">
+            <a:avLst/>
+          </a:prstGeom>
+        </p:spPr>
+        <p:style>
+          <a:lnRef idx="2">
+            <a:schemeClr val="accent1">
+              <a:shade val="50000"/>
+            </a:schemeClr>
+          </a:lnRef>
+          <a:fillRef idx="1">
+            <a:schemeClr val="accent1"/>
+          </a:fillRef>
+          <a:effectRef idx="0">
+            <a:schemeClr val="accent1"/>
+          </a:effectRef>
+          <a:fontRef idx="minor">
+            <a:schemeClr val="lt1"/>
+          </a:fontRef>
+        </p:style>
+        <p:txBody>
+          <a:bodyPr rtlCol="0" anchor="ctr"/>
+          <a:lstStyle/>
+          <a:p>
+            <a:pPr algn="ctr"/>
+            <a:endParaRPr lang="en-AU"/>
+          </a:p>
+        </p:txBody>
+      </p:sp>
+      <p:sp>
+        <p:nvSpPr>
+          <p:cNvPr id="7" name="Flowchart: Stored Data 6"/>
+          <p:cNvSpPr/>
+          <p:nvPr/>
+        </p:nvSpPr>
+        <p:spPr>
+          <a:xfrm rot="5400000" flipH="1">
+            <a:off x="3935172" y="2351778"/>
+            <a:ext cx="1337265" cy="1077041"/>
+          </a:xfrm>
+          <a:prstGeom prst="flowChartOnlineStorage">
+            <a:avLst/>
+          </a:prstGeom>
+          <a:gradFill flip="none" rotWithShape="1">
+            <a:gsLst>
+              <a:gs pos="0">
+                <a:schemeClr val="bg1">
+                  <a:lumMod val="75000"/>
+                  <a:shade val="30000"/>
+                  <a:satMod val="115000"/>
+                </a:schemeClr>
+              </a:gs>
+              <a:gs pos="50000">
+                <a:schemeClr val="bg1">
+                  <a:lumMod val="75000"/>
+                  <a:shade val="67500"/>
+                  <a:satMod val="115000"/>
+                </a:schemeClr>
+              </a:gs>
+              <a:gs pos="100000">
+                <a:schemeClr val="bg1">
+                  <a:lumMod val="75000"/>
+                  <a:shade val="100000"/>
+                  <a:satMod val="115000"/>
+                </a:schemeClr>
+              </a:gs>
+            </a:gsLst>
+            <a:lin ang="5400000" scaled="1"/>
+            <a:tileRect/>
+          </a:gradFill>
+          <a:ln>
+            <a:noFill/>
+          </a:ln>
+        </p:spPr>
+        <p:style>
+          <a:lnRef idx="2">
+            <a:schemeClr val="accent1">
+              <a:shade val="50000"/>
+            </a:schemeClr>
+          </a:lnRef>
+          <a:fillRef idx="1">
+            <a:schemeClr val="accent1"/>
+          </a:fillRef>
+          <a:effectRef idx="0">
+            <a:schemeClr val="accent1"/>
+          </a:effectRef>
+          <a:fontRef idx="minor">
+            <a:schemeClr val="lt1"/>
+          </a:fontRef>
+        </p:style>
+        <p:txBody>
+          <a:bodyPr rtlCol="0" anchor="ctr"/>
+          <a:lstStyle/>
+          <a:p>
+            <a:pPr algn="ctr"/>
+            <a:endParaRPr lang="en-AU"/>
+          </a:p>
+        </p:txBody>
+      </p:sp>
+      <p:pic>
+        <p:nvPicPr>
+          <p:cNvPr id="24" name="Picture 23">
+            <a:extLst>
+              <a:ext uri="{FF2B5EF4-FFF2-40B4-BE49-F238E27FC236}">
+                <a16:creationId xmlns:a16="http://schemas.microsoft.com/office/drawing/2014/main" id="{119A04E9-46BF-4E93-AFFB-7D78168D323B}"/>
+              </a:ext>
+            </a:extLst>
+          </p:cNvPr>
+          <p:cNvPicPr>
+            <a:picLocks noChangeAspect="1"/>
+          </p:cNvPicPr>
+          <p:nvPr/>
+        </p:nvPicPr>
+        <p:blipFill>
+          <a:blip r:embed="rId3"/>
+          <a:stretch>
+            <a:fillRect/>
+          </a:stretch>
+        </p:blipFill>
+        <p:spPr>
+          <a:xfrm>
+            <a:off x="2846314" y="3162373"/>
+            <a:ext cx="3584740" cy="2387347"/>
+          </a:xfrm>
+          <a:prstGeom prst="rect">
+            <a:avLst/>
+          </a:prstGeom>
+        </p:spPr>
+      </p:pic>
+      <p:grpSp>
+        <p:nvGrpSpPr>
+          <p:cNvPr id="12" name="Group 11"/>
+          <p:cNvGrpSpPr/>
+          <p:nvPr/>
+        </p:nvGrpSpPr>
+        <p:grpSpPr>
+          <a:xfrm>
+            <a:off x="4063116" y="179194"/>
+            <a:ext cx="1081378" cy="1129086"/>
+            <a:chOff x="4063116" y="179194"/>
+            <a:chExt cx="1081378" cy="1129086"/>
+          </a:xfrm>
+        </p:grpSpPr>
+        <p:sp>
+          <p:nvSpPr>
+            <p:cNvPr id="19" name="Oval 18"/>
+            <p:cNvSpPr/>
+            <p:nvPr/>
+          </p:nvSpPr>
+          <p:spPr>
+            <a:xfrm>
+              <a:off x="4063116" y="179194"/>
+              <a:ext cx="1081378" cy="1129086"/>
+            </a:xfrm>
+            <a:prstGeom prst="ellipse">
+              <a:avLst/>
+            </a:prstGeom>
+            <a:gradFill flip="none" rotWithShape="1">
+              <a:gsLst>
+                <a:gs pos="0">
+                  <a:schemeClr val="accent2">
+                    <a:lumMod val="75000"/>
+                    <a:shade val="30000"/>
+                    <a:satMod val="115000"/>
+                  </a:schemeClr>
+                </a:gs>
+                <a:gs pos="50000">
+                  <a:schemeClr val="accent2">
+                    <a:lumMod val="75000"/>
+                    <a:shade val="67500"/>
+                    <a:satMod val="115000"/>
+                  </a:schemeClr>
+                </a:gs>
+                <a:gs pos="100000">
+                  <a:schemeClr val="accent2">
+                    <a:lumMod val="75000"/>
+                    <a:shade val="100000"/>
+                    <a:satMod val="115000"/>
+                  </a:schemeClr>
+                </a:gs>
+              </a:gsLst>
+              <a:path path="circle">
+                <a:fillToRect l="50000" t="50000" r="50000" b="50000"/>
+              </a:path>
+              <a:tileRect/>
+            </a:gradFill>
+          </p:spPr>
+          <p:style>
+            <a:lnRef idx="2">
+              <a:schemeClr val="accent1">
+                <a:shade val="50000"/>
+              </a:schemeClr>
+            </a:lnRef>
+            <a:fillRef idx="1">
+              <a:schemeClr val="accent1"/>
+            </a:fillRef>
+            <a:effectRef idx="0">
+              <a:schemeClr val="accent1"/>
+            </a:effectRef>
+            <a:fontRef idx="minor">
+              <a:schemeClr val="lt1"/>
+            </a:fontRef>
+          </p:style>
+          <p:txBody>
+            <a:bodyPr rtlCol="0" anchor="ctr"/>
+            <a:lstStyle/>
+            <a:p>
+              <a:pPr algn="ctr"/>
+              <a:endParaRPr lang="en-AU" sz="1200"/>
+            </a:p>
+          </p:txBody>
+        </p:sp>
+        <p:sp>
+          <p:nvSpPr>
+            <p:cNvPr id="20" name="Oval 19"/>
+            <p:cNvSpPr/>
+            <p:nvPr/>
+          </p:nvSpPr>
+          <p:spPr>
+            <a:xfrm>
+              <a:off x="4325251" y="726480"/>
+              <a:ext cx="416768" cy="416768"/>
+            </a:xfrm>
+            <a:prstGeom prst="ellipse">
+              <a:avLst/>
+            </a:prstGeom>
+            <a:gradFill flip="none" rotWithShape="1">
+              <a:gsLst>
+                <a:gs pos="0">
+                  <a:schemeClr val="tx2">
+                    <a:lumMod val="40000"/>
+                    <a:lumOff val="60000"/>
+                    <a:shade val="30000"/>
+                    <a:satMod val="115000"/>
+                  </a:schemeClr>
+                </a:gs>
+                <a:gs pos="50000">
+                  <a:schemeClr val="tx2">
+                    <a:lumMod val="40000"/>
+                    <a:lumOff val="60000"/>
+                    <a:shade val="67500"/>
+                    <a:satMod val="115000"/>
+                  </a:schemeClr>
+                </a:gs>
+                <a:gs pos="100000">
+                  <a:schemeClr val="tx2">
+                    <a:lumMod val="40000"/>
+                    <a:lumOff val="60000"/>
+                    <a:shade val="100000"/>
+                    <a:satMod val="115000"/>
+                  </a:schemeClr>
+                </a:gs>
+              </a:gsLst>
+              <a:lin ang="5400000" scaled="1"/>
+              <a:tileRect/>
+            </a:gradFill>
+          </p:spPr>
+          <p:style>
+            <a:lnRef idx="2">
+              <a:schemeClr val="accent1">
+                <a:shade val="50000"/>
+              </a:schemeClr>
+            </a:lnRef>
+            <a:fillRef idx="1">
+              <a:schemeClr val="accent1"/>
+            </a:fillRef>
+            <a:effectRef idx="0">
+              <a:schemeClr val="accent1"/>
+            </a:effectRef>
+            <a:fontRef idx="minor">
+              <a:schemeClr val="lt1"/>
+            </a:fontRef>
+          </p:style>
+          <p:txBody>
+            <a:bodyPr rtlCol="0" anchor="ctr"/>
+            <a:lstStyle/>
+            <a:p>
+              <a:pPr algn="ctr"/>
+              <a:endParaRPr lang="en-AU"/>
+            </a:p>
+          </p:txBody>
+        </p:sp>
+        <p:sp>
+          <p:nvSpPr>
+            <p:cNvPr id="21" name="Oval 20"/>
+            <p:cNvSpPr/>
+            <p:nvPr/>
+          </p:nvSpPr>
+          <p:spPr>
+            <a:xfrm>
+              <a:off x="4498632" y="783042"/>
+              <a:ext cx="375023" cy="375023"/>
+            </a:xfrm>
+            <a:prstGeom prst="ellipse">
+              <a:avLst/>
+            </a:prstGeom>
+            <a:gradFill flip="none" rotWithShape="1">
+              <a:gsLst>
+                <a:gs pos="0">
+                  <a:schemeClr val="accent2">
+                    <a:lumMod val="60000"/>
+                    <a:lumOff val="40000"/>
+                    <a:shade val="30000"/>
+                    <a:satMod val="115000"/>
+                  </a:schemeClr>
+                </a:gs>
+                <a:gs pos="50000">
+                  <a:schemeClr val="accent2">
+                    <a:lumMod val="60000"/>
+                    <a:lumOff val="40000"/>
+                    <a:shade val="67500"/>
+                    <a:satMod val="115000"/>
+                  </a:schemeClr>
+                </a:gs>
+                <a:gs pos="100000">
+                  <a:schemeClr val="accent2">
+                    <a:lumMod val="60000"/>
+                    <a:lumOff val="40000"/>
+                    <a:shade val="100000"/>
+                    <a:satMod val="115000"/>
+                  </a:schemeClr>
+                </a:gs>
+              </a:gsLst>
+              <a:lin ang="5400000" scaled="1"/>
+              <a:tileRect/>
+            </a:gradFill>
+          </p:spPr>
+          <p:style>
+            <a:lnRef idx="2">
+              <a:schemeClr val="accent1">
+                <a:shade val="50000"/>
+              </a:schemeClr>
+            </a:lnRef>
+            <a:fillRef idx="1">
+              <a:schemeClr val="accent1"/>
+            </a:fillRef>
+            <a:effectRef idx="0">
+              <a:schemeClr val="accent1"/>
+            </a:effectRef>
+            <a:fontRef idx="minor">
+              <a:schemeClr val="lt1"/>
+            </a:fontRef>
+          </p:style>
+          <p:txBody>
+            <a:bodyPr rtlCol="0" anchor="ctr"/>
+            <a:lstStyle/>
+            <a:p>
+              <a:pPr algn="ctr"/>
+              <a:endParaRPr lang="en-AU"/>
+            </a:p>
+          </p:txBody>
+        </p:sp>
+        <p:sp>
+          <p:nvSpPr>
+            <p:cNvPr id="22" name="Oval 21"/>
+            <p:cNvSpPr/>
+            <p:nvPr/>
+          </p:nvSpPr>
+          <p:spPr>
+            <a:xfrm>
+              <a:off x="4499956" y="918668"/>
+              <a:ext cx="270344" cy="270344"/>
+            </a:xfrm>
+            <a:prstGeom prst="ellipse">
+              <a:avLst/>
+            </a:prstGeom>
+          </p:spPr>
+          <p:style>
+            <a:lnRef idx="2">
+              <a:schemeClr val="accent1">
+                <a:shade val="50000"/>
+              </a:schemeClr>
+            </a:lnRef>
+            <a:fillRef idx="1">
+              <a:schemeClr val="accent1"/>
+            </a:fillRef>
+            <a:effectRef idx="0">
+              <a:schemeClr val="accent1"/>
+            </a:effectRef>
+            <a:fontRef idx="minor">
+              <a:schemeClr val="lt1"/>
+            </a:fontRef>
+          </p:style>
+          <p:txBody>
+            <a:bodyPr rtlCol="0" anchor="ctr"/>
+            <a:lstStyle/>
+            <a:p>
+              <a:pPr algn="ctr"/>
+              <a:endParaRPr lang="en-AU"/>
+            </a:p>
+          </p:txBody>
+        </p:sp>
+      </p:grpSp>
+      <p:grpSp>
+        <p:nvGrpSpPr>
+          <p:cNvPr id="15" name="Group 14"/>
+          <p:cNvGrpSpPr/>
+          <p:nvPr/>
+        </p:nvGrpSpPr>
+        <p:grpSpPr>
+          <a:xfrm>
+            <a:off x="4063116" y="179194"/>
+            <a:ext cx="1081378" cy="1129086"/>
+            <a:chOff x="4063116" y="-791770"/>
+            <a:chExt cx="1081378" cy="1129086"/>
+          </a:xfrm>
+        </p:grpSpPr>
+        <p:sp>
+          <p:nvSpPr>
+            <p:cNvPr id="4" name="Oval 3"/>
+            <p:cNvSpPr/>
+            <p:nvPr/>
+          </p:nvSpPr>
+          <p:spPr>
+            <a:xfrm>
+              <a:off x="4063116" y="-791770"/>
+              <a:ext cx="1081378" cy="1129086"/>
+            </a:xfrm>
+            <a:prstGeom prst="ellipse">
+              <a:avLst/>
+            </a:prstGeom>
+            <a:gradFill flip="none" rotWithShape="1">
+              <a:gsLst>
+                <a:gs pos="0">
+                  <a:schemeClr val="accent2">
+                    <a:lumMod val="75000"/>
+                    <a:shade val="30000"/>
+                    <a:satMod val="115000"/>
+                  </a:schemeClr>
+                </a:gs>
+                <a:gs pos="50000">
+                  <a:schemeClr val="accent2">
+                    <a:lumMod val="75000"/>
+                    <a:shade val="67500"/>
+                    <a:satMod val="115000"/>
+                  </a:schemeClr>
+                </a:gs>
+                <a:gs pos="100000">
+                  <a:schemeClr val="accent2">
+                    <a:lumMod val="75000"/>
+                    <a:shade val="100000"/>
+                    <a:satMod val="115000"/>
+                  </a:schemeClr>
+                </a:gs>
+              </a:gsLst>
+              <a:path path="circle">
+                <a:fillToRect l="50000" t="50000" r="50000" b="50000"/>
+              </a:path>
+              <a:tileRect/>
+            </a:gradFill>
+          </p:spPr>
+          <p:style>
+            <a:lnRef idx="2">
+              <a:schemeClr val="accent1">
+                <a:shade val="50000"/>
+              </a:schemeClr>
+            </a:lnRef>
+            <a:fillRef idx="1">
+              <a:schemeClr val="accent1"/>
+            </a:fillRef>
+            <a:effectRef idx="0">
+              <a:schemeClr val="accent1"/>
+            </a:effectRef>
+            <a:fontRef idx="minor">
+              <a:schemeClr val="lt1"/>
+            </a:fontRef>
+          </p:style>
+          <p:txBody>
+            <a:bodyPr rtlCol="0" anchor="ctr"/>
+            <a:lstStyle/>
+            <a:p>
+              <a:pPr algn="ctr"/>
+              <a:endParaRPr lang="en-AU" sz="1200"/>
+            </a:p>
+          </p:txBody>
+        </p:sp>
+        <p:sp>
+          <p:nvSpPr>
+            <p:cNvPr id="13" name="Oval 12"/>
+            <p:cNvSpPr/>
+            <p:nvPr/>
+          </p:nvSpPr>
+          <p:spPr>
+            <a:xfrm>
+              <a:off x="4325251" y="-244484"/>
+              <a:ext cx="416768" cy="416768"/>
+            </a:xfrm>
+            <a:prstGeom prst="ellipse">
+              <a:avLst/>
+            </a:prstGeom>
+            <a:gradFill flip="none" rotWithShape="1">
+              <a:gsLst>
+                <a:gs pos="0">
+                  <a:schemeClr val="tx2">
+                    <a:lumMod val="40000"/>
+                    <a:lumOff val="60000"/>
+                    <a:shade val="30000"/>
+                    <a:satMod val="115000"/>
+                  </a:schemeClr>
+                </a:gs>
+                <a:gs pos="50000">
+                  <a:schemeClr val="tx2">
+                    <a:lumMod val="40000"/>
+                    <a:lumOff val="60000"/>
+                    <a:shade val="67500"/>
+                    <a:satMod val="115000"/>
+                  </a:schemeClr>
+                </a:gs>
+                <a:gs pos="100000">
+                  <a:schemeClr val="tx2">
+                    <a:lumMod val="40000"/>
+                    <a:lumOff val="60000"/>
+                    <a:shade val="100000"/>
+                    <a:satMod val="115000"/>
+                  </a:schemeClr>
+                </a:gs>
+              </a:gsLst>
+              <a:lin ang="5400000" scaled="1"/>
+              <a:tileRect/>
+            </a:gradFill>
+          </p:spPr>
+          <p:style>
+            <a:lnRef idx="2">
+              <a:schemeClr val="accent1">
+                <a:shade val="50000"/>
+              </a:schemeClr>
+            </a:lnRef>
+            <a:fillRef idx="1">
+              <a:schemeClr val="accent1"/>
+            </a:fillRef>
+            <a:effectRef idx="0">
+              <a:schemeClr val="accent1"/>
+            </a:effectRef>
+            <a:fontRef idx="minor">
+              <a:schemeClr val="lt1"/>
+            </a:fontRef>
+          </p:style>
+          <p:txBody>
+            <a:bodyPr rtlCol="0" anchor="ctr"/>
+            <a:lstStyle/>
+            <a:p>
+              <a:pPr algn="ctr"/>
+              <a:endParaRPr lang="en-AU"/>
+            </a:p>
+          </p:txBody>
+        </p:sp>
+        <p:sp>
+          <p:nvSpPr>
+            <p:cNvPr id="8" name="Oval 7"/>
+            <p:cNvSpPr/>
+            <p:nvPr/>
+          </p:nvSpPr>
+          <p:spPr>
+            <a:xfrm>
+              <a:off x="4498632" y="-187922"/>
+              <a:ext cx="375023" cy="375023"/>
+            </a:xfrm>
+            <a:prstGeom prst="ellipse">
+              <a:avLst/>
+            </a:prstGeom>
+            <a:gradFill flip="none" rotWithShape="1">
+              <a:gsLst>
+                <a:gs pos="0">
+                  <a:schemeClr val="accent2">
+                    <a:lumMod val="60000"/>
+                    <a:lumOff val="40000"/>
+                    <a:shade val="30000"/>
+                    <a:satMod val="115000"/>
+                  </a:schemeClr>
+                </a:gs>
+                <a:gs pos="50000">
+                  <a:schemeClr val="accent2">
+                    <a:lumMod val="60000"/>
+                    <a:lumOff val="40000"/>
+                    <a:shade val="67500"/>
+                    <a:satMod val="115000"/>
+                  </a:schemeClr>
+                </a:gs>
+                <a:gs pos="100000">
+                  <a:schemeClr val="accent2">
+                    <a:lumMod val="60000"/>
+                    <a:lumOff val="40000"/>
+                    <a:shade val="100000"/>
+                    <a:satMod val="115000"/>
+                  </a:schemeClr>
+                </a:gs>
+              </a:gsLst>
+              <a:lin ang="5400000" scaled="1"/>
+              <a:tileRect/>
+            </a:gradFill>
+          </p:spPr>
+          <p:style>
+            <a:lnRef idx="2">
+              <a:schemeClr val="accent1">
+                <a:shade val="50000"/>
+              </a:schemeClr>
+            </a:lnRef>
+            <a:fillRef idx="1">
+              <a:schemeClr val="accent1"/>
+            </a:fillRef>
+            <a:effectRef idx="0">
+              <a:schemeClr val="accent1"/>
+            </a:effectRef>
+            <a:fontRef idx="minor">
+              <a:schemeClr val="lt1"/>
+            </a:fontRef>
+          </p:style>
+          <p:txBody>
+            <a:bodyPr rtlCol="0" anchor="ctr"/>
+            <a:lstStyle/>
+            <a:p>
+              <a:pPr algn="ctr"/>
+              <a:endParaRPr lang="en-AU"/>
+            </a:p>
+          </p:txBody>
+        </p:sp>
+        <p:sp>
+          <p:nvSpPr>
+            <p:cNvPr id="9" name="Oval 8"/>
+            <p:cNvSpPr/>
+            <p:nvPr/>
+          </p:nvSpPr>
+          <p:spPr>
+            <a:xfrm>
+              <a:off x="4499956" y="-52296"/>
+              <a:ext cx="270344" cy="270344"/>
+            </a:xfrm>
+            <a:prstGeom prst="ellipse">
+              <a:avLst/>
+            </a:prstGeom>
+          </p:spPr>
+          <p:style>
+            <a:lnRef idx="2">
+              <a:schemeClr val="accent1">
+                <a:shade val="50000"/>
+              </a:schemeClr>
+            </a:lnRef>
+            <a:fillRef idx="1">
+              <a:schemeClr val="accent1"/>
+            </a:fillRef>
+            <a:effectRef idx="0">
+              <a:schemeClr val="accent1"/>
+            </a:effectRef>
+            <a:fontRef idx="minor">
+              <a:schemeClr val="lt1"/>
+            </a:fontRef>
+          </p:style>
+          <p:txBody>
+            <a:bodyPr rtlCol="0" anchor="ctr"/>
+            <a:lstStyle/>
+            <a:p>
+              <a:pPr algn="ctr"/>
+              <a:endParaRPr lang="en-AU"/>
+            </a:p>
+          </p:txBody>
+        </p:sp>
+      </p:grpSp>
+      <p:sp>
+        <p:nvSpPr>
+          <p:cNvPr id="62" name="TextBox 61"/>
+          <p:cNvSpPr txBox="1"/>
+          <p:nvPr/>
+        </p:nvSpPr>
+        <p:spPr>
+          <a:xfrm>
+            <a:off x="6639339" y="179194"/>
+            <a:ext cx="2941983" cy="830997"/>
+          </a:xfrm>
+          <a:prstGeom prst="rect">
+            <a:avLst/>
+          </a:prstGeom>
+          <a:noFill/>
+        </p:spPr>
+        <p:txBody>
+          <a:bodyPr wrap="square" rtlCol="0">
+            <a:spAutoFit/>
+          </a:bodyPr>
+          <a:lstStyle/>
+          <a:p>
+            <a:pPr algn="ctr"/>
+            <a:r>
+              <a:rPr lang="en-AU" sz="3200" b="1">
+                <a:ln w="0"/>
+                <a:gradFill>
+                  <a:gsLst>
+                    <a:gs pos="0">
+                      <a:schemeClr val="accent5">
+                        <a:lumMod val="50000"/>
+                      </a:schemeClr>
+                    </a:gs>
+                    <a:gs pos="50000">
+                      <a:schemeClr val="accent5"/>
+                    </a:gs>
+                    <a:gs pos="100000">
+                      <a:schemeClr val="accent5">
+                        <a:lumMod val="60000"/>
+                        <a:lumOff val="40000"/>
+                      </a:schemeClr>
+                    </a:gs>
+                  </a:gsLst>
+                  <a:lin ang="5400000"/>
+                </a:gradFill>
+                <a:effectLst>
+                  <a:reflection blurRad="6350" stA="53000" endA="300" endPos="35500" dir="5400000" sy="-90000" algn="bl" rotWithShape="0"/>
+                </a:effectLst>
+              </a:rPr>
+              <a:t>Refresh Views</a:t>
+            </a:r>
+          </a:p>
+          <a:p>
+            <a:pPr algn="ctr"/>
+            <a:r>
+              <a:rPr lang="en-AU" sz="1600" b="1">
+                <a:ln w="0"/>
+                <a:solidFill>
+                  <a:srgbClr val="0070C0"/>
+                </a:solidFill>
+                <a:effectLst>
+                  <a:reflection blurRad="6350" stA="53000" endA="300" endPos="35500" dir="5400000" sy="-90000" algn="bl" rotWithShape="0"/>
+                </a:effectLst>
+              </a:rPr>
+              <a:t>shard_refresh.sh</a:t>
+            </a:r>
+          </a:p>
+        </p:txBody>
+      </p:sp>
+      <p:cxnSp>
+        <p:nvCxnSpPr>
+          <p:cNvPr id="31" name="Straight Arrow Connector 30"/>
+          <p:cNvCxnSpPr>
+            <a:stCxn id="4" idx="4"/>
+          </p:cNvCxnSpPr>
+          <p:nvPr/>
+        </p:nvCxnSpPr>
+        <p:spPr>
+          <a:xfrm>
+            <a:off x="4603805" y="1308280"/>
+            <a:ext cx="9280" cy="1095913"/>
+          </a:xfrm>
+          <a:prstGeom prst="straightConnector1">
+            <a:avLst/>
+          </a:prstGeom>
+          <a:ln>
+            <a:tailEnd type="triangle"/>
+          </a:ln>
+        </p:spPr>
+        <p:style>
+          <a:lnRef idx="1">
+            <a:schemeClr val="accent1"/>
+          </a:lnRef>
+          <a:fillRef idx="0">
+            <a:schemeClr val="accent1"/>
+          </a:fillRef>
+          <a:effectRef idx="0">
+            <a:schemeClr val="accent1"/>
+          </a:effectRef>
+          <a:fontRef idx="minor">
+            <a:schemeClr val="tx1"/>
+          </a:fontRef>
+        </p:style>
+      </p:cxnSp>
+      <p:sp>
+        <p:nvSpPr>
+          <p:cNvPr id="14" name="TextBox 13"/>
+          <p:cNvSpPr txBox="1"/>
+          <p:nvPr/>
+        </p:nvSpPr>
+        <p:spPr>
+          <a:xfrm>
+            <a:off x="4215075" y="368048"/>
+            <a:ext cx="1136107" cy="307777"/>
+          </a:xfrm>
+          <a:prstGeom prst="rect">
+            <a:avLst/>
+          </a:prstGeom>
+          <a:noFill/>
+        </p:spPr>
+        <p:txBody>
+          <a:bodyPr wrap="square" rtlCol="0">
+            <a:spAutoFit/>
+          </a:bodyPr>
+          <a:lstStyle/>
+          <a:p>
+            <a:r>
+              <a:rPr lang="en-AU" sz="1400" b="1">
+                <a:solidFill>
+                  <a:schemeClr val="bg1"/>
+                </a:solidFill>
+              </a:rPr>
+              <a:t>TSV File</a:t>
+            </a:r>
+          </a:p>
+        </p:txBody>
+      </p:sp>
+      <p:sp>
+        <p:nvSpPr>
+          <p:cNvPr id="17" name="TextBox 16">
+            <a:extLst>
+              <a:ext uri="{FF2B5EF4-FFF2-40B4-BE49-F238E27FC236}">
+                <a16:creationId xmlns:a16="http://schemas.microsoft.com/office/drawing/2014/main" id="{E0B517B7-8D83-4DD0-AF02-57D3FD5ED50D}"/>
+              </a:ext>
+            </a:extLst>
+          </p:cNvPr>
+          <p:cNvSpPr txBox="1"/>
+          <p:nvPr/>
+        </p:nvSpPr>
+        <p:spPr>
+          <a:xfrm>
+            <a:off x="4157610" y="2678513"/>
+            <a:ext cx="899420" cy="276999"/>
+          </a:xfrm>
+          <a:prstGeom prst="rect">
+            <a:avLst/>
+          </a:prstGeom>
+          <a:noFill/>
+        </p:spPr>
+        <p:txBody>
+          <a:bodyPr wrap="square" rtlCol="0">
+            <a:spAutoFit/>
+          </a:bodyPr>
+          <a:lstStyle/>
+          <a:p>
+            <a:pPr algn="ctr"/>
+            <a:r>
+              <a:rPr lang="en-AU" sz="1200" b="1"/>
+              <a:t>ingest.sh</a:t>
+            </a:r>
+            <a:endParaRPr lang="en-GB" sz="1200" b="1"/>
+          </a:p>
+        </p:txBody>
+      </p:sp>
+      <p:sp>
+        <p:nvSpPr>
+          <p:cNvPr id="76" name="TextBox 75">
+            <a:extLst>
+              <a:ext uri="{FF2B5EF4-FFF2-40B4-BE49-F238E27FC236}">
+                <a16:creationId xmlns:a16="http://schemas.microsoft.com/office/drawing/2014/main" id="{57DBBE85-162F-48F4-B934-0B945A81156B}"/>
+              </a:ext>
+            </a:extLst>
+          </p:cNvPr>
+          <p:cNvSpPr txBox="1"/>
+          <p:nvPr/>
+        </p:nvSpPr>
+        <p:spPr>
+          <a:xfrm>
+            <a:off x="8363443" y="4460798"/>
+            <a:ext cx="3057244" cy="415498"/>
+          </a:xfrm>
+          <a:prstGeom prst="rect">
+            <a:avLst/>
+          </a:prstGeom>
+          <a:solidFill>
+            <a:schemeClr val="bg1"/>
+          </a:solidFill>
+          <a:ln>
+            <a:solidFill>
+              <a:schemeClr val="accent1">
+                <a:shade val="50000"/>
+              </a:schemeClr>
+            </a:solidFill>
+          </a:ln>
+        </p:spPr>
+        <p:txBody>
+          <a:bodyPr wrap="square" rtlCol="0">
+            <a:spAutoFit/>
+          </a:bodyPr>
+          <a:lstStyle>
+            <a:defPPr>
+              <a:defRPr lang="en-US"/>
+            </a:defPPr>
+            <a:lvl1pPr marL="171450" indent="-171450">
+              <a:buFontTx/>
+              <a:buChar char="-"/>
+              <a:defRPr sz="700"/>
+            </a:lvl1pPr>
+          </a:lstStyle>
+          <a:p>
+            <a:pPr marL="0" indent="0">
+              <a:buNone/>
+            </a:pPr>
+            <a:r>
+              <a:rPr lang="en-US"/>
+              <a:t>fi_hash | fi_parent | fi_name | fi_size | fi_ctime | fi_mtime | fi_atime | fi_mode | fi_inode | fi_uid | fi_gid | fi_user | fi_group</a:t>
+            </a:r>
+            <a:br>
+              <a:rPr lang="en-US"/>
+            </a:br>
+            <a:r>
+              <a:rPr lang="en-US"/>
+              <a:t>(0 rows)</a:t>
+            </a:r>
+            <a:endParaRPr lang="en-AU"/>
+          </a:p>
+        </p:txBody>
+      </p:sp>
+      <p:sp>
+        <p:nvSpPr>
+          <p:cNvPr id="36" name="TextBox 35">
+            <a:extLst>
+              <a:ext uri="{FF2B5EF4-FFF2-40B4-BE49-F238E27FC236}">
+                <a16:creationId xmlns:a16="http://schemas.microsoft.com/office/drawing/2014/main" id="{6D42E992-8766-45E7-8357-1475D4F44FC7}"/>
+              </a:ext>
+            </a:extLst>
+          </p:cNvPr>
+          <p:cNvSpPr txBox="1"/>
+          <p:nvPr/>
+        </p:nvSpPr>
+        <p:spPr>
+          <a:xfrm>
+            <a:off x="2878377" y="3171096"/>
+            <a:ext cx="1122665" cy="307777"/>
+          </a:xfrm>
+          <a:prstGeom prst="rect">
+            <a:avLst/>
+          </a:prstGeom>
+          <a:noFill/>
+        </p:spPr>
+        <p:txBody>
+          <a:bodyPr wrap="square" rtlCol="0">
+            <a:spAutoFit/>
+          </a:bodyPr>
+          <a:lstStyle/>
+          <a:p>
+            <a:r>
+              <a:rPr lang="en-AU" sz="1400" b="1">
+                <a:solidFill>
+                  <a:schemeClr val="bg1"/>
+                </a:solidFill>
+              </a:rPr>
+              <a:t>mas:ingest</a:t>
+            </a:r>
+            <a:endParaRPr lang="en-GB" sz="1400" b="1">
+              <a:solidFill>
+                <a:schemeClr val="bg1"/>
+              </a:solidFill>
+            </a:endParaRPr>
+          </a:p>
+        </p:txBody>
+      </p:sp>
+      <p:sp>
+        <p:nvSpPr>
+          <p:cNvPr id="82" name="TextBox 81">
+            <a:extLst>
+              <a:ext uri="{FF2B5EF4-FFF2-40B4-BE49-F238E27FC236}">
+                <a16:creationId xmlns:a16="http://schemas.microsoft.com/office/drawing/2014/main" id="{E48DB448-AFB1-495E-A807-F5FBD6577BD5}"/>
+              </a:ext>
+            </a:extLst>
+          </p:cNvPr>
+          <p:cNvSpPr txBox="1"/>
+          <p:nvPr/>
+        </p:nvSpPr>
+        <p:spPr>
+          <a:xfrm>
+            <a:off x="299585" y="1907455"/>
+            <a:ext cx="734325" cy="215444"/>
+          </a:xfrm>
+          <a:prstGeom prst="rect">
+            <a:avLst/>
+          </a:prstGeom>
+          <a:noFill/>
+          <a:ln>
+            <a:noFill/>
+          </a:ln>
+        </p:spPr>
+        <p:txBody>
+          <a:bodyPr wrap="square" rtlCol="0">
+            <a:spAutoFit/>
+          </a:bodyPr>
+          <a:lstStyle>
+            <a:defPPr>
+              <a:defRPr lang="en-US"/>
+            </a:defPPr>
+            <a:lvl1pPr>
+              <a:defRPr sz="900"/>
+            </a:lvl1pPr>
+          </a:lstStyle>
+          <a:p>
+            <a:pPr algn="ctr"/>
+            <a:r>
+              <a:rPr lang="en-AU" sz="800"/>
+              <a:t>polygons</a:t>
+            </a:r>
+          </a:p>
+        </p:txBody>
+      </p:sp>
+      <p:sp>
+        <p:nvSpPr>
+          <p:cNvPr id="88" name="TextBox 87">
+            <a:extLst>
+              <a:ext uri="{FF2B5EF4-FFF2-40B4-BE49-F238E27FC236}">
+                <a16:creationId xmlns:a16="http://schemas.microsoft.com/office/drawing/2014/main" id="{7D92957F-4579-41DD-BA62-E7B1F0280A98}"/>
+              </a:ext>
+            </a:extLst>
+          </p:cNvPr>
+          <p:cNvSpPr txBox="1"/>
+          <p:nvPr/>
+        </p:nvSpPr>
+        <p:spPr>
+          <a:xfrm>
+            <a:off x="299585" y="5369519"/>
+            <a:ext cx="734325" cy="338554"/>
+          </a:xfrm>
+          <a:prstGeom prst="rect">
+            <a:avLst/>
+          </a:prstGeom>
+          <a:noFill/>
+          <a:ln>
+            <a:noFill/>
+          </a:ln>
+        </p:spPr>
+        <p:txBody>
+          <a:bodyPr wrap="square" rtlCol="0">
+            <a:spAutoFit/>
+          </a:bodyPr>
+          <a:lstStyle>
+            <a:defPPr>
+              <a:defRPr lang="en-US"/>
+            </a:defPPr>
+            <a:lvl1pPr>
+              <a:defRPr sz="900"/>
+            </a:lvl1pPr>
+          </a:lstStyle>
+          <a:p>
+            <a:r>
+              <a:rPr lang="en-AU" sz="800"/>
+              <a:t>nci_spatial_ref_sys</a:t>
+            </a:r>
+          </a:p>
+        </p:txBody>
+      </p:sp>
+      <p:sp>
+        <p:nvSpPr>
+          <p:cNvPr id="89" name="TextBox 88">
+            <a:extLst>
+              <a:ext uri="{FF2B5EF4-FFF2-40B4-BE49-F238E27FC236}">
+                <a16:creationId xmlns:a16="http://schemas.microsoft.com/office/drawing/2014/main" id="{CC10D1D5-9717-4075-93C3-F1BE3531F8BD}"/>
+              </a:ext>
+            </a:extLst>
+          </p:cNvPr>
+          <p:cNvSpPr txBox="1"/>
+          <p:nvPr/>
+        </p:nvSpPr>
+        <p:spPr>
+          <a:xfrm>
+            <a:off x="238834" y="4045971"/>
+            <a:ext cx="2526648" cy="923330"/>
+          </a:xfrm>
+          <a:prstGeom prst="rect">
+            <a:avLst/>
+          </a:prstGeom>
+          <a:solidFill>
+            <a:schemeClr val="bg1"/>
+          </a:solidFill>
+          <a:ln>
+            <a:solidFill>
+              <a:schemeClr val="accent1">
+                <a:shade val="50000"/>
+              </a:schemeClr>
+            </a:solidFill>
+          </a:ln>
+        </p:spPr>
+        <p:txBody>
+          <a:bodyPr wrap="square" rtlCol="0">
+            <a:spAutoFit/>
+          </a:bodyPr>
+          <a:lstStyle>
+            <a:defPPr>
+              <a:defRPr lang="en-US"/>
+            </a:defPPr>
+            <a:lvl1pPr>
+              <a:defRPr sz="900"/>
+            </a:lvl1pPr>
+          </a:lstStyle>
+          <a:p>
+            <a:r>
+              <a:rPr lang="en-US" sz="600"/>
+              <a:t>100000 </a:t>
+            </a:r>
+            <a:r>
+              <a:rPr lang="en-US" sz="600">
+                <a:solidFill>
+                  <a:srgbClr val="FF0000"/>
+                </a:solidFill>
+              </a:rPr>
+              <a:t>|</a:t>
+            </a:r>
+            <a:r>
+              <a:rPr lang="en-US" sz="600"/>
+              <a:t> NCI </a:t>
+            </a:r>
+            <a:r>
+              <a:rPr lang="en-US" sz="600">
+                <a:solidFill>
+                  <a:srgbClr val="FF0000"/>
+                </a:solidFill>
+              </a:rPr>
+              <a:t>|</a:t>
+            </a:r>
+            <a:r>
+              <a:rPr lang="en-US" sz="600"/>
+              <a:t>  PROJCS["unnamed",GEOGCS["Unknown datum",DATUM["Not specified",SPHEROID["Custom spheroid",6371007.181,0]],PRIMEM["Greenwich",0],UNIT["degree",0.0174532925199433]],PROJECTION["Sinusoidal"],PARAMETER["longitude_of_center",0],PARAMETER["false_easting",0],PARAMETER["false_northing",0],UNIT["Meter",1]] </a:t>
+            </a:r>
+            <a:r>
+              <a:rPr lang="en-US" sz="600">
+                <a:solidFill>
+                  <a:srgbClr val="FF0000"/>
+                </a:solidFill>
+              </a:rPr>
+              <a:t>|</a:t>
+            </a:r>
+            <a:r>
+              <a:rPr lang="en-US" sz="600"/>
+              <a:t> +proj=sinu +lon_0=0 +x_0=0 +y_0=0+a=6371007.181 +b=6371007.181 +units=m +no_defs</a:t>
+            </a:r>
+            <a:endParaRPr lang="en-AU" sz="600"/>
+          </a:p>
+          <a:p>
+            <a:r>
+              <a:rPr lang="en-US" sz="600"/>
+              <a:t>(1 row)</a:t>
+            </a:r>
+            <a:endParaRPr lang="en-AU" sz="600"/>
+          </a:p>
+        </p:txBody>
+      </p:sp>
+      <p:sp>
+        <p:nvSpPr>
+          <p:cNvPr id="91" name="TextBox 90">
+            <a:extLst>
+              <a:ext uri="{FF2B5EF4-FFF2-40B4-BE49-F238E27FC236}">
+                <a16:creationId xmlns:a16="http://schemas.microsoft.com/office/drawing/2014/main" id="{FAA86534-6EA4-44AB-8B4E-BCB05B275013}"/>
+              </a:ext>
+            </a:extLst>
+          </p:cNvPr>
+          <p:cNvSpPr txBox="1"/>
+          <p:nvPr/>
+        </p:nvSpPr>
+        <p:spPr>
+          <a:xfrm>
+            <a:off x="238834" y="3824766"/>
+            <a:ext cx="2526648" cy="215444"/>
+          </a:xfrm>
+          <a:prstGeom prst="rect">
+            <a:avLst/>
+          </a:prstGeom>
+          <a:gradFill flip="none" rotWithShape="1">
+            <a:gsLst>
+              <a:gs pos="0">
+                <a:schemeClr val="accent6">
+                  <a:lumMod val="60000"/>
+                  <a:lumOff val="40000"/>
+                  <a:shade val="30000"/>
+                  <a:satMod val="115000"/>
+                </a:schemeClr>
+              </a:gs>
+              <a:gs pos="50000">
+                <a:schemeClr val="accent6">
+                  <a:lumMod val="60000"/>
+                  <a:lumOff val="40000"/>
+                  <a:shade val="67500"/>
+                  <a:satMod val="115000"/>
+                </a:schemeClr>
+              </a:gs>
+              <a:gs pos="100000">
+                <a:schemeClr val="accent6">
+                  <a:lumMod val="60000"/>
+                  <a:lumOff val="40000"/>
+                  <a:shade val="100000"/>
+                  <a:satMod val="115000"/>
+                </a:schemeClr>
+              </a:gs>
+            </a:gsLst>
+            <a:lin ang="16200000" scaled="1"/>
+            <a:tileRect/>
+          </a:gradFill>
+          <a:ln>
+            <a:solidFill>
+              <a:schemeClr val="accent1">
+                <a:shade val="50000"/>
+              </a:schemeClr>
+            </a:solidFill>
+          </a:ln>
+        </p:spPr>
+        <p:txBody>
+          <a:bodyPr wrap="square" rtlCol="0">
+            <a:spAutoFit/>
+          </a:bodyPr>
+          <a:lstStyle>
+            <a:defPPr>
+              <a:defRPr lang="en-US"/>
+            </a:defPPr>
+            <a:lvl1pPr>
+              <a:defRPr sz="900"/>
+            </a:lvl1pPr>
+          </a:lstStyle>
+          <a:p>
+            <a:endParaRPr lang="en-AU" sz="800"/>
+          </a:p>
+        </p:txBody>
+      </p:sp>
+      <p:sp>
+        <p:nvSpPr>
+          <p:cNvPr id="92" name="TextBox 91">
+            <a:extLst>
+              <a:ext uri="{FF2B5EF4-FFF2-40B4-BE49-F238E27FC236}">
+                <a16:creationId xmlns:a16="http://schemas.microsoft.com/office/drawing/2014/main" id="{22C79322-B143-4F38-8633-C9DE86B64200}"/>
+              </a:ext>
+            </a:extLst>
+          </p:cNvPr>
+          <p:cNvSpPr txBox="1"/>
+          <p:nvPr/>
+        </p:nvSpPr>
+        <p:spPr>
+          <a:xfrm>
+            <a:off x="7273571" y="2211803"/>
+            <a:ext cx="1077040" cy="369332"/>
+          </a:xfrm>
+          <a:prstGeom prst="rect">
+            <a:avLst/>
+          </a:prstGeom>
+          <a:noFill/>
+          <a:ln>
+            <a:noFill/>
+          </a:ln>
+        </p:spPr>
+        <p:txBody>
+          <a:bodyPr wrap="square" rtlCol="0">
+            <a:spAutoFit/>
+          </a:bodyPr>
+          <a:lstStyle/>
+          <a:p>
+            <a:pPr algn="ctr"/>
+            <a:r>
+              <a:rPr lang="en-AU" sz="900" b="1"/>
+              <a:t>Materialized Views</a:t>
+            </a:r>
+            <a:endParaRPr lang="en-GB" sz="900" b="1"/>
+          </a:p>
+        </p:txBody>
+      </p:sp>
+      <p:sp>
+        <p:nvSpPr>
+          <p:cNvPr id="60" name="TextBox 59">
+            <a:extLst>
+              <a:ext uri="{FF2B5EF4-FFF2-40B4-BE49-F238E27FC236}">
+                <a16:creationId xmlns:a16="http://schemas.microsoft.com/office/drawing/2014/main" id="{B0EE8416-A2EA-455A-9966-E584E318ACEE}"/>
+              </a:ext>
+            </a:extLst>
+          </p:cNvPr>
+          <p:cNvSpPr txBox="1"/>
+          <p:nvPr/>
+        </p:nvSpPr>
+        <p:spPr>
+          <a:xfrm>
+            <a:off x="5496756" y="4256118"/>
+            <a:ext cx="1044486" cy="246221"/>
+          </a:xfrm>
+          <a:prstGeom prst="rect">
+            <a:avLst/>
+          </a:prstGeom>
+          <a:noFill/>
+        </p:spPr>
+        <p:txBody>
+          <a:bodyPr wrap="square" rtlCol="0">
+            <a:spAutoFit/>
+          </a:bodyPr>
+          <a:lstStyle/>
+          <a:p>
+            <a:r>
+              <a:rPr lang="en-AU" sz="1000" b="1">
+                <a:solidFill>
+                  <a:srgbClr val="FFC000"/>
+                </a:solidFill>
+                <a:cs typeface="Arial" panose="020B0604020202020204" pitchFamily="34" charset="0"/>
+              </a:rPr>
+              <a:t>refresh_views</a:t>
+            </a:r>
+          </a:p>
+        </p:txBody>
+      </p:sp>
+      <p:sp>
+        <p:nvSpPr>
+          <p:cNvPr id="66" name="TextBox 65">
+            <a:extLst>
+              <a:ext uri="{FF2B5EF4-FFF2-40B4-BE49-F238E27FC236}">
+                <a16:creationId xmlns:a16="http://schemas.microsoft.com/office/drawing/2014/main" id="{4BB2CA95-1E94-4594-923F-14B9803A3193}"/>
+              </a:ext>
+            </a:extLst>
+          </p:cNvPr>
+          <p:cNvSpPr txBox="1"/>
+          <p:nvPr/>
+        </p:nvSpPr>
+        <p:spPr>
+          <a:xfrm>
+            <a:off x="8363443" y="4252304"/>
+            <a:ext cx="3057244" cy="200055"/>
+          </a:xfrm>
+          <a:prstGeom prst="rect">
+            <a:avLst/>
+          </a:prstGeom>
+          <a:gradFill flip="none" rotWithShape="1">
+            <a:gsLst>
+              <a:gs pos="0">
+                <a:schemeClr val="accent6">
+                  <a:lumMod val="60000"/>
+                  <a:lumOff val="40000"/>
+                  <a:shade val="30000"/>
+                  <a:satMod val="115000"/>
+                </a:schemeClr>
+              </a:gs>
+              <a:gs pos="50000">
+                <a:schemeClr val="accent6">
+                  <a:lumMod val="60000"/>
+                  <a:lumOff val="40000"/>
+                  <a:shade val="67500"/>
+                  <a:satMod val="115000"/>
+                </a:schemeClr>
+              </a:gs>
+              <a:gs pos="100000">
+                <a:schemeClr val="accent6">
+                  <a:lumMod val="60000"/>
+                  <a:lumOff val="40000"/>
+                  <a:shade val="100000"/>
+                  <a:satMod val="115000"/>
+                </a:schemeClr>
+              </a:gs>
+            </a:gsLst>
+            <a:lin ang="16200000" scaled="1"/>
+            <a:tileRect/>
+          </a:gradFill>
+          <a:ln>
+            <a:solidFill>
+              <a:schemeClr val="accent1">
+                <a:shade val="50000"/>
+              </a:schemeClr>
+            </a:solidFill>
+          </a:ln>
+        </p:spPr>
+        <p:txBody>
+          <a:bodyPr wrap="square" rtlCol="0">
+            <a:spAutoFit/>
+          </a:bodyPr>
+          <a:lstStyle>
+            <a:defPPr>
+              <a:defRPr lang="en-US"/>
+            </a:defPPr>
+            <a:lvl1pPr>
+              <a:defRPr sz="700" b="1"/>
+            </a:lvl1pPr>
+          </a:lstStyle>
+          <a:p>
+            <a:r>
+              <a:rPr lang="en-US"/>
+              <a:t>refresh materialized view files</a:t>
+            </a:r>
+            <a:endParaRPr lang="en-AU"/>
+          </a:p>
+        </p:txBody>
+      </p:sp>
+      <p:sp>
+        <p:nvSpPr>
+          <p:cNvPr id="67" name="TextBox 66">
+            <a:extLst>
+              <a:ext uri="{FF2B5EF4-FFF2-40B4-BE49-F238E27FC236}">
+                <a16:creationId xmlns:a16="http://schemas.microsoft.com/office/drawing/2014/main" id="{FE667781-4B4F-4A9D-A4A2-C549362FEF72}"/>
+              </a:ext>
+            </a:extLst>
+          </p:cNvPr>
+          <p:cNvSpPr txBox="1"/>
+          <p:nvPr/>
+        </p:nvSpPr>
+        <p:spPr>
+          <a:xfrm>
+            <a:off x="8363443" y="3714700"/>
+            <a:ext cx="3057244" cy="415498"/>
+          </a:xfrm>
+          <a:prstGeom prst="rect">
+            <a:avLst/>
+          </a:prstGeom>
+          <a:solidFill>
+            <a:schemeClr val="bg1"/>
+          </a:solidFill>
+          <a:ln>
+            <a:solidFill>
+              <a:schemeClr val="accent1">
+                <a:shade val="50000"/>
+              </a:schemeClr>
+            </a:solidFill>
+          </a:ln>
+        </p:spPr>
+        <p:txBody>
+          <a:bodyPr wrap="square" rtlCol="0">
+            <a:spAutoFit/>
+          </a:bodyPr>
+          <a:lstStyle>
+            <a:defPPr>
+              <a:defRPr lang="en-US"/>
+            </a:defPPr>
+            <a:lvl1pPr marL="171450" indent="-171450">
+              <a:buFontTx/>
+              <a:buChar char="-"/>
+              <a:defRPr sz="700"/>
+            </a:lvl1pPr>
+          </a:lstStyle>
+          <a:p>
+            <a:pPr marL="0" indent="0">
+              <a:buNone/>
+            </a:pPr>
+            <a:r>
+              <a:rPr lang="en-US"/>
+              <a:t>li_hash | li_parent | li_name | li_ctime | li_mtime | li_atime | li_inode | li_uid | li_gid | li_user | li_group | li_intact | li_target</a:t>
+            </a:r>
+            <a:br>
+              <a:rPr lang="en-US"/>
+            </a:br>
+            <a:r>
+              <a:rPr lang="en-US"/>
+              <a:t>(0 rows)</a:t>
+            </a:r>
+            <a:endParaRPr lang="en-AU"/>
+          </a:p>
+        </p:txBody>
+      </p:sp>
+      <p:sp>
+        <p:nvSpPr>
+          <p:cNvPr id="68" name="TextBox 67">
+            <a:extLst>
+              <a:ext uri="{FF2B5EF4-FFF2-40B4-BE49-F238E27FC236}">
+                <a16:creationId xmlns:a16="http://schemas.microsoft.com/office/drawing/2014/main" id="{7D93950D-72F4-470C-98F9-36A29C3F2A32}"/>
+              </a:ext>
+            </a:extLst>
+          </p:cNvPr>
+          <p:cNvSpPr txBox="1"/>
+          <p:nvPr/>
+        </p:nvSpPr>
+        <p:spPr>
+          <a:xfrm>
+            <a:off x="8363443" y="3506206"/>
+            <a:ext cx="3057244" cy="200055"/>
+          </a:xfrm>
+          <a:prstGeom prst="rect">
+            <a:avLst/>
+          </a:prstGeom>
+          <a:gradFill flip="none" rotWithShape="1">
+            <a:gsLst>
+              <a:gs pos="0">
+                <a:schemeClr val="accent6">
+                  <a:lumMod val="60000"/>
+                  <a:lumOff val="40000"/>
+                  <a:shade val="30000"/>
+                  <a:satMod val="115000"/>
+                </a:schemeClr>
+              </a:gs>
+              <a:gs pos="50000">
+                <a:schemeClr val="accent6">
+                  <a:lumMod val="60000"/>
+                  <a:lumOff val="40000"/>
+                  <a:shade val="67500"/>
+                  <a:satMod val="115000"/>
+                </a:schemeClr>
+              </a:gs>
+              <a:gs pos="100000">
+                <a:schemeClr val="accent6">
+                  <a:lumMod val="60000"/>
+                  <a:lumOff val="40000"/>
+                  <a:shade val="100000"/>
+                  <a:satMod val="115000"/>
+                </a:schemeClr>
+              </a:gs>
+            </a:gsLst>
+            <a:lin ang="16200000" scaled="1"/>
+            <a:tileRect/>
+          </a:gradFill>
+          <a:ln>
+            <a:solidFill>
+              <a:schemeClr val="accent1">
+                <a:shade val="50000"/>
+              </a:schemeClr>
+            </a:solidFill>
+          </a:ln>
+        </p:spPr>
+        <p:txBody>
+          <a:bodyPr wrap="square" rtlCol="0">
+            <a:spAutoFit/>
+          </a:bodyPr>
+          <a:lstStyle>
+            <a:defPPr>
+              <a:defRPr lang="en-US"/>
+            </a:defPPr>
+            <a:lvl1pPr>
+              <a:defRPr sz="700" b="1"/>
+            </a:lvl1pPr>
+          </a:lstStyle>
+          <a:p>
+            <a:r>
+              <a:rPr lang="en-US"/>
+              <a:t>refresh materialized view links</a:t>
+            </a:r>
+            <a:endParaRPr lang="en-AU"/>
+          </a:p>
+        </p:txBody>
+      </p:sp>
+      <p:sp>
+        <p:nvSpPr>
+          <p:cNvPr id="69" name="TextBox 68">
+            <a:extLst>
+              <a:ext uri="{FF2B5EF4-FFF2-40B4-BE49-F238E27FC236}">
+                <a16:creationId xmlns:a16="http://schemas.microsoft.com/office/drawing/2014/main" id="{E20CBFA3-A677-4779-A057-B7CA339E5ED3}"/>
+              </a:ext>
+            </a:extLst>
+          </p:cNvPr>
+          <p:cNvSpPr txBox="1"/>
+          <p:nvPr/>
+        </p:nvSpPr>
+        <p:spPr>
+          <a:xfrm>
+            <a:off x="8363443" y="2300692"/>
+            <a:ext cx="3057244" cy="1061829"/>
+          </a:xfrm>
+          <a:prstGeom prst="rect">
+            <a:avLst/>
+          </a:prstGeom>
+          <a:solidFill>
+            <a:schemeClr val="bg1"/>
+          </a:solidFill>
+          <a:ln>
+            <a:solidFill>
+              <a:schemeClr val="accent1">
+                <a:shade val="50000"/>
+              </a:schemeClr>
+            </a:solidFill>
+          </a:ln>
+        </p:spPr>
+        <p:txBody>
+          <a:bodyPr wrap="square" rtlCol="0">
+            <a:spAutoFit/>
+          </a:bodyPr>
+          <a:lstStyle>
+            <a:defPPr>
+              <a:defRPr lang="en-US"/>
+            </a:defPPr>
+            <a:lvl1pPr marL="171450" indent="-171450">
+              <a:buFontTx/>
+              <a:buChar char="-"/>
+              <a:defRPr sz="700"/>
+            </a:lvl1pPr>
+          </a:lstStyle>
+          <a:p>
+            <a:pPr marL="0" indent="0">
+              <a:buNone/>
+            </a:pPr>
+            <a:r>
+              <a:rPr lang="en-US" b="1"/>
+              <a:t>ta_hash | ta_count | ta_size</a:t>
+            </a:r>
+            <a:endParaRPr lang="en-AU" b="1"/>
+          </a:p>
+          <a:p>
+            <a:pPr marL="0" indent="0">
+              <a:buNone/>
+            </a:pPr>
+            <a:r>
+              <a:rPr lang="en-US"/>
+              <a:t>055ec5de-6554-e594-8a5c-e13507336d04 |        5 |       4096</a:t>
+            </a:r>
+            <a:br>
+              <a:rPr lang="en-US"/>
+            </a:br>
+            <a:r>
+              <a:rPr lang="en-US"/>
+              <a:t>3bd50de5-2ae0-e0a0-4ea4-e4a7fb3ba59b |        6 |       8192</a:t>
+            </a:r>
+            <a:br>
+              <a:rPr lang="en-US"/>
+            </a:br>
+            <a:r>
+              <a:rPr lang="en-US"/>
+              <a:t>54228a91-ae5c-70d4-3cae-2636f74f4848  |         7 |    12288</a:t>
+            </a:r>
+            <a:br>
+              <a:rPr lang="en-US"/>
+            </a:br>
+            <a:r>
+              <a:rPr lang="en-US"/>
+              <a:t>8e3a9b64-c866-8b77-ee2f-1a9e9fe70ca5 |          8 |    16384</a:t>
+            </a:r>
+            <a:br>
+              <a:rPr lang="en-US"/>
+            </a:br>
+            <a:r>
+              <a:rPr lang="en-US"/>
+              <a:t>34165e3c-6722-8c77-94ac-670a9a49580b |        9 |     20480</a:t>
+            </a:r>
+            <a:br>
+              <a:rPr lang="en-US"/>
+            </a:br>
+            <a:r>
+              <a:rPr lang="en-US"/>
+              <a:t>de66a1b3-29bc-fad4-1996-ac08d4dbac77 |      10 |     24576</a:t>
+            </a:r>
+            <a:br>
+              <a:rPr lang="en-US"/>
+            </a:br>
+            <a:r>
+              <a:rPr lang="en-US"/>
+              <a:t>d835f4d1-b7a9-9857-5fe4-166118e91ded |       11 |   28672</a:t>
+            </a:r>
+            <a:br>
+              <a:rPr lang="en-US"/>
+            </a:br>
+            <a:r>
+              <a:rPr lang="en-US"/>
+              <a:t>(7 rows)</a:t>
+            </a:r>
+            <a:endParaRPr lang="en-AU"/>
+          </a:p>
+        </p:txBody>
+      </p:sp>
+      <p:sp>
+        <p:nvSpPr>
+          <p:cNvPr id="70" name="TextBox 69">
+            <a:extLst>
+              <a:ext uri="{FF2B5EF4-FFF2-40B4-BE49-F238E27FC236}">
+                <a16:creationId xmlns:a16="http://schemas.microsoft.com/office/drawing/2014/main" id="{D71B8EAF-7B99-4D75-BA56-AE2B463E0745}"/>
+              </a:ext>
+            </a:extLst>
+          </p:cNvPr>
+          <p:cNvSpPr txBox="1"/>
+          <p:nvPr/>
+        </p:nvSpPr>
+        <p:spPr>
+          <a:xfrm>
+            <a:off x="8363443" y="2092198"/>
+            <a:ext cx="3057244" cy="200055"/>
+          </a:xfrm>
+          <a:prstGeom prst="rect">
+            <a:avLst/>
+          </a:prstGeom>
+          <a:gradFill flip="none" rotWithShape="1">
+            <a:gsLst>
+              <a:gs pos="0">
+                <a:schemeClr val="accent6">
+                  <a:lumMod val="60000"/>
+                  <a:lumOff val="40000"/>
+                  <a:shade val="30000"/>
+                  <a:satMod val="115000"/>
+                </a:schemeClr>
+              </a:gs>
+              <a:gs pos="50000">
+                <a:schemeClr val="accent6">
+                  <a:lumMod val="60000"/>
+                  <a:lumOff val="40000"/>
+                  <a:shade val="67500"/>
+                  <a:satMod val="115000"/>
+                </a:schemeClr>
+              </a:gs>
+              <a:gs pos="100000">
+                <a:schemeClr val="accent6">
+                  <a:lumMod val="60000"/>
+                  <a:lumOff val="40000"/>
+                  <a:shade val="100000"/>
+                  <a:satMod val="115000"/>
+                </a:schemeClr>
+              </a:gs>
+            </a:gsLst>
+            <a:lin ang="16200000" scaled="1"/>
+            <a:tileRect/>
+          </a:gradFill>
+          <a:ln>
+            <a:solidFill>
+              <a:schemeClr val="accent1">
+                <a:shade val="50000"/>
+              </a:schemeClr>
+            </a:solidFill>
+          </a:ln>
+        </p:spPr>
+        <p:txBody>
+          <a:bodyPr wrap="square" rtlCol="0">
+            <a:spAutoFit/>
+          </a:bodyPr>
+          <a:lstStyle>
+            <a:defPPr>
+              <a:defRPr lang="en-US"/>
+            </a:defPPr>
+            <a:lvl1pPr>
+              <a:defRPr sz="700" b="1"/>
+            </a:lvl1pPr>
+          </a:lstStyle>
+          <a:p>
+            <a:r>
+              <a:rPr lang="en-US"/>
+              <a:t>truncate tallies; insert into tallies</a:t>
+            </a:r>
+            <a:endParaRPr lang="en-AU"/>
+          </a:p>
+        </p:txBody>
+      </p:sp>
+      <p:sp>
+        <p:nvSpPr>
+          <p:cNvPr id="71" name="TextBox 70">
+            <a:extLst>
+              <a:ext uri="{FF2B5EF4-FFF2-40B4-BE49-F238E27FC236}">
+                <a16:creationId xmlns:a16="http://schemas.microsoft.com/office/drawing/2014/main" id="{52583D85-287B-4DB4-A1CA-EF68037058E2}"/>
+              </a:ext>
+            </a:extLst>
+          </p:cNvPr>
+          <p:cNvSpPr txBox="1"/>
+          <p:nvPr/>
+        </p:nvSpPr>
+        <p:spPr>
+          <a:xfrm>
+            <a:off x="2765482" y="5089375"/>
+            <a:ext cx="1335176" cy="246221"/>
+          </a:xfrm>
+          <a:prstGeom prst="rect">
+            <a:avLst/>
+          </a:prstGeom>
+          <a:noFill/>
+        </p:spPr>
+        <p:txBody>
+          <a:bodyPr wrap="square" rtlCol="0">
+            <a:spAutoFit/>
+          </a:bodyPr>
+          <a:lstStyle/>
+          <a:p>
+            <a:r>
+              <a:rPr lang="en-AU" sz="1000" b="1">
+                <a:solidFill>
+                  <a:srgbClr val="92D050"/>
+                </a:solidFill>
+                <a:cs typeface="Arial" panose="020B0604020202020204" pitchFamily="34" charset="0"/>
+              </a:rPr>
+              <a:t>refresh_polygons</a:t>
+            </a:r>
+          </a:p>
+        </p:txBody>
+      </p:sp>
+      <p:sp>
+        <p:nvSpPr>
+          <p:cNvPr id="73" name="TextBox 72">
+            <a:extLst>
+              <a:ext uri="{FF2B5EF4-FFF2-40B4-BE49-F238E27FC236}">
+                <a16:creationId xmlns:a16="http://schemas.microsoft.com/office/drawing/2014/main" id="{C6A4C9E7-69DF-4358-A023-AD0ED385BCC1}"/>
+              </a:ext>
+            </a:extLst>
+          </p:cNvPr>
+          <p:cNvSpPr txBox="1"/>
+          <p:nvPr/>
+        </p:nvSpPr>
+        <p:spPr>
+          <a:xfrm>
+            <a:off x="2765482" y="3431771"/>
+            <a:ext cx="1335176" cy="246221"/>
+          </a:xfrm>
+          <a:prstGeom prst="rect">
+            <a:avLst/>
+          </a:prstGeom>
+          <a:noFill/>
+        </p:spPr>
+        <p:txBody>
+          <a:bodyPr wrap="square" rtlCol="0">
+            <a:spAutoFit/>
+          </a:bodyPr>
+          <a:lstStyle/>
+          <a:p>
+            <a:r>
+              <a:rPr lang="en-AU" sz="1000" b="1">
+                <a:solidFill>
+                  <a:srgbClr val="00B0F0"/>
+                </a:solidFill>
+                <a:cs typeface="Arial" panose="020B0604020202020204" pitchFamily="34" charset="0"/>
+              </a:rPr>
+              <a:t>refresh_caches</a:t>
+            </a:r>
+          </a:p>
+        </p:txBody>
+      </p:sp>
+      <p:sp>
+        <p:nvSpPr>
+          <p:cNvPr id="83" name="TextBox 82">
+            <a:extLst>
+              <a:ext uri="{FF2B5EF4-FFF2-40B4-BE49-F238E27FC236}">
+                <a16:creationId xmlns:a16="http://schemas.microsoft.com/office/drawing/2014/main" id="{E8A24FC3-4B8E-4E82-B780-DCEE30CA2C27}"/>
+              </a:ext>
+            </a:extLst>
+          </p:cNvPr>
+          <p:cNvSpPr txBox="1"/>
+          <p:nvPr/>
+        </p:nvSpPr>
+        <p:spPr>
+          <a:xfrm>
+            <a:off x="7444384" y="3635492"/>
+            <a:ext cx="765538" cy="230832"/>
+          </a:xfrm>
+          <a:prstGeom prst="rect">
+            <a:avLst/>
+          </a:prstGeom>
+          <a:noFill/>
+          <a:ln>
+            <a:noFill/>
+          </a:ln>
+        </p:spPr>
+        <p:txBody>
+          <a:bodyPr wrap="square" rtlCol="0">
+            <a:spAutoFit/>
+          </a:bodyPr>
+          <a:lstStyle/>
+          <a:p>
+            <a:pPr algn="ctr"/>
+            <a:r>
+              <a:rPr lang="en-US" sz="900"/>
+              <a:t>links</a:t>
+            </a:r>
+            <a:endParaRPr lang="en-AU" sz="900"/>
+          </a:p>
+        </p:txBody>
+      </p:sp>
+      <p:sp>
+        <p:nvSpPr>
+          <p:cNvPr id="93" name="TextBox 92">
+            <a:extLst>
+              <a:ext uri="{FF2B5EF4-FFF2-40B4-BE49-F238E27FC236}">
+                <a16:creationId xmlns:a16="http://schemas.microsoft.com/office/drawing/2014/main" id="{CCB6B6D7-D793-49E2-BE75-39C935A8988F}"/>
+              </a:ext>
+            </a:extLst>
+          </p:cNvPr>
+          <p:cNvSpPr txBox="1"/>
+          <p:nvPr/>
+        </p:nvSpPr>
+        <p:spPr>
+          <a:xfrm>
+            <a:off x="7453643" y="2848679"/>
+            <a:ext cx="765538" cy="230832"/>
+          </a:xfrm>
+          <a:prstGeom prst="rect">
+            <a:avLst/>
+          </a:prstGeom>
+          <a:noFill/>
+          <a:ln>
+            <a:noFill/>
+          </a:ln>
+        </p:spPr>
+        <p:txBody>
+          <a:bodyPr wrap="square" rtlCol="0">
+            <a:spAutoFit/>
+          </a:bodyPr>
+          <a:lstStyle/>
+          <a:p>
+            <a:pPr algn="ctr"/>
+            <a:r>
+              <a:rPr lang="en-US" sz="900"/>
+              <a:t>tallies</a:t>
+            </a:r>
+            <a:endParaRPr lang="en-AU" sz="900"/>
+          </a:p>
+        </p:txBody>
+      </p:sp>
+      <p:sp>
+        <p:nvSpPr>
+          <p:cNvPr id="95" name="Hexagon 94">
+            <a:extLst>
+              <a:ext uri="{FF2B5EF4-FFF2-40B4-BE49-F238E27FC236}">
+                <a16:creationId xmlns:a16="http://schemas.microsoft.com/office/drawing/2014/main" id="{97A28749-C0E3-4AC5-B01D-009D6C109714}"/>
+              </a:ext>
+            </a:extLst>
+          </p:cNvPr>
+          <p:cNvSpPr/>
+          <p:nvPr/>
+        </p:nvSpPr>
+        <p:spPr>
+          <a:xfrm>
+            <a:off x="183998" y="3229844"/>
+            <a:ext cx="962108" cy="516918"/>
+          </a:xfrm>
+          <a:prstGeom prst="hexagon">
+            <a:avLst/>
+          </a:prstGeom>
+          <a:solidFill>
+            <a:schemeClr val="bg1"/>
+          </a:solidFill>
+        </p:spPr>
+        <p:style>
+          <a:lnRef idx="2">
+            <a:schemeClr val="accent1">
+              <a:shade val="50000"/>
+            </a:schemeClr>
+          </a:lnRef>
+          <a:fillRef idx="1">
+            <a:schemeClr val="accent1"/>
+          </a:fillRef>
+          <a:effectRef idx="0">
+            <a:schemeClr val="accent1"/>
+          </a:effectRef>
+          <a:fontRef idx="minor">
+            <a:schemeClr val="lt1"/>
+          </a:fontRef>
+        </p:style>
+        <p:txBody>
+          <a:bodyPr rtlCol="0" anchor="ctr"/>
+          <a:lstStyle/>
+          <a:p>
+            <a:pPr algn="ctr"/>
+            <a:endParaRPr lang="en-AU" sz="1100">
+              <a:solidFill>
+                <a:schemeClr val="tx1"/>
+              </a:solidFill>
+            </a:endParaRPr>
+          </a:p>
+        </p:txBody>
+      </p:sp>
+      <p:sp>
+        <p:nvSpPr>
+          <p:cNvPr id="96" name="TextBox 95">
+            <a:extLst>
+              <a:ext uri="{FF2B5EF4-FFF2-40B4-BE49-F238E27FC236}">
+                <a16:creationId xmlns:a16="http://schemas.microsoft.com/office/drawing/2014/main" id="{62458E5C-7ED1-4480-9F60-28C7F5B1BC94}"/>
+              </a:ext>
+            </a:extLst>
+          </p:cNvPr>
+          <p:cNvSpPr txBox="1"/>
+          <p:nvPr/>
+        </p:nvSpPr>
+        <p:spPr>
+          <a:xfrm>
+            <a:off x="301325" y="3420246"/>
+            <a:ext cx="734325" cy="184666"/>
+          </a:xfrm>
+          <a:prstGeom prst="rect">
+            <a:avLst/>
+          </a:prstGeom>
+          <a:noFill/>
+          <a:ln>
+            <a:noFill/>
+          </a:ln>
+        </p:spPr>
+        <p:txBody>
+          <a:bodyPr wrap="square" rtlCol="0">
+            <a:spAutoFit/>
+          </a:bodyPr>
+          <a:lstStyle>
+            <a:defPPr>
+              <a:defRPr lang="en-US"/>
+            </a:defPPr>
+            <a:lvl1pPr>
+              <a:defRPr sz="900"/>
+            </a:lvl1pPr>
+          </a:lstStyle>
+          <a:p>
+            <a:r>
+              <a:rPr lang="en-AU" sz="600" b="1"/>
+              <a:t>spatial_ref_sys</a:t>
+            </a:r>
+          </a:p>
+        </p:txBody>
+      </p:sp>
+      <p:sp>
+        <p:nvSpPr>
+          <p:cNvPr id="97" name="Hexagon 96">
+            <a:extLst>
+              <a:ext uri="{FF2B5EF4-FFF2-40B4-BE49-F238E27FC236}">
+                <a16:creationId xmlns:a16="http://schemas.microsoft.com/office/drawing/2014/main" id="{A46E79AB-ACE3-4178-8E06-89077BFD7B4D}"/>
+              </a:ext>
+            </a:extLst>
+          </p:cNvPr>
+          <p:cNvSpPr/>
+          <p:nvPr/>
+        </p:nvSpPr>
+        <p:spPr>
+          <a:xfrm>
+            <a:off x="223457" y="553211"/>
+            <a:ext cx="962108" cy="743447"/>
+          </a:xfrm>
+          <a:prstGeom prst="hexagon">
+            <a:avLst/>
+          </a:prstGeom>
+          <a:solidFill>
+            <a:schemeClr val="bg1"/>
+          </a:solidFill>
+        </p:spPr>
+        <p:style>
+          <a:lnRef idx="2">
+            <a:schemeClr val="accent1">
+              <a:shade val="50000"/>
+            </a:schemeClr>
+          </a:lnRef>
+          <a:fillRef idx="1">
+            <a:schemeClr val="accent1"/>
+          </a:fillRef>
+          <a:effectRef idx="0">
+            <a:schemeClr val="accent1"/>
+          </a:effectRef>
+          <a:fontRef idx="minor">
+            <a:schemeClr val="lt1"/>
+          </a:fontRef>
+        </p:style>
+        <p:txBody>
+          <a:bodyPr rtlCol="0" anchor="ctr"/>
+          <a:lstStyle/>
+          <a:p>
+            <a:pPr algn="ctr"/>
+            <a:endParaRPr lang="en-AU" sz="1100">
+              <a:solidFill>
+                <a:schemeClr val="tx1"/>
+              </a:solidFill>
+            </a:endParaRPr>
+          </a:p>
+        </p:txBody>
+      </p:sp>
+      <p:sp>
+        <p:nvSpPr>
+          <p:cNvPr id="98" name="TextBox 97">
+            <a:extLst>
+              <a:ext uri="{FF2B5EF4-FFF2-40B4-BE49-F238E27FC236}">
+                <a16:creationId xmlns:a16="http://schemas.microsoft.com/office/drawing/2014/main" id="{978E533B-D738-4DC4-9579-56A695485361}"/>
+              </a:ext>
+            </a:extLst>
+          </p:cNvPr>
+          <p:cNvSpPr txBox="1"/>
+          <p:nvPr/>
+        </p:nvSpPr>
+        <p:spPr>
+          <a:xfrm>
+            <a:off x="337348" y="839744"/>
+            <a:ext cx="734325" cy="369332"/>
+          </a:xfrm>
+          <a:prstGeom prst="rect">
+            <a:avLst/>
+          </a:prstGeom>
+          <a:noFill/>
+          <a:ln>
+            <a:noFill/>
+          </a:ln>
+        </p:spPr>
+        <p:txBody>
+          <a:bodyPr wrap="square" rtlCol="0">
+            <a:spAutoFit/>
+          </a:bodyPr>
+          <a:lstStyle>
+            <a:defPPr>
+              <a:defRPr lang="en-US"/>
+            </a:defPPr>
+            <a:lvl1pPr>
+              <a:defRPr sz="900"/>
+            </a:lvl1pPr>
+          </a:lstStyle>
+          <a:p>
+            <a:pPr algn="ctr"/>
+            <a:r>
+              <a:rPr lang="en-US"/>
+              <a:t>polygon_srids</a:t>
+            </a:r>
+            <a:endParaRPr lang="en-AU" sz="800"/>
+          </a:p>
+        </p:txBody>
+      </p:sp>
+      <p:sp>
+        <p:nvSpPr>
+          <p:cNvPr id="101" name="TextBox 100">
+            <a:extLst>
+              <a:ext uri="{FF2B5EF4-FFF2-40B4-BE49-F238E27FC236}">
+                <a16:creationId xmlns:a16="http://schemas.microsoft.com/office/drawing/2014/main" id="{22C93119-6CE9-4778-904F-C0AB6AC98025}"/>
+              </a:ext>
+            </a:extLst>
+          </p:cNvPr>
+          <p:cNvSpPr txBox="1"/>
+          <p:nvPr/>
+        </p:nvSpPr>
+        <p:spPr>
+          <a:xfrm>
+            <a:off x="1223542" y="604533"/>
+            <a:ext cx="899456" cy="215444"/>
+          </a:xfrm>
+          <a:prstGeom prst="rect">
+            <a:avLst/>
+          </a:prstGeom>
+          <a:gradFill flip="none" rotWithShape="1">
+            <a:gsLst>
+              <a:gs pos="0">
+                <a:schemeClr val="accent4">
+                  <a:lumMod val="60000"/>
+                  <a:lumOff val="40000"/>
+                  <a:shade val="30000"/>
+                  <a:satMod val="115000"/>
+                </a:schemeClr>
+              </a:gs>
+              <a:gs pos="50000">
+                <a:schemeClr val="accent4">
+                  <a:lumMod val="60000"/>
+                  <a:lumOff val="40000"/>
+                  <a:shade val="67500"/>
+                  <a:satMod val="115000"/>
+                </a:schemeClr>
+              </a:gs>
+              <a:gs pos="100000">
+                <a:schemeClr val="accent4">
+                  <a:lumMod val="60000"/>
+                  <a:lumOff val="40000"/>
+                  <a:shade val="100000"/>
+                  <a:satMod val="115000"/>
+                </a:schemeClr>
+              </a:gs>
+            </a:gsLst>
+            <a:lin ang="16200000" scaled="1"/>
+            <a:tileRect/>
+          </a:gradFill>
+          <a:ln>
+            <a:solidFill>
+              <a:schemeClr val="accent1">
+                <a:shade val="50000"/>
+              </a:schemeClr>
+            </a:solidFill>
+          </a:ln>
+        </p:spPr>
+        <p:txBody>
+          <a:bodyPr wrap="square" rtlCol="0">
+            <a:spAutoFit/>
+          </a:bodyPr>
+          <a:lstStyle>
+            <a:defPPr>
+              <a:defRPr lang="en-US"/>
+            </a:defPPr>
+            <a:lvl1pPr>
+              <a:defRPr sz="900"/>
+            </a:lvl1pPr>
+          </a:lstStyle>
+          <a:p>
+            <a:r>
+              <a:rPr lang="en-US" sz="700"/>
+              <a:t>ps_srid</a:t>
+            </a:r>
+            <a:br>
+              <a:rPr lang="en-US" sz="700"/>
+            </a:br>
+            <a:endParaRPr lang="en-GB" sz="100"/>
+          </a:p>
+        </p:txBody>
+      </p:sp>
+      <p:sp>
+        <p:nvSpPr>
+          <p:cNvPr id="102" name="TextBox 101">
+            <a:extLst>
+              <a:ext uri="{FF2B5EF4-FFF2-40B4-BE49-F238E27FC236}">
+                <a16:creationId xmlns:a16="http://schemas.microsoft.com/office/drawing/2014/main" id="{39C35F9A-EE82-44A4-A586-BCB6B163C282}"/>
+              </a:ext>
+            </a:extLst>
+          </p:cNvPr>
+          <p:cNvSpPr txBox="1"/>
+          <p:nvPr/>
+        </p:nvSpPr>
+        <p:spPr>
+          <a:xfrm>
+            <a:off x="1223542" y="823976"/>
+            <a:ext cx="899456" cy="323165"/>
+          </a:xfrm>
+          <a:prstGeom prst="rect">
+            <a:avLst/>
+          </a:prstGeom>
+          <a:solidFill>
+            <a:schemeClr val="bg1"/>
+          </a:solidFill>
+          <a:ln>
+            <a:solidFill>
+              <a:schemeClr val="accent1">
+                <a:shade val="50000"/>
+              </a:schemeClr>
+            </a:solidFill>
+          </a:ln>
+        </p:spPr>
+        <p:txBody>
+          <a:bodyPr wrap="square" rtlCol="0">
+            <a:spAutoFit/>
+          </a:bodyPr>
+          <a:lstStyle>
+            <a:defPPr>
+              <a:defRPr lang="en-US"/>
+            </a:defPPr>
+            <a:lvl1pPr>
+              <a:defRPr sz="900"/>
+            </a:lvl1pPr>
+          </a:lstStyle>
+          <a:p>
+            <a:r>
+              <a:rPr lang="en-US" sz="700"/>
+              <a:t>100000</a:t>
+            </a:r>
+            <a:br>
+              <a:rPr lang="en-US" sz="700"/>
+            </a:br>
+            <a:r>
+              <a:rPr lang="en-US" sz="700"/>
+              <a:t>(1 row)</a:t>
+            </a:r>
+            <a:endParaRPr lang="en-AU" sz="700"/>
+          </a:p>
+          <a:p>
+            <a:endParaRPr lang="en-GB" sz="100"/>
+          </a:p>
+        </p:txBody>
+      </p:sp>
+      <p:sp>
+        <p:nvSpPr>
+          <p:cNvPr id="103" name="Arrow: Up 102">
+            <a:extLst>
+              <a:ext uri="{FF2B5EF4-FFF2-40B4-BE49-F238E27FC236}">
+                <a16:creationId xmlns:a16="http://schemas.microsoft.com/office/drawing/2014/main" id="{EBFB16F3-D0E9-46A4-A85D-77E5826229CD}"/>
+              </a:ext>
+            </a:extLst>
+          </p:cNvPr>
+          <p:cNvSpPr/>
+          <p:nvPr/>
+        </p:nvSpPr>
+        <p:spPr>
+          <a:xfrm>
+            <a:off x="9873755" y="934864"/>
+            <a:ext cx="220640" cy="205048"/>
+          </a:xfrm>
+          <a:prstGeom prst="upArrow">
+            <a:avLst/>
+          </a:prstGeom>
+          <a:gradFill flip="none" rotWithShape="1">
+            <a:gsLst>
+              <a:gs pos="0">
+                <a:schemeClr val="accent2">
+                  <a:shade val="30000"/>
+                  <a:satMod val="115000"/>
+                </a:schemeClr>
+              </a:gs>
+              <a:gs pos="50000">
+                <a:schemeClr val="accent2">
+                  <a:shade val="67500"/>
+                  <a:satMod val="115000"/>
+                </a:schemeClr>
+              </a:gs>
+              <a:gs pos="100000">
+                <a:schemeClr val="accent2">
+                  <a:shade val="100000"/>
+                  <a:satMod val="115000"/>
+                </a:schemeClr>
+              </a:gs>
+            </a:gsLst>
+            <a:lin ang="16200000" scaled="1"/>
+            <a:tileRect/>
+          </a:gradFill>
+          <a:ln>
+            <a:solidFill>
+              <a:schemeClr val="accent2"/>
+            </a:solidFill>
+          </a:ln>
+        </p:spPr>
+        <p:style>
+          <a:lnRef idx="2">
+            <a:schemeClr val="accent1">
+              <a:shade val="50000"/>
+            </a:schemeClr>
+          </a:lnRef>
+          <a:fillRef idx="1">
+            <a:schemeClr val="accent1"/>
+          </a:fillRef>
+          <a:effectRef idx="0">
+            <a:schemeClr val="accent1"/>
+          </a:effectRef>
+          <a:fontRef idx="minor">
+            <a:schemeClr val="lt1"/>
+          </a:fontRef>
+        </p:style>
+        <p:txBody>
+          <a:bodyPr rtlCol="0" anchor="ctr"/>
+          <a:lstStyle/>
+          <a:p>
+            <a:pPr algn="ctr"/>
+            <a:endParaRPr lang="en-GB"/>
+          </a:p>
+        </p:txBody>
+      </p:sp>
+      <p:sp>
+        <p:nvSpPr>
+          <p:cNvPr id="105" name="TextBox 104">
+            <a:extLst>
+              <a:ext uri="{FF2B5EF4-FFF2-40B4-BE49-F238E27FC236}">
+                <a16:creationId xmlns:a16="http://schemas.microsoft.com/office/drawing/2014/main" id="{F4E1DF84-75EF-4091-BC30-FA6785A8A555}"/>
+              </a:ext>
+            </a:extLst>
+          </p:cNvPr>
+          <p:cNvSpPr txBox="1"/>
+          <p:nvPr/>
+        </p:nvSpPr>
+        <p:spPr>
+          <a:xfrm>
+            <a:off x="185749" y="128300"/>
+            <a:ext cx="1077040" cy="369332"/>
+          </a:xfrm>
+          <a:prstGeom prst="rect">
+            <a:avLst/>
+          </a:prstGeom>
+          <a:noFill/>
+          <a:ln>
+            <a:noFill/>
+          </a:ln>
+        </p:spPr>
+        <p:txBody>
+          <a:bodyPr wrap="square" rtlCol="0">
+            <a:spAutoFit/>
+          </a:bodyPr>
+          <a:lstStyle/>
+          <a:p>
+            <a:pPr algn="ctr"/>
+            <a:r>
+              <a:rPr lang="en-AU" sz="900" b="1"/>
+              <a:t>Materialized Views</a:t>
+            </a:r>
+            <a:endParaRPr lang="en-GB" sz="900" b="1"/>
+          </a:p>
+        </p:txBody>
+      </p:sp>
+      <p:sp>
+        <p:nvSpPr>
+          <p:cNvPr id="107" name="Arrow: Up 106">
+            <a:extLst>
+              <a:ext uri="{FF2B5EF4-FFF2-40B4-BE49-F238E27FC236}">
+                <a16:creationId xmlns:a16="http://schemas.microsoft.com/office/drawing/2014/main" id="{B9F16A2F-168C-4472-A9E5-B7C5589148B6}"/>
+              </a:ext>
+            </a:extLst>
+          </p:cNvPr>
+          <p:cNvSpPr/>
+          <p:nvPr/>
+        </p:nvSpPr>
+        <p:spPr>
+          <a:xfrm>
+            <a:off x="7725481" y="3509270"/>
+            <a:ext cx="220640" cy="205048"/>
+          </a:xfrm>
+          <a:prstGeom prst="upArrow">
+            <a:avLst/>
+          </a:prstGeom>
+          <a:gradFill flip="none" rotWithShape="1">
+            <a:gsLst>
+              <a:gs pos="0">
+                <a:schemeClr val="accent2">
+                  <a:shade val="30000"/>
+                  <a:satMod val="115000"/>
+                </a:schemeClr>
+              </a:gs>
+              <a:gs pos="50000">
+                <a:schemeClr val="accent2">
+                  <a:shade val="67500"/>
+                  <a:satMod val="115000"/>
+                </a:schemeClr>
+              </a:gs>
+              <a:gs pos="100000">
+                <a:schemeClr val="accent2">
+                  <a:shade val="100000"/>
+                  <a:satMod val="115000"/>
+                </a:schemeClr>
+              </a:gs>
+            </a:gsLst>
+            <a:lin ang="16200000" scaled="1"/>
+            <a:tileRect/>
+          </a:gradFill>
+          <a:ln>
+            <a:solidFill>
+              <a:schemeClr val="accent2"/>
+            </a:solidFill>
+          </a:ln>
+        </p:spPr>
+        <p:style>
+          <a:lnRef idx="2">
+            <a:schemeClr val="accent1">
+              <a:shade val="50000"/>
+            </a:schemeClr>
+          </a:lnRef>
+          <a:fillRef idx="1">
+            <a:schemeClr val="accent1"/>
+          </a:fillRef>
+          <a:effectRef idx="0">
+            <a:schemeClr val="accent1"/>
+          </a:effectRef>
+          <a:fontRef idx="minor">
+            <a:schemeClr val="lt1"/>
+          </a:fontRef>
+        </p:style>
+        <p:txBody>
+          <a:bodyPr rtlCol="0" anchor="ctr"/>
+          <a:lstStyle/>
+          <a:p>
+            <a:pPr algn="ctr"/>
+            <a:endParaRPr lang="en-GB"/>
+          </a:p>
+        </p:txBody>
+      </p:sp>
+      <p:sp>
+        <p:nvSpPr>
+          <p:cNvPr id="108" name="Arrow: Up 107">
+            <a:extLst>
+              <a:ext uri="{FF2B5EF4-FFF2-40B4-BE49-F238E27FC236}">
+                <a16:creationId xmlns:a16="http://schemas.microsoft.com/office/drawing/2014/main" id="{DD596759-2672-469E-BAF9-71762AC4FA09}"/>
+              </a:ext>
+            </a:extLst>
+          </p:cNvPr>
+          <p:cNvSpPr/>
+          <p:nvPr/>
+        </p:nvSpPr>
+        <p:spPr>
+          <a:xfrm rot="16200000">
+            <a:off x="2973334" y="5237610"/>
+            <a:ext cx="220640" cy="205048"/>
+          </a:xfrm>
+          <a:prstGeom prst="upArrow">
+            <a:avLst/>
+          </a:prstGeom>
+          <a:gradFill flip="none" rotWithShape="1">
+            <a:gsLst>
+              <a:gs pos="0">
+                <a:schemeClr val="accent2">
+                  <a:shade val="30000"/>
+                  <a:satMod val="115000"/>
+                </a:schemeClr>
+              </a:gs>
+              <a:gs pos="50000">
+                <a:schemeClr val="accent2">
+                  <a:shade val="67500"/>
+                  <a:satMod val="115000"/>
+                </a:schemeClr>
+              </a:gs>
+              <a:gs pos="100000">
+                <a:schemeClr val="accent2">
+                  <a:shade val="100000"/>
+                  <a:satMod val="115000"/>
+                </a:schemeClr>
+              </a:gs>
+            </a:gsLst>
+            <a:lin ang="16200000" scaled="1"/>
+            <a:tileRect/>
+          </a:gradFill>
+          <a:ln>
+            <a:solidFill>
+              <a:schemeClr val="accent2"/>
+            </a:solidFill>
+          </a:ln>
+        </p:spPr>
+        <p:style>
+          <a:lnRef idx="2">
+            <a:schemeClr val="accent1">
+              <a:shade val="50000"/>
+            </a:schemeClr>
+          </a:lnRef>
+          <a:fillRef idx="1">
+            <a:schemeClr val="accent1"/>
+          </a:fillRef>
+          <a:effectRef idx="0">
+            <a:schemeClr val="accent1"/>
+          </a:effectRef>
+          <a:fontRef idx="minor">
+            <a:schemeClr val="lt1"/>
+          </a:fontRef>
+        </p:style>
+        <p:txBody>
+          <a:bodyPr rtlCol="0" anchor="ctr"/>
+          <a:lstStyle/>
+          <a:p>
+            <a:pPr algn="ctr"/>
+            <a:endParaRPr lang="en-GB"/>
+          </a:p>
+        </p:txBody>
+      </p:sp>
+      <p:sp>
+        <p:nvSpPr>
+          <p:cNvPr id="109" name="Arrow: Up 108">
+            <a:extLst>
+              <a:ext uri="{FF2B5EF4-FFF2-40B4-BE49-F238E27FC236}">
+                <a16:creationId xmlns:a16="http://schemas.microsoft.com/office/drawing/2014/main" id="{D7E9215B-5BE7-47A4-B2CE-C3D7A193086F}"/>
+              </a:ext>
+            </a:extLst>
+          </p:cNvPr>
+          <p:cNvSpPr/>
+          <p:nvPr/>
+        </p:nvSpPr>
+        <p:spPr>
+          <a:xfrm>
+            <a:off x="552992" y="5369519"/>
+            <a:ext cx="220640" cy="205048"/>
+          </a:xfrm>
+          <a:prstGeom prst="upArrow">
+            <a:avLst/>
+          </a:prstGeom>
+          <a:gradFill flip="none" rotWithShape="1">
+            <a:gsLst>
+              <a:gs pos="0">
+                <a:schemeClr val="accent2">
+                  <a:shade val="30000"/>
+                  <a:satMod val="115000"/>
+                </a:schemeClr>
+              </a:gs>
+              <a:gs pos="50000">
+                <a:schemeClr val="accent2">
+                  <a:shade val="67500"/>
+                  <a:satMod val="115000"/>
+                </a:schemeClr>
+              </a:gs>
+              <a:gs pos="100000">
+                <a:schemeClr val="accent2">
+                  <a:shade val="100000"/>
+                  <a:satMod val="115000"/>
+                </a:schemeClr>
+              </a:gs>
+            </a:gsLst>
+            <a:lin ang="16200000" scaled="1"/>
+            <a:tileRect/>
+          </a:gradFill>
+          <a:ln>
+            <a:solidFill>
+              <a:schemeClr val="accent2"/>
+            </a:solidFill>
+          </a:ln>
+        </p:spPr>
+        <p:style>
+          <a:lnRef idx="2">
+            <a:schemeClr val="accent1">
+              <a:shade val="50000"/>
+            </a:schemeClr>
+          </a:lnRef>
+          <a:fillRef idx="1">
+            <a:schemeClr val="accent1"/>
+          </a:fillRef>
+          <a:effectRef idx="0">
+            <a:schemeClr val="accent1"/>
+          </a:effectRef>
+          <a:fontRef idx="minor">
+            <a:schemeClr val="lt1"/>
+          </a:fontRef>
+        </p:style>
+        <p:txBody>
+          <a:bodyPr rtlCol="0" anchor="ctr"/>
+          <a:lstStyle/>
+          <a:p>
+            <a:pPr algn="ctr"/>
+            <a:endParaRPr lang="en-GB"/>
+          </a:p>
+        </p:txBody>
+      </p:sp>
+      <p:sp>
+        <p:nvSpPr>
+          <p:cNvPr id="110" name="Arrow: Up 109">
+            <a:extLst>
+              <a:ext uri="{FF2B5EF4-FFF2-40B4-BE49-F238E27FC236}">
+                <a16:creationId xmlns:a16="http://schemas.microsoft.com/office/drawing/2014/main" id="{FD191EB8-D4FE-4CD6-8790-6FFF9223ED0A}"/>
+              </a:ext>
+            </a:extLst>
+          </p:cNvPr>
+          <p:cNvSpPr/>
+          <p:nvPr/>
+        </p:nvSpPr>
+        <p:spPr>
+          <a:xfrm>
+            <a:off x="538466" y="3356189"/>
+            <a:ext cx="220640" cy="205048"/>
+          </a:xfrm>
+          <a:prstGeom prst="upArrow">
+            <a:avLst/>
+          </a:prstGeom>
+          <a:gradFill flip="none" rotWithShape="1">
+            <a:gsLst>
+              <a:gs pos="0">
+                <a:schemeClr val="accent2">
+                  <a:shade val="30000"/>
+                  <a:satMod val="115000"/>
+                </a:schemeClr>
+              </a:gs>
+              <a:gs pos="50000">
+                <a:schemeClr val="accent2">
+                  <a:shade val="67500"/>
+                  <a:satMod val="115000"/>
+                </a:schemeClr>
+              </a:gs>
+              <a:gs pos="100000">
+                <a:schemeClr val="accent2">
+                  <a:shade val="100000"/>
+                  <a:satMod val="115000"/>
+                </a:schemeClr>
+              </a:gs>
+            </a:gsLst>
+            <a:lin ang="16200000" scaled="1"/>
+            <a:tileRect/>
+          </a:gradFill>
+          <a:ln>
+            <a:solidFill>
+              <a:schemeClr val="accent2"/>
+            </a:solidFill>
+          </a:ln>
+        </p:spPr>
+        <p:style>
+          <a:lnRef idx="2">
+            <a:schemeClr val="accent1">
+              <a:shade val="50000"/>
+            </a:schemeClr>
+          </a:lnRef>
+          <a:fillRef idx="1">
+            <a:schemeClr val="accent1"/>
+          </a:fillRef>
+          <a:effectRef idx="0">
+            <a:schemeClr val="accent1"/>
+          </a:effectRef>
+          <a:fontRef idx="minor">
+            <a:schemeClr val="lt1"/>
+          </a:fontRef>
+        </p:style>
+        <p:txBody>
+          <a:bodyPr rtlCol="0" anchor="ctr"/>
+          <a:lstStyle/>
+          <a:p>
+            <a:pPr algn="ctr"/>
+            <a:endParaRPr lang="en-GB"/>
+          </a:p>
+        </p:txBody>
+      </p:sp>
+      <p:sp>
+        <p:nvSpPr>
+          <p:cNvPr id="111" name="TextBox 110">
+            <a:extLst>
+              <a:ext uri="{FF2B5EF4-FFF2-40B4-BE49-F238E27FC236}">
+                <a16:creationId xmlns:a16="http://schemas.microsoft.com/office/drawing/2014/main" id="{8BF98FC6-48CA-4C1B-9AA3-9DFF31660FD5}"/>
+              </a:ext>
+            </a:extLst>
+          </p:cNvPr>
+          <p:cNvSpPr txBox="1"/>
+          <p:nvPr/>
+        </p:nvSpPr>
+        <p:spPr>
+          <a:xfrm>
+            <a:off x="238834" y="2230821"/>
+            <a:ext cx="3275089" cy="230832"/>
+          </a:xfrm>
+          <a:prstGeom prst="rect">
+            <a:avLst/>
+          </a:prstGeom>
+          <a:gradFill flip="none" rotWithShape="1">
+            <a:gsLst>
+              <a:gs pos="0">
+                <a:schemeClr val="accent4">
+                  <a:lumMod val="60000"/>
+                  <a:lumOff val="40000"/>
+                  <a:shade val="30000"/>
+                  <a:satMod val="115000"/>
+                </a:schemeClr>
+              </a:gs>
+              <a:gs pos="50000">
+                <a:schemeClr val="accent4">
+                  <a:lumMod val="60000"/>
+                  <a:lumOff val="40000"/>
+                  <a:shade val="67500"/>
+                  <a:satMod val="115000"/>
+                </a:schemeClr>
+              </a:gs>
+              <a:gs pos="100000">
+                <a:schemeClr val="accent4">
+                  <a:lumMod val="60000"/>
+                  <a:lumOff val="40000"/>
+                  <a:shade val="100000"/>
+                  <a:satMod val="115000"/>
+                </a:schemeClr>
+              </a:gs>
+            </a:gsLst>
+            <a:lin ang="16200000" scaled="1"/>
+            <a:tileRect/>
+          </a:gradFill>
+          <a:ln>
+            <a:solidFill>
+              <a:schemeClr val="accent1">
+                <a:shade val="50000"/>
+              </a:schemeClr>
+            </a:solidFill>
+          </a:ln>
+        </p:spPr>
+        <p:txBody>
+          <a:bodyPr wrap="square" rtlCol="0">
+            <a:spAutoFit/>
+          </a:bodyPr>
+          <a:lstStyle>
+            <a:defPPr>
+              <a:defRPr lang="en-US"/>
+            </a:defPPr>
+            <a:lvl1pPr>
+              <a:defRPr sz="900"/>
+            </a:lvl1pPr>
+          </a:lstStyle>
+          <a:p>
+            <a:r>
+              <a:rPr lang="en-US" sz="800"/>
+              <a:t>srid|auth_name|auth_srid|srtext|proj4text</a:t>
+            </a:r>
+            <a:endParaRPr lang="en-AU" sz="800"/>
+          </a:p>
+          <a:p>
+            <a:endParaRPr lang="en-GB" sz="100"/>
+          </a:p>
+        </p:txBody>
+      </p:sp>
+      <p:sp>
+        <p:nvSpPr>
+          <p:cNvPr id="112" name="TextBox 111">
+            <a:extLst>
+              <a:ext uri="{FF2B5EF4-FFF2-40B4-BE49-F238E27FC236}">
+                <a16:creationId xmlns:a16="http://schemas.microsoft.com/office/drawing/2014/main" id="{1F42BBB5-DCE8-4145-90BB-DD11E52365B0}"/>
+              </a:ext>
+            </a:extLst>
+          </p:cNvPr>
+          <p:cNvSpPr txBox="1"/>
+          <p:nvPr/>
+        </p:nvSpPr>
+        <p:spPr>
+          <a:xfrm>
+            <a:off x="238834" y="2489036"/>
+            <a:ext cx="3275090" cy="646331"/>
+          </a:xfrm>
+          <a:prstGeom prst="rect">
+            <a:avLst/>
+          </a:prstGeom>
+          <a:solidFill>
+            <a:schemeClr val="bg1"/>
+          </a:solidFill>
+          <a:ln>
+            <a:solidFill>
+              <a:schemeClr val="accent1">
+                <a:shade val="50000"/>
+              </a:schemeClr>
+            </a:solidFill>
+          </a:ln>
+        </p:spPr>
+        <p:txBody>
+          <a:bodyPr wrap="square" rtlCol="0">
+            <a:spAutoFit/>
+          </a:bodyPr>
+          <a:lstStyle>
+            <a:defPPr>
+              <a:defRPr lang="en-US"/>
+            </a:defPPr>
+            <a:lvl1pPr>
+              <a:defRPr sz="900"/>
+            </a:lvl1pPr>
+          </a:lstStyle>
+          <a:p>
+            <a:r>
+              <a:rPr lang="en-US" sz="700"/>
+              <a:t>3819|EPSG|3819|GEOGCS["HD1909",DATUM["Hung…1909",SPHEROID["Bessel1841",6377397.155,299.15,AUTHORITY["EPSG","7004"]],TOWGS84[595.48,121.69,515.35,4.115,-2.93,0.853,-3.408],AUTH["EPSG","1024"]],PRIMEM["Grwich",0,AUTH["EPSG","8901"]],UNIT["deg",0.01…33,AUTH["EPSG","9122"]],AUTH["EPSG","3819"]]</a:t>
+            </a:r>
+            <a:endParaRPr lang="en-AU" sz="700"/>
+          </a:p>
+          <a:p>
+            <a:endParaRPr lang="en-GB" sz="100"/>
+          </a:p>
+        </p:txBody>
+      </p:sp>
+      <p:sp>
+        <p:nvSpPr>
+          <p:cNvPr id="113" name="Arrow: Up 112">
+            <a:extLst>
+              <a:ext uri="{FF2B5EF4-FFF2-40B4-BE49-F238E27FC236}">
+                <a16:creationId xmlns:a16="http://schemas.microsoft.com/office/drawing/2014/main" id="{F8337934-93C2-4B04-8678-04E5C559E7FA}"/>
+              </a:ext>
+            </a:extLst>
+          </p:cNvPr>
+          <p:cNvSpPr/>
+          <p:nvPr/>
+        </p:nvSpPr>
+        <p:spPr>
+          <a:xfrm>
+            <a:off x="2932141" y="3611794"/>
+            <a:ext cx="220640" cy="205048"/>
+          </a:xfrm>
+          <a:prstGeom prst="upArrow">
+            <a:avLst/>
+          </a:prstGeom>
+          <a:gradFill flip="none" rotWithShape="1">
+            <a:gsLst>
+              <a:gs pos="0">
+                <a:schemeClr val="accent2">
+                  <a:shade val="30000"/>
+                  <a:satMod val="115000"/>
+                </a:schemeClr>
+              </a:gs>
+              <a:gs pos="50000">
+                <a:schemeClr val="accent2">
+                  <a:shade val="67500"/>
+                  <a:satMod val="115000"/>
+                </a:schemeClr>
+              </a:gs>
+              <a:gs pos="100000">
+                <a:schemeClr val="accent2">
+                  <a:shade val="100000"/>
+                  <a:satMod val="115000"/>
+                </a:schemeClr>
+              </a:gs>
+            </a:gsLst>
+            <a:lin ang="16200000" scaled="1"/>
+            <a:tileRect/>
+          </a:gradFill>
+          <a:ln>
+            <a:solidFill>
+              <a:schemeClr val="accent2"/>
+            </a:solidFill>
+          </a:ln>
+        </p:spPr>
+        <p:style>
+          <a:lnRef idx="2">
+            <a:schemeClr val="accent1">
+              <a:shade val="50000"/>
+            </a:schemeClr>
+          </a:lnRef>
+          <a:fillRef idx="1">
+            <a:schemeClr val="accent1"/>
+          </a:fillRef>
+          <a:effectRef idx="0">
+            <a:schemeClr val="accent1"/>
+          </a:effectRef>
+          <a:fontRef idx="minor">
+            <a:schemeClr val="lt1"/>
+          </a:fontRef>
+        </p:style>
+        <p:txBody>
+          <a:bodyPr rtlCol="0" anchor="ctr"/>
+          <a:lstStyle/>
+          <a:p>
+            <a:pPr algn="ctr"/>
+            <a:endParaRPr lang="en-GB"/>
+          </a:p>
+        </p:txBody>
+      </p:sp>
+      <p:sp>
+        <p:nvSpPr>
+          <p:cNvPr id="114" name="TextBox 113">
+            <a:extLst>
+              <a:ext uri="{FF2B5EF4-FFF2-40B4-BE49-F238E27FC236}">
+                <a16:creationId xmlns:a16="http://schemas.microsoft.com/office/drawing/2014/main" id="{87D08142-92D9-4E06-B907-EA1C0949012B}"/>
+              </a:ext>
+            </a:extLst>
+          </p:cNvPr>
+          <p:cNvSpPr txBox="1"/>
+          <p:nvPr/>
+        </p:nvSpPr>
+        <p:spPr>
+          <a:xfrm>
+            <a:off x="2637853" y="707206"/>
+            <a:ext cx="1308647" cy="338554"/>
+          </a:xfrm>
+          <a:prstGeom prst="rect">
+            <a:avLst/>
+          </a:prstGeom>
+          <a:solidFill>
+            <a:schemeClr val="bg1"/>
+          </a:solidFill>
+          <a:ln>
+            <a:solidFill>
+              <a:schemeClr val="accent1">
+                <a:shade val="50000"/>
+              </a:schemeClr>
+            </a:solidFill>
+          </a:ln>
+        </p:spPr>
+        <p:txBody>
+          <a:bodyPr wrap="square" rtlCol="0">
+            <a:spAutoFit/>
+          </a:bodyPr>
+          <a:lstStyle>
+            <a:defPPr>
+              <a:defRPr lang="en-US"/>
+            </a:defPPr>
+            <a:lvl1pPr>
+              <a:defRPr sz="900"/>
+            </a:lvl1pPr>
+          </a:lstStyle>
+          <a:p>
+            <a:r>
+              <a:rPr lang="en-US" sz="1600" b="1">
+                <a:solidFill>
+                  <a:srgbClr val="00B0F0"/>
+                </a:solidFill>
+              </a:rPr>
+              <a:t>Next Slide !</a:t>
+            </a:r>
+            <a:endParaRPr lang="en-GB" b="1">
+              <a:solidFill>
+                <a:srgbClr val="00B0F0"/>
+              </a:solidFill>
+            </a:endParaRPr>
+          </a:p>
+        </p:txBody>
+      </p:sp>
+      <p:sp>
+        <p:nvSpPr>
+          <p:cNvPr id="115" name="Arrow: Up 114">
+            <a:extLst>
+              <a:ext uri="{FF2B5EF4-FFF2-40B4-BE49-F238E27FC236}">
+                <a16:creationId xmlns:a16="http://schemas.microsoft.com/office/drawing/2014/main" id="{E3FCCCEE-DF14-4608-972A-A1F9285672DB}"/>
+              </a:ext>
+            </a:extLst>
+          </p:cNvPr>
+          <p:cNvSpPr/>
+          <p:nvPr/>
+        </p:nvSpPr>
+        <p:spPr>
+          <a:xfrm rot="5400000">
+            <a:off x="552992" y="753370"/>
+            <a:ext cx="220640" cy="205048"/>
+          </a:xfrm>
+          <a:prstGeom prst="upArrow">
+            <a:avLst/>
+          </a:prstGeom>
+          <a:gradFill flip="none" rotWithShape="1">
+            <a:gsLst>
+              <a:gs pos="0">
+                <a:schemeClr val="accent2">
+                  <a:shade val="30000"/>
+                  <a:satMod val="115000"/>
+                </a:schemeClr>
+              </a:gs>
+              <a:gs pos="50000">
+                <a:schemeClr val="accent2">
+                  <a:shade val="67500"/>
+                  <a:satMod val="115000"/>
+                </a:schemeClr>
+              </a:gs>
+              <a:gs pos="100000">
+                <a:schemeClr val="accent2">
+                  <a:shade val="100000"/>
+                  <a:satMod val="115000"/>
+                </a:schemeClr>
+              </a:gs>
+            </a:gsLst>
+            <a:lin ang="16200000" scaled="1"/>
+            <a:tileRect/>
+          </a:gradFill>
+          <a:ln>
+            <a:solidFill>
+              <a:schemeClr val="accent2"/>
+            </a:solidFill>
+          </a:ln>
+        </p:spPr>
+        <p:style>
+          <a:lnRef idx="2">
+            <a:schemeClr val="accent1">
+              <a:shade val="50000"/>
+            </a:schemeClr>
+          </a:lnRef>
+          <a:fillRef idx="1">
+            <a:schemeClr val="accent1"/>
+          </a:fillRef>
+          <a:effectRef idx="0">
+            <a:schemeClr val="accent1"/>
+          </a:effectRef>
+          <a:fontRef idx="minor">
+            <a:schemeClr val="lt1"/>
+          </a:fontRef>
+        </p:style>
+        <p:txBody>
+          <a:bodyPr rtlCol="0" anchor="ctr"/>
+          <a:lstStyle/>
+          <a:p>
+            <a:pPr algn="ctr"/>
+            <a:endParaRPr lang="en-GB"/>
+          </a:p>
+        </p:txBody>
+      </p:sp>
+      <p:sp>
+        <p:nvSpPr>
+          <p:cNvPr id="59" name="TextBox 58">
+            <a:extLst>
+              <a:ext uri="{FF2B5EF4-FFF2-40B4-BE49-F238E27FC236}">
+                <a16:creationId xmlns:a16="http://schemas.microsoft.com/office/drawing/2014/main" id="{F02712DC-A4B1-4F54-84EC-FCC75EDB79D0}"/>
+              </a:ext>
+            </a:extLst>
+          </p:cNvPr>
+          <p:cNvSpPr txBox="1"/>
+          <p:nvPr/>
+        </p:nvSpPr>
+        <p:spPr>
+          <a:xfrm>
+            <a:off x="7453032" y="4391789"/>
+            <a:ext cx="765538" cy="230832"/>
+          </a:xfrm>
+          <a:prstGeom prst="rect">
+            <a:avLst/>
+          </a:prstGeom>
+          <a:solidFill>
+            <a:schemeClr val="bg1"/>
+          </a:solidFill>
+          <a:ln>
+            <a:noFill/>
+          </a:ln>
+        </p:spPr>
+        <p:txBody>
+          <a:bodyPr wrap="square" rtlCol="0">
+            <a:spAutoFit/>
+          </a:bodyPr>
+          <a:lstStyle/>
+          <a:p>
+            <a:pPr algn="ctr"/>
+            <a:r>
+              <a:rPr lang="en-US" sz="900"/>
+              <a:t>files</a:t>
+            </a:r>
+            <a:endParaRPr lang="en-AU" sz="900"/>
+          </a:p>
+        </p:txBody>
+      </p:sp>
+    </p:spTree>
+    <p:custDataLst>
+      <p:tags r:id="rId1"/>
+    </p:custDataLst>
+    <p:extLst>
+      <p:ext uri="{BB962C8B-B14F-4D97-AF65-F5344CB8AC3E}">
+        <p14:creationId xmlns:p14="http://schemas.microsoft.com/office/powerpoint/2010/main" val="4139163509"/>
+      </p:ext>
+    </p:extLst>
+  </p:cSld>
+  <p:clrMapOvr>
+    <a:masterClrMapping/>
+  </p:clrMapOvr>
+  <mc:AlternateContent xmlns:mc="http://schemas.openxmlformats.org/markup-compatibility/2006">
+    <mc:Choice xmlns:p15="http://schemas.microsoft.com/office/powerpoint/2012/main" Requires="p15">
+      <p:transition xmlns:p14="http://schemas.microsoft.com/office/powerpoint/2010/main" spd="slow" p14:dur="2000" advTm="35393">
+        <p15:prstTrans prst="drape"/>
+      </p:transition>
+    </mc:Choice>
+    <mc:Fallback>
+      <p:transition spd="slow" advTm="35393">
+        <p:fade/>
+      </p:transition>
+    </mc:Fallback>
+  </mc:AlternateContent>
+  <p:timing>
+    <p:tnLst>
+      <p:par>
+        <p:cTn id="1" dur="indefinite" restart="never" nodeType="tmRoot">
+          <p:childTnLst>
+            <p:seq concurrent="1" nextAc="seek">
+              <p:cTn id="2" dur="indefinite" nodeType="mainSeq">
+                <p:childTnLst>
+                  <p:par>
+                    <p:cTn id="3" fill="hold">
+                      <p:stCondLst>
+                        <p:cond delay="indefinite"/>
+                      </p:stCondLst>
+                      <p:childTnLst>
+                        <p:par>
+                          <p:cTn id="4" fill="hold">
+                            <p:stCondLst>
+                              <p:cond delay="0"/>
+                            </p:stCondLst>
+                            <p:childTnLst>
+                              <p:par>
+                                <p:cTn id="5" presetID="42" presetClass="path" presetSubtype="0" accel="50000" decel="50000" fill="hold" nodeType="clickEffect">
+                                  <p:stCondLst>
+                                    <p:cond delay="0"/>
+                                  </p:stCondLst>
+                                  <p:childTnLst>
+                                    <p:animMotion origin="layout" path="M -4.16667E-6 -3.33333E-6 L 0.00247 0.50972 " pathEditMode="relative" rAng="0" ptsTypes="AA">
+                                      <p:cBhvr>
+                                        <p:cTn id="6" dur="2000" fill="hold"/>
+                                        <p:tgtEl>
+                                          <p:spTgt spid="12"/>
+                                        </p:tgtEl>
+                                        <p:attrNameLst>
+                                          <p:attrName>ppt_x</p:attrName>
+                                          <p:attrName>ppt_y</p:attrName>
+                                        </p:attrNameLst>
+                                      </p:cBhvr>
+                                      <p:rCtr x="-742" y="24097"/>
+                                    </p:animMotion>
+                                  </p:childTnLst>
+                                </p:cTn>
+                              </p:par>
+                            </p:childTnLst>
+                          </p:cTn>
+                        </p:par>
+                      </p:childTnLst>
+                    </p:cTn>
+                  </p:par>
+                  <p:par>
+                    <p:cTn id="7" fill="hold">
+                      <p:stCondLst>
+                        <p:cond delay="indefinite"/>
+                      </p:stCondLst>
+                      <p:childTnLst>
+                        <p:par>
+                          <p:cTn id="8" fill="hold">
+                            <p:stCondLst>
+                              <p:cond delay="0"/>
+                            </p:stCondLst>
+                            <p:childTnLst>
+                              <p:par>
+                                <p:cTn id="9" presetID="10" presetClass="entr" presetSubtype="0" fill="hold" grpId="0" nodeType="clickEffect">
+                                  <p:stCondLst>
+                                    <p:cond delay="0"/>
+                                  </p:stCondLst>
+                                  <p:childTnLst>
+                                    <p:set>
+                                      <p:cBhvr>
+                                        <p:cTn id="10" dur="1" fill="hold">
+                                          <p:stCondLst>
+                                            <p:cond delay="0"/>
+                                          </p:stCondLst>
+                                        </p:cTn>
+                                        <p:tgtEl>
+                                          <p:spTgt spid="60"/>
+                                        </p:tgtEl>
+                                        <p:attrNameLst>
+                                          <p:attrName>style.visibility</p:attrName>
+                                        </p:attrNameLst>
+                                      </p:cBhvr>
+                                      <p:to>
+                                        <p:strVal val="visible"/>
+                                      </p:to>
+                                    </p:set>
+                                    <p:animEffect transition="in" filter="fade">
+                                      <p:cBhvr>
+                                        <p:cTn id="11" dur="500"/>
+                                        <p:tgtEl>
+                                          <p:spTgt spid="60"/>
+                                        </p:tgtEl>
+                                      </p:cBhvr>
+                                    </p:animEffect>
+                                  </p:childTnLst>
+                                </p:cTn>
+                              </p:par>
+                            </p:childTnLst>
+                          </p:cTn>
+                        </p:par>
+                      </p:childTnLst>
+                    </p:cTn>
+                  </p:par>
+                  <p:par>
+                    <p:cTn id="12" fill="hold">
+                      <p:stCondLst>
+                        <p:cond delay="indefinite"/>
+                      </p:stCondLst>
+                      <p:childTnLst>
+                        <p:par>
+                          <p:cTn id="13" fill="hold">
+                            <p:stCondLst>
+                              <p:cond delay="0"/>
+                            </p:stCondLst>
+                            <p:childTnLst>
+                              <p:par>
+                                <p:cTn id="14" presetID="42" presetClass="path" presetSubtype="0" accel="50000" decel="50000" fill="hold" grpId="0" nodeType="clickEffect">
+                                  <p:stCondLst>
+                                    <p:cond delay="0"/>
+                                  </p:stCondLst>
+                                  <p:childTnLst>
+                                    <p:animMotion origin="layout" path="M 2.08333E-7 -1.48148E-6 L 0.14505 -1.48148E-6 " pathEditMode="relative" rAng="0" ptsTypes="AA">
+                                      <p:cBhvr>
+                                        <p:cTn id="15" dur="2000" fill="hold"/>
+                                        <p:tgtEl>
+                                          <p:spTgt spid="104"/>
+                                        </p:tgtEl>
+                                        <p:attrNameLst>
+                                          <p:attrName>ppt_x</p:attrName>
+                                          <p:attrName>ppt_y</p:attrName>
+                                        </p:attrNameLst>
+                                      </p:cBhvr>
+                                      <p:rCtr x="7253" y="0"/>
+                                    </p:animMotion>
+                                  </p:childTnLst>
+                                </p:cTn>
+                              </p:par>
+                            </p:childTnLst>
+                          </p:cTn>
+                        </p:par>
+                      </p:childTnLst>
+                    </p:cTn>
+                  </p:par>
+                  <p:par>
+                    <p:cTn id="16" fill="hold">
+                      <p:stCondLst>
+                        <p:cond delay="indefinite"/>
+                      </p:stCondLst>
+                      <p:childTnLst>
+                        <p:par>
+                          <p:cTn id="17" fill="hold">
+                            <p:stCondLst>
+                              <p:cond delay="0"/>
+                            </p:stCondLst>
+                            <p:childTnLst>
+                              <p:par>
+                                <p:cTn id="18" presetID="10" presetClass="entr" presetSubtype="0" fill="hold" grpId="0" nodeType="clickEffect">
+                                  <p:stCondLst>
+                                    <p:cond delay="0"/>
+                                  </p:stCondLst>
+                                  <p:childTnLst>
+                                    <p:set>
+                                      <p:cBhvr>
+                                        <p:cTn id="19" dur="1" fill="hold">
+                                          <p:stCondLst>
+                                            <p:cond delay="0"/>
+                                          </p:stCondLst>
+                                        </p:cTn>
+                                        <p:tgtEl>
+                                          <p:spTgt spid="66"/>
+                                        </p:tgtEl>
+                                        <p:attrNameLst>
+                                          <p:attrName>style.visibility</p:attrName>
+                                        </p:attrNameLst>
+                                      </p:cBhvr>
+                                      <p:to>
+                                        <p:strVal val="visible"/>
+                                      </p:to>
+                                    </p:set>
+                                    <p:animEffect transition="in" filter="fade">
+                                      <p:cBhvr>
+                                        <p:cTn id="20" dur="500"/>
+                                        <p:tgtEl>
+                                          <p:spTgt spid="66"/>
+                                        </p:tgtEl>
+                                      </p:cBhvr>
+                                    </p:animEffect>
+                                  </p:childTnLst>
+                                </p:cTn>
+                              </p:par>
+                            </p:childTnLst>
+                          </p:cTn>
+                        </p:par>
+                      </p:childTnLst>
+                    </p:cTn>
+                  </p:par>
+                  <p:par>
+                    <p:cTn id="21" fill="hold">
+                      <p:stCondLst>
+                        <p:cond delay="indefinite"/>
+                      </p:stCondLst>
+                      <p:childTnLst>
+                        <p:par>
+                          <p:cTn id="22" fill="hold">
+                            <p:stCondLst>
+                              <p:cond delay="0"/>
+                            </p:stCondLst>
+                            <p:childTnLst>
+                              <p:par>
+                                <p:cTn id="23" presetID="10" presetClass="entr" presetSubtype="0" fill="hold" grpId="0" nodeType="clickEffect">
+                                  <p:stCondLst>
+                                    <p:cond delay="0"/>
+                                  </p:stCondLst>
+                                  <p:childTnLst>
+                                    <p:set>
+                                      <p:cBhvr>
+                                        <p:cTn id="24" dur="1" fill="hold">
+                                          <p:stCondLst>
+                                            <p:cond delay="0"/>
+                                          </p:stCondLst>
+                                        </p:cTn>
+                                        <p:tgtEl>
+                                          <p:spTgt spid="76"/>
+                                        </p:tgtEl>
+                                        <p:attrNameLst>
+                                          <p:attrName>style.visibility</p:attrName>
+                                        </p:attrNameLst>
+                                      </p:cBhvr>
+                                      <p:to>
+                                        <p:strVal val="visible"/>
+                                      </p:to>
+                                    </p:set>
+                                    <p:animEffect transition="in" filter="fade">
+                                      <p:cBhvr>
+                                        <p:cTn id="25" dur="500"/>
+                                        <p:tgtEl>
+                                          <p:spTgt spid="76"/>
+                                        </p:tgtEl>
+                                      </p:cBhvr>
+                                    </p:animEffect>
+                                  </p:childTnLst>
+                                </p:cTn>
+                              </p:par>
+                            </p:childTnLst>
+                          </p:cTn>
+                        </p:par>
+                      </p:childTnLst>
+                    </p:cTn>
+                  </p:par>
+                  <p:par>
+                    <p:cTn id="26" fill="hold">
+                      <p:stCondLst>
+                        <p:cond delay="indefinite"/>
+                      </p:stCondLst>
+                      <p:childTnLst>
+                        <p:par>
+                          <p:cTn id="27" fill="hold">
+                            <p:stCondLst>
+                              <p:cond delay="0"/>
+                            </p:stCondLst>
+                            <p:childTnLst>
+                              <p:par>
+                                <p:cTn id="28" presetID="42" presetClass="path" presetSubtype="0" accel="50000" decel="50000" fill="hold" grpId="0" nodeType="clickEffect">
+                                  <p:stCondLst>
+                                    <p:cond delay="0"/>
+                                  </p:stCondLst>
+                                  <p:childTnLst>
+                                    <p:animMotion origin="layout" path="M 1.875E-6 -2.96296E-6 L 0.00078 -0.09282 " pathEditMode="relative" rAng="0" ptsTypes="AA">
+                                      <p:cBhvr>
+                                        <p:cTn id="29" dur="2000" fill="hold"/>
+                                        <p:tgtEl>
+                                          <p:spTgt spid="106"/>
+                                        </p:tgtEl>
+                                        <p:attrNameLst>
+                                          <p:attrName>ppt_x</p:attrName>
+                                          <p:attrName>ppt_y</p:attrName>
+                                        </p:attrNameLst>
+                                      </p:cBhvr>
+                                      <p:rCtr x="39" y="-4653"/>
+                                    </p:animMotion>
+                                  </p:childTnLst>
+                                </p:cTn>
+                              </p:par>
+                            </p:childTnLst>
+                          </p:cTn>
+                        </p:par>
+                      </p:childTnLst>
+                    </p:cTn>
+                  </p:par>
+                  <p:par>
+                    <p:cTn id="30" fill="hold">
+                      <p:stCondLst>
+                        <p:cond delay="indefinite"/>
+                      </p:stCondLst>
+                      <p:childTnLst>
+                        <p:par>
+                          <p:cTn id="31" fill="hold">
+                            <p:stCondLst>
+                              <p:cond delay="0"/>
+                            </p:stCondLst>
+                            <p:childTnLst>
+                              <p:par>
+                                <p:cTn id="32" presetID="10" presetClass="entr" presetSubtype="0" fill="hold" grpId="0" nodeType="clickEffect">
+                                  <p:stCondLst>
+                                    <p:cond delay="0"/>
+                                  </p:stCondLst>
+                                  <p:childTnLst>
+                                    <p:set>
+                                      <p:cBhvr>
+                                        <p:cTn id="33" dur="1" fill="hold">
+                                          <p:stCondLst>
+                                            <p:cond delay="0"/>
+                                          </p:stCondLst>
+                                        </p:cTn>
+                                        <p:tgtEl>
+                                          <p:spTgt spid="68"/>
+                                        </p:tgtEl>
+                                        <p:attrNameLst>
+                                          <p:attrName>style.visibility</p:attrName>
+                                        </p:attrNameLst>
+                                      </p:cBhvr>
+                                      <p:to>
+                                        <p:strVal val="visible"/>
+                                      </p:to>
+                                    </p:set>
+                                    <p:animEffect transition="in" filter="fade">
+                                      <p:cBhvr>
+                                        <p:cTn id="34" dur="500"/>
+                                        <p:tgtEl>
+                                          <p:spTgt spid="68"/>
+                                        </p:tgtEl>
+                                      </p:cBhvr>
+                                    </p:animEffect>
+                                  </p:childTnLst>
+                                </p:cTn>
+                              </p:par>
+                            </p:childTnLst>
+                          </p:cTn>
+                        </p:par>
+                      </p:childTnLst>
+                    </p:cTn>
+                  </p:par>
+                  <p:par>
+                    <p:cTn id="35" fill="hold">
+                      <p:stCondLst>
+                        <p:cond delay="indefinite"/>
+                      </p:stCondLst>
+                      <p:childTnLst>
+                        <p:par>
+                          <p:cTn id="36" fill="hold">
+                            <p:stCondLst>
+                              <p:cond delay="0"/>
+                            </p:stCondLst>
+                            <p:childTnLst>
+                              <p:par>
+                                <p:cTn id="37" presetID="10" presetClass="entr" presetSubtype="0" fill="hold" grpId="0" nodeType="clickEffect">
+                                  <p:stCondLst>
+                                    <p:cond delay="0"/>
+                                  </p:stCondLst>
+                                  <p:childTnLst>
+                                    <p:set>
+                                      <p:cBhvr>
+                                        <p:cTn id="38" dur="1" fill="hold">
+                                          <p:stCondLst>
+                                            <p:cond delay="0"/>
+                                          </p:stCondLst>
+                                        </p:cTn>
+                                        <p:tgtEl>
+                                          <p:spTgt spid="67"/>
+                                        </p:tgtEl>
+                                        <p:attrNameLst>
+                                          <p:attrName>style.visibility</p:attrName>
+                                        </p:attrNameLst>
+                                      </p:cBhvr>
+                                      <p:to>
+                                        <p:strVal val="visible"/>
+                                      </p:to>
+                                    </p:set>
+                                    <p:animEffect transition="in" filter="fade">
+                                      <p:cBhvr>
+                                        <p:cTn id="39" dur="500"/>
+                                        <p:tgtEl>
+                                          <p:spTgt spid="67"/>
+                                        </p:tgtEl>
+                                      </p:cBhvr>
+                                    </p:animEffect>
+                                  </p:childTnLst>
+                                </p:cTn>
+                              </p:par>
+                            </p:childTnLst>
+                          </p:cTn>
+                        </p:par>
+                      </p:childTnLst>
+                    </p:cTn>
+                  </p:par>
+                  <p:par>
+                    <p:cTn id="40" fill="hold">
+                      <p:stCondLst>
+                        <p:cond delay="indefinite"/>
+                      </p:stCondLst>
+                      <p:childTnLst>
+                        <p:par>
+                          <p:cTn id="41" fill="hold">
+                            <p:stCondLst>
+                              <p:cond delay="0"/>
+                            </p:stCondLst>
+                            <p:childTnLst>
+                              <p:par>
+                                <p:cTn id="42" presetID="42" presetClass="path" presetSubtype="0" accel="50000" decel="50000" fill="hold" grpId="0" nodeType="clickEffect">
+                                  <p:stCondLst>
+                                    <p:cond delay="0"/>
+                                  </p:stCondLst>
+                                  <p:childTnLst>
+                                    <p:animMotion origin="layout" path="M 1.875E-6 -3.7037E-7 L 1.875E-6 -0.0956 " pathEditMode="relative" rAng="0" ptsTypes="AA">
+                                      <p:cBhvr>
+                                        <p:cTn id="43" dur="2000" fill="hold"/>
+                                        <p:tgtEl>
+                                          <p:spTgt spid="107"/>
+                                        </p:tgtEl>
+                                        <p:attrNameLst>
+                                          <p:attrName>ppt_x</p:attrName>
+                                          <p:attrName>ppt_y</p:attrName>
+                                        </p:attrNameLst>
+                                      </p:cBhvr>
+                                      <p:rCtr x="0" y="-4792"/>
+                                    </p:animMotion>
+                                  </p:childTnLst>
+                                </p:cTn>
+                              </p:par>
+                            </p:childTnLst>
+                          </p:cTn>
+                        </p:par>
+                      </p:childTnLst>
+                    </p:cTn>
+                  </p:par>
+                  <p:par>
+                    <p:cTn id="44" fill="hold">
+                      <p:stCondLst>
+                        <p:cond delay="indefinite"/>
+                      </p:stCondLst>
+                      <p:childTnLst>
+                        <p:par>
+                          <p:cTn id="45" fill="hold">
+                            <p:stCondLst>
+                              <p:cond delay="0"/>
+                            </p:stCondLst>
+                            <p:childTnLst>
+                              <p:par>
+                                <p:cTn id="46" presetID="10" presetClass="entr" presetSubtype="0" fill="hold" grpId="0" nodeType="clickEffect">
+                                  <p:stCondLst>
+                                    <p:cond delay="0"/>
+                                  </p:stCondLst>
+                                  <p:childTnLst>
+                                    <p:set>
+                                      <p:cBhvr>
+                                        <p:cTn id="47" dur="1" fill="hold">
+                                          <p:stCondLst>
+                                            <p:cond delay="0"/>
+                                          </p:stCondLst>
+                                        </p:cTn>
+                                        <p:tgtEl>
+                                          <p:spTgt spid="70"/>
+                                        </p:tgtEl>
+                                        <p:attrNameLst>
+                                          <p:attrName>style.visibility</p:attrName>
+                                        </p:attrNameLst>
+                                      </p:cBhvr>
+                                      <p:to>
+                                        <p:strVal val="visible"/>
+                                      </p:to>
+                                    </p:set>
+                                    <p:animEffect transition="in" filter="fade">
+                                      <p:cBhvr>
+                                        <p:cTn id="48" dur="500"/>
+                                        <p:tgtEl>
+                                          <p:spTgt spid="70"/>
+                                        </p:tgtEl>
+                                      </p:cBhvr>
+                                    </p:animEffect>
+                                  </p:childTnLst>
+                                </p:cTn>
+                              </p:par>
+                            </p:childTnLst>
+                          </p:cTn>
+                        </p:par>
+                      </p:childTnLst>
+                    </p:cTn>
+                  </p:par>
+                  <p:par>
+                    <p:cTn id="49" fill="hold">
+                      <p:stCondLst>
+                        <p:cond delay="indefinite"/>
+                      </p:stCondLst>
+                      <p:childTnLst>
+                        <p:par>
+                          <p:cTn id="50" fill="hold">
+                            <p:stCondLst>
+                              <p:cond delay="0"/>
+                            </p:stCondLst>
+                            <p:childTnLst>
+                              <p:par>
+                                <p:cTn id="51" presetID="10" presetClass="entr" presetSubtype="0" fill="hold" grpId="0" nodeType="clickEffect">
+                                  <p:stCondLst>
+                                    <p:cond delay="0"/>
+                                  </p:stCondLst>
+                                  <p:childTnLst>
+                                    <p:set>
+                                      <p:cBhvr>
+                                        <p:cTn id="52" dur="1" fill="hold">
+                                          <p:stCondLst>
+                                            <p:cond delay="0"/>
+                                          </p:stCondLst>
+                                        </p:cTn>
+                                        <p:tgtEl>
+                                          <p:spTgt spid="69"/>
+                                        </p:tgtEl>
+                                        <p:attrNameLst>
+                                          <p:attrName>style.visibility</p:attrName>
+                                        </p:attrNameLst>
+                                      </p:cBhvr>
+                                      <p:to>
+                                        <p:strVal val="visible"/>
+                                      </p:to>
+                                    </p:set>
+                                    <p:animEffect transition="in" filter="fade">
+                                      <p:cBhvr>
+                                        <p:cTn id="53" dur="500"/>
+                                        <p:tgtEl>
+                                          <p:spTgt spid="69"/>
+                                        </p:tgtEl>
+                                      </p:cBhvr>
+                                    </p:animEffect>
+                                  </p:childTnLst>
+                                </p:cTn>
+                              </p:par>
+                            </p:childTnLst>
+                          </p:cTn>
+                        </p:par>
+                      </p:childTnLst>
+                    </p:cTn>
+                  </p:par>
+                  <p:par>
+                    <p:cTn id="54" fill="hold">
+                      <p:stCondLst>
+                        <p:cond delay="indefinite"/>
+                      </p:stCondLst>
+                      <p:childTnLst>
+                        <p:par>
+                          <p:cTn id="55" fill="hold">
+                            <p:stCondLst>
+                              <p:cond delay="0"/>
+                            </p:stCondLst>
+                            <p:childTnLst>
+                              <p:par>
+                                <p:cTn id="56" presetID="10" presetClass="entr" presetSubtype="0" fill="hold" grpId="0" nodeType="clickEffect">
+                                  <p:stCondLst>
+                                    <p:cond delay="0"/>
+                                  </p:stCondLst>
+                                  <p:childTnLst>
+                                    <p:set>
+                                      <p:cBhvr>
+                                        <p:cTn id="57" dur="1" fill="hold">
+                                          <p:stCondLst>
+                                            <p:cond delay="0"/>
+                                          </p:stCondLst>
+                                        </p:cTn>
+                                        <p:tgtEl>
+                                          <p:spTgt spid="71"/>
+                                        </p:tgtEl>
+                                        <p:attrNameLst>
+                                          <p:attrName>style.visibility</p:attrName>
+                                        </p:attrNameLst>
+                                      </p:cBhvr>
+                                      <p:to>
+                                        <p:strVal val="visible"/>
+                                      </p:to>
+                                    </p:set>
+                                    <p:animEffect transition="in" filter="fade">
+                                      <p:cBhvr>
+                                        <p:cTn id="58" dur="500"/>
+                                        <p:tgtEl>
+                                          <p:spTgt spid="71"/>
+                                        </p:tgtEl>
+                                      </p:cBhvr>
+                                    </p:animEffect>
+                                  </p:childTnLst>
+                                </p:cTn>
+                              </p:par>
+                            </p:childTnLst>
+                          </p:cTn>
+                        </p:par>
+                      </p:childTnLst>
+                    </p:cTn>
+                  </p:par>
+                  <p:par>
+                    <p:cTn id="59" fill="hold">
+                      <p:stCondLst>
+                        <p:cond delay="indefinite"/>
+                      </p:stCondLst>
+                      <p:childTnLst>
+                        <p:par>
+                          <p:cTn id="60" fill="hold">
+                            <p:stCondLst>
+                              <p:cond delay="0"/>
+                            </p:stCondLst>
+                            <p:childTnLst>
+                              <p:par>
+                                <p:cTn id="61" presetID="42" presetClass="path" presetSubtype="0" accel="50000" decel="50000" fill="hold" grpId="0" nodeType="clickEffect">
+                                  <p:stCondLst>
+                                    <p:cond delay="0"/>
+                                  </p:stCondLst>
+                                  <p:childTnLst>
+                                    <p:animMotion origin="layout" path="M -4.58333E-6 -2.22222E-6 L -0.19947 0.03172 " pathEditMode="relative" rAng="0" ptsTypes="AA">
+                                      <p:cBhvr>
+                                        <p:cTn id="62" dur="2000" fill="hold"/>
+                                        <p:tgtEl>
+                                          <p:spTgt spid="108"/>
+                                        </p:tgtEl>
+                                        <p:attrNameLst>
+                                          <p:attrName>ppt_x</p:attrName>
+                                          <p:attrName>ppt_y</p:attrName>
+                                        </p:attrNameLst>
+                                      </p:cBhvr>
+                                      <p:rCtr x="-9974" y="1574"/>
+                                    </p:animMotion>
+                                  </p:childTnLst>
+                                </p:cTn>
+                              </p:par>
+                            </p:childTnLst>
+                          </p:cTn>
+                        </p:par>
+                      </p:childTnLst>
+                    </p:cTn>
+                  </p:par>
+                  <p:par>
+                    <p:cTn id="63" fill="hold">
+                      <p:stCondLst>
+                        <p:cond delay="indefinite"/>
+                      </p:stCondLst>
+                      <p:childTnLst>
+                        <p:par>
+                          <p:cTn id="64" fill="hold">
+                            <p:stCondLst>
+                              <p:cond delay="0"/>
+                            </p:stCondLst>
+                            <p:childTnLst>
+                              <p:par>
+                                <p:cTn id="65" presetID="10" presetClass="entr" presetSubtype="0" fill="hold" grpId="0" nodeType="clickEffect">
+                                  <p:stCondLst>
+                                    <p:cond delay="0"/>
+                                  </p:stCondLst>
+                                  <p:childTnLst>
+                                    <p:set>
+                                      <p:cBhvr>
+                                        <p:cTn id="66" dur="1" fill="hold">
+                                          <p:stCondLst>
+                                            <p:cond delay="0"/>
+                                          </p:stCondLst>
+                                        </p:cTn>
+                                        <p:tgtEl>
+                                          <p:spTgt spid="91"/>
+                                        </p:tgtEl>
+                                        <p:attrNameLst>
+                                          <p:attrName>style.visibility</p:attrName>
+                                        </p:attrNameLst>
+                                      </p:cBhvr>
+                                      <p:to>
+                                        <p:strVal val="visible"/>
+                                      </p:to>
+                                    </p:set>
+                                    <p:animEffect transition="in" filter="fade">
+                                      <p:cBhvr>
+                                        <p:cTn id="67" dur="500"/>
+                                        <p:tgtEl>
+                                          <p:spTgt spid="91"/>
+                                        </p:tgtEl>
+                                      </p:cBhvr>
+                                    </p:animEffect>
+                                  </p:childTnLst>
+                                </p:cTn>
+                              </p:par>
+                            </p:childTnLst>
+                          </p:cTn>
+                        </p:par>
+                      </p:childTnLst>
+                    </p:cTn>
+                  </p:par>
+                  <p:par>
+                    <p:cTn id="68" fill="hold">
+                      <p:stCondLst>
+                        <p:cond delay="indefinite"/>
+                      </p:stCondLst>
+                      <p:childTnLst>
+                        <p:par>
+                          <p:cTn id="69" fill="hold">
+                            <p:stCondLst>
+                              <p:cond delay="0"/>
+                            </p:stCondLst>
+                            <p:childTnLst>
+                              <p:par>
+                                <p:cTn id="70" presetID="10" presetClass="entr" presetSubtype="0" fill="hold" grpId="0" nodeType="clickEffect">
+                                  <p:stCondLst>
+                                    <p:cond delay="0"/>
+                                  </p:stCondLst>
+                                  <p:childTnLst>
+                                    <p:set>
+                                      <p:cBhvr>
+                                        <p:cTn id="71" dur="1" fill="hold">
+                                          <p:stCondLst>
+                                            <p:cond delay="0"/>
+                                          </p:stCondLst>
+                                        </p:cTn>
+                                        <p:tgtEl>
+                                          <p:spTgt spid="89"/>
+                                        </p:tgtEl>
+                                        <p:attrNameLst>
+                                          <p:attrName>style.visibility</p:attrName>
+                                        </p:attrNameLst>
+                                      </p:cBhvr>
+                                      <p:to>
+                                        <p:strVal val="visible"/>
+                                      </p:to>
+                                    </p:set>
+                                    <p:animEffect transition="in" filter="fade">
+                                      <p:cBhvr>
+                                        <p:cTn id="72" dur="500"/>
+                                        <p:tgtEl>
+                                          <p:spTgt spid="89"/>
+                                        </p:tgtEl>
+                                      </p:cBhvr>
+                                    </p:animEffect>
+                                  </p:childTnLst>
+                                </p:cTn>
+                              </p:par>
+                            </p:childTnLst>
+                          </p:cTn>
+                        </p:par>
+                      </p:childTnLst>
+                    </p:cTn>
+                  </p:par>
+                  <p:par>
+                    <p:cTn id="73" fill="hold">
+                      <p:stCondLst>
+                        <p:cond delay="indefinite"/>
+                      </p:stCondLst>
+                      <p:childTnLst>
+                        <p:par>
+                          <p:cTn id="74" fill="hold">
+                            <p:stCondLst>
+                              <p:cond delay="0"/>
+                            </p:stCondLst>
+                            <p:childTnLst>
+                              <p:par>
+                                <p:cTn id="75" presetID="42" presetClass="path" presetSubtype="0" accel="50000" decel="50000" fill="hold" grpId="0" nodeType="clickEffect">
+                                  <p:stCondLst>
+                                    <p:cond delay="0"/>
+                                  </p:stCondLst>
+                                  <p:childTnLst>
+                                    <p:animMotion origin="layout" path="M 3.125E-6 3.33333E-6 L -0.00104 -0.29537 " pathEditMode="relative" rAng="0" ptsTypes="AA">
+                                      <p:cBhvr>
+                                        <p:cTn id="76" dur="2000" fill="hold"/>
+                                        <p:tgtEl>
+                                          <p:spTgt spid="109"/>
+                                        </p:tgtEl>
+                                        <p:attrNameLst>
+                                          <p:attrName>ppt_x</p:attrName>
+                                          <p:attrName>ppt_y</p:attrName>
+                                        </p:attrNameLst>
+                                      </p:cBhvr>
+                                      <p:rCtr x="-52" y="-14769"/>
+                                    </p:animMotion>
+                                  </p:childTnLst>
+                                </p:cTn>
+                              </p:par>
+                            </p:childTnLst>
+                          </p:cTn>
+                        </p:par>
+                      </p:childTnLst>
+                    </p:cTn>
+                  </p:par>
+                  <p:par>
+                    <p:cTn id="77" fill="hold">
+                      <p:stCondLst>
+                        <p:cond delay="indefinite"/>
+                      </p:stCondLst>
+                      <p:childTnLst>
+                        <p:par>
+                          <p:cTn id="78" fill="hold">
+                            <p:stCondLst>
+                              <p:cond delay="0"/>
+                            </p:stCondLst>
+                            <p:childTnLst>
+                              <p:par>
+                                <p:cTn id="79" presetID="10" presetClass="entr" presetSubtype="0" fill="hold" grpId="0" nodeType="clickEffect">
+                                  <p:stCondLst>
+                                    <p:cond delay="0"/>
+                                  </p:stCondLst>
+                                  <p:childTnLst>
+                                    <p:set>
+                                      <p:cBhvr>
+                                        <p:cTn id="80" dur="1" fill="hold">
+                                          <p:stCondLst>
+                                            <p:cond delay="0"/>
+                                          </p:stCondLst>
+                                        </p:cTn>
+                                        <p:tgtEl>
+                                          <p:spTgt spid="111"/>
+                                        </p:tgtEl>
+                                        <p:attrNameLst>
+                                          <p:attrName>style.visibility</p:attrName>
+                                        </p:attrNameLst>
+                                      </p:cBhvr>
+                                      <p:to>
+                                        <p:strVal val="visible"/>
+                                      </p:to>
+                                    </p:set>
+                                    <p:animEffect transition="in" filter="fade">
+                                      <p:cBhvr>
+                                        <p:cTn id="81" dur="500"/>
+                                        <p:tgtEl>
+                                          <p:spTgt spid="111"/>
+                                        </p:tgtEl>
+                                      </p:cBhvr>
+                                    </p:animEffect>
+                                  </p:childTnLst>
+                                </p:cTn>
+                              </p:par>
+                            </p:childTnLst>
+                          </p:cTn>
+                        </p:par>
+                      </p:childTnLst>
+                    </p:cTn>
+                  </p:par>
+                  <p:par>
+                    <p:cTn id="82" fill="hold">
+                      <p:stCondLst>
+                        <p:cond delay="indefinite"/>
+                      </p:stCondLst>
+                      <p:childTnLst>
+                        <p:par>
+                          <p:cTn id="83" fill="hold">
+                            <p:stCondLst>
+                              <p:cond delay="0"/>
+                            </p:stCondLst>
+                            <p:childTnLst>
+                              <p:par>
+                                <p:cTn id="84" presetID="10" presetClass="entr" presetSubtype="0" fill="hold" grpId="0" nodeType="clickEffect">
+                                  <p:stCondLst>
+                                    <p:cond delay="0"/>
+                                  </p:stCondLst>
+                                  <p:childTnLst>
+                                    <p:set>
+                                      <p:cBhvr>
+                                        <p:cTn id="85" dur="1" fill="hold">
+                                          <p:stCondLst>
+                                            <p:cond delay="0"/>
+                                          </p:stCondLst>
+                                        </p:cTn>
+                                        <p:tgtEl>
+                                          <p:spTgt spid="112"/>
+                                        </p:tgtEl>
+                                        <p:attrNameLst>
+                                          <p:attrName>style.visibility</p:attrName>
+                                        </p:attrNameLst>
+                                      </p:cBhvr>
+                                      <p:to>
+                                        <p:strVal val="visible"/>
+                                      </p:to>
+                                    </p:set>
+                                    <p:animEffect transition="in" filter="fade">
+                                      <p:cBhvr>
+                                        <p:cTn id="86" dur="500"/>
+                                        <p:tgtEl>
+                                          <p:spTgt spid="112"/>
+                                        </p:tgtEl>
+                                      </p:cBhvr>
+                                    </p:animEffect>
+                                  </p:childTnLst>
+                                </p:cTn>
+                              </p:par>
+                            </p:childTnLst>
+                          </p:cTn>
+                        </p:par>
+                      </p:childTnLst>
+                    </p:cTn>
+                  </p:par>
+                  <p:par>
+                    <p:cTn id="87" fill="hold">
+                      <p:stCondLst>
+                        <p:cond delay="indefinite"/>
+                      </p:stCondLst>
+                      <p:childTnLst>
+                        <p:par>
+                          <p:cTn id="88" fill="hold">
+                            <p:stCondLst>
+                              <p:cond delay="0"/>
+                            </p:stCondLst>
+                            <p:childTnLst>
+                              <p:par>
+                                <p:cTn id="89" presetID="42" presetClass="path" presetSubtype="0" accel="50000" decel="50000" fill="hold" grpId="0" nodeType="clickEffect">
+                                  <p:stCondLst>
+                                    <p:cond delay="0"/>
+                                  </p:stCondLst>
+                                  <p:childTnLst>
+                                    <p:animMotion origin="layout" path="M 5E-6 3.33333E-6 L -0.00078 -0.22037 " pathEditMode="relative" rAng="0" ptsTypes="AA">
+                                      <p:cBhvr>
+                                        <p:cTn id="90" dur="2000" fill="hold"/>
+                                        <p:tgtEl>
+                                          <p:spTgt spid="110"/>
+                                        </p:tgtEl>
+                                        <p:attrNameLst>
+                                          <p:attrName>ppt_x</p:attrName>
+                                          <p:attrName>ppt_y</p:attrName>
+                                        </p:attrNameLst>
+                                      </p:cBhvr>
+                                      <p:rCtr x="-39" y="-11019"/>
+                                    </p:animMotion>
+                                  </p:childTnLst>
+                                </p:cTn>
+                              </p:par>
+                            </p:childTnLst>
+                          </p:cTn>
+                        </p:par>
+                      </p:childTnLst>
+                    </p:cTn>
+                  </p:par>
+                  <p:par>
+                    <p:cTn id="91" fill="hold">
+                      <p:stCondLst>
+                        <p:cond delay="indefinite"/>
+                      </p:stCondLst>
+                      <p:childTnLst>
+                        <p:par>
+                          <p:cTn id="92" fill="hold">
+                            <p:stCondLst>
+                              <p:cond delay="0"/>
+                            </p:stCondLst>
+                            <p:childTnLst>
+                              <p:par>
+                                <p:cTn id="93" presetID="10" presetClass="entr" presetSubtype="0" fill="hold" grpId="0" nodeType="clickEffect">
+                                  <p:stCondLst>
+                                    <p:cond delay="0"/>
+                                  </p:stCondLst>
+                                  <p:childTnLst>
+                                    <p:set>
+                                      <p:cBhvr>
+                                        <p:cTn id="94" dur="1" fill="hold">
+                                          <p:stCondLst>
+                                            <p:cond delay="0"/>
+                                          </p:stCondLst>
+                                        </p:cTn>
+                                        <p:tgtEl>
+                                          <p:spTgt spid="80"/>
+                                        </p:tgtEl>
+                                        <p:attrNameLst>
+                                          <p:attrName>style.visibility</p:attrName>
+                                        </p:attrNameLst>
+                                      </p:cBhvr>
+                                      <p:to>
+                                        <p:strVal val="visible"/>
+                                      </p:to>
+                                    </p:set>
+                                    <p:animEffect transition="in" filter="fade">
+                                      <p:cBhvr>
+                                        <p:cTn id="95" dur="500"/>
+                                        <p:tgtEl>
+                                          <p:spTgt spid="80"/>
+                                        </p:tgtEl>
+                                      </p:cBhvr>
+                                    </p:animEffect>
+                                  </p:childTnLst>
+                                </p:cTn>
+                              </p:par>
+                            </p:childTnLst>
+                          </p:cTn>
+                        </p:par>
+                      </p:childTnLst>
+                    </p:cTn>
+                  </p:par>
+                  <p:par>
+                    <p:cTn id="96" fill="hold">
+                      <p:stCondLst>
+                        <p:cond delay="indefinite"/>
+                      </p:stCondLst>
+                      <p:childTnLst>
+                        <p:par>
+                          <p:cTn id="97" fill="hold">
+                            <p:stCondLst>
+                              <p:cond delay="0"/>
+                            </p:stCondLst>
+                            <p:childTnLst>
+                              <p:par>
+                                <p:cTn id="98" presetID="10" presetClass="entr" presetSubtype="0" fill="hold" grpId="0" nodeType="clickEffect">
+                                  <p:stCondLst>
+                                    <p:cond delay="0"/>
+                                  </p:stCondLst>
+                                  <p:childTnLst>
+                                    <p:set>
+                                      <p:cBhvr>
+                                        <p:cTn id="99" dur="1" fill="hold">
+                                          <p:stCondLst>
+                                            <p:cond delay="0"/>
+                                          </p:stCondLst>
+                                        </p:cTn>
+                                        <p:tgtEl>
+                                          <p:spTgt spid="81"/>
+                                        </p:tgtEl>
+                                        <p:attrNameLst>
+                                          <p:attrName>style.visibility</p:attrName>
+                                        </p:attrNameLst>
+                                      </p:cBhvr>
+                                      <p:to>
+                                        <p:strVal val="visible"/>
+                                      </p:to>
+                                    </p:set>
+                                    <p:animEffect transition="in" filter="fade">
+                                      <p:cBhvr>
+                                        <p:cTn id="100" dur="500"/>
+                                        <p:tgtEl>
+                                          <p:spTgt spid="81"/>
+                                        </p:tgtEl>
+                                      </p:cBhvr>
+                                    </p:animEffect>
+                                  </p:childTnLst>
+                                </p:cTn>
+                              </p:par>
+                            </p:childTnLst>
+                          </p:cTn>
+                        </p:par>
+                      </p:childTnLst>
+                    </p:cTn>
+                  </p:par>
+                  <p:par>
+                    <p:cTn id="101" fill="hold">
+                      <p:stCondLst>
+                        <p:cond delay="indefinite"/>
+                      </p:stCondLst>
+                      <p:childTnLst>
+                        <p:par>
+                          <p:cTn id="102" fill="hold">
+                            <p:stCondLst>
+                              <p:cond delay="0"/>
+                            </p:stCondLst>
+                            <p:childTnLst>
+                              <p:par>
+                                <p:cTn id="103" presetID="10" presetClass="entr" presetSubtype="0" fill="hold" grpId="0" nodeType="clickEffect">
+                                  <p:stCondLst>
+                                    <p:cond delay="0"/>
+                                  </p:stCondLst>
+                                  <p:childTnLst>
+                                    <p:set>
+                                      <p:cBhvr>
+                                        <p:cTn id="104" dur="1" fill="hold">
+                                          <p:stCondLst>
+                                            <p:cond delay="0"/>
+                                          </p:stCondLst>
+                                        </p:cTn>
+                                        <p:tgtEl>
+                                          <p:spTgt spid="73"/>
+                                        </p:tgtEl>
+                                        <p:attrNameLst>
+                                          <p:attrName>style.visibility</p:attrName>
+                                        </p:attrNameLst>
+                                      </p:cBhvr>
+                                      <p:to>
+                                        <p:strVal val="visible"/>
+                                      </p:to>
+                                    </p:set>
+                                    <p:animEffect transition="in" filter="fade">
+                                      <p:cBhvr>
+                                        <p:cTn id="105" dur="500"/>
+                                        <p:tgtEl>
+                                          <p:spTgt spid="73"/>
+                                        </p:tgtEl>
+                                      </p:cBhvr>
+                                    </p:animEffect>
+                                  </p:childTnLst>
+                                </p:cTn>
+                              </p:par>
+                            </p:childTnLst>
+                          </p:cTn>
+                        </p:par>
+                      </p:childTnLst>
+                    </p:cTn>
+                  </p:par>
+                  <p:par>
+                    <p:cTn id="106" fill="hold">
+                      <p:stCondLst>
+                        <p:cond delay="indefinite"/>
+                      </p:stCondLst>
+                      <p:childTnLst>
+                        <p:par>
+                          <p:cTn id="107" fill="hold">
+                            <p:stCondLst>
+                              <p:cond delay="0"/>
+                            </p:stCondLst>
+                            <p:childTnLst>
+                              <p:par>
+                                <p:cTn id="108" presetID="42" presetClass="path" presetSubtype="0" accel="50000" decel="50000" fill="hold" grpId="0" nodeType="clickEffect">
+                                  <p:stCondLst>
+                                    <p:cond delay="0"/>
+                                  </p:stCondLst>
+                                  <p:childTnLst>
+                                    <p:animMotion origin="layout" path="M 8.33333E-7 4.81481E-6 L -0.18919 -0.40139 " pathEditMode="relative" rAng="0" ptsTypes="AA">
+                                      <p:cBhvr>
+                                        <p:cTn id="109" dur="2000" fill="hold"/>
+                                        <p:tgtEl>
+                                          <p:spTgt spid="113"/>
+                                        </p:tgtEl>
+                                        <p:attrNameLst>
+                                          <p:attrName>ppt_x</p:attrName>
+                                          <p:attrName>ppt_y</p:attrName>
+                                        </p:attrNameLst>
+                                      </p:cBhvr>
+                                      <p:rCtr x="-9466" y="-20069"/>
+                                    </p:animMotion>
+                                  </p:childTnLst>
+                                </p:cTn>
+                              </p:par>
+                            </p:childTnLst>
+                          </p:cTn>
+                        </p:par>
+                      </p:childTnLst>
+                    </p:cTn>
+                  </p:par>
+                  <p:par>
+                    <p:cTn id="110" fill="hold">
+                      <p:stCondLst>
+                        <p:cond delay="indefinite"/>
+                      </p:stCondLst>
+                      <p:childTnLst>
+                        <p:par>
+                          <p:cTn id="111" fill="hold">
+                            <p:stCondLst>
+                              <p:cond delay="0"/>
+                            </p:stCondLst>
+                            <p:childTnLst>
+                              <p:par>
+                                <p:cTn id="112" presetID="10" presetClass="entr" presetSubtype="0" fill="hold" grpId="0" nodeType="clickEffect">
+                                  <p:stCondLst>
+                                    <p:cond delay="0"/>
+                                  </p:stCondLst>
+                                  <p:childTnLst>
+                                    <p:set>
+                                      <p:cBhvr>
+                                        <p:cTn id="113" dur="1" fill="hold">
+                                          <p:stCondLst>
+                                            <p:cond delay="0"/>
+                                          </p:stCondLst>
+                                        </p:cTn>
+                                        <p:tgtEl>
+                                          <p:spTgt spid="101"/>
+                                        </p:tgtEl>
+                                        <p:attrNameLst>
+                                          <p:attrName>style.visibility</p:attrName>
+                                        </p:attrNameLst>
+                                      </p:cBhvr>
+                                      <p:to>
+                                        <p:strVal val="visible"/>
+                                      </p:to>
+                                    </p:set>
+                                    <p:animEffect transition="in" filter="fade">
+                                      <p:cBhvr>
+                                        <p:cTn id="114" dur="500"/>
+                                        <p:tgtEl>
+                                          <p:spTgt spid="101"/>
+                                        </p:tgtEl>
+                                      </p:cBhvr>
+                                    </p:animEffect>
+                                  </p:childTnLst>
+                                </p:cTn>
+                              </p:par>
+                            </p:childTnLst>
+                          </p:cTn>
+                        </p:par>
+                      </p:childTnLst>
+                    </p:cTn>
+                  </p:par>
+                  <p:par>
+                    <p:cTn id="115" fill="hold">
+                      <p:stCondLst>
+                        <p:cond delay="indefinite"/>
+                      </p:stCondLst>
+                      <p:childTnLst>
+                        <p:par>
+                          <p:cTn id="116" fill="hold">
+                            <p:stCondLst>
+                              <p:cond delay="0"/>
+                            </p:stCondLst>
+                            <p:childTnLst>
+                              <p:par>
+                                <p:cTn id="117" presetID="10" presetClass="entr" presetSubtype="0" fill="hold" grpId="0" nodeType="clickEffect">
+                                  <p:stCondLst>
+                                    <p:cond delay="0"/>
+                                  </p:stCondLst>
+                                  <p:childTnLst>
+                                    <p:set>
+                                      <p:cBhvr>
+                                        <p:cTn id="118" dur="1" fill="hold">
+                                          <p:stCondLst>
+                                            <p:cond delay="0"/>
+                                          </p:stCondLst>
+                                        </p:cTn>
+                                        <p:tgtEl>
+                                          <p:spTgt spid="102"/>
+                                        </p:tgtEl>
+                                        <p:attrNameLst>
+                                          <p:attrName>style.visibility</p:attrName>
+                                        </p:attrNameLst>
+                                      </p:cBhvr>
+                                      <p:to>
+                                        <p:strVal val="visible"/>
+                                      </p:to>
+                                    </p:set>
+                                    <p:animEffect transition="in" filter="fade">
+                                      <p:cBhvr>
+                                        <p:cTn id="119" dur="500"/>
+                                        <p:tgtEl>
+                                          <p:spTgt spid="102"/>
+                                        </p:tgtEl>
+                                      </p:cBhvr>
+                                    </p:animEffect>
+                                  </p:childTnLst>
+                                </p:cTn>
+                              </p:par>
+                            </p:childTnLst>
+                          </p:cTn>
+                        </p:par>
+                      </p:childTnLst>
+                    </p:cTn>
+                  </p:par>
+                  <p:par>
+                    <p:cTn id="120" fill="hold">
+                      <p:stCondLst>
+                        <p:cond delay="indefinite"/>
+                      </p:stCondLst>
+                      <p:childTnLst>
+                        <p:par>
+                          <p:cTn id="121" fill="hold">
+                            <p:stCondLst>
+                              <p:cond delay="0"/>
+                            </p:stCondLst>
+                            <p:childTnLst>
+                              <p:par>
+                                <p:cTn id="122" presetID="42" presetClass="path" presetSubtype="0" accel="50000" decel="50000" fill="hold" grpId="0" nodeType="clickEffect">
+                                  <p:stCondLst>
+                                    <p:cond delay="0"/>
+                                  </p:stCondLst>
+                                  <p:childTnLst>
+                                    <p:animMotion origin="layout" path="M 3.125E-6 1.48148E-6 L 0.17252 0.00625 " pathEditMode="relative" rAng="0" ptsTypes="AA">
+                                      <p:cBhvr>
+                                        <p:cTn id="123" dur="2000" fill="hold"/>
+                                        <p:tgtEl>
+                                          <p:spTgt spid="115"/>
+                                        </p:tgtEl>
+                                        <p:attrNameLst>
+                                          <p:attrName>ppt_x</p:attrName>
+                                          <p:attrName>ppt_y</p:attrName>
+                                        </p:attrNameLst>
+                                      </p:cBhvr>
+                                      <p:rCtr x="8620" y="301"/>
+                                    </p:animMotion>
+                                  </p:childTnLst>
+                                </p:cTn>
+                              </p:par>
+                            </p:childTnLst>
+                          </p:cTn>
+                        </p:par>
+                      </p:childTnLst>
+                    </p:cTn>
+                  </p:par>
+                  <p:par>
+                    <p:cTn id="124" fill="hold">
+                      <p:stCondLst>
+                        <p:cond delay="indefinite"/>
+                      </p:stCondLst>
+                      <p:childTnLst>
+                        <p:par>
+                          <p:cTn id="125" fill="hold">
+                            <p:stCondLst>
+                              <p:cond delay="0"/>
+                            </p:stCondLst>
+                            <p:childTnLst>
+                              <p:par>
+                                <p:cTn id="126" presetID="10" presetClass="entr" presetSubtype="0" fill="hold" grpId="0" nodeType="clickEffect">
+                                  <p:stCondLst>
+                                    <p:cond delay="0"/>
+                                  </p:stCondLst>
+                                  <p:childTnLst>
+                                    <p:set>
+                                      <p:cBhvr>
+                                        <p:cTn id="127" dur="1" fill="hold">
+                                          <p:stCondLst>
+                                            <p:cond delay="0"/>
+                                          </p:stCondLst>
+                                        </p:cTn>
+                                        <p:tgtEl>
+                                          <p:spTgt spid="114"/>
+                                        </p:tgtEl>
+                                        <p:attrNameLst>
+                                          <p:attrName>style.visibility</p:attrName>
+                                        </p:attrNameLst>
+                                      </p:cBhvr>
+                                      <p:to>
+                                        <p:strVal val="visible"/>
+                                      </p:to>
+                                    </p:set>
+                                    <p:animEffect transition="in" filter="fade">
+                                      <p:cBhvr>
+                                        <p:cTn id="128" dur="500"/>
+                                        <p:tgtEl>
+                                          <p:spTgt spid="114"/>
+                                        </p:tgtEl>
+                                      </p:cBhvr>
+                                    </p:animEffect>
+                                  </p:childTnLst>
+                                </p:cTn>
+                              </p:par>
+                            </p:childTnLst>
+                          </p:cTn>
+                        </p:par>
+                      </p:childTnLst>
+                    </p:cTn>
+                  </p:par>
+                  <p:par>
+                    <p:cTn id="129" fill="hold">
+                      <p:stCondLst>
+                        <p:cond delay="indefinite"/>
+                      </p:stCondLst>
+                      <p:childTnLst>
+                        <p:par>
+                          <p:cTn id="130" fill="hold">
+                            <p:stCondLst>
+                              <p:cond delay="0"/>
+                            </p:stCondLst>
+                            <p:childTnLst>
+                              <p:par>
+                                <p:cTn id="131" presetID="10" presetClass="entr" presetSubtype="0" fill="hold" grpId="0" nodeType="clickEffect">
+                                  <p:stCondLst>
+                                    <p:cond delay="0"/>
+                                  </p:stCondLst>
+                                  <p:childTnLst>
+                                    <p:set>
+                                      <p:cBhvr>
+                                        <p:cTn id="132" dur="1" fill="hold">
+                                          <p:stCondLst>
+                                            <p:cond delay="0"/>
+                                          </p:stCondLst>
+                                        </p:cTn>
+                                        <p:tgtEl>
+                                          <p:spTgt spid="59"/>
+                                        </p:tgtEl>
+                                        <p:attrNameLst>
+                                          <p:attrName>style.visibility</p:attrName>
+                                        </p:attrNameLst>
+                                      </p:cBhvr>
+                                      <p:to>
+                                        <p:strVal val="visible"/>
+                                      </p:to>
+                                    </p:set>
+                                    <p:animEffect transition="in" filter="fade">
+                                      <p:cBhvr>
+                                        <p:cTn id="133" dur="500"/>
+                                        <p:tgtEl>
+                                          <p:spTgt spid="59"/>
+                                        </p:tgtEl>
+                                      </p:cBhvr>
+                                    </p:animEffect>
+                                  </p:childTnLst>
+                                </p:cTn>
+                              </p:par>
+                            </p:childTnLst>
+                          </p:cTn>
+                        </p:par>
+                      </p:childTnLst>
+                    </p:cTn>
+                  </p:par>
+                </p:childTnLst>
+              </p:cTn>
+              <p:prevCondLst>
+                <p:cond evt="onPrev" delay="0">
+                  <p:tgtEl>
+                    <p:sldTgt/>
+                  </p:tgtEl>
+                </p:cond>
+              </p:prevCondLst>
+              <p:nextCondLst>
+                <p:cond evt="onNext" delay="0">
+                  <p:tgtEl>
+                    <p:sldTgt/>
+                  </p:tgtEl>
+                </p:cond>
+              </p:nextCondLst>
+            </p:seq>
+          </p:childTnLst>
+        </p:cTn>
+      </p:par>
+    </p:tnLst>
+    <p:bldLst>
+      <p:bldP spid="106" grpId="0" animBg="1"/>
+      <p:bldP spid="104" grpId="0" animBg="1"/>
+      <p:bldP spid="80" grpId="0" animBg="1"/>
+      <p:bldP spid="81" grpId="0" animBg="1"/>
+      <p:bldP spid="76" grpId="0" animBg="1"/>
+      <p:bldP spid="89" grpId="0" animBg="1"/>
+      <p:bldP spid="91" grpId="0" animBg="1"/>
+      <p:bldP spid="60" grpId="0"/>
+      <p:bldP spid="66" grpId="0" animBg="1"/>
+      <p:bldP spid="67" grpId="0" animBg="1"/>
+      <p:bldP spid="68" grpId="0" animBg="1"/>
+      <p:bldP spid="69" grpId="0" animBg="1"/>
+      <p:bldP spid="70" grpId="0" animBg="1"/>
+      <p:bldP spid="71" grpId="0"/>
+      <p:bldP spid="73" grpId="0"/>
+      <p:bldP spid="101" grpId="0" animBg="1"/>
+      <p:bldP spid="102" grpId="0" animBg="1"/>
+      <p:bldP spid="107" grpId="0" animBg="1"/>
+      <p:bldP spid="108" grpId="0" animBg="1"/>
+      <p:bldP spid="109" grpId="0" animBg="1"/>
+      <p:bldP spid="110" grpId="0" animBg="1"/>
+      <p:bldP spid="111" grpId="0" animBg="1"/>
+      <p:bldP spid="112" grpId="0" animBg="1"/>
+      <p:bldP spid="113" grpId="0" animBg="1"/>
+      <p:bldP spid="114" grpId="0" animBg="1"/>
+      <p:bldP spid="115" grpId="0" animBg="1"/>
+      <p:bldP spid="59" grpId="0" animBg="1"/>
+    </p:bldLst>
+  </p:timing>
+</p:sld>
+</file>
+
+<file path=ppt/slides/slide6.xml><?xml version="1.0" encoding="utf-8"?>
+<p:sld xmlns:a="http://schemas.openxmlformats.org/drawingml/2006/main" xmlns:r="http://schemas.openxmlformats.org/officeDocument/2006/relationships" xmlns:p="http://schemas.openxmlformats.org/presentationml/2006/main">
+  <p:cSld>
+    <p:spTree>
+      <p:nvGrpSpPr>
+        <p:cNvPr id="1" name=""/>
+        <p:cNvGrpSpPr/>
+        <p:nvPr/>
+      </p:nvGrpSpPr>
+      <p:grpSpPr>
+        <a:xfrm>
+          <a:off x="0" y="0"/>
+          <a:ext cx="0" cy="0"/>
+          <a:chOff x="0" y="0"/>
+          <a:chExt cx="0" cy="0"/>
+        </a:xfrm>
+      </p:grpSpPr>
+      <p:sp>
+        <p:nvSpPr>
           <p:cNvPr id="80" name="TextBox 79">
             <a:extLst>
               <a:ext uri="{FF2B5EF4-FFF2-40B4-BE49-F238E27FC236}">
@@ -23371,6 +28691,9 @@
             <a:lin ang="5400000" scaled="1"/>
             <a:tileRect/>
           </a:gradFill>
+          <a:ln>
+            <a:noFill/>
+          </a:ln>
         </p:spPr>
         <p:style>
           <a:lnRef idx="2">
@@ -23618,6 +28941,9 @@
             <a:lin ang="5400000" scaled="1"/>
             <a:tileRect/>
           </a:gradFill>
+          <a:ln>
+            <a:noFill/>
+          </a:ln>
         </p:spPr>
         <p:style>
           <a:lnRef idx="2">
@@ -25686,7 +31012,7 @@
     </p:custDataLst>
     <p:extLst>
       <p:ext uri="{BB962C8B-B14F-4D97-AF65-F5344CB8AC3E}">
-        <p14:creationId xmlns:p14="http://schemas.microsoft.com/office/powerpoint/2010/main" val="4139163509"/>
+        <p14:creationId xmlns:p14="http://schemas.microsoft.com/office/powerpoint/2010/main" val="2621655834"/>
       </p:ext>
     </p:extLst>
   </p:cSld>
@@ -25695,12 +31021,12 @@
   </p:clrMapOvr>
   <mc:AlternateContent xmlns:mc="http://schemas.openxmlformats.org/markup-compatibility/2006">
     <mc:Choice xmlns:p15="http://schemas.microsoft.com/office/powerpoint/2012/main" Requires="p15">
-      <p:transition xmlns:p14="http://schemas.microsoft.com/office/powerpoint/2010/main" spd="slow" p14:dur="2000">
+      <p:transition xmlns:p14="http://schemas.microsoft.com/office/powerpoint/2010/main" spd="slow" p14:dur="2000" advTm="31795">
         <p15:prstTrans prst="drape"/>
       </p:transition>
     </mc:Choice>
     <mc:Fallback>
-      <p:transition spd="slow">
+      <p:transition spd="slow" advTm="31795">
         <p:fade/>
       </p:transition>
     </mc:Fallback>
@@ -26818,25 +32144,31 @@
 
 <file path=ppt/tags/tag2.xml><?xml version="1.0" encoding="utf-8"?>
 <p:tagLst xmlns:a="http://schemas.openxmlformats.org/drawingml/2006/main" xmlns:r="http://schemas.openxmlformats.org/officeDocument/2006/relationships" xmlns:p="http://schemas.openxmlformats.org/presentationml/2006/main">
-  <p:tag name="TIMING" val="|1.4|2.8|2.7|1.8|1.9|2.3|1.3|1.6|2.6|2.4|2.6|2.4|1|1.6|3|1.4"/>
+  <p:tag name="TIMING" val="|3.2|2.1|2.2|1.6|1|1|2|0.8|0.8|0.9|2.2|0.8|1.1|0.9|0.7|1.1|1.2|2.1|0.8|0.8"/>
 </p:tagLst>
 </file>
 
 <file path=ppt/tags/tag3.xml><?xml version="1.0" encoding="utf-8"?>
 <p:tagLst xmlns:a="http://schemas.openxmlformats.org/drawingml/2006/main" xmlns:r="http://schemas.openxmlformats.org/officeDocument/2006/relationships" xmlns:p="http://schemas.openxmlformats.org/presentationml/2006/main">
-  <p:tag name="TIMING" val="|3|3.2|2|2.9|2.8|2.7|1.5|1.5|2.6|1.1|1|2.5|0.9|1.1|2.7|2.8|2|1.4|1.4|2.1|0.9|0.9|2.3"/>
+  <p:tag name="TIMING" val="|0.6|2.2|1|2.2|2.2|2.2|2.3|0.8|2.1|0.9|2.2|0.9|2.1|0.8|2|0.9|2.2"/>
 </p:tagLst>
 </file>
 
 <file path=ppt/tags/tag4.xml><?xml version="1.0" encoding="utf-8"?>
 <p:tagLst xmlns:a="http://schemas.openxmlformats.org/drawingml/2006/main" xmlns:r="http://schemas.openxmlformats.org/officeDocument/2006/relationships" xmlns:p="http://schemas.openxmlformats.org/presentationml/2006/main">
-  <p:tag name="TIMING" val="|3|3.2|2|2.9|2.8|2.7|1.5|1.5|2.6|1.1|1|2.5|0.9|1.1|2.7|2.8|2|1.4|1.4|2.1|0.9|0.9|2.3"/>
+  <p:tag name="TIMING" val="|0.7|2.2|1|2.3|2.4|2.3|2|0.9|2.1|0.9|2.1|0.8|2.2|1|1.8|0.9|2.3"/>
 </p:tagLst>
 </file>
 
 <file path=ppt/tags/tag5.xml><?xml version="1.0" encoding="utf-8"?>
 <p:tagLst xmlns:a="http://schemas.openxmlformats.org/drawingml/2006/main" xmlns:r="http://schemas.openxmlformats.org/officeDocument/2006/relationships" xmlns:p="http://schemas.openxmlformats.org/presentationml/2006/main">
-  <p:tag name="TIMING" val="|3|3.2|2|2.9|2.8|2.7|1.5|1.5|2.6|1.1|1|2.5|0.9|1.1|2.7|2.8|2|1.4|1.4|2.1|0.9|0.9|2.3"/>
+  <p:tag name="TIMING" val="|0.7|2.1|0.9|2.3|2.2|2.3|0.9|1|2.3|1|1.1|2.4|1|1.4|2.5|0.9|0.9|1|2.4|0.9|0.9|2.3"/>
+</p:tagLst>
+</file>
+
+<file path=ppt/tags/tag6.xml><?xml version="1.0" encoding="utf-8"?>
+<p:tagLst xmlns:a="http://schemas.openxmlformats.org/drawingml/2006/main" xmlns:r="http://schemas.openxmlformats.org/officeDocument/2006/relationships" xmlns:p="http://schemas.openxmlformats.org/presentationml/2006/main">
+  <p:tag name="TIMING" val="|0.7|2.3|1|2.3|1.3|0.8|0.8|0.8|2.3|0.9|1.1|2.3|0.9|1.1|2.4|0.9|0.9|0.9|2.3|1|0.8|2.1"/>
 </p:tagLst>
 </file>
 

--- a/crawl/GSKY_Crawl_MAS.pptx
+++ b/crawl/GSKY_Crawl_MAS.pptx
@@ -8508,7 +8508,7 @@
                 <a:ea typeface="+mn-ea"/>
                 <a:cs typeface="+mn-cs"/>
               </a:rPr>
-              <a:t>Animated display of process flow</a:t>
+              <a:t>Animated display of the process flow</a:t>
             </a:r>
             <a:endParaRPr lang="en-AU" sz="1600" b="1">
               <a:ln w="0"/>
@@ -8544,37 +8544,55 @@
         <p:spPr>
           <a:xfrm>
             <a:off x="2592926" y="2424635"/>
-            <a:ext cx="8915400" cy="1280891"/>
+            <a:ext cx="7588022" cy="1208265"/>
           </a:xfrm>
         </p:spPr>
         <p:txBody>
-          <a:bodyPr/>
+          <a:bodyPr>
+            <a:normAutofit/>
+          </a:bodyPr>
           <a:lstStyle/>
           <a:p>
             <a:r>
               <a:rPr lang="en-US"/>
-              <a:t>Pre-requisite: Setup a virtual machine</a:t>
-            </a:r>
+              <a:t>Source: </a:t>
+            </a:r>
+            <a:r>
+              <a:rPr lang="en-US">
+                <a:hlinkClick r:id="rId3"/>
+              </a:rPr>
+              <a:t>GSKY_Crawl_MAS.pptx</a:t>
+            </a:r>
+            <a:endParaRPr lang="en-US"/>
           </a:p>
           <a:p>
             <a:r>
               <a:rPr lang="en-US"/>
-              <a:t>Details are in: </a:t>
-            </a:r>
-            <a:r>
-              <a:rPr lang="en-US" b="1"/>
+              <a:t>Pre-requisite: </a:t>
+            </a:r>
+            <a:r>
+              <a:rPr lang="en-US">
+                <a:hlinkClick r:id="rId4"/>
+              </a:rPr>
+              <a:t>Setup</a:t>
+            </a:r>
+            <a:r>
+              <a:rPr lang="en-US"/>
+              <a:t> a virtual machine</a:t>
+            </a:r>
+          </a:p>
+          <a:p>
+            <a:r>
+              <a:rPr lang="en-US"/>
+              <a:t>Details: </a:t>
+            </a:r>
+            <a:r>
+              <a:rPr lang="en-US">
+                <a:hlinkClick r:id="rId5"/>
+              </a:rPr>
               <a:t>GSKY_Crawl_MAS.docx</a:t>
             </a:r>
-          </a:p>
-          <a:p>
-            <a:r>
-              <a:rPr lang="en-US"/>
-              <a:t>Next three slides will animate the crawling and ingestion process</a:t>
-            </a:r>
-            <a:endParaRPr lang="en-AU" b="1"/>
-          </a:p>
-          <a:p>
-            <a:endParaRPr lang="en-AU" b="1"/>
+            <a:endParaRPr lang="en-US"/>
           </a:p>
         </p:txBody>
       </p:sp>
@@ -8593,7 +8611,7 @@
         <p:spPr>
           <a:xfrm>
             <a:off x="2592926" y="4106779"/>
-            <a:ext cx="7491663" cy="923330"/>
+            <a:ext cx="8427008" cy="646331"/>
           </a:xfrm>
           <a:prstGeom prst="rect">
             <a:avLst/>
@@ -8608,12 +8626,8 @@
           <a:p>
             <a:pPr algn="just"/>
             <a:r>
-              <a:rPr lang="en-AU" b="1"/>
-              <a:t>NOTE</a:t>
-            </a:r>
-            <a:r>
               <a:rPr lang="en-AU"/>
-              <a:t>: It will take approximately 3 minutes to run through this demo. If too fast or too slow, then open the PPTX file and manually run the slideshow.</a:t>
+              <a:t>It will take approximately 3 minutes to run through this demo. If too fast or too slow, then open the *.pptx or *.mp4 file to manually run the slideshow.</a:t>
             </a:r>
             <a:endParaRPr lang="en-GB"/>
           </a:p>
@@ -9314,12 +9328,12 @@
   </p:clrMapOvr>
   <mc:AlternateContent xmlns:mc="http://schemas.openxmlformats.org/markup-compatibility/2006">
     <mc:Choice xmlns:p159="http://schemas.microsoft.com/office/powerpoint/2015/09/main" Requires="p159">
-      <p:transition xmlns:p14="http://schemas.microsoft.com/office/powerpoint/2010/main" spd="slow" p14:dur="2000" advTm="358">
+      <p:transition xmlns:p14="http://schemas.microsoft.com/office/powerpoint/2010/main" spd="slow" p14:dur="2000">
         <p159:morph option="byObject"/>
       </p:transition>
     </mc:Choice>
     <mc:Fallback>
-      <p:transition spd="slow" advTm="358">
+      <p:transition spd="slow">
         <p:fade/>
       </p:transition>
     </mc:Fallback>
@@ -11799,7 +11813,7 @@
                   <a:srgbClr val="00B0F0"/>
                 </a:solidFill>
               </a:rPr>
-              <a:t>See next slide !</a:t>
+              <a:t>ingest.sh: See next slide !</a:t>
             </a:r>
             <a:endParaRPr lang="en-GB" sz="1100">
               <a:solidFill>
@@ -12072,12 +12086,12 @@
   </p:clrMapOvr>
   <mc:AlternateContent xmlns:mc="http://schemas.openxmlformats.org/markup-compatibility/2006">
     <mc:Choice xmlns:p15="http://schemas.microsoft.com/office/powerpoint/2012/main" Requires="p15">
-      <p:transition xmlns:p14="http://schemas.microsoft.com/office/powerpoint/2010/main" spd="slow" p14:dur="2000" advTm="29574">
+      <p:transition xmlns:p14="http://schemas.microsoft.com/office/powerpoint/2010/main" spd="slow" p14:dur="2000">
         <p15:prstTrans prst="drape"/>
       </p:transition>
     </mc:Choice>
     <mc:Fallback>
-      <p:transition spd="slow" advTm="29574">
+      <p:transition spd="slow">
         <p:fade/>
       </p:transition>
     </mc:Fallback>
@@ -16820,12 +16834,12 @@
   </p:clrMapOvr>
   <mc:AlternateContent xmlns:mc="http://schemas.openxmlformats.org/markup-compatibility/2006">
     <mc:Choice xmlns:p15="http://schemas.microsoft.com/office/powerpoint/2012/main" Requires="p15">
-      <p:transition xmlns:p14="http://schemas.microsoft.com/office/powerpoint/2010/main" spd="slow" p14:dur="2000" advTm="29365">
+      <p:transition xmlns:p14="http://schemas.microsoft.com/office/powerpoint/2010/main" spd="slow" p14:dur="2000">
         <p15:prstTrans prst="drape"/>
       </p:transition>
     </mc:Choice>
     <mc:Fallback>
-      <p:transition spd="slow" advTm="29365">
+      <p:transition spd="slow">
         <p:fade/>
       </p:transition>
     </mc:Fallback>
@@ -21789,12 +21803,12 @@
   </p:clrMapOvr>
   <mc:AlternateContent xmlns:mc="http://schemas.openxmlformats.org/markup-compatibility/2006">
     <mc:Choice xmlns:p15="http://schemas.microsoft.com/office/powerpoint/2012/main" Requires="p15">
-      <p:transition xmlns:p14="http://schemas.microsoft.com/office/powerpoint/2010/main" spd="slow" p14:dur="2000" advTm="29763">
+      <p:transition xmlns:p14="http://schemas.microsoft.com/office/powerpoint/2010/main" spd="slow" p14:dur="2000">
         <p15:prstTrans prst="drape"/>
       </p:transition>
     </mc:Choice>
     <mc:Fallback>
-      <p:transition spd="slow" advTm="29763">
+      <p:transition spd="slow">
         <p:fade/>
       </p:transition>
     </mc:Fallback>
@@ -22638,40 +22652,46 @@
       </p:grpSpPr>
       <p:sp>
         <p:nvSpPr>
-          <p:cNvPr id="106" name="Arrow: Up 105">
+          <p:cNvPr id="101" name="TextBox 100">
             <a:extLst>
               <a:ext uri="{FF2B5EF4-FFF2-40B4-BE49-F238E27FC236}">
-                <a16:creationId xmlns:a16="http://schemas.microsoft.com/office/drawing/2014/main" id="{AEF2F821-FB24-4047-B16B-0807813D5418}"/>
+                <a16:creationId xmlns:a16="http://schemas.microsoft.com/office/drawing/2014/main" id="{22C93119-6CE9-4778-904F-C0AB6AC98025}"/>
               </a:ext>
             </a:extLst>
           </p:cNvPr>
-          <p:cNvSpPr/>
+          <p:cNvSpPr txBox="1"/>
           <p:nvPr/>
         </p:nvSpPr>
         <p:spPr>
           <a:xfrm>
-            <a:off x="7725481" y="4358274"/>
-            <a:ext cx="220640" cy="205048"/>
+            <a:off x="1223542" y="604533"/>
+            <a:ext cx="899456" cy="215444"/>
           </a:xfrm>
-          <a:prstGeom prst="upArrow">
+          <a:prstGeom prst="rect">
             <a:avLst/>
           </a:prstGeom>
           <a:gradFill flip="none" rotWithShape="1">
             <a:gsLst>
               <a:gs pos="0">
-                <a:schemeClr val="accent2">
+                <a:schemeClr val="accent4">
+                  <a:lumMod val="60000"/>
+                  <a:lumOff val="40000"/>
                   <a:shade val="30000"/>
                   <a:satMod val="115000"/>
                 </a:schemeClr>
               </a:gs>
               <a:gs pos="50000">
-                <a:schemeClr val="accent2">
+                <a:schemeClr val="accent4">
+                  <a:lumMod val="60000"/>
+                  <a:lumOff val="40000"/>
                   <a:shade val="67500"/>
                   <a:satMod val="115000"/>
                 </a:schemeClr>
               </a:gs>
               <a:gs pos="100000">
-                <a:schemeClr val="accent2">
+                <a:schemeClr val="accent4">
+                  <a:lumMod val="60000"/>
+                  <a:lumOff val="40000"/>
                   <a:shade val="100000"/>
                   <a:satMod val="115000"/>
                 </a:schemeClr>
@@ -22682,160 +22702,95 @@
           </a:gradFill>
           <a:ln>
             <a:solidFill>
-              <a:schemeClr val="accent2"/>
+              <a:schemeClr val="accent1">
+                <a:shade val="50000"/>
+              </a:schemeClr>
             </a:solidFill>
           </a:ln>
         </p:spPr>
-        <p:style>
-          <a:lnRef idx="2">
-            <a:schemeClr val="accent1">
-              <a:shade val="50000"/>
-            </a:schemeClr>
-          </a:lnRef>
-          <a:fillRef idx="1">
-            <a:schemeClr val="accent1"/>
-          </a:fillRef>
-          <a:effectRef idx="0">
-            <a:schemeClr val="accent1"/>
-          </a:effectRef>
-          <a:fontRef idx="minor">
-            <a:schemeClr val="lt1"/>
-          </a:fontRef>
-        </p:style>
         <p:txBody>
-          <a:bodyPr rtlCol="0" anchor="ctr"/>
-          <a:lstStyle/>
-          <a:p>
-            <a:pPr algn="ctr"/>
-            <a:endParaRPr lang="en-GB"/>
+          <a:bodyPr wrap="square" rtlCol="0">
+            <a:spAutoFit/>
+          </a:bodyPr>
+          <a:lstStyle>
+            <a:defPPr>
+              <a:defRPr lang="en-US"/>
+            </a:defPPr>
+            <a:lvl1pPr>
+              <a:defRPr sz="900"/>
+            </a:lvl1pPr>
+          </a:lstStyle>
+          <a:p>
+            <a:r>
+              <a:rPr lang="en-US" sz="700"/>
+              <a:t>ps_srid</a:t>
+            </a:r>
+            <a:br>
+              <a:rPr lang="en-US" sz="700"/>
+            </a:br>
+            <a:endParaRPr lang="en-GB" sz="100"/>
           </a:p>
         </p:txBody>
       </p:sp>
       <p:sp>
         <p:nvSpPr>
-          <p:cNvPr id="55" name="Hexagon 54">
+          <p:cNvPr id="102" name="TextBox 101">
             <a:extLst>
               <a:ext uri="{FF2B5EF4-FFF2-40B4-BE49-F238E27FC236}">
-                <a16:creationId xmlns:a16="http://schemas.microsoft.com/office/drawing/2014/main" id="{6D5178D1-E29A-43CC-B25A-1B0F030D539B}"/>
+                <a16:creationId xmlns:a16="http://schemas.microsoft.com/office/drawing/2014/main" id="{39C35F9A-EE82-44A4-A586-BCB6B163C282}"/>
               </a:ext>
             </a:extLst>
           </p:cNvPr>
-          <p:cNvSpPr/>
+          <p:cNvSpPr txBox="1"/>
           <p:nvPr/>
         </p:nvSpPr>
         <p:spPr>
           <a:xfrm>
-            <a:off x="7355650" y="4158405"/>
-            <a:ext cx="962108" cy="675861"/>
+            <a:off x="1223542" y="823976"/>
+            <a:ext cx="899456" cy="323165"/>
           </a:xfrm>
-          <a:prstGeom prst="hexagon">
+          <a:prstGeom prst="rect">
             <a:avLst/>
           </a:prstGeom>
           <a:solidFill>
             <a:schemeClr val="bg1"/>
           </a:solidFill>
-        </p:spPr>
-        <p:style>
-          <a:lnRef idx="2">
-            <a:schemeClr val="accent1">
-              <a:shade val="50000"/>
-            </a:schemeClr>
-          </a:lnRef>
-          <a:fillRef idx="1">
-            <a:schemeClr val="accent1"/>
-          </a:fillRef>
-          <a:effectRef idx="0">
-            <a:schemeClr val="accent1"/>
-          </a:effectRef>
-          <a:fontRef idx="minor">
-            <a:schemeClr val="lt1"/>
-          </a:fontRef>
-        </p:style>
-        <p:txBody>
-          <a:bodyPr rtlCol="0" anchor="ctr"/>
-          <a:lstStyle/>
-          <a:p>
-            <a:pPr algn="ctr"/>
-            <a:endParaRPr lang="en-AU" sz="1100">
-              <a:solidFill>
-                <a:schemeClr val="tx1"/>
-              </a:solidFill>
-            </a:endParaRPr>
-          </a:p>
-        </p:txBody>
-      </p:sp>
-      <p:sp>
-        <p:nvSpPr>
-          <p:cNvPr id="104" name="Arrow: Up 103">
-            <a:extLst>
-              <a:ext uri="{FF2B5EF4-FFF2-40B4-BE49-F238E27FC236}">
-                <a16:creationId xmlns:a16="http://schemas.microsoft.com/office/drawing/2014/main" id="{DC257103-E5AF-463F-8C7A-FAC30D015829}"/>
-              </a:ext>
-            </a:extLst>
-          </p:cNvPr>
-          <p:cNvSpPr/>
-          <p:nvPr/>
-        </p:nvSpPr>
-        <p:spPr>
-          <a:xfrm rot="5400000">
-            <a:off x="5908679" y="4399815"/>
-            <a:ext cx="220640" cy="205048"/>
-          </a:xfrm>
-          <a:prstGeom prst="upArrow">
-            <a:avLst/>
-          </a:prstGeom>
-          <a:gradFill flip="none" rotWithShape="1">
-            <a:gsLst>
-              <a:gs pos="0">
-                <a:schemeClr val="accent2">
-                  <a:shade val="30000"/>
-                  <a:satMod val="115000"/>
-                </a:schemeClr>
-              </a:gs>
-              <a:gs pos="50000">
-                <a:schemeClr val="accent2">
-                  <a:shade val="67500"/>
-                  <a:satMod val="115000"/>
-                </a:schemeClr>
-              </a:gs>
-              <a:gs pos="100000">
-                <a:schemeClr val="accent2">
-                  <a:shade val="100000"/>
-                  <a:satMod val="115000"/>
-                </a:schemeClr>
-              </a:gs>
-            </a:gsLst>
-            <a:lin ang="16200000" scaled="1"/>
-            <a:tileRect/>
-          </a:gradFill>
           <a:ln>
             <a:solidFill>
-              <a:schemeClr val="accent2"/>
+              <a:schemeClr val="accent1">
+                <a:shade val="50000"/>
+              </a:schemeClr>
             </a:solidFill>
           </a:ln>
         </p:spPr>
-        <p:style>
-          <a:lnRef idx="2">
-            <a:schemeClr val="accent1">
-              <a:shade val="50000"/>
-            </a:schemeClr>
-          </a:lnRef>
-          <a:fillRef idx="1">
-            <a:schemeClr val="accent1"/>
-          </a:fillRef>
-          <a:effectRef idx="0">
-            <a:schemeClr val="accent1"/>
-          </a:effectRef>
-          <a:fontRef idx="minor">
-            <a:schemeClr val="lt1"/>
-          </a:fontRef>
-        </p:style>
         <p:txBody>
-          <a:bodyPr rtlCol="0" anchor="ctr"/>
-          <a:lstStyle/>
-          <a:p>
-            <a:pPr algn="ctr"/>
-            <a:endParaRPr lang="en-GB"/>
+          <a:bodyPr wrap="square" rtlCol="0">
+            <a:spAutoFit/>
+          </a:bodyPr>
+          <a:lstStyle>
+            <a:defPPr>
+              <a:defRPr lang="en-US"/>
+            </a:defPPr>
+            <a:lvl1pPr>
+              <a:defRPr sz="900"/>
+            </a:lvl1pPr>
+          </a:lstStyle>
+          <a:p>
+            <a:r>
+              <a:rPr lang="en-US" sz="700"/>
+              <a:t>100000</a:t>
+            </a:r>
+            <a:br>
+              <a:rPr lang="en-US" sz="700"/>
+            </a:br>
+            <a:r>
+              <a:rPr lang="en-US" sz="700"/>
+              <a:t>(1 row)</a:t>
+            </a:r>
+            <a:endParaRPr lang="en-AU" sz="700"/>
+          </a:p>
+          <a:p>
+            <a:endParaRPr lang="en-GB" sz="100"/>
           </a:p>
         </p:txBody>
       </p:sp>
@@ -22978,10 +22933,10 @@
       </p:sp>
       <p:sp>
         <p:nvSpPr>
-          <p:cNvPr id="87" name="Hexagon 86">
+          <p:cNvPr id="86" name="Hexagon 85">
             <a:extLst>
               <a:ext uri="{FF2B5EF4-FFF2-40B4-BE49-F238E27FC236}">
-                <a16:creationId xmlns:a16="http://schemas.microsoft.com/office/drawing/2014/main" id="{99078B05-7D6A-46DE-83B7-BD2163331AE0}"/>
+                <a16:creationId xmlns:a16="http://schemas.microsoft.com/office/drawing/2014/main" id="{3E86E3E9-DDB7-4225-AFFA-866F3EC48EEB}"/>
               </a:ext>
             </a:extLst>
           </p:cNvPr>
@@ -22990,7 +22945,7 @@
         </p:nvSpPr>
         <p:spPr>
           <a:xfrm>
-            <a:off x="182258" y="5156135"/>
+            <a:off x="182258" y="1407816"/>
             <a:ext cx="962108" cy="743447"/>
           </a:xfrm>
           <a:prstGeom prst="hexagon">
@@ -23031,10 +22986,392 @@
       </p:sp>
       <p:sp>
         <p:nvSpPr>
-          <p:cNvPr id="86" name="Hexagon 85">
+          <p:cNvPr id="111" name="TextBox 110">
             <a:extLst>
               <a:ext uri="{FF2B5EF4-FFF2-40B4-BE49-F238E27FC236}">
-                <a16:creationId xmlns:a16="http://schemas.microsoft.com/office/drawing/2014/main" id="{3E86E3E9-DDB7-4225-AFFA-866F3EC48EEB}"/>
+                <a16:creationId xmlns:a16="http://schemas.microsoft.com/office/drawing/2014/main" id="{8BF98FC6-48CA-4C1B-9AA3-9DFF31660FD5}"/>
+              </a:ext>
+            </a:extLst>
+          </p:cNvPr>
+          <p:cNvSpPr txBox="1"/>
+          <p:nvPr/>
+        </p:nvSpPr>
+        <p:spPr>
+          <a:xfrm>
+            <a:off x="238834" y="2230821"/>
+            <a:ext cx="3275089" cy="230832"/>
+          </a:xfrm>
+          <a:prstGeom prst="rect">
+            <a:avLst/>
+          </a:prstGeom>
+          <a:gradFill flip="none" rotWithShape="1">
+            <a:gsLst>
+              <a:gs pos="0">
+                <a:schemeClr val="accent4">
+                  <a:lumMod val="60000"/>
+                  <a:lumOff val="40000"/>
+                  <a:shade val="30000"/>
+                  <a:satMod val="115000"/>
+                </a:schemeClr>
+              </a:gs>
+              <a:gs pos="50000">
+                <a:schemeClr val="accent4">
+                  <a:lumMod val="60000"/>
+                  <a:lumOff val="40000"/>
+                  <a:shade val="67500"/>
+                  <a:satMod val="115000"/>
+                </a:schemeClr>
+              </a:gs>
+              <a:gs pos="100000">
+                <a:schemeClr val="accent4">
+                  <a:lumMod val="60000"/>
+                  <a:lumOff val="40000"/>
+                  <a:shade val="100000"/>
+                  <a:satMod val="115000"/>
+                </a:schemeClr>
+              </a:gs>
+            </a:gsLst>
+            <a:lin ang="16200000" scaled="1"/>
+            <a:tileRect/>
+          </a:gradFill>
+          <a:ln>
+            <a:solidFill>
+              <a:schemeClr val="accent1">
+                <a:shade val="50000"/>
+              </a:schemeClr>
+            </a:solidFill>
+          </a:ln>
+        </p:spPr>
+        <p:txBody>
+          <a:bodyPr wrap="square" rtlCol="0">
+            <a:spAutoFit/>
+          </a:bodyPr>
+          <a:lstStyle>
+            <a:defPPr>
+              <a:defRPr lang="en-US"/>
+            </a:defPPr>
+            <a:lvl1pPr>
+              <a:defRPr sz="900"/>
+            </a:lvl1pPr>
+          </a:lstStyle>
+          <a:p>
+            <a:r>
+              <a:rPr lang="en-US" sz="800"/>
+              <a:t>srid|auth_name|auth_srid|srtext|proj4text</a:t>
+            </a:r>
+            <a:endParaRPr lang="en-AU" sz="800"/>
+          </a:p>
+          <a:p>
+            <a:endParaRPr lang="en-GB" sz="100"/>
+          </a:p>
+        </p:txBody>
+      </p:sp>
+      <p:sp>
+        <p:nvSpPr>
+          <p:cNvPr id="112" name="TextBox 111">
+            <a:extLst>
+              <a:ext uri="{FF2B5EF4-FFF2-40B4-BE49-F238E27FC236}">
+                <a16:creationId xmlns:a16="http://schemas.microsoft.com/office/drawing/2014/main" id="{1F42BBB5-DCE8-4145-90BB-DD11E52365B0}"/>
+              </a:ext>
+            </a:extLst>
+          </p:cNvPr>
+          <p:cNvSpPr txBox="1"/>
+          <p:nvPr/>
+        </p:nvSpPr>
+        <p:spPr>
+          <a:xfrm>
+            <a:off x="238834" y="2489036"/>
+            <a:ext cx="3275090" cy="646331"/>
+          </a:xfrm>
+          <a:prstGeom prst="rect">
+            <a:avLst/>
+          </a:prstGeom>
+          <a:solidFill>
+            <a:schemeClr val="bg1"/>
+          </a:solidFill>
+          <a:ln>
+            <a:solidFill>
+              <a:schemeClr val="accent1">
+                <a:shade val="50000"/>
+              </a:schemeClr>
+            </a:solidFill>
+          </a:ln>
+        </p:spPr>
+        <p:txBody>
+          <a:bodyPr wrap="square" rtlCol="0">
+            <a:spAutoFit/>
+          </a:bodyPr>
+          <a:lstStyle>
+            <a:defPPr>
+              <a:defRPr lang="en-US"/>
+            </a:defPPr>
+            <a:lvl1pPr>
+              <a:defRPr sz="900"/>
+            </a:lvl1pPr>
+          </a:lstStyle>
+          <a:p>
+            <a:r>
+              <a:rPr lang="en-US" sz="700"/>
+              <a:t>3819|EPSG|3819|GEOGCS["HD1909",DATUM["Hung…1909",SPHEROID["Bessel1841",6377397.155,299.15,AUTHORITY["EPSG","7004"]],TOWGS84[595.48,121.69,515.35,4.115,-2.93,0.853,-3.408],AUTH["EPSG","1024"]],PRIMEM["Grwich",0,AUTH["EPSG","8901"]],UNIT["deg",0.01…33,AUTH["EPSG","9122"]],AUTH["EPSG","3819"]]</a:t>
+            </a:r>
+            <a:endParaRPr lang="en-AU" sz="700"/>
+          </a:p>
+          <a:p>
+            <a:endParaRPr lang="en-GB" sz="100"/>
+          </a:p>
+        </p:txBody>
+      </p:sp>
+      <p:sp>
+        <p:nvSpPr>
+          <p:cNvPr id="89" name="TextBox 88">
+            <a:extLst>
+              <a:ext uri="{FF2B5EF4-FFF2-40B4-BE49-F238E27FC236}">
+                <a16:creationId xmlns:a16="http://schemas.microsoft.com/office/drawing/2014/main" id="{CC10D1D5-9717-4075-93C3-F1BE3531F8BD}"/>
+              </a:ext>
+            </a:extLst>
+          </p:cNvPr>
+          <p:cNvSpPr txBox="1"/>
+          <p:nvPr/>
+        </p:nvSpPr>
+        <p:spPr>
+          <a:xfrm>
+            <a:off x="238834" y="4045971"/>
+            <a:ext cx="2526648" cy="923330"/>
+          </a:xfrm>
+          <a:prstGeom prst="rect">
+            <a:avLst/>
+          </a:prstGeom>
+          <a:solidFill>
+            <a:schemeClr val="bg1"/>
+          </a:solidFill>
+          <a:ln>
+            <a:solidFill>
+              <a:schemeClr val="accent1">
+                <a:shade val="50000"/>
+              </a:schemeClr>
+            </a:solidFill>
+          </a:ln>
+        </p:spPr>
+        <p:txBody>
+          <a:bodyPr wrap="square" rtlCol="0">
+            <a:spAutoFit/>
+          </a:bodyPr>
+          <a:lstStyle>
+            <a:defPPr>
+              <a:defRPr lang="en-US"/>
+            </a:defPPr>
+            <a:lvl1pPr>
+              <a:defRPr sz="900"/>
+            </a:lvl1pPr>
+          </a:lstStyle>
+          <a:p>
+            <a:r>
+              <a:rPr lang="en-US" sz="600"/>
+              <a:t>100000 </a:t>
+            </a:r>
+            <a:r>
+              <a:rPr lang="en-US" sz="600">
+                <a:solidFill>
+                  <a:srgbClr val="FF0000"/>
+                </a:solidFill>
+              </a:rPr>
+              <a:t>|</a:t>
+            </a:r>
+            <a:r>
+              <a:rPr lang="en-US" sz="600"/>
+              <a:t> NCI </a:t>
+            </a:r>
+            <a:r>
+              <a:rPr lang="en-US" sz="600">
+                <a:solidFill>
+                  <a:srgbClr val="FF0000"/>
+                </a:solidFill>
+              </a:rPr>
+              <a:t>|</a:t>
+            </a:r>
+            <a:r>
+              <a:rPr lang="en-US" sz="600"/>
+              <a:t>  PROJCS["unnamed",GEOGCS["Unknown datum",DATUM["Not specified",SPHEROID["Custom spheroid",6371007.181,0]],PRIMEM["Greenwich",0],UNIT["degree",0.0174532925199433]],PROJECTION["Sinusoidal"],PARAMETER["longitude_of_center",0],PARAMETER["false_easting",0],PARAMETER["false_northing",0],UNIT["Meter",1]] </a:t>
+            </a:r>
+            <a:r>
+              <a:rPr lang="en-US" sz="600">
+                <a:solidFill>
+                  <a:srgbClr val="FF0000"/>
+                </a:solidFill>
+              </a:rPr>
+              <a:t>|</a:t>
+            </a:r>
+            <a:r>
+              <a:rPr lang="en-US" sz="600"/>
+              <a:t> +proj=sinu +lon_0=0 +x_0=0 +y_0=0+a=6371007.181 +b=6371007.181 +units=m +no_defs</a:t>
+            </a:r>
+            <a:endParaRPr lang="en-AU" sz="600"/>
+          </a:p>
+          <a:p>
+            <a:r>
+              <a:rPr lang="en-US" sz="600"/>
+              <a:t>(1 row)</a:t>
+            </a:r>
+            <a:endParaRPr lang="en-AU" sz="600"/>
+          </a:p>
+        </p:txBody>
+      </p:sp>
+      <p:sp>
+        <p:nvSpPr>
+          <p:cNvPr id="91" name="TextBox 90">
+            <a:extLst>
+              <a:ext uri="{FF2B5EF4-FFF2-40B4-BE49-F238E27FC236}">
+                <a16:creationId xmlns:a16="http://schemas.microsoft.com/office/drawing/2014/main" id="{FAA86534-6EA4-44AB-8B4E-BCB05B275013}"/>
+              </a:ext>
+            </a:extLst>
+          </p:cNvPr>
+          <p:cNvSpPr txBox="1"/>
+          <p:nvPr/>
+        </p:nvSpPr>
+        <p:spPr>
+          <a:xfrm>
+            <a:off x="238834" y="3824766"/>
+            <a:ext cx="2526648" cy="215444"/>
+          </a:xfrm>
+          <a:prstGeom prst="rect">
+            <a:avLst/>
+          </a:prstGeom>
+          <a:gradFill flip="none" rotWithShape="1">
+            <a:gsLst>
+              <a:gs pos="0">
+                <a:schemeClr val="accent6">
+                  <a:lumMod val="60000"/>
+                  <a:lumOff val="40000"/>
+                  <a:shade val="30000"/>
+                  <a:satMod val="115000"/>
+                </a:schemeClr>
+              </a:gs>
+              <a:gs pos="50000">
+                <a:schemeClr val="accent6">
+                  <a:lumMod val="60000"/>
+                  <a:lumOff val="40000"/>
+                  <a:shade val="67500"/>
+                  <a:satMod val="115000"/>
+                </a:schemeClr>
+              </a:gs>
+              <a:gs pos="100000">
+                <a:schemeClr val="accent6">
+                  <a:lumMod val="60000"/>
+                  <a:lumOff val="40000"/>
+                  <a:shade val="100000"/>
+                  <a:satMod val="115000"/>
+                </a:schemeClr>
+              </a:gs>
+            </a:gsLst>
+            <a:lin ang="16200000" scaled="1"/>
+            <a:tileRect/>
+          </a:gradFill>
+          <a:ln>
+            <a:solidFill>
+              <a:schemeClr val="accent1">
+                <a:shade val="50000"/>
+              </a:schemeClr>
+            </a:solidFill>
+          </a:ln>
+        </p:spPr>
+        <p:txBody>
+          <a:bodyPr wrap="square" rtlCol="0">
+            <a:spAutoFit/>
+          </a:bodyPr>
+          <a:lstStyle>
+            <a:defPPr>
+              <a:defRPr lang="en-US"/>
+            </a:defPPr>
+            <a:lvl1pPr>
+              <a:defRPr sz="900"/>
+            </a:lvl1pPr>
+          </a:lstStyle>
+          <a:p>
+            <a:endParaRPr lang="en-AU" sz="800"/>
+          </a:p>
+        </p:txBody>
+      </p:sp>
+      <p:sp>
+        <p:nvSpPr>
+          <p:cNvPr id="115" name="Arrow: Up 114">
+            <a:extLst>
+              <a:ext uri="{FF2B5EF4-FFF2-40B4-BE49-F238E27FC236}">
+                <a16:creationId xmlns:a16="http://schemas.microsoft.com/office/drawing/2014/main" id="{E3FCCCEE-DF14-4608-972A-A1F9285672DB}"/>
+              </a:ext>
+            </a:extLst>
+          </p:cNvPr>
+          <p:cNvSpPr/>
+          <p:nvPr/>
+        </p:nvSpPr>
+        <p:spPr>
+          <a:xfrm rot="5400000">
+            <a:off x="552992" y="753370"/>
+            <a:ext cx="220640" cy="205048"/>
+          </a:xfrm>
+          <a:prstGeom prst="upArrow">
+            <a:avLst/>
+          </a:prstGeom>
+          <a:gradFill flip="none" rotWithShape="1">
+            <a:gsLst>
+              <a:gs pos="0">
+                <a:schemeClr val="accent2">
+                  <a:shade val="30000"/>
+                  <a:satMod val="115000"/>
+                </a:schemeClr>
+              </a:gs>
+              <a:gs pos="50000">
+                <a:schemeClr val="accent2">
+                  <a:shade val="67500"/>
+                  <a:satMod val="115000"/>
+                </a:schemeClr>
+              </a:gs>
+              <a:gs pos="100000">
+                <a:schemeClr val="accent2">
+                  <a:shade val="100000"/>
+                  <a:satMod val="115000"/>
+                </a:schemeClr>
+              </a:gs>
+            </a:gsLst>
+            <a:lin ang="16200000" scaled="1"/>
+            <a:tileRect/>
+          </a:gradFill>
+          <a:ln>
+            <a:solidFill>
+              <a:schemeClr val="accent2"/>
+            </a:solidFill>
+          </a:ln>
+        </p:spPr>
+        <p:style>
+          <a:lnRef idx="2">
+            <a:schemeClr val="accent1">
+              <a:shade val="50000"/>
+            </a:schemeClr>
+          </a:lnRef>
+          <a:fillRef idx="1">
+            <a:schemeClr val="accent1"/>
+          </a:fillRef>
+          <a:effectRef idx="0">
+            <a:schemeClr val="accent1"/>
+          </a:effectRef>
+          <a:fontRef idx="minor">
+            <a:schemeClr val="lt1"/>
+          </a:fontRef>
+        </p:style>
+        <p:txBody>
+          <a:bodyPr rtlCol="0" anchor="ctr"/>
+          <a:lstStyle/>
+          <a:p>
+            <a:pPr algn="ctr"/>
+            <a:endParaRPr lang="en-GB"/>
+          </a:p>
+        </p:txBody>
+      </p:sp>
+      <p:sp>
+        <p:nvSpPr>
+          <p:cNvPr id="97" name="Hexagon 96">
+            <a:extLst>
+              <a:ext uri="{FF2B5EF4-FFF2-40B4-BE49-F238E27FC236}">
+                <a16:creationId xmlns:a16="http://schemas.microsoft.com/office/drawing/2014/main" id="{A46E79AB-ACE3-4178-8E06-89077BFD7B4D}"/>
               </a:ext>
             </a:extLst>
           </p:cNvPr>
@@ -23043,7 +23380,263 @@
         </p:nvSpPr>
         <p:spPr>
           <a:xfrm>
-            <a:off x="182258" y="1407816"/>
+            <a:off x="176322" y="553211"/>
+            <a:ext cx="962108" cy="743447"/>
+          </a:xfrm>
+          <a:prstGeom prst="hexagon">
+            <a:avLst/>
+          </a:prstGeom>
+          <a:solidFill>
+            <a:schemeClr val="bg1"/>
+          </a:solidFill>
+        </p:spPr>
+        <p:style>
+          <a:lnRef idx="2">
+            <a:schemeClr val="accent1">
+              <a:shade val="50000"/>
+            </a:schemeClr>
+          </a:lnRef>
+          <a:fillRef idx="1">
+            <a:schemeClr val="accent1"/>
+          </a:fillRef>
+          <a:effectRef idx="0">
+            <a:schemeClr val="accent1"/>
+          </a:effectRef>
+          <a:fontRef idx="minor">
+            <a:schemeClr val="lt1"/>
+          </a:fontRef>
+        </p:style>
+        <p:txBody>
+          <a:bodyPr rtlCol="0" anchor="ctr"/>
+          <a:lstStyle/>
+          <a:p>
+            <a:pPr algn="ctr"/>
+            <a:endParaRPr lang="en-AU" sz="1100">
+              <a:solidFill>
+                <a:schemeClr val="tx1"/>
+              </a:solidFill>
+            </a:endParaRPr>
+          </a:p>
+        </p:txBody>
+      </p:sp>
+      <p:sp>
+        <p:nvSpPr>
+          <p:cNvPr id="110" name="Arrow: Up 109">
+            <a:extLst>
+              <a:ext uri="{FF2B5EF4-FFF2-40B4-BE49-F238E27FC236}">
+                <a16:creationId xmlns:a16="http://schemas.microsoft.com/office/drawing/2014/main" id="{FD191EB8-D4FE-4CD6-8790-6FFF9223ED0A}"/>
+              </a:ext>
+            </a:extLst>
+          </p:cNvPr>
+          <p:cNvSpPr/>
+          <p:nvPr/>
+        </p:nvSpPr>
+        <p:spPr>
+          <a:xfrm>
+            <a:off x="538466" y="3356189"/>
+            <a:ext cx="220640" cy="205048"/>
+          </a:xfrm>
+          <a:prstGeom prst="upArrow">
+            <a:avLst/>
+          </a:prstGeom>
+          <a:gradFill flip="none" rotWithShape="1">
+            <a:gsLst>
+              <a:gs pos="0">
+                <a:schemeClr val="accent2">
+                  <a:shade val="30000"/>
+                  <a:satMod val="115000"/>
+                </a:schemeClr>
+              </a:gs>
+              <a:gs pos="50000">
+                <a:schemeClr val="accent2">
+                  <a:shade val="67500"/>
+                  <a:satMod val="115000"/>
+                </a:schemeClr>
+              </a:gs>
+              <a:gs pos="100000">
+                <a:schemeClr val="accent2">
+                  <a:shade val="100000"/>
+                  <a:satMod val="115000"/>
+                </a:schemeClr>
+              </a:gs>
+            </a:gsLst>
+            <a:lin ang="16200000" scaled="1"/>
+            <a:tileRect/>
+          </a:gradFill>
+          <a:ln>
+            <a:solidFill>
+              <a:schemeClr val="accent2"/>
+            </a:solidFill>
+          </a:ln>
+        </p:spPr>
+        <p:style>
+          <a:lnRef idx="2">
+            <a:schemeClr val="accent1">
+              <a:shade val="50000"/>
+            </a:schemeClr>
+          </a:lnRef>
+          <a:fillRef idx="1">
+            <a:schemeClr val="accent1"/>
+          </a:fillRef>
+          <a:effectRef idx="0">
+            <a:schemeClr val="accent1"/>
+          </a:effectRef>
+          <a:fontRef idx="minor">
+            <a:schemeClr val="lt1"/>
+          </a:fontRef>
+        </p:style>
+        <p:txBody>
+          <a:bodyPr rtlCol="0" anchor="ctr"/>
+          <a:lstStyle/>
+          <a:p>
+            <a:pPr algn="ctr"/>
+            <a:endParaRPr lang="en-GB"/>
+          </a:p>
+        </p:txBody>
+      </p:sp>
+      <p:sp>
+        <p:nvSpPr>
+          <p:cNvPr id="95" name="Hexagon 94">
+            <a:extLst>
+              <a:ext uri="{FF2B5EF4-FFF2-40B4-BE49-F238E27FC236}">
+                <a16:creationId xmlns:a16="http://schemas.microsoft.com/office/drawing/2014/main" id="{97A28749-C0E3-4AC5-B01D-009D6C109714}"/>
+              </a:ext>
+            </a:extLst>
+          </p:cNvPr>
+          <p:cNvSpPr/>
+          <p:nvPr/>
+        </p:nvSpPr>
+        <p:spPr>
+          <a:xfrm>
+            <a:off x="183998" y="3229844"/>
+            <a:ext cx="962108" cy="516918"/>
+          </a:xfrm>
+          <a:prstGeom prst="hexagon">
+            <a:avLst/>
+          </a:prstGeom>
+          <a:solidFill>
+            <a:schemeClr val="bg1"/>
+          </a:solidFill>
+        </p:spPr>
+        <p:style>
+          <a:lnRef idx="2">
+            <a:schemeClr val="accent1">
+              <a:shade val="50000"/>
+            </a:schemeClr>
+          </a:lnRef>
+          <a:fillRef idx="1">
+            <a:schemeClr val="accent1"/>
+          </a:fillRef>
+          <a:effectRef idx="0">
+            <a:schemeClr val="accent1"/>
+          </a:effectRef>
+          <a:fontRef idx="minor">
+            <a:schemeClr val="lt1"/>
+          </a:fontRef>
+        </p:style>
+        <p:txBody>
+          <a:bodyPr rtlCol="0" anchor="ctr"/>
+          <a:lstStyle/>
+          <a:p>
+            <a:pPr algn="ctr"/>
+            <a:endParaRPr lang="en-AU" sz="1100">
+              <a:solidFill>
+                <a:schemeClr val="tx1"/>
+              </a:solidFill>
+            </a:endParaRPr>
+          </a:p>
+        </p:txBody>
+      </p:sp>
+      <p:sp>
+        <p:nvSpPr>
+          <p:cNvPr id="109" name="Arrow: Up 108">
+            <a:extLst>
+              <a:ext uri="{FF2B5EF4-FFF2-40B4-BE49-F238E27FC236}">
+                <a16:creationId xmlns:a16="http://schemas.microsoft.com/office/drawing/2014/main" id="{D7E9215B-5BE7-47A4-B2CE-C3D7A193086F}"/>
+              </a:ext>
+            </a:extLst>
+          </p:cNvPr>
+          <p:cNvSpPr/>
+          <p:nvPr/>
+        </p:nvSpPr>
+        <p:spPr>
+          <a:xfrm>
+            <a:off x="552992" y="5369519"/>
+            <a:ext cx="220640" cy="205048"/>
+          </a:xfrm>
+          <a:prstGeom prst="upArrow">
+            <a:avLst/>
+          </a:prstGeom>
+          <a:gradFill flip="none" rotWithShape="1">
+            <a:gsLst>
+              <a:gs pos="0">
+                <a:schemeClr val="accent2">
+                  <a:shade val="30000"/>
+                  <a:satMod val="115000"/>
+                </a:schemeClr>
+              </a:gs>
+              <a:gs pos="50000">
+                <a:schemeClr val="accent2">
+                  <a:shade val="67500"/>
+                  <a:satMod val="115000"/>
+                </a:schemeClr>
+              </a:gs>
+              <a:gs pos="100000">
+                <a:schemeClr val="accent2">
+                  <a:shade val="100000"/>
+                  <a:satMod val="115000"/>
+                </a:schemeClr>
+              </a:gs>
+            </a:gsLst>
+            <a:lin ang="16200000" scaled="1"/>
+            <a:tileRect/>
+          </a:gradFill>
+          <a:ln>
+            <a:solidFill>
+              <a:schemeClr val="accent2"/>
+            </a:solidFill>
+          </a:ln>
+        </p:spPr>
+        <p:style>
+          <a:lnRef idx="2">
+            <a:schemeClr val="accent1">
+              <a:shade val="50000"/>
+            </a:schemeClr>
+          </a:lnRef>
+          <a:fillRef idx="1">
+            <a:schemeClr val="accent1"/>
+          </a:fillRef>
+          <a:effectRef idx="0">
+            <a:schemeClr val="accent1"/>
+          </a:effectRef>
+          <a:fontRef idx="minor">
+            <a:schemeClr val="lt1"/>
+          </a:fontRef>
+        </p:style>
+        <p:txBody>
+          <a:bodyPr rtlCol="0" anchor="ctr"/>
+          <a:lstStyle/>
+          <a:p>
+            <a:pPr algn="ctr"/>
+            <a:endParaRPr lang="en-GB"/>
+          </a:p>
+        </p:txBody>
+      </p:sp>
+      <p:sp>
+        <p:nvSpPr>
+          <p:cNvPr id="87" name="Hexagon 86">
+            <a:extLst>
+              <a:ext uri="{FF2B5EF4-FFF2-40B4-BE49-F238E27FC236}">
+                <a16:creationId xmlns:a16="http://schemas.microsoft.com/office/drawing/2014/main" id="{99078B05-7D6A-46DE-83B7-BD2163331AE0}"/>
+              </a:ext>
+            </a:extLst>
+          </p:cNvPr>
+          <p:cNvSpPr/>
+          <p:nvPr/>
+        </p:nvSpPr>
+        <p:spPr>
+          <a:xfrm>
+            <a:off x="182258" y="5156135"/>
             <a:ext cx="962108" cy="743447"/>
           </a:xfrm>
           <a:prstGeom prst="hexagon">
@@ -23137,6 +23730,81 @@
       </p:sp>
       <p:sp>
         <p:nvSpPr>
+          <p:cNvPr id="107" name="Arrow: Up 106">
+            <a:extLst>
+              <a:ext uri="{FF2B5EF4-FFF2-40B4-BE49-F238E27FC236}">
+                <a16:creationId xmlns:a16="http://schemas.microsoft.com/office/drawing/2014/main" id="{B9F16A2F-168C-4472-A9E5-B7C5589148B6}"/>
+              </a:ext>
+            </a:extLst>
+          </p:cNvPr>
+          <p:cNvSpPr/>
+          <p:nvPr/>
+        </p:nvSpPr>
+        <p:spPr>
+          <a:xfrm>
+            <a:off x="7725481" y="3509270"/>
+            <a:ext cx="220640" cy="205048"/>
+          </a:xfrm>
+          <a:prstGeom prst="upArrow">
+            <a:avLst/>
+          </a:prstGeom>
+          <a:gradFill flip="none" rotWithShape="1">
+            <a:gsLst>
+              <a:gs pos="0">
+                <a:schemeClr val="accent2">
+                  <a:shade val="30000"/>
+                  <a:satMod val="115000"/>
+                </a:schemeClr>
+              </a:gs>
+              <a:gs pos="50000">
+                <a:schemeClr val="accent2">
+                  <a:shade val="67500"/>
+                  <a:satMod val="115000"/>
+                </a:schemeClr>
+              </a:gs>
+              <a:gs pos="100000">
+                <a:schemeClr val="accent2">
+                  <a:shade val="100000"/>
+                  <a:satMod val="115000"/>
+                </a:schemeClr>
+              </a:gs>
+            </a:gsLst>
+            <a:lin ang="16200000" scaled="1"/>
+            <a:tileRect/>
+          </a:gradFill>
+          <a:ln>
+            <a:solidFill>
+              <a:schemeClr val="accent2"/>
+            </a:solidFill>
+          </a:ln>
+        </p:spPr>
+        <p:style>
+          <a:lnRef idx="2">
+            <a:schemeClr val="accent1">
+              <a:shade val="50000"/>
+            </a:schemeClr>
+          </a:lnRef>
+          <a:fillRef idx="1">
+            <a:schemeClr val="accent1"/>
+          </a:fillRef>
+          <a:effectRef idx="0">
+            <a:schemeClr val="accent1"/>
+          </a:effectRef>
+          <a:fontRef idx="minor">
+            <a:schemeClr val="lt1"/>
+          </a:fontRef>
+        </p:style>
+        <p:txBody>
+          <a:bodyPr rtlCol="0" anchor="ctr"/>
+          <a:lstStyle/>
+          <a:p>
+            <a:pPr algn="ctr"/>
+            <a:endParaRPr lang="en-GB"/>
+          </a:p>
+        </p:txBody>
+      </p:sp>
+      <p:sp>
+        <p:nvSpPr>
           <p:cNvPr id="53" name="Hexagon 52">
             <a:extLst>
               <a:ext uri="{FF2B5EF4-FFF2-40B4-BE49-F238E27FC236}">
@@ -23185,6 +23853,359 @@
                 <a:schemeClr val="tx1"/>
               </a:solidFill>
             </a:endParaRPr>
+          </a:p>
+        </p:txBody>
+      </p:sp>
+      <p:sp>
+        <p:nvSpPr>
+          <p:cNvPr id="108" name="Arrow: Up 107">
+            <a:extLst>
+              <a:ext uri="{FF2B5EF4-FFF2-40B4-BE49-F238E27FC236}">
+                <a16:creationId xmlns:a16="http://schemas.microsoft.com/office/drawing/2014/main" id="{DD596759-2672-469E-BAF9-71762AC4FA09}"/>
+              </a:ext>
+            </a:extLst>
+          </p:cNvPr>
+          <p:cNvSpPr/>
+          <p:nvPr/>
+        </p:nvSpPr>
+        <p:spPr>
+          <a:xfrm rot="16200000">
+            <a:off x="2973334" y="5237610"/>
+            <a:ext cx="220640" cy="205048"/>
+          </a:xfrm>
+          <a:prstGeom prst="upArrow">
+            <a:avLst/>
+          </a:prstGeom>
+          <a:gradFill flip="none" rotWithShape="1">
+            <a:gsLst>
+              <a:gs pos="0">
+                <a:schemeClr val="accent2">
+                  <a:shade val="30000"/>
+                  <a:satMod val="115000"/>
+                </a:schemeClr>
+              </a:gs>
+              <a:gs pos="50000">
+                <a:schemeClr val="accent2">
+                  <a:shade val="67500"/>
+                  <a:satMod val="115000"/>
+                </a:schemeClr>
+              </a:gs>
+              <a:gs pos="100000">
+                <a:schemeClr val="accent2">
+                  <a:shade val="100000"/>
+                  <a:satMod val="115000"/>
+                </a:schemeClr>
+              </a:gs>
+            </a:gsLst>
+            <a:lin ang="16200000" scaled="1"/>
+            <a:tileRect/>
+          </a:gradFill>
+          <a:ln>
+            <a:solidFill>
+              <a:schemeClr val="accent2"/>
+            </a:solidFill>
+          </a:ln>
+        </p:spPr>
+        <p:style>
+          <a:lnRef idx="2">
+            <a:schemeClr val="accent1">
+              <a:shade val="50000"/>
+            </a:schemeClr>
+          </a:lnRef>
+          <a:fillRef idx="1">
+            <a:schemeClr val="accent1"/>
+          </a:fillRef>
+          <a:effectRef idx="0">
+            <a:schemeClr val="accent1"/>
+          </a:effectRef>
+          <a:fontRef idx="minor">
+            <a:schemeClr val="lt1"/>
+          </a:fontRef>
+        </p:style>
+        <p:txBody>
+          <a:bodyPr rtlCol="0" anchor="ctr"/>
+          <a:lstStyle/>
+          <a:p>
+            <a:pPr algn="ctr"/>
+            <a:endParaRPr lang="en-GB"/>
+          </a:p>
+        </p:txBody>
+      </p:sp>
+      <p:sp>
+        <p:nvSpPr>
+          <p:cNvPr id="113" name="Arrow: Up 112">
+            <a:extLst>
+              <a:ext uri="{FF2B5EF4-FFF2-40B4-BE49-F238E27FC236}">
+                <a16:creationId xmlns:a16="http://schemas.microsoft.com/office/drawing/2014/main" id="{F8337934-93C2-4B04-8678-04E5C559E7FA}"/>
+              </a:ext>
+            </a:extLst>
+          </p:cNvPr>
+          <p:cNvSpPr/>
+          <p:nvPr/>
+        </p:nvSpPr>
+        <p:spPr>
+          <a:xfrm>
+            <a:off x="2932141" y="3611794"/>
+            <a:ext cx="220640" cy="205048"/>
+          </a:xfrm>
+          <a:prstGeom prst="upArrow">
+            <a:avLst/>
+          </a:prstGeom>
+          <a:gradFill flip="none" rotWithShape="1">
+            <a:gsLst>
+              <a:gs pos="0">
+                <a:schemeClr val="accent2">
+                  <a:shade val="30000"/>
+                  <a:satMod val="115000"/>
+                </a:schemeClr>
+              </a:gs>
+              <a:gs pos="50000">
+                <a:schemeClr val="accent2">
+                  <a:shade val="67500"/>
+                  <a:satMod val="115000"/>
+                </a:schemeClr>
+              </a:gs>
+              <a:gs pos="100000">
+                <a:schemeClr val="accent2">
+                  <a:shade val="100000"/>
+                  <a:satMod val="115000"/>
+                </a:schemeClr>
+              </a:gs>
+            </a:gsLst>
+            <a:lin ang="16200000" scaled="1"/>
+            <a:tileRect/>
+          </a:gradFill>
+          <a:ln>
+            <a:solidFill>
+              <a:schemeClr val="accent2"/>
+            </a:solidFill>
+          </a:ln>
+        </p:spPr>
+        <p:style>
+          <a:lnRef idx="2">
+            <a:schemeClr val="accent1">
+              <a:shade val="50000"/>
+            </a:schemeClr>
+          </a:lnRef>
+          <a:fillRef idx="1">
+            <a:schemeClr val="accent1"/>
+          </a:fillRef>
+          <a:effectRef idx="0">
+            <a:schemeClr val="accent1"/>
+          </a:effectRef>
+          <a:fontRef idx="minor">
+            <a:schemeClr val="lt1"/>
+          </a:fontRef>
+        </p:style>
+        <p:txBody>
+          <a:bodyPr rtlCol="0" anchor="ctr"/>
+          <a:lstStyle/>
+          <a:p>
+            <a:pPr algn="ctr"/>
+            <a:endParaRPr lang="en-GB"/>
+          </a:p>
+        </p:txBody>
+      </p:sp>
+      <p:sp>
+        <p:nvSpPr>
+          <p:cNvPr id="106" name="Arrow: Up 105">
+            <a:extLst>
+              <a:ext uri="{FF2B5EF4-FFF2-40B4-BE49-F238E27FC236}">
+                <a16:creationId xmlns:a16="http://schemas.microsoft.com/office/drawing/2014/main" id="{AEF2F821-FB24-4047-B16B-0807813D5418}"/>
+              </a:ext>
+            </a:extLst>
+          </p:cNvPr>
+          <p:cNvSpPr/>
+          <p:nvPr/>
+        </p:nvSpPr>
+        <p:spPr>
+          <a:xfrm>
+            <a:off x="7725481" y="4358274"/>
+            <a:ext cx="220640" cy="205048"/>
+          </a:xfrm>
+          <a:prstGeom prst="upArrow">
+            <a:avLst/>
+          </a:prstGeom>
+          <a:gradFill flip="none" rotWithShape="1">
+            <a:gsLst>
+              <a:gs pos="0">
+                <a:schemeClr val="accent2">
+                  <a:shade val="30000"/>
+                  <a:satMod val="115000"/>
+                </a:schemeClr>
+              </a:gs>
+              <a:gs pos="50000">
+                <a:schemeClr val="accent2">
+                  <a:shade val="67500"/>
+                  <a:satMod val="115000"/>
+                </a:schemeClr>
+              </a:gs>
+              <a:gs pos="100000">
+                <a:schemeClr val="accent2">
+                  <a:shade val="100000"/>
+                  <a:satMod val="115000"/>
+                </a:schemeClr>
+              </a:gs>
+            </a:gsLst>
+            <a:lin ang="16200000" scaled="1"/>
+            <a:tileRect/>
+          </a:gradFill>
+          <a:ln>
+            <a:solidFill>
+              <a:schemeClr val="accent2"/>
+            </a:solidFill>
+          </a:ln>
+        </p:spPr>
+        <p:style>
+          <a:lnRef idx="2">
+            <a:schemeClr val="accent1">
+              <a:shade val="50000"/>
+            </a:schemeClr>
+          </a:lnRef>
+          <a:fillRef idx="1">
+            <a:schemeClr val="accent1"/>
+          </a:fillRef>
+          <a:effectRef idx="0">
+            <a:schemeClr val="accent1"/>
+          </a:effectRef>
+          <a:fontRef idx="minor">
+            <a:schemeClr val="lt1"/>
+          </a:fontRef>
+        </p:style>
+        <p:txBody>
+          <a:bodyPr rtlCol="0" anchor="ctr"/>
+          <a:lstStyle/>
+          <a:p>
+            <a:pPr algn="ctr"/>
+            <a:endParaRPr lang="en-GB"/>
+          </a:p>
+        </p:txBody>
+      </p:sp>
+      <p:sp>
+        <p:nvSpPr>
+          <p:cNvPr id="55" name="Hexagon 54">
+            <a:extLst>
+              <a:ext uri="{FF2B5EF4-FFF2-40B4-BE49-F238E27FC236}">
+                <a16:creationId xmlns:a16="http://schemas.microsoft.com/office/drawing/2014/main" id="{6D5178D1-E29A-43CC-B25A-1B0F030D539B}"/>
+              </a:ext>
+            </a:extLst>
+          </p:cNvPr>
+          <p:cNvSpPr/>
+          <p:nvPr/>
+        </p:nvSpPr>
+        <p:spPr>
+          <a:xfrm>
+            <a:off x="7355650" y="4158405"/>
+            <a:ext cx="962108" cy="675861"/>
+          </a:xfrm>
+          <a:prstGeom prst="hexagon">
+            <a:avLst/>
+          </a:prstGeom>
+          <a:solidFill>
+            <a:schemeClr val="bg1"/>
+          </a:solidFill>
+        </p:spPr>
+        <p:style>
+          <a:lnRef idx="2">
+            <a:schemeClr val="accent1">
+              <a:shade val="50000"/>
+            </a:schemeClr>
+          </a:lnRef>
+          <a:fillRef idx="1">
+            <a:schemeClr val="accent1"/>
+          </a:fillRef>
+          <a:effectRef idx="0">
+            <a:schemeClr val="accent1"/>
+          </a:effectRef>
+          <a:fontRef idx="minor">
+            <a:schemeClr val="lt1"/>
+          </a:fontRef>
+        </p:style>
+        <p:txBody>
+          <a:bodyPr rtlCol="0" anchor="ctr"/>
+          <a:lstStyle/>
+          <a:p>
+            <a:pPr algn="ctr"/>
+            <a:endParaRPr lang="en-AU" sz="1100">
+              <a:solidFill>
+                <a:schemeClr val="tx1"/>
+              </a:solidFill>
+            </a:endParaRPr>
+          </a:p>
+        </p:txBody>
+      </p:sp>
+      <p:sp>
+        <p:nvSpPr>
+          <p:cNvPr id="104" name="Arrow: Up 103">
+            <a:extLst>
+              <a:ext uri="{FF2B5EF4-FFF2-40B4-BE49-F238E27FC236}">
+                <a16:creationId xmlns:a16="http://schemas.microsoft.com/office/drawing/2014/main" id="{DC257103-E5AF-463F-8C7A-FAC30D015829}"/>
+              </a:ext>
+            </a:extLst>
+          </p:cNvPr>
+          <p:cNvSpPr/>
+          <p:nvPr/>
+        </p:nvSpPr>
+        <p:spPr>
+          <a:xfrm rot="5400000">
+            <a:off x="5908679" y="4399815"/>
+            <a:ext cx="220640" cy="205048"/>
+          </a:xfrm>
+          <a:prstGeom prst="upArrow">
+            <a:avLst/>
+          </a:prstGeom>
+          <a:gradFill flip="none" rotWithShape="1">
+            <a:gsLst>
+              <a:gs pos="0">
+                <a:schemeClr val="accent2">
+                  <a:shade val="30000"/>
+                  <a:satMod val="115000"/>
+                </a:schemeClr>
+              </a:gs>
+              <a:gs pos="50000">
+                <a:schemeClr val="accent2">
+                  <a:shade val="67500"/>
+                  <a:satMod val="115000"/>
+                </a:schemeClr>
+              </a:gs>
+              <a:gs pos="100000">
+                <a:schemeClr val="accent2">
+                  <a:shade val="100000"/>
+                  <a:satMod val="115000"/>
+                </a:schemeClr>
+              </a:gs>
+            </a:gsLst>
+            <a:lin ang="16200000" scaled="1"/>
+            <a:tileRect/>
+          </a:gradFill>
+          <a:ln>
+            <a:solidFill>
+              <a:schemeClr val="accent2"/>
+            </a:solidFill>
+          </a:ln>
+        </p:spPr>
+        <p:style>
+          <a:lnRef idx="2">
+            <a:schemeClr val="accent1">
+              <a:shade val="50000"/>
+            </a:schemeClr>
+          </a:lnRef>
+          <a:fillRef idx="1">
+            <a:schemeClr val="accent1"/>
+          </a:fillRef>
+          <a:effectRef idx="0">
+            <a:schemeClr val="accent1"/>
+          </a:effectRef>
+          <a:fontRef idx="minor">
+            <a:schemeClr val="lt1"/>
+          </a:fontRef>
+        </p:style>
+        <p:txBody>
+          <a:bodyPr rtlCol="0" anchor="ctr"/>
+          <a:lstStyle/>
+          <a:p>
+            <a:pPr algn="ctr"/>
+            <a:endParaRPr lang="en-GB"/>
           </a:p>
         </p:txBody>
       </p:sp>
@@ -24292,13 +25313,15 @@
         </p:nvSpPr>
         <p:spPr>
           <a:xfrm>
-            <a:off x="299585" y="1907455"/>
-            <a:ext cx="734325" cy="215444"/>
+            <a:off x="327921" y="1643496"/>
+            <a:ext cx="655465" cy="338554"/>
           </a:xfrm>
           <a:prstGeom prst="rect">
             <a:avLst/>
           </a:prstGeom>
-          <a:noFill/>
+          <a:solidFill>
+            <a:schemeClr val="bg1"/>
+          </a:solidFill>
           <a:ln>
             <a:noFill/>
           </a:ln>
@@ -24319,222 +25342,11 @@
             <a:pPr algn="ctr"/>
             <a:r>
               <a:rPr lang="en-AU" sz="800"/>
-              <a:t>polygons</a:t>
-            </a:r>
-          </a:p>
-        </p:txBody>
-      </p:sp>
-      <p:sp>
-        <p:nvSpPr>
-          <p:cNvPr id="88" name="TextBox 87">
-            <a:extLst>
-              <a:ext uri="{FF2B5EF4-FFF2-40B4-BE49-F238E27FC236}">
-                <a16:creationId xmlns:a16="http://schemas.microsoft.com/office/drawing/2014/main" id="{7D92957F-4579-41DD-BA62-E7B1F0280A98}"/>
-              </a:ext>
-            </a:extLst>
-          </p:cNvPr>
-          <p:cNvSpPr txBox="1"/>
-          <p:nvPr/>
-        </p:nvSpPr>
-        <p:spPr>
-          <a:xfrm>
-            <a:off x="299585" y="5369519"/>
-            <a:ext cx="734325" cy="338554"/>
-          </a:xfrm>
-          <a:prstGeom prst="rect">
-            <a:avLst/>
-          </a:prstGeom>
-          <a:noFill/>
-          <a:ln>
-            <a:noFill/>
-          </a:ln>
-        </p:spPr>
-        <p:txBody>
-          <a:bodyPr wrap="square" rtlCol="0">
-            <a:spAutoFit/>
-          </a:bodyPr>
-          <a:lstStyle>
-            <a:defPPr>
-              <a:defRPr lang="en-US"/>
-            </a:defPPr>
-            <a:lvl1pPr>
-              <a:defRPr sz="900"/>
-            </a:lvl1pPr>
-          </a:lstStyle>
-          <a:p>
-            <a:r>
-              <a:rPr lang="en-AU" sz="800"/>
-              <a:t>nci_spatial_ref_sys</a:t>
-            </a:r>
-          </a:p>
-        </p:txBody>
-      </p:sp>
-      <p:sp>
-        <p:nvSpPr>
-          <p:cNvPr id="89" name="TextBox 88">
-            <a:extLst>
-              <a:ext uri="{FF2B5EF4-FFF2-40B4-BE49-F238E27FC236}">
-                <a16:creationId xmlns:a16="http://schemas.microsoft.com/office/drawing/2014/main" id="{CC10D1D5-9717-4075-93C3-F1BE3531F8BD}"/>
-              </a:ext>
-            </a:extLst>
-          </p:cNvPr>
-          <p:cNvSpPr txBox="1"/>
-          <p:nvPr/>
-        </p:nvSpPr>
-        <p:spPr>
-          <a:xfrm>
-            <a:off x="238834" y="4045971"/>
-            <a:ext cx="2526648" cy="923330"/>
-          </a:xfrm>
-          <a:prstGeom prst="rect">
-            <a:avLst/>
-          </a:prstGeom>
-          <a:solidFill>
-            <a:schemeClr val="bg1"/>
-          </a:solidFill>
-          <a:ln>
-            <a:solidFill>
-              <a:schemeClr val="accent1">
-                <a:shade val="50000"/>
-              </a:schemeClr>
-            </a:solidFill>
-          </a:ln>
-        </p:spPr>
-        <p:txBody>
-          <a:bodyPr wrap="square" rtlCol="0">
-            <a:spAutoFit/>
-          </a:bodyPr>
-          <a:lstStyle>
-            <a:defPPr>
-              <a:defRPr lang="en-US"/>
-            </a:defPPr>
-            <a:lvl1pPr>
-              <a:defRPr sz="900"/>
-            </a:lvl1pPr>
-          </a:lstStyle>
-          <a:p>
-            <a:r>
-              <a:rPr lang="en-US" sz="600"/>
-              <a:t>100000 </a:t>
-            </a:r>
-            <a:r>
-              <a:rPr lang="en-US" sz="600">
-                <a:solidFill>
-                  <a:srgbClr val="FF0000"/>
-                </a:solidFill>
-              </a:rPr>
-              <a:t>|</a:t>
-            </a:r>
-            <a:r>
-              <a:rPr lang="en-US" sz="600"/>
-              <a:t> NCI </a:t>
-            </a:r>
-            <a:r>
-              <a:rPr lang="en-US" sz="600">
-                <a:solidFill>
-                  <a:srgbClr val="FF0000"/>
-                </a:solidFill>
-              </a:rPr>
-              <a:t>|</a:t>
-            </a:r>
-            <a:r>
-              <a:rPr lang="en-US" sz="600"/>
-              <a:t>  PROJCS["unnamed",GEOGCS["Unknown datum",DATUM["Not specified",SPHEROID["Custom spheroid",6371007.181,0]],PRIMEM["Greenwich",0],UNIT["degree",0.0174532925199433]],PROJECTION["Sinusoidal"],PARAMETER["longitude_of_center",0],PARAMETER["false_easting",0],PARAMETER["false_northing",0],UNIT["Meter",1]] </a:t>
-            </a:r>
-            <a:r>
-              <a:rPr lang="en-US" sz="600">
-                <a:solidFill>
-                  <a:srgbClr val="FF0000"/>
-                </a:solidFill>
-              </a:rPr>
-              <a:t>|</a:t>
-            </a:r>
-            <a:r>
-              <a:rPr lang="en-US" sz="600"/>
-              <a:t> +proj=sinu +lon_0=0 +x_0=0 +y_0=0+a=6371007.181 +b=6371007.181 +units=m +no_defs</a:t>
-            </a:r>
-            <a:endParaRPr lang="en-AU" sz="600"/>
-          </a:p>
-          <a:p>
-            <a:r>
-              <a:rPr lang="en-US" sz="600"/>
-              <a:t>(1 row)</a:t>
-            </a:r>
-            <a:endParaRPr lang="en-AU" sz="600"/>
-          </a:p>
-        </p:txBody>
-      </p:sp>
-      <p:sp>
-        <p:nvSpPr>
-          <p:cNvPr id="91" name="TextBox 90">
-            <a:extLst>
-              <a:ext uri="{FF2B5EF4-FFF2-40B4-BE49-F238E27FC236}">
-                <a16:creationId xmlns:a16="http://schemas.microsoft.com/office/drawing/2014/main" id="{FAA86534-6EA4-44AB-8B4E-BCB05B275013}"/>
-              </a:ext>
-            </a:extLst>
-          </p:cNvPr>
-          <p:cNvSpPr txBox="1"/>
-          <p:nvPr/>
-        </p:nvSpPr>
-        <p:spPr>
-          <a:xfrm>
-            <a:off x="238834" y="3824766"/>
-            <a:ext cx="2526648" cy="215444"/>
-          </a:xfrm>
-          <a:prstGeom prst="rect">
-            <a:avLst/>
-          </a:prstGeom>
-          <a:gradFill flip="none" rotWithShape="1">
-            <a:gsLst>
-              <a:gs pos="0">
-                <a:schemeClr val="accent6">
-                  <a:lumMod val="60000"/>
-                  <a:lumOff val="40000"/>
-                  <a:shade val="30000"/>
-                  <a:satMod val="115000"/>
-                </a:schemeClr>
-              </a:gs>
-              <a:gs pos="50000">
-                <a:schemeClr val="accent6">
-                  <a:lumMod val="60000"/>
-                  <a:lumOff val="40000"/>
-                  <a:shade val="67500"/>
-                  <a:satMod val="115000"/>
-                </a:schemeClr>
-              </a:gs>
-              <a:gs pos="100000">
-                <a:schemeClr val="accent6">
-                  <a:lumMod val="60000"/>
-                  <a:lumOff val="40000"/>
-                  <a:shade val="100000"/>
-                  <a:satMod val="115000"/>
-                </a:schemeClr>
-              </a:gs>
-            </a:gsLst>
-            <a:lin ang="16200000" scaled="1"/>
-            <a:tileRect/>
-          </a:gradFill>
-          <a:ln>
-            <a:solidFill>
-              <a:schemeClr val="accent1">
-                <a:shade val="50000"/>
-              </a:schemeClr>
-            </a:solidFill>
-          </a:ln>
-        </p:spPr>
-        <p:txBody>
-          <a:bodyPr wrap="square" rtlCol="0">
-            <a:spAutoFit/>
-          </a:bodyPr>
-          <a:lstStyle>
-            <a:defPPr>
-              <a:defRPr lang="en-US"/>
-            </a:defPPr>
-            <a:lvl1pPr>
-              <a:defRPr sz="900"/>
-            </a:lvl1pPr>
-          </a:lstStyle>
-          <a:p>
+              <a:t>Polygons</a:t>
+            </a:r>
+          </a:p>
+          <a:p>
+            <a:pPr algn="ctr"/>
             <a:endParaRPr lang="en-AU" sz="800"/>
           </a:p>
         </p:txBody>
@@ -24593,8 +25405,8 @@
         </p:nvSpPr>
         <p:spPr>
           <a:xfrm>
-            <a:off x="5496756" y="4256118"/>
-            <a:ext cx="1044486" cy="246221"/>
+            <a:off x="5139978" y="4256118"/>
+            <a:ext cx="1401264" cy="307777"/>
           </a:xfrm>
           <a:prstGeom prst="rect">
             <a:avLst/>
@@ -24608,7 +25420,7 @@
           <a:lstStyle/>
           <a:p>
             <a:r>
-              <a:rPr lang="en-AU" sz="1000" b="1">
+              <a:rPr lang="en-AU" sz="1400" b="1">
                 <a:solidFill>
                   <a:srgbClr val="FFC000"/>
                 </a:solidFill>
@@ -25050,8 +25862,8 @@
         </p:nvSpPr>
         <p:spPr>
           <a:xfrm>
-            <a:off x="2765482" y="5089375"/>
-            <a:ext cx="1335176" cy="246221"/>
+            <a:off x="2765481" y="5089375"/>
+            <a:ext cx="1693171" cy="307777"/>
           </a:xfrm>
           <a:prstGeom prst="rect">
             <a:avLst/>
@@ -25065,7 +25877,7 @@
           <a:lstStyle/>
           <a:p>
             <a:r>
-              <a:rPr lang="en-AU" sz="1000" b="1">
+              <a:rPr lang="en-AU" sz="1400" b="1">
                 <a:solidFill>
                   <a:srgbClr val="92D050"/>
                 </a:solidFill>
@@ -25090,8 +25902,8 @@
         </p:nvSpPr>
         <p:spPr>
           <a:xfrm>
-            <a:off x="2765482" y="3431771"/>
-            <a:ext cx="1335176" cy="246221"/>
+            <a:off x="2765481" y="3431771"/>
+            <a:ext cx="1559769" cy="307777"/>
           </a:xfrm>
           <a:prstGeom prst="rect">
             <a:avLst/>
@@ -25105,7 +25917,7 @@
           <a:lstStyle/>
           <a:p>
             <a:r>
-              <a:rPr lang="en-AU" sz="1000" b="1">
+              <a:rPr lang="en-AU" sz="1400" b="1">
                 <a:solidFill>
                   <a:srgbClr val="00B0F0"/>
                 </a:solidFill>
@@ -25113,46 +25925,6 @@
               </a:rPr>
               <a:t>refresh_caches</a:t>
             </a:r>
-          </a:p>
-        </p:txBody>
-      </p:sp>
-      <p:sp>
-        <p:nvSpPr>
-          <p:cNvPr id="83" name="TextBox 82">
-            <a:extLst>
-              <a:ext uri="{FF2B5EF4-FFF2-40B4-BE49-F238E27FC236}">
-                <a16:creationId xmlns:a16="http://schemas.microsoft.com/office/drawing/2014/main" id="{E8A24FC3-4B8E-4E82-B780-DCEE30CA2C27}"/>
-              </a:ext>
-            </a:extLst>
-          </p:cNvPr>
-          <p:cNvSpPr txBox="1"/>
-          <p:nvPr/>
-        </p:nvSpPr>
-        <p:spPr>
-          <a:xfrm>
-            <a:off x="7444384" y="3635492"/>
-            <a:ext cx="765538" cy="230832"/>
-          </a:xfrm>
-          <a:prstGeom prst="rect">
-            <a:avLst/>
-          </a:prstGeom>
-          <a:noFill/>
-          <a:ln>
-            <a:noFill/>
-          </a:ln>
-        </p:spPr>
-        <p:txBody>
-          <a:bodyPr wrap="square" rtlCol="0">
-            <a:spAutoFit/>
-          </a:bodyPr>
-          <a:lstStyle/>
-          <a:p>
-            <a:pPr algn="ctr"/>
-            <a:r>
-              <a:rPr lang="en-US" sz="900"/>
-              <a:t>links</a:t>
-            </a:r>
-            <a:endParaRPr lang="en-AU" sz="900"/>
           </a:p>
         </p:txBody>
       </p:sp>
@@ -25170,13 +25942,15 @@
         </p:nvSpPr>
         <p:spPr>
           <a:xfrm>
-            <a:off x="7453643" y="2848679"/>
-            <a:ext cx="765538" cy="230832"/>
+            <a:off x="7466025" y="2754409"/>
+            <a:ext cx="705410" cy="369332"/>
           </a:xfrm>
           <a:prstGeom prst="rect">
             <a:avLst/>
           </a:prstGeom>
-          <a:noFill/>
+          <a:solidFill>
+            <a:schemeClr val="bg1"/>
+          </a:solidFill>
           <a:ln>
             <a:noFill/>
           </a:ln>
@@ -25190,351 +25964,12 @@
             <a:pPr algn="ctr"/>
             <a:r>
               <a:rPr lang="en-US" sz="900"/>
-              <a:t>tallies</a:t>
-            </a:r>
+              <a:t>Tallies</a:t>
+            </a:r>
+          </a:p>
+          <a:p>
+            <a:pPr algn="ctr"/>
             <a:endParaRPr lang="en-AU" sz="900"/>
-          </a:p>
-        </p:txBody>
-      </p:sp>
-      <p:sp>
-        <p:nvSpPr>
-          <p:cNvPr id="95" name="Hexagon 94">
-            <a:extLst>
-              <a:ext uri="{FF2B5EF4-FFF2-40B4-BE49-F238E27FC236}">
-                <a16:creationId xmlns:a16="http://schemas.microsoft.com/office/drawing/2014/main" id="{97A28749-C0E3-4AC5-B01D-009D6C109714}"/>
-              </a:ext>
-            </a:extLst>
-          </p:cNvPr>
-          <p:cNvSpPr/>
-          <p:nvPr/>
-        </p:nvSpPr>
-        <p:spPr>
-          <a:xfrm>
-            <a:off x="183998" y="3229844"/>
-            <a:ext cx="962108" cy="516918"/>
-          </a:xfrm>
-          <a:prstGeom prst="hexagon">
-            <a:avLst/>
-          </a:prstGeom>
-          <a:solidFill>
-            <a:schemeClr val="bg1"/>
-          </a:solidFill>
-        </p:spPr>
-        <p:style>
-          <a:lnRef idx="2">
-            <a:schemeClr val="accent1">
-              <a:shade val="50000"/>
-            </a:schemeClr>
-          </a:lnRef>
-          <a:fillRef idx="1">
-            <a:schemeClr val="accent1"/>
-          </a:fillRef>
-          <a:effectRef idx="0">
-            <a:schemeClr val="accent1"/>
-          </a:effectRef>
-          <a:fontRef idx="minor">
-            <a:schemeClr val="lt1"/>
-          </a:fontRef>
-        </p:style>
-        <p:txBody>
-          <a:bodyPr rtlCol="0" anchor="ctr"/>
-          <a:lstStyle/>
-          <a:p>
-            <a:pPr algn="ctr"/>
-            <a:endParaRPr lang="en-AU" sz="1100">
-              <a:solidFill>
-                <a:schemeClr val="tx1"/>
-              </a:solidFill>
-            </a:endParaRPr>
-          </a:p>
-        </p:txBody>
-      </p:sp>
-      <p:sp>
-        <p:nvSpPr>
-          <p:cNvPr id="96" name="TextBox 95">
-            <a:extLst>
-              <a:ext uri="{FF2B5EF4-FFF2-40B4-BE49-F238E27FC236}">
-                <a16:creationId xmlns:a16="http://schemas.microsoft.com/office/drawing/2014/main" id="{62458E5C-7ED1-4480-9F60-28C7F5B1BC94}"/>
-              </a:ext>
-            </a:extLst>
-          </p:cNvPr>
-          <p:cNvSpPr txBox="1"/>
-          <p:nvPr/>
-        </p:nvSpPr>
-        <p:spPr>
-          <a:xfrm>
-            <a:off x="301325" y="3420246"/>
-            <a:ext cx="734325" cy="184666"/>
-          </a:xfrm>
-          <a:prstGeom prst="rect">
-            <a:avLst/>
-          </a:prstGeom>
-          <a:noFill/>
-          <a:ln>
-            <a:noFill/>
-          </a:ln>
-        </p:spPr>
-        <p:txBody>
-          <a:bodyPr wrap="square" rtlCol="0">
-            <a:spAutoFit/>
-          </a:bodyPr>
-          <a:lstStyle>
-            <a:defPPr>
-              <a:defRPr lang="en-US"/>
-            </a:defPPr>
-            <a:lvl1pPr>
-              <a:defRPr sz="900"/>
-            </a:lvl1pPr>
-          </a:lstStyle>
-          <a:p>
-            <a:r>
-              <a:rPr lang="en-AU" sz="600" b="1"/>
-              <a:t>spatial_ref_sys</a:t>
-            </a:r>
-          </a:p>
-        </p:txBody>
-      </p:sp>
-      <p:sp>
-        <p:nvSpPr>
-          <p:cNvPr id="97" name="Hexagon 96">
-            <a:extLst>
-              <a:ext uri="{FF2B5EF4-FFF2-40B4-BE49-F238E27FC236}">
-                <a16:creationId xmlns:a16="http://schemas.microsoft.com/office/drawing/2014/main" id="{A46E79AB-ACE3-4178-8E06-89077BFD7B4D}"/>
-              </a:ext>
-            </a:extLst>
-          </p:cNvPr>
-          <p:cNvSpPr/>
-          <p:nvPr/>
-        </p:nvSpPr>
-        <p:spPr>
-          <a:xfrm>
-            <a:off x="223457" y="553211"/>
-            <a:ext cx="962108" cy="743447"/>
-          </a:xfrm>
-          <a:prstGeom prst="hexagon">
-            <a:avLst/>
-          </a:prstGeom>
-          <a:solidFill>
-            <a:schemeClr val="bg1"/>
-          </a:solidFill>
-        </p:spPr>
-        <p:style>
-          <a:lnRef idx="2">
-            <a:schemeClr val="accent1">
-              <a:shade val="50000"/>
-            </a:schemeClr>
-          </a:lnRef>
-          <a:fillRef idx="1">
-            <a:schemeClr val="accent1"/>
-          </a:fillRef>
-          <a:effectRef idx="0">
-            <a:schemeClr val="accent1"/>
-          </a:effectRef>
-          <a:fontRef idx="minor">
-            <a:schemeClr val="lt1"/>
-          </a:fontRef>
-        </p:style>
-        <p:txBody>
-          <a:bodyPr rtlCol="0" anchor="ctr"/>
-          <a:lstStyle/>
-          <a:p>
-            <a:pPr algn="ctr"/>
-            <a:endParaRPr lang="en-AU" sz="1100">
-              <a:solidFill>
-                <a:schemeClr val="tx1"/>
-              </a:solidFill>
-            </a:endParaRPr>
-          </a:p>
-        </p:txBody>
-      </p:sp>
-      <p:sp>
-        <p:nvSpPr>
-          <p:cNvPr id="98" name="TextBox 97">
-            <a:extLst>
-              <a:ext uri="{FF2B5EF4-FFF2-40B4-BE49-F238E27FC236}">
-                <a16:creationId xmlns:a16="http://schemas.microsoft.com/office/drawing/2014/main" id="{978E533B-D738-4DC4-9579-56A695485361}"/>
-              </a:ext>
-            </a:extLst>
-          </p:cNvPr>
-          <p:cNvSpPr txBox="1"/>
-          <p:nvPr/>
-        </p:nvSpPr>
-        <p:spPr>
-          <a:xfrm>
-            <a:off x="337348" y="839744"/>
-            <a:ext cx="734325" cy="369332"/>
-          </a:xfrm>
-          <a:prstGeom prst="rect">
-            <a:avLst/>
-          </a:prstGeom>
-          <a:noFill/>
-          <a:ln>
-            <a:noFill/>
-          </a:ln>
-        </p:spPr>
-        <p:txBody>
-          <a:bodyPr wrap="square" rtlCol="0">
-            <a:spAutoFit/>
-          </a:bodyPr>
-          <a:lstStyle>
-            <a:defPPr>
-              <a:defRPr lang="en-US"/>
-            </a:defPPr>
-            <a:lvl1pPr>
-              <a:defRPr sz="900"/>
-            </a:lvl1pPr>
-          </a:lstStyle>
-          <a:p>
-            <a:pPr algn="ctr"/>
-            <a:r>
-              <a:rPr lang="en-US"/>
-              <a:t>polygon_srids</a:t>
-            </a:r>
-            <a:endParaRPr lang="en-AU" sz="800"/>
-          </a:p>
-        </p:txBody>
-      </p:sp>
-      <p:sp>
-        <p:nvSpPr>
-          <p:cNvPr id="101" name="TextBox 100">
-            <a:extLst>
-              <a:ext uri="{FF2B5EF4-FFF2-40B4-BE49-F238E27FC236}">
-                <a16:creationId xmlns:a16="http://schemas.microsoft.com/office/drawing/2014/main" id="{22C93119-6CE9-4778-904F-C0AB6AC98025}"/>
-              </a:ext>
-            </a:extLst>
-          </p:cNvPr>
-          <p:cNvSpPr txBox="1"/>
-          <p:nvPr/>
-        </p:nvSpPr>
-        <p:spPr>
-          <a:xfrm>
-            <a:off x="1223542" y="604533"/>
-            <a:ext cx="899456" cy="215444"/>
-          </a:xfrm>
-          <a:prstGeom prst="rect">
-            <a:avLst/>
-          </a:prstGeom>
-          <a:gradFill flip="none" rotWithShape="1">
-            <a:gsLst>
-              <a:gs pos="0">
-                <a:schemeClr val="accent4">
-                  <a:lumMod val="60000"/>
-                  <a:lumOff val="40000"/>
-                  <a:shade val="30000"/>
-                  <a:satMod val="115000"/>
-                </a:schemeClr>
-              </a:gs>
-              <a:gs pos="50000">
-                <a:schemeClr val="accent4">
-                  <a:lumMod val="60000"/>
-                  <a:lumOff val="40000"/>
-                  <a:shade val="67500"/>
-                  <a:satMod val="115000"/>
-                </a:schemeClr>
-              </a:gs>
-              <a:gs pos="100000">
-                <a:schemeClr val="accent4">
-                  <a:lumMod val="60000"/>
-                  <a:lumOff val="40000"/>
-                  <a:shade val="100000"/>
-                  <a:satMod val="115000"/>
-                </a:schemeClr>
-              </a:gs>
-            </a:gsLst>
-            <a:lin ang="16200000" scaled="1"/>
-            <a:tileRect/>
-          </a:gradFill>
-          <a:ln>
-            <a:solidFill>
-              <a:schemeClr val="accent1">
-                <a:shade val="50000"/>
-              </a:schemeClr>
-            </a:solidFill>
-          </a:ln>
-        </p:spPr>
-        <p:txBody>
-          <a:bodyPr wrap="square" rtlCol="0">
-            <a:spAutoFit/>
-          </a:bodyPr>
-          <a:lstStyle>
-            <a:defPPr>
-              <a:defRPr lang="en-US"/>
-            </a:defPPr>
-            <a:lvl1pPr>
-              <a:defRPr sz="900"/>
-            </a:lvl1pPr>
-          </a:lstStyle>
-          <a:p>
-            <a:r>
-              <a:rPr lang="en-US" sz="700"/>
-              <a:t>ps_srid</a:t>
-            </a:r>
-            <a:br>
-              <a:rPr lang="en-US" sz="700"/>
-            </a:br>
-            <a:endParaRPr lang="en-GB" sz="100"/>
-          </a:p>
-        </p:txBody>
-      </p:sp>
-      <p:sp>
-        <p:nvSpPr>
-          <p:cNvPr id="102" name="TextBox 101">
-            <a:extLst>
-              <a:ext uri="{FF2B5EF4-FFF2-40B4-BE49-F238E27FC236}">
-                <a16:creationId xmlns:a16="http://schemas.microsoft.com/office/drawing/2014/main" id="{39C35F9A-EE82-44A4-A586-BCB6B163C282}"/>
-              </a:ext>
-            </a:extLst>
-          </p:cNvPr>
-          <p:cNvSpPr txBox="1"/>
-          <p:nvPr/>
-        </p:nvSpPr>
-        <p:spPr>
-          <a:xfrm>
-            <a:off x="1223542" y="823976"/>
-            <a:ext cx="899456" cy="323165"/>
-          </a:xfrm>
-          <a:prstGeom prst="rect">
-            <a:avLst/>
-          </a:prstGeom>
-          <a:solidFill>
-            <a:schemeClr val="bg1"/>
-          </a:solidFill>
-          <a:ln>
-            <a:solidFill>
-              <a:schemeClr val="accent1">
-                <a:shade val="50000"/>
-              </a:schemeClr>
-            </a:solidFill>
-          </a:ln>
-        </p:spPr>
-        <p:txBody>
-          <a:bodyPr wrap="square" rtlCol="0">
-            <a:spAutoFit/>
-          </a:bodyPr>
-          <a:lstStyle>
-            <a:defPPr>
-              <a:defRPr lang="en-US"/>
-            </a:defPPr>
-            <a:lvl1pPr>
-              <a:defRPr sz="900"/>
-            </a:lvl1pPr>
-          </a:lstStyle>
-          <a:p>
-            <a:r>
-              <a:rPr lang="en-US" sz="700"/>
-              <a:t>100000</a:t>
-            </a:r>
-            <a:br>
-              <a:rPr lang="en-US" sz="700"/>
-            </a:br>
-            <a:r>
-              <a:rPr lang="en-US" sz="700"/>
-              <a:t>(1 row)</a:t>
-            </a:r>
-            <a:endParaRPr lang="en-AU" sz="700"/>
-          </a:p>
-          <a:p>
-            <a:endParaRPr lang="en-GB" sz="100"/>
           </a:p>
         </p:txBody>
       </p:sp>
@@ -25655,518 +26090,6 @@
       </p:sp>
       <p:sp>
         <p:nvSpPr>
-          <p:cNvPr id="107" name="Arrow: Up 106">
-            <a:extLst>
-              <a:ext uri="{FF2B5EF4-FFF2-40B4-BE49-F238E27FC236}">
-                <a16:creationId xmlns:a16="http://schemas.microsoft.com/office/drawing/2014/main" id="{B9F16A2F-168C-4472-A9E5-B7C5589148B6}"/>
-              </a:ext>
-            </a:extLst>
-          </p:cNvPr>
-          <p:cNvSpPr/>
-          <p:nvPr/>
-        </p:nvSpPr>
-        <p:spPr>
-          <a:xfrm>
-            <a:off x="7725481" y="3509270"/>
-            <a:ext cx="220640" cy="205048"/>
-          </a:xfrm>
-          <a:prstGeom prst="upArrow">
-            <a:avLst/>
-          </a:prstGeom>
-          <a:gradFill flip="none" rotWithShape="1">
-            <a:gsLst>
-              <a:gs pos="0">
-                <a:schemeClr val="accent2">
-                  <a:shade val="30000"/>
-                  <a:satMod val="115000"/>
-                </a:schemeClr>
-              </a:gs>
-              <a:gs pos="50000">
-                <a:schemeClr val="accent2">
-                  <a:shade val="67500"/>
-                  <a:satMod val="115000"/>
-                </a:schemeClr>
-              </a:gs>
-              <a:gs pos="100000">
-                <a:schemeClr val="accent2">
-                  <a:shade val="100000"/>
-                  <a:satMod val="115000"/>
-                </a:schemeClr>
-              </a:gs>
-            </a:gsLst>
-            <a:lin ang="16200000" scaled="1"/>
-            <a:tileRect/>
-          </a:gradFill>
-          <a:ln>
-            <a:solidFill>
-              <a:schemeClr val="accent2"/>
-            </a:solidFill>
-          </a:ln>
-        </p:spPr>
-        <p:style>
-          <a:lnRef idx="2">
-            <a:schemeClr val="accent1">
-              <a:shade val="50000"/>
-            </a:schemeClr>
-          </a:lnRef>
-          <a:fillRef idx="1">
-            <a:schemeClr val="accent1"/>
-          </a:fillRef>
-          <a:effectRef idx="0">
-            <a:schemeClr val="accent1"/>
-          </a:effectRef>
-          <a:fontRef idx="minor">
-            <a:schemeClr val="lt1"/>
-          </a:fontRef>
-        </p:style>
-        <p:txBody>
-          <a:bodyPr rtlCol="0" anchor="ctr"/>
-          <a:lstStyle/>
-          <a:p>
-            <a:pPr algn="ctr"/>
-            <a:endParaRPr lang="en-GB"/>
-          </a:p>
-        </p:txBody>
-      </p:sp>
-      <p:sp>
-        <p:nvSpPr>
-          <p:cNvPr id="108" name="Arrow: Up 107">
-            <a:extLst>
-              <a:ext uri="{FF2B5EF4-FFF2-40B4-BE49-F238E27FC236}">
-                <a16:creationId xmlns:a16="http://schemas.microsoft.com/office/drawing/2014/main" id="{DD596759-2672-469E-BAF9-71762AC4FA09}"/>
-              </a:ext>
-            </a:extLst>
-          </p:cNvPr>
-          <p:cNvSpPr/>
-          <p:nvPr/>
-        </p:nvSpPr>
-        <p:spPr>
-          <a:xfrm rot="16200000">
-            <a:off x="2973334" y="5237610"/>
-            <a:ext cx="220640" cy="205048"/>
-          </a:xfrm>
-          <a:prstGeom prst="upArrow">
-            <a:avLst/>
-          </a:prstGeom>
-          <a:gradFill flip="none" rotWithShape="1">
-            <a:gsLst>
-              <a:gs pos="0">
-                <a:schemeClr val="accent2">
-                  <a:shade val="30000"/>
-                  <a:satMod val="115000"/>
-                </a:schemeClr>
-              </a:gs>
-              <a:gs pos="50000">
-                <a:schemeClr val="accent2">
-                  <a:shade val="67500"/>
-                  <a:satMod val="115000"/>
-                </a:schemeClr>
-              </a:gs>
-              <a:gs pos="100000">
-                <a:schemeClr val="accent2">
-                  <a:shade val="100000"/>
-                  <a:satMod val="115000"/>
-                </a:schemeClr>
-              </a:gs>
-            </a:gsLst>
-            <a:lin ang="16200000" scaled="1"/>
-            <a:tileRect/>
-          </a:gradFill>
-          <a:ln>
-            <a:solidFill>
-              <a:schemeClr val="accent2"/>
-            </a:solidFill>
-          </a:ln>
-        </p:spPr>
-        <p:style>
-          <a:lnRef idx="2">
-            <a:schemeClr val="accent1">
-              <a:shade val="50000"/>
-            </a:schemeClr>
-          </a:lnRef>
-          <a:fillRef idx="1">
-            <a:schemeClr val="accent1"/>
-          </a:fillRef>
-          <a:effectRef idx="0">
-            <a:schemeClr val="accent1"/>
-          </a:effectRef>
-          <a:fontRef idx="minor">
-            <a:schemeClr val="lt1"/>
-          </a:fontRef>
-        </p:style>
-        <p:txBody>
-          <a:bodyPr rtlCol="0" anchor="ctr"/>
-          <a:lstStyle/>
-          <a:p>
-            <a:pPr algn="ctr"/>
-            <a:endParaRPr lang="en-GB"/>
-          </a:p>
-        </p:txBody>
-      </p:sp>
-      <p:sp>
-        <p:nvSpPr>
-          <p:cNvPr id="109" name="Arrow: Up 108">
-            <a:extLst>
-              <a:ext uri="{FF2B5EF4-FFF2-40B4-BE49-F238E27FC236}">
-                <a16:creationId xmlns:a16="http://schemas.microsoft.com/office/drawing/2014/main" id="{D7E9215B-5BE7-47A4-B2CE-C3D7A193086F}"/>
-              </a:ext>
-            </a:extLst>
-          </p:cNvPr>
-          <p:cNvSpPr/>
-          <p:nvPr/>
-        </p:nvSpPr>
-        <p:spPr>
-          <a:xfrm>
-            <a:off x="552992" y="5369519"/>
-            <a:ext cx="220640" cy="205048"/>
-          </a:xfrm>
-          <a:prstGeom prst="upArrow">
-            <a:avLst/>
-          </a:prstGeom>
-          <a:gradFill flip="none" rotWithShape="1">
-            <a:gsLst>
-              <a:gs pos="0">
-                <a:schemeClr val="accent2">
-                  <a:shade val="30000"/>
-                  <a:satMod val="115000"/>
-                </a:schemeClr>
-              </a:gs>
-              <a:gs pos="50000">
-                <a:schemeClr val="accent2">
-                  <a:shade val="67500"/>
-                  <a:satMod val="115000"/>
-                </a:schemeClr>
-              </a:gs>
-              <a:gs pos="100000">
-                <a:schemeClr val="accent2">
-                  <a:shade val="100000"/>
-                  <a:satMod val="115000"/>
-                </a:schemeClr>
-              </a:gs>
-            </a:gsLst>
-            <a:lin ang="16200000" scaled="1"/>
-            <a:tileRect/>
-          </a:gradFill>
-          <a:ln>
-            <a:solidFill>
-              <a:schemeClr val="accent2"/>
-            </a:solidFill>
-          </a:ln>
-        </p:spPr>
-        <p:style>
-          <a:lnRef idx="2">
-            <a:schemeClr val="accent1">
-              <a:shade val="50000"/>
-            </a:schemeClr>
-          </a:lnRef>
-          <a:fillRef idx="1">
-            <a:schemeClr val="accent1"/>
-          </a:fillRef>
-          <a:effectRef idx="0">
-            <a:schemeClr val="accent1"/>
-          </a:effectRef>
-          <a:fontRef idx="minor">
-            <a:schemeClr val="lt1"/>
-          </a:fontRef>
-        </p:style>
-        <p:txBody>
-          <a:bodyPr rtlCol="0" anchor="ctr"/>
-          <a:lstStyle/>
-          <a:p>
-            <a:pPr algn="ctr"/>
-            <a:endParaRPr lang="en-GB"/>
-          </a:p>
-        </p:txBody>
-      </p:sp>
-      <p:sp>
-        <p:nvSpPr>
-          <p:cNvPr id="110" name="Arrow: Up 109">
-            <a:extLst>
-              <a:ext uri="{FF2B5EF4-FFF2-40B4-BE49-F238E27FC236}">
-                <a16:creationId xmlns:a16="http://schemas.microsoft.com/office/drawing/2014/main" id="{FD191EB8-D4FE-4CD6-8790-6FFF9223ED0A}"/>
-              </a:ext>
-            </a:extLst>
-          </p:cNvPr>
-          <p:cNvSpPr/>
-          <p:nvPr/>
-        </p:nvSpPr>
-        <p:spPr>
-          <a:xfrm>
-            <a:off x="538466" y="3356189"/>
-            <a:ext cx="220640" cy="205048"/>
-          </a:xfrm>
-          <a:prstGeom prst="upArrow">
-            <a:avLst/>
-          </a:prstGeom>
-          <a:gradFill flip="none" rotWithShape="1">
-            <a:gsLst>
-              <a:gs pos="0">
-                <a:schemeClr val="accent2">
-                  <a:shade val="30000"/>
-                  <a:satMod val="115000"/>
-                </a:schemeClr>
-              </a:gs>
-              <a:gs pos="50000">
-                <a:schemeClr val="accent2">
-                  <a:shade val="67500"/>
-                  <a:satMod val="115000"/>
-                </a:schemeClr>
-              </a:gs>
-              <a:gs pos="100000">
-                <a:schemeClr val="accent2">
-                  <a:shade val="100000"/>
-                  <a:satMod val="115000"/>
-                </a:schemeClr>
-              </a:gs>
-            </a:gsLst>
-            <a:lin ang="16200000" scaled="1"/>
-            <a:tileRect/>
-          </a:gradFill>
-          <a:ln>
-            <a:solidFill>
-              <a:schemeClr val="accent2"/>
-            </a:solidFill>
-          </a:ln>
-        </p:spPr>
-        <p:style>
-          <a:lnRef idx="2">
-            <a:schemeClr val="accent1">
-              <a:shade val="50000"/>
-            </a:schemeClr>
-          </a:lnRef>
-          <a:fillRef idx="1">
-            <a:schemeClr val="accent1"/>
-          </a:fillRef>
-          <a:effectRef idx="0">
-            <a:schemeClr val="accent1"/>
-          </a:effectRef>
-          <a:fontRef idx="minor">
-            <a:schemeClr val="lt1"/>
-          </a:fontRef>
-        </p:style>
-        <p:txBody>
-          <a:bodyPr rtlCol="0" anchor="ctr"/>
-          <a:lstStyle/>
-          <a:p>
-            <a:pPr algn="ctr"/>
-            <a:endParaRPr lang="en-GB"/>
-          </a:p>
-        </p:txBody>
-      </p:sp>
-      <p:sp>
-        <p:nvSpPr>
-          <p:cNvPr id="111" name="TextBox 110">
-            <a:extLst>
-              <a:ext uri="{FF2B5EF4-FFF2-40B4-BE49-F238E27FC236}">
-                <a16:creationId xmlns:a16="http://schemas.microsoft.com/office/drawing/2014/main" id="{8BF98FC6-48CA-4C1B-9AA3-9DFF31660FD5}"/>
-              </a:ext>
-            </a:extLst>
-          </p:cNvPr>
-          <p:cNvSpPr txBox="1"/>
-          <p:nvPr/>
-        </p:nvSpPr>
-        <p:spPr>
-          <a:xfrm>
-            <a:off x="238834" y="2230821"/>
-            <a:ext cx="3275089" cy="230832"/>
-          </a:xfrm>
-          <a:prstGeom prst="rect">
-            <a:avLst/>
-          </a:prstGeom>
-          <a:gradFill flip="none" rotWithShape="1">
-            <a:gsLst>
-              <a:gs pos="0">
-                <a:schemeClr val="accent4">
-                  <a:lumMod val="60000"/>
-                  <a:lumOff val="40000"/>
-                  <a:shade val="30000"/>
-                  <a:satMod val="115000"/>
-                </a:schemeClr>
-              </a:gs>
-              <a:gs pos="50000">
-                <a:schemeClr val="accent4">
-                  <a:lumMod val="60000"/>
-                  <a:lumOff val="40000"/>
-                  <a:shade val="67500"/>
-                  <a:satMod val="115000"/>
-                </a:schemeClr>
-              </a:gs>
-              <a:gs pos="100000">
-                <a:schemeClr val="accent4">
-                  <a:lumMod val="60000"/>
-                  <a:lumOff val="40000"/>
-                  <a:shade val="100000"/>
-                  <a:satMod val="115000"/>
-                </a:schemeClr>
-              </a:gs>
-            </a:gsLst>
-            <a:lin ang="16200000" scaled="1"/>
-            <a:tileRect/>
-          </a:gradFill>
-          <a:ln>
-            <a:solidFill>
-              <a:schemeClr val="accent1">
-                <a:shade val="50000"/>
-              </a:schemeClr>
-            </a:solidFill>
-          </a:ln>
-        </p:spPr>
-        <p:txBody>
-          <a:bodyPr wrap="square" rtlCol="0">
-            <a:spAutoFit/>
-          </a:bodyPr>
-          <a:lstStyle>
-            <a:defPPr>
-              <a:defRPr lang="en-US"/>
-            </a:defPPr>
-            <a:lvl1pPr>
-              <a:defRPr sz="900"/>
-            </a:lvl1pPr>
-          </a:lstStyle>
-          <a:p>
-            <a:r>
-              <a:rPr lang="en-US" sz="800"/>
-              <a:t>srid|auth_name|auth_srid|srtext|proj4text</a:t>
-            </a:r>
-            <a:endParaRPr lang="en-AU" sz="800"/>
-          </a:p>
-          <a:p>
-            <a:endParaRPr lang="en-GB" sz="100"/>
-          </a:p>
-        </p:txBody>
-      </p:sp>
-      <p:sp>
-        <p:nvSpPr>
-          <p:cNvPr id="112" name="TextBox 111">
-            <a:extLst>
-              <a:ext uri="{FF2B5EF4-FFF2-40B4-BE49-F238E27FC236}">
-                <a16:creationId xmlns:a16="http://schemas.microsoft.com/office/drawing/2014/main" id="{1F42BBB5-DCE8-4145-90BB-DD11E52365B0}"/>
-              </a:ext>
-            </a:extLst>
-          </p:cNvPr>
-          <p:cNvSpPr txBox="1"/>
-          <p:nvPr/>
-        </p:nvSpPr>
-        <p:spPr>
-          <a:xfrm>
-            <a:off x="238834" y="2489036"/>
-            <a:ext cx="3275090" cy="646331"/>
-          </a:xfrm>
-          <a:prstGeom prst="rect">
-            <a:avLst/>
-          </a:prstGeom>
-          <a:solidFill>
-            <a:schemeClr val="bg1"/>
-          </a:solidFill>
-          <a:ln>
-            <a:solidFill>
-              <a:schemeClr val="accent1">
-                <a:shade val="50000"/>
-              </a:schemeClr>
-            </a:solidFill>
-          </a:ln>
-        </p:spPr>
-        <p:txBody>
-          <a:bodyPr wrap="square" rtlCol="0">
-            <a:spAutoFit/>
-          </a:bodyPr>
-          <a:lstStyle>
-            <a:defPPr>
-              <a:defRPr lang="en-US"/>
-            </a:defPPr>
-            <a:lvl1pPr>
-              <a:defRPr sz="900"/>
-            </a:lvl1pPr>
-          </a:lstStyle>
-          <a:p>
-            <a:r>
-              <a:rPr lang="en-US" sz="700"/>
-              <a:t>3819|EPSG|3819|GEOGCS["HD1909",DATUM["Hung…1909",SPHEROID["Bessel1841",6377397.155,299.15,AUTHORITY["EPSG","7004"]],TOWGS84[595.48,121.69,515.35,4.115,-2.93,0.853,-3.408],AUTH["EPSG","1024"]],PRIMEM["Grwich",0,AUTH["EPSG","8901"]],UNIT["deg",0.01…33,AUTH["EPSG","9122"]],AUTH["EPSG","3819"]]</a:t>
-            </a:r>
-            <a:endParaRPr lang="en-AU" sz="700"/>
-          </a:p>
-          <a:p>
-            <a:endParaRPr lang="en-GB" sz="100"/>
-          </a:p>
-        </p:txBody>
-      </p:sp>
-      <p:sp>
-        <p:nvSpPr>
-          <p:cNvPr id="113" name="Arrow: Up 112">
-            <a:extLst>
-              <a:ext uri="{FF2B5EF4-FFF2-40B4-BE49-F238E27FC236}">
-                <a16:creationId xmlns:a16="http://schemas.microsoft.com/office/drawing/2014/main" id="{F8337934-93C2-4B04-8678-04E5C559E7FA}"/>
-              </a:ext>
-            </a:extLst>
-          </p:cNvPr>
-          <p:cNvSpPr/>
-          <p:nvPr/>
-        </p:nvSpPr>
-        <p:spPr>
-          <a:xfrm>
-            <a:off x="2932141" y="3611794"/>
-            <a:ext cx="220640" cy="205048"/>
-          </a:xfrm>
-          <a:prstGeom prst="upArrow">
-            <a:avLst/>
-          </a:prstGeom>
-          <a:gradFill flip="none" rotWithShape="1">
-            <a:gsLst>
-              <a:gs pos="0">
-                <a:schemeClr val="accent2">
-                  <a:shade val="30000"/>
-                  <a:satMod val="115000"/>
-                </a:schemeClr>
-              </a:gs>
-              <a:gs pos="50000">
-                <a:schemeClr val="accent2">
-                  <a:shade val="67500"/>
-                  <a:satMod val="115000"/>
-                </a:schemeClr>
-              </a:gs>
-              <a:gs pos="100000">
-                <a:schemeClr val="accent2">
-                  <a:shade val="100000"/>
-                  <a:satMod val="115000"/>
-                </a:schemeClr>
-              </a:gs>
-            </a:gsLst>
-            <a:lin ang="16200000" scaled="1"/>
-            <a:tileRect/>
-          </a:gradFill>
-          <a:ln>
-            <a:solidFill>
-              <a:schemeClr val="accent2"/>
-            </a:solidFill>
-          </a:ln>
-        </p:spPr>
-        <p:style>
-          <a:lnRef idx="2">
-            <a:schemeClr val="accent1">
-              <a:shade val="50000"/>
-            </a:schemeClr>
-          </a:lnRef>
-          <a:fillRef idx="1">
-            <a:schemeClr val="accent1"/>
-          </a:fillRef>
-          <a:effectRef idx="0">
-            <a:schemeClr val="accent1"/>
-          </a:effectRef>
-          <a:fontRef idx="minor">
-            <a:schemeClr val="lt1"/>
-          </a:fontRef>
-        </p:style>
-        <p:txBody>
-          <a:bodyPr rtlCol="0" anchor="ctr"/>
-          <a:lstStyle/>
-          <a:p>
-            <a:pPr algn="ctr"/>
-            <a:endParaRPr lang="en-GB"/>
-          </a:p>
-        </p:txBody>
-      </p:sp>
-      <p:sp>
-        <p:nvSpPr>
           <p:cNvPr id="114" name="TextBox 113">
             <a:extLst>
               <a:ext uri="{FF2B5EF4-FFF2-40B4-BE49-F238E27FC236}">
@@ -26227,81 +26150,6 @@
       </p:sp>
       <p:sp>
         <p:nvSpPr>
-          <p:cNvPr id="115" name="Arrow: Up 114">
-            <a:extLst>
-              <a:ext uri="{FF2B5EF4-FFF2-40B4-BE49-F238E27FC236}">
-                <a16:creationId xmlns:a16="http://schemas.microsoft.com/office/drawing/2014/main" id="{E3FCCCEE-DF14-4608-972A-A1F9285672DB}"/>
-              </a:ext>
-            </a:extLst>
-          </p:cNvPr>
-          <p:cNvSpPr/>
-          <p:nvPr/>
-        </p:nvSpPr>
-        <p:spPr>
-          <a:xfrm rot="5400000">
-            <a:off x="552992" y="753370"/>
-            <a:ext cx="220640" cy="205048"/>
-          </a:xfrm>
-          <a:prstGeom prst="upArrow">
-            <a:avLst/>
-          </a:prstGeom>
-          <a:gradFill flip="none" rotWithShape="1">
-            <a:gsLst>
-              <a:gs pos="0">
-                <a:schemeClr val="accent2">
-                  <a:shade val="30000"/>
-                  <a:satMod val="115000"/>
-                </a:schemeClr>
-              </a:gs>
-              <a:gs pos="50000">
-                <a:schemeClr val="accent2">
-                  <a:shade val="67500"/>
-                  <a:satMod val="115000"/>
-                </a:schemeClr>
-              </a:gs>
-              <a:gs pos="100000">
-                <a:schemeClr val="accent2">
-                  <a:shade val="100000"/>
-                  <a:satMod val="115000"/>
-                </a:schemeClr>
-              </a:gs>
-            </a:gsLst>
-            <a:lin ang="16200000" scaled="1"/>
-            <a:tileRect/>
-          </a:gradFill>
-          <a:ln>
-            <a:solidFill>
-              <a:schemeClr val="accent2"/>
-            </a:solidFill>
-          </a:ln>
-        </p:spPr>
-        <p:style>
-          <a:lnRef idx="2">
-            <a:schemeClr val="accent1">
-              <a:shade val="50000"/>
-            </a:schemeClr>
-          </a:lnRef>
-          <a:fillRef idx="1">
-            <a:schemeClr val="accent1"/>
-          </a:fillRef>
-          <a:effectRef idx="0">
-            <a:schemeClr val="accent1"/>
-          </a:effectRef>
-          <a:fontRef idx="minor">
-            <a:schemeClr val="lt1"/>
-          </a:fontRef>
-        </p:style>
-        <p:txBody>
-          <a:bodyPr rtlCol="0" anchor="ctr"/>
-          <a:lstStyle/>
-          <a:p>
-            <a:pPr algn="ctr"/>
-            <a:endParaRPr lang="en-GB"/>
-          </a:p>
-        </p:txBody>
-      </p:sp>
-      <p:sp>
-        <p:nvSpPr>
           <p:cNvPr id="59" name="TextBox 58">
             <a:extLst>
               <a:ext uri="{FF2B5EF4-FFF2-40B4-BE49-F238E27FC236}">
@@ -26314,8 +26162,8 @@
         </p:nvSpPr>
         <p:spPr>
           <a:xfrm>
-            <a:off x="7453032" y="4391789"/>
-            <a:ext cx="765538" cy="230832"/>
+            <a:off x="7475452" y="4316373"/>
+            <a:ext cx="724263" cy="369332"/>
           </a:xfrm>
           <a:prstGeom prst="rect">
             <a:avLst/>
@@ -26336,9 +26184,201 @@
             <a:pPr algn="ctr"/>
             <a:r>
               <a:rPr lang="en-US" sz="900"/>
-              <a:t>files</a:t>
-            </a:r>
+              <a:t>Files</a:t>
+            </a:r>
+          </a:p>
+          <a:p>
+            <a:pPr algn="ctr"/>
             <a:endParaRPr lang="en-AU" sz="900"/>
+          </a:p>
+        </p:txBody>
+      </p:sp>
+      <p:sp>
+        <p:nvSpPr>
+          <p:cNvPr id="83" name="TextBox 82">
+            <a:extLst>
+              <a:ext uri="{FF2B5EF4-FFF2-40B4-BE49-F238E27FC236}">
+                <a16:creationId xmlns:a16="http://schemas.microsoft.com/office/drawing/2014/main" id="{E8A24FC3-4B8E-4E82-B780-DCEE30CA2C27}"/>
+              </a:ext>
+            </a:extLst>
+          </p:cNvPr>
+          <p:cNvSpPr txBox="1"/>
+          <p:nvPr/>
+        </p:nvSpPr>
+        <p:spPr>
+          <a:xfrm>
+            <a:off x="7494307" y="3578930"/>
+            <a:ext cx="677127" cy="369332"/>
+          </a:xfrm>
+          <a:prstGeom prst="rect">
+            <a:avLst/>
+          </a:prstGeom>
+          <a:solidFill>
+            <a:schemeClr val="bg1"/>
+          </a:solidFill>
+          <a:ln>
+            <a:noFill/>
+          </a:ln>
+        </p:spPr>
+        <p:txBody>
+          <a:bodyPr wrap="square" rtlCol="0">
+            <a:spAutoFit/>
+          </a:bodyPr>
+          <a:lstStyle/>
+          <a:p>
+            <a:pPr algn="ctr"/>
+            <a:r>
+              <a:rPr lang="en-US" sz="900"/>
+              <a:t>Links</a:t>
+            </a:r>
+          </a:p>
+          <a:p>
+            <a:pPr algn="ctr"/>
+            <a:endParaRPr lang="en-AU" sz="900"/>
+          </a:p>
+        </p:txBody>
+      </p:sp>
+      <p:sp>
+        <p:nvSpPr>
+          <p:cNvPr id="96" name="TextBox 95">
+            <a:extLst>
+              <a:ext uri="{FF2B5EF4-FFF2-40B4-BE49-F238E27FC236}">
+                <a16:creationId xmlns:a16="http://schemas.microsoft.com/office/drawing/2014/main" id="{62458E5C-7ED1-4480-9F60-28C7F5B1BC94}"/>
+              </a:ext>
+            </a:extLst>
+          </p:cNvPr>
+          <p:cNvSpPr txBox="1"/>
+          <p:nvPr/>
+        </p:nvSpPr>
+        <p:spPr>
+          <a:xfrm>
+            <a:off x="294511" y="3323820"/>
+            <a:ext cx="698302" cy="338554"/>
+          </a:xfrm>
+          <a:prstGeom prst="rect">
+            <a:avLst/>
+          </a:prstGeom>
+          <a:solidFill>
+            <a:schemeClr val="bg1"/>
+          </a:solidFill>
+          <a:ln>
+            <a:noFill/>
+          </a:ln>
+        </p:spPr>
+        <p:txBody>
+          <a:bodyPr wrap="square" rtlCol="0">
+            <a:spAutoFit/>
+          </a:bodyPr>
+          <a:lstStyle>
+            <a:defPPr>
+              <a:defRPr lang="en-US"/>
+            </a:defPPr>
+            <a:lvl1pPr>
+              <a:defRPr sz="900"/>
+            </a:lvl1pPr>
+          </a:lstStyle>
+          <a:p>
+            <a:pPr algn="ctr"/>
+            <a:r>
+              <a:rPr lang="en-AU" sz="800"/>
+              <a:t>Spatial_ref_sys</a:t>
+            </a:r>
+          </a:p>
+        </p:txBody>
+      </p:sp>
+      <p:sp>
+        <p:nvSpPr>
+          <p:cNvPr id="88" name="TextBox 87">
+            <a:extLst>
+              <a:ext uri="{FF2B5EF4-FFF2-40B4-BE49-F238E27FC236}">
+                <a16:creationId xmlns:a16="http://schemas.microsoft.com/office/drawing/2014/main" id="{7D92957F-4579-41DD-BA62-E7B1F0280A98}"/>
+              </a:ext>
+            </a:extLst>
+          </p:cNvPr>
+          <p:cNvSpPr txBox="1"/>
+          <p:nvPr/>
+        </p:nvSpPr>
+        <p:spPr>
+          <a:xfrm>
+            <a:off x="299585" y="5360093"/>
+            <a:ext cx="734325" cy="338554"/>
+          </a:xfrm>
+          <a:prstGeom prst="rect">
+            <a:avLst/>
+          </a:prstGeom>
+          <a:solidFill>
+            <a:schemeClr val="bg1"/>
+          </a:solidFill>
+          <a:ln>
+            <a:noFill/>
+          </a:ln>
+        </p:spPr>
+        <p:txBody>
+          <a:bodyPr wrap="square" rtlCol="0">
+            <a:spAutoFit/>
+          </a:bodyPr>
+          <a:lstStyle>
+            <a:defPPr>
+              <a:defRPr lang="en-US"/>
+            </a:defPPr>
+            <a:lvl1pPr>
+              <a:defRPr sz="900"/>
+            </a:lvl1pPr>
+          </a:lstStyle>
+          <a:p>
+            <a:r>
+              <a:rPr lang="en-AU" sz="800"/>
+              <a:t>nci_spatial_ref_sys</a:t>
+            </a:r>
+          </a:p>
+        </p:txBody>
+      </p:sp>
+      <p:sp>
+        <p:nvSpPr>
+          <p:cNvPr id="98" name="TextBox 97">
+            <a:extLst>
+              <a:ext uri="{FF2B5EF4-FFF2-40B4-BE49-F238E27FC236}">
+                <a16:creationId xmlns:a16="http://schemas.microsoft.com/office/drawing/2014/main" id="{978E533B-D738-4DC4-9579-56A695485361}"/>
+              </a:ext>
+            </a:extLst>
+          </p:cNvPr>
+          <p:cNvSpPr txBox="1"/>
+          <p:nvPr/>
+        </p:nvSpPr>
+        <p:spPr>
+          <a:xfrm>
+            <a:off x="290213" y="764328"/>
+            <a:ext cx="705990" cy="369332"/>
+          </a:xfrm>
+          <a:prstGeom prst="rect">
+            <a:avLst/>
+          </a:prstGeom>
+          <a:solidFill>
+            <a:schemeClr val="bg1"/>
+          </a:solidFill>
+          <a:ln>
+            <a:noFill/>
+          </a:ln>
+        </p:spPr>
+        <p:txBody>
+          <a:bodyPr wrap="square" rtlCol="0">
+            <a:spAutoFit/>
+          </a:bodyPr>
+          <a:lstStyle>
+            <a:defPPr>
+              <a:defRPr lang="en-US"/>
+            </a:defPPr>
+            <a:lvl1pPr>
+              <a:defRPr sz="900"/>
+            </a:lvl1pPr>
+          </a:lstStyle>
+          <a:p>
+            <a:pPr algn="ctr"/>
+            <a:r>
+              <a:rPr lang="en-US"/>
+              <a:t>polygon_srids</a:t>
+            </a:r>
+            <a:endParaRPr lang="en-AU" sz="800"/>
           </a:p>
         </p:txBody>
       </p:sp>
@@ -26357,12 +26397,12 @@
   </p:clrMapOvr>
   <mc:AlternateContent xmlns:mc="http://schemas.openxmlformats.org/markup-compatibility/2006">
     <mc:Choice xmlns:p15="http://schemas.microsoft.com/office/powerpoint/2012/main" Requires="p15">
-      <p:transition xmlns:p14="http://schemas.microsoft.com/office/powerpoint/2010/main" spd="slow" p14:dur="2000" advTm="35393">
+      <p:transition xmlns:p14="http://schemas.microsoft.com/office/powerpoint/2010/main" spd="slow" p14:dur="2000">
         <p15:prstTrans prst="drape"/>
       </p:transition>
     </mc:Choice>
     <mc:Fallback>
-      <p:transition spd="slow" advTm="35393">
+      <p:transition spd="slow">
         <p:fade/>
       </p:transition>
     </mc:Fallback>
@@ -26534,7 +26574,7 @@
                                           </p:stCondLst>
                                         </p:cTn>
                                         <p:tgtEl>
-                                          <p:spTgt spid="66"/>
+                                          <p:spTgt spid="59"/>
                                         </p:tgtEl>
                                         <p:attrNameLst>
                                           <p:attrName>style.visibility</p:attrName>
@@ -26548,7 +26588,7 @@
                                       <p:cBhvr>
                                         <p:cTn id="20" dur="500"/>
                                         <p:tgtEl>
-                                          <p:spTgt spid="66"/>
+                                          <p:spTgt spid="59"/>
                                         </p:tgtEl>
                                       </p:cBhvr>
                                     </p:animEffect>
@@ -26587,7 +26627,7 @@
                                           </p:stCondLst>
                                         </p:cTn>
                                         <p:tgtEl>
-                                          <p:spTgt spid="76"/>
+                                          <p:spTgt spid="66"/>
                                         </p:tgtEl>
                                         <p:attrNameLst>
                                           <p:attrName>style.visibility</p:attrName>
@@ -26601,7 +26641,7 @@
                                       <p:cBhvr>
                                         <p:cTn id="25" dur="500"/>
                                         <p:tgtEl>
-                                          <p:spTgt spid="76"/>
+                                          <p:spTgt spid="66"/>
                                         </p:tgtEl>
                                       </p:cBhvr>
                                     </p:animEffect>
@@ -26627,60 +26667,20 @@
                             </p:stCondLst>
                             <p:childTnLst>
                               <p:par>
-                                <p:cTn id="28" presetID="42" presetClass="path" presetSubtype="0" accel="50000" decel="50000" fill="hold" grpId="0" nodeType="clickEffect">
-                                  <p:stCondLst>
-                                    <p:cond delay="0"/>
-                                  </p:stCondLst>
-                                  <p:childTnLst>
-                                    <p:animMotion origin="layout" path="M 1.875E-6 -2.96296E-6 L 0.00078 -0.09282 " pathEditMode="relative" rAng="0" ptsTypes="AA">
-                                      <p:cBhvr>
-                                        <p:cTn id="29" dur="2000" fill="hold"/>
-                                        <p:tgtEl>
-                                          <p:spTgt spid="106"/>
-                                        </p:tgtEl>
-                                        <p:attrNameLst>
-                                          <p:attrName>ppt_x</p:attrName>
-                                          <p:attrName>ppt_y</p:attrName>
-                                        </p:attrNameLst>
-                                      </p:cBhvr>
-                                      <p:rCtr x="39" y="-4653"/>
-                                    </p:animMotion>
-                                  </p:childTnLst>
-                                </p:cTn>
-                              </p:par>
-                            </p:childTnLst>
-                          </p:cTn>
-                        </p:par>
-                      </p:childTnLst>
-                    </p:cTn>
-                  </p:par>
-                  <p:par>
-                    <p:cTn id="30" fill="hold">
-                      <p:stCondLst>
-                        <p:cond delay="indefinite"/>
-                      </p:stCondLst>
-                      <p:childTnLst>
-                        <p:par>
-                          <p:cTn id="31" fill="hold">
-                            <p:stCondLst>
-                              <p:cond delay="0"/>
-                            </p:stCondLst>
-                            <p:childTnLst>
-                              <p:par>
-                                <p:cTn id="32" presetID="10" presetClass="entr" presetSubtype="0" fill="hold" grpId="0" nodeType="clickEffect">
+                                <p:cTn id="28" presetID="10" presetClass="entr" presetSubtype="0" fill="hold" grpId="0" nodeType="clickEffect">
                                   <p:stCondLst>
                                     <p:cond delay="0"/>
                                   </p:stCondLst>
                                   <p:childTnLst>
                                     <p:set>
                                       <p:cBhvr>
-                                        <p:cTn id="33" dur="1" fill="hold">
+                                        <p:cTn id="29" dur="1" fill="hold">
                                           <p:stCondLst>
                                             <p:cond delay="0"/>
                                           </p:stCondLst>
                                         </p:cTn>
                                         <p:tgtEl>
-                                          <p:spTgt spid="68"/>
+                                          <p:spTgt spid="76"/>
                                         </p:tgtEl>
                                         <p:attrNameLst>
                                           <p:attrName>style.visibility</p:attrName>
@@ -26692,12 +26692,52 @@
                                     </p:set>
                                     <p:animEffect transition="in" filter="fade">
                                       <p:cBhvr>
-                                        <p:cTn id="34" dur="500"/>
+                                        <p:cTn id="30" dur="500"/>
                                         <p:tgtEl>
-                                          <p:spTgt spid="68"/>
+                                          <p:spTgt spid="76"/>
                                         </p:tgtEl>
                                       </p:cBhvr>
                                     </p:animEffect>
+                                  </p:childTnLst>
+                                </p:cTn>
+                              </p:par>
+                            </p:childTnLst>
+                          </p:cTn>
+                        </p:par>
+                      </p:childTnLst>
+                    </p:cTn>
+                  </p:par>
+                  <p:par>
+                    <p:cTn id="31" fill="hold">
+                      <p:stCondLst>
+                        <p:cond delay="indefinite"/>
+                      </p:stCondLst>
+                      <p:childTnLst>
+                        <p:par>
+                          <p:cTn id="32" fill="hold">
+                            <p:stCondLst>
+                              <p:cond delay="0"/>
+                            </p:stCondLst>
+                            <p:childTnLst>
+                              <p:par>
+                                <p:cTn id="33" presetID="42" presetClass="path" presetSubtype="0" accel="50000" decel="50000" fill="hold" grpId="0" nodeType="clickEffect">
+                                  <p:stCondLst>
+                                    <p:cond delay="0"/>
+                                  </p:stCondLst>
+                                  <p:childTnLst>
+                                    <p:animMotion origin="layout" path="M 3.125E-6 -7.40741E-7 L 0.00156 -0.10023 " pathEditMode="relative" rAng="0" ptsTypes="AA">
+                                      <p:cBhvr>
+                                        <p:cTn id="34" dur="2000" fill="hold"/>
+                                        <p:tgtEl>
+                                          <p:spTgt spid="106"/>
+                                        </p:tgtEl>
+                                        <p:attrNameLst>
+                                          <p:attrName>ppt_x</p:attrName>
+                                          <p:attrName>ppt_y</p:attrName>
+                                        </p:attrNameLst>
+                                      </p:cBhvr>
+                                      <p:rCtr x="78" y="-5023"/>
+                                    </p:animMotion>
                                   </p:childTnLst>
                                 </p:cTn>
                               </p:par>
@@ -26733,7 +26773,7 @@
                                           </p:stCondLst>
                                         </p:cTn>
                                         <p:tgtEl>
-                                          <p:spTgt spid="67"/>
+                                          <p:spTgt spid="83"/>
                                         </p:tgtEl>
                                         <p:attrNameLst>
                                           <p:attrName>style.visibility</p:attrName>
@@ -26747,7 +26787,7 @@
                                       <p:cBhvr>
                                         <p:cTn id="39" dur="500"/>
                                         <p:tgtEl>
-                                          <p:spTgt spid="67"/>
+                                          <p:spTgt spid="83"/>
                                         </p:tgtEl>
                                       </p:cBhvr>
                                     </p:animEffect>
@@ -26773,60 +26813,20 @@
                             </p:stCondLst>
                             <p:childTnLst>
                               <p:par>
-                                <p:cTn id="42" presetID="42" presetClass="path" presetSubtype="0" accel="50000" decel="50000" fill="hold" grpId="0" nodeType="clickEffect">
-                                  <p:stCondLst>
-                                    <p:cond delay="0"/>
-                                  </p:stCondLst>
-                                  <p:childTnLst>
-                                    <p:animMotion origin="layout" path="M 1.875E-6 -3.7037E-7 L 1.875E-6 -0.0956 " pathEditMode="relative" rAng="0" ptsTypes="AA">
-                                      <p:cBhvr>
-                                        <p:cTn id="43" dur="2000" fill="hold"/>
-                                        <p:tgtEl>
-                                          <p:spTgt spid="107"/>
-                                        </p:tgtEl>
-                                        <p:attrNameLst>
-                                          <p:attrName>ppt_x</p:attrName>
-                                          <p:attrName>ppt_y</p:attrName>
-                                        </p:attrNameLst>
-                                      </p:cBhvr>
-                                      <p:rCtr x="0" y="-4792"/>
-                                    </p:animMotion>
-                                  </p:childTnLst>
-                                </p:cTn>
-                              </p:par>
-                            </p:childTnLst>
-                          </p:cTn>
-                        </p:par>
-                      </p:childTnLst>
-                    </p:cTn>
-                  </p:par>
-                  <p:par>
-                    <p:cTn id="44" fill="hold">
-                      <p:stCondLst>
-                        <p:cond delay="indefinite"/>
-                      </p:stCondLst>
-                      <p:childTnLst>
-                        <p:par>
-                          <p:cTn id="45" fill="hold">
-                            <p:stCondLst>
-                              <p:cond delay="0"/>
-                            </p:stCondLst>
-                            <p:childTnLst>
-                              <p:par>
-                                <p:cTn id="46" presetID="10" presetClass="entr" presetSubtype="0" fill="hold" grpId="0" nodeType="clickEffect">
+                                <p:cTn id="42" presetID="10" presetClass="entr" presetSubtype="0" fill="hold" grpId="0" nodeType="clickEffect">
                                   <p:stCondLst>
                                     <p:cond delay="0"/>
                                   </p:stCondLst>
                                   <p:childTnLst>
                                     <p:set>
                                       <p:cBhvr>
-                                        <p:cTn id="47" dur="1" fill="hold">
+                                        <p:cTn id="43" dur="1" fill="hold">
                                           <p:stCondLst>
                                             <p:cond delay="0"/>
                                           </p:stCondLst>
                                         </p:cTn>
                                         <p:tgtEl>
-                                          <p:spTgt spid="70"/>
+                                          <p:spTgt spid="68"/>
                                         </p:tgtEl>
                                         <p:attrNameLst>
                                           <p:attrName>style.visibility</p:attrName>
@@ -26838,9 +26838,9 @@
                                     </p:set>
                                     <p:animEffect transition="in" filter="fade">
                                       <p:cBhvr>
-                                        <p:cTn id="48" dur="500"/>
+                                        <p:cTn id="44" dur="500"/>
                                         <p:tgtEl>
-                                          <p:spTgt spid="70"/>
+                                          <p:spTgt spid="68"/>
                                         </p:tgtEl>
                                       </p:cBhvr>
                                     </p:animEffect>
@@ -26854,32 +26854,32 @@
                     </p:cTn>
                   </p:par>
                   <p:par>
-                    <p:cTn id="49" fill="hold">
+                    <p:cTn id="45" fill="hold">
                       <p:stCondLst>
                         <p:cond delay="indefinite"/>
                       </p:stCondLst>
                       <p:childTnLst>
                         <p:par>
-                          <p:cTn id="50" fill="hold">
+                          <p:cTn id="46" fill="hold">
                             <p:stCondLst>
                               <p:cond delay="0"/>
                             </p:stCondLst>
                             <p:childTnLst>
                               <p:par>
-                                <p:cTn id="51" presetID="10" presetClass="entr" presetSubtype="0" fill="hold" grpId="0" nodeType="clickEffect">
+                                <p:cTn id="47" presetID="10" presetClass="entr" presetSubtype="0" fill="hold" grpId="0" nodeType="clickEffect">
                                   <p:stCondLst>
                                     <p:cond delay="0"/>
                                   </p:stCondLst>
                                   <p:childTnLst>
                                     <p:set>
                                       <p:cBhvr>
-                                        <p:cTn id="52" dur="1" fill="hold">
+                                        <p:cTn id="48" dur="1" fill="hold">
                                           <p:stCondLst>
                                             <p:cond delay="0"/>
                                           </p:stCondLst>
                                         </p:cTn>
                                         <p:tgtEl>
-                                          <p:spTgt spid="69"/>
+                                          <p:spTgt spid="67"/>
                                         </p:tgtEl>
                                         <p:attrNameLst>
                                           <p:attrName>style.visibility</p:attrName>
@@ -26891,12 +26891,52 @@
                                     </p:set>
                                     <p:animEffect transition="in" filter="fade">
                                       <p:cBhvr>
-                                        <p:cTn id="53" dur="500"/>
+                                        <p:cTn id="49" dur="500"/>
                                         <p:tgtEl>
-                                          <p:spTgt spid="69"/>
+                                          <p:spTgt spid="67"/>
                                         </p:tgtEl>
                                       </p:cBhvr>
                                     </p:animEffect>
+                                  </p:childTnLst>
+                                </p:cTn>
+                              </p:par>
+                            </p:childTnLst>
+                          </p:cTn>
+                        </p:par>
+                      </p:childTnLst>
+                    </p:cTn>
+                  </p:par>
+                  <p:par>
+                    <p:cTn id="50" fill="hold">
+                      <p:stCondLst>
+                        <p:cond delay="indefinite"/>
+                      </p:stCondLst>
+                      <p:childTnLst>
+                        <p:par>
+                          <p:cTn id="51" fill="hold">
+                            <p:stCondLst>
+                              <p:cond delay="0"/>
+                            </p:stCondLst>
+                            <p:childTnLst>
+                              <p:par>
+                                <p:cTn id="52" presetID="42" presetClass="path" presetSubtype="0" accel="50000" decel="50000" fill="hold" grpId="0" nodeType="clickEffect">
+                                  <p:stCondLst>
+                                    <p:cond delay="0"/>
+                                  </p:stCondLst>
+                                  <p:childTnLst>
+                                    <p:animMotion origin="layout" path="M 1.875E-6 -3.7037E-7 L 1.875E-6 -0.0956 " pathEditMode="relative" rAng="0" ptsTypes="AA">
+                                      <p:cBhvr>
+                                        <p:cTn id="53" dur="2000" fill="hold"/>
+                                        <p:tgtEl>
+                                          <p:spTgt spid="107"/>
+                                        </p:tgtEl>
+                                        <p:attrNameLst>
+                                          <p:attrName>ppt_x</p:attrName>
+                                          <p:attrName>ppt_y</p:attrName>
+                                        </p:attrNameLst>
+                                      </p:cBhvr>
+                                      <p:rCtr x="0" y="-4792"/>
+                                    </p:animMotion>
                                   </p:childTnLst>
                                 </p:cTn>
                               </p:par>
@@ -26932,7 +26972,7 @@
                                           </p:stCondLst>
                                         </p:cTn>
                                         <p:tgtEl>
-                                          <p:spTgt spid="71"/>
+                                          <p:spTgt spid="93"/>
                                         </p:tgtEl>
                                         <p:attrNameLst>
                                           <p:attrName>style.visibility</p:attrName>
@@ -26946,7 +26986,7 @@
                                       <p:cBhvr>
                                         <p:cTn id="58" dur="500"/>
                                         <p:tgtEl>
-                                          <p:spTgt spid="71"/>
+                                          <p:spTgt spid="93"/>
                                         </p:tgtEl>
                                       </p:cBhvr>
                                     </p:animEffect>
@@ -26972,14 +27012,173 @@
                             </p:stCondLst>
                             <p:childTnLst>
                               <p:par>
-                                <p:cTn id="61" presetID="42" presetClass="path" presetSubtype="0" accel="50000" decel="50000" fill="hold" grpId="0" nodeType="clickEffect">
+                                <p:cTn id="61" presetID="10" presetClass="entr" presetSubtype="0" fill="hold" grpId="0" nodeType="clickEffect">
+                                  <p:stCondLst>
+                                    <p:cond delay="0"/>
+                                  </p:stCondLst>
+                                  <p:childTnLst>
+                                    <p:set>
+                                      <p:cBhvr>
+                                        <p:cTn id="62" dur="1" fill="hold">
+                                          <p:stCondLst>
+                                            <p:cond delay="0"/>
+                                          </p:stCondLst>
+                                        </p:cTn>
+                                        <p:tgtEl>
+                                          <p:spTgt spid="70"/>
+                                        </p:tgtEl>
+                                        <p:attrNameLst>
+                                          <p:attrName>style.visibility</p:attrName>
+                                        </p:attrNameLst>
+                                      </p:cBhvr>
+                                      <p:to>
+                                        <p:strVal val="visible"/>
+                                      </p:to>
+                                    </p:set>
+                                    <p:animEffect transition="in" filter="fade">
+                                      <p:cBhvr>
+                                        <p:cTn id="63" dur="500"/>
+                                        <p:tgtEl>
+                                          <p:spTgt spid="70"/>
+                                        </p:tgtEl>
+                                      </p:cBhvr>
+                                    </p:animEffect>
+                                  </p:childTnLst>
+                                </p:cTn>
+                              </p:par>
+                            </p:childTnLst>
+                          </p:cTn>
+                        </p:par>
+                      </p:childTnLst>
+                    </p:cTn>
+                  </p:par>
+                  <p:par>
+                    <p:cTn id="64" fill="hold">
+                      <p:stCondLst>
+                        <p:cond delay="indefinite"/>
+                      </p:stCondLst>
+                      <p:childTnLst>
+                        <p:par>
+                          <p:cTn id="65" fill="hold">
+                            <p:stCondLst>
+                              <p:cond delay="0"/>
+                            </p:stCondLst>
+                            <p:childTnLst>
+                              <p:par>
+                                <p:cTn id="66" presetID="10" presetClass="entr" presetSubtype="0" fill="hold" grpId="0" nodeType="clickEffect">
+                                  <p:stCondLst>
+                                    <p:cond delay="0"/>
+                                  </p:stCondLst>
+                                  <p:childTnLst>
+                                    <p:set>
+                                      <p:cBhvr>
+                                        <p:cTn id="67" dur="1" fill="hold">
+                                          <p:stCondLst>
+                                            <p:cond delay="0"/>
+                                          </p:stCondLst>
+                                        </p:cTn>
+                                        <p:tgtEl>
+                                          <p:spTgt spid="69"/>
+                                        </p:tgtEl>
+                                        <p:attrNameLst>
+                                          <p:attrName>style.visibility</p:attrName>
+                                        </p:attrNameLst>
+                                      </p:cBhvr>
+                                      <p:to>
+                                        <p:strVal val="visible"/>
+                                      </p:to>
+                                    </p:set>
+                                    <p:animEffect transition="in" filter="fade">
+                                      <p:cBhvr>
+                                        <p:cTn id="68" dur="500"/>
+                                        <p:tgtEl>
+                                          <p:spTgt spid="69"/>
+                                        </p:tgtEl>
+                                      </p:cBhvr>
+                                    </p:animEffect>
+                                  </p:childTnLst>
+                                </p:cTn>
+                              </p:par>
+                            </p:childTnLst>
+                          </p:cTn>
+                        </p:par>
+                      </p:childTnLst>
+                    </p:cTn>
+                  </p:par>
+                  <p:par>
+                    <p:cTn id="69" fill="hold">
+                      <p:stCondLst>
+                        <p:cond delay="indefinite"/>
+                      </p:stCondLst>
+                      <p:childTnLst>
+                        <p:par>
+                          <p:cTn id="70" fill="hold">
+                            <p:stCondLst>
+                              <p:cond delay="0"/>
+                            </p:stCondLst>
+                            <p:childTnLst>
+                              <p:par>
+                                <p:cTn id="71" presetID="10" presetClass="entr" presetSubtype="0" fill="hold" grpId="0" nodeType="clickEffect">
+                                  <p:stCondLst>
+                                    <p:cond delay="0"/>
+                                  </p:stCondLst>
+                                  <p:childTnLst>
+                                    <p:set>
+                                      <p:cBhvr>
+                                        <p:cTn id="72" dur="1" fill="hold">
+                                          <p:stCondLst>
+                                            <p:cond delay="0"/>
+                                          </p:stCondLst>
+                                        </p:cTn>
+                                        <p:tgtEl>
+                                          <p:spTgt spid="71"/>
+                                        </p:tgtEl>
+                                        <p:attrNameLst>
+                                          <p:attrName>style.visibility</p:attrName>
+                                        </p:attrNameLst>
+                                      </p:cBhvr>
+                                      <p:to>
+                                        <p:strVal val="visible"/>
+                                      </p:to>
+                                    </p:set>
+                                    <p:animEffect transition="in" filter="fade">
+                                      <p:cBhvr>
+                                        <p:cTn id="73" dur="500"/>
+                                        <p:tgtEl>
+                                          <p:spTgt spid="71"/>
+                                        </p:tgtEl>
+                                      </p:cBhvr>
+                                    </p:animEffect>
+                                  </p:childTnLst>
+                                </p:cTn>
+                              </p:par>
+                            </p:childTnLst>
+                          </p:cTn>
+                        </p:par>
+                      </p:childTnLst>
+                    </p:cTn>
+                  </p:par>
+                  <p:par>
+                    <p:cTn id="74" fill="hold">
+                      <p:stCondLst>
+                        <p:cond delay="indefinite"/>
+                      </p:stCondLst>
+                      <p:childTnLst>
+                        <p:par>
+                          <p:cTn id="75" fill="hold">
+                            <p:stCondLst>
+                              <p:cond delay="0"/>
+                            </p:stCondLst>
+                            <p:childTnLst>
+                              <p:par>
+                                <p:cTn id="76" presetID="42" presetClass="path" presetSubtype="0" accel="50000" decel="50000" fill="hold" grpId="0" nodeType="clickEffect">
                                   <p:stCondLst>
                                     <p:cond delay="0"/>
                                   </p:stCondLst>
                                   <p:childTnLst>
                                     <p:animMotion origin="layout" path="M -4.58333E-6 -2.22222E-6 L -0.19947 0.03172 " pathEditMode="relative" rAng="0" ptsTypes="AA">
                                       <p:cBhvr>
-                                        <p:cTn id="62" dur="2000" fill="hold"/>
+                                        <p:cTn id="77" dur="2000" fill="hold"/>
                                         <p:tgtEl>
                                           <p:spTgt spid="108"/>
                                         </p:tgtEl>
@@ -27000,26 +27199,79 @@
                     </p:cTn>
                   </p:par>
                   <p:par>
-                    <p:cTn id="63" fill="hold">
+                    <p:cTn id="78" fill="hold">
                       <p:stCondLst>
                         <p:cond delay="indefinite"/>
                       </p:stCondLst>
                       <p:childTnLst>
                         <p:par>
-                          <p:cTn id="64" fill="hold">
+                          <p:cTn id="79" fill="hold">
                             <p:stCondLst>
                               <p:cond delay="0"/>
                             </p:stCondLst>
                             <p:childTnLst>
                               <p:par>
-                                <p:cTn id="65" presetID="10" presetClass="entr" presetSubtype="0" fill="hold" grpId="0" nodeType="clickEffect">
+                                <p:cTn id="80" presetID="10" presetClass="entr" presetSubtype="0" fill="hold" grpId="0" nodeType="clickEffect">
                                   <p:stCondLst>
                                     <p:cond delay="0"/>
                                   </p:stCondLst>
                                   <p:childTnLst>
                                     <p:set>
                                       <p:cBhvr>
-                                        <p:cTn id="66" dur="1" fill="hold">
+                                        <p:cTn id="81" dur="1" fill="hold">
+                                          <p:stCondLst>
+                                            <p:cond delay="0"/>
+                                          </p:stCondLst>
+                                        </p:cTn>
+                                        <p:tgtEl>
+                                          <p:spTgt spid="88"/>
+                                        </p:tgtEl>
+                                        <p:attrNameLst>
+                                          <p:attrName>style.visibility</p:attrName>
+                                        </p:attrNameLst>
+                                      </p:cBhvr>
+                                      <p:to>
+                                        <p:strVal val="visible"/>
+                                      </p:to>
+                                    </p:set>
+                                    <p:animEffect transition="in" filter="fade">
+                                      <p:cBhvr>
+                                        <p:cTn id="82" dur="500"/>
+                                        <p:tgtEl>
+                                          <p:spTgt spid="88"/>
+                                        </p:tgtEl>
+                                      </p:cBhvr>
+                                    </p:animEffect>
+                                  </p:childTnLst>
+                                </p:cTn>
+                              </p:par>
+                            </p:childTnLst>
+                          </p:cTn>
+                        </p:par>
+                      </p:childTnLst>
+                    </p:cTn>
+                  </p:par>
+                  <p:par>
+                    <p:cTn id="83" fill="hold">
+                      <p:stCondLst>
+                        <p:cond delay="indefinite"/>
+                      </p:stCondLst>
+                      <p:childTnLst>
+                        <p:par>
+                          <p:cTn id="84" fill="hold">
+                            <p:stCondLst>
+                              <p:cond delay="0"/>
+                            </p:stCondLst>
+                            <p:childTnLst>
+                              <p:par>
+                                <p:cTn id="85" presetID="10" presetClass="entr" presetSubtype="0" fill="hold" grpId="0" nodeType="clickEffect">
+                                  <p:stCondLst>
+                                    <p:cond delay="0"/>
+                                  </p:stCondLst>
+                                  <p:childTnLst>
+                                    <p:set>
+                                      <p:cBhvr>
+                                        <p:cTn id="86" dur="1" fill="hold">
                                           <p:stCondLst>
                                             <p:cond delay="0"/>
                                           </p:stCondLst>
@@ -27037,7 +27289,7 @@
                                     </p:set>
                                     <p:animEffect transition="in" filter="fade">
                                       <p:cBhvr>
-                                        <p:cTn id="67" dur="500"/>
+                                        <p:cTn id="87" dur="500"/>
                                         <p:tgtEl>
                                           <p:spTgt spid="91"/>
                                         </p:tgtEl>
@@ -27053,26 +27305,26 @@
                     </p:cTn>
                   </p:par>
                   <p:par>
-                    <p:cTn id="68" fill="hold">
+                    <p:cTn id="88" fill="hold">
                       <p:stCondLst>
                         <p:cond delay="indefinite"/>
                       </p:stCondLst>
                       <p:childTnLst>
                         <p:par>
-                          <p:cTn id="69" fill="hold">
+                          <p:cTn id="89" fill="hold">
                             <p:stCondLst>
                               <p:cond delay="0"/>
                             </p:stCondLst>
                             <p:childTnLst>
                               <p:par>
-                                <p:cTn id="70" presetID="10" presetClass="entr" presetSubtype="0" fill="hold" grpId="0" nodeType="clickEffect">
+                                <p:cTn id="90" presetID="10" presetClass="entr" presetSubtype="0" fill="hold" grpId="0" nodeType="clickEffect">
                                   <p:stCondLst>
                                     <p:cond delay="0"/>
                                   </p:stCondLst>
                                   <p:childTnLst>
                                     <p:set>
                                       <p:cBhvr>
-                                        <p:cTn id="71" dur="1" fill="hold">
+                                        <p:cTn id="91" dur="1" fill="hold">
                                           <p:stCondLst>
                                             <p:cond delay="0"/>
                                           </p:stCondLst>
@@ -27090,7 +27342,7 @@
                                     </p:set>
                                     <p:animEffect transition="in" filter="fade">
                                       <p:cBhvr>
-                                        <p:cTn id="72" dur="500"/>
+                                        <p:cTn id="92" dur="500"/>
                                         <p:tgtEl>
                                           <p:spTgt spid="89"/>
                                         </p:tgtEl>
@@ -27106,26 +27358,26 @@
                     </p:cTn>
                   </p:par>
                   <p:par>
-                    <p:cTn id="73" fill="hold">
+                    <p:cTn id="93" fill="hold">
                       <p:stCondLst>
                         <p:cond delay="indefinite"/>
                       </p:stCondLst>
                       <p:childTnLst>
                         <p:par>
-                          <p:cTn id="74" fill="hold">
+                          <p:cTn id="94" fill="hold">
                             <p:stCondLst>
                               <p:cond delay="0"/>
                             </p:stCondLst>
                             <p:childTnLst>
                               <p:par>
-                                <p:cTn id="75" presetID="42" presetClass="path" presetSubtype="0" accel="50000" decel="50000" fill="hold" grpId="0" nodeType="clickEffect">
+                                <p:cTn id="95" presetID="42" presetClass="path" presetSubtype="0" accel="50000" decel="50000" fill="hold" grpId="0" nodeType="clickEffect">
                                   <p:stCondLst>
                                     <p:cond delay="0"/>
                                   </p:stCondLst>
                                   <p:childTnLst>
                                     <p:animMotion origin="layout" path="M 3.125E-6 3.33333E-6 L -0.00104 -0.29537 " pathEditMode="relative" rAng="0" ptsTypes="AA">
                                       <p:cBhvr>
-                                        <p:cTn id="76" dur="2000" fill="hold"/>
+                                        <p:cTn id="96" dur="2000" fill="hold"/>
                                         <p:tgtEl>
                                           <p:spTgt spid="109"/>
                                         </p:tgtEl>
@@ -27146,26 +27398,79 @@
                     </p:cTn>
                   </p:par>
                   <p:par>
-                    <p:cTn id="77" fill="hold">
+                    <p:cTn id="97" fill="hold">
                       <p:stCondLst>
                         <p:cond delay="indefinite"/>
                       </p:stCondLst>
                       <p:childTnLst>
                         <p:par>
-                          <p:cTn id="78" fill="hold">
+                          <p:cTn id="98" fill="hold">
                             <p:stCondLst>
                               <p:cond delay="0"/>
                             </p:stCondLst>
                             <p:childTnLst>
                               <p:par>
-                                <p:cTn id="79" presetID="10" presetClass="entr" presetSubtype="0" fill="hold" grpId="0" nodeType="clickEffect">
+                                <p:cTn id="99" presetID="10" presetClass="entr" presetSubtype="0" fill="hold" grpId="0" nodeType="clickEffect">
                                   <p:stCondLst>
                                     <p:cond delay="0"/>
                                   </p:stCondLst>
                                   <p:childTnLst>
                                     <p:set>
                                       <p:cBhvr>
-                                        <p:cTn id="80" dur="1" fill="hold">
+                                        <p:cTn id="100" dur="1" fill="hold">
+                                          <p:stCondLst>
+                                            <p:cond delay="0"/>
+                                          </p:stCondLst>
+                                        </p:cTn>
+                                        <p:tgtEl>
+                                          <p:spTgt spid="96"/>
+                                        </p:tgtEl>
+                                        <p:attrNameLst>
+                                          <p:attrName>style.visibility</p:attrName>
+                                        </p:attrNameLst>
+                                      </p:cBhvr>
+                                      <p:to>
+                                        <p:strVal val="visible"/>
+                                      </p:to>
+                                    </p:set>
+                                    <p:animEffect transition="in" filter="fade">
+                                      <p:cBhvr>
+                                        <p:cTn id="101" dur="500"/>
+                                        <p:tgtEl>
+                                          <p:spTgt spid="96"/>
+                                        </p:tgtEl>
+                                      </p:cBhvr>
+                                    </p:animEffect>
+                                  </p:childTnLst>
+                                </p:cTn>
+                              </p:par>
+                            </p:childTnLst>
+                          </p:cTn>
+                        </p:par>
+                      </p:childTnLst>
+                    </p:cTn>
+                  </p:par>
+                  <p:par>
+                    <p:cTn id="102" fill="hold">
+                      <p:stCondLst>
+                        <p:cond delay="indefinite"/>
+                      </p:stCondLst>
+                      <p:childTnLst>
+                        <p:par>
+                          <p:cTn id="103" fill="hold">
+                            <p:stCondLst>
+                              <p:cond delay="0"/>
+                            </p:stCondLst>
+                            <p:childTnLst>
+                              <p:par>
+                                <p:cTn id="104" presetID="10" presetClass="entr" presetSubtype="0" fill="hold" grpId="0" nodeType="clickEffect">
+                                  <p:stCondLst>
+                                    <p:cond delay="0"/>
+                                  </p:stCondLst>
+                                  <p:childTnLst>
+                                    <p:set>
+                                      <p:cBhvr>
+                                        <p:cTn id="105" dur="1" fill="hold">
                                           <p:stCondLst>
                                             <p:cond delay="0"/>
                                           </p:stCondLst>
@@ -27183,7 +27488,7 @@
                                     </p:set>
                                     <p:animEffect transition="in" filter="fade">
                                       <p:cBhvr>
-                                        <p:cTn id="81" dur="500"/>
+                                        <p:cTn id="106" dur="500"/>
                                         <p:tgtEl>
                                           <p:spTgt spid="111"/>
                                         </p:tgtEl>
@@ -27199,26 +27504,26 @@
                     </p:cTn>
                   </p:par>
                   <p:par>
-                    <p:cTn id="82" fill="hold">
+                    <p:cTn id="107" fill="hold">
                       <p:stCondLst>
                         <p:cond delay="indefinite"/>
                       </p:stCondLst>
                       <p:childTnLst>
                         <p:par>
-                          <p:cTn id="83" fill="hold">
+                          <p:cTn id="108" fill="hold">
                             <p:stCondLst>
                               <p:cond delay="0"/>
                             </p:stCondLst>
                             <p:childTnLst>
                               <p:par>
-                                <p:cTn id="84" presetID="10" presetClass="entr" presetSubtype="0" fill="hold" grpId="0" nodeType="clickEffect">
+                                <p:cTn id="109" presetID="10" presetClass="entr" presetSubtype="0" fill="hold" grpId="0" nodeType="clickEffect">
                                   <p:stCondLst>
                                     <p:cond delay="0"/>
                                   </p:stCondLst>
                                   <p:childTnLst>
                                     <p:set>
                                       <p:cBhvr>
-                                        <p:cTn id="85" dur="1" fill="hold">
+                                        <p:cTn id="110" dur="1" fill="hold">
                                           <p:stCondLst>
                                             <p:cond delay="0"/>
                                           </p:stCondLst>
@@ -27236,7 +27541,7 @@
                                     </p:set>
                                     <p:animEffect transition="in" filter="fade">
                                       <p:cBhvr>
-                                        <p:cTn id="86" dur="500"/>
+                                        <p:cTn id="111" dur="500"/>
                                         <p:tgtEl>
                                           <p:spTgt spid="112"/>
                                         </p:tgtEl>
@@ -27252,26 +27557,26 @@
                     </p:cTn>
                   </p:par>
                   <p:par>
-                    <p:cTn id="87" fill="hold">
+                    <p:cTn id="112" fill="hold">
                       <p:stCondLst>
                         <p:cond delay="indefinite"/>
                       </p:stCondLst>
                       <p:childTnLst>
                         <p:par>
-                          <p:cTn id="88" fill="hold">
+                          <p:cTn id="113" fill="hold">
                             <p:stCondLst>
                               <p:cond delay="0"/>
                             </p:stCondLst>
                             <p:childTnLst>
                               <p:par>
-                                <p:cTn id="89" presetID="42" presetClass="path" presetSubtype="0" accel="50000" decel="50000" fill="hold" grpId="0" nodeType="clickEffect">
+                                <p:cTn id="114" presetID="42" presetClass="path" presetSubtype="0" accel="50000" decel="50000" fill="hold" grpId="0" nodeType="clickEffect">
                                   <p:stCondLst>
                                     <p:cond delay="0"/>
                                   </p:stCondLst>
                                   <p:childTnLst>
-                                    <p:animMotion origin="layout" path="M 5E-6 3.33333E-6 L -0.00078 -0.22037 " pathEditMode="relative" rAng="0" ptsTypes="AA">
+                                    <p:animMotion origin="layout" path="M 5E-6 3.33333E-6 L -0.00104 -0.24144 " pathEditMode="relative" rAng="0" ptsTypes="AA">
                                       <p:cBhvr>
-                                        <p:cTn id="90" dur="2000" fill="hold"/>
+                                        <p:cTn id="115" dur="2000" fill="hold"/>
                                         <p:tgtEl>
                                           <p:spTgt spid="110"/>
                                         </p:tgtEl>
@@ -27280,7 +27585,7 @@
                                           <p:attrName>ppt_y</p:attrName>
                                         </p:attrNameLst>
                                       </p:cBhvr>
-                                      <p:rCtr x="-39" y="-11019"/>
+                                      <p:rCtr x="-52" y="-12083"/>
                                     </p:animMotion>
                                   </p:childTnLst>
                                 </p:cTn>
@@ -27292,26 +27597,79 @@
                     </p:cTn>
                   </p:par>
                   <p:par>
-                    <p:cTn id="91" fill="hold">
+                    <p:cTn id="116" fill="hold">
                       <p:stCondLst>
                         <p:cond delay="indefinite"/>
                       </p:stCondLst>
                       <p:childTnLst>
                         <p:par>
-                          <p:cTn id="92" fill="hold">
+                          <p:cTn id="117" fill="hold">
                             <p:stCondLst>
                               <p:cond delay="0"/>
                             </p:stCondLst>
                             <p:childTnLst>
                               <p:par>
-                                <p:cTn id="93" presetID="10" presetClass="entr" presetSubtype="0" fill="hold" grpId="0" nodeType="clickEffect">
+                                <p:cTn id="118" presetID="10" presetClass="entr" presetSubtype="0" fill="hold" grpId="0" nodeType="clickEffect">
                                   <p:stCondLst>
                                     <p:cond delay="0"/>
                                   </p:stCondLst>
                                   <p:childTnLst>
                                     <p:set>
                                       <p:cBhvr>
-                                        <p:cTn id="94" dur="1" fill="hold">
+                                        <p:cTn id="119" dur="1" fill="hold">
+                                          <p:stCondLst>
+                                            <p:cond delay="0"/>
+                                          </p:stCondLst>
+                                        </p:cTn>
+                                        <p:tgtEl>
+                                          <p:spTgt spid="82"/>
+                                        </p:tgtEl>
+                                        <p:attrNameLst>
+                                          <p:attrName>style.visibility</p:attrName>
+                                        </p:attrNameLst>
+                                      </p:cBhvr>
+                                      <p:to>
+                                        <p:strVal val="visible"/>
+                                      </p:to>
+                                    </p:set>
+                                    <p:animEffect transition="in" filter="fade">
+                                      <p:cBhvr>
+                                        <p:cTn id="120" dur="500"/>
+                                        <p:tgtEl>
+                                          <p:spTgt spid="82"/>
+                                        </p:tgtEl>
+                                      </p:cBhvr>
+                                    </p:animEffect>
+                                  </p:childTnLst>
+                                </p:cTn>
+                              </p:par>
+                            </p:childTnLst>
+                          </p:cTn>
+                        </p:par>
+                      </p:childTnLst>
+                    </p:cTn>
+                  </p:par>
+                  <p:par>
+                    <p:cTn id="121" fill="hold">
+                      <p:stCondLst>
+                        <p:cond delay="indefinite"/>
+                      </p:stCondLst>
+                      <p:childTnLst>
+                        <p:par>
+                          <p:cTn id="122" fill="hold">
+                            <p:stCondLst>
+                              <p:cond delay="0"/>
+                            </p:stCondLst>
+                            <p:childTnLst>
+                              <p:par>
+                                <p:cTn id="123" presetID="10" presetClass="entr" presetSubtype="0" fill="hold" grpId="0" nodeType="clickEffect">
+                                  <p:stCondLst>
+                                    <p:cond delay="0"/>
+                                  </p:stCondLst>
+                                  <p:childTnLst>
+                                    <p:set>
+                                      <p:cBhvr>
+                                        <p:cTn id="124" dur="1" fill="hold">
                                           <p:stCondLst>
                                             <p:cond delay="0"/>
                                           </p:stCondLst>
@@ -27329,7 +27687,7 @@
                                     </p:set>
                                     <p:animEffect transition="in" filter="fade">
                                       <p:cBhvr>
-                                        <p:cTn id="95" dur="500"/>
+                                        <p:cTn id="125" dur="500"/>
                                         <p:tgtEl>
                                           <p:spTgt spid="80"/>
                                         </p:tgtEl>
@@ -27345,26 +27703,26 @@
                     </p:cTn>
                   </p:par>
                   <p:par>
-                    <p:cTn id="96" fill="hold">
+                    <p:cTn id="126" fill="hold">
                       <p:stCondLst>
                         <p:cond delay="indefinite"/>
                       </p:stCondLst>
                       <p:childTnLst>
                         <p:par>
-                          <p:cTn id="97" fill="hold">
+                          <p:cTn id="127" fill="hold">
                             <p:stCondLst>
                               <p:cond delay="0"/>
                             </p:stCondLst>
                             <p:childTnLst>
                               <p:par>
-                                <p:cTn id="98" presetID="10" presetClass="entr" presetSubtype="0" fill="hold" grpId="0" nodeType="clickEffect">
+                                <p:cTn id="128" presetID="10" presetClass="entr" presetSubtype="0" fill="hold" grpId="0" nodeType="clickEffect">
                                   <p:stCondLst>
                                     <p:cond delay="0"/>
                                   </p:stCondLst>
                                   <p:childTnLst>
                                     <p:set>
                                       <p:cBhvr>
-                                        <p:cTn id="99" dur="1" fill="hold">
+                                        <p:cTn id="129" dur="1" fill="hold">
                                           <p:stCondLst>
                                             <p:cond delay="0"/>
                                           </p:stCondLst>
@@ -27382,7 +27740,7 @@
                                     </p:set>
                                     <p:animEffect transition="in" filter="fade">
                                       <p:cBhvr>
-                                        <p:cTn id="100" dur="500"/>
+                                        <p:cTn id="130" dur="500"/>
                                         <p:tgtEl>
                                           <p:spTgt spid="81"/>
                                         </p:tgtEl>
@@ -27398,26 +27756,26 @@
                     </p:cTn>
                   </p:par>
                   <p:par>
-                    <p:cTn id="101" fill="hold">
+                    <p:cTn id="131" fill="hold">
                       <p:stCondLst>
                         <p:cond delay="indefinite"/>
                       </p:stCondLst>
                       <p:childTnLst>
                         <p:par>
-                          <p:cTn id="102" fill="hold">
+                          <p:cTn id="132" fill="hold">
                             <p:stCondLst>
                               <p:cond delay="0"/>
                             </p:stCondLst>
                             <p:childTnLst>
                               <p:par>
-                                <p:cTn id="103" presetID="10" presetClass="entr" presetSubtype="0" fill="hold" grpId="0" nodeType="clickEffect">
+                                <p:cTn id="133" presetID="10" presetClass="entr" presetSubtype="0" fill="hold" grpId="0" nodeType="clickEffect">
                                   <p:stCondLst>
                                     <p:cond delay="0"/>
                                   </p:stCondLst>
                                   <p:childTnLst>
                                     <p:set>
                                       <p:cBhvr>
-                                        <p:cTn id="104" dur="1" fill="hold">
+                                        <p:cTn id="134" dur="1" fill="hold">
                                           <p:stCondLst>
                                             <p:cond delay="0"/>
                                           </p:stCondLst>
@@ -27435,7 +27793,7 @@
                                     </p:set>
                                     <p:animEffect transition="in" filter="fade">
                                       <p:cBhvr>
-                                        <p:cTn id="105" dur="500"/>
+                                        <p:cTn id="135" dur="500"/>
                                         <p:tgtEl>
                                           <p:spTgt spid="73"/>
                                         </p:tgtEl>
@@ -27451,26 +27809,26 @@
                     </p:cTn>
                   </p:par>
                   <p:par>
-                    <p:cTn id="106" fill="hold">
+                    <p:cTn id="136" fill="hold">
                       <p:stCondLst>
                         <p:cond delay="indefinite"/>
                       </p:stCondLst>
                       <p:childTnLst>
                         <p:par>
-                          <p:cTn id="107" fill="hold">
+                          <p:cTn id="137" fill="hold">
                             <p:stCondLst>
                               <p:cond delay="0"/>
                             </p:stCondLst>
                             <p:childTnLst>
                               <p:par>
-                                <p:cTn id="108" presetID="42" presetClass="path" presetSubtype="0" accel="50000" decel="50000" fill="hold" grpId="0" nodeType="clickEffect">
+                                <p:cTn id="138" presetID="42" presetClass="path" presetSubtype="0" accel="50000" decel="50000" fill="hold" grpId="0" nodeType="clickEffect">
                                   <p:stCondLst>
                                     <p:cond delay="0"/>
                                   </p:stCondLst>
                                   <p:childTnLst>
                                     <p:animMotion origin="layout" path="M 8.33333E-7 4.81481E-6 L -0.18919 -0.40139 " pathEditMode="relative" rAng="0" ptsTypes="AA">
                                       <p:cBhvr>
-                                        <p:cTn id="109" dur="2000" fill="hold"/>
+                                        <p:cTn id="139" dur="2000" fill="hold"/>
                                         <p:tgtEl>
                                           <p:spTgt spid="113"/>
                                         </p:tgtEl>
@@ -27491,26 +27849,79 @@
                     </p:cTn>
                   </p:par>
                   <p:par>
-                    <p:cTn id="110" fill="hold">
+                    <p:cTn id="140" fill="hold">
                       <p:stCondLst>
                         <p:cond delay="indefinite"/>
                       </p:stCondLst>
                       <p:childTnLst>
                         <p:par>
-                          <p:cTn id="111" fill="hold">
+                          <p:cTn id="141" fill="hold">
                             <p:stCondLst>
                               <p:cond delay="0"/>
                             </p:stCondLst>
                             <p:childTnLst>
                               <p:par>
-                                <p:cTn id="112" presetID="10" presetClass="entr" presetSubtype="0" fill="hold" grpId="0" nodeType="clickEffect">
+                                <p:cTn id="142" presetID="10" presetClass="entr" presetSubtype="0" fill="hold" grpId="0" nodeType="clickEffect">
                                   <p:stCondLst>
                                     <p:cond delay="0"/>
                                   </p:stCondLst>
                                   <p:childTnLst>
                                     <p:set>
                                       <p:cBhvr>
-                                        <p:cTn id="113" dur="1" fill="hold">
+                                        <p:cTn id="143" dur="1" fill="hold">
+                                          <p:stCondLst>
+                                            <p:cond delay="0"/>
+                                          </p:stCondLst>
+                                        </p:cTn>
+                                        <p:tgtEl>
+                                          <p:spTgt spid="98"/>
+                                        </p:tgtEl>
+                                        <p:attrNameLst>
+                                          <p:attrName>style.visibility</p:attrName>
+                                        </p:attrNameLst>
+                                      </p:cBhvr>
+                                      <p:to>
+                                        <p:strVal val="visible"/>
+                                      </p:to>
+                                    </p:set>
+                                    <p:animEffect transition="in" filter="fade">
+                                      <p:cBhvr>
+                                        <p:cTn id="144" dur="500"/>
+                                        <p:tgtEl>
+                                          <p:spTgt spid="98"/>
+                                        </p:tgtEl>
+                                      </p:cBhvr>
+                                    </p:animEffect>
+                                  </p:childTnLst>
+                                </p:cTn>
+                              </p:par>
+                            </p:childTnLst>
+                          </p:cTn>
+                        </p:par>
+                      </p:childTnLst>
+                    </p:cTn>
+                  </p:par>
+                  <p:par>
+                    <p:cTn id="145" fill="hold">
+                      <p:stCondLst>
+                        <p:cond delay="indefinite"/>
+                      </p:stCondLst>
+                      <p:childTnLst>
+                        <p:par>
+                          <p:cTn id="146" fill="hold">
+                            <p:stCondLst>
+                              <p:cond delay="0"/>
+                            </p:stCondLst>
+                            <p:childTnLst>
+                              <p:par>
+                                <p:cTn id="147" presetID="10" presetClass="entr" presetSubtype="0" fill="hold" grpId="0" nodeType="clickEffect">
+                                  <p:stCondLst>
+                                    <p:cond delay="0"/>
+                                  </p:stCondLst>
+                                  <p:childTnLst>
+                                    <p:set>
+                                      <p:cBhvr>
+                                        <p:cTn id="148" dur="1" fill="hold">
                                           <p:stCondLst>
                                             <p:cond delay="0"/>
                                           </p:stCondLst>
@@ -27528,7 +27939,7 @@
                                     </p:set>
                                     <p:animEffect transition="in" filter="fade">
                                       <p:cBhvr>
-                                        <p:cTn id="114" dur="500"/>
+                                        <p:cTn id="149" dur="500"/>
                                         <p:tgtEl>
                                           <p:spTgt spid="101"/>
                                         </p:tgtEl>
@@ -27544,26 +27955,26 @@
                     </p:cTn>
                   </p:par>
                   <p:par>
-                    <p:cTn id="115" fill="hold">
+                    <p:cTn id="150" fill="hold">
                       <p:stCondLst>
                         <p:cond delay="indefinite"/>
                       </p:stCondLst>
                       <p:childTnLst>
                         <p:par>
-                          <p:cTn id="116" fill="hold">
+                          <p:cTn id="151" fill="hold">
                             <p:stCondLst>
                               <p:cond delay="0"/>
                             </p:stCondLst>
                             <p:childTnLst>
                               <p:par>
-                                <p:cTn id="117" presetID="10" presetClass="entr" presetSubtype="0" fill="hold" grpId="0" nodeType="clickEffect">
+                                <p:cTn id="152" presetID="10" presetClass="entr" presetSubtype="0" fill="hold" grpId="0" nodeType="clickEffect">
                                   <p:stCondLst>
                                     <p:cond delay="0"/>
                                   </p:stCondLst>
                                   <p:childTnLst>
                                     <p:set>
                                       <p:cBhvr>
-                                        <p:cTn id="118" dur="1" fill="hold">
+                                        <p:cTn id="153" dur="1" fill="hold">
                                           <p:stCondLst>
                                             <p:cond delay="0"/>
                                           </p:stCondLst>
@@ -27581,7 +27992,7 @@
                                     </p:set>
                                     <p:animEffect transition="in" filter="fade">
                                       <p:cBhvr>
-                                        <p:cTn id="119" dur="500"/>
+                                        <p:cTn id="154" dur="500"/>
                                         <p:tgtEl>
                                           <p:spTgt spid="102"/>
                                         </p:tgtEl>
@@ -27597,26 +28008,26 @@
                     </p:cTn>
                   </p:par>
                   <p:par>
-                    <p:cTn id="120" fill="hold">
+                    <p:cTn id="155" fill="hold">
                       <p:stCondLst>
                         <p:cond delay="indefinite"/>
                       </p:stCondLst>
                       <p:childTnLst>
                         <p:par>
-                          <p:cTn id="121" fill="hold">
+                          <p:cTn id="156" fill="hold">
                             <p:stCondLst>
                               <p:cond delay="0"/>
                             </p:stCondLst>
                             <p:childTnLst>
                               <p:par>
-                                <p:cTn id="122" presetID="42" presetClass="path" presetSubtype="0" accel="50000" decel="50000" fill="hold" grpId="0" nodeType="clickEffect">
+                                <p:cTn id="157" presetID="42" presetClass="path" presetSubtype="0" accel="50000" decel="50000" fill="hold" grpId="0" nodeType="clickEffect">
                                   <p:stCondLst>
                                     <p:cond delay="0"/>
                                   </p:stCondLst>
                                   <p:childTnLst>
                                     <p:animMotion origin="layout" path="M 3.125E-6 1.48148E-6 L 0.17252 0.00625 " pathEditMode="relative" rAng="0" ptsTypes="AA">
                                       <p:cBhvr>
-                                        <p:cTn id="123" dur="2000" fill="hold"/>
+                                        <p:cTn id="158" dur="2000" fill="hold"/>
                                         <p:tgtEl>
                                           <p:spTgt spid="115"/>
                                         </p:tgtEl>
@@ -27637,26 +28048,26 @@
                     </p:cTn>
                   </p:par>
                   <p:par>
-                    <p:cTn id="124" fill="hold">
+                    <p:cTn id="159" fill="hold">
                       <p:stCondLst>
                         <p:cond delay="indefinite"/>
                       </p:stCondLst>
                       <p:childTnLst>
                         <p:par>
-                          <p:cTn id="125" fill="hold">
+                          <p:cTn id="160" fill="hold">
                             <p:stCondLst>
                               <p:cond delay="0"/>
                             </p:stCondLst>
                             <p:childTnLst>
                               <p:par>
-                                <p:cTn id="126" presetID="10" presetClass="entr" presetSubtype="0" fill="hold" grpId="0" nodeType="clickEffect">
+                                <p:cTn id="161" presetID="10" presetClass="entr" presetSubtype="0" fill="hold" grpId="0" nodeType="clickEffect">
                                   <p:stCondLst>
                                     <p:cond delay="0"/>
                                   </p:stCondLst>
                                   <p:childTnLst>
                                     <p:set>
                                       <p:cBhvr>
-                                        <p:cTn id="127" dur="1" fill="hold">
+                                        <p:cTn id="162" dur="1" fill="hold">
                                           <p:stCondLst>
                                             <p:cond delay="0"/>
                                           </p:stCondLst>
@@ -27674,62 +28085,9 @@
                                     </p:set>
                                     <p:animEffect transition="in" filter="fade">
                                       <p:cBhvr>
-                                        <p:cTn id="128" dur="500"/>
+                                        <p:cTn id="163" dur="500"/>
                                         <p:tgtEl>
                                           <p:spTgt spid="114"/>
-                                        </p:tgtEl>
-                                      </p:cBhvr>
-                                    </p:animEffect>
-                                  </p:childTnLst>
-                                </p:cTn>
-                              </p:par>
-                            </p:childTnLst>
-                          </p:cTn>
-                        </p:par>
-                      </p:childTnLst>
-                    </p:cTn>
-                  </p:par>
-                  <p:par>
-                    <p:cTn id="129" fill="hold">
-                      <p:stCondLst>
-                        <p:cond delay="indefinite"/>
-                      </p:stCondLst>
-                      <p:childTnLst>
-                        <p:par>
-                          <p:cTn id="130" fill="hold">
-                            <p:stCondLst>
-                              <p:cond delay="0"/>
-                            </p:stCondLst>
-                            <p:childTnLst>
-                              <p:par>
-                                <p:cTn id="131" presetID="10" presetClass="entr" presetSubtype="0" fill="hold" grpId="0" nodeType="clickEffect">
-                                  <p:stCondLst>
-                                    <p:cond delay="0"/>
-                                  </p:stCondLst>
-                                  <p:childTnLst>
-                                    <p:set>
-                                      <p:cBhvr>
-                                        <p:cTn id="132" dur="1" fill="hold">
-                                          <p:stCondLst>
-                                            <p:cond delay="0"/>
-                                          </p:stCondLst>
-                                        </p:cTn>
-                                        <p:tgtEl>
-                                          <p:spTgt spid="59"/>
-                                        </p:tgtEl>
-                                        <p:attrNameLst>
-                                          <p:attrName>style.visibility</p:attrName>
-                                        </p:attrNameLst>
-                                      </p:cBhvr>
-                                      <p:to>
-                                        <p:strVal val="visible"/>
-                                      </p:to>
-                                    </p:set>
-                                    <p:animEffect transition="in" filter="fade">
-                                      <p:cBhvr>
-                                        <p:cTn id="133" dur="500"/>
-                                        <p:tgtEl>
-                                          <p:spTgt spid="59"/>
                                         </p:tgtEl>
                                       </p:cBhvr>
                                     </p:animEffect>
@@ -27764,13 +28122,24 @@
       </p:par>
     </p:tnLst>
     <p:bldLst>
+      <p:bldP spid="101" grpId="0" animBg="1"/>
+      <p:bldP spid="102" grpId="0" animBg="1"/>
+      <p:bldP spid="80" grpId="0" animBg="1"/>
+      <p:bldP spid="81" grpId="0" animBg="1"/>
+      <p:bldP spid="111" grpId="0" animBg="1"/>
+      <p:bldP spid="112" grpId="0" animBg="1"/>
+      <p:bldP spid="89" grpId="0" animBg="1"/>
+      <p:bldP spid="91" grpId="0" animBg="1"/>
+      <p:bldP spid="115" grpId="0" animBg="1"/>
+      <p:bldP spid="110" grpId="0" animBg="1"/>
+      <p:bldP spid="109" grpId="0" animBg="1"/>
+      <p:bldP spid="107" grpId="0" animBg="1"/>
+      <p:bldP spid="108" grpId="0" animBg="1"/>
+      <p:bldP spid="113" grpId="0" animBg="1"/>
       <p:bldP spid="106" grpId="0" animBg="1"/>
       <p:bldP spid="104" grpId="0" animBg="1"/>
-      <p:bldP spid="80" grpId="0" animBg="1"/>
-      <p:bldP spid="81" grpId="0" animBg="1"/>
       <p:bldP spid="76" grpId="0" animBg="1"/>
-      <p:bldP spid="89" grpId="0" animBg="1"/>
-      <p:bldP spid="91" grpId="0" animBg="1"/>
+      <p:bldP spid="82" grpId="0" animBg="1"/>
       <p:bldP spid="60" grpId="0"/>
       <p:bldP spid="66" grpId="0" animBg="1"/>
       <p:bldP spid="67" grpId="0" animBg="1"/>
@@ -27779,18 +28148,13 @@
       <p:bldP spid="70" grpId="0" animBg="1"/>
       <p:bldP spid="71" grpId="0"/>
       <p:bldP spid="73" grpId="0"/>
-      <p:bldP spid="101" grpId="0" animBg="1"/>
-      <p:bldP spid="102" grpId="0" animBg="1"/>
-      <p:bldP spid="107" grpId="0" animBg="1"/>
-      <p:bldP spid="108" grpId="0" animBg="1"/>
-      <p:bldP spid="109" grpId="0" animBg="1"/>
-      <p:bldP spid="110" grpId="0" animBg="1"/>
-      <p:bldP spid="111" grpId="0" animBg="1"/>
-      <p:bldP spid="112" grpId="0" animBg="1"/>
-      <p:bldP spid="113" grpId="0" animBg="1"/>
+      <p:bldP spid="93" grpId="0" animBg="1"/>
       <p:bldP spid="114" grpId="0" animBg="1"/>
-      <p:bldP spid="115" grpId="0" animBg="1"/>
       <p:bldP spid="59" grpId="0" animBg="1"/>
+      <p:bldP spid="83" grpId="0" animBg="1"/>
+      <p:bldP spid="96" grpId="0" animBg="1"/>
+      <p:bldP spid="88" grpId="0" animBg="1"/>
+      <p:bldP spid="98" grpId="0" animBg="1"/>
     </p:bldLst>
   </p:timing>
 </p:sld>
@@ -31021,12 +31385,12 @@
   </p:clrMapOvr>
   <mc:AlternateContent xmlns:mc="http://schemas.openxmlformats.org/markup-compatibility/2006">
     <mc:Choice xmlns:p15="http://schemas.microsoft.com/office/powerpoint/2012/main" Requires="p15">
-      <p:transition xmlns:p14="http://schemas.microsoft.com/office/powerpoint/2010/main" spd="slow" p14:dur="2000" advTm="31795">
+      <p:transition xmlns:p14="http://schemas.microsoft.com/office/powerpoint/2010/main" spd="slow" p14:dur="2000">
         <p15:prstTrans prst="drape"/>
       </p:transition>
     </mc:Choice>
     <mc:Fallback>
-      <p:transition spd="slow" advTm="31795">
+      <p:transition spd="slow">
         <p:fade/>
       </p:transition>
     </mc:Fallback>

--- a/crawl/GSKY_Crawl_MAS.pptx
+++ b/crawl/GSKY_Crawl_MAS.pptx
@@ -7,11 +7,12 @@
   </p:sldMasterIdLst>
   <p:sldIdLst>
     <p:sldId id="265" r:id="rId3"/>
-    <p:sldId id="261" r:id="rId4"/>
-    <p:sldId id="266" r:id="rId5"/>
-    <p:sldId id="267" r:id="rId6"/>
-    <p:sldId id="264" r:id="rId7"/>
-    <p:sldId id="268" r:id="rId8"/>
+    <p:sldId id="269" r:id="rId4"/>
+    <p:sldId id="261" r:id="rId5"/>
+    <p:sldId id="266" r:id="rId6"/>
+    <p:sldId id="267" r:id="rId7"/>
+    <p:sldId id="264" r:id="rId8"/>
+    <p:sldId id="268" r:id="rId9"/>
   </p:sldIdLst>
   <p:sldSz cx="12192000" cy="6858000"/>
   <p:notesSz cx="6858000" cy="9144000"/>
@@ -8432,7 +8433,7 @@
         <p:spPr>
           <a:xfrm>
             <a:off x="2592926" y="624110"/>
-            <a:ext cx="5564486" cy="1280890"/>
+            <a:ext cx="5564486" cy="973539"/>
           </a:xfrm>
         </p:spPr>
         <p:txBody>
@@ -8544,12 +8545,12 @@
         <p:spPr>
           <a:xfrm>
             <a:off x="2592926" y="2424635"/>
-            <a:ext cx="7588022" cy="1208265"/>
+            <a:ext cx="4712847" cy="1398765"/>
           </a:xfrm>
         </p:spPr>
         <p:txBody>
           <a:bodyPr>
-            <a:normAutofit/>
+            <a:normAutofit fontScale="92500" lnSpcReduction="20000"/>
           </a:bodyPr>
           <a:lstStyle/>
           <a:p>
@@ -8591,6 +8592,19 @@
                 <a:hlinkClick r:id="rId5"/>
               </a:rPr>
               <a:t>GSKY_Crawl_MAS.docx</a:t>
+            </a:r>
+            <a:endParaRPr lang="en-US"/>
+          </a:p>
+          <a:p>
+            <a:r>
+              <a:rPr lang="en-US"/>
+              <a:t>MP4: </a:t>
+            </a:r>
+            <a:r>
+              <a:rPr lang="en-AU" u="sng">
+                <a:hlinkClick r:id="rId6" tooltip="GSKY_Crawl_MAS.mp4"/>
+              </a:rPr>
+              <a:t>GSKY_Crawl_MAS.mp4</a:t>
             </a:r>
             <a:endParaRPr lang="en-US"/>
           </a:p>
@@ -8610,8 +8624,8 @@
         </p:nvSpPr>
         <p:spPr>
           <a:xfrm>
-            <a:off x="2592926" y="4106779"/>
-            <a:ext cx="8427008" cy="646331"/>
+            <a:off x="1913641" y="3937100"/>
+            <a:ext cx="9106293" cy="830997"/>
           </a:xfrm>
           <a:prstGeom prst="rect">
             <a:avLst/>
@@ -8624,12 +8638,43 @@
           </a:bodyPr>
           <a:lstStyle/>
           <a:p>
-            <a:pPr algn="just"/>
+            <a:pPr marL="285750" indent="-285750" algn="just">
+              <a:buFont typeface="Arial" panose="020B0604020202020204" pitchFamily="34" charset="0"/>
+              <a:buChar char="•"/>
+            </a:pPr>
             <a:r>
-              <a:rPr lang="en-AU"/>
-              <a:t>It will take approximately 3 minutes to run through this demo. If too fast or too slow, then open the *.pptx or *.mp4 file to manually run the slideshow.</a:t>
+              <a:rPr lang="en-AU" sz="1600"/>
+              <a:t>It will take approximately 5 minutes to watch this demo. </a:t>
             </a:r>
-            <a:endParaRPr lang="en-GB"/>
+          </a:p>
+          <a:p>
+            <a:pPr marL="285750" indent="-285750" algn="just">
+              <a:buFont typeface="Arial" panose="020B0604020202020204" pitchFamily="34" charset="0"/>
+              <a:buChar char="•"/>
+            </a:pPr>
+            <a:r>
+              <a:rPr lang="en-AU" sz="1600"/>
+              <a:t>If too fast or too slow, then open the *.pptx or *.mp4 for controlled slideshow.</a:t>
+            </a:r>
+          </a:p>
+          <a:p>
+            <a:pPr marL="285750" indent="-285750" algn="just">
+              <a:buFont typeface="Arial" panose="020B0604020202020204" pitchFamily="34" charset="0"/>
+              <a:buChar char="•"/>
+            </a:pPr>
+            <a:r>
+              <a:rPr lang="en-US" sz="1600"/>
+              <a:t>To view individual slides, open the </a:t>
+            </a:r>
+            <a:r>
+              <a:rPr lang="en-AU" sz="1600"/>
+              <a:t>*.pptx and</a:t>
+            </a:r>
+            <a:r>
+              <a:rPr lang="en-US" sz="1600"/>
+              <a:t> use the ‘Animations | Preview’.</a:t>
+            </a:r>
+            <a:endParaRPr lang="en-GB" sz="1600"/>
           </a:p>
         </p:txBody>
       </p:sp>
@@ -9313,6 +9358,42 @@
           </a:p>
         </p:txBody>
       </p:sp>
+      <p:sp>
+        <p:nvSpPr>
+          <p:cNvPr id="16" name="TextBox 15">
+            <a:extLst>
+              <a:ext uri="{FF2B5EF4-FFF2-40B4-BE49-F238E27FC236}">
+                <a16:creationId xmlns:a16="http://schemas.microsoft.com/office/drawing/2014/main" id="{45E53065-3101-4920-A076-88ABB41989BB}"/>
+              </a:ext>
+            </a:extLst>
+          </p:cNvPr>
+          <p:cNvSpPr txBox="1"/>
+          <p:nvPr/>
+        </p:nvSpPr>
+        <p:spPr>
+          <a:xfrm>
+            <a:off x="11161338" y="141402"/>
+            <a:ext cx="848413" cy="246221"/>
+          </a:xfrm>
+          <a:prstGeom prst="rect">
+            <a:avLst/>
+          </a:prstGeom>
+          <a:noFill/>
+        </p:spPr>
+        <p:txBody>
+          <a:bodyPr wrap="square" rtlCol="0">
+            <a:spAutoFit/>
+          </a:bodyPr>
+          <a:lstStyle/>
+          <a:p>
+            <a:r>
+              <a:rPr lang="en-US" sz="1000"/>
+              <a:t>Slide 1 of 7</a:t>
+            </a:r>
+            <a:endParaRPr lang="en-AU" sz="1000"/>
+          </a:p>
+        </p:txBody>
+      </p:sp>
     </p:spTree>
     <p:custDataLst>
       <p:tags r:id="rId1"/>
@@ -9328,12 +9409,12 @@
   </p:clrMapOvr>
   <mc:AlternateContent xmlns:mc="http://schemas.openxmlformats.org/markup-compatibility/2006">
     <mc:Choice xmlns:p159="http://schemas.microsoft.com/office/powerpoint/2015/09/main" Requires="p159">
-      <p:transition xmlns:p14="http://schemas.microsoft.com/office/powerpoint/2010/main" spd="slow" p14:dur="2000">
+      <p:transition xmlns:p14="http://schemas.microsoft.com/office/powerpoint/2010/main" spd="slow" p14:dur="2000" advTm="10372">
         <p159:morph option="byObject"/>
       </p:transition>
     </mc:Choice>
     <mc:Fallback>
-      <p:transition spd="slow">
+      <p:transition spd="slow" advTm="10372">
         <p:fade/>
       </p:transition>
     </mc:Fallback>
@@ -9428,6 +9509,4624 @@
 </file>
 
 <file path=ppt/slides/slide2.xml><?xml version="1.0" encoding="utf-8"?>
+<p:sld xmlns:a="http://schemas.openxmlformats.org/drawingml/2006/main" xmlns:r="http://schemas.openxmlformats.org/officeDocument/2006/relationships" xmlns:p="http://schemas.openxmlformats.org/presentationml/2006/main">
+  <p:cSld>
+    <p:spTree>
+      <p:nvGrpSpPr>
+        <p:cNvPr id="1" name=""/>
+        <p:cNvGrpSpPr/>
+        <p:nvPr/>
+      </p:nvGrpSpPr>
+      <p:grpSpPr>
+        <a:xfrm>
+          <a:off x="0" y="0"/>
+          <a:ext cx="0" cy="0"/>
+          <a:chOff x="0" y="0"/>
+          <a:chExt cx="0" cy="0"/>
+        </a:xfrm>
+      </p:grpSpPr>
+      <p:sp>
+        <p:nvSpPr>
+          <p:cNvPr id="48" name="Arrow: Up 47">
+            <a:extLst>
+              <a:ext uri="{FF2B5EF4-FFF2-40B4-BE49-F238E27FC236}">
+                <a16:creationId xmlns:a16="http://schemas.microsoft.com/office/drawing/2014/main" id="{A4FB8531-8DB3-4D67-8BC7-B4116C1299B8}"/>
+              </a:ext>
+            </a:extLst>
+          </p:cNvPr>
+          <p:cNvSpPr/>
+          <p:nvPr/>
+        </p:nvSpPr>
+        <p:spPr>
+          <a:xfrm rot="5400000">
+            <a:off x="8237748" y="2212328"/>
+            <a:ext cx="220640" cy="205048"/>
+          </a:xfrm>
+          <a:prstGeom prst="upArrow">
+            <a:avLst/>
+          </a:prstGeom>
+          <a:gradFill flip="none" rotWithShape="1">
+            <a:gsLst>
+              <a:gs pos="0">
+                <a:schemeClr val="accent2">
+                  <a:shade val="30000"/>
+                  <a:satMod val="115000"/>
+                </a:schemeClr>
+              </a:gs>
+              <a:gs pos="50000">
+                <a:schemeClr val="accent2">
+                  <a:shade val="67500"/>
+                  <a:satMod val="115000"/>
+                </a:schemeClr>
+              </a:gs>
+              <a:gs pos="100000">
+                <a:schemeClr val="accent2">
+                  <a:shade val="100000"/>
+                  <a:satMod val="115000"/>
+                </a:schemeClr>
+              </a:gs>
+            </a:gsLst>
+            <a:lin ang="16200000" scaled="1"/>
+            <a:tileRect/>
+          </a:gradFill>
+          <a:ln>
+            <a:solidFill>
+              <a:schemeClr val="accent2"/>
+            </a:solidFill>
+          </a:ln>
+        </p:spPr>
+        <p:style>
+          <a:lnRef idx="2">
+            <a:schemeClr val="accent1">
+              <a:shade val="50000"/>
+            </a:schemeClr>
+          </a:lnRef>
+          <a:fillRef idx="1">
+            <a:schemeClr val="accent1"/>
+          </a:fillRef>
+          <a:effectRef idx="0">
+            <a:schemeClr val="accent1"/>
+          </a:effectRef>
+          <a:fontRef idx="minor">
+            <a:schemeClr val="lt1"/>
+          </a:fontRef>
+        </p:style>
+        <p:txBody>
+          <a:bodyPr rtlCol="0" anchor="ctr"/>
+          <a:lstStyle/>
+          <a:p>
+            <a:pPr algn="ctr"/>
+            <a:endParaRPr lang="en-GB"/>
+          </a:p>
+        </p:txBody>
+      </p:sp>
+      <p:sp>
+        <p:nvSpPr>
+          <p:cNvPr id="56" name="Rectangle 55">
+            <a:extLst>
+              <a:ext uri="{FF2B5EF4-FFF2-40B4-BE49-F238E27FC236}">
+                <a16:creationId xmlns:a16="http://schemas.microsoft.com/office/drawing/2014/main" id="{CA6CAE04-6717-449F-9DB0-D27FDB6C8096}"/>
+              </a:ext>
+            </a:extLst>
+          </p:cNvPr>
+          <p:cNvSpPr/>
+          <p:nvPr/>
+        </p:nvSpPr>
+        <p:spPr>
+          <a:xfrm>
+            <a:off x="7953346" y="2161284"/>
+            <a:ext cx="754145" cy="360691"/>
+          </a:xfrm>
+          <a:prstGeom prst="rect">
+            <a:avLst/>
+          </a:prstGeom>
+          <a:solidFill>
+            <a:srgbClr val="FAFBF5"/>
+          </a:solidFill>
+          <a:ln>
+            <a:noFill/>
+          </a:ln>
+        </p:spPr>
+        <p:style>
+          <a:lnRef idx="2">
+            <a:schemeClr val="accent1">
+              <a:shade val="50000"/>
+            </a:schemeClr>
+          </a:lnRef>
+          <a:fillRef idx="1">
+            <a:schemeClr val="accent1"/>
+          </a:fillRef>
+          <a:effectRef idx="0">
+            <a:schemeClr val="accent1"/>
+          </a:effectRef>
+          <a:fontRef idx="minor">
+            <a:schemeClr val="lt1"/>
+          </a:fontRef>
+        </p:style>
+        <p:txBody>
+          <a:bodyPr rtlCol="0" anchor="ctr"/>
+          <a:lstStyle/>
+          <a:p>
+            <a:pPr algn="ctr"/>
+            <a:endParaRPr lang="en-AU"/>
+          </a:p>
+        </p:txBody>
+      </p:sp>
+      <p:sp>
+        <p:nvSpPr>
+          <p:cNvPr id="47" name="Arrow: Up 46">
+            <a:extLst>
+              <a:ext uri="{FF2B5EF4-FFF2-40B4-BE49-F238E27FC236}">
+                <a16:creationId xmlns:a16="http://schemas.microsoft.com/office/drawing/2014/main" id="{4EEC4A8D-5EB3-49E3-BDF3-C175DEA80DAC}"/>
+              </a:ext>
+            </a:extLst>
+          </p:cNvPr>
+          <p:cNvSpPr/>
+          <p:nvPr/>
+        </p:nvSpPr>
+        <p:spPr>
+          <a:xfrm rot="5400000">
+            <a:off x="6986740" y="2235716"/>
+            <a:ext cx="220640" cy="205048"/>
+          </a:xfrm>
+          <a:prstGeom prst="upArrow">
+            <a:avLst/>
+          </a:prstGeom>
+          <a:gradFill flip="none" rotWithShape="1">
+            <a:gsLst>
+              <a:gs pos="0">
+                <a:schemeClr val="accent2">
+                  <a:shade val="30000"/>
+                  <a:satMod val="115000"/>
+                </a:schemeClr>
+              </a:gs>
+              <a:gs pos="50000">
+                <a:schemeClr val="accent2">
+                  <a:shade val="67500"/>
+                  <a:satMod val="115000"/>
+                </a:schemeClr>
+              </a:gs>
+              <a:gs pos="100000">
+                <a:schemeClr val="accent2">
+                  <a:shade val="100000"/>
+                  <a:satMod val="115000"/>
+                </a:schemeClr>
+              </a:gs>
+            </a:gsLst>
+            <a:lin ang="16200000" scaled="1"/>
+            <a:tileRect/>
+          </a:gradFill>
+          <a:ln>
+            <a:solidFill>
+              <a:schemeClr val="accent2"/>
+            </a:solidFill>
+          </a:ln>
+        </p:spPr>
+        <p:style>
+          <a:lnRef idx="2">
+            <a:schemeClr val="accent1">
+              <a:shade val="50000"/>
+            </a:schemeClr>
+          </a:lnRef>
+          <a:fillRef idx="1">
+            <a:schemeClr val="accent1"/>
+          </a:fillRef>
+          <a:effectRef idx="0">
+            <a:schemeClr val="accent1"/>
+          </a:effectRef>
+          <a:fontRef idx="minor">
+            <a:schemeClr val="lt1"/>
+          </a:fontRef>
+        </p:style>
+        <p:txBody>
+          <a:bodyPr rtlCol="0" anchor="ctr"/>
+          <a:lstStyle/>
+          <a:p>
+            <a:pPr algn="ctr"/>
+            <a:endParaRPr lang="en-GB"/>
+          </a:p>
+        </p:txBody>
+      </p:sp>
+      <p:sp>
+        <p:nvSpPr>
+          <p:cNvPr id="55" name="Rectangle 54">
+            <a:extLst>
+              <a:ext uri="{FF2B5EF4-FFF2-40B4-BE49-F238E27FC236}">
+                <a16:creationId xmlns:a16="http://schemas.microsoft.com/office/drawing/2014/main" id="{ABD68BDB-9481-4473-9385-99F57799F049}"/>
+              </a:ext>
+            </a:extLst>
+          </p:cNvPr>
+          <p:cNvSpPr/>
+          <p:nvPr/>
+        </p:nvSpPr>
+        <p:spPr>
+          <a:xfrm>
+            <a:off x="6639681" y="2161284"/>
+            <a:ext cx="754145" cy="360691"/>
+          </a:xfrm>
+          <a:prstGeom prst="rect">
+            <a:avLst/>
+          </a:prstGeom>
+          <a:solidFill>
+            <a:srgbClr val="FAFBF5"/>
+          </a:solidFill>
+          <a:ln>
+            <a:noFill/>
+          </a:ln>
+        </p:spPr>
+        <p:style>
+          <a:lnRef idx="2">
+            <a:schemeClr val="accent1">
+              <a:shade val="50000"/>
+            </a:schemeClr>
+          </a:lnRef>
+          <a:fillRef idx="1">
+            <a:schemeClr val="accent1"/>
+          </a:fillRef>
+          <a:effectRef idx="0">
+            <a:schemeClr val="accent1"/>
+          </a:effectRef>
+          <a:fontRef idx="minor">
+            <a:schemeClr val="lt1"/>
+          </a:fontRef>
+        </p:style>
+        <p:txBody>
+          <a:bodyPr rtlCol="0" anchor="ctr"/>
+          <a:lstStyle/>
+          <a:p>
+            <a:pPr algn="ctr"/>
+            <a:endParaRPr lang="en-AU"/>
+          </a:p>
+        </p:txBody>
+      </p:sp>
+      <p:sp>
+        <p:nvSpPr>
+          <p:cNvPr id="43" name="Arrow: Up 42">
+            <a:extLst>
+              <a:ext uri="{FF2B5EF4-FFF2-40B4-BE49-F238E27FC236}">
+                <a16:creationId xmlns:a16="http://schemas.microsoft.com/office/drawing/2014/main" id="{BE6FA786-39CA-4163-B809-706068445CD9}"/>
+              </a:ext>
+            </a:extLst>
+          </p:cNvPr>
+          <p:cNvSpPr/>
+          <p:nvPr/>
+        </p:nvSpPr>
+        <p:spPr>
+          <a:xfrm rot="5400000">
+            <a:off x="5750279" y="2243512"/>
+            <a:ext cx="220640" cy="205048"/>
+          </a:xfrm>
+          <a:prstGeom prst="upArrow">
+            <a:avLst/>
+          </a:prstGeom>
+          <a:gradFill flip="none" rotWithShape="1">
+            <a:gsLst>
+              <a:gs pos="0">
+                <a:schemeClr val="accent2">
+                  <a:shade val="30000"/>
+                  <a:satMod val="115000"/>
+                </a:schemeClr>
+              </a:gs>
+              <a:gs pos="50000">
+                <a:schemeClr val="accent2">
+                  <a:shade val="67500"/>
+                  <a:satMod val="115000"/>
+                </a:schemeClr>
+              </a:gs>
+              <a:gs pos="100000">
+                <a:schemeClr val="accent2">
+                  <a:shade val="100000"/>
+                  <a:satMod val="115000"/>
+                </a:schemeClr>
+              </a:gs>
+            </a:gsLst>
+            <a:lin ang="16200000" scaled="1"/>
+            <a:tileRect/>
+          </a:gradFill>
+          <a:ln>
+            <a:solidFill>
+              <a:schemeClr val="accent2"/>
+            </a:solidFill>
+          </a:ln>
+        </p:spPr>
+        <p:style>
+          <a:lnRef idx="2">
+            <a:schemeClr val="accent1">
+              <a:shade val="50000"/>
+            </a:schemeClr>
+          </a:lnRef>
+          <a:fillRef idx="1">
+            <a:schemeClr val="accent1"/>
+          </a:fillRef>
+          <a:effectRef idx="0">
+            <a:schemeClr val="accent1"/>
+          </a:effectRef>
+          <a:fontRef idx="minor">
+            <a:schemeClr val="lt1"/>
+          </a:fontRef>
+        </p:style>
+        <p:txBody>
+          <a:bodyPr rtlCol="0" anchor="ctr"/>
+          <a:lstStyle/>
+          <a:p>
+            <a:pPr algn="ctr"/>
+            <a:endParaRPr lang="en-GB"/>
+          </a:p>
+        </p:txBody>
+      </p:sp>
+      <p:sp>
+        <p:nvSpPr>
+          <p:cNvPr id="54" name="Rectangle 53">
+            <a:extLst>
+              <a:ext uri="{FF2B5EF4-FFF2-40B4-BE49-F238E27FC236}">
+                <a16:creationId xmlns:a16="http://schemas.microsoft.com/office/drawing/2014/main" id="{6DBBB00D-E535-42D2-93CD-487DEA0DCC91}"/>
+              </a:ext>
+            </a:extLst>
+          </p:cNvPr>
+          <p:cNvSpPr/>
+          <p:nvPr/>
+        </p:nvSpPr>
+        <p:spPr>
+          <a:xfrm>
+            <a:off x="5361229" y="2161284"/>
+            <a:ext cx="754145" cy="360691"/>
+          </a:xfrm>
+          <a:prstGeom prst="rect">
+            <a:avLst/>
+          </a:prstGeom>
+          <a:solidFill>
+            <a:srgbClr val="FAFBF5"/>
+          </a:solidFill>
+          <a:ln>
+            <a:noFill/>
+          </a:ln>
+        </p:spPr>
+        <p:style>
+          <a:lnRef idx="2">
+            <a:schemeClr val="accent1">
+              <a:shade val="50000"/>
+            </a:schemeClr>
+          </a:lnRef>
+          <a:fillRef idx="1">
+            <a:schemeClr val="accent1"/>
+          </a:fillRef>
+          <a:effectRef idx="0">
+            <a:schemeClr val="accent1"/>
+          </a:effectRef>
+          <a:fontRef idx="minor">
+            <a:schemeClr val="lt1"/>
+          </a:fontRef>
+        </p:style>
+        <p:txBody>
+          <a:bodyPr rtlCol="0" anchor="ctr"/>
+          <a:lstStyle/>
+          <a:p>
+            <a:pPr algn="ctr"/>
+            <a:endParaRPr lang="en-AU"/>
+          </a:p>
+        </p:txBody>
+      </p:sp>
+      <p:sp>
+        <p:nvSpPr>
+          <p:cNvPr id="39" name="Arrow: Up 38">
+            <a:extLst>
+              <a:ext uri="{FF2B5EF4-FFF2-40B4-BE49-F238E27FC236}">
+                <a16:creationId xmlns:a16="http://schemas.microsoft.com/office/drawing/2014/main" id="{AB56E91B-4B00-4F04-ACC7-F495F778552B}"/>
+              </a:ext>
+            </a:extLst>
+          </p:cNvPr>
+          <p:cNvSpPr/>
+          <p:nvPr/>
+        </p:nvSpPr>
+        <p:spPr>
+          <a:xfrm rot="5400000">
+            <a:off x="4484724" y="2220124"/>
+            <a:ext cx="220640" cy="205048"/>
+          </a:xfrm>
+          <a:prstGeom prst="upArrow">
+            <a:avLst/>
+          </a:prstGeom>
+          <a:gradFill flip="none" rotWithShape="1">
+            <a:gsLst>
+              <a:gs pos="0">
+                <a:schemeClr val="accent2">
+                  <a:shade val="30000"/>
+                  <a:satMod val="115000"/>
+                </a:schemeClr>
+              </a:gs>
+              <a:gs pos="50000">
+                <a:schemeClr val="accent2">
+                  <a:shade val="67500"/>
+                  <a:satMod val="115000"/>
+                </a:schemeClr>
+              </a:gs>
+              <a:gs pos="100000">
+                <a:schemeClr val="accent2">
+                  <a:shade val="100000"/>
+                  <a:satMod val="115000"/>
+                </a:schemeClr>
+              </a:gs>
+            </a:gsLst>
+            <a:lin ang="16200000" scaled="1"/>
+            <a:tileRect/>
+          </a:gradFill>
+          <a:ln>
+            <a:solidFill>
+              <a:schemeClr val="accent2"/>
+            </a:solidFill>
+          </a:ln>
+        </p:spPr>
+        <p:style>
+          <a:lnRef idx="2">
+            <a:schemeClr val="accent1">
+              <a:shade val="50000"/>
+            </a:schemeClr>
+          </a:lnRef>
+          <a:fillRef idx="1">
+            <a:schemeClr val="accent1"/>
+          </a:fillRef>
+          <a:effectRef idx="0">
+            <a:schemeClr val="accent1"/>
+          </a:effectRef>
+          <a:fontRef idx="minor">
+            <a:schemeClr val="lt1"/>
+          </a:fontRef>
+        </p:style>
+        <p:txBody>
+          <a:bodyPr rtlCol="0" anchor="ctr"/>
+          <a:lstStyle/>
+          <a:p>
+            <a:pPr algn="ctr"/>
+            <a:endParaRPr lang="en-GB"/>
+          </a:p>
+        </p:txBody>
+      </p:sp>
+      <p:sp>
+        <p:nvSpPr>
+          <p:cNvPr id="53" name="Rectangle 52">
+            <a:extLst>
+              <a:ext uri="{FF2B5EF4-FFF2-40B4-BE49-F238E27FC236}">
+                <a16:creationId xmlns:a16="http://schemas.microsoft.com/office/drawing/2014/main" id="{3D85C902-5E44-4D3D-925E-9F2A3F2CC3A8}"/>
+              </a:ext>
+            </a:extLst>
+          </p:cNvPr>
+          <p:cNvSpPr/>
+          <p:nvPr/>
+        </p:nvSpPr>
+        <p:spPr>
+          <a:xfrm>
+            <a:off x="4089331" y="2144075"/>
+            <a:ext cx="754145" cy="360691"/>
+          </a:xfrm>
+          <a:prstGeom prst="rect">
+            <a:avLst/>
+          </a:prstGeom>
+          <a:solidFill>
+            <a:srgbClr val="FAFBF5"/>
+          </a:solidFill>
+          <a:ln>
+            <a:noFill/>
+          </a:ln>
+        </p:spPr>
+        <p:style>
+          <a:lnRef idx="2">
+            <a:schemeClr val="accent1">
+              <a:shade val="50000"/>
+            </a:schemeClr>
+          </a:lnRef>
+          <a:fillRef idx="1">
+            <a:schemeClr val="accent1"/>
+          </a:fillRef>
+          <a:effectRef idx="0">
+            <a:schemeClr val="accent1"/>
+          </a:effectRef>
+          <a:fontRef idx="minor">
+            <a:schemeClr val="lt1"/>
+          </a:fontRef>
+        </p:style>
+        <p:txBody>
+          <a:bodyPr rtlCol="0" anchor="ctr"/>
+          <a:lstStyle/>
+          <a:p>
+            <a:pPr algn="ctr"/>
+            <a:endParaRPr lang="en-AU"/>
+          </a:p>
+        </p:txBody>
+      </p:sp>
+      <p:sp>
+        <p:nvSpPr>
+          <p:cNvPr id="35" name="Arrow: Up 34">
+            <a:extLst>
+              <a:ext uri="{FF2B5EF4-FFF2-40B4-BE49-F238E27FC236}">
+                <a16:creationId xmlns:a16="http://schemas.microsoft.com/office/drawing/2014/main" id="{3D1F49DC-04F0-4430-AFBE-D831EAFC3F0A}"/>
+              </a:ext>
+            </a:extLst>
+          </p:cNvPr>
+          <p:cNvSpPr/>
+          <p:nvPr/>
+        </p:nvSpPr>
+        <p:spPr>
+          <a:xfrm rot="5400000">
+            <a:off x="3233716" y="2227920"/>
+            <a:ext cx="220640" cy="205048"/>
+          </a:xfrm>
+          <a:prstGeom prst="upArrow">
+            <a:avLst/>
+          </a:prstGeom>
+          <a:gradFill flip="none" rotWithShape="1">
+            <a:gsLst>
+              <a:gs pos="0">
+                <a:schemeClr val="accent2">
+                  <a:shade val="30000"/>
+                  <a:satMod val="115000"/>
+                </a:schemeClr>
+              </a:gs>
+              <a:gs pos="50000">
+                <a:schemeClr val="accent2">
+                  <a:shade val="67500"/>
+                  <a:satMod val="115000"/>
+                </a:schemeClr>
+              </a:gs>
+              <a:gs pos="100000">
+                <a:schemeClr val="accent2">
+                  <a:shade val="100000"/>
+                  <a:satMod val="115000"/>
+                </a:schemeClr>
+              </a:gs>
+            </a:gsLst>
+            <a:lin ang="16200000" scaled="1"/>
+            <a:tileRect/>
+          </a:gradFill>
+          <a:ln>
+            <a:solidFill>
+              <a:schemeClr val="accent2"/>
+            </a:solidFill>
+          </a:ln>
+        </p:spPr>
+        <p:style>
+          <a:lnRef idx="2">
+            <a:schemeClr val="accent1">
+              <a:shade val="50000"/>
+            </a:schemeClr>
+          </a:lnRef>
+          <a:fillRef idx="1">
+            <a:schemeClr val="accent1"/>
+          </a:fillRef>
+          <a:effectRef idx="0">
+            <a:schemeClr val="accent1"/>
+          </a:effectRef>
+          <a:fontRef idx="minor">
+            <a:schemeClr val="lt1"/>
+          </a:fontRef>
+        </p:style>
+        <p:txBody>
+          <a:bodyPr rtlCol="0" anchor="ctr"/>
+          <a:lstStyle/>
+          <a:p>
+            <a:pPr algn="ctr"/>
+            <a:endParaRPr lang="en-GB"/>
+          </a:p>
+        </p:txBody>
+      </p:sp>
+      <p:sp>
+        <p:nvSpPr>
+          <p:cNvPr id="52" name="Rectangle 51">
+            <a:extLst>
+              <a:ext uri="{FF2B5EF4-FFF2-40B4-BE49-F238E27FC236}">
+                <a16:creationId xmlns:a16="http://schemas.microsoft.com/office/drawing/2014/main" id="{694C865C-1D93-4ECC-AC3E-F3FC7A3E64AD}"/>
+              </a:ext>
+            </a:extLst>
+          </p:cNvPr>
+          <p:cNvSpPr/>
+          <p:nvPr/>
+        </p:nvSpPr>
+        <p:spPr>
+          <a:xfrm>
+            <a:off x="2828041" y="2136077"/>
+            <a:ext cx="754145" cy="360691"/>
+          </a:xfrm>
+          <a:prstGeom prst="rect">
+            <a:avLst/>
+          </a:prstGeom>
+          <a:solidFill>
+            <a:srgbClr val="FAFBF5"/>
+          </a:solidFill>
+          <a:ln>
+            <a:noFill/>
+          </a:ln>
+        </p:spPr>
+        <p:style>
+          <a:lnRef idx="2">
+            <a:schemeClr val="accent1">
+              <a:shade val="50000"/>
+            </a:schemeClr>
+          </a:lnRef>
+          <a:fillRef idx="1">
+            <a:schemeClr val="accent1"/>
+          </a:fillRef>
+          <a:effectRef idx="0">
+            <a:schemeClr val="accent1"/>
+          </a:effectRef>
+          <a:fontRef idx="minor">
+            <a:schemeClr val="lt1"/>
+          </a:fontRef>
+        </p:style>
+        <p:txBody>
+          <a:bodyPr rtlCol="0" anchor="ctr"/>
+          <a:lstStyle/>
+          <a:p>
+            <a:pPr algn="ctr"/>
+            <a:endParaRPr lang="en-AU"/>
+          </a:p>
+        </p:txBody>
+      </p:sp>
+      <p:sp>
+        <p:nvSpPr>
+          <p:cNvPr id="27" name="Arrow: Up 26">
+            <a:extLst>
+              <a:ext uri="{FF2B5EF4-FFF2-40B4-BE49-F238E27FC236}">
+                <a16:creationId xmlns:a16="http://schemas.microsoft.com/office/drawing/2014/main" id="{B9BCD151-61A1-4514-B59E-C6270743344E}"/>
+              </a:ext>
+            </a:extLst>
+          </p:cNvPr>
+          <p:cNvSpPr/>
+          <p:nvPr/>
+        </p:nvSpPr>
+        <p:spPr>
+          <a:xfrm rot="5400000">
+            <a:off x="2010989" y="2235716"/>
+            <a:ext cx="220640" cy="205048"/>
+          </a:xfrm>
+          <a:prstGeom prst="upArrow">
+            <a:avLst/>
+          </a:prstGeom>
+          <a:gradFill flip="none" rotWithShape="1">
+            <a:gsLst>
+              <a:gs pos="0">
+                <a:schemeClr val="accent2">
+                  <a:shade val="30000"/>
+                  <a:satMod val="115000"/>
+                </a:schemeClr>
+              </a:gs>
+              <a:gs pos="50000">
+                <a:schemeClr val="accent2">
+                  <a:shade val="67500"/>
+                  <a:satMod val="115000"/>
+                </a:schemeClr>
+              </a:gs>
+              <a:gs pos="100000">
+                <a:schemeClr val="accent2">
+                  <a:shade val="100000"/>
+                  <a:satMod val="115000"/>
+                </a:schemeClr>
+              </a:gs>
+            </a:gsLst>
+            <a:lin ang="16200000" scaled="1"/>
+            <a:tileRect/>
+          </a:gradFill>
+          <a:ln>
+            <a:solidFill>
+              <a:schemeClr val="accent2"/>
+            </a:solidFill>
+          </a:ln>
+        </p:spPr>
+        <p:style>
+          <a:lnRef idx="2">
+            <a:schemeClr val="accent1">
+              <a:shade val="50000"/>
+            </a:schemeClr>
+          </a:lnRef>
+          <a:fillRef idx="1">
+            <a:schemeClr val="accent1"/>
+          </a:fillRef>
+          <a:effectRef idx="0">
+            <a:schemeClr val="accent1"/>
+          </a:effectRef>
+          <a:fontRef idx="minor">
+            <a:schemeClr val="lt1"/>
+          </a:fontRef>
+        </p:style>
+        <p:txBody>
+          <a:bodyPr rtlCol="0" anchor="ctr"/>
+          <a:lstStyle/>
+          <a:p>
+            <a:pPr algn="ctr"/>
+            <a:endParaRPr lang="en-GB"/>
+          </a:p>
+        </p:txBody>
+      </p:sp>
+      <p:sp>
+        <p:nvSpPr>
+          <p:cNvPr id="57" name="Rectangle 56">
+            <a:extLst>
+              <a:ext uri="{FF2B5EF4-FFF2-40B4-BE49-F238E27FC236}">
+                <a16:creationId xmlns:a16="http://schemas.microsoft.com/office/drawing/2014/main" id="{BE22594A-9B06-4E3E-A012-64D370670438}"/>
+              </a:ext>
+            </a:extLst>
+          </p:cNvPr>
+          <p:cNvSpPr/>
+          <p:nvPr/>
+        </p:nvSpPr>
+        <p:spPr>
+          <a:xfrm>
+            <a:off x="1710493" y="2123663"/>
+            <a:ext cx="754145" cy="360691"/>
+          </a:xfrm>
+          <a:prstGeom prst="rect">
+            <a:avLst/>
+          </a:prstGeom>
+          <a:solidFill>
+            <a:srgbClr val="FAFBF5"/>
+          </a:solidFill>
+          <a:ln>
+            <a:noFill/>
+          </a:ln>
+        </p:spPr>
+        <p:style>
+          <a:lnRef idx="2">
+            <a:schemeClr val="accent1">
+              <a:shade val="50000"/>
+            </a:schemeClr>
+          </a:lnRef>
+          <a:fillRef idx="1">
+            <a:schemeClr val="accent1"/>
+          </a:fillRef>
+          <a:effectRef idx="0">
+            <a:schemeClr val="accent1"/>
+          </a:effectRef>
+          <a:fontRef idx="minor">
+            <a:schemeClr val="lt1"/>
+          </a:fontRef>
+        </p:style>
+        <p:txBody>
+          <a:bodyPr rtlCol="0" anchor="ctr"/>
+          <a:lstStyle/>
+          <a:p>
+            <a:pPr algn="ctr"/>
+            <a:endParaRPr lang="en-AU"/>
+          </a:p>
+        </p:txBody>
+      </p:sp>
+      <p:sp>
+        <p:nvSpPr>
+          <p:cNvPr id="17" name="Hexagon 16">
+            <a:extLst>
+              <a:ext uri="{FF2B5EF4-FFF2-40B4-BE49-F238E27FC236}">
+                <a16:creationId xmlns:a16="http://schemas.microsoft.com/office/drawing/2014/main" id="{19BE9C07-8A8C-4471-AD11-009B6CF49D24}"/>
+              </a:ext>
+            </a:extLst>
+          </p:cNvPr>
+          <p:cNvSpPr/>
+          <p:nvPr/>
+        </p:nvSpPr>
+        <p:spPr>
+          <a:xfrm>
+            <a:off x="1490606" y="1896156"/>
+            <a:ext cx="999796" cy="866480"/>
+          </a:xfrm>
+          <a:prstGeom prst="hexagon">
+            <a:avLst/>
+          </a:prstGeom>
+          <a:gradFill flip="none" rotWithShape="1">
+            <a:gsLst>
+              <a:gs pos="0">
+                <a:schemeClr val="accent1">
+                  <a:tint val="66000"/>
+                  <a:satMod val="160000"/>
+                </a:schemeClr>
+              </a:gs>
+              <a:gs pos="50000">
+                <a:schemeClr val="accent1">
+                  <a:tint val="44500"/>
+                  <a:satMod val="160000"/>
+                </a:schemeClr>
+              </a:gs>
+              <a:gs pos="100000">
+                <a:schemeClr val="accent1">
+                  <a:tint val="23500"/>
+                  <a:satMod val="160000"/>
+                </a:schemeClr>
+              </a:gs>
+            </a:gsLst>
+            <a:lin ang="16200000" scaled="1"/>
+            <a:tileRect/>
+          </a:gradFill>
+        </p:spPr>
+        <p:style>
+          <a:lnRef idx="2">
+            <a:schemeClr val="accent1">
+              <a:shade val="50000"/>
+            </a:schemeClr>
+          </a:lnRef>
+          <a:fillRef idx="1">
+            <a:schemeClr val="accent1"/>
+          </a:fillRef>
+          <a:effectRef idx="0">
+            <a:schemeClr val="accent1"/>
+          </a:effectRef>
+          <a:fontRef idx="minor">
+            <a:schemeClr val="lt1"/>
+          </a:fontRef>
+        </p:style>
+        <p:txBody>
+          <a:bodyPr rtlCol="0" anchor="ctr"/>
+          <a:lstStyle/>
+          <a:p>
+            <a:pPr algn="ctr"/>
+            <a:r>
+              <a:rPr lang="en-US" sz="1400" b="1">
+                <a:solidFill>
+                  <a:srgbClr val="002060"/>
+                </a:solidFill>
+              </a:rPr>
+              <a:t>Start</a:t>
+            </a:r>
+            <a:endParaRPr lang="en-AU" b="1">
+              <a:solidFill>
+                <a:srgbClr val="002060"/>
+              </a:solidFill>
+            </a:endParaRPr>
+          </a:p>
+        </p:txBody>
+      </p:sp>
+      <p:sp>
+        <p:nvSpPr>
+          <p:cNvPr id="2" name="Title 1">
+            <a:extLst>
+              <a:ext uri="{FF2B5EF4-FFF2-40B4-BE49-F238E27FC236}">
+                <a16:creationId xmlns:a16="http://schemas.microsoft.com/office/drawing/2014/main" id="{AADE5580-47D9-4987-8283-2885A634D5D3}"/>
+              </a:ext>
+            </a:extLst>
+          </p:cNvPr>
+          <p:cNvSpPr>
+            <a:spLocks noGrp="1"/>
+          </p:cNvSpPr>
+          <p:nvPr>
+            <p:ph type="title"/>
+          </p:nvPr>
+        </p:nvSpPr>
+        <p:spPr>
+          <a:xfrm>
+            <a:off x="2592926" y="624110"/>
+            <a:ext cx="5564486" cy="914162"/>
+          </a:xfrm>
+        </p:spPr>
+        <p:txBody>
+          <a:bodyPr/>
+          <a:lstStyle/>
+          <a:p>
+            <a:pPr algn="ctr"/>
+            <a:r>
+              <a:rPr lang="en-US" b="1">
+                <a:ln w="0"/>
+                <a:gradFill>
+                  <a:gsLst>
+                    <a:gs pos="0">
+                      <a:schemeClr val="accent5">
+                        <a:lumMod val="50000"/>
+                      </a:schemeClr>
+                    </a:gs>
+                    <a:gs pos="50000">
+                      <a:schemeClr val="accent5"/>
+                    </a:gs>
+                    <a:gs pos="100000">
+                      <a:schemeClr val="accent5">
+                        <a:lumMod val="60000"/>
+                        <a:lumOff val="40000"/>
+                      </a:schemeClr>
+                    </a:gs>
+                  </a:gsLst>
+                  <a:lin ang="5400000"/>
+                </a:gradFill>
+                <a:effectLst>
+                  <a:reflection blurRad="6350" stA="53000" endA="300" endPos="35500" dir="5400000" sy="-90000" algn="bl" rotWithShape="0"/>
+                </a:effectLst>
+              </a:rPr>
+              <a:t>Crawling and Ingestion</a:t>
+            </a:r>
+            <a:br>
+              <a:rPr lang="en-US" b="1">
+                <a:ln w="0"/>
+                <a:gradFill>
+                  <a:gsLst>
+                    <a:gs pos="0">
+                      <a:schemeClr val="accent5">
+                        <a:lumMod val="50000"/>
+                      </a:schemeClr>
+                    </a:gs>
+                    <a:gs pos="50000">
+                      <a:schemeClr val="accent5"/>
+                    </a:gs>
+                    <a:gs pos="100000">
+                      <a:schemeClr val="accent5">
+                        <a:lumMod val="60000"/>
+                        <a:lumOff val="40000"/>
+                      </a:schemeClr>
+                    </a:gs>
+                  </a:gsLst>
+                  <a:lin ang="5400000"/>
+                </a:gradFill>
+                <a:effectLst>
+                  <a:reflection blurRad="6350" stA="53000" endA="300" endPos="35500" dir="5400000" sy="-90000" algn="bl" rotWithShape="0"/>
+                </a:effectLst>
+              </a:rPr>
+            </a:br>
+            <a:r>
+              <a:rPr lang="en-US" sz="1600" b="1">
+                <a:ln w="0"/>
+                <a:solidFill>
+                  <a:srgbClr val="0070C0"/>
+                </a:solidFill>
+                <a:effectLst>
+                  <a:reflection blurRad="6350" stA="53000" endA="300" endPos="35500" dir="5400000" sy="-90000" algn="bl" rotWithShape="0"/>
+                </a:effectLst>
+                <a:latin typeface="+mn-lt"/>
+                <a:ea typeface="+mn-ea"/>
+                <a:cs typeface="+mn-cs"/>
+              </a:rPr>
+              <a:t>High level process flow</a:t>
+            </a:r>
+            <a:endParaRPr lang="en-AU" sz="1600" b="1">
+              <a:ln w="0"/>
+              <a:solidFill>
+                <a:srgbClr val="0070C0"/>
+              </a:solidFill>
+              <a:effectLst>
+                <a:reflection blurRad="6350" stA="53000" endA="300" endPos="35500" dir="5400000" sy="-90000" algn="bl" rotWithShape="0"/>
+              </a:effectLst>
+              <a:latin typeface="+mn-lt"/>
+              <a:ea typeface="+mn-ea"/>
+              <a:cs typeface="+mn-cs"/>
+            </a:endParaRPr>
+          </a:p>
+        </p:txBody>
+      </p:sp>
+      <p:sp>
+        <p:nvSpPr>
+          <p:cNvPr id="18" name="Hexagon 17">
+            <a:extLst>
+              <a:ext uri="{FF2B5EF4-FFF2-40B4-BE49-F238E27FC236}">
+                <a16:creationId xmlns:a16="http://schemas.microsoft.com/office/drawing/2014/main" id="{80F9147B-D575-404C-ABD6-BDF7385B24DC}"/>
+              </a:ext>
+            </a:extLst>
+          </p:cNvPr>
+          <p:cNvSpPr/>
+          <p:nvPr/>
+        </p:nvSpPr>
+        <p:spPr>
+          <a:xfrm>
+            <a:off x="2741614" y="1896152"/>
+            <a:ext cx="999796" cy="866480"/>
+          </a:xfrm>
+          <a:prstGeom prst="hexagon">
+            <a:avLst/>
+          </a:prstGeom>
+          <a:gradFill flip="none" rotWithShape="1">
+            <a:gsLst>
+              <a:gs pos="0">
+                <a:schemeClr val="accent1">
+                  <a:tint val="66000"/>
+                  <a:satMod val="160000"/>
+                </a:schemeClr>
+              </a:gs>
+              <a:gs pos="50000">
+                <a:schemeClr val="accent1">
+                  <a:tint val="44500"/>
+                  <a:satMod val="160000"/>
+                </a:schemeClr>
+              </a:gs>
+              <a:gs pos="100000">
+                <a:schemeClr val="accent1">
+                  <a:tint val="23500"/>
+                  <a:satMod val="160000"/>
+                </a:schemeClr>
+              </a:gs>
+            </a:gsLst>
+            <a:lin ang="16200000" scaled="1"/>
+            <a:tileRect/>
+          </a:gradFill>
+        </p:spPr>
+        <p:style>
+          <a:lnRef idx="2">
+            <a:schemeClr val="accent1">
+              <a:shade val="50000"/>
+            </a:schemeClr>
+          </a:lnRef>
+          <a:fillRef idx="1">
+            <a:schemeClr val="accent1"/>
+          </a:fillRef>
+          <a:effectRef idx="0">
+            <a:schemeClr val="accent1"/>
+          </a:effectRef>
+          <a:fontRef idx="minor">
+            <a:schemeClr val="lt1"/>
+          </a:fontRef>
+        </p:style>
+        <p:txBody>
+          <a:bodyPr rtlCol="0" anchor="ctr"/>
+          <a:lstStyle/>
+          <a:p>
+            <a:pPr algn="ctr"/>
+            <a:r>
+              <a:rPr lang="en-US" sz="1400" b="1">
+                <a:solidFill>
+                  <a:srgbClr val="002060"/>
+                </a:solidFill>
+              </a:rPr>
+              <a:t>Env</a:t>
+            </a:r>
+            <a:endParaRPr lang="en-AU" b="1">
+              <a:solidFill>
+                <a:srgbClr val="002060"/>
+              </a:solidFill>
+            </a:endParaRPr>
+          </a:p>
+        </p:txBody>
+      </p:sp>
+      <p:sp>
+        <p:nvSpPr>
+          <p:cNvPr id="19" name="Hexagon 18">
+            <a:extLst>
+              <a:ext uri="{FF2B5EF4-FFF2-40B4-BE49-F238E27FC236}">
+                <a16:creationId xmlns:a16="http://schemas.microsoft.com/office/drawing/2014/main" id="{D2B5E3D2-CB4B-4657-A5C9-9EBD60B19B5D}"/>
+              </a:ext>
+            </a:extLst>
+          </p:cNvPr>
+          <p:cNvSpPr/>
+          <p:nvPr/>
+        </p:nvSpPr>
+        <p:spPr>
+          <a:xfrm>
+            <a:off x="3992622" y="1896152"/>
+            <a:ext cx="999796" cy="866480"/>
+          </a:xfrm>
+          <a:prstGeom prst="hexagon">
+            <a:avLst/>
+          </a:prstGeom>
+          <a:gradFill flip="none" rotWithShape="1">
+            <a:gsLst>
+              <a:gs pos="0">
+                <a:schemeClr val="accent1">
+                  <a:tint val="66000"/>
+                  <a:satMod val="160000"/>
+                </a:schemeClr>
+              </a:gs>
+              <a:gs pos="50000">
+                <a:schemeClr val="accent1">
+                  <a:tint val="44500"/>
+                  <a:satMod val="160000"/>
+                </a:schemeClr>
+              </a:gs>
+              <a:gs pos="100000">
+                <a:schemeClr val="accent1">
+                  <a:tint val="23500"/>
+                  <a:satMod val="160000"/>
+                </a:schemeClr>
+              </a:gs>
+            </a:gsLst>
+            <a:lin ang="16200000" scaled="1"/>
+            <a:tileRect/>
+          </a:gradFill>
+        </p:spPr>
+        <p:style>
+          <a:lnRef idx="2">
+            <a:schemeClr val="accent1">
+              <a:shade val="50000"/>
+            </a:schemeClr>
+          </a:lnRef>
+          <a:fillRef idx="1">
+            <a:schemeClr val="accent1"/>
+          </a:fillRef>
+          <a:effectRef idx="0">
+            <a:schemeClr val="accent1"/>
+          </a:effectRef>
+          <a:fontRef idx="minor">
+            <a:schemeClr val="lt1"/>
+          </a:fontRef>
+        </p:style>
+        <p:txBody>
+          <a:bodyPr rtlCol="0" anchor="ctr"/>
+          <a:lstStyle/>
+          <a:p>
+            <a:pPr algn="ctr"/>
+            <a:r>
+              <a:rPr lang="en-US" sz="1400" b="1">
+                <a:solidFill>
+                  <a:srgbClr val="002060"/>
+                </a:solidFill>
+              </a:rPr>
+              <a:t>Dirs</a:t>
+            </a:r>
+            <a:endParaRPr lang="en-AU" b="1">
+              <a:solidFill>
+                <a:srgbClr val="002060"/>
+              </a:solidFill>
+            </a:endParaRPr>
+          </a:p>
+        </p:txBody>
+      </p:sp>
+      <p:sp>
+        <p:nvSpPr>
+          <p:cNvPr id="20" name="Hexagon 19">
+            <a:extLst>
+              <a:ext uri="{FF2B5EF4-FFF2-40B4-BE49-F238E27FC236}">
+                <a16:creationId xmlns:a16="http://schemas.microsoft.com/office/drawing/2014/main" id="{6CFC451D-C84C-4F40-AD88-8AC3F34FF63C}"/>
+              </a:ext>
+            </a:extLst>
+          </p:cNvPr>
+          <p:cNvSpPr/>
+          <p:nvPr/>
+        </p:nvSpPr>
+        <p:spPr>
+          <a:xfrm>
+            <a:off x="5243630" y="1896152"/>
+            <a:ext cx="999796" cy="866480"/>
+          </a:xfrm>
+          <a:prstGeom prst="hexagon">
+            <a:avLst/>
+          </a:prstGeom>
+          <a:gradFill flip="none" rotWithShape="1">
+            <a:gsLst>
+              <a:gs pos="0">
+                <a:schemeClr val="accent1">
+                  <a:tint val="66000"/>
+                  <a:satMod val="160000"/>
+                </a:schemeClr>
+              </a:gs>
+              <a:gs pos="50000">
+                <a:schemeClr val="accent1">
+                  <a:tint val="44500"/>
+                  <a:satMod val="160000"/>
+                </a:schemeClr>
+              </a:gs>
+              <a:gs pos="100000">
+                <a:schemeClr val="accent1">
+                  <a:tint val="23500"/>
+                  <a:satMod val="160000"/>
+                </a:schemeClr>
+              </a:gs>
+            </a:gsLst>
+            <a:lin ang="16200000" scaled="1"/>
+            <a:tileRect/>
+          </a:gradFill>
+        </p:spPr>
+        <p:style>
+          <a:lnRef idx="2">
+            <a:schemeClr val="accent1">
+              <a:shade val="50000"/>
+            </a:schemeClr>
+          </a:lnRef>
+          <a:fillRef idx="1">
+            <a:schemeClr val="accent1"/>
+          </a:fillRef>
+          <a:effectRef idx="0">
+            <a:schemeClr val="accent1"/>
+          </a:effectRef>
+          <a:fontRef idx="minor">
+            <a:schemeClr val="lt1"/>
+          </a:fontRef>
+        </p:style>
+        <p:txBody>
+          <a:bodyPr rtlCol="0" anchor="ctr"/>
+          <a:lstStyle/>
+          <a:p>
+            <a:pPr algn="ctr"/>
+            <a:r>
+              <a:rPr lang="en-US" sz="1400" b="1">
+                <a:solidFill>
+                  <a:srgbClr val="002060"/>
+                </a:solidFill>
+              </a:rPr>
+              <a:t>TSV</a:t>
+            </a:r>
+            <a:endParaRPr lang="en-AU" b="1">
+              <a:solidFill>
+                <a:srgbClr val="002060"/>
+              </a:solidFill>
+            </a:endParaRPr>
+          </a:p>
+        </p:txBody>
+      </p:sp>
+      <p:sp>
+        <p:nvSpPr>
+          <p:cNvPr id="21" name="Hexagon 20">
+            <a:extLst>
+              <a:ext uri="{FF2B5EF4-FFF2-40B4-BE49-F238E27FC236}">
+                <a16:creationId xmlns:a16="http://schemas.microsoft.com/office/drawing/2014/main" id="{F103AAFB-1B4A-4AAF-B839-AE62885D9943}"/>
+              </a:ext>
+            </a:extLst>
+          </p:cNvPr>
+          <p:cNvSpPr/>
+          <p:nvPr/>
+        </p:nvSpPr>
+        <p:spPr>
+          <a:xfrm>
+            <a:off x="6494638" y="1896152"/>
+            <a:ext cx="999796" cy="866480"/>
+          </a:xfrm>
+          <a:prstGeom prst="hexagon">
+            <a:avLst/>
+          </a:prstGeom>
+          <a:gradFill flip="none" rotWithShape="1">
+            <a:gsLst>
+              <a:gs pos="0">
+                <a:schemeClr val="accent1">
+                  <a:tint val="66000"/>
+                  <a:satMod val="160000"/>
+                </a:schemeClr>
+              </a:gs>
+              <a:gs pos="50000">
+                <a:schemeClr val="accent1">
+                  <a:tint val="44500"/>
+                  <a:satMod val="160000"/>
+                </a:schemeClr>
+              </a:gs>
+              <a:gs pos="100000">
+                <a:schemeClr val="accent1">
+                  <a:tint val="23500"/>
+                  <a:satMod val="160000"/>
+                </a:schemeClr>
+              </a:gs>
+            </a:gsLst>
+            <a:lin ang="16200000" scaled="1"/>
+            <a:tileRect/>
+          </a:gradFill>
+        </p:spPr>
+        <p:style>
+          <a:lnRef idx="2">
+            <a:schemeClr val="accent1">
+              <a:shade val="50000"/>
+            </a:schemeClr>
+          </a:lnRef>
+          <a:fillRef idx="1">
+            <a:schemeClr val="accent1"/>
+          </a:fillRef>
+          <a:effectRef idx="0">
+            <a:schemeClr val="accent1"/>
+          </a:effectRef>
+          <a:fontRef idx="minor">
+            <a:schemeClr val="lt1"/>
+          </a:fontRef>
+        </p:style>
+        <p:txBody>
+          <a:bodyPr rtlCol="0" anchor="ctr"/>
+          <a:lstStyle/>
+          <a:p>
+            <a:pPr algn="ctr"/>
+            <a:r>
+              <a:rPr lang="en-US" sz="900" b="1">
+                <a:solidFill>
+                  <a:srgbClr val="002060"/>
+                </a:solidFill>
+              </a:rPr>
+              <a:t>Schema</a:t>
+            </a:r>
+            <a:endParaRPr lang="en-AU" sz="1050" b="1">
+              <a:solidFill>
+                <a:srgbClr val="002060"/>
+              </a:solidFill>
+            </a:endParaRPr>
+          </a:p>
+        </p:txBody>
+      </p:sp>
+      <p:sp>
+        <p:nvSpPr>
+          <p:cNvPr id="22" name="Hexagon 21">
+            <a:extLst>
+              <a:ext uri="{FF2B5EF4-FFF2-40B4-BE49-F238E27FC236}">
+                <a16:creationId xmlns:a16="http://schemas.microsoft.com/office/drawing/2014/main" id="{E9EC3BF9-6E50-4029-936B-37A0B139D2A2}"/>
+              </a:ext>
+            </a:extLst>
+          </p:cNvPr>
+          <p:cNvSpPr/>
+          <p:nvPr/>
+        </p:nvSpPr>
+        <p:spPr>
+          <a:xfrm>
+            <a:off x="7745646" y="1896152"/>
+            <a:ext cx="999796" cy="866480"/>
+          </a:xfrm>
+          <a:prstGeom prst="hexagon">
+            <a:avLst/>
+          </a:prstGeom>
+          <a:gradFill flip="none" rotWithShape="1">
+            <a:gsLst>
+              <a:gs pos="0">
+                <a:schemeClr val="accent1">
+                  <a:tint val="66000"/>
+                  <a:satMod val="160000"/>
+                </a:schemeClr>
+              </a:gs>
+              <a:gs pos="50000">
+                <a:schemeClr val="accent1">
+                  <a:tint val="44500"/>
+                  <a:satMod val="160000"/>
+                </a:schemeClr>
+              </a:gs>
+              <a:gs pos="100000">
+                <a:schemeClr val="accent1">
+                  <a:tint val="23500"/>
+                  <a:satMod val="160000"/>
+                </a:schemeClr>
+              </a:gs>
+            </a:gsLst>
+            <a:lin ang="16200000" scaled="1"/>
+            <a:tileRect/>
+          </a:gradFill>
+        </p:spPr>
+        <p:style>
+          <a:lnRef idx="2">
+            <a:schemeClr val="accent1">
+              <a:shade val="50000"/>
+            </a:schemeClr>
+          </a:lnRef>
+          <a:fillRef idx="1">
+            <a:schemeClr val="accent1"/>
+          </a:fillRef>
+          <a:effectRef idx="0">
+            <a:schemeClr val="accent1"/>
+          </a:effectRef>
+          <a:fontRef idx="minor">
+            <a:schemeClr val="lt1"/>
+          </a:fontRef>
+        </p:style>
+        <p:txBody>
+          <a:bodyPr rtlCol="0" anchor="ctr"/>
+          <a:lstStyle/>
+          <a:p>
+            <a:pPr algn="ctr"/>
+            <a:r>
+              <a:rPr lang="en-US" sz="1100" b="1">
+                <a:solidFill>
+                  <a:srgbClr val="002060"/>
+                </a:solidFill>
+              </a:rPr>
+              <a:t>Ingest</a:t>
+            </a:r>
+            <a:endParaRPr lang="en-AU" sz="1600" b="1">
+              <a:solidFill>
+                <a:srgbClr val="002060"/>
+              </a:solidFill>
+            </a:endParaRPr>
+          </a:p>
+        </p:txBody>
+      </p:sp>
+      <p:sp>
+        <p:nvSpPr>
+          <p:cNvPr id="23" name="Hexagon 22">
+            <a:extLst>
+              <a:ext uri="{FF2B5EF4-FFF2-40B4-BE49-F238E27FC236}">
+                <a16:creationId xmlns:a16="http://schemas.microsoft.com/office/drawing/2014/main" id="{702C8CC6-ABDB-48F9-9E8D-33A7246E82A7}"/>
+              </a:ext>
+            </a:extLst>
+          </p:cNvPr>
+          <p:cNvSpPr/>
+          <p:nvPr/>
+        </p:nvSpPr>
+        <p:spPr>
+          <a:xfrm>
+            <a:off x="8996652" y="1896152"/>
+            <a:ext cx="999796" cy="866480"/>
+          </a:xfrm>
+          <a:prstGeom prst="hexagon">
+            <a:avLst/>
+          </a:prstGeom>
+          <a:gradFill flip="none" rotWithShape="1">
+            <a:gsLst>
+              <a:gs pos="0">
+                <a:schemeClr val="accent1">
+                  <a:tint val="66000"/>
+                  <a:satMod val="160000"/>
+                </a:schemeClr>
+              </a:gs>
+              <a:gs pos="50000">
+                <a:schemeClr val="accent1">
+                  <a:tint val="44500"/>
+                  <a:satMod val="160000"/>
+                </a:schemeClr>
+              </a:gs>
+              <a:gs pos="100000">
+                <a:schemeClr val="accent1">
+                  <a:tint val="23500"/>
+                  <a:satMod val="160000"/>
+                </a:schemeClr>
+              </a:gs>
+            </a:gsLst>
+            <a:lin ang="16200000" scaled="1"/>
+            <a:tileRect/>
+          </a:gradFill>
+        </p:spPr>
+        <p:style>
+          <a:lnRef idx="2">
+            <a:schemeClr val="accent1">
+              <a:shade val="50000"/>
+            </a:schemeClr>
+          </a:lnRef>
+          <a:fillRef idx="1">
+            <a:schemeClr val="accent1"/>
+          </a:fillRef>
+          <a:effectRef idx="0">
+            <a:schemeClr val="accent1"/>
+          </a:effectRef>
+          <a:fontRef idx="minor">
+            <a:schemeClr val="lt1"/>
+          </a:fontRef>
+        </p:style>
+        <p:txBody>
+          <a:bodyPr rtlCol="0" anchor="ctr"/>
+          <a:lstStyle/>
+          <a:p>
+            <a:pPr algn="ctr"/>
+            <a:r>
+              <a:rPr lang="en-US" sz="1100" b="1">
+                <a:solidFill>
+                  <a:srgbClr val="002060"/>
+                </a:solidFill>
+              </a:rPr>
+              <a:t>Refresh</a:t>
+            </a:r>
+            <a:endParaRPr lang="en-AU" sz="1400" b="1">
+              <a:solidFill>
+                <a:srgbClr val="002060"/>
+              </a:solidFill>
+            </a:endParaRPr>
+          </a:p>
+        </p:txBody>
+      </p:sp>
+      <p:grpSp>
+        <p:nvGrpSpPr>
+          <p:cNvPr id="26" name="Group 25">
+            <a:extLst>
+              <a:ext uri="{FF2B5EF4-FFF2-40B4-BE49-F238E27FC236}">
+                <a16:creationId xmlns:a16="http://schemas.microsoft.com/office/drawing/2014/main" id="{27236045-35FA-4B76-9E53-0126924D21B3}"/>
+              </a:ext>
+            </a:extLst>
+          </p:cNvPr>
+          <p:cNvGrpSpPr/>
+          <p:nvPr/>
+        </p:nvGrpSpPr>
+        <p:grpSpPr>
+          <a:xfrm>
+            <a:off x="2467756" y="3120512"/>
+            <a:ext cx="5901179" cy="2520000"/>
+            <a:chOff x="2910010" y="3105834"/>
+            <a:chExt cx="5901179" cy="2033562"/>
+          </a:xfrm>
+        </p:grpSpPr>
+        <p:sp>
+          <p:nvSpPr>
+            <p:cNvPr id="24" name="TextBox 23">
+              <a:extLst>
+                <a:ext uri="{FF2B5EF4-FFF2-40B4-BE49-F238E27FC236}">
+                  <a16:creationId xmlns:a16="http://schemas.microsoft.com/office/drawing/2014/main" id="{C8D734CB-4795-43A7-A63E-BBBCF9742029}"/>
+                </a:ext>
+              </a:extLst>
+            </p:cNvPr>
+            <p:cNvSpPr txBox="1"/>
+            <p:nvPr/>
+          </p:nvSpPr>
+          <p:spPr>
+            <a:xfrm>
+              <a:off x="2910010" y="3477403"/>
+              <a:ext cx="5901179" cy="1661993"/>
+            </a:xfrm>
+            <a:prstGeom prst="rect">
+              <a:avLst/>
+            </a:prstGeom>
+            <a:gradFill flip="none" rotWithShape="1">
+              <a:gsLst>
+                <a:gs pos="0">
+                  <a:schemeClr val="accent5">
+                    <a:lumMod val="20000"/>
+                    <a:lumOff val="80000"/>
+                    <a:shade val="30000"/>
+                    <a:satMod val="115000"/>
+                  </a:schemeClr>
+                </a:gs>
+                <a:gs pos="50000">
+                  <a:schemeClr val="accent5">
+                    <a:lumMod val="20000"/>
+                    <a:lumOff val="80000"/>
+                    <a:shade val="67500"/>
+                    <a:satMod val="115000"/>
+                  </a:schemeClr>
+                </a:gs>
+                <a:gs pos="100000">
+                  <a:schemeClr val="accent5">
+                    <a:lumMod val="20000"/>
+                    <a:lumOff val="80000"/>
+                    <a:shade val="100000"/>
+                    <a:satMod val="115000"/>
+                  </a:schemeClr>
+                </a:gs>
+              </a:gsLst>
+              <a:lin ang="5400000" scaled="1"/>
+              <a:tileRect/>
+            </a:gradFill>
+          </p:spPr>
+          <p:txBody>
+            <a:bodyPr wrap="square" rtlCol="0">
+              <a:spAutoFit/>
+            </a:bodyPr>
+            <a:lstStyle/>
+            <a:p>
+              <a:r>
+                <a:rPr lang="en-US"/>
+                <a:t>Single command to run through the crawling.</a:t>
+              </a:r>
+            </a:p>
+            <a:p>
+              <a:pPr marL="285750" indent="-285750">
+                <a:buFont typeface="Arial" panose="020B0604020202020204" pitchFamily="34" charset="0"/>
+                <a:buChar char="•"/>
+              </a:pPr>
+              <a:r>
+                <a:rPr lang="en-US" sz="1400"/>
+                <a:t>Find the data source directory.</a:t>
+              </a:r>
+            </a:p>
+            <a:p>
+              <a:pPr marL="285750" indent="-285750">
+                <a:buFont typeface="Arial" panose="020B0604020202020204" pitchFamily="34" charset="0"/>
+                <a:buChar char="•"/>
+              </a:pPr>
+              <a:r>
+                <a:rPr lang="en-US" sz="1400"/>
+                <a:t>Setup environment variables.</a:t>
+              </a:r>
+            </a:p>
+            <a:p>
+              <a:pPr marL="285750" indent="-285750">
+                <a:buFont typeface="Arial" panose="020B0604020202020204" pitchFamily="34" charset="0"/>
+                <a:buChar char="•"/>
+              </a:pPr>
+              <a:r>
+                <a:rPr lang="en-US" sz="1400"/>
+                <a:t>Create output directories.</a:t>
+              </a:r>
+            </a:p>
+            <a:p>
+              <a:pPr marL="285750" indent="-285750">
+                <a:buFont typeface="Arial" panose="020B0604020202020204" pitchFamily="34" charset="0"/>
+                <a:buChar char="•"/>
+              </a:pPr>
+              <a:r>
+                <a:rPr lang="en-US" sz="1400"/>
+                <a:t>Create a list of *.nc files.</a:t>
+              </a:r>
+            </a:p>
+            <a:p>
+              <a:pPr marL="285750" indent="-285750">
+                <a:buFont typeface="Arial" panose="020B0604020202020204" pitchFamily="34" charset="0"/>
+                <a:buChar char="•"/>
+              </a:pPr>
+              <a:r>
+                <a:rPr lang="en-US" sz="1400"/>
+                <a:t>Process the *.nc files to create a *.tsv file</a:t>
+              </a:r>
+            </a:p>
+            <a:p>
+              <a:pPr marL="285750" indent="-285750">
+                <a:buFont typeface="Arial" panose="020B0604020202020204" pitchFamily="34" charset="0"/>
+                <a:buChar char="•"/>
+              </a:pPr>
+              <a:r>
+                <a:rPr lang="en-US" sz="1400"/>
+                <a:t>Execute the ‘ingest.sh’</a:t>
+              </a:r>
+              <a:endParaRPr lang="en-AU" sz="1400"/>
+            </a:p>
+          </p:txBody>
+        </p:sp>
+        <p:sp>
+          <p:nvSpPr>
+            <p:cNvPr id="25" name="TextBox 24">
+              <a:extLst>
+                <a:ext uri="{FF2B5EF4-FFF2-40B4-BE49-F238E27FC236}">
+                  <a16:creationId xmlns:a16="http://schemas.microsoft.com/office/drawing/2014/main" id="{35729E8A-8089-409A-968F-FCC65331AA73}"/>
+                </a:ext>
+              </a:extLst>
+            </p:cNvPr>
+            <p:cNvSpPr txBox="1"/>
+            <p:nvPr/>
+          </p:nvSpPr>
+          <p:spPr>
+            <a:xfrm>
+              <a:off x="2910010" y="3105834"/>
+              <a:ext cx="5901179" cy="369332"/>
+            </a:xfrm>
+            <a:prstGeom prst="rect">
+              <a:avLst/>
+            </a:prstGeom>
+            <a:gradFill flip="none" rotWithShape="1">
+              <a:gsLst>
+                <a:gs pos="0">
+                  <a:schemeClr val="accent5">
+                    <a:lumMod val="20000"/>
+                    <a:lumOff val="80000"/>
+                    <a:shade val="30000"/>
+                    <a:satMod val="115000"/>
+                  </a:schemeClr>
+                </a:gs>
+                <a:gs pos="50000">
+                  <a:schemeClr val="accent5">
+                    <a:lumMod val="20000"/>
+                    <a:lumOff val="80000"/>
+                    <a:shade val="67500"/>
+                    <a:satMod val="115000"/>
+                  </a:schemeClr>
+                </a:gs>
+                <a:gs pos="100000">
+                  <a:schemeClr val="accent5">
+                    <a:lumMod val="20000"/>
+                    <a:lumOff val="80000"/>
+                    <a:shade val="100000"/>
+                    <a:satMod val="115000"/>
+                  </a:schemeClr>
+                </a:gs>
+              </a:gsLst>
+              <a:lin ang="16200000" scaled="1"/>
+              <a:tileRect/>
+            </a:gradFill>
+          </p:spPr>
+          <p:txBody>
+            <a:bodyPr wrap="square" rtlCol="0">
+              <a:spAutoFit/>
+            </a:bodyPr>
+            <a:lstStyle/>
+            <a:p>
+              <a:pPr algn="ctr"/>
+              <a:r>
+                <a:rPr lang="en-US" b="1"/>
+                <a:t>‘source /home/900/user/crawl.sh’</a:t>
+              </a:r>
+              <a:endParaRPr lang="en-AU" b="1"/>
+            </a:p>
+          </p:txBody>
+        </p:sp>
+      </p:grpSp>
+      <p:grpSp>
+        <p:nvGrpSpPr>
+          <p:cNvPr id="28" name="Group 27">
+            <a:extLst>
+              <a:ext uri="{FF2B5EF4-FFF2-40B4-BE49-F238E27FC236}">
+                <a16:creationId xmlns:a16="http://schemas.microsoft.com/office/drawing/2014/main" id="{99A3E4B1-F9EF-4107-A9B9-E5456B91261A}"/>
+              </a:ext>
+            </a:extLst>
+          </p:cNvPr>
+          <p:cNvGrpSpPr/>
+          <p:nvPr/>
+        </p:nvGrpSpPr>
+        <p:grpSpPr>
+          <a:xfrm>
+            <a:off x="2467756" y="3120511"/>
+            <a:ext cx="5901179" cy="2520000"/>
+            <a:chOff x="2910010" y="3105834"/>
+            <a:chExt cx="5901179" cy="1972007"/>
+          </a:xfrm>
+        </p:grpSpPr>
+        <p:sp>
+          <p:nvSpPr>
+            <p:cNvPr id="29" name="TextBox 28">
+              <a:extLst>
+                <a:ext uri="{FF2B5EF4-FFF2-40B4-BE49-F238E27FC236}">
+                  <a16:creationId xmlns:a16="http://schemas.microsoft.com/office/drawing/2014/main" id="{390BD5C1-A0F6-4271-91E0-368DEA0F611E}"/>
+                </a:ext>
+              </a:extLst>
+            </p:cNvPr>
+            <p:cNvSpPr txBox="1"/>
+            <p:nvPr/>
+          </p:nvSpPr>
+          <p:spPr>
+            <a:xfrm>
+              <a:off x="2910010" y="3477403"/>
+              <a:ext cx="5901179" cy="1600438"/>
+            </a:xfrm>
+            <a:prstGeom prst="rect">
+              <a:avLst/>
+            </a:prstGeom>
+            <a:gradFill flip="none" rotWithShape="1">
+              <a:gsLst>
+                <a:gs pos="0">
+                  <a:schemeClr val="accent5">
+                    <a:lumMod val="20000"/>
+                    <a:lumOff val="80000"/>
+                    <a:shade val="30000"/>
+                    <a:satMod val="115000"/>
+                  </a:schemeClr>
+                </a:gs>
+                <a:gs pos="50000">
+                  <a:schemeClr val="accent5">
+                    <a:lumMod val="20000"/>
+                    <a:lumOff val="80000"/>
+                    <a:shade val="67500"/>
+                    <a:satMod val="115000"/>
+                  </a:schemeClr>
+                </a:gs>
+                <a:gs pos="100000">
+                  <a:schemeClr val="accent5">
+                    <a:lumMod val="20000"/>
+                    <a:lumOff val="80000"/>
+                    <a:shade val="100000"/>
+                    <a:satMod val="115000"/>
+                  </a:schemeClr>
+                </a:gs>
+              </a:gsLst>
+              <a:lin ang="5400000" scaled="1"/>
+              <a:tileRect/>
+            </a:gradFill>
+          </p:spPr>
+          <p:txBody>
+            <a:bodyPr wrap="square" rtlCol="0">
+              <a:spAutoFit/>
+            </a:bodyPr>
+            <a:lstStyle/>
+            <a:p>
+              <a:pPr marL="285750" indent="-285750">
+                <a:buFont typeface="Arial" panose="020B0604020202020204" pitchFamily="34" charset="0"/>
+                <a:buChar char="•"/>
+              </a:pPr>
+              <a:r>
+                <a:rPr lang="en-US" sz="1400"/>
+                <a:t>$CRAWL_DIR 		Source datasets (mandatory).</a:t>
+              </a:r>
+            </a:p>
+            <a:p>
+              <a:pPr marL="285750" indent="-285750">
+                <a:buFont typeface="Arial" panose="020B0604020202020204" pitchFamily="34" charset="0"/>
+                <a:buChar char="•"/>
+              </a:pPr>
+              <a:r>
+                <a:rPr lang="en-US" sz="1400"/>
+                <a:t>$CRAWL_OUTPUT_DIR 	Destination for TSV file.</a:t>
+              </a:r>
+            </a:p>
+            <a:p>
+              <a:pPr marL="285750" indent="-285750">
+                <a:buFont typeface="Arial" panose="020B0604020202020204" pitchFamily="34" charset="0"/>
+                <a:buChar char="•"/>
+              </a:pPr>
+              <a:r>
+                <a:rPr lang="en-US" sz="1400"/>
+                <a:t>$CRAWL_FILE_LIST		List of *.nc files</a:t>
+              </a:r>
+            </a:p>
+            <a:p>
+              <a:pPr marL="285750" indent="-285750">
+                <a:buFont typeface="Arial" panose="020B0604020202020204" pitchFamily="34" charset="0"/>
+                <a:buChar char="•"/>
+              </a:pPr>
+              <a:r>
+                <a:rPr lang="en-US" sz="1400"/>
+                <a:t>$GPATH 		Base directory of the project.</a:t>
+              </a:r>
+            </a:p>
+            <a:p>
+              <a:pPr marL="285750" indent="-285750">
+                <a:buFont typeface="Arial" panose="020B0604020202020204" pitchFamily="34" charset="0"/>
+                <a:buChar char="•"/>
+              </a:pPr>
+              <a:r>
+                <a:rPr lang="en-US" sz="1400"/>
+                <a:t>$SHARD		Project name (e.g. tc43)</a:t>
+              </a:r>
+            </a:p>
+            <a:p>
+              <a:pPr marL="285750" indent="-285750">
+                <a:buFont typeface="Arial" panose="020B0604020202020204" pitchFamily="34" charset="0"/>
+                <a:buChar char="•"/>
+              </a:pPr>
+              <a:r>
+                <a:rPr lang="en-US" sz="1400"/>
+                <a:t>$PGUSER		‘postgres’ to run PSQL </a:t>
+              </a:r>
+            </a:p>
+            <a:p>
+              <a:pPr marL="285750" indent="-285750">
+                <a:buFont typeface="Arial" panose="020B0604020202020204" pitchFamily="34" charset="0"/>
+                <a:buChar char="•"/>
+              </a:pPr>
+              <a:r>
+                <a:rPr lang="en-US" sz="1400"/>
+                <a:t>$PGDATA		PostgreSQL data files location</a:t>
+              </a:r>
+            </a:p>
+          </p:txBody>
+        </p:sp>
+        <p:sp>
+          <p:nvSpPr>
+            <p:cNvPr id="30" name="TextBox 29">
+              <a:extLst>
+                <a:ext uri="{FF2B5EF4-FFF2-40B4-BE49-F238E27FC236}">
+                  <a16:creationId xmlns:a16="http://schemas.microsoft.com/office/drawing/2014/main" id="{E37CF0F0-5ED8-4C8D-9959-11C1D02A7D1D}"/>
+                </a:ext>
+              </a:extLst>
+            </p:cNvPr>
+            <p:cNvSpPr txBox="1"/>
+            <p:nvPr/>
+          </p:nvSpPr>
+          <p:spPr>
+            <a:xfrm>
+              <a:off x="2910010" y="3105834"/>
+              <a:ext cx="5901179" cy="369332"/>
+            </a:xfrm>
+            <a:prstGeom prst="rect">
+              <a:avLst/>
+            </a:prstGeom>
+            <a:gradFill flip="none" rotWithShape="1">
+              <a:gsLst>
+                <a:gs pos="0">
+                  <a:schemeClr val="accent5">
+                    <a:lumMod val="20000"/>
+                    <a:lumOff val="80000"/>
+                    <a:shade val="30000"/>
+                    <a:satMod val="115000"/>
+                  </a:schemeClr>
+                </a:gs>
+                <a:gs pos="50000">
+                  <a:schemeClr val="accent5">
+                    <a:lumMod val="20000"/>
+                    <a:lumOff val="80000"/>
+                    <a:shade val="67500"/>
+                    <a:satMod val="115000"/>
+                  </a:schemeClr>
+                </a:gs>
+                <a:gs pos="100000">
+                  <a:schemeClr val="accent5">
+                    <a:lumMod val="20000"/>
+                    <a:lumOff val="80000"/>
+                    <a:shade val="100000"/>
+                    <a:satMod val="115000"/>
+                  </a:schemeClr>
+                </a:gs>
+              </a:gsLst>
+              <a:lin ang="16200000" scaled="1"/>
+              <a:tileRect/>
+            </a:gradFill>
+          </p:spPr>
+          <p:txBody>
+            <a:bodyPr wrap="square" rtlCol="0">
+              <a:spAutoFit/>
+            </a:bodyPr>
+            <a:lstStyle/>
+            <a:p>
+              <a:pPr algn="ctr"/>
+              <a:r>
+                <a:rPr lang="en-US" b="1"/>
+                <a:t>Setup the environment variables</a:t>
+              </a:r>
+              <a:endParaRPr lang="en-AU" b="1"/>
+            </a:p>
+          </p:txBody>
+        </p:sp>
+      </p:grpSp>
+      <p:grpSp>
+        <p:nvGrpSpPr>
+          <p:cNvPr id="31" name="Group 30">
+            <a:extLst>
+              <a:ext uri="{FF2B5EF4-FFF2-40B4-BE49-F238E27FC236}">
+                <a16:creationId xmlns:a16="http://schemas.microsoft.com/office/drawing/2014/main" id="{A00EE1AF-21A9-4D87-A9D1-075137ACB468}"/>
+              </a:ext>
+            </a:extLst>
+          </p:cNvPr>
+          <p:cNvGrpSpPr/>
+          <p:nvPr/>
+        </p:nvGrpSpPr>
+        <p:grpSpPr>
+          <a:xfrm>
+            <a:off x="2467756" y="3120512"/>
+            <a:ext cx="5901179" cy="2520000"/>
+            <a:chOff x="2910010" y="3105834"/>
+            <a:chExt cx="5901179" cy="2402894"/>
+          </a:xfrm>
+        </p:grpSpPr>
+        <p:sp>
+          <p:nvSpPr>
+            <p:cNvPr id="32" name="TextBox 31">
+              <a:extLst>
+                <a:ext uri="{FF2B5EF4-FFF2-40B4-BE49-F238E27FC236}">
+                  <a16:creationId xmlns:a16="http://schemas.microsoft.com/office/drawing/2014/main" id="{86E5AD0B-6BF4-4ECF-AD8A-3EA1AAFC3E89}"/>
+                </a:ext>
+              </a:extLst>
+            </p:cNvPr>
+            <p:cNvSpPr txBox="1"/>
+            <p:nvPr/>
+          </p:nvSpPr>
+          <p:spPr>
+            <a:xfrm>
+              <a:off x="2910010" y="3477403"/>
+              <a:ext cx="5901179" cy="2031325"/>
+            </a:xfrm>
+            <a:prstGeom prst="rect">
+              <a:avLst/>
+            </a:prstGeom>
+            <a:gradFill flip="none" rotWithShape="1">
+              <a:gsLst>
+                <a:gs pos="0">
+                  <a:schemeClr val="accent5">
+                    <a:lumMod val="20000"/>
+                    <a:lumOff val="80000"/>
+                    <a:shade val="30000"/>
+                    <a:satMod val="115000"/>
+                  </a:schemeClr>
+                </a:gs>
+                <a:gs pos="50000">
+                  <a:schemeClr val="accent5">
+                    <a:lumMod val="20000"/>
+                    <a:lumOff val="80000"/>
+                    <a:shade val="67500"/>
+                    <a:satMod val="115000"/>
+                  </a:schemeClr>
+                </a:gs>
+                <a:gs pos="100000">
+                  <a:schemeClr val="accent5">
+                    <a:lumMod val="20000"/>
+                    <a:lumOff val="80000"/>
+                    <a:shade val="100000"/>
+                    <a:satMod val="115000"/>
+                  </a:schemeClr>
+                </a:gs>
+              </a:gsLst>
+              <a:lin ang="5400000" scaled="1"/>
+              <a:tileRect/>
+            </a:gradFill>
+          </p:spPr>
+          <p:txBody>
+            <a:bodyPr wrap="square" rtlCol="0">
+              <a:spAutoFit/>
+            </a:bodyPr>
+            <a:lstStyle/>
+            <a:p>
+              <a:pPr marL="285750" indent="-285750">
+                <a:buFont typeface="Arial" panose="020B0604020202020204" pitchFamily="34" charset="0"/>
+                <a:buChar char="•"/>
+              </a:pPr>
+              <a:r>
+                <a:rPr lang="en-US" sz="1400"/>
+                <a:t>$CRAWL_DIR 	</a:t>
+              </a:r>
+            </a:p>
+            <a:p>
+              <a:pPr marL="742950" lvl="1" indent="-285750">
+                <a:buFont typeface="Arial" panose="020B0604020202020204" pitchFamily="34" charset="0"/>
+                <a:buChar char="•"/>
+              </a:pPr>
+              <a:r>
+                <a:rPr lang="en-US" sz="1400"/>
+                <a:t>/g/data2/tc43/modis-fc/v310/tiles/8-day/cover</a:t>
+              </a:r>
+            </a:p>
+            <a:p>
+              <a:pPr marL="285750" indent="-285750">
+                <a:buFont typeface="Arial" panose="020B0604020202020204" pitchFamily="34" charset="0"/>
+                <a:buChar char="•"/>
+              </a:pPr>
+              <a:r>
+                <a:rPr lang="en-US" sz="1400"/>
+                <a:t>$CRAWL_OUTPUT_DIR 	</a:t>
+              </a:r>
+            </a:p>
+            <a:p>
+              <a:pPr marL="742950" lvl="1" indent="-285750">
+                <a:buFont typeface="Arial" panose="020B0604020202020204" pitchFamily="34" charset="0"/>
+                <a:buChar char="•"/>
+              </a:pPr>
+              <a:r>
+                <a:rPr lang="en-US" sz="1400"/>
+                <a:t>/home/900/user/crawl_outputs </a:t>
+              </a:r>
+            </a:p>
+            <a:p>
+              <a:pPr marL="742950" lvl="1" indent="-285750">
+                <a:buFont typeface="Arial" panose="020B0604020202020204" pitchFamily="34" charset="0"/>
+                <a:buChar char="•"/>
+              </a:pPr>
+              <a:r>
+                <a:rPr lang="en-US" sz="1400"/>
+                <a:t>/home/900/user/gsky/crawl/crawl_tsv/2018-11…40-21</a:t>
+              </a:r>
+            </a:p>
+            <a:p>
+              <a:pPr marL="285750" indent="-285750">
+                <a:buFont typeface="Arial" panose="020B0604020202020204" pitchFamily="34" charset="0"/>
+                <a:buChar char="•"/>
+              </a:pPr>
+              <a:r>
+                <a:rPr lang="en-US" sz="1400"/>
+                <a:t>$CRAWL_FILE_LIST		</a:t>
+              </a:r>
+            </a:p>
+            <a:p>
+              <a:pPr marL="742950" lvl="1" indent="-285750">
+                <a:buFont typeface="Arial" panose="020B0604020202020204" pitchFamily="34" charset="0"/>
+                <a:buChar char="•"/>
+              </a:pPr>
+              <a:r>
+                <a:rPr lang="en-US" sz="1400"/>
+                <a:t>/home/900/user/gsky/crawl/crawl_tsv/nc.filelist</a:t>
+              </a:r>
+            </a:p>
+            <a:p>
+              <a:pPr marL="285750" indent="-285750">
+                <a:buFont typeface="Arial" panose="020B0604020202020204" pitchFamily="34" charset="0"/>
+                <a:buChar char="•"/>
+              </a:pPr>
+              <a:r>
+                <a:rPr lang="en-US" sz="1400"/>
+                <a:t>$GPATH 		</a:t>
+              </a:r>
+            </a:p>
+            <a:p>
+              <a:pPr marL="742950" lvl="1" indent="-285750">
+                <a:buFont typeface="Arial" panose="020B0604020202020204" pitchFamily="34" charset="0"/>
+                <a:buChar char="•"/>
+              </a:pPr>
+              <a:r>
+                <a:rPr lang="en-US" sz="1400"/>
+                <a:t>/g/data2/tc43</a:t>
+              </a:r>
+            </a:p>
+          </p:txBody>
+        </p:sp>
+        <p:sp>
+          <p:nvSpPr>
+            <p:cNvPr id="33" name="TextBox 32">
+              <a:extLst>
+                <a:ext uri="{FF2B5EF4-FFF2-40B4-BE49-F238E27FC236}">
+                  <a16:creationId xmlns:a16="http://schemas.microsoft.com/office/drawing/2014/main" id="{B68A9A1E-3407-456F-9A17-F956E860B0D7}"/>
+                </a:ext>
+              </a:extLst>
+            </p:cNvPr>
+            <p:cNvSpPr txBox="1"/>
+            <p:nvPr/>
+          </p:nvSpPr>
+          <p:spPr>
+            <a:xfrm>
+              <a:off x="2910010" y="3105834"/>
+              <a:ext cx="5901179" cy="369332"/>
+            </a:xfrm>
+            <a:prstGeom prst="rect">
+              <a:avLst/>
+            </a:prstGeom>
+            <a:gradFill flip="none" rotWithShape="1">
+              <a:gsLst>
+                <a:gs pos="0">
+                  <a:schemeClr val="accent5">
+                    <a:lumMod val="20000"/>
+                    <a:lumOff val="80000"/>
+                    <a:shade val="30000"/>
+                    <a:satMod val="115000"/>
+                  </a:schemeClr>
+                </a:gs>
+                <a:gs pos="50000">
+                  <a:schemeClr val="accent5">
+                    <a:lumMod val="20000"/>
+                    <a:lumOff val="80000"/>
+                    <a:shade val="67500"/>
+                    <a:satMod val="115000"/>
+                  </a:schemeClr>
+                </a:gs>
+                <a:gs pos="100000">
+                  <a:schemeClr val="accent5">
+                    <a:lumMod val="20000"/>
+                    <a:lumOff val="80000"/>
+                    <a:shade val="100000"/>
+                    <a:satMod val="115000"/>
+                  </a:schemeClr>
+                </a:gs>
+              </a:gsLst>
+              <a:lin ang="16200000" scaled="1"/>
+              <a:tileRect/>
+            </a:gradFill>
+          </p:spPr>
+          <p:txBody>
+            <a:bodyPr wrap="square" rtlCol="0">
+              <a:spAutoFit/>
+            </a:bodyPr>
+            <a:lstStyle/>
+            <a:p>
+              <a:pPr algn="ctr"/>
+              <a:r>
+                <a:rPr lang="en-US" b="1"/>
+                <a:t>Directories and example values</a:t>
+              </a:r>
+              <a:endParaRPr lang="en-AU" b="1"/>
+            </a:p>
+          </p:txBody>
+        </p:sp>
+      </p:grpSp>
+      <p:grpSp>
+        <p:nvGrpSpPr>
+          <p:cNvPr id="36" name="Group 35">
+            <a:extLst>
+              <a:ext uri="{FF2B5EF4-FFF2-40B4-BE49-F238E27FC236}">
+                <a16:creationId xmlns:a16="http://schemas.microsoft.com/office/drawing/2014/main" id="{E5220DAD-1C73-4A2B-962B-DAED8EDD60C1}"/>
+              </a:ext>
+            </a:extLst>
+          </p:cNvPr>
+          <p:cNvGrpSpPr/>
+          <p:nvPr/>
+        </p:nvGrpSpPr>
+        <p:grpSpPr>
+          <a:xfrm>
+            <a:off x="2467756" y="3120512"/>
+            <a:ext cx="5901179" cy="2520000"/>
+            <a:chOff x="2910010" y="3105834"/>
+            <a:chExt cx="5901179" cy="2372117"/>
+          </a:xfrm>
+        </p:grpSpPr>
+        <p:sp>
+          <p:nvSpPr>
+            <p:cNvPr id="37" name="TextBox 36">
+              <a:extLst>
+                <a:ext uri="{FF2B5EF4-FFF2-40B4-BE49-F238E27FC236}">
+                  <a16:creationId xmlns:a16="http://schemas.microsoft.com/office/drawing/2014/main" id="{73F2F1E7-23B7-476F-B4CA-F21727138002}"/>
+                </a:ext>
+              </a:extLst>
+            </p:cNvPr>
+            <p:cNvSpPr txBox="1"/>
+            <p:nvPr/>
+          </p:nvSpPr>
+          <p:spPr>
+            <a:xfrm>
+              <a:off x="2910010" y="3477403"/>
+              <a:ext cx="5901179" cy="2000548"/>
+            </a:xfrm>
+            <a:prstGeom prst="rect">
+              <a:avLst/>
+            </a:prstGeom>
+            <a:gradFill flip="none" rotWithShape="1">
+              <a:gsLst>
+                <a:gs pos="0">
+                  <a:schemeClr val="accent5">
+                    <a:lumMod val="20000"/>
+                    <a:lumOff val="80000"/>
+                    <a:shade val="30000"/>
+                    <a:satMod val="115000"/>
+                  </a:schemeClr>
+                </a:gs>
+                <a:gs pos="50000">
+                  <a:schemeClr val="accent5">
+                    <a:lumMod val="20000"/>
+                    <a:lumOff val="80000"/>
+                    <a:shade val="67500"/>
+                    <a:satMod val="115000"/>
+                  </a:schemeClr>
+                </a:gs>
+                <a:gs pos="100000">
+                  <a:schemeClr val="accent5">
+                    <a:lumMod val="20000"/>
+                    <a:lumOff val="80000"/>
+                    <a:shade val="100000"/>
+                    <a:satMod val="115000"/>
+                  </a:schemeClr>
+                </a:gs>
+              </a:gsLst>
+              <a:lin ang="5400000" scaled="1"/>
+              <a:tileRect/>
+            </a:gradFill>
+          </p:spPr>
+          <p:txBody>
+            <a:bodyPr wrap="square" rtlCol="0">
+              <a:spAutoFit/>
+            </a:bodyPr>
+            <a:lstStyle/>
+            <a:p>
+              <a:pPr marL="285750" indent="-285750">
+                <a:buFont typeface="Arial" panose="020B0604020202020204" pitchFamily="34" charset="0"/>
+                <a:buChar char="•"/>
+              </a:pPr>
+              <a:r>
+                <a:rPr lang="en-US" sz="1400"/>
+                <a:t>One record per NC file</a:t>
+              </a:r>
+            </a:p>
+            <a:p>
+              <a:pPr marL="285750" indent="-285750">
+                <a:buFont typeface="Arial" panose="020B0604020202020204" pitchFamily="34" charset="0"/>
+                <a:buChar char="•"/>
+              </a:pPr>
+              <a:r>
+                <a:rPr lang="en-US" sz="1400"/>
+                <a:t>Saved in $CRAWL_OUTPUT_DIR 	</a:t>
+              </a:r>
+            </a:p>
+            <a:p>
+              <a:pPr marL="285750" indent="-285750">
+                <a:buFont typeface="Arial" panose="020B0604020202020204" pitchFamily="34" charset="0"/>
+                <a:buChar char="•"/>
+              </a:pPr>
+              <a:r>
+                <a:rPr lang="en-US" sz="1400"/>
+                <a:t>Filename&lt;tab&gt;Type&lt;tab&gt;JSON</a:t>
+              </a:r>
+            </a:p>
+            <a:p>
+              <a:pPr marL="742950" lvl="1" indent="-285750">
+                <a:buFont typeface="Arial" panose="020B0604020202020204" pitchFamily="34" charset="0"/>
+                <a:buChar char="•"/>
+              </a:pPr>
+              <a:r>
+                <a:rPr lang="en-US" sz="1400"/>
+                <a:t>Gzipped as filename.tsv.gz</a:t>
+              </a:r>
+            </a:p>
+            <a:p>
+              <a:pPr marL="742950" lvl="1" indent="-285750">
+                <a:buFont typeface="Arial" panose="020B0604020202020204" pitchFamily="34" charset="0"/>
+                <a:buChar char="•"/>
+              </a:pPr>
+              <a:r>
+                <a:rPr lang="en-US" sz="1200"/>
+                <a:t>/g/data2/tc43/…/FC….nc&lt;tab&gt;gdal&lt;tab&gt;{"filename":"/…}]}</a:t>
+              </a:r>
+              <a:endParaRPr lang="en-US" sz="1400"/>
+            </a:p>
+            <a:p>
+              <a:pPr marL="285750" indent="-285750">
+                <a:buFont typeface="Arial" panose="020B0604020202020204" pitchFamily="34" charset="0"/>
+                <a:buChar char="•"/>
+              </a:pPr>
+              <a:endParaRPr lang="en-US" sz="1400"/>
+            </a:p>
+            <a:p>
+              <a:pPr marL="285750" indent="-285750">
+                <a:buFont typeface="Arial" panose="020B0604020202020204" pitchFamily="34" charset="0"/>
+                <a:buChar char="•"/>
+              </a:pPr>
+              <a:endParaRPr lang="en-US" sz="1400"/>
+            </a:p>
+            <a:p>
+              <a:pPr marL="285750" indent="-285750">
+                <a:buFont typeface="Arial" panose="020B0604020202020204" pitchFamily="34" charset="0"/>
+                <a:buChar char="•"/>
+              </a:pPr>
+              <a:endParaRPr lang="en-US" sz="1400"/>
+            </a:p>
+            <a:p>
+              <a:pPr marL="285750" indent="-285750">
+                <a:buFont typeface="Arial" panose="020B0604020202020204" pitchFamily="34" charset="0"/>
+                <a:buChar char="•"/>
+              </a:pPr>
+              <a:endParaRPr lang="en-US" sz="1400"/>
+            </a:p>
+          </p:txBody>
+        </p:sp>
+        <p:sp>
+          <p:nvSpPr>
+            <p:cNvPr id="38" name="TextBox 37">
+              <a:extLst>
+                <a:ext uri="{FF2B5EF4-FFF2-40B4-BE49-F238E27FC236}">
+                  <a16:creationId xmlns:a16="http://schemas.microsoft.com/office/drawing/2014/main" id="{ACD3D807-E313-46BC-B26C-84E0AD68EEB8}"/>
+                </a:ext>
+              </a:extLst>
+            </p:cNvPr>
+            <p:cNvSpPr txBox="1"/>
+            <p:nvPr/>
+          </p:nvSpPr>
+          <p:spPr>
+            <a:xfrm>
+              <a:off x="2910010" y="3105834"/>
+              <a:ext cx="5901179" cy="369332"/>
+            </a:xfrm>
+            <a:prstGeom prst="rect">
+              <a:avLst/>
+            </a:prstGeom>
+            <a:gradFill flip="none" rotWithShape="1">
+              <a:gsLst>
+                <a:gs pos="0">
+                  <a:schemeClr val="accent5">
+                    <a:lumMod val="20000"/>
+                    <a:lumOff val="80000"/>
+                    <a:shade val="30000"/>
+                    <a:satMod val="115000"/>
+                  </a:schemeClr>
+                </a:gs>
+                <a:gs pos="50000">
+                  <a:schemeClr val="accent5">
+                    <a:lumMod val="20000"/>
+                    <a:lumOff val="80000"/>
+                    <a:shade val="67500"/>
+                    <a:satMod val="115000"/>
+                  </a:schemeClr>
+                </a:gs>
+                <a:gs pos="100000">
+                  <a:schemeClr val="accent5">
+                    <a:lumMod val="20000"/>
+                    <a:lumOff val="80000"/>
+                    <a:shade val="100000"/>
+                    <a:satMod val="115000"/>
+                  </a:schemeClr>
+                </a:gs>
+              </a:gsLst>
+              <a:lin ang="16200000" scaled="1"/>
+              <a:tileRect/>
+            </a:gradFill>
+          </p:spPr>
+          <p:txBody>
+            <a:bodyPr wrap="square" rtlCol="0">
+              <a:spAutoFit/>
+            </a:bodyPr>
+            <a:lstStyle/>
+            <a:p>
+              <a:pPr algn="ctr"/>
+              <a:r>
+                <a:rPr lang="en-US" b="1"/>
+                <a:t>TSV File</a:t>
+              </a:r>
+              <a:endParaRPr lang="en-AU" b="1"/>
+            </a:p>
+          </p:txBody>
+        </p:sp>
+      </p:grpSp>
+      <p:grpSp>
+        <p:nvGrpSpPr>
+          <p:cNvPr id="40" name="Group 39">
+            <a:extLst>
+              <a:ext uri="{FF2B5EF4-FFF2-40B4-BE49-F238E27FC236}">
+                <a16:creationId xmlns:a16="http://schemas.microsoft.com/office/drawing/2014/main" id="{43D67867-0E6A-4253-9E31-B705F2E5D2DE}"/>
+              </a:ext>
+            </a:extLst>
+          </p:cNvPr>
+          <p:cNvGrpSpPr/>
+          <p:nvPr/>
+        </p:nvGrpSpPr>
+        <p:grpSpPr>
+          <a:xfrm>
+            <a:off x="2467756" y="3120512"/>
+            <a:ext cx="5901179" cy="2520000"/>
+            <a:chOff x="2910010" y="3105834"/>
+            <a:chExt cx="5901179" cy="2187451"/>
+          </a:xfrm>
+        </p:grpSpPr>
+        <p:sp>
+          <p:nvSpPr>
+            <p:cNvPr id="41" name="TextBox 40">
+              <a:extLst>
+                <a:ext uri="{FF2B5EF4-FFF2-40B4-BE49-F238E27FC236}">
+                  <a16:creationId xmlns:a16="http://schemas.microsoft.com/office/drawing/2014/main" id="{447E6DD7-D054-4407-8CD0-2CF25DE88D0C}"/>
+                </a:ext>
+              </a:extLst>
+            </p:cNvPr>
+            <p:cNvSpPr txBox="1"/>
+            <p:nvPr/>
+          </p:nvSpPr>
+          <p:spPr>
+            <a:xfrm>
+              <a:off x="2910010" y="3477403"/>
+              <a:ext cx="5901179" cy="1815882"/>
+            </a:xfrm>
+            <a:prstGeom prst="rect">
+              <a:avLst/>
+            </a:prstGeom>
+            <a:gradFill flip="none" rotWithShape="1">
+              <a:gsLst>
+                <a:gs pos="0">
+                  <a:schemeClr val="accent5">
+                    <a:lumMod val="20000"/>
+                    <a:lumOff val="80000"/>
+                    <a:shade val="30000"/>
+                    <a:satMod val="115000"/>
+                  </a:schemeClr>
+                </a:gs>
+                <a:gs pos="50000">
+                  <a:schemeClr val="accent5">
+                    <a:lumMod val="20000"/>
+                    <a:lumOff val="80000"/>
+                    <a:shade val="67500"/>
+                    <a:satMod val="115000"/>
+                  </a:schemeClr>
+                </a:gs>
+                <a:gs pos="100000">
+                  <a:schemeClr val="accent5">
+                    <a:lumMod val="20000"/>
+                    <a:lumOff val="80000"/>
+                    <a:shade val="100000"/>
+                    <a:satMod val="115000"/>
+                  </a:schemeClr>
+                </a:gs>
+              </a:gsLst>
+              <a:lin ang="5400000" scaled="1"/>
+              <a:tileRect/>
+            </a:gradFill>
+          </p:spPr>
+          <p:txBody>
+            <a:bodyPr wrap="square" rtlCol="0">
+              <a:spAutoFit/>
+            </a:bodyPr>
+            <a:lstStyle/>
+            <a:p>
+              <a:pPr marL="285750" indent="-285750">
+                <a:buFont typeface="Arial" panose="020B0604020202020204" pitchFamily="34" charset="0"/>
+                <a:buChar char="•"/>
+              </a:pPr>
+              <a:r>
+                <a:rPr lang="en-US" sz="1400"/>
+                <a:t>Execute ‘shard.sql’ from within PSQL</a:t>
+              </a:r>
+            </a:p>
+            <a:p>
+              <a:pPr marL="285750" indent="-285750">
+                <a:buFont typeface="Arial" panose="020B0604020202020204" pitchFamily="34" charset="0"/>
+                <a:buChar char="•"/>
+              </a:pPr>
+              <a:r>
+                <a:rPr lang="en-US" sz="1400"/>
+                <a:t>Create a schema as $SHARD</a:t>
+              </a:r>
+            </a:p>
+            <a:p>
+              <a:pPr marL="285750" indent="-285750">
+                <a:buFont typeface="Arial" panose="020B0604020202020204" pitchFamily="34" charset="0"/>
+                <a:buChar char="•"/>
+              </a:pPr>
+              <a:r>
+                <a:rPr lang="en-US" sz="1400"/>
+                <a:t>Create tables and views within the schema.</a:t>
+              </a:r>
+            </a:p>
+            <a:p>
+              <a:pPr marL="285750" indent="-285750">
+                <a:buFont typeface="Arial" panose="020B0604020202020204" pitchFamily="34" charset="0"/>
+                <a:buChar char="•"/>
+              </a:pPr>
+              <a:r>
+                <a:rPr lang="en-US" sz="1400"/>
+                <a:t>Create the following functions</a:t>
+              </a:r>
+            </a:p>
+            <a:p>
+              <a:pPr marL="742950" lvl="1" indent="-285750">
+                <a:buFont typeface="Arial" panose="020B0604020202020204" pitchFamily="34" charset="0"/>
+                <a:buChar char="•"/>
+              </a:pPr>
+              <a:r>
+                <a:rPr lang="en-US" sz="1400"/>
+                <a:t>Ingest_line</a:t>
+              </a:r>
+            </a:p>
+            <a:p>
+              <a:pPr marL="742950" lvl="1" indent="-285750">
+                <a:buFont typeface="Arial" panose="020B0604020202020204" pitchFamily="34" charset="0"/>
+                <a:buChar char="•"/>
+              </a:pPr>
+              <a:r>
+                <a:rPr lang="en-US" sz="1400"/>
+                <a:t>Ingested_lines</a:t>
+              </a:r>
+            </a:p>
+            <a:p>
+              <a:pPr marL="285750" indent="-285750">
+                <a:buFont typeface="Arial" panose="020B0604020202020204" pitchFamily="34" charset="0"/>
+                <a:buChar char="•"/>
+              </a:pPr>
+              <a:r>
+                <a:rPr lang="en-US" sz="1400"/>
+                <a:t>Add the above functions as triggers to the table, ‘ingest’</a:t>
+              </a:r>
+            </a:p>
+            <a:p>
+              <a:pPr marL="285750" indent="-285750">
+                <a:buFont typeface="Arial" panose="020B0604020202020204" pitchFamily="34" charset="0"/>
+                <a:buChar char="•"/>
+              </a:pPr>
+              <a:endParaRPr lang="en-US" sz="1400"/>
+            </a:p>
+          </p:txBody>
+        </p:sp>
+        <p:sp>
+          <p:nvSpPr>
+            <p:cNvPr id="42" name="TextBox 41">
+              <a:extLst>
+                <a:ext uri="{FF2B5EF4-FFF2-40B4-BE49-F238E27FC236}">
+                  <a16:creationId xmlns:a16="http://schemas.microsoft.com/office/drawing/2014/main" id="{62687A72-1E5D-44DD-BDC1-15E31DBF0782}"/>
+                </a:ext>
+              </a:extLst>
+            </p:cNvPr>
+            <p:cNvSpPr txBox="1"/>
+            <p:nvPr/>
+          </p:nvSpPr>
+          <p:spPr>
+            <a:xfrm>
+              <a:off x="2910010" y="3105834"/>
+              <a:ext cx="5901179" cy="369332"/>
+            </a:xfrm>
+            <a:prstGeom prst="rect">
+              <a:avLst/>
+            </a:prstGeom>
+            <a:gradFill flip="none" rotWithShape="1">
+              <a:gsLst>
+                <a:gs pos="0">
+                  <a:schemeClr val="accent5">
+                    <a:lumMod val="20000"/>
+                    <a:lumOff val="80000"/>
+                    <a:shade val="30000"/>
+                    <a:satMod val="115000"/>
+                  </a:schemeClr>
+                </a:gs>
+                <a:gs pos="50000">
+                  <a:schemeClr val="accent5">
+                    <a:lumMod val="20000"/>
+                    <a:lumOff val="80000"/>
+                    <a:shade val="67500"/>
+                    <a:satMod val="115000"/>
+                  </a:schemeClr>
+                </a:gs>
+                <a:gs pos="100000">
+                  <a:schemeClr val="accent5">
+                    <a:lumMod val="20000"/>
+                    <a:lumOff val="80000"/>
+                    <a:shade val="100000"/>
+                    <a:satMod val="115000"/>
+                  </a:schemeClr>
+                </a:gs>
+              </a:gsLst>
+              <a:lin ang="16200000" scaled="1"/>
+              <a:tileRect/>
+            </a:gradFill>
+          </p:spPr>
+          <p:txBody>
+            <a:bodyPr wrap="square" rtlCol="0">
+              <a:spAutoFit/>
+            </a:bodyPr>
+            <a:lstStyle/>
+            <a:p>
+              <a:pPr algn="ctr"/>
+              <a:r>
+                <a:rPr lang="en-US" b="1"/>
+                <a:t>Database Schema</a:t>
+              </a:r>
+              <a:endParaRPr lang="en-AU" b="1"/>
+            </a:p>
+          </p:txBody>
+        </p:sp>
+      </p:grpSp>
+      <p:grpSp>
+        <p:nvGrpSpPr>
+          <p:cNvPr id="44" name="Group 43">
+            <a:extLst>
+              <a:ext uri="{FF2B5EF4-FFF2-40B4-BE49-F238E27FC236}">
+                <a16:creationId xmlns:a16="http://schemas.microsoft.com/office/drawing/2014/main" id="{93599F9C-E3A4-4BB2-AFAF-36B83B27FB89}"/>
+              </a:ext>
+            </a:extLst>
+          </p:cNvPr>
+          <p:cNvGrpSpPr/>
+          <p:nvPr/>
+        </p:nvGrpSpPr>
+        <p:grpSpPr>
+          <a:xfrm>
+            <a:off x="2467756" y="3120512"/>
+            <a:ext cx="5901179" cy="2520000"/>
+            <a:chOff x="2910010" y="3105834"/>
+            <a:chExt cx="5901179" cy="2187451"/>
+          </a:xfrm>
+        </p:grpSpPr>
+        <p:sp>
+          <p:nvSpPr>
+            <p:cNvPr id="45" name="TextBox 44">
+              <a:extLst>
+                <a:ext uri="{FF2B5EF4-FFF2-40B4-BE49-F238E27FC236}">
+                  <a16:creationId xmlns:a16="http://schemas.microsoft.com/office/drawing/2014/main" id="{F16C0A64-543E-475F-8BDD-E100D60771CF}"/>
+                </a:ext>
+              </a:extLst>
+            </p:cNvPr>
+            <p:cNvSpPr txBox="1"/>
+            <p:nvPr/>
+          </p:nvSpPr>
+          <p:spPr>
+            <a:xfrm>
+              <a:off x="2910010" y="3477403"/>
+              <a:ext cx="5901179" cy="1815882"/>
+            </a:xfrm>
+            <a:prstGeom prst="rect">
+              <a:avLst/>
+            </a:prstGeom>
+            <a:gradFill flip="none" rotWithShape="1">
+              <a:gsLst>
+                <a:gs pos="0">
+                  <a:schemeClr val="accent5">
+                    <a:lumMod val="20000"/>
+                    <a:lumOff val="80000"/>
+                    <a:shade val="30000"/>
+                    <a:satMod val="115000"/>
+                  </a:schemeClr>
+                </a:gs>
+                <a:gs pos="50000">
+                  <a:schemeClr val="accent5">
+                    <a:lumMod val="20000"/>
+                    <a:lumOff val="80000"/>
+                    <a:shade val="67500"/>
+                    <a:satMod val="115000"/>
+                  </a:schemeClr>
+                </a:gs>
+                <a:gs pos="100000">
+                  <a:schemeClr val="accent5">
+                    <a:lumMod val="20000"/>
+                    <a:lumOff val="80000"/>
+                    <a:shade val="100000"/>
+                    <a:satMod val="115000"/>
+                  </a:schemeClr>
+                </a:gs>
+              </a:gsLst>
+              <a:lin ang="5400000" scaled="1"/>
+              <a:tileRect/>
+            </a:gradFill>
+          </p:spPr>
+          <p:txBody>
+            <a:bodyPr wrap="square" rtlCol="0">
+              <a:spAutoFit/>
+            </a:bodyPr>
+            <a:lstStyle/>
+            <a:p>
+              <a:pPr marL="285750" indent="-285750">
+                <a:buFont typeface="Arial" panose="020B0604020202020204" pitchFamily="34" charset="0"/>
+                <a:buChar char="•"/>
+              </a:pPr>
+              <a:r>
+                <a:rPr lang="en-US" sz="1400"/>
+                <a:t>Unzip the TSV.gz file</a:t>
+              </a:r>
+            </a:p>
+            <a:p>
+              <a:pPr marL="285750" indent="-285750">
+                <a:buFont typeface="Arial" panose="020B0604020202020204" pitchFamily="34" charset="0"/>
+                <a:buChar char="•"/>
+              </a:pPr>
+              <a:r>
+                <a:rPr lang="en-US" sz="1400"/>
+                <a:t>Read in the file into the table, ‘ingest’, by ‘\copy’</a:t>
+              </a:r>
+            </a:p>
+            <a:p>
+              <a:pPr marL="742950" lvl="1" indent="-285750">
+                <a:buFont typeface="Arial" panose="020B0604020202020204" pitchFamily="34" charset="0"/>
+                <a:buChar char="•"/>
+              </a:pPr>
+              <a:r>
+                <a:rPr lang="en-US" sz="1400"/>
+                <a:t>Triggers process the data</a:t>
+              </a:r>
+            </a:p>
+            <a:p>
+              <a:pPr marL="742950" lvl="1" indent="-285750">
+                <a:buFont typeface="Arial" panose="020B0604020202020204" pitchFamily="34" charset="0"/>
+                <a:buChar char="•"/>
+              </a:pPr>
+              <a:r>
+                <a:rPr lang="en-US" sz="1400"/>
+                <a:t>Add specific details into two tables</a:t>
+              </a:r>
+            </a:p>
+            <a:p>
+              <a:pPr marL="1200150" lvl="2" indent="-285750">
+                <a:buFont typeface="Arial" panose="020B0604020202020204" pitchFamily="34" charset="0"/>
+                <a:buChar char="•"/>
+              </a:pPr>
+              <a:r>
+                <a:rPr lang="en-US" sz="1400"/>
+                <a:t>metadata</a:t>
+              </a:r>
+            </a:p>
+            <a:p>
+              <a:pPr marL="1200150" lvl="2" indent="-285750">
+                <a:buFont typeface="Arial" panose="020B0604020202020204" pitchFamily="34" charset="0"/>
+                <a:buChar char="•"/>
+              </a:pPr>
+              <a:r>
+                <a:rPr lang="en-US" sz="1400"/>
+                <a:t>paths	</a:t>
+              </a:r>
+            </a:p>
+            <a:p>
+              <a:pPr marL="285750" indent="-285750">
+                <a:buFont typeface="Arial" panose="020B0604020202020204" pitchFamily="34" charset="0"/>
+                <a:buChar char="•"/>
+              </a:pPr>
+              <a:endParaRPr lang="en-US" sz="1400"/>
+            </a:p>
+            <a:p>
+              <a:pPr marL="285750" indent="-285750">
+                <a:buFont typeface="Arial" panose="020B0604020202020204" pitchFamily="34" charset="0"/>
+                <a:buChar char="•"/>
+              </a:pPr>
+              <a:endParaRPr lang="en-US" sz="1400"/>
+            </a:p>
+          </p:txBody>
+        </p:sp>
+        <p:sp>
+          <p:nvSpPr>
+            <p:cNvPr id="46" name="TextBox 45">
+              <a:extLst>
+                <a:ext uri="{FF2B5EF4-FFF2-40B4-BE49-F238E27FC236}">
+                  <a16:creationId xmlns:a16="http://schemas.microsoft.com/office/drawing/2014/main" id="{3501F42D-EE64-4B43-964A-543CC7E24DC9}"/>
+                </a:ext>
+              </a:extLst>
+            </p:cNvPr>
+            <p:cNvSpPr txBox="1"/>
+            <p:nvPr/>
+          </p:nvSpPr>
+          <p:spPr>
+            <a:xfrm>
+              <a:off x="2910010" y="3105834"/>
+              <a:ext cx="5901179" cy="369332"/>
+            </a:xfrm>
+            <a:prstGeom prst="rect">
+              <a:avLst/>
+            </a:prstGeom>
+            <a:gradFill flip="none" rotWithShape="1">
+              <a:gsLst>
+                <a:gs pos="0">
+                  <a:schemeClr val="accent5">
+                    <a:lumMod val="20000"/>
+                    <a:lumOff val="80000"/>
+                    <a:shade val="30000"/>
+                    <a:satMod val="115000"/>
+                  </a:schemeClr>
+                </a:gs>
+                <a:gs pos="50000">
+                  <a:schemeClr val="accent5">
+                    <a:lumMod val="20000"/>
+                    <a:lumOff val="80000"/>
+                    <a:shade val="67500"/>
+                    <a:satMod val="115000"/>
+                  </a:schemeClr>
+                </a:gs>
+                <a:gs pos="100000">
+                  <a:schemeClr val="accent5">
+                    <a:lumMod val="20000"/>
+                    <a:lumOff val="80000"/>
+                    <a:shade val="100000"/>
+                    <a:satMod val="115000"/>
+                  </a:schemeClr>
+                </a:gs>
+              </a:gsLst>
+              <a:lin ang="16200000" scaled="1"/>
+              <a:tileRect/>
+            </a:gradFill>
+          </p:spPr>
+          <p:txBody>
+            <a:bodyPr wrap="square" rtlCol="0">
+              <a:spAutoFit/>
+            </a:bodyPr>
+            <a:lstStyle/>
+            <a:p>
+              <a:pPr algn="ctr"/>
+              <a:r>
+                <a:rPr lang="en-US" b="1"/>
+                <a:t>Ingest</a:t>
+              </a:r>
+              <a:endParaRPr lang="en-AU" b="1"/>
+            </a:p>
+          </p:txBody>
+        </p:sp>
+      </p:grpSp>
+      <p:grpSp>
+        <p:nvGrpSpPr>
+          <p:cNvPr id="49" name="Group 48">
+            <a:extLst>
+              <a:ext uri="{FF2B5EF4-FFF2-40B4-BE49-F238E27FC236}">
+                <a16:creationId xmlns:a16="http://schemas.microsoft.com/office/drawing/2014/main" id="{6D619DC5-D501-40BD-B013-0E4588480E47}"/>
+              </a:ext>
+            </a:extLst>
+          </p:cNvPr>
+          <p:cNvGrpSpPr/>
+          <p:nvPr/>
+        </p:nvGrpSpPr>
+        <p:grpSpPr>
+          <a:xfrm>
+            <a:off x="2467756" y="3120512"/>
+            <a:ext cx="5901179" cy="2520000"/>
+            <a:chOff x="2910010" y="3105834"/>
+            <a:chExt cx="5901179" cy="2402894"/>
+          </a:xfrm>
+        </p:grpSpPr>
+        <p:sp>
+          <p:nvSpPr>
+            <p:cNvPr id="50" name="TextBox 49">
+              <a:extLst>
+                <a:ext uri="{FF2B5EF4-FFF2-40B4-BE49-F238E27FC236}">
+                  <a16:creationId xmlns:a16="http://schemas.microsoft.com/office/drawing/2014/main" id="{90ECD08E-0B3D-4F6B-B6CC-2FF9B88EC617}"/>
+                </a:ext>
+              </a:extLst>
+            </p:cNvPr>
+            <p:cNvSpPr txBox="1"/>
+            <p:nvPr/>
+          </p:nvSpPr>
+          <p:spPr>
+            <a:xfrm>
+              <a:off x="2910010" y="3477403"/>
+              <a:ext cx="5901179" cy="2031325"/>
+            </a:xfrm>
+            <a:prstGeom prst="rect">
+              <a:avLst/>
+            </a:prstGeom>
+            <a:gradFill flip="none" rotWithShape="1">
+              <a:gsLst>
+                <a:gs pos="0">
+                  <a:schemeClr val="accent5">
+                    <a:lumMod val="20000"/>
+                    <a:lumOff val="80000"/>
+                    <a:shade val="30000"/>
+                    <a:satMod val="115000"/>
+                  </a:schemeClr>
+                </a:gs>
+                <a:gs pos="50000">
+                  <a:schemeClr val="accent5">
+                    <a:lumMod val="20000"/>
+                    <a:lumOff val="80000"/>
+                    <a:shade val="67500"/>
+                    <a:satMod val="115000"/>
+                  </a:schemeClr>
+                </a:gs>
+                <a:gs pos="100000">
+                  <a:schemeClr val="accent5">
+                    <a:lumMod val="20000"/>
+                    <a:lumOff val="80000"/>
+                    <a:shade val="100000"/>
+                    <a:satMod val="115000"/>
+                  </a:schemeClr>
+                </a:gs>
+              </a:gsLst>
+              <a:lin ang="5400000" scaled="1"/>
+              <a:tileRect/>
+            </a:gradFill>
+          </p:spPr>
+          <p:txBody>
+            <a:bodyPr wrap="square" rtlCol="0">
+              <a:spAutoFit/>
+            </a:bodyPr>
+            <a:lstStyle/>
+            <a:p>
+              <a:pPr marL="285750" indent="-285750">
+                <a:buFont typeface="Arial" panose="020B0604020202020204" pitchFamily="34" charset="0"/>
+                <a:buChar char="•"/>
+              </a:pPr>
+              <a:r>
+                <a:rPr lang="en-US" sz="1400"/>
+                <a:t>Add specific data into various views</a:t>
+              </a:r>
+            </a:p>
+            <a:p>
+              <a:pPr marL="742950" lvl="1" indent="-285750">
+                <a:buFont typeface="Arial" panose="020B0604020202020204" pitchFamily="34" charset="0"/>
+                <a:buChar char="•"/>
+              </a:pPr>
+              <a:r>
+                <a:rPr lang="en-US" sz="1400"/>
+                <a:t>Files</a:t>
+              </a:r>
+            </a:p>
+            <a:p>
+              <a:pPr marL="742950" lvl="1" indent="-285750">
+                <a:buFont typeface="Arial" panose="020B0604020202020204" pitchFamily="34" charset="0"/>
+                <a:buChar char="•"/>
+              </a:pPr>
+              <a:r>
+                <a:rPr lang="en-US" sz="1400"/>
+                <a:t>Links</a:t>
+              </a:r>
+            </a:p>
+            <a:p>
+              <a:pPr marL="742950" lvl="1" indent="-285750">
+                <a:buFont typeface="Arial" panose="020B0604020202020204" pitchFamily="34" charset="0"/>
+                <a:buChar char="•"/>
+              </a:pPr>
+              <a:r>
+                <a:rPr lang="en-US" sz="1400"/>
+                <a:t>Tallies</a:t>
+              </a:r>
+            </a:p>
+            <a:p>
+              <a:pPr marL="742950" lvl="1" indent="-285750">
+                <a:buFont typeface="Arial" panose="020B0604020202020204" pitchFamily="34" charset="0"/>
+                <a:buChar char="•"/>
+              </a:pPr>
+              <a:r>
+                <a:rPr lang="en-AU" sz="1400"/>
+                <a:t>Nci_spatial_ref_sys</a:t>
+              </a:r>
+            </a:p>
+            <a:p>
+              <a:pPr marL="742950" lvl="1" indent="-285750">
+                <a:buFont typeface="Arial" panose="020B0604020202020204" pitchFamily="34" charset="0"/>
+                <a:buChar char="•"/>
+              </a:pPr>
+              <a:r>
+                <a:rPr lang="en-AU" sz="1400"/>
+                <a:t>Spatial_ref_sys</a:t>
+              </a:r>
+            </a:p>
+            <a:p>
+              <a:pPr marL="742950" lvl="1" indent="-285750">
+                <a:buFont typeface="Arial" panose="020B0604020202020204" pitchFamily="34" charset="0"/>
+                <a:buChar char="•"/>
+              </a:pPr>
+              <a:r>
+                <a:rPr lang="en-AU" sz="1400"/>
+                <a:t>Polygons</a:t>
+              </a:r>
+            </a:p>
+            <a:p>
+              <a:pPr marL="742950" lvl="1" indent="-285750">
+                <a:buFont typeface="Arial" panose="020B0604020202020204" pitchFamily="34" charset="0"/>
+                <a:buChar char="•"/>
+              </a:pPr>
+              <a:endParaRPr lang="en-US" sz="1400"/>
+            </a:p>
+            <a:p>
+              <a:pPr marL="742950" lvl="1" indent="-285750">
+                <a:buFont typeface="Arial" panose="020B0604020202020204" pitchFamily="34" charset="0"/>
+                <a:buChar char="•"/>
+              </a:pPr>
+              <a:endParaRPr lang="en-US" sz="1400"/>
+            </a:p>
+          </p:txBody>
+        </p:sp>
+        <p:sp>
+          <p:nvSpPr>
+            <p:cNvPr id="51" name="TextBox 50">
+              <a:extLst>
+                <a:ext uri="{FF2B5EF4-FFF2-40B4-BE49-F238E27FC236}">
+                  <a16:creationId xmlns:a16="http://schemas.microsoft.com/office/drawing/2014/main" id="{740158EB-EB47-473D-B678-01D58AEDA825}"/>
+                </a:ext>
+              </a:extLst>
+            </p:cNvPr>
+            <p:cNvSpPr txBox="1"/>
+            <p:nvPr/>
+          </p:nvSpPr>
+          <p:spPr>
+            <a:xfrm>
+              <a:off x="2910010" y="3105834"/>
+              <a:ext cx="5901179" cy="369332"/>
+            </a:xfrm>
+            <a:prstGeom prst="rect">
+              <a:avLst/>
+            </a:prstGeom>
+            <a:gradFill flip="none" rotWithShape="1">
+              <a:gsLst>
+                <a:gs pos="0">
+                  <a:schemeClr val="accent5">
+                    <a:lumMod val="20000"/>
+                    <a:lumOff val="80000"/>
+                    <a:shade val="30000"/>
+                    <a:satMod val="115000"/>
+                  </a:schemeClr>
+                </a:gs>
+                <a:gs pos="50000">
+                  <a:schemeClr val="accent5">
+                    <a:lumMod val="20000"/>
+                    <a:lumOff val="80000"/>
+                    <a:shade val="67500"/>
+                    <a:satMod val="115000"/>
+                  </a:schemeClr>
+                </a:gs>
+                <a:gs pos="100000">
+                  <a:schemeClr val="accent5">
+                    <a:lumMod val="20000"/>
+                    <a:lumOff val="80000"/>
+                    <a:shade val="100000"/>
+                    <a:satMod val="115000"/>
+                  </a:schemeClr>
+                </a:gs>
+              </a:gsLst>
+              <a:lin ang="16200000" scaled="1"/>
+              <a:tileRect/>
+            </a:gradFill>
+          </p:spPr>
+          <p:txBody>
+            <a:bodyPr wrap="square" rtlCol="0">
+              <a:spAutoFit/>
+            </a:bodyPr>
+            <a:lstStyle/>
+            <a:p>
+              <a:pPr algn="ctr"/>
+              <a:r>
+                <a:rPr lang="en-US" b="1"/>
+                <a:t>Refresh</a:t>
+              </a:r>
+              <a:endParaRPr lang="en-AU" b="1"/>
+            </a:p>
+          </p:txBody>
+        </p:sp>
+      </p:grpSp>
+      <p:grpSp>
+        <p:nvGrpSpPr>
+          <p:cNvPr id="59" name="Group 58">
+            <a:extLst>
+              <a:ext uri="{FF2B5EF4-FFF2-40B4-BE49-F238E27FC236}">
+                <a16:creationId xmlns:a16="http://schemas.microsoft.com/office/drawing/2014/main" id="{C4B5625C-8ECF-480B-8897-68D3ACED64FE}"/>
+              </a:ext>
+            </a:extLst>
+          </p:cNvPr>
+          <p:cNvGrpSpPr/>
+          <p:nvPr/>
+        </p:nvGrpSpPr>
+        <p:grpSpPr>
+          <a:xfrm>
+            <a:off x="2467756" y="3120512"/>
+            <a:ext cx="5901179" cy="2520000"/>
+            <a:chOff x="2910010" y="3105834"/>
+            <a:chExt cx="5901179" cy="2402894"/>
+          </a:xfrm>
+        </p:grpSpPr>
+        <p:sp>
+          <p:nvSpPr>
+            <p:cNvPr id="60" name="TextBox 59">
+              <a:extLst>
+                <a:ext uri="{FF2B5EF4-FFF2-40B4-BE49-F238E27FC236}">
+                  <a16:creationId xmlns:a16="http://schemas.microsoft.com/office/drawing/2014/main" id="{08D297E9-4E9C-408C-9F74-B2D5C10F000A}"/>
+                </a:ext>
+              </a:extLst>
+            </p:cNvPr>
+            <p:cNvSpPr txBox="1"/>
+            <p:nvPr/>
+          </p:nvSpPr>
+          <p:spPr>
+            <a:xfrm>
+              <a:off x="2910010" y="3477403"/>
+              <a:ext cx="5901179" cy="2031325"/>
+            </a:xfrm>
+            <a:prstGeom prst="rect">
+              <a:avLst/>
+            </a:prstGeom>
+            <a:gradFill flip="none" rotWithShape="1">
+              <a:gsLst>
+                <a:gs pos="0">
+                  <a:schemeClr val="accent5">
+                    <a:lumMod val="20000"/>
+                    <a:lumOff val="80000"/>
+                    <a:shade val="30000"/>
+                    <a:satMod val="115000"/>
+                  </a:schemeClr>
+                </a:gs>
+                <a:gs pos="50000">
+                  <a:schemeClr val="accent5">
+                    <a:lumMod val="20000"/>
+                    <a:lumOff val="80000"/>
+                    <a:shade val="67500"/>
+                    <a:satMod val="115000"/>
+                  </a:schemeClr>
+                </a:gs>
+                <a:gs pos="100000">
+                  <a:schemeClr val="accent5">
+                    <a:lumMod val="20000"/>
+                    <a:lumOff val="80000"/>
+                    <a:shade val="100000"/>
+                    <a:satMod val="115000"/>
+                  </a:schemeClr>
+                </a:gs>
+              </a:gsLst>
+              <a:lin ang="5400000" scaled="1"/>
+              <a:tileRect/>
+            </a:gradFill>
+          </p:spPr>
+          <p:txBody>
+            <a:bodyPr wrap="square" rtlCol="0">
+              <a:spAutoFit/>
+            </a:bodyPr>
+            <a:lstStyle/>
+            <a:p>
+              <a:endParaRPr lang="en-US" sz="1400"/>
+            </a:p>
+            <a:p>
+              <a:endParaRPr lang="en-US" sz="1400"/>
+            </a:p>
+            <a:p>
+              <a:pPr algn="ctr"/>
+              <a:r>
+                <a:rPr lang="en-US" sz="1400"/>
+                <a:t>Crawling and ingesting will be animated in the next slides.</a:t>
+              </a:r>
+            </a:p>
+            <a:p>
+              <a:pPr lvl="1"/>
+              <a:endParaRPr lang="en-US" sz="1400"/>
+            </a:p>
+            <a:p>
+              <a:pPr lvl="1"/>
+              <a:endParaRPr lang="en-US" sz="1400"/>
+            </a:p>
+            <a:p>
+              <a:pPr lvl="1"/>
+              <a:endParaRPr lang="en-US" sz="1400"/>
+            </a:p>
+            <a:p>
+              <a:pPr lvl="1"/>
+              <a:endParaRPr lang="en-US" sz="1400"/>
+            </a:p>
+            <a:p>
+              <a:pPr lvl="1"/>
+              <a:endParaRPr lang="en-US" sz="1400"/>
+            </a:p>
+            <a:p>
+              <a:pPr marL="742950" lvl="1" indent="-285750">
+                <a:buFont typeface="Arial" panose="020B0604020202020204" pitchFamily="34" charset="0"/>
+                <a:buChar char="•"/>
+              </a:pPr>
+              <a:endParaRPr lang="en-US" sz="1400"/>
+            </a:p>
+          </p:txBody>
+        </p:sp>
+        <p:sp>
+          <p:nvSpPr>
+            <p:cNvPr id="61" name="TextBox 60">
+              <a:extLst>
+                <a:ext uri="{FF2B5EF4-FFF2-40B4-BE49-F238E27FC236}">
+                  <a16:creationId xmlns:a16="http://schemas.microsoft.com/office/drawing/2014/main" id="{D936DF68-B509-4947-9EB0-8957ED3BEA4F}"/>
+                </a:ext>
+              </a:extLst>
+            </p:cNvPr>
+            <p:cNvSpPr txBox="1"/>
+            <p:nvPr/>
+          </p:nvSpPr>
+          <p:spPr>
+            <a:xfrm>
+              <a:off x="2910010" y="3105834"/>
+              <a:ext cx="5901179" cy="369332"/>
+            </a:xfrm>
+            <a:prstGeom prst="rect">
+              <a:avLst/>
+            </a:prstGeom>
+            <a:gradFill flip="none" rotWithShape="1">
+              <a:gsLst>
+                <a:gs pos="0">
+                  <a:schemeClr val="accent5">
+                    <a:lumMod val="20000"/>
+                    <a:lumOff val="80000"/>
+                    <a:shade val="30000"/>
+                    <a:satMod val="115000"/>
+                  </a:schemeClr>
+                </a:gs>
+                <a:gs pos="50000">
+                  <a:schemeClr val="accent5">
+                    <a:lumMod val="20000"/>
+                    <a:lumOff val="80000"/>
+                    <a:shade val="67500"/>
+                    <a:satMod val="115000"/>
+                  </a:schemeClr>
+                </a:gs>
+                <a:gs pos="100000">
+                  <a:schemeClr val="accent5">
+                    <a:lumMod val="20000"/>
+                    <a:lumOff val="80000"/>
+                    <a:shade val="100000"/>
+                    <a:satMod val="115000"/>
+                  </a:schemeClr>
+                </a:gs>
+              </a:gsLst>
+              <a:lin ang="16200000" scaled="1"/>
+              <a:tileRect/>
+            </a:gradFill>
+          </p:spPr>
+          <p:txBody>
+            <a:bodyPr wrap="square" rtlCol="0">
+              <a:spAutoFit/>
+            </a:bodyPr>
+            <a:lstStyle/>
+            <a:p>
+              <a:pPr algn="ctr"/>
+              <a:r>
+                <a:rPr lang="en-US" b="1"/>
+                <a:t>Next Slide: Crawling</a:t>
+              </a:r>
+              <a:endParaRPr lang="en-AU" b="1"/>
+            </a:p>
+          </p:txBody>
+        </p:sp>
+      </p:grpSp>
+      <p:sp>
+        <p:nvSpPr>
+          <p:cNvPr id="62" name="TextBox 61">
+            <a:extLst>
+              <a:ext uri="{FF2B5EF4-FFF2-40B4-BE49-F238E27FC236}">
+                <a16:creationId xmlns:a16="http://schemas.microsoft.com/office/drawing/2014/main" id="{75916C0F-9FE9-4DA6-9C95-559F881F066F}"/>
+              </a:ext>
+            </a:extLst>
+          </p:cNvPr>
+          <p:cNvSpPr txBox="1"/>
+          <p:nvPr/>
+        </p:nvSpPr>
+        <p:spPr>
+          <a:xfrm>
+            <a:off x="11161338" y="141402"/>
+            <a:ext cx="848413" cy="246221"/>
+          </a:xfrm>
+          <a:prstGeom prst="rect">
+            <a:avLst/>
+          </a:prstGeom>
+          <a:noFill/>
+        </p:spPr>
+        <p:txBody>
+          <a:bodyPr wrap="square" rtlCol="0">
+            <a:spAutoFit/>
+          </a:bodyPr>
+          <a:lstStyle/>
+          <a:p>
+            <a:r>
+              <a:rPr lang="en-US" sz="1000"/>
+              <a:t>Slide 2 of 7</a:t>
+            </a:r>
+            <a:endParaRPr lang="en-AU" sz="1000"/>
+          </a:p>
+        </p:txBody>
+      </p:sp>
+    </p:spTree>
+    <p:custDataLst>
+      <p:tags r:id="rId1"/>
+    </p:custDataLst>
+    <p:extLst>
+      <p:ext uri="{BB962C8B-B14F-4D97-AF65-F5344CB8AC3E}">
+        <p14:creationId xmlns:p14="http://schemas.microsoft.com/office/powerpoint/2010/main" val="1313922127"/>
+      </p:ext>
+    </p:extLst>
+  </p:cSld>
+  <p:clrMapOvr>
+    <a:masterClrMapping/>
+  </p:clrMapOvr>
+  <mc:AlternateContent xmlns:mc="http://schemas.openxmlformats.org/markup-compatibility/2006">
+    <mc:Choice xmlns:p159="http://schemas.microsoft.com/office/powerpoint/2015/09/main" Requires="p159">
+      <p:transition xmlns:p14="http://schemas.microsoft.com/office/powerpoint/2010/main" spd="slow" p14:dur="2000" advTm="81291">
+        <p159:morph option="byObject"/>
+      </p:transition>
+    </mc:Choice>
+    <mc:Fallback>
+      <p:transition spd="slow" advTm="81291">
+        <p:fade/>
+      </p:transition>
+    </mc:Fallback>
+  </mc:AlternateContent>
+  <p:timing>
+    <p:tnLst>
+      <p:par>
+        <p:cTn id="1" dur="indefinite" restart="never" nodeType="tmRoot">
+          <p:childTnLst>
+            <p:seq concurrent="1" nextAc="seek">
+              <p:cTn id="2" dur="indefinite" nodeType="mainSeq">
+                <p:childTnLst>
+                  <p:par>
+                    <p:cTn id="3" fill="hold">
+                      <p:stCondLst>
+                        <p:cond delay="indefinite"/>
+                      </p:stCondLst>
+                      <p:childTnLst>
+                        <p:par>
+                          <p:cTn id="4" fill="hold">
+                            <p:stCondLst>
+                              <p:cond delay="0"/>
+                            </p:stCondLst>
+                            <p:childTnLst>
+                              <p:par>
+                                <p:cTn id="5" presetID="42" presetClass="entr" presetSubtype="0" fill="hold" nodeType="clickEffect">
+                                  <p:stCondLst>
+                                    <p:cond delay="0"/>
+                                  </p:stCondLst>
+                                  <p:childTnLst>
+                                    <p:set>
+                                      <p:cBhvr>
+                                        <p:cTn id="6" dur="1" fill="hold">
+                                          <p:stCondLst>
+                                            <p:cond delay="0"/>
+                                          </p:stCondLst>
+                                        </p:cTn>
+                                        <p:tgtEl>
+                                          <p:spTgt spid="26"/>
+                                        </p:tgtEl>
+                                        <p:attrNameLst>
+                                          <p:attrName>style.visibility</p:attrName>
+                                        </p:attrNameLst>
+                                      </p:cBhvr>
+                                      <p:to>
+                                        <p:strVal val="visible"/>
+                                      </p:to>
+                                    </p:set>
+                                    <p:animEffect transition="in" filter="fade">
+                                      <p:cBhvr>
+                                        <p:cTn id="7" dur="1000"/>
+                                        <p:tgtEl>
+                                          <p:spTgt spid="26"/>
+                                        </p:tgtEl>
+                                      </p:cBhvr>
+                                    </p:animEffect>
+                                    <p:anim calcmode="lin" valueType="num">
+                                      <p:cBhvr>
+                                        <p:cTn id="8" dur="1000" fill="hold"/>
+                                        <p:tgtEl>
+                                          <p:spTgt spid="26"/>
+                                        </p:tgtEl>
+                                        <p:attrNameLst>
+                                          <p:attrName>ppt_x</p:attrName>
+                                        </p:attrNameLst>
+                                      </p:cBhvr>
+                                      <p:tavLst>
+                                        <p:tav tm="0">
+                                          <p:val>
+                                            <p:strVal val="#ppt_x"/>
+                                          </p:val>
+                                        </p:tav>
+                                        <p:tav tm="100000">
+                                          <p:val>
+                                            <p:strVal val="#ppt_x"/>
+                                          </p:val>
+                                        </p:tav>
+                                      </p:tavLst>
+                                    </p:anim>
+                                    <p:anim calcmode="lin" valueType="num">
+                                      <p:cBhvr>
+                                        <p:cTn id="9" dur="1000" fill="hold"/>
+                                        <p:tgtEl>
+                                          <p:spTgt spid="26"/>
+                                        </p:tgtEl>
+                                        <p:attrNameLst>
+                                          <p:attrName>ppt_y</p:attrName>
+                                        </p:attrNameLst>
+                                      </p:cBhvr>
+                                      <p:tavLst>
+                                        <p:tav tm="0">
+                                          <p:val>
+                                            <p:strVal val="#ppt_y+.1"/>
+                                          </p:val>
+                                        </p:tav>
+                                        <p:tav tm="100000">
+                                          <p:val>
+                                            <p:strVal val="#ppt_y"/>
+                                          </p:val>
+                                        </p:tav>
+                                      </p:tavLst>
+                                    </p:anim>
+                                  </p:childTnLst>
+                                </p:cTn>
+                              </p:par>
+                            </p:childTnLst>
+                          </p:cTn>
+                        </p:par>
+                      </p:childTnLst>
+                    </p:cTn>
+                  </p:par>
+                  <p:par>
+                    <p:cTn id="10" fill="hold">
+                      <p:stCondLst>
+                        <p:cond delay="indefinite"/>
+                      </p:stCondLst>
+                      <p:childTnLst>
+                        <p:par>
+                          <p:cTn id="11" fill="hold">
+                            <p:stCondLst>
+                              <p:cond delay="0"/>
+                            </p:stCondLst>
+                            <p:childTnLst>
+                              <p:par>
+                                <p:cTn id="12" presetID="42" presetClass="path" presetSubtype="0" accel="50000" decel="50000" fill="hold" grpId="0" nodeType="clickEffect">
+                                  <p:stCondLst>
+                                    <p:cond delay="0"/>
+                                  </p:stCondLst>
+                                  <p:childTnLst>
+                                    <p:animMotion origin="layout" path="M 1.66667E-6 -7.40741E-7 L 0.1013 0.00023 " pathEditMode="relative" rAng="0" ptsTypes="AA">
+                                      <p:cBhvr>
+                                        <p:cTn id="13" dur="2000" fill="hold"/>
+                                        <p:tgtEl>
+                                          <p:spTgt spid="27"/>
+                                        </p:tgtEl>
+                                        <p:attrNameLst>
+                                          <p:attrName>ppt_x</p:attrName>
+                                          <p:attrName>ppt_y</p:attrName>
+                                        </p:attrNameLst>
+                                      </p:cBhvr>
+                                      <p:rCtr x="5065" y="0"/>
+                                    </p:animMotion>
+                                  </p:childTnLst>
+                                </p:cTn>
+                              </p:par>
+                            </p:childTnLst>
+                          </p:cTn>
+                        </p:par>
+                      </p:childTnLst>
+                    </p:cTn>
+                  </p:par>
+                  <p:par>
+                    <p:cTn id="14" fill="hold">
+                      <p:stCondLst>
+                        <p:cond delay="indefinite"/>
+                      </p:stCondLst>
+                      <p:childTnLst>
+                        <p:par>
+                          <p:cTn id="15" fill="hold">
+                            <p:stCondLst>
+                              <p:cond delay="0"/>
+                            </p:stCondLst>
+                            <p:childTnLst>
+                              <p:par>
+                                <p:cTn id="16" presetID="10" presetClass="entr" presetSubtype="0" fill="hold" grpId="0" nodeType="clickEffect">
+                                  <p:stCondLst>
+                                    <p:cond delay="0"/>
+                                  </p:stCondLst>
+                                  <p:childTnLst>
+                                    <p:set>
+                                      <p:cBhvr>
+                                        <p:cTn id="17" dur="1" fill="hold">
+                                          <p:stCondLst>
+                                            <p:cond delay="0"/>
+                                          </p:stCondLst>
+                                        </p:cTn>
+                                        <p:tgtEl>
+                                          <p:spTgt spid="18"/>
+                                        </p:tgtEl>
+                                        <p:attrNameLst>
+                                          <p:attrName>style.visibility</p:attrName>
+                                        </p:attrNameLst>
+                                      </p:cBhvr>
+                                      <p:to>
+                                        <p:strVal val="visible"/>
+                                      </p:to>
+                                    </p:set>
+                                    <p:animEffect transition="in" filter="fade">
+                                      <p:cBhvr>
+                                        <p:cTn id="18" dur="500"/>
+                                        <p:tgtEl>
+                                          <p:spTgt spid="18"/>
+                                        </p:tgtEl>
+                                      </p:cBhvr>
+                                    </p:animEffect>
+                                  </p:childTnLst>
+                                </p:cTn>
+                              </p:par>
+                            </p:childTnLst>
+                          </p:cTn>
+                        </p:par>
+                      </p:childTnLst>
+                    </p:cTn>
+                  </p:par>
+                  <p:par>
+                    <p:cTn id="19" fill="hold">
+                      <p:stCondLst>
+                        <p:cond delay="indefinite"/>
+                      </p:stCondLst>
+                      <p:childTnLst>
+                        <p:par>
+                          <p:cTn id="20" fill="hold">
+                            <p:stCondLst>
+                              <p:cond delay="0"/>
+                            </p:stCondLst>
+                            <p:childTnLst>
+                              <p:par>
+                                <p:cTn id="21" presetID="42" presetClass="entr" presetSubtype="0" fill="hold" nodeType="clickEffect">
+                                  <p:stCondLst>
+                                    <p:cond delay="0"/>
+                                  </p:stCondLst>
+                                  <p:childTnLst>
+                                    <p:set>
+                                      <p:cBhvr>
+                                        <p:cTn id="22" dur="1" fill="hold">
+                                          <p:stCondLst>
+                                            <p:cond delay="0"/>
+                                          </p:stCondLst>
+                                        </p:cTn>
+                                        <p:tgtEl>
+                                          <p:spTgt spid="28"/>
+                                        </p:tgtEl>
+                                        <p:attrNameLst>
+                                          <p:attrName>style.visibility</p:attrName>
+                                        </p:attrNameLst>
+                                      </p:cBhvr>
+                                      <p:to>
+                                        <p:strVal val="visible"/>
+                                      </p:to>
+                                    </p:set>
+                                    <p:animEffect transition="in" filter="fade">
+                                      <p:cBhvr>
+                                        <p:cTn id="23" dur="1000"/>
+                                        <p:tgtEl>
+                                          <p:spTgt spid="28"/>
+                                        </p:tgtEl>
+                                      </p:cBhvr>
+                                    </p:animEffect>
+                                    <p:anim calcmode="lin" valueType="num">
+                                      <p:cBhvr>
+                                        <p:cTn id="24" dur="1000" fill="hold"/>
+                                        <p:tgtEl>
+                                          <p:spTgt spid="28"/>
+                                        </p:tgtEl>
+                                        <p:attrNameLst>
+                                          <p:attrName>ppt_x</p:attrName>
+                                        </p:attrNameLst>
+                                      </p:cBhvr>
+                                      <p:tavLst>
+                                        <p:tav tm="0">
+                                          <p:val>
+                                            <p:strVal val="#ppt_x"/>
+                                          </p:val>
+                                        </p:tav>
+                                        <p:tav tm="100000">
+                                          <p:val>
+                                            <p:strVal val="#ppt_x"/>
+                                          </p:val>
+                                        </p:tav>
+                                      </p:tavLst>
+                                    </p:anim>
+                                    <p:anim calcmode="lin" valueType="num">
+                                      <p:cBhvr>
+                                        <p:cTn id="25" dur="1000" fill="hold"/>
+                                        <p:tgtEl>
+                                          <p:spTgt spid="28"/>
+                                        </p:tgtEl>
+                                        <p:attrNameLst>
+                                          <p:attrName>ppt_y</p:attrName>
+                                        </p:attrNameLst>
+                                      </p:cBhvr>
+                                      <p:tavLst>
+                                        <p:tav tm="0">
+                                          <p:val>
+                                            <p:strVal val="#ppt_y+.1"/>
+                                          </p:val>
+                                        </p:tav>
+                                        <p:tav tm="100000">
+                                          <p:val>
+                                            <p:strVal val="#ppt_y"/>
+                                          </p:val>
+                                        </p:tav>
+                                      </p:tavLst>
+                                    </p:anim>
+                                  </p:childTnLst>
+                                </p:cTn>
+                              </p:par>
+                            </p:childTnLst>
+                          </p:cTn>
+                        </p:par>
+                      </p:childTnLst>
+                    </p:cTn>
+                  </p:par>
+                  <p:par>
+                    <p:cTn id="26" fill="hold">
+                      <p:stCondLst>
+                        <p:cond delay="indefinite"/>
+                      </p:stCondLst>
+                      <p:childTnLst>
+                        <p:par>
+                          <p:cTn id="27" fill="hold">
+                            <p:stCondLst>
+                              <p:cond delay="0"/>
+                            </p:stCondLst>
+                            <p:childTnLst>
+                              <p:par>
+                                <p:cTn id="28" presetID="42" presetClass="path" presetSubtype="0" accel="50000" decel="50000" fill="hold" grpId="0" nodeType="clickEffect">
+                                  <p:stCondLst>
+                                    <p:cond delay="0"/>
+                                  </p:stCondLst>
+                                  <p:childTnLst>
+                                    <p:animMotion origin="layout" path="M 1.25E-6 -4.81481E-6 L 0.09427 0.00116 " pathEditMode="relative" rAng="0" ptsTypes="AA">
+                                      <p:cBhvr>
+                                        <p:cTn id="29" dur="2000" fill="hold"/>
+                                        <p:tgtEl>
+                                          <p:spTgt spid="35"/>
+                                        </p:tgtEl>
+                                        <p:attrNameLst>
+                                          <p:attrName>ppt_x</p:attrName>
+                                          <p:attrName>ppt_y</p:attrName>
+                                        </p:attrNameLst>
+                                      </p:cBhvr>
+                                      <p:rCtr x="4714" y="46"/>
+                                    </p:animMotion>
+                                  </p:childTnLst>
+                                </p:cTn>
+                              </p:par>
+                            </p:childTnLst>
+                          </p:cTn>
+                        </p:par>
+                      </p:childTnLst>
+                    </p:cTn>
+                  </p:par>
+                  <p:par>
+                    <p:cTn id="30" fill="hold">
+                      <p:stCondLst>
+                        <p:cond delay="indefinite"/>
+                      </p:stCondLst>
+                      <p:childTnLst>
+                        <p:par>
+                          <p:cTn id="31" fill="hold">
+                            <p:stCondLst>
+                              <p:cond delay="0"/>
+                            </p:stCondLst>
+                            <p:childTnLst>
+                              <p:par>
+                                <p:cTn id="32" presetID="10" presetClass="entr" presetSubtype="0" fill="hold" grpId="0" nodeType="clickEffect">
+                                  <p:stCondLst>
+                                    <p:cond delay="0"/>
+                                  </p:stCondLst>
+                                  <p:childTnLst>
+                                    <p:set>
+                                      <p:cBhvr>
+                                        <p:cTn id="33" dur="1" fill="hold">
+                                          <p:stCondLst>
+                                            <p:cond delay="0"/>
+                                          </p:stCondLst>
+                                        </p:cTn>
+                                        <p:tgtEl>
+                                          <p:spTgt spid="19"/>
+                                        </p:tgtEl>
+                                        <p:attrNameLst>
+                                          <p:attrName>style.visibility</p:attrName>
+                                        </p:attrNameLst>
+                                      </p:cBhvr>
+                                      <p:to>
+                                        <p:strVal val="visible"/>
+                                      </p:to>
+                                    </p:set>
+                                    <p:animEffect transition="in" filter="fade">
+                                      <p:cBhvr>
+                                        <p:cTn id="34" dur="500"/>
+                                        <p:tgtEl>
+                                          <p:spTgt spid="19"/>
+                                        </p:tgtEl>
+                                      </p:cBhvr>
+                                    </p:animEffect>
+                                  </p:childTnLst>
+                                </p:cTn>
+                              </p:par>
+                            </p:childTnLst>
+                          </p:cTn>
+                        </p:par>
+                      </p:childTnLst>
+                    </p:cTn>
+                  </p:par>
+                  <p:par>
+                    <p:cTn id="35" fill="hold">
+                      <p:stCondLst>
+                        <p:cond delay="indefinite"/>
+                      </p:stCondLst>
+                      <p:childTnLst>
+                        <p:par>
+                          <p:cTn id="36" fill="hold">
+                            <p:stCondLst>
+                              <p:cond delay="0"/>
+                            </p:stCondLst>
+                            <p:childTnLst>
+                              <p:par>
+                                <p:cTn id="37" presetID="42" presetClass="entr" presetSubtype="0" fill="hold" nodeType="clickEffect">
+                                  <p:stCondLst>
+                                    <p:cond delay="0"/>
+                                  </p:stCondLst>
+                                  <p:childTnLst>
+                                    <p:set>
+                                      <p:cBhvr>
+                                        <p:cTn id="38" dur="1" fill="hold">
+                                          <p:stCondLst>
+                                            <p:cond delay="0"/>
+                                          </p:stCondLst>
+                                        </p:cTn>
+                                        <p:tgtEl>
+                                          <p:spTgt spid="31"/>
+                                        </p:tgtEl>
+                                        <p:attrNameLst>
+                                          <p:attrName>style.visibility</p:attrName>
+                                        </p:attrNameLst>
+                                      </p:cBhvr>
+                                      <p:to>
+                                        <p:strVal val="visible"/>
+                                      </p:to>
+                                    </p:set>
+                                    <p:animEffect transition="in" filter="fade">
+                                      <p:cBhvr>
+                                        <p:cTn id="39" dur="1000"/>
+                                        <p:tgtEl>
+                                          <p:spTgt spid="31"/>
+                                        </p:tgtEl>
+                                      </p:cBhvr>
+                                    </p:animEffect>
+                                    <p:anim calcmode="lin" valueType="num">
+                                      <p:cBhvr>
+                                        <p:cTn id="40" dur="1000" fill="hold"/>
+                                        <p:tgtEl>
+                                          <p:spTgt spid="31"/>
+                                        </p:tgtEl>
+                                        <p:attrNameLst>
+                                          <p:attrName>ppt_x</p:attrName>
+                                        </p:attrNameLst>
+                                      </p:cBhvr>
+                                      <p:tavLst>
+                                        <p:tav tm="0">
+                                          <p:val>
+                                            <p:strVal val="#ppt_x"/>
+                                          </p:val>
+                                        </p:tav>
+                                        <p:tav tm="100000">
+                                          <p:val>
+                                            <p:strVal val="#ppt_x"/>
+                                          </p:val>
+                                        </p:tav>
+                                      </p:tavLst>
+                                    </p:anim>
+                                    <p:anim calcmode="lin" valueType="num">
+                                      <p:cBhvr>
+                                        <p:cTn id="41" dur="1000" fill="hold"/>
+                                        <p:tgtEl>
+                                          <p:spTgt spid="31"/>
+                                        </p:tgtEl>
+                                        <p:attrNameLst>
+                                          <p:attrName>ppt_y</p:attrName>
+                                        </p:attrNameLst>
+                                      </p:cBhvr>
+                                      <p:tavLst>
+                                        <p:tav tm="0">
+                                          <p:val>
+                                            <p:strVal val="#ppt_y+.1"/>
+                                          </p:val>
+                                        </p:tav>
+                                        <p:tav tm="100000">
+                                          <p:val>
+                                            <p:strVal val="#ppt_y"/>
+                                          </p:val>
+                                        </p:tav>
+                                      </p:tavLst>
+                                    </p:anim>
+                                  </p:childTnLst>
+                                </p:cTn>
+                              </p:par>
+                            </p:childTnLst>
+                          </p:cTn>
+                        </p:par>
+                      </p:childTnLst>
+                    </p:cTn>
+                  </p:par>
+                  <p:par>
+                    <p:cTn id="42" fill="hold">
+                      <p:stCondLst>
+                        <p:cond delay="indefinite"/>
+                      </p:stCondLst>
+                      <p:childTnLst>
+                        <p:par>
+                          <p:cTn id="43" fill="hold">
+                            <p:stCondLst>
+                              <p:cond delay="0"/>
+                            </p:stCondLst>
+                            <p:childTnLst>
+                              <p:par>
+                                <p:cTn id="44" presetID="42" presetClass="path" presetSubtype="0" accel="50000" decel="50000" fill="hold" grpId="0" nodeType="clickEffect">
+                                  <p:stCondLst>
+                                    <p:cond delay="0"/>
+                                  </p:stCondLst>
+                                  <p:childTnLst>
+                                    <p:animMotion origin="layout" path="M -2.91667E-6 2.59259E-6 L 0.09545 0.00231 " pathEditMode="relative" rAng="0" ptsTypes="AA">
+                                      <p:cBhvr>
+                                        <p:cTn id="45" dur="2000" fill="hold"/>
+                                        <p:tgtEl>
+                                          <p:spTgt spid="39"/>
+                                        </p:tgtEl>
+                                        <p:attrNameLst>
+                                          <p:attrName>ppt_x</p:attrName>
+                                          <p:attrName>ppt_y</p:attrName>
+                                        </p:attrNameLst>
+                                      </p:cBhvr>
+                                      <p:rCtr x="4766" y="116"/>
+                                    </p:animMotion>
+                                  </p:childTnLst>
+                                </p:cTn>
+                              </p:par>
+                            </p:childTnLst>
+                          </p:cTn>
+                        </p:par>
+                      </p:childTnLst>
+                    </p:cTn>
+                  </p:par>
+                  <p:par>
+                    <p:cTn id="46" fill="hold">
+                      <p:stCondLst>
+                        <p:cond delay="indefinite"/>
+                      </p:stCondLst>
+                      <p:childTnLst>
+                        <p:par>
+                          <p:cTn id="47" fill="hold">
+                            <p:stCondLst>
+                              <p:cond delay="0"/>
+                            </p:stCondLst>
+                            <p:childTnLst>
+                              <p:par>
+                                <p:cTn id="48" presetID="10" presetClass="entr" presetSubtype="0" fill="hold" grpId="0" nodeType="clickEffect">
+                                  <p:stCondLst>
+                                    <p:cond delay="0"/>
+                                  </p:stCondLst>
+                                  <p:childTnLst>
+                                    <p:set>
+                                      <p:cBhvr>
+                                        <p:cTn id="49" dur="1" fill="hold">
+                                          <p:stCondLst>
+                                            <p:cond delay="0"/>
+                                          </p:stCondLst>
+                                        </p:cTn>
+                                        <p:tgtEl>
+                                          <p:spTgt spid="20"/>
+                                        </p:tgtEl>
+                                        <p:attrNameLst>
+                                          <p:attrName>style.visibility</p:attrName>
+                                        </p:attrNameLst>
+                                      </p:cBhvr>
+                                      <p:to>
+                                        <p:strVal val="visible"/>
+                                      </p:to>
+                                    </p:set>
+                                    <p:animEffect transition="in" filter="fade">
+                                      <p:cBhvr>
+                                        <p:cTn id="50" dur="500"/>
+                                        <p:tgtEl>
+                                          <p:spTgt spid="20"/>
+                                        </p:tgtEl>
+                                      </p:cBhvr>
+                                    </p:animEffect>
+                                  </p:childTnLst>
+                                </p:cTn>
+                              </p:par>
+                            </p:childTnLst>
+                          </p:cTn>
+                        </p:par>
+                      </p:childTnLst>
+                    </p:cTn>
+                  </p:par>
+                  <p:par>
+                    <p:cTn id="51" fill="hold">
+                      <p:stCondLst>
+                        <p:cond delay="indefinite"/>
+                      </p:stCondLst>
+                      <p:childTnLst>
+                        <p:par>
+                          <p:cTn id="52" fill="hold">
+                            <p:stCondLst>
+                              <p:cond delay="0"/>
+                            </p:stCondLst>
+                            <p:childTnLst>
+                              <p:par>
+                                <p:cTn id="53" presetID="42" presetClass="entr" presetSubtype="0" fill="hold" nodeType="clickEffect">
+                                  <p:stCondLst>
+                                    <p:cond delay="0"/>
+                                  </p:stCondLst>
+                                  <p:childTnLst>
+                                    <p:set>
+                                      <p:cBhvr>
+                                        <p:cTn id="54" dur="1" fill="hold">
+                                          <p:stCondLst>
+                                            <p:cond delay="0"/>
+                                          </p:stCondLst>
+                                        </p:cTn>
+                                        <p:tgtEl>
+                                          <p:spTgt spid="36"/>
+                                        </p:tgtEl>
+                                        <p:attrNameLst>
+                                          <p:attrName>style.visibility</p:attrName>
+                                        </p:attrNameLst>
+                                      </p:cBhvr>
+                                      <p:to>
+                                        <p:strVal val="visible"/>
+                                      </p:to>
+                                    </p:set>
+                                    <p:animEffect transition="in" filter="fade">
+                                      <p:cBhvr>
+                                        <p:cTn id="55" dur="1000"/>
+                                        <p:tgtEl>
+                                          <p:spTgt spid="36"/>
+                                        </p:tgtEl>
+                                      </p:cBhvr>
+                                    </p:animEffect>
+                                    <p:anim calcmode="lin" valueType="num">
+                                      <p:cBhvr>
+                                        <p:cTn id="56" dur="1000" fill="hold"/>
+                                        <p:tgtEl>
+                                          <p:spTgt spid="36"/>
+                                        </p:tgtEl>
+                                        <p:attrNameLst>
+                                          <p:attrName>ppt_x</p:attrName>
+                                        </p:attrNameLst>
+                                      </p:cBhvr>
+                                      <p:tavLst>
+                                        <p:tav tm="0">
+                                          <p:val>
+                                            <p:strVal val="#ppt_x"/>
+                                          </p:val>
+                                        </p:tav>
+                                        <p:tav tm="100000">
+                                          <p:val>
+                                            <p:strVal val="#ppt_x"/>
+                                          </p:val>
+                                        </p:tav>
+                                      </p:tavLst>
+                                    </p:anim>
+                                    <p:anim calcmode="lin" valueType="num">
+                                      <p:cBhvr>
+                                        <p:cTn id="57" dur="1000" fill="hold"/>
+                                        <p:tgtEl>
+                                          <p:spTgt spid="36"/>
+                                        </p:tgtEl>
+                                        <p:attrNameLst>
+                                          <p:attrName>ppt_y</p:attrName>
+                                        </p:attrNameLst>
+                                      </p:cBhvr>
+                                      <p:tavLst>
+                                        <p:tav tm="0">
+                                          <p:val>
+                                            <p:strVal val="#ppt_y+.1"/>
+                                          </p:val>
+                                        </p:tav>
+                                        <p:tav tm="100000">
+                                          <p:val>
+                                            <p:strVal val="#ppt_y"/>
+                                          </p:val>
+                                        </p:tav>
+                                      </p:tavLst>
+                                    </p:anim>
+                                  </p:childTnLst>
+                                </p:cTn>
+                              </p:par>
+                            </p:childTnLst>
+                          </p:cTn>
+                        </p:par>
+                      </p:childTnLst>
+                    </p:cTn>
+                  </p:par>
+                  <p:par>
+                    <p:cTn id="58" fill="hold">
+                      <p:stCondLst>
+                        <p:cond delay="indefinite"/>
+                      </p:stCondLst>
+                      <p:childTnLst>
+                        <p:par>
+                          <p:cTn id="59" fill="hold">
+                            <p:stCondLst>
+                              <p:cond delay="0"/>
+                            </p:stCondLst>
+                            <p:childTnLst>
+                              <p:par>
+                                <p:cTn id="60" presetID="42" presetClass="path" presetSubtype="0" accel="50000" decel="50000" fill="hold" grpId="0" nodeType="clickEffect">
+                                  <p:stCondLst>
+                                    <p:cond delay="0"/>
+                                  </p:stCondLst>
+                                  <p:childTnLst>
+                                    <p:animMotion origin="layout" path="M 1.04167E-6 1.85185E-6 L 0.0931 -0.00093 " pathEditMode="relative" rAng="0" ptsTypes="AA">
+                                      <p:cBhvr>
+                                        <p:cTn id="61" dur="2000" fill="hold"/>
+                                        <p:tgtEl>
+                                          <p:spTgt spid="43"/>
+                                        </p:tgtEl>
+                                        <p:attrNameLst>
+                                          <p:attrName>ppt_x</p:attrName>
+                                          <p:attrName>ppt_y</p:attrName>
+                                        </p:attrNameLst>
+                                      </p:cBhvr>
+                                      <p:rCtr x="4648" y="-46"/>
+                                    </p:animMotion>
+                                  </p:childTnLst>
+                                </p:cTn>
+                              </p:par>
+                            </p:childTnLst>
+                          </p:cTn>
+                        </p:par>
+                      </p:childTnLst>
+                    </p:cTn>
+                  </p:par>
+                  <p:par>
+                    <p:cTn id="62" fill="hold">
+                      <p:stCondLst>
+                        <p:cond delay="indefinite"/>
+                      </p:stCondLst>
+                      <p:childTnLst>
+                        <p:par>
+                          <p:cTn id="63" fill="hold">
+                            <p:stCondLst>
+                              <p:cond delay="0"/>
+                            </p:stCondLst>
+                            <p:childTnLst>
+                              <p:par>
+                                <p:cTn id="64" presetID="10" presetClass="entr" presetSubtype="0" fill="hold" grpId="0" nodeType="clickEffect">
+                                  <p:stCondLst>
+                                    <p:cond delay="0"/>
+                                  </p:stCondLst>
+                                  <p:childTnLst>
+                                    <p:set>
+                                      <p:cBhvr>
+                                        <p:cTn id="65" dur="1" fill="hold">
+                                          <p:stCondLst>
+                                            <p:cond delay="0"/>
+                                          </p:stCondLst>
+                                        </p:cTn>
+                                        <p:tgtEl>
+                                          <p:spTgt spid="21"/>
+                                        </p:tgtEl>
+                                        <p:attrNameLst>
+                                          <p:attrName>style.visibility</p:attrName>
+                                        </p:attrNameLst>
+                                      </p:cBhvr>
+                                      <p:to>
+                                        <p:strVal val="visible"/>
+                                      </p:to>
+                                    </p:set>
+                                    <p:animEffect transition="in" filter="fade">
+                                      <p:cBhvr>
+                                        <p:cTn id="66" dur="500"/>
+                                        <p:tgtEl>
+                                          <p:spTgt spid="21"/>
+                                        </p:tgtEl>
+                                      </p:cBhvr>
+                                    </p:animEffect>
+                                  </p:childTnLst>
+                                </p:cTn>
+                              </p:par>
+                            </p:childTnLst>
+                          </p:cTn>
+                        </p:par>
+                      </p:childTnLst>
+                    </p:cTn>
+                  </p:par>
+                  <p:par>
+                    <p:cTn id="67" fill="hold">
+                      <p:stCondLst>
+                        <p:cond delay="indefinite"/>
+                      </p:stCondLst>
+                      <p:childTnLst>
+                        <p:par>
+                          <p:cTn id="68" fill="hold">
+                            <p:stCondLst>
+                              <p:cond delay="0"/>
+                            </p:stCondLst>
+                            <p:childTnLst>
+                              <p:par>
+                                <p:cTn id="69" presetID="42" presetClass="entr" presetSubtype="0" fill="hold" nodeType="clickEffect">
+                                  <p:stCondLst>
+                                    <p:cond delay="0"/>
+                                  </p:stCondLst>
+                                  <p:childTnLst>
+                                    <p:set>
+                                      <p:cBhvr>
+                                        <p:cTn id="70" dur="1" fill="hold">
+                                          <p:stCondLst>
+                                            <p:cond delay="0"/>
+                                          </p:stCondLst>
+                                        </p:cTn>
+                                        <p:tgtEl>
+                                          <p:spTgt spid="40"/>
+                                        </p:tgtEl>
+                                        <p:attrNameLst>
+                                          <p:attrName>style.visibility</p:attrName>
+                                        </p:attrNameLst>
+                                      </p:cBhvr>
+                                      <p:to>
+                                        <p:strVal val="visible"/>
+                                      </p:to>
+                                    </p:set>
+                                    <p:animEffect transition="in" filter="fade">
+                                      <p:cBhvr>
+                                        <p:cTn id="71" dur="1000"/>
+                                        <p:tgtEl>
+                                          <p:spTgt spid="40"/>
+                                        </p:tgtEl>
+                                      </p:cBhvr>
+                                    </p:animEffect>
+                                    <p:anim calcmode="lin" valueType="num">
+                                      <p:cBhvr>
+                                        <p:cTn id="72" dur="1000" fill="hold"/>
+                                        <p:tgtEl>
+                                          <p:spTgt spid="40"/>
+                                        </p:tgtEl>
+                                        <p:attrNameLst>
+                                          <p:attrName>ppt_x</p:attrName>
+                                        </p:attrNameLst>
+                                      </p:cBhvr>
+                                      <p:tavLst>
+                                        <p:tav tm="0">
+                                          <p:val>
+                                            <p:strVal val="#ppt_x"/>
+                                          </p:val>
+                                        </p:tav>
+                                        <p:tav tm="100000">
+                                          <p:val>
+                                            <p:strVal val="#ppt_x"/>
+                                          </p:val>
+                                        </p:tav>
+                                      </p:tavLst>
+                                    </p:anim>
+                                    <p:anim calcmode="lin" valueType="num">
+                                      <p:cBhvr>
+                                        <p:cTn id="73" dur="1000" fill="hold"/>
+                                        <p:tgtEl>
+                                          <p:spTgt spid="40"/>
+                                        </p:tgtEl>
+                                        <p:attrNameLst>
+                                          <p:attrName>ppt_y</p:attrName>
+                                        </p:attrNameLst>
+                                      </p:cBhvr>
+                                      <p:tavLst>
+                                        <p:tav tm="0">
+                                          <p:val>
+                                            <p:strVal val="#ppt_y+.1"/>
+                                          </p:val>
+                                        </p:tav>
+                                        <p:tav tm="100000">
+                                          <p:val>
+                                            <p:strVal val="#ppt_y"/>
+                                          </p:val>
+                                        </p:tav>
+                                      </p:tavLst>
+                                    </p:anim>
+                                  </p:childTnLst>
+                                </p:cTn>
+                              </p:par>
+                            </p:childTnLst>
+                          </p:cTn>
+                        </p:par>
+                      </p:childTnLst>
+                    </p:cTn>
+                  </p:par>
+                  <p:par>
+                    <p:cTn id="74" fill="hold">
+                      <p:stCondLst>
+                        <p:cond delay="indefinite"/>
+                      </p:stCondLst>
+                      <p:childTnLst>
+                        <p:par>
+                          <p:cTn id="75" fill="hold">
+                            <p:stCondLst>
+                              <p:cond delay="0"/>
+                            </p:stCondLst>
+                            <p:childTnLst>
+                              <p:par>
+                                <p:cTn id="76" presetID="42" presetClass="path" presetSubtype="0" accel="50000" decel="50000" fill="hold" grpId="0" nodeType="clickEffect">
+                                  <p:stCondLst>
+                                    <p:cond delay="0"/>
+                                  </p:stCondLst>
+                                  <p:childTnLst>
+                                    <p:animMotion origin="layout" path="M -1.25E-6 -7.40741E-7 L 0.09427 0.00023 " pathEditMode="relative" rAng="0" ptsTypes="AA">
+                                      <p:cBhvr>
+                                        <p:cTn id="77" dur="2000" fill="hold"/>
+                                        <p:tgtEl>
+                                          <p:spTgt spid="47"/>
+                                        </p:tgtEl>
+                                        <p:attrNameLst>
+                                          <p:attrName>ppt_x</p:attrName>
+                                          <p:attrName>ppt_y</p:attrName>
+                                        </p:attrNameLst>
+                                      </p:cBhvr>
+                                      <p:rCtr x="4714" y="0"/>
+                                    </p:animMotion>
+                                  </p:childTnLst>
+                                </p:cTn>
+                              </p:par>
+                            </p:childTnLst>
+                          </p:cTn>
+                        </p:par>
+                      </p:childTnLst>
+                    </p:cTn>
+                  </p:par>
+                  <p:par>
+                    <p:cTn id="78" fill="hold">
+                      <p:stCondLst>
+                        <p:cond delay="indefinite"/>
+                      </p:stCondLst>
+                      <p:childTnLst>
+                        <p:par>
+                          <p:cTn id="79" fill="hold">
+                            <p:stCondLst>
+                              <p:cond delay="0"/>
+                            </p:stCondLst>
+                            <p:childTnLst>
+                              <p:par>
+                                <p:cTn id="80" presetID="10" presetClass="entr" presetSubtype="0" fill="hold" grpId="0" nodeType="clickEffect">
+                                  <p:stCondLst>
+                                    <p:cond delay="0"/>
+                                  </p:stCondLst>
+                                  <p:childTnLst>
+                                    <p:set>
+                                      <p:cBhvr>
+                                        <p:cTn id="81" dur="1" fill="hold">
+                                          <p:stCondLst>
+                                            <p:cond delay="0"/>
+                                          </p:stCondLst>
+                                        </p:cTn>
+                                        <p:tgtEl>
+                                          <p:spTgt spid="22"/>
+                                        </p:tgtEl>
+                                        <p:attrNameLst>
+                                          <p:attrName>style.visibility</p:attrName>
+                                        </p:attrNameLst>
+                                      </p:cBhvr>
+                                      <p:to>
+                                        <p:strVal val="visible"/>
+                                      </p:to>
+                                    </p:set>
+                                    <p:animEffect transition="in" filter="fade">
+                                      <p:cBhvr>
+                                        <p:cTn id="82" dur="500"/>
+                                        <p:tgtEl>
+                                          <p:spTgt spid="22"/>
+                                        </p:tgtEl>
+                                      </p:cBhvr>
+                                    </p:animEffect>
+                                  </p:childTnLst>
+                                </p:cTn>
+                              </p:par>
+                            </p:childTnLst>
+                          </p:cTn>
+                        </p:par>
+                      </p:childTnLst>
+                    </p:cTn>
+                  </p:par>
+                  <p:par>
+                    <p:cTn id="83" fill="hold">
+                      <p:stCondLst>
+                        <p:cond delay="indefinite"/>
+                      </p:stCondLst>
+                      <p:childTnLst>
+                        <p:par>
+                          <p:cTn id="84" fill="hold">
+                            <p:stCondLst>
+                              <p:cond delay="0"/>
+                            </p:stCondLst>
+                            <p:childTnLst>
+                              <p:par>
+                                <p:cTn id="85" presetID="42" presetClass="entr" presetSubtype="0" fill="hold" nodeType="clickEffect">
+                                  <p:stCondLst>
+                                    <p:cond delay="0"/>
+                                  </p:stCondLst>
+                                  <p:childTnLst>
+                                    <p:set>
+                                      <p:cBhvr>
+                                        <p:cTn id="86" dur="1" fill="hold">
+                                          <p:stCondLst>
+                                            <p:cond delay="0"/>
+                                          </p:stCondLst>
+                                        </p:cTn>
+                                        <p:tgtEl>
+                                          <p:spTgt spid="44"/>
+                                        </p:tgtEl>
+                                        <p:attrNameLst>
+                                          <p:attrName>style.visibility</p:attrName>
+                                        </p:attrNameLst>
+                                      </p:cBhvr>
+                                      <p:to>
+                                        <p:strVal val="visible"/>
+                                      </p:to>
+                                    </p:set>
+                                    <p:animEffect transition="in" filter="fade">
+                                      <p:cBhvr>
+                                        <p:cTn id="87" dur="1000"/>
+                                        <p:tgtEl>
+                                          <p:spTgt spid="44"/>
+                                        </p:tgtEl>
+                                      </p:cBhvr>
+                                    </p:animEffect>
+                                    <p:anim calcmode="lin" valueType="num">
+                                      <p:cBhvr>
+                                        <p:cTn id="88" dur="1000" fill="hold"/>
+                                        <p:tgtEl>
+                                          <p:spTgt spid="44"/>
+                                        </p:tgtEl>
+                                        <p:attrNameLst>
+                                          <p:attrName>ppt_x</p:attrName>
+                                        </p:attrNameLst>
+                                      </p:cBhvr>
+                                      <p:tavLst>
+                                        <p:tav tm="0">
+                                          <p:val>
+                                            <p:strVal val="#ppt_x"/>
+                                          </p:val>
+                                        </p:tav>
+                                        <p:tav tm="100000">
+                                          <p:val>
+                                            <p:strVal val="#ppt_x"/>
+                                          </p:val>
+                                        </p:tav>
+                                      </p:tavLst>
+                                    </p:anim>
+                                    <p:anim calcmode="lin" valueType="num">
+                                      <p:cBhvr>
+                                        <p:cTn id="89" dur="1000" fill="hold"/>
+                                        <p:tgtEl>
+                                          <p:spTgt spid="44"/>
+                                        </p:tgtEl>
+                                        <p:attrNameLst>
+                                          <p:attrName>ppt_y</p:attrName>
+                                        </p:attrNameLst>
+                                      </p:cBhvr>
+                                      <p:tavLst>
+                                        <p:tav tm="0">
+                                          <p:val>
+                                            <p:strVal val="#ppt_y+.1"/>
+                                          </p:val>
+                                        </p:tav>
+                                        <p:tav tm="100000">
+                                          <p:val>
+                                            <p:strVal val="#ppt_y"/>
+                                          </p:val>
+                                        </p:tav>
+                                      </p:tavLst>
+                                    </p:anim>
+                                  </p:childTnLst>
+                                </p:cTn>
+                              </p:par>
+                            </p:childTnLst>
+                          </p:cTn>
+                        </p:par>
+                      </p:childTnLst>
+                    </p:cTn>
+                  </p:par>
+                  <p:par>
+                    <p:cTn id="90" fill="hold">
+                      <p:stCondLst>
+                        <p:cond delay="indefinite"/>
+                      </p:stCondLst>
+                      <p:childTnLst>
+                        <p:par>
+                          <p:cTn id="91" fill="hold">
+                            <p:stCondLst>
+                              <p:cond delay="0"/>
+                            </p:stCondLst>
+                            <p:childTnLst>
+                              <p:par>
+                                <p:cTn id="92" presetID="42" presetClass="path" presetSubtype="0" accel="50000" decel="50000" fill="hold" grpId="0" nodeType="clickEffect">
+                                  <p:stCondLst>
+                                    <p:cond delay="0"/>
+                                  </p:stCondLst>
+                                  <p:childTnLst>
+                                    <p:animMotion origin="layout" path="M 4.58333E-6 5.55112E-17 L 0.10091 0.00463 " pathEditMode="relative" rAng="0" ptsTypes="AA">
+                                      <p:cBhvr>
+                                        <p:cTn id="93" dur="2000" fill="hold"/>
+                                        <p:tgtEl>
+                                          <p:spTgt spid="48"/>
+                                        </p:tgtEl>
+                                        <p:attrNameLst>
+                                          <p:attrName>ppt_x</p:attrName>
+                                          <p:attrName>ppt_y</p:attrName>
+                                        </p:attrNameLst>
+                                      </p:cBhvr>
+                                      <p:rCtr x="5039" y="231"/>
+                                    </p:animMotion>
+                                  </p:childTnLst>
+                                </p:cTn>
+                              </p:par>
+                            </p:childTnLst>
+                          </p:cTn>
+                        </p:par>
+                      </p:childTnLst>
+                    </p:cTn>
+                  </p:par>
+                  <p:par>
+                    <p:cTn id="94" fill="hold">
+                      <p:stCondLst>
+                        <p:cond delay="indefinite"/>
+                      </p:stCondLst>
+                      <p:childTnLst>
+                        <p:par>
+                          <p:cTn id="95" fill="hold">
+                            <p:stCondLst>
+                              <p:cond delay="0"/>
+                            </p:stCondLst>
+                            <p:childTnLst>
+                              <p:par>
+                                <p:cTn id="96" presetID="10" presetClass="entr" presetSubtype="0" fill="hold" grpId="0" nodeType="clickEffect">
+                                  <p:stCondLst>
+                                    <p:cond delay="0"/>
+                                  </p:stCondLst>
+                                  <p:childTnLst>
+                                    <p:set>
+                                      <p:cBhvr>
+                                        <p:cTn id="97" dur="1" fill="hold">
+                                          <p:stCondLst>
+                                            <p:cond delay="0"/>
+                                          </p:stCondLst>
+                                        </p:cTn>
+                                        <p:tgtEl>
+                                          <p:spTgt spid="23"/>
+                                        </p:tgtEl>
+                                        <p:attrNameLst>
+                                          <p:attrName>style.visibility</p:attrName>
+                                        </p:attrNameLst>
+                                      </p:cBhvr>
+                                      <p:to>
+                                        <p:strVal val="visible"/>
+                                      </p:to>
+                                    </p:set>
+                                    <p:animEffect transition="in" filter="fade">
+                                      <p:cBhvr>
+                                        <p:cTn id="98" dur="500"/>
+                                        <p:tgtEl>
+                                          <p:spTgt spid="23"/>
+                                        </p:tgtEl>
+                                      </p:cBhvr>
+                                    </p:animEffect>
+                                  </p:childTnLst>
+                                </p:cTn>
+                              </p:par>
+                            </p:childTnLst>
+                          </p:cTn>
+                        </p:par>
+                      </p:childTnLst>
+                    </p:cTn>
+                  </p:par>
+                  <p:par>
+                    <p:cTn id="99" fill="hold">
+                      <p:stCondLst>
+                        <p:cond delay="indefinite"/>
+                      </p:stCondLst>
+                      <p:childTnLst>
+                        <p:par>
+                          <p:cTn id="100" fill="hold">
+                            <p:stCondLst>
+                              <p:cond delay="0"/>
+                            </p:stCondLst>
+                            <p:childTnLst>
+                              <p:par>
+                                <p:cTn id="101" presetID="42" presetClass="entr" presetSubtype="0" fill="hold" nodeType="clickEffect">
+                                  <p:stCondLst>
+                                    <p:cond delay="0"/>
+                                  </p:stCondLst>
+                                  <p:childTnLst>
+                                    <p:set>
+                                      <p:cBhvr>
+                                        <p:cTn id="102" dur="1" fill="hold">
+                                          <p:stCondLst>
+                                            <p:cond delay="0"/>
+                                          </p:stCondLst>
+                                        </p:cTn>
+                                        <p:tgtEl>
+                                          <p:spTgt spid="49"/>
+                                        </p:tgtEl>
+                                        <p:attrNameLst>
+                                          <p:attrName>style.visibility</p:attrName>
+                                        </p:attrNameLst>
+                                      </p:cBhvr>
+                                      <p:to>
+                                        <p:strVal val="visible"/>
+                                      </p:to>
+                                    </p:set>
+                                    <p:animEffect transition="in" filter="fade">
+                                      <p:cBhvr>
+                                        <p:cTn id="103" dur="1000"/>
+                                        <p:tgtEl>
+                                          <p:spTgt spid="49"/>
+                                        </p:tgtEl>
+                                      </p:cBhvr>
+                                    </p:animEffect>
+                                    <p:anim calcmode="lin" valueType="num">
+                                      <p:cBhvr>
+                                        <p:cTn id="104" dur="1000" fill="hold"/>
+                                        <p:tgtEl>
+                                          <p:spTgt spid="49"/>
+                                        </p:tgtEl>
+                                        <p:attrNameLst>
+                                          <p:attrName>ppt_x</p:attrName>
+                                        </p:attrNameLst>
+                                      </p:cBhvr>
+                                      <p:tavLst>
+                                        <p:tav tm="0">
+                                          <p:val>
+                                            <p:strVal val="#ppt_x"/>
+                                          </p:val>
+                                        </p:tav>
+                                        <p:tav tm="100000">
+                                          <p:val>
+                                            <p:strVal val="#ppt_x"/>
+                                          </p:val>
+                                        </p:tav>
+                                      </p:tavLst>
+                                    </p:anim>
+                                    <p:anim calcmode="lin" valueType="num">
+                                      <p:cBhvr>
+                                        <p:cTn id="105" dur="1000" fill="hold"/>
+                                        <p:tgtEl>
+                                          <p:spTgt spid="49"/>
+                                        </p:tgtEl>
+                                        <p:attrNameLst>
+                                          <p:attrName>ppt_y</p:attrName>
+                                        </p:attrNameLst>
+                                      </p:cBhvr>
+                                      <p:tavLst>
+                                        <p:tav tm="0">
+                                          <p:val>
+                                            <p:strVal val="#ppt_y+.1"/>
+                                          </p:val>
+                                        </p:tav>
+                                        <p:tav tm="100000">
+                                          <p:val>
+                                            <p:strVal val="#ppt_y"/>
+                                          </p:val>
+                                        </p:tav>
+                                      </p:tavLst>
+                                    </p:anim>
+                                  </p:childTnLst>
+                                </p:cTn>
+                              </p:par>
+                            </p:childTnLst>
+                          </p:cTn>
+                        </p:par>
+                      </p:childTnLst>
+                    </p:cTn>
+                  </p:par>
+                  <p:par>
+                    <p:cTn id="106" fill="hold">
+                      <p:stCondLst>
+                        <p:cond delay="indefinite"/>
+                      </p:stCondLst>
+                      <p:childTnLst>
+                        <p:par>
+                          <p:cTn id="107" fill="hold">
+                            <p:stCondLst>
+                              <p:cond delay="0"/>
+                            </p:stCondLst>
+                            <p:childTnLst>
+                              <p:par>
+                                <p:cTn id="108" presetID="10" presetClass="entr" presetSubtype="0" fill="hold" nodeType="clickEffect">
+                                  <p:stCondLst>
+                                    <p:cond delay="2000"/>
+                                  </p:stCondLst>
+                                  <p:childTnLst>
+                                    <p:set>
+                                      <p:cBhvr>
+                                        <p:cTn id="109" dur="1" fill="hold">
+                                          <p:stCondLst>
+                                            <p:cond delay="0"/>
+                                          </p:stCondLst>
+                                        </p:cTn>
+                                        <p:tgtEl>
+                                          <p:spTgt spid="59"/>
+                                        </p:tgtEl>
+                                        <p:attrNameLst>
+                                          <p:attrName>style.visibility</p:attrName>
+                                        </p:attrNameLst>
+                                      </p:cBhvr>
+                                      <p:to>
+                                        <p:strVal val="visible"/>
+                                      </p:to>
+                                    </p:set>
+                                    <p:animEffect transition="in" filter="fade">
+                                      <p:cBhvr>
+                                        <p:cTn id="110" dur="2000"/>
+                                        <p:tgtEl>
+                                          <p:spTgt spid="59"/>
+                                        </p:tgtEl>
+                                      </p:cBhvr>
+                                    </p:animEffect>
+                                  </p:childTnLst>
+                                </p:cTn>
+                              </p:par>
+                            </p:childTnLst>
+                          </p:cTn>
+                        </p:par>
+                      </p:childTnLst>
+                    </p:cTn>
+                  </p:par>
+                </p:childTnLst>
+              </p:cTn>
+              <p:prevCondLst>
+                <p:cond evt="onPrev" delay="0">
+                  <p:tgtEl>
+                    <p:sldTgt/>
+                  </p:tgtEl>
+                </p:cond>
+              </p:prevCondLst>
+              <p:nextCondLst>
+                <p:cond evt="onNext" delay="0">
+                  <p:tgtEl>
+                    <p:sldTgt/>
+                  </p:tgtEl>
+                </p:cond>
+              </p:nextCondLst>
+            </p:seq>
+          </p:childTnLst>
+        </p:cTn>
+      </p:par>
+    </p:tnLst>
+    <p:bldLst>
+      <p:bldP spid="48" grpId="0" animBg="1"/>
+      <p:bldP spid="47" grpId="0" animBg="1"/>
+      <p:bldP spid="43" grpId="0" animBg="1"/>
+      <p:bldP spid="39" grpId="0" animBg="1"/>
+      <p:bldP spid="35" grpId="0" animBg="1"/>
+      <p:bldP spid="27" grpId="0" animBg="1"/>
+      <p:bldP spid="18" grpId="0" animBg="1"/>
+      <p:bldP spid="19" grpId="0" animBg="1"/>
+      <p:bldP spid="20" grpId="0" animBg="1"/>
+      <p:bldP spid="21" grpId="0" animBg="1"/>
+      <p:bldP spid="22" grpId="0" animBg="1"/>
+      <p:bldP spid="23" grpId="0" animBg="1"/>
+    </p:bldLst>
+  </p:timing>
+</p:sld>
+</file>
+
+<file path=ppt/slides/slide3.xml><?xml version="1.0" encoding="utf-8"?>
 <p:sld xmlns:a="http://schemas.openxmlformats.org/drawingml/2006/main" xmlns:r="http://schemas.openxmlformats.org/officeDocument/2006/relationships" xmlns:p="http://schemas.openxmlformats.org/presentationml/2006/main">
   <p:cSld>
     <p:spTree>
@@ -12071,6 +16770,42 @@
           </a:p>
         </p:txBody>
       </p:sp>
+      <p:sp>
+        <p:nvSpPr>
+          <p:cNvPr id="52" name="TextBox 51">
+            <a:extLst>
+              <a:ext uri="{FF2B5EF4-FFF2-40B4-BE49-F238E27FC236}">
+                <a16:creationId xmlns:a16="http://schemas.microsoft.com/office/drawing/2014/main" id="{9EC47F97-7CB7-4342-9F37-024EED8970FF}"/>
+              </a:ext>
+            </a:extLst>
+          </p:cNvPr>
+          <p:cNvSpPr txBox="1"/>
+          <p:nvPr/>
+        </p:nvSpPr>
+        <p:spPr>
+          <a:xfrm>
+            <a:off x="11161338" y="141402"/>
+            <a:ext cx="848413" cy="246221"/>
+          </a:xfrm>
+          <a:prstGeom prst="rect">
+            <a:avLst/>
+          </a:prstGeom>
+          <a:noFill/>
+        </p:spPr>
+        <p:txBody>
+          <a:bodyPr wrap="square" rtlCol="0">
+            <a:spAutoFit/>
+          </a:bodyPr>
+          <a:lstStyle/>
+          <a:p>
+            <a:r>
+              <a:rPr lang="en-US" sz="1000"/>
+              <a:t>Slide 3 of 7</a:t>
+            </a:r>
+            <a:endParaRPr lang="en-AU" sz="1000"/>
+          </a:p>
+        </p:txBody>
+      </p:sp>
     </p:spTree>
     <p:custDataLst>
       <p:tags r:id="rId1"/>
@@ -12086,12 +16821,12 @@
   </p:clrMapOvr>
   <mc:AlternateContent xmlns:mc="http://schemas.openxmlformats.org/markup-compatibility/2006">
     <mc:Choice xmlns:p15="http://schemas.microsoft.com/office/powerpoint/2012/main" Requires="p15">
-      <p:transition xmlns:p14="http://schemas.microsoft.com/office/powerpoint/2010/main" spd="slow" p14:dur="2000">
+      <p:transition xmlns:p14="http://schemas.microsoft.com/office/powerpoint/2010/main" spd="slow" p14:dur="2000" advTm="40950">
         <p15:prstTrans prst="drape"/>
       </p:transition>
     </mc:Choice>
     <mc:Fallback>
-      <p:transition spd="slow">
+      <p:transition spd="slow" advTm="40950">
         <p:fade/>
       </p:transition>
     </mc:Fallback>
@@ -13106,7 +17841,7 @@
 </p:sld>
 </file>
 
-<file path=ppt/slides/slide3.xml><?xml version="1.0" encoding="utf-8"?>
+<file path=ppt/slides/slide4.xml><?xml version="1.0" encoding="utf-8"?>
 <p:sld xmlns:a="http://schemas.openxmlformats.org/drawingml/2006/main" xmlns:r="http://schemas.openxmlformats.org/officeDocument/2006/relationships" xmlns:p="http://schemas.openxmlformats.org/presentationml/2006/main">
   <p:cSld>
     <p:spTree>
@@ -16819,6 +21554,42 @@
           </a:p>
         </p:txBody>
       </p:sp>
+      <p:sp>
+        <p:nvSpPr>
+          <p:cNvPr id="57" name="TextBox 56">
+            <a:extLst>
+              <a:ext uri="{FF2B5EF4-FFF2-40B4-BE49-F238E27FC236}">
+                <a16:creationId xmlns:a16="http://schemas.microsoft.com/office/drawing/2014/main" id="{B73304C0-BF85-4E07-862A-7EA02ED642DE}"/>
+              </a:ext>
+            </a:extLst>
+          </p:cNvPr>
+          <p:cNvSpPr txBox="1"/>
+          <p:nvPr/>
+        </p:nvSpPr>
+        <p:spPr>
+          <a:xfrm>
+            <a:off x="11161338" y="141402"/>
+            <a:ext cx="848413" cy="246221"/>
+          </a:xfrm>
+          <a:prstGeom prst="rect">
+            <a:avLst/>
+          </a:prstGeom>
+          <a:noFill/>
+        </p:spPr>
+        <p:txBody>
+          <a:bodyPr wrap="square" rtlCol="0">
+            <a:spAutoFit/>
+          </a:bodyPr>
+          <a:lstStyle/>
+          <a:p>
+            <a:r>
+              <a:rPr lang="en-US" sz="1000"/>
+              <a:t>Slide 4 of 7</a:t>
+            </a:r>
+            <a:endParaRPr lang="en-AU" sz="1000"/>
+          </a:p>
+        </p:txBody>
+      </p:sp>
     </p:spTree>
     <p:custDataLst>
       <p:tags r:id="rId1"/>
@@ -16834,12 +21605,12 @@
   </p:clrMapOvr>
   <mc:AlternateContent xmlns:mc="http://schemas.openxmlformats.org/markup-compatibility/2006">
     <mc:Choice xmlns:p15="http://schemas.microsoft.com/office/powerpoint/2012/main" Requires="p15">
-      <p:transition xmlns:p14="http://schemas.microsoft.com/office/powerpoint/2010/main" spd="slow" p14:dur="2000">
+      <p:transition xmlns:p14="http://schemas.microsoft.com/office/powerpoint/2010/main" spd="slow" p14:dur="2000" advTm="46655">
         <p15:prstTrans prst="drape"/>
       </p:transition>
     </mc:Choice>
     <mc:Fallback>
-      <p:transition spd="slow">
+      <p:transition spd="slow" advTm="46655">
         <p:fade/>
       </p:transition>
     </mc:Fallback>
@@ -17664,7 +22435,7 @@
 </p:sld>
 </file>
 
-<file path=ppt/slides/slide4.xml><?xml version="1.0" encoding="utf-8"?>
+<file path=ppt/slides/slide5.xml><?xml version="1.0" encoding="utf-8"?>
 <p:sld xmlns:a="http://schemas.openxmlformats.org/drawingml/2006/main" xmlns:r="http://schemas.openxmlformats.org/officeDocument/2006/relationships" xmlns:p="http://schemas.openxmlformats.org/presentationml/2006/main">
   <p:cSld>
     <p:spTree>
@@ -21778,13 +26549,49 @@
                   <a:srgbClr val="00B050"/>
                 </a:solidFill>
               </a:rPr>
-              <a:t>See next slide for final distributions</a:t>
+              <a:t>Next slide for creating views</a:t>
             </a:r>
             <a:endParaRPr lang="en-GB" sz="1200" b="1">
               <a:solidFill>
                 <a:srgbClr val="00B050"/>
               </a:solidFill>
             </a:endParaRPr>
+          </a:p>
+        </p:txBody>
+      </p:sp>
+      <p:sp>
+        <p:nvSpPr>
+          <p:cNvPr id="72" name="TextBox 71">
+            <a:extLst>
+              <a:ext uri="{FF2B5EF4-FFF2-40B4-BE49-F238E27FC236}">
+                <a16:creationId xmlns:a16="http://schemas.microsoft.com/office/drawing/2014/main" id="{9545E9C2-5EF6-42F6-89FF-1DF177CA9090}"/>
+              </a:ext>
+            </a:extLst>
+          </p:cNvPr>
+          <p:cNvSpPr txBox="1"/>
+          <p:nvPr/>
+        </p:nvSpPr>
+        <p:spPr>
+          <a:xfrm>
+            <a:off x="11161338" y="141402"/>
+            <a:ext cx="848413" cy="246221"/>
+          </a:xfrm>
+          <a:prstGeom prst="rect">
+            <a:avLst/>
+          </a:prstGeom>
+          <a:noFill/>
+        </p:spPr>
+        <p:txBody>
+          <a:bodyPr wrap="square" rtlCol="0">
+            <a:spAutoFit/>
+          </a:bodyPr>
+          <a:lstStyle/>
+          <a:p>
+            <a:r>
+              <a:rPr lang="en-US" sz="1000"/>
+              <a:t>Slide 5 of 7</a:t>
+            </a:r>
+            <a:endParaRPr lang="en-AU" sz="1000"/>
           </a:p>
         </p:txBody>
       </p:sp>
@@ -21803,12 +26610,12 @@
   </p:clrMapOvr>
   <mc:AlternateContent xmlns:mc="http://schemas.openxmlformats.org/markup-compatibility/2006">
     <mc:Choice xmlns:p15="http://schemas.microsoft.com/office/powerpoint/2012/main" Requires="p15">
-      <p:transition xmlns:p14="http://schemas.microsoft.com/office/powerpoint/2010/main" spd="slow" p14:dur="2000">
+      <p:transition xmlns:p14="http://schemas.microsoft.com/office/powerpoint/2010/main" spd="slow" p14:dur="2000" advTm="47373">
         <p15:prstTrans prst="drape"/>
       </p:transition>
     </mc:Choice>
     <mc:Fallback>
-      <p:transition spd="slow">
+      <p:transition spd="slow" advTm="47373">
         <p:fade/>
       </p:transition>
     </mc:Fallback>
@@ -22633,7 +27440,7 @@
 </p:sld>
 </file>
 
-<file path=ppt/slides/slide5.xml><?xml version="1.0" encoding="utf-8"?>
+<file path=ppt/slides/slide6.xml><?xml version="1.0" encoding="utf-8"?>
 <p:sld xmlns:a="http://schemas.openxmlformats.org/drawingml/2006/main" xmlns:r="http://schemas.openxmlformats.org/officeDocument/2006/relationships" xmlns:p="http://schemas.openxmlformats.org/presentationml/2006/main">
   <p:cSld>
     <p:spTree>
@@ -22673,7 +27480,7 @@
           <a:gradFill flip="none" rotWithShape="1">
             <a:gsLst>
               <a:gs pos="0">
-                <a:schemeClr val="accent4">
+                <a:schemeClr val="accent6">
                   <a:lumMod val="60000"/>
                   <a:lumOff val="40000"/>
                   <a:shade val="30000"/>
@@ -22681,7 +27488,7 @@
                 </a:schemeClr>
               </a:gs>
               <a:gs pos="50000">
-                <a:schemeClr val="accent4">
+                <a:schemeClr val="accent6">
                   <a:lumMod val="60000"/>
                   <a:lumOff val="40000"/>
                   <a:shade val="67500"/>
@@ -22689,7 +27496,7 @@
                 </a:schemeClr>
               </a:gs>
               <a:gs pos="100000">
-                <a:schemeClr val="accent4">
+                <a:schemeClr val="accent6">
                   <a:lumMod val="60000"/>
                   <a:lumOff val="40000"/>
                   <a:shade val="100000"/>
@@ -22717,18 +27524,15 @@
               <a:defRPr lang="en-US"/>
             </a:defPPr>
             <a:lvl1pPr>
-              <a:defRPr sz="900"/>
+              <a:defRPr sz="800"/>
             </a:lvl1pPr>
           </a:lstStyle>
           <a:p>
             <a:r>
-              <a:rPr lang="en-US" sz="700"/>
+              <a:rPr lang="en-US"/>
               <a:t>ps_srid</a:t>
             </a:r>
-            <a:br>
-              <a:rPr lang="en-US" sz="700"/>
-            </a:br>
-            <a:endParaRPr lang="en-GB" sz="100"/>
+            <a:endParaRPr lang="en-GB"/>
           </a:p>
         </p:txBody>
       </p:sp>
@@ -22809,429 +27613,7 @@
         <p:spPr>
           <a:xfrm>
             <a:off x="1223543" y="1477275"/>
-            <a:ext cx="3275089" cy="307777"/>
-          </a:xfrm>
-          <a:prstGeom prst="rect">
-            <a:avLst/>
-          </a:prstGeom>
-          <a:gradFill flip="none" rotWithShape="1">
-            <a:gsLst>
-              <a:gs pos="0">
-                <a:schemeClr val="accent4">
-                  <a:lumMod val="60000"/>
-                  <a:lumOff val="40000"/>
-                  <a:shade val="30000"/>
-                  <a:satMod val="115000"/>
-                </a:schemeClr>
-              </a:gs>
-              <a:gs pos="50000">
-                <a:schemeClr val="accent4">
-                  <a:lumMod val="60000"/>
-                  <a:lumOff val="40000"/>
-                  <a:shade val="67500"/>
-                  <a:satMod val="115000"/>
-                </a:schemeClr>
-              </a:gs>
-              <a:gs pos="100000">
-                <a:schemeClr val="accent4">
-                  <a:lumMod val="60000"/>
-                  <a:lumOff val="40000"/>
-                  <a:shade val="100000"/>
-                  <a:satMod val="115000"/>
-                </a:schemeClr>
-              </a:gs>
-            </a:gsLst>
-            <a:lin ang="16200000" scaled="1"/>
-            <a:tileRect/>
-          </a:gradFill>
-          <a:ln>
-            <a:solidFill>
-              <a:schemeClr val="accent1">
-                <a:shade val="50000"/>
-              </a:schemeClr>
-            </a:solidFill>
-          </a:ln>
-        </p:spPr>
-        <p:txBody>
-          <a:bodyPr wrap="square" rtlCol="0">
-            <a:spAutoFit/>
-          </a:bodyPr>
-          <a:lstStyle>
-            <a:defPPr>
-              <a:defRPr lang="en-US"/>
-            </a:defPPr>
-            <a:lvl1pPr>
-              <a:defRPr sz="900"/>
-            </a:lvl1pPr>
-          </a:lstStyle>
-          <a:p>
-            <a:r>
-              <a:rPr lang="en-US" sz="600"/>
-              <a:t>po_hash|po_stamps|po_min_stamp|po_max_stamp|po_name|po_pixel_x|po_pixel_y|po_polygon</a:t>
-            </a:r>
-            <a:endParaRPr lang="en-AU" sz="600"/>
-          </a:p>
-          <a:p>
-            <a:endParaRPr lang="en-GB" sz="200"/>
-          </a:p>
-        </p:txBody>
-      </p:sp>
-      <p:sp>
-        <p:nvSpPr>
-          <p:cNvPr id="81" name="TextBox 80">
-            <a:extLst>
-              <a:ext uri="{FF2B5EF4-FFF2-40B4-BE49-F238E27FC236}">
-                <a16:creationId xmlns:a16="http://schemas.microsoft.com/office/drawing/2014/main" id="{B9EED8E5-F875-44AB-AC1B-956CC7CB498F}"/>
-              </a:ext>
-            </a:extLst>
-          </p:cNvPr>
-          <p:cNvSpPr txBox="1"/>
-          <p:nvPr/>
-        </p:nvSpPr>
-        <p:spPr>
-          <a:xfrm>
-            <a:off x="1223543" y="1801479"/>
-            <a:ext cx="3275090" cy="338554"/>
-          </a:xfrm>
-          <a:prstGeom prst="rect">
-            <a:avLst/>
-          </a:prstGeom>
-          <a:solidFill>
-            <a:schemeClr val="bg1"/>
-          </a:solidFill>
-          <a:ln>
-            <a:solidFill>
-              <a:schemeClr val="accent1">
-                <a:shade val="50000"/>
-              </a:schemeClr>
-            </a:solidFill>
-          </a:ln>
-        </p:spPr>
-        <p:txBody>
-          <a:bodyPr wrap="square" rtlCol="0">
-            <a:spAutoFit/>
-          </a:bodyPr>
-          <a:lstStyle>
-            <a:defPPr>
-              <a:defRPr lang="en-US"/>
-            </a:defPPr>
-            <a:lvl1pPr>
-              <a:defRPr sz="900"/>
-            </a:lvl1pPr>
-          </a:lstStyle>
-          <a:p>
-            <a:r>
-              <a:rPr lang="en-US" sz="700"/>
-              <a:t>bba3…0a30 | {"2017-01-01…"2017-12-27 11:00:00+11"}| 2017-01-01|bare_soil |463.50…45|-463.50…45|0103…5041</a:t>
-            </a:r>
-            <a:endParaRPr lang="en-AU" sz="700"/>
-          </a:p>
-          <a:p>
-            <a:endParaRPr lang="en-GB" sz="200"/>
-          </a:p>
-        </p:txBody>
-      </p:sp>
-      <p:sp>
-        <p:nvSpPr>
-          <p:cNvPr id="86" name="Hexagon 85">
-            <a:extLst>
-              <a:ext uri="{FF2B5EF4-FFF2-40B4-BE49-F238E27FC236}">
-                <a16:creationId xmlns:a16="http://schemas.microsoft.com/office/drawing/2014/main" id="{3E86E3E9-DDB7-4225-AFFA-866F3EC48EEB}"/>
-              </a:ext>
-            </a:extLst>
-          </p:cNvPr>
-          <p:cNvSpPr/>
-          <p:nvPr/>
-        </p:nvSpPr>
-        <p:spPr>
-          <a:xfrm>
-            <a:off x="182258" y="1407816"/>
-            <a:ext cx="962108" cy="743447"/>
-          </a:xfrm>
-          <a:prstGeom prst="hexagon">
-            <a:avLst/>
-          </a:prstGeom>
-          <a:solidFill>
-            <a:schemeClr val="bg1"/>
-          </a:solidFill>
-        </p:spPr>
-        <p:style>
-          <a:lnRef idx="2">
-            <a:schemeClr val="accent1">
-              <a:shade val="50000"/>
-            </a:schemeClr>
-          </a:lnRef>
-          <a:fillRef idx="1">
-            <a:schemeClr val="accent1"/>
-          </a:fillRef>
-          <a:effectRef idx="0">
-            <a:schemeClr val="accent1"/>
-          </a:effectRef>
-          <a:fontRef idx="minor">
-            <a:schemeClr val="lt1"/>
-          </a:fontRef>
-        </p:style>
-        <p:txBody>
-          <a:bodyPr rtlCol="0" anchor="ctr"/>
-          <a:lstStyle/>
-          <a:p>
-            <a:pPr algn="ctr"/>
-            <a:endParaRPr lang="en-AU" sz="1100">
-              <a:solidFill>
-                <a:schemeClr val="tx1"/>
-              </a:solidFill>
-            </a:endParaRPr>
-          </a:p>
-        </p:txBody>
-      </p:sp>
-      <p:sp>
-        <p:nvSpPr>
-          <p:cNvPr id="111" name="TextBox 110">
-            <a:extLst>
-              <a:ext uri="{FF2B5EF4-FFF2-40B4-BE49-F238E27FC236}">
-                <a16:creationId xmlns:a16="http://schemas.microsoft.com/office/drawing/2014/main" id="{8BF98FC6-48CA-4C1B-9AA3-9DFF31660FD5}"/>
-              </a:ext>
-            </a:extLst>
-          </p:cNvPr>
-          <p:cNvSpPr txBox="1"/>
-          <p:nvPr/>
-        </p:nvSpPr>
-        <p:spPr>
-          <a:xfrm>
-            <a:off x="238834" y="2230821"/>
-            <a:ext cx="3275089" cy="230832"/>
-          </a:xfrm>
-          <a:prstGeom prst="rect">
-            <a:avLst/>
-          </a:prstGeom>
-          <a:gradFill flip="none" rotWithShape="1">
-            <a:gsLst>
-              <a:gs pos="0">
-                <a:schemeClr val="accent4">
-                  <a:lumMod val="60000"/>
-                  <a:lumOff val="40000"/>
-                  <a:shade val="30000"/>
-                  <a:satMod val="115000"/>
-                </a:schemeClr>
-              </a:gs>
-              <a:gs pos="50000">
-                <a:schemeClr val="accent4">
-                  <a:lumMod val="60000"/>
-                  <a:lumOff val="40000"/>
-                  <a:shade val="67500"/>
-                  <a:satMod val="115000"/>
-                </a:schemeClr>
-              </a:gs>
-              <a:gs pos="100000">
-                <a:schemeClr val="accent4">
-                  <a:lumMod val="60000"/>
-                  <a:lumOff val="40000"/>
-                  <a:shade val="100000"/>
-                  <a:satMod val="115000"/>
-                </a:schemeClr>
-              </a:gs>
-            </a:gsLst>
-            <a:lin ang="16200000" scaled="1"/>
-            <a:tileRect/>
-          </a:gradFill>
-          <a:ln>
-            <a:solidFill>
-              <a:schemeClr val="accent1">
-                <a:shade val="50000"/>
-              </a:schemeClr>
-            </a:solidFill>
-          </a:ln>
-        </p:spPr>
-        <p:txBody>
-          <a:bodyPr wrap="square" rtlCol="0">
-            <a:spAutoFit/>
-          </a:bodyPr>
-          <a:lstStyle>
-            <a:defPPr>
-              <a:defRPr lang="en-US"/>
-            </a:defPPr>
-            <a:lvl1pPr>
-              <a:defRPr sz="900"/>
-            </a:lvl1pPr>
-          </a:lstStyle>
-          <a:p>
-            <a:r>
-              <a:rPr lang="en-US" sz="800"/>
-              <a:t>srid|auth_name|auth_srid|srtext|proj4text</a:t>
-            </a:r>
-            <a:endParaRPr lang="en-AU" sz="800"/>
-          </a:p>
-          <a:p>
-            <a:endParaRPr lang="en-GB" sz="100"/>
-          </a:p>
-        </p:txBody>
-      </p:sp>
-      <p:sp>
-        <p:nvSpPr>
-          <p:cNvPr id="112" name="TextBox 111">
-            <a:extLst>
-              <a:ext uri="{FF2B5EF4-FFF2-40B4-BE49-F238E27FC236}">
-                <a16:creationId xmlns:a16="http://schemas.microsoft.com/office/drawing/2014/main" id="{1F42BBB5-DCE8-4145-90BB-DD11E52365B0}"/>
-              </a:ext>
-            </a:extLst>
-          </p:cNvPr>
-          <p:cNvSpPr txBox="1"/>
-          <p:nvPr/>
-        </p:nvSpPr>
-        <p:spPr>
-          <a:xfrm>
-            <a:off x="238834" y="2489036"/>
-            <a:ext cx="3275090" cy="646331"/>
-          </a:xfrm>
-          <a:prstGeom prst="rect">
-            <a:avLst/>
-          </a:prstGeom>
-          <a:solidFill>
-            <a:schemeClr val="bg1"/>
-          </a:solidFill>
-          <a:ln>
-            <a:solidFill>
-              <a:schemeClr val="accent1">
-                <a:shade val="50000"/>
-              </a:schemeClr>
-            </a:solidFill>
-          </a:ln>
-        </p:spPr>
-        <p:txBody>
-          <a:bodyPr wrap="square" rtlCol="0">
-            <a:spAutoFit/>
-          </a:bodyPr>
-          <a:lstStyle>
-            <a:defPPr>
-              <a:defRPr lang="en-US"/>
-            </a:defPPr>
-            <a:lvl1pPr>
-              <a:defRPr sz="900"/>
-            </a:lvl1pPr>
-          </a:lstStyle>
-          <a:p>
-            <a:r>
-              <a:rPr lang="en-US" sz="700"/>
-              <a:t>3819|EPSG|3819|GEOGCS["HD1909",DATUM["Hung…1909",SPHEROID["Bessel1841",6377397.155,299.15,AUTHORITY["EPSG","7004"]],TOWGS84[595.48,121.69,515.35,4.115,-2.93,0.853,-3.408],AUTH["EPSG","1024"]],PRIMEM["Grwich",0,AUTH["EPSG","8901"]],UNIT["deg",0.01…33,AUTH["EPSG","9122"]],AUTH["EPSG","3819"]]</a:t>
-            </a:r>
-            <a:endParaRPr lang="en-AU" sz="700"/>
-          </a:p>
-          <a:p>
-            <a:endParaRPr lang="en-GB" sz="100"/>
-          </a:p>
-        </p:txBody>
-      </p:sp>
-      <p:sp>
-        <p:nvSpPr>
-          <p:cNvPr id="89" name="TextBox 88">
-            <a:extLst>
-              <a:ext uri="{FF2B5EF4-FFF2-40B4-BE49-F238E27FC236}">
-                <a16:creationId xmlns:a16="http://schemas.microsoft.com/office/drawing/2014/main" id="{CC10D1D5-9717-4075-93C3-F1BE3531F8BD}"/>
-              </a:ext>
-            </a:extLst>
-          </p:cNvPr>
-          <p:cNvSpPr txBox="1"/>
-          <p:nvPr/>
-        </p:nvSpPr>
-        <p:spPr>
-          <a:xfrm>
-            <a:off x="238834" y="4045971"/>
-            <a:ext cx="2526648" cy="923330"/>
-          </a:xfrm>
-          <a:prstGeom prst="rect">
-            <a:avLst/>
-          </a:prstGeom>
-          <a:solidFill>
-            <a:schemeClr val="bg1"/>
-          </a:solidFill>
-          <a:ln>
-            <a:solidFill>
-              <a:schemeClr val="accent1">
-                <a:shade val="50000"/>
-              </a:schemeClr>
-            </a:solidFill>
-          </a:ln>
-        </p:spPr>
-        <p:txBody>
-          <a:bodyPr wrap="square" rtlCol="0">
-            <a:spAutoFit/>
-          </a:bodyPr>
-          <a:lstStyle>
-            <a:defPPr>
-              <a:defRPr lang="en-US"/>
-            </a:defPPr>
-            <a:lvl1pPr>
-              <a:defRPr sz="900"/>
-            </a:lvl1pPr>
-          </a:lstStyle>
-          <a:p>
-            <a:r>
-              <a:rPr lang="en-US" sz="600"/>
-              <a:t>100000 </a:t>
-            </a:r>
-            <a:r>
-              <a:rPr lang="en-US" sz="600">
-                <a:solidFill>
-                  <a:srgbClr val="FF0000"/>
-                </a:solidFill>
-              </a:rPr>
-              <a:t>|</a:t>
-            </a:r>
-            <a:r>
-              <a:rPr lang="en-US" sz="600"/>
-              <a:t> NCI </a:t>
-            </a:r>
-            <a:r>
-              <a:rPr lang="en-US" sz="600">
-                <a:solidFill>
-                  <a:srgbClr val="FF0000"/>
-                </a:solidFill>
-              </a:rPr>
-              <a:t>|</a:t>
-            </a:r>
-            <a:r>
-              <a:rPr lang="en-US" sz="600"/>
-              <a:t>  PROJCS["unnamed",GEOGCS["Unknown datum",DATUM["Not specified",SPHEROID["Custom spheroid",6371007.181,0]],PRIMEM["Greenwich",0],UNIT["degree",0.0174532925199433]],PROJECTION["Sinusoidal"],PARAMETER["longitude_of_center",0],PARAMETER["false_easting",0],PARAMETER["false_northing",0],UNIT["Meter",1]] </a:t>
-            </a:r>
-            <a:r>
-              <a:rPr lang="en-US" sz="600">
-                <a:solidFill>
-                  <a:srgbClr val="FF0000"/>
-                </a:solidFill>
-              </a:rPr>
-              <a:t>|</a:t>
-            </a:r>
-            <a:r>
-              <a:rPr lang="en-US" sz="600"/>
-              <a:t> +proj=sinu +lon_0=0 +x_0=0 +y_0=0+a=6371007.181 +b=6371007.181 +units=m +no_defs</a:t>
-            </a:r>
-            <a:endParaRPr lang="en-AU" sz="600"/>
-          </a:p>
-          <a:p>
-            <a:r>
-              <a:rPr lang="en-US" sz="600"/>
-              <a:t>(1 row)</a:t>
-            </a:r>
-            <a:endParaRPr lang="en-AU" sz="600"/>
-          </a:p>
-        </p:txBody>
-      </p:sp>
-      <p:sp>
-        <p:nvSpPr>
-          <p:cNvPr id="91" name="TextBox 90">
-            <a:extLst>
-              <a:ext uri="{FF2B5EF4-FFF2-40B4-BE49-F238E27FC236}">
-                <a16:creationId xmlns:a16="http://schemas.microsoft.com/office/drawing/2014/main" id="{FAA86534-6EA4-44AB-8B4E-BCB05B275013}"/>
-              </a:ext>
-            </a:extLst>
-          </p:cNvPr>
-          <p:cNvSpPr txBox="1"/>
-          <p:nvPr/>
-        </p:nvSpPr>
-        <p:spPr>
-          <a:xfrm>
-            <a:off x="238834" y="3824766"/>
-            <a:ext cx="2526648" cy="215444"/>
+            <a:ext cx="3046027" cy="338554"/>
           </a:xfrm>
           <a:prstGeom prst="rect">
             <a:avLst/>
@@ -23287,6 +27669,426 @@
             </a:lvl1pPr>
           </a:lstStyle>
           <a:p>
+            <a:r>
+              <a:rPr lang="en-US" sz="800"/>
+              <a:t>po_hash|po_stamps|po_min_stamp|po_max_stamp|po_name|po_pixel_x|po_pixel_y|po_polygon</a:t>
+            </a:r>
+            <a:endParaRPr lang="en-AU" sz="800"/>
+          </a:p>
+        </p:txBody>
+      </p:sp>
+      <p:sp>
+        <p:nvSpPr>
+          <p:cNvPr id="81" name="TextBox 80">
+            <a:extLst>
+              <a:ext uri="{FF2B5EF4-FFF2-40B4-BE49-F238E27FC236}">
+                <a16:creationId xmlns:a16="http://schemas.microsoft.com/office/drawing/2014/main" id="{B9EED8E5-F875-44AB-AC1B-956CC7CB498F}"/>
+              </a:ext>
+            </a:extLst>
+          </p:cNvPr>
+          <p:cNvSpPr txBox="1"/>
+          <p:nvPr/>
+        </p:nvSpPr>
+        <p:spPr>
+          <a:xfrm>
+            <a:off x="1223543" y="1801479"/>
+            <a:ext cx="3046027" cy="338554"/>
+          </a:xfrm>
+          <a:prstGeom prst="rect">
+            <a:avLst/>
+          </a:prstGeom>
+          <a:solidFill>
+            <a:schemeClr val="bg1"/>
+          </a:solidFill>
+          <a:ln>
+            <a:solidFill>
+              <a:schemeClr val="accent1">
+                <a:shade val="50000"/>
+              </a:schemeClr>
+            </a:solidFill>
+          </a:ln>
+        </p:spPr>
+        <p:txBody>
+          <a:bodyPr wrap="square" rtlCol="0">
+            <a:spAutoFit/>
+          </a:bodyPr>
+          <a:lstStyle>
+            <a:defPPr>
+              <a:defRPr lang="en-US"/>
+            </a:defPPr>
+            <a:lvl1pPr>
+              <a:defRPr sz="900"/>
+            </a:lvl1pPr>
+          </a:lstStyle>
+          <a:p>
+            <a:r>
+              <a:rPr lang="en-US" sz="700"/>
+              <a:t>bba3…0a30 | {"2017-01-01…"2017-12-27 11:00:00+11"}| 2017-01-01|bare_soil |463.50…45|-463.50…45|0103…5041</a:t>
+            </a:r>
+            <a:endParaRPr lang="en-AU" sz="700"/>
+          </a:p>
+          <a:p>
+            <a:endParaRPr lang="en-GB" sz="200"/>
+          </a:p>
+        </p:txBody>
+      </p:sp>
+      <p:sp>
+        <p:nvSpPr>
+          <p:cNvPr id="86" name="Hexagon 85">
+            <a:extLst>
+              <a:ext uri="{FF2B5EF4-FFF2-40B4-BE49-F238E27FC236}">
+                <a16:creationId xmlns:a16="http://schemas.microsoft.com/office/drawing/2014/main" id="{3E86E3E9-DDB7-4225-AFFA-866F3EC48EEB}"/>
+              </a:ext>
+            </a:extLst>
+          </p:cNvPr>
+          <p:cNvSpPr/>
+          <p:nvPr/>
+        </p:nvSpPr>
+        <p:spPr>
+          <a:xfrm>
+            <a:off x="182258" y="1407816"/>
+            <a:ext cx="962108" cy="743447"/>
+          </a:xfrm>
+          <a:prstGeom prst="hexagon">
+            <a:avLst/>
+          </a:prstGeom>
+          <a:solidFill>
+            <a:schemeClr val="bg1"/>
+          </a:solidFill>
+        </p:spPr>
+        <p:style>
+          <a:lnRef idx="2">
+            <a:schemeClr val="accent1">
+              <a:shade val="50000"/>
+            </a:schemeClr>
+          </a:lnRef>
+          <a:fillRef idx="1">
+            <a:schemeClr val="accent1"/>
+          </a:fillRef>
+          <a:effectRef idx="0">
+            <a:schemeClr val="accent1"/>
+          </a:effectRef>
+          <a:fontRef idx="minor">
+            <a:schemeClr val="lt1"/>
+          </a:fontRef>
+        </p:style>
+        <p:txBody>
+          <a:bodyPr rtlCol="0" anchor="ctr"/>
+          <a:lstStyle/>
+          <a:p>
+            <a:pPr algn="ctr"/>
+            <a:endParaRPr lang="en-AU" sz="1100">
+              <a:solidFill>
+                <a:schemeClr val="tx1"/>
+              </a:solidFill>
+            </a:endParaRPr>
+          </a:p>
+        </p:txBody>
+      </p:sp>
+      <p:sp>
+        <p:nvSpPr>
+          <p:cNvPr id="111" name="TextBox 110">
+            <a:extLst>
+              <a:ext uri="{FF2B5EF4-FFF2-40B4-BE49-F238E27FC236}">
+                <a16:creationId xmlns:a16="http://schemas.microsoft.com/office/drawing/2014/main" id="{8BF98FC6-48CA-4C1B-9AA3-9DFF31660FD5}"/>
+              </a:ext>
+            </a:extLst>
+          </p:cNvPr>
+          <p:cNvSpPr txBox="1"/>
+          <p:nvPr/>
+        </p:nvSpPr>
+        <p:spPr>
+          <a:xfrm>
+            <a:off x="238834" y="2230821"/>
+            <a:ext cx="3275089" cy="215444"/>
+          </a:xfrm>
+          <a:prstGeom prst="rect">
+            <a:avLst/>
+          </a:prstGeom>
+          <a:gradFill flip="none" rotWithShape="1">
+            <a:gsLst>
+              <a:gs pos="0">
+                <a:schemeClr val="accent6">
+                  <a:lumMod val="60000"/>
+                  <a:lumOff val="40000"/>
+                  <a:shade val="30000"/>
+                  <a:satMod val="115000"/>
+                </a:schemeClr>
+              </a:gs>
+              <a:gs pos="50000">
+                <a:schemeClr val="accent6">
+                  <a:lumMod val="60000"/>
+                  <a:lumOff val="40000"/>
+                  <a:shade val="67500"/>
+                  <a:satMod val="115000"/>
+                </a:schemeClr>
+              </a:gs>
+              <a:gs pos="100000">
+                <a:schemeClr val="accent6">
+                  <a:lumMod val="60000"/>
+                  <a:lumOff val="40000"/>
+                  <a:shade val="100000"/>
+                  <a:satMod val="115000"/>
+                </a:schemeClr>
+              </a:gs>
+            </a:gsLst>
+            <a:lin ang="16200000" scaled="1"/>
+            <a:tileRect/>
+          </a:gradFill>
+          <a:ln>
+            <a:solidFill>
+              <a:schemeClr val="accent1">
+                <a:shade val="50000"/>
+              </a:schemeClr>
+            </a:solidFill>
+          </a:ln>
+        </p:spPr>
+        <p:txBody>
+          <a:bodyPr wrap="square" rtlCol="0">
+            <a:spAutoFit/>
+          </a:bodyPr>
+          <a:lstStyle>
+            <a:defPPr>
+              <a:defRPr lang="en-US"/>
+            </a:defPPr>
+            <a:lvl1pPr>
+              <a:defRPr sz="800"/>
+            </a:lvl1pPr>
+          </a:lstStyle>
+          <a:p>
+            <a:r>
+              <a:rPr lang="en-US"/>
+              <a:t>srid|auth_name|auth_srid|srtext|proj4text</a:t>
+            </a:r>
+            <a:endParaRPr lang="en-AU"/>
+          </a:p>
+        </p:txBody>
+      </p:sp>
+      <p:sp>
+        <p:nvSpPr>
+          <p:cNvPr id="112" name="TextBox 111">
+            <a:extLst>
+              <a:ext uri="{FF2B5EF4-FFF2-40B4-BE49-F238E27FC236}">
+                <a16:creationId xmlns:a16="http://schemas.microsoft.com/office/drawing/2014/main" id="{1F42BBB5-DCE8-4145-90BB-DD11E52365B0}"/>
+              </a:ext>
+            </a:extLst>
+          </p:cNvPr>
+          <p:cNvSpPr txBox="1"/>
+          <p:nvPr/>
+        </p:nvSpPr>
+        <p:spPr>
+          <a:xfrm>
+            <a:off x="238834" y="2460755"/>
+            <a:ext cx="3275090" cy="646331"/>
+          </a:xfrm>
+          <a:prstGeom prst="rect">
+            <a:avLst/>
+          </a:prstGeom>
+          <a:solidFill>
+            <a:schemeClr val="bg1"/>
+          </a:solidFill>
+          <a:ln>
+            <a:solidFill>
+              <a:schemeClr val="accent1">
+                <a:shade val="50000"/>
+              </a:schemeClr>
+            </a:solidFill>
+          </a:ln>
+        </p:spPr>
+        <p:txBody>
+          <a:bodyPr wrap="square" rtlCol="0">
+            <a:spAutoFit/>
+          </a:bodyPr>
+          <a:lstStyle>
+            <a:defPPr>
+              <a:defRPr lang="en-US"/>
+            </a:defPPr>
+            <a:lvl1pPr>
+              <a:defRPr sz="900"/>
+            </a:lvl1pPr>
+          </a:lstStyle>
+          <a:p>
+            <a:r>
+              <a:rPr lang="en-US" sz="700"/>
+              <a:t>3819|EPSG|3819|GEOGCS["HD1909",DATUM["Hung…1909",SPHEROID["Bessel1841",6377397.155,299.15,AUTHORITY["EPSG","7004"]],TOWGS84[595.48,121.69,515.35,4.115,-2.93,0.853,-3.408],AUTH["EPSG","1024"]],PRIMEM["Grwich",0,AUTH["EPSG","8901"]],UNIT["deg",0.01…33,AUTH["EPSG","9122"]],AUTH["EPSG","3819"]]</a:t>
+            </a:r>
+            <a:endParaRPr lang="en-AU" sz="700"/>
+          </a:p>
+          <a:p>
+            <a:endParaRPr lang="en-GB" sz="100"/>
+          </a:p>
+        </p:txBody>
+      </p:sp>
+      <p:sp>
+        <p:nvSpPr>
+          <p:cNvPr id="89" name="TextBox 88">
+            <a:extLst>
+              <a:ext uri="{FF2B5EF4-FFF2-40B4-BE49-F238E27FC236}">
+                <a16:creationId xmlns:a16="http://schemas.microsoft.com/office/drawing/2014/main" id="{CC10D1D5-9717-4075-93C3-F1BE3531F8BD}"/>
+              </a:ext>
+            </a:extLst>
+          </p:cNvPr>
+          <p:cNvSpPr txBox="1"/>
+          <p:nvPr/>
+        </p:nvSpPr>
+        <p:spPr>
+          <a:xfrm>
+            <a:off x="238834" y="4045971"/>
+            <a:ext cx="2526648" cy="923330"/>
+          </a:xfrm>
+          <a:prstGeom prst="rect">
+            <a:avLst/>
+          </a:prstGeom>
+          <a:solidFill>
+            <a:schemeClr val="bg1"/>
+          </a:solidFill>
+          <a:ln>
+            <a:solidFill>
+              <a:schemeClr val="accent1">
+                <a:shade val="50000"/>
+              </a:schemeClr>
+            </a:solidFill>
+          </a:ln>
+        </p:spPr>
+        <p:txBody>
+          <a:bodyPr wrap="square" rtlCol="0">
+            <a:spAutoFit/>
+          </a:bodyPr>
+          <a:lstStyle>
+            <a:defPPr>
+              <a:defRPr lang="en-US"/>
+            </a:defPPr>
+            <a:lvl1pPr>
+              <a:defRPr sz="900"/>
+            </a:lvl1pPr>
+          </a:lstStyle>
+          <a:p>
+            <a:r>
+              <a:rPr lang="en-US" sz="600"/>
+              <a:t>100000 </a:t>
+            </a:r>
+            <a:r>
+              <a:rPr lang="en-US" sz="600">
+                <a:solidFill>
+                  <a:srgbClr val="FF0000"/>
+                </a:solidFill>
+              </a:rPr>
+              <a:t>|</a:t>
+            </a:r>
+            <a:r>
+              <a:rPr lang="en-US" sz="600"/>
+              <a:t> NCI </a:t>
+            </a:r>
+            <a:r>
+              <a:rPr lang="en-US" sz="600">
+                <a:solidFill>
+                  <a:srgbClr val="FF0000"/>
+                </a:solidFill>
+              </a:rPr>
+              <a:t>|</a:t>
+            </a:r>
+            <a:r>
+              <a:rPr lang="en-US" sz="600"/>
+              <a:t>  PROJCS["unnamed",GEOGCS["Unknown datum",DATUM["Not specified",SPHEROID["Custom spheroid",6371007.181,0]],PRIMEM["Greenwich",0],UNIT["degree",0.0174532925199433]],PROJECTION["Sinusoidal"],PARAMETER["longitude_of_center",0],PARAMETER["false_easting",0],PARAMETER["false_northing",0],UNIT["Meter",1]] </a:t>
+            </a:r>
+            <a:r>
+              <a:rPr lang="en-US" sz="600">
+                <a:solidFill>
+                  <a:srgbClr val="FF0000"/>
+                </a:solidFill>
+              </a:rPr>
+              <a:t>|</a:t>
+            </a:r>
+            <a:r>
+              <a:rPr lang="en-US" sz="600"/>
+              <a:t> +proj=sinu +lon_0=0 +x_0=0 +y_0=0+a=6371007.181 +b=6371007.181 +units=m +no_defs</a:t>
+            </a:r>
+            <a:endParaRPr lang="en-AU" sz="600"/>
+          </a:p>
+          <a:p>
+            <a:r>
+              <a:rPr lang="en-US" sz="600"/>
+              <a:t>(1 row)</a:t>
+            </a:r>
+            <a:endParaRPr lang="en-AU" sz="600"/>
+          </a:p>
+        </p:txBody>
+      </p:sp>
+      <p:sp>
+        <p:nvSpPr>
+          <p:cNvPr id="91" name="TextBox 90">
+            <a:extLst>
+              <a:ext uri="{FF2B5EF4-FFF2-40B4-BE49-F238E27FC236}">
+                <a16:creationId xmlns:a16="http://schemas.microsoft.com/office/drawing/2014/main" id="{FAA86534-6EA4-44AB-8B4E-BCB05B275013}"/>
+              </a:ext>
+            </a:extLst>
+          </p:cNvPr>
+          <p:cNvSpPr txBox="1"/>
+          <p:nvPr/>
+        </p:nvSpPr>
+        <p:spPr>
+          <a:xfrm>
+            <a:off x="238834" y="3824766"/>
+            <a:ext cx="2526648" cy="230832"/>
+          </a:xfrm>
+          <a:prstGeom prst="rect">
+            <a:avLst/>
+          </a:prstGeom>
+          <a:gradFill flip="none" rotWithShape="1">
+            <a:gsLst>
+              <a:gs pos="0">
+                <a:schemeClr val="accent6">
+                  <a:lumMod val="60000"/>
+                  <a:lumOff val="40000"/>
+                  <a:shade val="30000"/>
+                  <a:satMod val="115000"/>
+                </a:schemeClr>
+              </a:gs>
+              <a:gs pos="50000">
+                <a:schemeClr val="accent6">
+                  <a:lumMod val="60000"/>
+                  <a:lumOff val="40000"/>
+                  <a:shade val="67500"/>
+                  <a:satMod val="115000"/>
+                </a:schemeClr>
+              </a:gs>
+              <a:gs pos="100000">
+                <a:schemeClr val="accent6">
+                  <a:lumMod val="60000"/>
+                  <a:lumOff val="40000"/>
+                  <a:shade val="100000"/>
+                  <a:satMod val="115000"/>
+                </a:schemeClr>
+              </a:gs>
+            </a:gsLst>
+            <a:lin ang="16200000" scaled="1"/>
+            <a:tileRect/>
+          </a:gradFill>
+          <a:ln>
+            <a:solidFill>
+              <a:schemeClr val="accent1">
+                <a:shade val="50000"/>
+              </a:schemeClr>
+            </a:solidFill>
+          </a:ln>
+        </p:spPr>
+        <p:txBody>
+          <a:bodyPr wrap="square" rtlCol="0">
+            <a:spAutoFit/>
+          </a:bodyPr>
+          <a:lstStyle>
+            <a:defPPr>
+              <a:defRPr lang="en-US"/>
+            </a:defPPr>
+            <a:lvl1pPr>
+              <a:defRPr sz="900"/>
+            </a:lvl1pPr>
+          </a:lstStyle>
+          <a:p>
+            <a:r>
+              <a:rPr lang="en-US"/>
+              <a:t>srid|auth_name|srtext|proj4text</a:t>
+            </a:r>
             <a:endParaRPr lang="en-AU" sz="800"/>
           </a:p>
         </p:txBody>
@@ -25257,50 +30059,6 @@
       </p:sp>
       <p:sp>
         <p:nvSpPr>
-          <p:cNvPr id="36" name="TextBox 35">
-            <a:extLst>
-              <a:ext uri="{FF2B5EF4-FFF2-40B4-BE49-F238E27FC236}">
-                <a16:creationId xmlns:a16="http://schemas.microsoft.com/office/drawing/2014/main" id="{6D42E992-8766-45E7-8357-1475D4F44FC7}"/>
-              </a:ext>
-            </a:extLst>
-          </p:cNvPr>
-          <p:cNvSpPr txBox="1"/>
-          <p:nvPr/>
-        </p:nvSpPr>
-        <p:spPr>
-          <a:xfrm>
-            <a:off x="2878377" y="3171096"/>
-            <a:ext cx="1122665" cy="307777"/>
-          </a:xfrm>
-          <a:prstGeom prst="rect">
-            <a:avLst/>
-          </a:prstGeom>
-          <a:noFill/>
-        </p:spPr>
-        <p:txBody>
-          <a:bodyPr wrap="square" rtlCol="0">
-            <a:spAutoFit/>
-          </a:bodyPr>
-          <a:lstStyle/>
-          <a:p>
-            <a:r>
-              <a:rPr lang="en-AU" sz="1400" b="1">
-                <a:solidFill>
-                  <a:schemeClr val="bg1"/>
-                </a:solidFill>
-              </a:rPr>
-              <a:t>mas:ingest</a:t>
-            </a:r>
-            <a:endParaRPr lang="en-GB" sz="1400" b="1">
-              <a:solidFill>
-                <a:schemeClr val="bg1"/>
-              </a:solidFill>
-            </a:endParaRPr>
-          </a:p>
-        </p:txBody>
-      </p:sp>
-      <p:sp>
-        <p:nvSpPr>
           <p:cNvPr id="82" name="TextBox 81">
             <a:extLst>
               <a:ext uri="{FF2B5EF4-FFF2-40B4-BE49-F238E27FC236}">
@@ -25919,7 +30677,7 @@
             <a:r>
               <a:rPr lang="en-AU" sz="1400" b="1">
                 <a:solidFill>
-                  <a:srgbClr val="00B0F0"/>
+                  <a:srgbClr val="FFFF00"/>
                 </a:solidFill>
                 <a:cs typeface="Arial" panose="020B0604020202020204" pitchFamily="34" charset="0"/>
               </a:rPr>
@@ -25970,81 +30728,6 @@
           <a:p>
             <a:pPr algn="ctr"/>
             <a:endParaRPr lang="en-AU" sz="900"/>
-          </a:p>
-        </p:txBody>
-      </p:sp>
-      <p:sp>
-        <p:nvSpPr>
-          <p:cNvPr id="103" name="Arrow: Up 102">
-            <a:extLst>
-              <a:ext uri="{FF2B5EF4-FFF2-40B4-BE49-F238E27FC236}">
-                <a16:creationId xmlns:a16="http://schemas.microsoft.com/office/drawing/2014/main" id="{EBFB16F3-D0E9-46A4-A85D-77E5826229CD}"/>
-              </a:ext>
-            </a:extLst>
-          </p:cNvPr>
-          <p:cNvSpPr/>
-          <p:nvPr/>
-        </p:nvSpPr>
-        <p:spPr>
-          <a:xfrm>
-            <a:off x="9873755" y="934864"/>
-            <a:ext cx="220640" cy="205048"/>
-          </a:xfrm>
-          <a:prstGeom prst="upArrow">
-            <a:avLst/>
-          </a:prstGeom>
-          <a:gradFill flip="none" rotWithShape="1">
-            <a:gsLst>
-              <a:gs pos="0">
-                <a:schemeClr val="accent2">
-                  <a:shade val="30000"/>
-                  <a:satMod val="115000"/>
-                </a:schemeClr>
-              </a:gs>
-              <a:gs pos="50000">
-                <a:schemeClr val="accent2">
-                  <a:shade val="67500"/>
-                  <a:satMod val="115000"/>
-                </a:schemeClr>
-              </a:gs>
-              <a:gs pos="100000">
-                <a:schemeClr val="accent2">
-                  <a:shade val="100000"/>
-                  <a:satMod val="115000"/>
-                </a:schemeClr>
-              </a:gs>
-            </a:gsLst>
-            <a:lin ang="16200000" scaled="1"/>
-            <a:tileRect/>
-          </a:gradFill>
-          <a:ln>
-            <a:solidFill>
-              <a:schemeClr val="accent2"/>
-            </a:solidFill>
-          </a:ln>
-        </p:spPr>
-        <p:style>
-          <a:lnRef idx="2">
-            <a:schemeClr val="accent1">
-              <a:shade val="50000"/>
-            </a:schemeClr>
-          </a:lnRef>
-          <a:fillRef idx="1">
-            <a:schemeClr val="accent1"/>
-          </a:fillRef>
-          <a:effectRef idx="0">
-            <a:schemeClr val="accent1"/>
-          </a:effectRef>
-          <a:fontRef idx="minor">
-            <a:schemeClr val="lt1"/>
-          </a:fontRef>
-        </p:style>
-        <p:txBody>
-          <a:bodyPr rtlCol="0" anchor="ctr"/>
-          <a:lstStyle/>
-          <a:p>
-            <a:pPr algn="ctr"/>
-            <a:endParaRPr lang="en-GB"/>
           </a:p>
         </p:txBody>
       </p:sp>
@@ -26382,6 +31065,107 @@
           </a:p>
         </p:txBody>
       </p:sp>
+      <p:sp>
+        <p:nvSpPr>
+          <p:cNvPr id="116" name="TextBox 115">
+            <a:extLst>
+              <a:ext uri="{FF2B5EF4-FFF2-40B4-BE49-F238E27FC236}">
+                <a16:creationId xmlns:a16="http://schemas.microsoft.com/office/drawing/2014/main" id="{DDE92F07-7827-4443-9152-F0E99A0B8710}"/>
+              </a:ext>
+            </a:extLst>
+          </p:cNvPr>
+          <p:cNvSpPr txBox="1"/>
+          <p:nvPr/>
+        </p:nvSpPr>
+        <p:spPr>
+          <a:xfrm>
+            <a:off x="3130054" y="6035290"/>
+            <a:ext cx="2965945" cy="276999"/>
+          </a:xfrm>
+          <a:prstGeom prst="rect">
+            <a:avLst/>
+          </a:prstGeom>
+          <a:solidFill>
+            <a:schemeClr val="bg1"/>
+          </a:solidFill>
+          <a:ln>
+            <a:solidFill>
+              <a:schemeClr val="accent1">
+                <a:shade val="50000"/>
+              </a:schemeClr>
+            </a:solidFill>
+          </a:ln>
+        </p:spPr>
+        <p:txBody>
+          <a:bodyPr wrap="square" rtlCol="0">
+            <a:spAutoFit/>
+          </a:bodyPr>
+          <a:lstStyle>
+            <a:defPPr>
+              <a:defRPr lang="en-US"/>
+            </a:defPPr>
+            <a:lvl1pPr marL="171450" indent="-171450">
+              <a:buFontTx/>
+              <a:buChar char="-"/>
+              <a:defRPr sz="700"/>
+            </a:lvl1pPr>
+          </a:lstStyle>
+          <a:p>
+            <a:pPr marL="0" indent="0" algn="ctr">
+              <a:buNone/>
+            </a:pPr>
+            <a:r>
+              <a:rPr lang="en-AU" sz="1200" b="1">
+                <a:solidFill>
+                  <a:srgbClr val="00B050"/>
+                </a:solidFill>
+              </a:rPr>
+              <a:t>See next slide for final distributions</a:t>
+            </a:r>
+            <a:endParaRPr lang="en-GB" sz="1200" b="1">
+              <a:solidFill>
+                <a:srgbClr val="00B050"/>
+              </a:solidFill>
+            </a:endParaRPr>
+          </a:p>
+        </p:txBody>
+      </p:sp>
+      <p:sp>
+        <p:nvSpPr>
+          <p:cNvPr id="117" name="TextBox 116">
+            <a:extLst>
+              <a:ext uri="{FF2B5EF4-FFF2-40B4-BE49-F238E27FC236}">
+                <a16:creationId xmlns:a16="http://schemas.microsoft.com/office/drawing/2014/main" id="{9CDA788E-3BA5-450C-B14D-B175A7B0C990}"/>
+              </a:ext>
+            </a:extLst>
+          </p:cNvPr>
+          <p:cNvSpPr txBox="1"/>
+          <p:nvPr/>
+        </p:nvSpPr>
+        <p:spPr>
+          <a:xfrm>
+            <a:off x="11161338" y="141402"/>
+            <a:ext cx="848413" cy="246221"/>
+          </a:xfrm>
+          <a:prstGeom prst="rect">
+            <a:avLst/>
+          </a:prstGeom>
+          <a:noFill/>
+        </p:spPr>
+        <p:txBody>
+          <a:bodyPr wrap="square" rtlCol="0">
+            <a:spAutoFit/>
+          </a:bodyPr>
+          <a:lstStyle/>
+          <a:p>
+            <a:r>
+              <a:rPr lang="en-US" sz="1000"/>
+              <a:t>Slide 6 of 7</a:t>
+            </a:r>
+            <a:endParaRPr lang="en-AU" sz="1000"/>
+          </a:p>
+        </p:txBody>
+      </p:sp>
     </p:spTree>
     <p:custDataLst>
       <p:tags r:id="rId1"/>
@@ -26397,12 +31181,12 @@
   </p:clrMapOvr>
   <mc:AlternateContent xmlns:mc="http://schemas.openxmlformats.org/markup-compatibility/2006">
     <mc:Choice xmlns:p15="http://schemas.microsoft.com/office/powerpoint/2012/main" Requires="p15">
-      <p:transition xmlns:p14="http://schemas.microsoft.com/office/powerpoint/2010/main" spd="slow" p14:dur="2000">
+      <p:transition xmlns:p14="http://schemas.microsoft.com/office/powerpoint/2010/main" spd="slow" p14:dur="2000" advTm="75377">
         <p15:prstTrans prst="drape"/>
       </p:transition>
     </mc:Choice>
     <mc:Fallback>
-      <p:transition spd="slow">
+      <p:transition spd="slow" advTm="75377">
         <p:fade/>
       </p:transition>
     </mc:Fallback>
@@ -28100,6 +32884,59 @@
                       </p:childTnLst>
                     </p:cTn>
                   </p:par>
+                  <p:par>
+                    <p:cTn id="164" fill="hold">
+                      <p:stCondLst>
+                        <p:cond delay="indefinite"/>
+                      </p:stCondLst>
+                      <p:childTnLst>
+                        <p:par>
+                          <p:cTn id="165" fill="hold">
+                            <p:stCondLst>
+                              <p:cond delay="0"/>
+                            </p:stCondLst>
+                            <p:childTnLst>
+                              <p:par>
+                                <p:cTn id="166" presetID="10" presetClass="entr" presetSubtype="0" fill="hold" grpId="0" nodeType="clickEffect">
+                                  <p:stCondLst>
+                                    <p:cond delay="0"/>
+                                  </p:stCondLst>
+                                  <p:childTnLst>
+                                    <p:set>
+                                      <p:cBhvr>
+                                        <p:cTn id="167" dur="1" fill="hold">
+                                          <p:stCondLst>
+                                            <p:cond delay="0"/>
+                                          </p:stCondLst>
+                                        </p:cTn>
+                                        <p:tgtEl>
+                                          <p:spTgt spid="116"/>
+                                        </p:tgtEl>
+                                        <p:attrNameLst>
+                                          <p:attrName>style.visibility</p:attrName>
+                                        </p:attrNameLst>
+                                      </p:cBhvr>
+                                      <p:to>
+                                        <p:strVal val="visible"/>
+                                      </p:to>
+                                    </p:set>
+                                    <p:animEffect transition="in" filter="fade">
+                                      <p:cBhvr>
+                                        <p:cTn id="168" dur="500"/>
+                                        <p:tgtEl>
+                                          <p:spTgt spid="116"/>
+                                        </p:tgtEl>
+                                      </p:cBhvr>
+                                    </p:animEffect>
+                                  </p:childTnLst>
+                                </p:cTn>
+                              </p:par>
+                            </p:childTnLst>
+                          </p:cTn>
+                        </p:par>
+                      </p:childTnLst>
+                    </p:cTn>
+                  </p:par>
                 </p:childTnLst>
               </p:cTn>
               <p:prevCondLst>
@@ -28155,12 +32992,13 @@
       <p:bldP spid="96" grpId="0" animBg="1"/>
       <p:bldP spid="88" grpId="0" animBg="1"/>
       <p:bldP spid="98" grpId="0" animBg="1"/>
+      <p:bldP spid="116" grpId="0" animBg="1"/>
     </p:bldLst>
   </p:timing>
 </p:sld>
 </file>
 
-<file path=ppt/slides/slide6.xml><?xml version="1.0" encoding="utf-8"?>
+<file path=ppt/slides/slide7.xml><?xml version="1.0" encoding="utf-8"?>
 <p:sld xmlns:a="http://schemas.openxmlformats.org/drawingml/2006/main" xmlns:r="http://schemas.openxmlformats.org/officeDocument/2006/relationships" xmlns:p="http://schemas.openxmlformats.org/presentationml/2006/main">
   <p:cSld>
     <p:spTree>
@@ -28987,7 +33825,7 @@
         <p:spPr>
           <a:xfrm>
             <a:off x="2873571" y="5922631"/>
-            <a:ext cx="4845571" cy="369332"/>
+            <a:ext cx="4845571" cy="461665"/>
           </a:xfrm>
           <a:prstGeom prst="rect">
             <a:avLst/>
@@ -29000,17 +33838,15 @@
           </a:bodyPr>
           <a:lstStyle/>
           <a:p>
+            <a:pPr algn="ctr"/>
             <a:r>
-              <a:rPr lang="en-AU" sz="900" b="1"/>
-              <a:t>NOTE:</a:t>
+              <a:rPr lang="en-AU" sz="2400" b="1">
+                <a:solidFill>
+                  <a:srgbClr val="00B050"/>
+                </a:solidFill>
+              </a:rPr>
+              <a:t>End of the slide show !</a:t>
             </a:r>
-          </a:p>
-          <a:p>
-            <a:r>
-              <a:rPr lang="en-AU" sz="900"/>
-              <a:t>The slide shows the overall distribution of data. See the document for details.</a:t>
-            </a:r>
-            <a:endParaRPr lang="en-GB" sz="900"/>
           </a:p>
         </p:txBody>
       </p:sp>
@@ -29892,186 +34728,6 @@
           </p:txBody>
         </p:sp>
       </p:grpSp>
-      <p:cxnSp>
-        <p:nvCxnSpPr>
-          <p:cNvPr id="32" name="Straight Arrow Connector 31"/>
-          <p:cNvCxnSpPr/>
-          <p:nvPr/>
-        </p:nvCxnSpPr>
-        <p:spPr>
-          <a:xfrm flipH="1" flipV="1">
-            <a:off x="4768271" y="1082121"/>
-            <a:ext cx="1029882" cy="220213"/>
-          </a:xfrm>
-          <a:prstGeom prst="straightConnector1">
-            <a:avLst/>
-          </a:prstGeom>
-          <a:ln>
-            <a:tailEnd type="triangle"/>
-          </a:ln>
-        </p:spPr>
-        <p:style>
-          <a:lnRef idx="1">
-            <a:schemeClr val="accent1"/>
-          </a:lnRef>
-          <a:fillRef idx="0">
-            <a:schemeClr val="accent1"/>
-          </a:fillRef>
-          <a:effectRef idx="0">
-            <a:schemeClr val="accent1"/>
-          </a:effectRef>
-          <a:fontRef idx="minor">
-            <a:schemeClr val="tx1"/>
-          </a:fontRef>
-        </p:style>
-      </p:cxnSp>
-      <p:cxnSp>
-        <p:nvCxnSpPr>
-          <p:cNvPr id="39" name="Straight Arrow Connector 38"/>
-          <p:cNvCxnSpPr/>
-          <p:nvPr/>
-        </p:nvCxnSpPr>
-        <p:spPr>
-          <a:xfrm flipH="1" flipV="1">
-            <a:off x="4593144" y="754761"/>
-            <a:ext cx="1179531" cy="59233"/>
-          </a:xfrm>
-          <a:prstGeom prst="straightConnector1">
-            <a:avLst/>
-          </a:prstGeom>
-          <a:ln>
-            <a:tailEnd type="triangle"/>
-          </a:ln>
-        </p:spPr>
-        <p:style>
-          <a:lnRef idx="1">
-            <a:schemeClr val="accent1"/>
-          </a:lnRef>
-          <a:fillRef idx="0">
-            <a:schemeClr val="accent1"/>
-          </a:fillRef>
-          <a:effectRef idx="0">
-            <a:schemeClr val="accent1"/>
-          </a:effectRef>
-          <a:fontRef idx="minor">
-            <a:schemeClr val="tx1"/>
-          </a:fontRef>
-        </p:style>
-      </p:cxnSp>
-      <p:sp>
-        <p:nvSpPr>
-          <p:cNvPr id="30" name="TextBox 29"/>
-          <p:cNvSpPr txBox="1"/>
-          <p:nvPr/>
-        </p:nvSpPr>
-        <p:spPr>
-          <a:xfrm>
-            <a:off x="5719060" y="1166351"/>
-            <a:ext cx="591595" cy="215444"/>
-          </a:xfrm>
-          <a:prstGeom prst="rect">
-            <a:avLst/>
-          </a:prstGeom>
-          <a:solidFill>
-            <a:schemeClr val="bg1"/>
-          </a:solidFill>
-          <a:ln>
-            <a:solidFill>
-              <a:schemeClr val="accent1">
-                <a:shade val="50000"/>
-              </a:schemeClr>
-            </a:solidFill>
-          </a:ln>
-        </p:spPr>
-        <p:txBody>
-          <a:bodyPr wrap="square" rtlCol="0">
-            <a:spAutoFit/>
-          </a:bodyPr>
-          <a:lstStyle/>
-          <a:p>
-            <a:r>
-              <a:rPr lang="en-AU" sz="800"/>
-              <a:t>in_path</a:t>
-            </a:r>
-          </a:p>
-        </p:txBody>
-      </p:sp>
-      <p:sp>
-        <p:nvSpPr>
-          <p:cNvPr id="33" name="TextBox 32"/>
-          <p:cNvSpPr txBox="1"/>
-          <p:nvPr/>
-        </p:nvSpPr>
-        <p:spPr>
-          <a:xfrm>
-            <a:off x="5719060" y="919763"/>
-            <a:ext cx="591595" cy="215444"/>
-          </a:xfrm>
-          <a:prstGeom prst="rect">
-            <a:avLst/>
-          </a:prstGeom>
-          <a:solidFill>
-            <a:schemeClr val="bg1"/>
-          </a:solidFill>
-          <a:ln>
-            <a:solidFill>
-              <a:schemeClr val="accent1">
-                <a:shade val="50000"/>
-              </a:schemeClr>
-            </a:solidFill>
-          </a:ln>
-        </p:spPr>
-        <p:txBody>
-          <a:bodyPr wrap="square" rtlCol="0">
-            <a:spAutoFit/>
-          </a:bodyPr>
-          <a:lstStyle/>
-          <a:p>
-            <a:r>
-              <a:rPr lang="en-AU" sz="800"/>
-              <a:t>in_type</a:t>
-            </a:r>
-          </a:p>
-        </p:txBody>
-      </p:sp>
-      <p:sp>
-        <p:nvSpPr>
-          <p:cNvPr id="37" name="TextBox 36"/>
-          <p:cNvSpPr txBox="1"/>
-          <p:nvPr/>
-        </p:nvSpPr>
-        <p:spPr>
-          <a:xfrm>
-            <a:off x="5719060" y="671050"/>
-            <a:ext cx="591595" cy="215444"/>
-          </a:xfrm>
-          <a:prstGeom prst="rect">
-            <a:avLst/>
-          </a:prstGeom>
-          <a:solidFill>
-            <a:schemeClr val="bg1"/>
-          </a:solidFill>
-          <a:ln>
-            <a:solidFill>
-              <a:schemeClr val="accent1">
-                <a:shade val="50000"/>
-              </a:schemeClr>
-            </a:solidFill>
-          </a:ln>
-        </p:spPr>
-        <p:txBody>
-          <a:bodyPr wrap="square" rtlCol="0">
-            <a:spAutoFit/>
-          </a:bodyPr>
-          <a:lstStyle/>
-          <a:p>
-            <a:r>
-              <a:rPr lang="en-AU" sz="800"/>
-              <a:t>in_json</a:t>
-            </a:r>
-          </a:p>
-        </p:txBody>
-      </p:sp>
       <p:sp>
         <p:nvSpPr>
           <p:cNvPr id="61" name="TextBox 60"/>
@@ -30159,42 +34815,6 @@
           </a:p>
         </p:txBody>
       </p:sp>
-      <p:cxnSp>
-        <p:nvCxnSpPr>
-          <p:cNvPr id="64" name="Straight Arrow Connector 63"/>
-          <p:cNvCxnSpPr>
-            <a:stCxn id="33" idx="1"/>
-            <a:endCxn id="21" idx="6"/>
-          </p:cNvCxnSpPr>
-          <p:nvPr/>
-        </p:nvCxnSpPr>
-        <p:spPr>
-          <a:xfrm flipH="1" flipV="1">
-            <a:off x="4873655" y="970554"/>
-            <a:ext cx="845405" cy="56931"/>
-          </a:xfrm>
-          <a:prstGeom prst="straightConnector1">
-            <a:avLst/>
-          </a:prstGeom>
-          <a:ln>
-            <a:tailEnd type="triangle"/>
-          </a:ln>
-        </p:spPr>
-        <p:style>
-          <a:lnRef idx="1">
-            <a:schemeClr val="accent1"/>
-          </a:lnRef>
-          <a:fillRef idx="0">
-            <a:schemeClr val="accent1"/>
-          </a:fillRef>
-          <a:effectRef idx="0">
-            <a:schemeClr val="accent1"/>
-          </a:effectRef>
-          <a:fontRef idx="minor">
-            <a:schemeClr val="tx1"/>
-          </a:fontRef>
-        </p:style>
-      </p:cxnSp>
       <p:cxnSp>
         <p:nvCxnSpPr>
           <p:cNvPr id="31" name="Straight Arrow Connector 30"/>
@@ -30230,73 +34850,6 @@
           </a:fontRef>
         </p:style>
       </p:cxnSp>
-      <p:sp>
-        <p:nvSpPr>
-          <p:cNvPr id="34" name="Right Brace 33"/>
-          <p:cNvSpPr/>
-          <p:nvPr/>
-        </p:nvSpPr>
-        <p:spPr>
-          <a:xfrm>
-            <a:off x="6408751" y="698627"/>
-            <a:ext cx="166365" cy="683129"/>
-          </a:xfrm>
-          <a:prstGeom prst="rightBrace">
-            <a:avLst/>
-          </a:prstGeom>
-        </p:spPr>
-        <p:style>
-          <a:lnRef idx="1">
-            <a:schemeClr val="accent1"/>
-          </a:lnRef>
-          <a:fillRef idx="0">
-            <a:schemeClr val="accent1"/>
-          </a:fillRef>
-          <a:effectRef idx="0">
-            <a:schemeClr val="accent1"/>
-          </a:effectRef>
-          <a:fontRef idx="minor">
-            <a:schemeClr val="tx1"/>
-          </a:fontRef>
-        </p:style>
-        <p:txBody>
-          <a:bodyPr rtlCol="0" anchor="ctr"/>
-          <a:lstStyle/>
-          <a:p>
-            <a:pPr algn="ctr"/>
-            <a:endParaRPr lang="en-AU"/>
-          </a:p>
-        </p:txBody>
-      </p:sp>
-      <p:sp>
-        <p:nvSpPr>
-          <p:cNvPr id="35" name="TextBox 34"/>
-          <p:cNvSpPr txBox="1"/>
-          <p:nvPr/>
-        </p:nvSpPr>
-        <p:spPr>
-          <a:xfrm>
-            <a:off x="6603158" y="914231"/>
-            <a:ext cx="2195355" cy="261610"/>
-          </a:xfrm>
-          <a:prstGeom prst="rect">
-            <a:avLst/>
-          </a:prstGeom>
-          <a:noFill/>
-        </p:spPr>
-        <p:txBody>
-          <a:bodyPr wrap="square" rtlCol="0">
-            <a:spAutoFit/>
-          </a:bodyPr>
-          <a:lstStyle/>
-          <a:p>
-            <a:r>
-              <a:rPr lang="en-AU" sz="1100"/>
-              <a:t>Fields created from *.nc files</a:t>
-            </a:r>
-          </a:p>
-        </p:txBody>
-      </p:sp>
       <p:sp>
         <p:nvSpPr>
           <p:cNvPr id="14" name="TextBox 13"/>
@@ -30649,7 +35202,7 @@
         <p:spPr>
           <a:xfrm>
             <a:off x="8363443" y="4254061"/>
-            <a:ext cx="3057244" cy="784830"/>
+            <a:ext cx="3057244" cy="630942"/>
           </a:xfrm>
           <a:prstGeom prst="rect">
             <a:avLst/>
@@ -30682,28 +35235,28 @@
           <a:p>
             <a:r>
               <a:rPr lang="en-US"/>
-              <a:t>- bd788deb-fa0d-ebea-1dac-a2c5999a364c</a:t>
+              <a:t>bd788deb-fa0d-ebea-1dac-a2c5999a364c</a:t>
             </a:r>
             <a:endParaRPr lang="en-GB"/>
           </a:p>
           <a:p>
             <a:r>
               <a:rPr lang="en-US"/>
-              <a:t>- 2018-11-21 15:01:34.395869+11</a:t>
+              <a:t>2018-11-21 15:01:34.395869+11</a:t>
             </a:r>
             <a:endParaRPr lang="en-GB"/>
           </a:p>
           <a:p>
             <a:r>
               <a:rPr lang="en-US"/>
-              <a:t>- gdal</a:t>
+              <a:t>gdal</a:t>
             </a:r>
             <a:endParaRPr lang="en-GB"/>
           </a:p>
           <a:p>
             <a:r>
               <a:rPr lang="en-US"/>
-              <a:t>- {"filename": "/g/data2/tc43…”… -1]}]}</a:t>
+              <a:t>{"filename": "/g/data2/tc43…”… -1]}]}</a:t>
             </a:r>
             <a:endParaRPr lang="en-GB"/>
           </a:p>
@@ -30727,7 +35280,7 @@
         <p:spPr>
           <a:xfrm>
             <a:off x="8363443" y="3045619"/>
-            <a:ext cx="3057244" cy="923330"/>
+            <a:ext cx="3057244" cy="738664"/>
           </a:xfrm>
           <a:prstGeom prst="rect">
             <a:avLst/>
@@ -30760,31 +35313,31 @@
           <a:p>
             <a:r>
               <a:rPr lang="en-GB"/>
-              <a:t>- e2a71936-e060-3431-e0af-c4c1e0d7a926</a:t>
+              <a:t>e2a71936-e060-3431-e0af-c4c1e0d7a926</a:t>
             </a:r>
           </a:p>
           <a:p>
             <a:r>
               <a:rPr lang="en-GB"/>
-              <a:t>- 2018-11-22 13:40:47.980522+11</a:t>
+              <a:t>2018-11-22 13:40:47.980522+11</a:t>
             </a:r>
           </a:p>
           <a:p>
             <a:r>
               <a:rPr lang="en-GB"/>
-              <a:t>- null</a:t>
+              <a:t>null</a:t>
             </a:r>
           </a:p>
           <a:p>
             <a:r>
               <a:rPr lang="en-GB"/>
-              <a:t>- /g/data2/tc43/…/FC.v310.M...h1...2018.006.nc</a:t>
+              <a:t>/g/data2/tc43/…/FC.v310.M...h1...2018.006.nc</a:t>
             </a:r>
           </a:p>
           <a:p>
             <a:r>
               <a:rPr lang="en-US"/>
-              <a:t>- {399ab314-4e5e-e928-7ec4,…}</a:t>
+              <a:t>{399ab314-4e5e-e928-7ec4,…}</a:t>
             </a:r>
             <a:endParaRPr lang="en-GB"/>
           </a:p>
@@ -31370,6 +35923,42 @@
           </a:p>
         </p:txBody>
       </p:sp>
+      <p:sp>
+        <p:nvSpPr>
+          <p:cNvPr id="60" name="TextBox 59">
+            <a:extLst>
+              <a:ext uri="{FF2B5EF4-FFF2-40B4-BE49-F238E27FC236}">
+                <a16:creationId xmlns:a16="http://schemas.microsoft.com/office/drawing/2014/main" id="{3C2B66E3-D16F-4109-8E55-F1482040546B}"/>
+              </a:ext>
+            </a:extLst>
+          </p:cNvPr>
+          <p:cNvSpPr txBox="1"/>
+          <p:nvPr/>
+        </p:nvSpPr>
+        <p:spPr>
+          <a:xfrm>
+            <a:off x="11161338" y="141402"/>
+            <a:ext cx="848413" cy="246221"/>
+          </a:xfrm>
+          <a:prstGeom prst="rect">
+            <a:avLst/>
+          </a:prstGeom>
+          <a:noFill/>
+        </p:spPr>
+        <p:txBody>
+          <a:bodyPr wrap="square" rtlCol="0">
+            <a:spAutoFit/>
+          </a:bodyPr>
+          <a:lstStyle/>
+          <a:p>
+            <a:r>
+              <a:rPr lang="en-US" sz="1000"/>
+              <a:t>Slide 7 of 7</a:t>
+            </a:r>
+            <a:endParaRPr lang="en-AU" sz="1000"/>
+          </a:p>
+        </p:txBody>
+      </p:sp>
     </p:spTree>
     <p:custDataLst>
       <p:tags r:id="rId1"/>
@@ -31385,12 +35974,12 @@
   </p:clrMapOvr>
   <mc:AlternateContent xmlns:mc="http://schemas.openxmlformats.org/markup-compatibility/2006">
     <mc:Choice xmlns:p15="http://schemas.microsoft.com/office/powerpoint/2012/main" Requires="p15">
-      <p:transition xmlns:p14="http://schemas.microsoft.com/office/powerpoint/2010/main" spd="slow" p14:dur="2000">
+      <p:transition xmlns:p14="http://schemas.microsoft.com/office/powerpoint/2010/main" spd="slow" p14:dur="2000" advTm="55089">
         <p15:prstTrans prst="drape"/>
       </p:transition>
     </mc:Choice>
     <mc:Fallback>
-      <p:transition spd="slow">
+      <p:transition spd="slow" advTm="55089">
         <p:fade/>
       </p:transition>
     </mc:Fallback>
@@ -32377,7 +36966,7 @@
                                     <p:cond delay="0"/>
                                   </p:stCondLst>
                                   <p:childTnLst>
-                                    <p:animMotion origin="layout" path="M 6.25E-7 -3.7037E-6 L 0.2388 0.3801 " pathEditMode="relative" rAng="0" ptsTypes="AA">
+                                    <p:animMotion origin="layout" path="M 6.25E-7 -3.7037E-6 L 0.22852 0.38889 " pathEditMode="relative" rAng="0" ptsTypes="AA">
                                       <p:cBhvr>
                                         <p:cTn id="98" dur="2000" fill="hold"/>
                                         <p:tgtEl>
@@ -32388,7 +36977,7 @@
                                           <p:attrName>ppt_y</p:attrName>
                                         </p:attrNameLst>
                                       </p:cBhvr>
-                                      <p:rCtr x="11940" y="19005"/>
+                                      <p:rCtr x="11419" y="19444"/>
                                     </p:animMotion>
                                   </p:childTnLst>
                                 </p:cTn>
@@ -32502,37 +37091,43 @@
 
 <file path=ppt/tags/tag1.xml><?xml version="1.0" encoding="utf-8"?>
 <p:tagLst xmlns:a="http://schemas.openxmlformats.org/drawingml/2006/main" xmlns:r="http://schemas.openxmlformats.org/officeDocument/2006/relationships" xmlns:p="http://schemas.openxmlformats.org/presentationml/2006/main">
-  <p:tag name="TIMING" val="|0.9|3.9|4.5|3.8"/>
+  <p:tag name="TIMING" val="|0.8"/>
 </p:tagLst>
 </file>
 
 <file path=ppt/tags/tag2.xml><?xml version="1.0" encoding="utf-8"?>
 <p:tagLst xmlns:a="http://schemas.openxmlformats.org/drawingml/2006/main" xmlns:r="http://schemas.openxmlformats.org/officeDocument/2006/relationships" xmlns:p="http://schemas.openxmlformats.org/presentationml/2006/main">
-  <p:tag name="TIMING" val="|3.2|2.1|2.2|1.6|1|1|2|0.8|0.8|0.9|2.2|0.8|1.1|0.9|0.7|1.1|1.2|2.1|0.8|0.8"/>
+  <p:tag name="TIMING" val="|2|8.9|2.3|0.7|7.9|2.1|0.7|8.3|2.1|0.7|7.6|1.9|1|7.6|2.1|0.7|6.9|2|0.7|6.3"/>
 </p:tagLst>
 </file>
 
 <file path=ppt/tags/tag3.xml><?xml version="1.0" encoding="utf-8"?>
 <p:tagLst xmlns:a="http://schemas.openxmlformats.org/drawingml/2006/main" xmlns:r="http://schemas.openxmlformats.org/officeDocument/2006/relationships" xmlns:p="http://schemas.openxmlformats.org/presentationml/2006/main">
-  <p:tag name="TIMING" val="|0.6|2.2|1|2.2|2.2|2.2|2.3|0.8|2.1|0.9|2.2|0.9|2.1|0.8|2|0.9|2.2"/>
+  <p:tag name="TIMING" val="|0.7|2.7|2.3|0.8|0.8|3.1|2.1|0.8|0.7|3.5|2|0.8|2.4|2.4|2.5|1.1|3.1|2.1|0.9|0.9"/>
 </p:tagLst>
 </file>
 
 <file path=ppt/tags/tag4.xml><?xml version="1.0" encoding="utf-8"?>
 <p:tagLst xmlns:a="http://schemas.openxmlformats.org/drawingml/2006/main" xmlns:r="http://schemas.openxmlformats.org/officeDocument/2006/relationships" xmlns:p="http://schemas.openxmlformats.org/presentationml/2006/main">
-  <p:tag name="TIMING" val="|0.7|2.2|1|2.3|2.4|2.3|2|0.9|2.1|0.9|2.1|0.8|2.2|1|1.8|0.9|2.3"/>
+  <p:tag name="TIMING" val="|0.6|2.9|2.1|2.6|2.5|2.7|2.4|3.2|2.4|3|2.3|3.9|2.9|1.7|2.5|1.8|2.4"/>
 </p:tagLst>
 </file>
 
 <file path=ppt/tags/tag5.xml><?xml version="1.0" encoding="utf-8"?>
 <p:tagLst xmlns:a="http://schemas.openxmlformats.org/drawingml/2006/main" xmlns:r="http://schemas.openxmlformats.org/officeDocument/2006/relationships" xmlns:p="http://schemas.openxmlformats.org/presentationml/2006/main">
-  <p:tag name="TIMING" val="|0.7|2.1|0.9|2.3|2.2|2.3|0.9|1|2.3|1|1.1|2.4|1|1.4|2.5|0.9|0.9|1|2.4|0.9|0.9|2.3"/>
+  <p:tag name="TIMING" val="|0.7|2.5|1.7|3|2.5|2.9|2.3|2.3|2.2|2.9|2.3|2.1|2.2|3.9|2.1|3.1|2.2"/>
 </p:tagLst>
 </file>
 
 <file path=ppt/tags/tag6.xml><?xml version="1.0" encoding="utf-8"?>
 <p:tagLst xmlns:a="http://schemas.openxmlformats.org/drawingml/2006/main" xmlns:r="http://schemas.openxmlformats.org/officeDocument/2006/relationships" xmlns:p="http://schemas.openxmlformats.org/presentationml/2006/main">
-  <p:tag name="TIMING" val="|0.7|2.3|1|2.3|1.3|0.8|0.8|0.8|2.3|0.9|1.1|2.3|0.9|1.1|2.4|0.9|0.9|0.9|2.3|1|0.8|2.1"/>
+  <p:tag name="TIMING" val="|0.7|3.2|2.3|2.2|0.9|0.8|3.8|2.2|0.7|0.7|3.7|2.1|0.8|0.7|2.9|2.5|2.2|0.9|0.7|4.4|2|0.8|0.8|4.3|2.2|0.7|0.8|3.5|3|2.5|0.8|0.8|3.5|2.1|3.7"/>
+</p:tagLst>
+</file>
+
+<file path=ppt/tags/tag7.xml><?xml version="1.0" encoding="utf-8"?>
+<p:tagLst xmlns:a="http://schemas.openxmlformats.org/drawingml/2006/main" xmlns:r="http://schemas.openxmlformats.org/officeDocument/2006/relationships" xmlns:p="http://schemas.openxmlformats.org/presentationml/2006/main">
+  <p:tag name="TIMING" val="|2.3|4.2|1.2|2.6|2.6|2.7|1|3.3|2.3|0.8|2.8|2.6|0.8|3.6|2.6|0.8|0.7|3|2.4|0.9|3.1|2.7"/>
 </p:tagLst>
 </file>
 

--- a/crawl/GSKY_Crawl_MAS.pptx
+++ b/crawl/GSKY_Crawl_MAS.pptx
@@ -467,7 +467,7 @@
           <a:p>
             <a:fld id="{221F956C-5F97-4262-95A4-17918E5C673A}" type="datetimeFigureOut">
               <a:rPr lang="en-AU" smtClean="0"/>
-              <a:t>26/11/2018</a:t>
+              <a:t>27/11/2018</a:t>
             </a:fld>
             <a:endParaRPr lang="en-AU"/>
           </a:p>
@@ -805,7 +805,7 @@
           <a:p>
             <a:fld id="{221F956C-5F97-4262-95A4-17918E5C673A}" type="datetimeFigureOut">
               <a:rPr lang="en-AU" smtClean="0"/>
-              <a:t>26/11/2018</a:t>
+              <a:t>27/11/2018</a:t>
             </a:fld>
             <a:endParaRPr lang="en-AU"/>
           </a:p>
@@ -1206,7 +1206,7 @@
           <a:p>
             <a:fld id="{221F956C-5F97-4262-95A4-17918E5C673A}" type="datetimeFigureOut">
               <a:rPr lang="en-AU" smtClean="0"/>
-              <a:t>26/11/2018</a:t>
+              <a:t>27/11/2018</a:t>
             </a:fld>
             <a:endParaRPr lang="en-AU"/>
           </a:p>
@@ -1542,7 +1542,7 @@
           <a:p>
             <a:fld id="{221F956C-5F97-4262-95A4-17918E5C673A}" type="datetimeFigureOut">
               <a:rPr lang="en-AU" smtClean="0"/>
-              <a:t>26/11/2018</a:t>
+              <a:t>27/11/2018</a:t>
             </a:fld>
             <a:endParaRPr lang="en-AU"/>
           </a:p>
@@ -1862,7 +1862,7 @@
           <a:p>
             <a:fld id="{221F956C-5F97-4262-95A4-17918E5C673A}" type="datetimeFigureOut">
               <a:rPr lang="en-AU" smtClean="0"/>
-              <a:t>26/11/2018</a:t>
+              <a:t>27/11/2018</a:t>
             </a:fld>
             <a:endParaRPr lang="en-AU"/>
           </a:p>
@@ -2258,7 +2258,7 @@
           <a:p>
             <a:fld id="{221F956C-5F97-4262-95A4-17918E5C673A}" type="datetimeFigureOut">
               <a:rPr lang="en-AU" smtClean="0"/>
-              <a:t>26/11/2018</a:t>
+              <a:t>27/11/2018</a:t>
             </a:fld>
             <a:endParaRPr lang="en-AU"/>
           </a:p>
@@ -2515,7 +2515,7 @@
           <a:p>
             <a:fld id="{221F956C-5F97-4262-95A4-17918E5C673A}" type="datetimeFigureOut">
               <a:rPr lang="en-AU" smtClean="0"/>
-              <a:t>26/11/2018</a:t>
+              <a:t>27/11/2018</a:t>
             </a:fld>
             <a:endParaRPr lang="en-AU"/>
           </a:p>
@@ -2777,7 +2777,7 @@
           <a:p>
             <a:fld id="{221F956C-5F97-4262-95A4-17918E5C673A}" type="datetimeFigureOut">
               <a:rPr lang="en-AU" smtClean="0"/>
-              <a:t>26/11/2018</a:t>
+              <a:t>27/11/2018</a:t>
             </a:fld>
             <a:endParaRPr lang="en-AU"/>
           </a:p>
@@ -3108,7 +3108,7 @@
           <a:p>
             <a:fld id="{221F956C-5F97-4262-95A4-17918E5C673A}" type="datetimeFigureOut">
               <a:rPr lang="en-AU" smtClean="0"/>
-              <a:t>26/11/2018</a:t>
+              <a:t>27/11/2018</a:t>
             </a:fld>
             <a:endParaRPr lang="en-AU"/>
           </a:p>
@@ -3295,7 +3295,7 @@
           <a:p>
             <a:fld id="{221F956C-5F97-4262-95A4-17918E5C673A}" type="datetimeFigureOut">
               <a:rPr lang="en-AU" smtClean="0"/>
-              <a:t>26/11/2018</a:t>
+              <a:t>27/11/2018</a:t>
             </a:fld>
             <a:endParaRPr lang="en-AU"/>
           </a:p>
@@ -3654,7 +3654,7 @@
           <a:p>
             <a:fld id="{221F956C-5F97-4262-95A4-17918E5C673A}" type="datetimeFigureOut">
               <a:rPr lang="en-AU" smtClean="0"/>
-              <a:t>26/11/2018</a:t>
+              <a:t>27/11/2018</a:t>
             </a:fld>
             <a:endParaRPr lang="en-AU"/>
           </a:p>
@@ -3977,7 +3977,7 @@
           <a:p>
             <a:fld id="{221F956C-5F97-4262-95A4-17918E5C673A}" type="datetimeFigureOut">
               <a:rPr lang="en-AU" smtClean="0"/>
-              <a:t>26/11/2018</a:t>
+              <a:t>27/11/2018</a:t>
             </a:fld>
             <a:endParaRPr lang="en-AU"/>
           </a:p>
@@ -4434,7 +4434,7 @@
           <a:p>
             <a:fld id="{221F956C-5F97-4262-95A4-17918E5C673A}" type="datetimeFigureOut">
               <a:rPr lang="en-AU" smtClean="0"/>
-              <a:t>26/11/2018</a:t>
+              <a:t>27/11/2018</a:t>
             </a:fld>
             <a:endParaRPr lang="en-AU"/>
           </a:p>
@@ -4639,7 +4639,7 @@
           <a:p>
             <a:fld id="{221F956C-5F97-4262-95A4-17918E5C673A}" type="datetimeFigureOut">
               <a:rPr lang="en-AU" smtClean="0"/>
-              <a:t>26/11/2018</a:t>
+              <a:t>27/11/2018</a:t>
             </a:fld>
             <a:endParaRPr lang="en-AU"/>
           </a:p>
@@ -4816,7 +4816,7 @@
           <a:p>
             <a:fld id="{221F956C-5F97-4262-95A4-17918E5C673A}" type="datetimeFigureOut">
               <a:rPr lang="en-AU" smtClean="0"/>
-              <a:t>26/11/2018</a:t>
+              <a:t>27/11/2018</a:t>
             </a:fld>
             <a:endParaRPr lang="en-AU"/>
           </a:p>
@@ -5149,7 +5149,7 @@
           <a:p>
             <a:fld id="{221F956C-5F97-4262-95A4-17918E5C673A}" type="datetimeFigureOut">
               <a:rPr lang="en-AU" smtClean="0"/>
-              <a:t>26/11/2018</a:t>
+              <a:t>27/11/2018</a:t>
             </a:fld>
             <a:endParaRPr lang="en-AU"/>
           </a:p>
@@ -7894,7 +7894,7 @@
             <a:fld id="{B61BEF0D-F0BB-DE4B-95CE-6DB70DBA9567}" type="datetimeFigureOut">
               <a:rPr lang="en-US" dirty="0"/>
               <a:pPr/>
-              <a:t>11/26/2018</a:t>
+              <a:t>11/27/2018</a:t>
             </a:fld>
             <a:endParaRPr lang="en-US" dirty="0"/>
           </a:p>
@@ -8602,9 +8602,9 @@
             </a:r>
             <a:r>
               <a:rPr lang="en-AU" u="sng">
-                <a:hlinkClick r:id="rId6" tooltip="GSKY_Crawl_MAS.mp4"/>
+                <a:hlinkClick r:id="rId6"/>
               </a:rPr>
-              <a:t>GSKY_Crawl_MAS.mp4</a:t>
+              <a:t>GSKY_Crawl_MAS.mp4.gz</a:t>
             </a:r>
             <a:endParaRPr lang="en-US"/>
           </a:p>
@@ -9407,13 +9407,13 @@
   <p:clrMapOvr>
     <a:masterClrMapping/>
   </p:clrMapOvr>
-  <mc:AlternateContent xmlns:mc="http://schemas.openxmlformats.org/markup-compatibility/2006">
-    <mc:Choice xmlns:p159="http://schemas.microsoft.com/office/powerpoint/2015/09/main" Requires="p159">
+  <mc:AlternateContent xmlns:mc="http://schemas.openxmlformats.org/markup-compatibility/2006" xmlns:p159="http://schemas.microsoft.com/office/powerpoint/2015/09/main">
+    <mc:Choice Requires="p159">
       <p:transition xmlns:p14="http://schemas.microsoft.com/office/powerpoint/2010/main" spd="slow" p14:dur="2000" advTm="10372">
         <p159:morph option="byObject"/>
       </p:transition>
     </mc:Choice>
-    <mc:Fallback>
+    <mc:Fallback xmlns="">
       <p:transition spd="slow" advTm="10372">
         <p:fade/>
       </p:transition>
@@ -12763,13 +12763,13 @@
   <p:clrMapOvr>
     <a:masterClrMapping/>
   </p:clrMapOvr>
-  <mc:AlternateContent xmlns:mc="http://schemas.openxmlformats.org/markup-compatibility/2006">
-    <mc:Choice xmlns:p159="http://schemas.microsoft.com/office/powerpoint/2015/09/main" Requires="p159">
+  <mc:AlternateContent xmlns:mc="http://schemas.openxmlformats.org/markup-compatibility/2006" xmlns:p159="http://schemas.microsoft.com/office/powerpoint/2015/09/main">
+    <mc:Choice Requires="p159">
       <p:transition xmlns:p14="http://schemas.microsoft.com/office/powerpoint/2010/main" spd="slow" p14:dur="2000" advTm="81291">
         <p159:morph option="byObject"/>
       </p:transition>
     </mc:Choice>
-    <mc:Fallback>
+    <mc:Fallback xmlns="">
       <p:transition spd="slow" advTm="81291">
         <p:fade/>
       </p:transition>
@@ -16819,13 +16819,13 @@
   <p:clrMapOvr>
     <a:masterClrMapping/>
   </p:clrMapOvr>
-  <mc:AlternateContent xmlns:mc="http://schemas.openxmlformats.org/markup-compatibility/2006">
-    <mc:Choice xmlns:p15="http://schemas.microsoft.com/office/powerpoint/2012/main" Requires="p15">
+  <mc:AlternateContent xmlns:mc="http://schemas.openxmlformats.org/markup-compatibility/2006" xmlns:p15="http://schemas.microsoft.com/office/powerpoint/2012/main">
+    <mc:Choice Requires="p15">
       <p:transition xmlns:p14="http://schemas.microsoft.com/office/powerpoint/2010/main" spd="slow" p14:dur="2000" advTm="40950">
         <p15:prstTrans prst="drape"/>
       </p:transition>
     </mc:Choice>
-    <mc:Fallback>
+    <mc:Fallback xmlns="">
       <p:transition spd="slow" advTm="40950">
         <p:fade/>
       </p:transition>
@@ -21318,10 +21318,18 @@
               <a:buNone/>
             </a:pPr>
             <a:r>
-              <a:rPr lang="en-AU" sz="1200" b="1"/>
+              <a:rPr lang="en-AU" sz="1200" b="1">
+                <a:solidFill>
+                  <a:srgbClr val="00B0F0"/>
+                </a:solidFill>
+              </a:rPr>
               <a:t>See next slide</a:t>
             </a:r>
-            <a:endParaRPr lang="en-GB" sz="1200"/>
+            <a:endParaRPr lang="en-GB" sz="1200">
+              <a:solidFill>
+                <a:srgbClr val="00B0F0"/>
+              </a:solidFill>
+            </a:endParaRPr>
           </a:p>
         </p:txBody>
       </p:sp>
@@ -21603,13 +21611,13 @@
   <p:clrMapOvr>
     <a:masterClrMapping/>
   </p:clrMapOvr>
-  <mc:AlternateContent xmlns:mc="http://schemas.openxmlformats.org/markup-compatibility/2006">
-    <mc:Choice xmlns:p15="http://schemas.microsoft.com/office/powerpoint/2012/main" Requires="p15">
+  <mc:AlternateContent xmlns:mc="http://schemas.openxmlformats.org/markup-compatibility/2006" xmlns:p15="http://schemas.microsoft.com/office/powerpoint/2012/main">
+    <mc:Choice Requires="p15">
       <p:transition xmlns:p14="http://schemas.microsoft.com/office/powerpoint/2010/main" spd="slow" p14:dur="2000" advTm="46655">
         <p15:prstTrans prst="drape"/>
       </p:transition>
     </mc:Choice>
-    <mc:Fallback>
+    <mc:Fallback xmlns="">
       <p:transition spd="slow" advTm="46655">
         <p:fade/>
       </p:transition>
@@ -22133,7 +22141,7 @@
                                     <p:cond delay="0"/>
                                   </p:stCondLst>
                                   <p:childTnLst>
-                                    <p:animMotion origin="layout" path="M 3.33333E-6 -2.96296E-6 L -0.26602 -0.125 " pathEditMode="relative" rAng="0" ptsTypes="AA">
+                                    <p:animMotion origin="layout" path="M 3.33333E-6 -2.96296E-6 L -0.26758 -0.13611 " pathEditMode="relative" rAng="0" ptsTypes="AA">
                                       <p:cBhvr>
                                         <p:cTn id="54" dur="2000" fill="hold"/>
                                         <p:tgtEl>
@@ -22144,7 +22152,7 @@
                                           <p:attrName>ppt_y</p:attrName>
                                         </p:attrNameLst>
                                       </p:cBhvr>
-                                      <p:rCtr x="-13307" y="-6250"/>
+                                      <p:rCtr x="-13724" y="-6806"/>
                                     </p:animMotion>
                                   </p:childTnLst>
                                 </p:cTn>
@@ -26608,13 +26616,13 @@
   <p:clrMapOvr>
     <a:masterClrMapping/>
   </p:clrMapOvr>
-  <mc:AlternateContent xmlns:mc="http://schemas.openxmlformats.org/markup-compatibility/2006">
-    <mc:Choice xmlns:p15="http://schemas.microsoft.com/office/powerpoint/2012/main" Requires="p15">
+  <mc:AlternateContent xmlns:mc="http://schemas.openxmlformats.org/markup-compatibility/2006" xmlns:p15="http://schemas.microsoft.com/office/powerpoint/2012/main">
+    <mc:Choice Requires="p15">
       <p:transition xmlns:p14="http://schemas.microsoft.com/office/powerpoint/2010/main" spd="slow" p14:dur="2000" advTm="47373">
         <p15:prstTrans prst="drape"/>
       </p:transition>
     </mc:Choice>
-    <mc:Fallback>
+    <mc:Fallback xmlns="">
       <p:transition spd="slow" advTm="47373">
         <p:fade/>
       </p:transition>
@@ -31179,13 +31187,13 @@
   <p:clrMapOvr>
     <a:masterClrMapping/>
   </p:clrMapOvr>
-  <mc:AlternateContent xmlns:mc="http://schemas.openxmlformats.org/markup-compatibility/2006">
-    <mc:Choice xmlns:p15="http://schemas.microsoft.com/office/powerpoint/2012/main" Requires="p15">
+  <mc:AlternateContent xmlns:mc="http://schemas.openxmlformats.org/markup-compatibility/2006" xmlns:p15="http://schemas.microsoft.com/office/powerpoint/2012/main">
+    <mc:Choice Requires="p15">
       <p:transition xmlns:p14="http://schemas.microsoft.com/office/powerpoint/2010/main" spd="slow" p14:dur="2000" advTm="75377">
         <p15:prstTrans prst="drape"/>
       </p:transition>
     </mc:Choice>
-    <mc:Fallback>
+    <mc:Fallback xmlns="">
       <p:transition spd="slow" advTm="75377">
         <p:fade/>
       </p:transition>
@@ -35972,13 +35980,13 @@
   <p:clrMapOvr>
     <a:masterClrMapping/>
   </p:clrMapOvr>
-  <mc:AlternateContent xmlns:mc="http://schemas.openxmlformats.org/markup-compatibility/2006">
-    <mc:Choice xmlns:p15="http://schemas.microsoft.com/office/powerpoint/2012/main" Requires="p15">
+  <mc:AlternateContent xmlns:mc="http://schemas.openxmlformats.org/markup-compatibility/2006" xmlns:p15="http://schemas.microsoft.com/office/powerpoint/2012/main">
+    <mc:Choice Requires="p15">
       <p:transition xmlns:p14="http://schemas.microsoft.com/office/powerpoint/2010/main" spd="slow" p14:dur="2000" advTm="55089">
         <p15:prstTrans prst="drape"/>
       </p:transition>
     </mc:Choice>
-    <mc:Fallback>
+    <mc:Fallback xmlns="">
       <p:transition spd="slow" advTm="55089">
         <p:fade/>
       </p:transition>
